--- a/trunk/ tsp01-contratos-clientes/ITERACCION01/SI01/PRESENTACIONES/PPT SI01 MCUN.pptx
+++ b/trunk/ tsp01-contratos-clientes/ITERACCION01/SI01/PRESENTACIONES/PPT SI01 MCUN.pptx
@@ -7,9 +7,16 @@
   <p:sldIdLst>
     <p:sldId id="256" r:id="rId2"/>
     <p:sldId id="258" r:id="rId3"/>
-    <p:sldId id="257" r:id="rId4"/>
-    <p:sldId id="259" r:id="rId5"/>
-    <p:sldId id="260" r:id="rId6"/>
+    <p:sldId id="261" r:id="rId4"/>
+    <p:sldId id="262" r:id="rId5"/>
+    <p:sldId id="265" r:id="rId6"/>
+    <p:sldId id="263" r:id="rId7"/>
+    <p:sldId id="264" r:id="rId8"/>
+    <p:sldId id="266" r:id="rId9"/>
+    <p:sldId id="267" r:id="rId10"/>
+    <p:sldId id="268" r:id="rId11"/>
+    <p:sldId id="259" r:id="rId12"/>
+    <p:sldId id="260" r:id="rId13"/>
   </p:sldIdLst>
   <p:sldSz cx="9144000" cy="6858000" type="screen4x3"/>
   <p:notesSz cx="6858000" cy="9144000"/>
@@ -1923,6 +1930,7 @@
           <a:p>
             <a:fld id="{15AD49C3-FFB3-43A7-92FA-622BE02CB1C4}" type="datetimeFigureOut">
               <a:rPr lang="es-PE" smtClean="0"/>
+              <a:pPr/>
               <a:t>06/05/2012</a:t>
             </a:fld>
             <a:endParaRPr lang="es-PE"/>
@@ -1965,6 +1973,7 @@
           <a:p>
             <a:fld id="{0A355AF4-5C5D-4911-90B4-C651615D7B40}" type="slidenum">
               <a:rPr lang="es-PE" smtClean="0"/>
+              <a:pPr/>
               <a:t>‹Nº›</a:t>
             </a:fld>
             <a:endParaRPr lang="es-PE"/>
@@ -2104,6 +2113,7 @@
           <a:p>
             <a:fld id="{15AD49C3-FFB3-43A7-92FA-622BE02CB1C4}" type="datetimeFigureOut">
               <a:rPr lang="es-PE" smtClean="0"/>
+              <a:pPr/>
               <a:t>06/05/2012</a:t>
             </a:fld>
             <a:endParaRPr lang="es-PE"/>
@@ -2146,6 +2156,7 @@
           <a:p>
             <a:fld id="{0A355AF4-5C5D-4911-90B4-C651615D7B40}" type="slidenum">
               <a:rPr lang="es-PE" smtClean="0"/>
+              <a:pPr/>
               <a:t>‹Nº›</a:t>
             </a:fld>
             <a:endParaRPr lang="es-PE"/>
@@ -2255,6 +2266,7 @@
           <a:p>
             <a:fld id="{15AD49C3-FFB3-43A7-92FA-622BE02CB1C4}" type="datetimeFigureOut">
               <a:rPr lang="es-PE" smtClean="0"/>
+              <a:pPr/>
               <a:t>06/05/2012</a:t>
             </a:fld>
             <a:endParaRPr lang="es-PE"/>
@@ -2297,6 +2309,7 @@
           <a:p>
             <a:fld id="{0A355AF4-5C5D-4911-90B4-C651615D7B40}" type="slidenum">
               <a:rPr lang="es-PE" smtClean="0"/>
+              <a:pPr/>
               <a:t>‹Nº›</a:t>
             </a:fld>
             <a:endParaRPr lang="es-PE"/>
@@ -4081,6 +4094,7 @@
           <a:p>
             <a:fld id="{15AD49C3-FFB3-43A7-92FA-622BE02CB1C4}" type="datetimeFigureOut">
               <a:rPr lang="es-PE" smtClean="0"/>
+              <a:pPr/>
               <a:t>06/05/2012</a:t>
             </a:fld>
             <a:endParaRPr lang="es-PE"/>
@@ -4123,6 +4137,7 @@
           <a:p>
             <a:fld id="{0A355AF4-5C5D-4911-90B4-C651615D7B40}" type="slidenum">
               <a:rPr lang="es-PE" smtClean="0"/>
+              <a:pPr/>
               <a:t>‹Nº›</a:t>
             </a:fld>
             <a:endParaRPr lang="es-PE"/>
@@ -5951,6 +5966,7 @@
           <a:p>
             <a:fld id="{15AD49C3-FFB3-43A7-92FA-622BE02CB1C4}" type="datetimeFigureOut">
               <a:rPr lang="es-PE" smtClean="0"/>
+              <a:pPr/>
               <a:t>06/05/2012</a:t>
             </a:fld>
             <a:endParaRPr lang="es-PE"/>
@@ -5993,6 +6009,7 @@
           <a:p>
             <a:fld id="{0A355AF4-5C5D-4911-90B4-C651615D7B40}" type="slidenum">
               <a:rPr lang="es-PE" smtClean="0"/>
+              <a:pPr/>
               <a:t>‹Nº›</a:t>
             </a:fld>
             <a:endParaRPr lang="es-PE"/>
@@ -6064,6 +6081,7 @@
           <a:p>
             <a:fld id="{15AD49C3-FFB3-43A7-92FA-622BE02CB1C4}" type="datetimeFigureOut">
               <a:rPr lang="es-PE" smtClean="0"/>
+              <a:pPr/>
               <a:t>06/05/2012</a:t>
             </a:fld>
             <a:endParaRPr lang="es-PE"/>
@@ -6106,6 +6124,7 @@
           <a:p>
             <a:fld id="{0A355AF4-5C5D-4911-90B4-C651615D7B40}" type="slidenum">
               <a:rPr lang="es-PE" smtClean="0"/>
+              <a:pPr/>
               <a:t>‹Nº›</a:t>
             </a:fld>
             <a:endParaRPr lang="es-PE"/>
@@ -6605,6 +6624,7 @@
           <a:p>
             <a:fld id="{15AD49C3-FFB3-43A7-92FA-622BE02CB1C4}" type="datetimeFigureOut">
               <a:rPr lang="es-PE" smtClean="0"/>
+              <a:pPr/>
               <a:t>06/05/2012</a:t>
             </a:fld>
             <a:endParaRPr lang="es-PE"/>
@@ -6647,6 +6667,7 @@
           <a:p>
             <a:fld id="{0A355AF4-5C5D-4911-90B4-C651615D7B40}" type="slidenum">
               <a:rPr lang="es-PE" smtClean="0"/>
+              <a:pPr/>
               <a:t>‹Nº›</a:t>
             </a:fld>
             <a:endParaRPr lang="es-PE"/>
@@ -6718,6 +6739,7 @@
           <a:p>
             <a:fld id="{15AD49C3-FFB3-43A7-92FA-622BE02CB1C4}" type="datetimeFigureOut">
               <a:rPr lang="es-PE" smtClean="0"/>
+              <a:pPr/>
               <a:t>06/05/2012</a:t>
             </a:fld>
             <a:endParaRPr lang="es-PE"/>
@@ -6760,6 +6782,7 @@
           <a:p>
             <a:fld id="{0A355AF4-5C5D-4911-90B4-C651615D7B40}" type="slidenum">
               <a:rPr lang="es-PE" smtClean="0"/>
+              <a:pPr/>
               <a:t>‹Nº›</a:t>
             </a:fld>
             <a:endParaRPr lang="es-PE"/>
@@ -8429,6 +8452,7 @@
           <a:p>
             <a:fld id="{15AD49C3-FFB3-43A7-92FA-622BE02CB1C4}" type="datetimeFigureOut">
               <a:rPr lang="es-PE" smtClean="0"/>
+              <a:pPr/>
               <a:t>06/05/2012</a:t>
             </a:fld>
             <a:endParaRPr lang="es-PE"/>
@@ -8471,6 +8495,7 @@
           <a:p>
             <a:fld id="{0A355AF4-5C5D-4911-90B4-C651615D7B40}" type="slidenum">
               <a:rPr lang="es-PE" smtClean="0"/>
+              <a:pPr/>
               <a:t>‹Nº›</a:t>
             </a:fld>
             <a:endParaRPr lang="es-PE"/>
@@ -8580,6 +8605,7 @@
           <a:p>
             <a:fld id="{15AD49C3-FFB3-43A7-92FA-622BE02CB1C4}" type="datetimeFigureOut">
               <a:rPr lang="es-PE" smtClean="0"/>
+              <a:pPr/>
               <a:t>06/05/2012</a:t>
             </a:fld>
             <a:endParaRPr lang="es-PE"/>
@@ -8622,6 +8648,7 @@
           <a:p>
             <a:fld id="{0A355AF4-5C5D-4911-90B4-C651615D7B40}" type="slidenum">
               <a:rPr lang="es-PE" smtClean="0"/>
+              <a:pPr/>
               <a:t>‹Nº›</a:t>
             </a:fld>
             <a:endParaRPr lang="es-PE"/>
@@ -12195,6 +12222,7 @@
           <a:p>
             <a:fld id="{15AD49C3-FFB3-43A7-92FA-622BE02CB1C4}" type="datetimeFigureOut">
               <a:rPr lang="es-PE" smtClean="0"/>
+              <a:pPr/>
               <a:t>06/05/2012</a:t>
             </a:fld>
             <a:endParaRPr lang="es-PE"/>
@@ -12237,6 +12265,7 @@
           <a:p>
             <a:fld id="{0A355AF4-5C5D-4911-90B4-C651615D7B40}" type="slidenum">
               <a:rPr lang="es-PE" smtClean="0"/>
+              <a:pPr/>
               <a:t>‹Nº›</a:t>
             </a:fld>
             <a:endParaRPr lang="es-PE"/>
@@ -14054,6 +14083,7 @@
           <a:p>
             <a:fld id="{15AD49C3-FFB3-43A7-92FA-622BE02CB1C4}" type="datetimeFigureOut">
               <a:rPr lang="es-PE" smtClean="0"/>
+              <a:pPr/>
               <a:t>06/05/2012</a:t>
             </a:fld>
             <a:endParaRPr lang="es-PE"/>
@@ -14128,6 +14158,7 @@
           <a:p>
             <a:fld id="{0A355AF4-5C5D-4911-90B4-C651615D7B40}" type="slidenum">
               <a:rPr lang="es-PE" smtClean="0"/>
+              <a:pPr/>
               <a:t>‹Nº›</a:t>
             </a:fld>
             <a:endParaRPr lang="es-PE"/>
@@ -14725,7 +14756,7 @@
     </p:spTree>
     <p:extLst>
       <p:ext uri="{BB962C8B-B14F-4D97-AF65-F5344CB8AC3E}">
-        <p14:creationId xmlns:p14="http://schemas.microsoft.com/office/powerpoint/2010/main" val="3004352296"/>
+        <p14:creationId xmlns:p14="http://schemas.microsoft.com/office/powerpoint/2010/main" xmlns="" val="3004352296"/>
       </p:ext>
     </p:extLst>
   </p:cSld>
@@ -14742,132 +14773,7 @@
 </p:sld>
 </file>
 
-<file path=ppt/slides/slide2.xml><?xml version="1.0" encoding="utf-8"?>
-<p:sld xmlns:a="http://schemas.openxmlformats.org/drawingml/2006/main" xmlns:r="http://schemas.openxmlformats.org/officeDocument/2006/relationships" xmlns:p="http://schemas.openxmlformats.org/presentationml/2006/main">
-  <p:cSld>
-    <p:spTree>
-      <p:nvGrpSpPr>
-        <p:cNvPr id="1" name=""/>
-        <p:cNvGrpSpPr/>
-        <p:nvPr/>
-      </p:nvGrpSpPr>
-      <p:grpSpPr>
-        <a:xfrm>
-          <a:off x="0" y="0"/>
-          <a:ext cx="0" cy="0"/>
-          <a:chOff x="0" y="0"/>
-          <a:chExt cx="0" cy="0"/>
-        </a:xfrm>
-      </p:grpSpPr>
-      <p:sp>
-        <p:nvSpPr>
-          <p:cNvPr id="3" name="2 Título"/>
-          <p:cNvSpPr>
-            <a:spLocks noGrp="1"/>
-          </p:cNvSpPr>
-          <p:nvPr>
-            <p:ph type="title"/>
-          </p:nvPr>
-        </p:nvSpPr>
-        <p:spPr/>
-        <p:txBody>
-          <a:bodyPr>
-            <a:normAutofit fontScale="90000"/>
-          </a:bodyPr>
-          <a:lstStyle/>
-          <a:p>
-            <a:r>
-              <a:rPr lang="es-PE" dirty="0"/>
-              <a:t>ESPECIFICACION DE REGLAS DE NEGOCIO</a:t>
-            </a:r>
-          </a:p>
-        </p:txBody>
-      </p:sp>
-      <p:pic>
-        <p:nvPicPr>
-          <p:cNvPr id="3074" name="Picture 2"/>
-          <p:cNvPicPr>
-            <a:picLocks noChangeAspect="1" noChangeArrowheads="1"/>
-          </p:cNvPicPr>
-          <p:nvPr/>
-        </p:nvPicPr>
-        <p:blipFill>
-          <a:blip r:embed="rId2">
-            <a:extLst>
-              <a:ext uri="{28A0092B-C50C-407E-A947-70E740481C1C}">
-                <a14:useLocalDpi xmlns:a14="http://schemas.microsoft.com/office/drawing/2010/main" val="0"/>
-              </a:ext>
-            </a:extLst>
-          </a:blip>
-          <a:srcRect/>
-          <a:stretch>
-            <a:fillRect/>
-          </a:stretch>
-        </p:blipFill>
-        <p:spPr bwMode="auto">
-          <a:xfrm>
-            <a:off x="3131840" y="2893165"/>
-            <a:ext cx="2428875" cy="3000375"/>
-          </a:xfrm>
-          <a:prstGeom prst="rect">
-            <a:avLst/>
-          </a:prstGeom>
-          <a:noFill/>
-          <a:ln>
-            <a:noFill/>
-          </a:ln>
-          <a:effectLst/>
-          <a:extLst>
-            <a:ext uri="{909E8E84-426E-40DD-AFC4-6F175D3DCCD1}">
-              <a14:hiddenFill xmlns:a14="http://schemas.microsoft.com/office/drawing/2010/main">
-                <a:solidFill>
-                  <a:schemeClr val="accent1"/>
-                </a:solidFill>
-              </a14:hiddenFill>
-            </a:ext>
-            <a:ext uri="{91240B29-F687-4F45-9708-019B960494DF}">
-              <a14:hiddenLine xmlns:a14="http://schemas.microsoft.com/office/drawing/2010/main" w="9525">
-                <a:solidFill>
-                  <a:schemeClr val="tx1"/>
-                </a:solidFill>
-                <a:miter lim="800000"/>
-                <a:headEnd/>
-                <a:tailEnd/>
-              </a14:hiddenLine>
-            </a:ext>
-            <a:ext uri="{AF507438-7753-43E0-B8FC-AC1667EBCBE1}">
-              <a14:hiddenEffects xmlns:a14="http://schemas.microsoft.com/office/drawing/2010/main">
-                <a:effectLst>
-                  <a:outerShdw dist="35921" dir="2700000" algn="ctr" rotWithShape="0">
-                    <a:schemeClr val="bg2"/>
-                  </a:outerShdw>
-                </a:effectLst>
-              </a14:hiddenEffects>
-            </a:ext>
-          </a:extLst>
-        </p:spPr>
-      </p:pic>
-    </p:spTree>
-    <p:extLst>
-      <p:ext uri="{BB962C8B-B14F-4D97-AF65-F5344CB8AC3E}">
-        <p14:creationId xmlns:p14="http://schemas.microsoft.com/office/powerpoint/2010/main" val="1314591319"/>
-      </p:ext>
-    </p:extLst>
-  </p:cSld>
-  <p:clrMapOvr>
-    <a:masterClrMapping/>
-  </p:clrMapOvr>
-  <p:timing>
-    <p:tnLst>
-      <p:par>
-        <p:cTn id="1" dur="indefinite" restart="never" nodeType="tmRoot"/>
-      </p:par>
-    </p:tnLst>
-  </p:timing>
-</p:sld>
-</file>
-
-<file path=ppt/slides/slide3.xml><?xml version="1.0" encoding="utf-8"?>
+<file path=ppt/slides/slide10.xml><?xml version="1.0" encoding="utf-8"?>
 <p:sld xmlns:a="http://schemas.openxmlformats.org/drawingml/2006/main" xmlns:r="http://schemas.openxmlformats.org/officeDocument/2006/relationships" xmlns:p="http://schemas.openxmlformats.org/presentationml/2006/main">
   <p:cSld>
     <p:spTree>
@@ -14909,19 +14815,249 @@
           </a:p>
         </p:txBody>
       </p:sp>
+      <p:graphicFrame>
+        <p:nvGraphicFramePr>
+          <p:cNvPr id="9" name="8 Tabla"/>
+          <p:cNvGraphicFramePr>
+            <a:graphicFrameLocks noGrp="1"/>
+          </p:cNvGraphicFramePr>
+          <p:nvPr/>
+        </p:nvGraphicFramePr>
+        <p:xfrm>
+          <a:off x="323528" y="2037967"/>
+          <a:ext cx="8568952" cy="4559385"/>
+        </p:xfrm>
+        <a:graphic>
+          <a:graphicData uri="http://schemas.openxmlformats.org/drawingml/2006/table">
+            <a:tbl>
+              <a:tblPr firstRow="1" bandRow="1">
+                <a:tableStyleId>{BC89EF96-8CEA-46FF-86C4-4CE0E7609802}</a:tableStyleId>
+              </a:tblPr>
+              <a:tblGrid>
+                <a:gridCol w="2427870"/>
+                <a:gridCol w="6141082"/>
+              </a:tblGrid>
+              <a:tr h="1584177">
+                <a:tc>
+                  <a:txBody>
+                    <a:bodyPr/>
+                    <a:lstStyle/>
+                    <a:p>
+                      <a:endParaRPr lang="es-ES" dirty="0"/>
+                    </a:p>
+                  </a:txBody>
+                  <a:tcPr/>
+                </a:tc>
+                <a:tc>
+                  <a:txBody>
+                    <a:bodyPr/>
+                    <a:lstStyle/>
+                    <a:p>
+                      <a:pPr marL="0" marR="0" indent="0" algn="just" defTabSz="914400" rtl="0" eaLnBrk="1" fontAlgn="auto" latinLnBrk="0" hangingPunct="1">
+                        <a:lnSpc>
+                          <a:spcPct val="100000"/>
+                        </a:lnSpc>
+                        <a:spcBef>
+                          <a:spcPts val="0"/>
+                        </a:spcBef>
+                        <a:spcAft>
+                          <a:spcPts val="0"/>
+                        </a:spcAft>
+                        <a:buClrTx/>
+                        <a:buSzTx/>
+                        <a:buFontTx/>
+                        <a:buNone/>
+                        <a:tabLst/>
+                        <a:defRPr/>
+                      </a:pPr>
+                      <a:endParaRPr lang="es-PE" b="0" dirty="0" smtClean="0"/>
+                    </a:p>
+                    <a:p>
+                      <a:pPr marL="0" marR="0" indent="0" algn="just" defTabSz="914400" rtl="0" eaLnBrk="1" fontAlgn="auto" latinLnBrk="0" hangingPunct="1">
+                        <a:lnSpc>
+                          <a:spcPct val="100000"/>
+                        </a:lnSpc>
+                        <a:spcBef>
+                          <a:spcPts val="0"/>
+                        </a:spcBef>
+                        <a:spcAft>
+                          <a:spcPts val="0"/>
+                        </a:spcAft>
+                        <a:buClrTx/>
+                        <a:buSzTx/>
+                        <a:buFontTx/>
+                        <a:buNone/>
+                        <a:tabLst/>
+                        <a:defRPr/>
+                      </a:pPr>
+                      <a:r>
+                        <a:rPr lang="es-PE" b="0" dirty="0" smtClean="0"/>
+                        <a:t>Persona natural o jurídica que toma la decisión de aceptar o rechazar la propuesta de servicio. Participa del proceso de Realizar Análisis de Mercado. </a:t>
+                      </a:r>
+                    </a:p>
+                  </a:txBody>
+                  <a:tcPr/>
+                </a:tc>
+              </a:tr>
+              <a:tr h="1512168">
+                <a:tc>
+                  <a:txBody>
+                    <a:bodyPr/>
+                    <a:lstStyle/>
+                    <a:p>
+                      <a:endParaRPr lang="es-ES" dirty="0"/>
+                    </a:p>
+                  </a:txBody>
+                  <a:tcPr/>
+                </a:tc>
+                <a:tc>
+                  <a:txBody>
+                    <a:bodyPr/>
+                    <a:lstStyle/>
+                    <a:p>
+                      <a:pPr marL="0" marR="0" indent="0" algn="just" defTabSz="914400" rtl="0" eaLnBrk="1" fontAlgn="auto" latinLnBrk="0" hangingPunct="1">
+                        <a:lnSpc>
+                          <a:spcPct val="100000"/>
+                        </a:lnSpc>
+                        <a:spcBef>
+                          <a:spcPts val="0"/>
+                        </a:spcBef>
+                        <a:spcAft>
+                          <a:spcPts val="0"/>
+                        </a:spcAft>
+                        <a:buClrTx/>
+                        <a:buSzTx/>
+                        <a:buFontTx/>
+                        <a:buNone/>
+                        <a:tabLst/>
+                        <a:defRPr/>
+                      </a:pPr>
+                      <a:endParaRPr lang="es-PE" dirty="0" smtClean="0"/>
+                    </a:p>
+                    <a:p>
+                      <a:pPr marL="0" marR="0" indent="0" algn="just" defTabSz="914400" rtl="0" eaLnBrk="1" fontAlgn="auto" latinLnBrk="0" hangingPunct="1">
+                        <a:lnSpc>
+                          <a:spcPct val="100000"/>
+                        </a:lnSpc>
+                        <a:spcBef>
+                          <a:spcPts val="0"/>
+                        </a:spcBef>
+                        <a:spcAft>
+                          <a:spcPts val="0"/>
+                        </a:spcAft>
+                        <a:buClrTx/>
+                        <a:buSzTx/>
+                        <a:buFontTx/>
+                        <a:buNone/>
+                        <a:tabLst/>
+                        <a:defRPr/>
+                      </a:pPr>
+                      <a:r>
+                        <a:rPr lang="es-PE" dirty="0" smtClean="0"/>
+                        <a:t>Persona natural o jurídica que se encarga de solicitar nuevos servicios. Participa de los procesos Gestionar cartera de Clientes y Gestionar Contratos.</a:t>
+                      </a:r>
+                    </a:p>
+                    <a:p>
+                      <a:pPr algn="just"/>
+                      <a:endParaRPr lang="es-ES" sz="1800" b="0" kern="1200" dirty="0" smtClean="0">
+                        <a:solidFill>
+                          <a:schemeClr val="tx1"/>
+                        </a:solidFill>
+                        <a:latin typeface="+mn-lt"/>
+                        <a:ea typeface="+mn-ea"/>
+                        <a:cs typeface="+mn-cs"/>
+                      </a:endParaRPr>
+                    </a:p>
+                  </a:txBody>
+                  <a:tcPr/>
+                </a:tc>
+              </a:tr>
+              <a:tr h="1440160">
+                <a:tc>
+                  <a:txBody>
+                    <a:bodyPr/>
+                    <a:lstStyle/>
+                    <a:p>
+                      <a:endParaRPr lang="es-ES" dirty="0"/>
+                    </a:p>
+                  </a:txBody>
+                  <a:tcPr/>
+                </a:tc>
+                <a:tc>
+                  <a:txBody>
+                    <a:bodyPr/>
+                    <a:lstStyle/>
+                    <a:p>
+                      <a:pPr marL="0" marR="0" indent="0" algn="just" defTabSz="914400" rtl="0" eaLnBrk="1" fontAlgn="auto" latinLnBrk="0" hangingPunct="1">
+                        <a:lnSpc>
+                          <a:spcPct val="100000"/>
+                        </a:lnSpc>
+                        <a:spcBef>
+                          <a:spcPts val="0"/>
+                        </a:spcBef>
+                        <a:spcAft>
+                          <a:spcPts val="0"/>
+                        </a:spcAft>
+                        <a:buClrTx/>
+                        <a:buSzTx/>
+                        <a:buFontTx/>
+                        <a:buNone/>
+                        <a:tabLst/>
+                        <a:defRPr/>
+                      </a:pPr>
+                      <a:r>
+                        <a:rPr lang="es-PE" dirty="0" smtClean="0"/>
+                        <a:t>Persona encargada de supervisar  el crecimiento de los indicadores en cuanto al Nro. de clientes y contratos. Participa en los procesos de Realizar análisis de Mercado, Gestionar cartera de Clientes y Gestionar Contratos.</a:t>
+                      </a:r>
+                    </a:p>
+                    <a:p>
+                      <a:pPr marL="0" marR="0" indent="0" algn="just" defTabSz="914400" rtl="0" eaLnBrk="1" fontAlgn="auto" latinLnBrk="0" hangingPunct="1">
+                        <a:lnSpc>
+                          <a:spcPct val="100000"/>
+                        </a:lnSpc>
+                        <a:spcBef>
+                          <a:spcPts val="0"/>
+                        </a:spcBef>
+                        <a:spcAft>
+                          <a:spcPts val="0"/>
+                        </a:spcAft>
+                        <a:buClrTx/>
+                        <a:buSzTx/>
+                        <a:buFontTx/>
+                        <a:buNone/>
+                        <a:tabLst/>
+                        <a:defRPr/>
+                      </a:pPr>
+                      <a:endParaRPr lang="es-ES" sz="1800" b="0" kern="1200" dirty="0" smtClean="0">
+                        <a:solidFill>
+                          <a:schemeClr val="tx1"/>
+                        </a:solidFill>
+                        <a:latin typeface="+mn-lt"/>
+                        <a:ea typeface="+mn-ea"/>
+                        <a:cs typeface="+mn-cs"/>
+                      </a:endParaRPr>
+                    </a:p>
+                  </a:txBody>
+                  <a:tcPr/>
+                </a:tc>
+              </a:tr>
+            </a:tbl>
+          </a:graphicData>
+        </a:graphic>
+      </p:graphicFrame>
       <p:pic>
         <p:nvPicPr>
-          <p:cNvPr id="1029" name="Picture 5"/>
+          <p:cNvPr id="10" name="Picture 5"/>
           <p:cNvPicPr>
             <a:picLocks noChangeAspect="1" noChangeArrowheads="1"/>
           </p:cNvPicPr>
           <p:nvPr/>
         </p:nvPicPr>
         <p:blipFill>
-          <a:blip r:embed="rId2">
+          <a:blip r:embed="rId2" cstate="print">
             <a:extLst>
               <a:ext uri="{28A0092B-C50C-407E-A947-70E740481C1C}">
-                <a14:useLocalDpi xmlns:a14="http://schemas.microsoft.com/office/drawing/2010/main" val="0"/>
+                <a14:useLocalDpi xmlns:a14="http://schemas.microsoft.com/office/drawing/2010/main" xmlns="" val="0"/>
               </a:ext>
             </a:extLst>
           </a:blip>
@@ -14932,7 +15068,7 @@
         </p:blipFill>
         <p:spPr bwMode="auto">
           <a:xfrm>
-            <a:off x="251520" y="2132856"/>
+            <a:off x="827584" y="2100833"/>
             <a:ext cx="1447800" cy="1400175"/>
           </a:xfrm>
           <a:prstGeom prst="rect">
@@ -14945,14 +15081,14 @@
           <a:effectLst/>
           <a:extLst>
             <a:ext uri="{909E8E84-426E-40DD-AFC4-6F175D3DCCD1}">
-              <a14:hiddenFill xmlns:a14="http://schemas.microsoft.com/office/drawing/2010/main">
+              <a14:hiddenFill xmlns:a14="http://schemas.microsoft.com/office/drawing/2010/main" xmlns="">
                 <a:solidFill>
                   <a:schemeClr val="accent1"/>
                 </a:solidFill>
               </a14:hiddenFill>
             </a:ext>
             <a:ext uri="{91240B29-F687-4F45-9708-019B960494DF}">
-              <a14:hiddenLine xmlns:a14="http://schemas.microsoft.com/office/drawing/2010/main" w="9525">
+              <a14:hiddenLine xmlns:a14="http://schemas.microsoft.com/office/drawing/2010/main" xmlns="" w="9525">
                 <a:solidFill>
                   <a:schemeClr val="tx1"/>
                 </a:solidFill>
@@ -14962,7 +15098,7 @@
               </a14:hiddenLine>
             </a:ext>
             <a:ext uri="{AF507438-7753-43E0-B8FC-AC1667EBCBE1}">
-              <a14:hiddenEffects xmlns:a14="http://schemas.microsoft.com/office/drawing/2010/main">
+              <a14:hiddenEffects xmlns:a14="http://schemas.microsoft.com/office/drawing/2010/main" xmlns="">
                 <a:effectLst>
                   <a:outerShdw dist="35921" dir="2700000" algn="ctr" rotWithShape="0">
                     <a:schemeClr val="bg2"/>
@@ -14975,17 +15111,17 @@
       </p:pic>
       <p:pic>
         <p:nvPicPr>
-          <p:cNvPr id="1030" name="Picture 6"/>
+          <p:cNvPr id="13" name="Picture 6"/>
           <p:cNvPicPr>
             <a:picLocks noChangeAspect="1" noChangeArrowheads="1"/>
           </p:cNvPicPr>
           <p:nvPr/>
         </p:nvPicPr>
         <p:blipFill>
-          <a:blip r:embed="rId3">
+          <a:blip r:embed="rId3" cstate="print">
             <a:extLst>
               <a:ext uri="{28A0092B-C50C-407E-A947-70E740481C1C}">
-                <a14:useLocalDpi xmlns:a14="http://schemas.microsoft.com/office/drawing/2010/main" val="0"/>
+                <a14:useLocalDpi xmlns:a14="http://schemas.microsoft.com/office/drawing/2010/main" xmlns="" val="0"/>
               </a:ext>
             </a:extLst>
           </a:blip>
@@ -14996,7 +15132,7 @@
         </p:blipFill>
         <p:spPr bwMode="auto">
           <a:xfrm>
-            <a:off x="261045" y="3717032"/>
+            <a:off x="827584" y="3704059"/>
             <a:ext cx="1438275" cy="1381125"/>
           </a:xfrm>
           <a:prstGeom prst="rect">
@@ -15009,14 +15145,14 @@
           <a:effectLst/>
           <a:extLst>
             <a:ext uri="{909E8E84-426E-40DD-AFC4-6F175D3DCCD1}">
-              <a14:hiddenFill xmlns:a14="http://schemas.microsoft.com/office/drawing/2010/main">
+              <a14:hiddenFill xmlns:a14="http://schemas.microsoft.com/office/drawing/2010/main" xmlns="">
                 <a:solidFill>
                   <a:schemeClr val="accent1"/>
                 </a:solidFill>
               </a14:hiddenFill>
             </a:ext>
             <a:ext uri="{91240B29-F687-4F45-9708-019B960494DF}">
-              <a14:hiddenLine xmlns:a14="http://schemas.microsoft.com/office/drawing/2010/main" w="9525">
+              <a14:hiddenLine xmlns:a14="http://schemas.microsoft.com/office/drawing/2010/main" xmlns="" w="9525">
                 <a:solidFill>
                   <a:schemeClr val="tx1"/>
                 </a:solidFill>
@@ -15026,7 +15162,7 @@
               </a14:hiddenLine>
             </a:ext>
             <a:ext uri="{AF507438-7753-43E0-B8FC-AC1667EBCBE1}">
-              <a14:hiddenEffects xmlns:a14="http://schemas.microsoft.com/office/drawing/2010/main">
+              <a14:hiddenEffects xmlns:a14="http://schemas.microsoft.com/office/drawing/2010/main" xmlns="">
                 <a:effectLst>
                   <a:outerShdw dist="35921" dir="2700000" algn="ctr" rotWithShape="0">
                     <a:schemeClr val="bg2"/>
@@ -15039,17 +15175,17 @@
       </p:pic>
       <p:pic>
         <p:nvPicPr>
-          <p:cNvPr id="1031" name="Picture 7"/>
+          <p:cNvPr id="14" name="Picture 7"/>
           <p:cNvPicPr>
             <a:picLocks noChangeAspect="1" noChangeArrowheads="1"/>
           </p:cNvPicPr>
           <p:nvPr/>
         </p:nvPicPr>
         <p:blipFill>
-          <a:blip r:embed="rId4">
+          <a:blip r:embed="rId4" cstate="print">
             <a:extLst>
               <a:ext uri="{28A0092B-C50C-407E-A947-70E740481C1C}">
-                <a14:useLocalDpi xmlns:a14="http://schemas.microsoft.com/office/drawing/2010/main" val="0"/>
+                <a14:useLocalDpi xmlns:a14="http://schemas.microsoft.com/office/drawing/2010/main" xmlns="" val="0"/>
               </a:ext>
             </a:extLst>
           </a:blip>
@@ -15060,7 +15196,7 @@
         </p:blipFill>
         <p:spPr bwMode="auto">
           <a:xfrm>
-            <a:off x="218182" y="5301208"/>
+            <a:off x="755576" y="5178127"/>
             <a:ext cx="1514475" cy="1419225"/>
           </a:xfrm>
           <a:prstGeom prst="rect">
@@ -15073,14 +15209,14 @@
           <a:effectLst/>
           <a:extLst>
             <a:ext uri="{909E8E84-426E-40DD-AFC4-6F175D3DCCD1}">
-              <a14:hiddenFill xmlns:a14="http://schemas.microsoft.com/office/drawing/2010/main">
+              <a14:hiddenFill xmlns:a14="http://schemas.microsoft.com/office/drawing/2010/main" xmlns="">
                 <a:solidFill>
                   <a:schemeClr val="accent1"/>
                 </a:solidFill>
               </a14:hiddenFill>
             </a:ext>
             <a:ext uri="{91240B29-F687-4F45-9708-019B960494DF}">
-              <a14:hiddenLine xmlns:a14="http://schemas.microsoft.com/office/drawing/2010/main" w="9525">
+              <a14:hiddenLine xmlns:a14="http://schemas.microsoft.com/office/drawing/2010/main" xmlns="" w="9525">
                 <a:solidFill>
                   <a:schemeClr val="tx1"/>
                 </a:solidFill>
@@ -15090,7 +15226,7 @@
               </a14:hiddenLine>
             </a:ext>
             <a:ext uri="{AF507438-7753-43E0-B8FC-AC1667EBCBE1}">
-              <a14:hiddenEffects xmlns:a14="http://schemas.microsoft.com/office/drawing/2010/main">
+              <a14:hiddenEffects xmlns:a14="http://schemas.microsoft.com/office/drawing/2010/main" xmlns="">
                 <a:effectLst>
                   <a:outerShdw dist="35921" dir="2700000" algn="ctr" rotWithShape="0">
                     <a:schemeClr val="bg2"/>
@@ -15101,100 +15237,10 @@
           </a:extLst>
         </p:spPr>
       </p:pic>
-      <p:sp>
-        <p:nvSpPr>
-          <p:cNvPr id="4" name="3 CuadroTexto"/>
-          <p:cNvSpPr txBox="1"/>
-          <p:nvPr/>
-        </p:nvSpPr>
-        <p:spPr>
-          <a:xfrm>
-            <a:off x="2267744" y="2492896"/>
-            <a:ext cx="6336704" cy="923330"/>
-          </a:xfrm>
-          <a:prstGeom prst="rect">
-            <a:avLst/>
-          </a:prstGeom>
-          <a:noFill/>
-        </p:spPr>
-        <p:txBody>
-          <a:bodyPr wrap="square" rtlCol="0">
-            <a:spAutoFit/>
-          </a:bodyPr>
-          <a:lstStyle/>
-          <a:p>
-            <a:pPr algn="just"/>
-            <a:r>
-              <a:rPr lang="es-PE" dirty="0"/>
-              <a:t>Persona natural o jurídica que toma la decisión de aceptar o rechazar la propuesta de servicio. Participa del proceso de Realizar Análisis de Mercado. </a:t>
-            </a:r>
-          </a:p>
-        </p:txBody>
-      </p:sp>
-      <p:sp>
-        <p:nvSpPr>
-          <p:cNvPr id="11" name="10 CuadroTexto"/>
-          <p:cNvSpPr txBox="1"/>
-          <p:nvPr/>
-        </p:nvSpPr>
-        <p:spPr>
-          <a:xfrm>
-            <a:off x="2267744" y="3945830"/>
-            <a:ext cx="6336704" cy="923330"/>
-          </a:xfrm>
-          <a:prstGeom prst="rect">
-            <a:avLst/>
-          </a:prstGeom>
-          <a:noFill/>
-        </p:spPr>
-        <p:txBody>
-          <a:bodyPr wrap="square" rtlCol="0">
-            <a:spAutoFit/>
-          </a:bodyPr>
-          <a:lstStyle/>
-          <a:p>
-            <a:pPr algn="just"/>
-            <a:r>
-              <a:rPr lang="es-PE" dirty="0"/>
-              <a:t>Persona natural o jurídica que se encarga de solicitar nuevos servicios. Participa de los procesos Gestionar cartera de Clientes y Gestionar Contratos.</a:t>
-            </a:r>
-          </a:p>
-        </p:txBody>
-      </p:sp>
-      <p:sp>
-        <p:nvSpPr>
-          <p:cNvPr id="12" name="11 CuadroTexto"/>
-          <p:cNvSpPr txBox="1"/>
-          <p:nvPr/>
-        </p:nvSpPr>
-        <p:spPr>
-          <a:xfrm>
-            <a:off x="2267744" y="5385990"/>
-            <a:ext cx="6336704" cy="1200329"/>
-          </a:xfrm>
-          <a:prstGeom prst="rect">
-            <a:avLst/>
-          </a:prstGeom>
-          <a:noFill/>
-        </p:spPr>
-        <p:txBody>
-          <a:bodyPr wrap="square" rtlCol="0">
-            <a:spAutoFit/>
-          </a:bodyPr>
-          <a:lstStyle/>
-          <a:p>
-            <a:pPr algn="just"/>
-            <a:r>
-              <a:rPr lang="es-PE" dirty="0"/>
-              <a:t>Persona encargada de supervisar  el crecimiento de los indicadores en cuanto al Nro. de clientes y contratos. Participa en los procesos de Realizar análisis de Mercado, Gestionar cartera de Clientes y Gestionar Contratos.</a:t>
-            </a:r>
-          </a:p>
-        </p:txBody>
-      </p:sp>
     </p:spTree>
     <p:extLst>
       <p:ext uri="{BB962C8B-B14F-4D97-AF65-F5344CB8AC3E}">
-        <p14:creationId xmlns:p14="http://schemas.microsoft.com/office/powerpoint/2010/main" val="1786203861"/>
+        <p14:creationId xmlns:p14="http://schemas.microsoft.com/office/powerpoint/2010/main" xmlns="" val="1786203861"/>
       </p:ext>
     </p:extLst>
   </p:cSld>
@@ -15211,7 +15257,7 @@
 </p:sld>
 </file>
 
-<file path=ppt/slides/slide4.xml><?xml version="1.0" encoding="utf-8"?>
+<file path=ppt/slides/slide11.xml><?xml version="1.0" encoding="utf-8"?>
 <p:sld xmlns:a="http://schemas.openxmlformats.org/drawingml/2006/main" xmlns:r="http://schemas.openxmlformats.org/officeDocument/2006/relationships" xmlns:p="http://schemas.openxmlformats.org/presentationml/2006/main">
   <p:cSld>
     <p:spTree>
@@ -15228,44 +15274,6 @@
           <a:chExt cx="0" cy="0"/>
         </a:xfrm>
       </p:grpSpPr>
-      <p:pic>
-        <p:nvPicPr>
-          <p:cNvPr id="2050" name="Picture 2"/>
-          <p:cNvPicPr>
-            <a:picLocks noChangeAspect="1" noChangeArrowheads="1"/>
-          </p:cNvPicPr>
-          <p:nvPr/>
-        </p:nvPicPr>
-        <p:blipFill>
-          <a:blip r:embed="rId2">
-            <a:extLst>
-              <a:ext uri="{28A0092B-C50C-407E-A947-70E740481C1C}">
-                <a14:useLocalDpi xmlns:a14="http://schemas.microsoft.com/office/drawing/2010/main" val="0"/>
-              </a:ext>
-            </a:extLst>
-          </a:blip>
-          <a:srcRect/>
-          <a:stretch>
-            <a:fillRect/>
-          </a:stretch>
-        </p:blipFill>
-        <p:spPr bwMode="auto">
-          <a:xfrm>
-            <a:off x="1136916" y="1916832"/>
-            <a:ext cx="6915150" cy="4695825"/>
-          </a:xfrm>
-          <a:prstGeom prst="rect">
-            <a:avLst/>
-          </a:prstGeom>
-          <a:noFill/>
-          <a:ln>
-            <a:noFill/>
-          </a:ln>
-          <a:effectLst>
-            <a:reflection endPos="0" dir="5400000" sy="-100000" algn="bl" rotWithShape="0"/>
-          </a:effectLst>
-        </p:spPr>
-      </p:pic>
       <p:sp>
         <p:nvSpPr>
           <p:cNvPr id="3" name="2 Título"/>
@@ -15291,10 +15299,42 @@
           </a:p>
         </p:txBody>
       </p:sp>
+      <p:pic>
+        <p:nvPicPr>
+          <p:cNvPr id="10242" name="Picture 2"/>
+          <p:cNvPicPr>
+            <a:picLocks noChangeAspect="1" noChangeArrowheads="1"/>
+          </p:cNvPicPr>
+          <p:nvPr/>
+        </p:nvPicPr>
+        <p:blipFill>
+          <a:blip r:embed="rId2" cstate="print"/>
+          <a:srcRect/>
+          <a:stretch>
+            <a:fillRect/>
+          </a:stretch>
+        </p:blipFill>
+        <p:spPr bwMode="auto">
+          <a:xfrm>
+            <a:off x="886524" y="1700808"/>
+            <a:ext cx="7357884" cy="4709914"/>
+          </a:xfrm>
+          <a:prstGeom prst="rect">
+            <a:avLst/>
+          </a:prstGeom>
+          <a:noFill/>
+          <a:ln w="9525">
+            <a:noFill/>
+            <a:miter lim="800000"/>
+            <a:headEnd/>
+            <a:tailEnd/>
+          </a:ln>
+        </p:spPr>
+      </p:pic>
     </p:spTree>
     <p:extLst>
       <p:ext uri="{BB962C8B-B14F-4D97-AF65-F5344CB8AC3E}">
-        <p14:creationId xmlns:p14="http://schemas.microsoft.com/office/powerpoint/2010/main" val="2066947068"/>
+        <p14:creationId xmlns:p14="http://schemas.microsoft.com/office/powerpoint/2010/main" xmlns="" val="2066947068"/>
       </p:ext>
     </p:extLst>
   </p:cSld>
@@ -15311,7 +15351,7 @@
 </p:sld>
 </file>
 
-<file path=ppt/slides/slide5.xml><?xml version="1.0" encoding="utf-8"?>
+<file path=ppt/slides/slide12.xml><?xml version="1.0" encoding="utf-8"?>
 <p:sld xmlns:a="http://schemas.openxmlformats.org/drawingml/2006/main" xmlns:r="http://schemas.openxmlformats.org/officeDocument/2006/relationships" xmlns:p="http://schemas.openxmlformats.org/presentationml/2006/main">
   <p:cSld>
     <p:spTree>
@@ -15529,7 +15569,3258 @@
     </p:spTree>
     <p:extLst>
       <p:ext uri="{BB962C8B-B14F-4D97-AF65-F5344CB8AC3E}">
-        <p14:creationId xmlns:p14="http://schemas.microsoft.com/office/powerpoint/2010/main" val="700369716"/>
+        <p14:creationId xmlns:p14="http://schemas.microsoft.com/office/powerpoint/2010/main" xmlns="" val="700369716"/>
+      </p:ext>
+    </p:extLst>
+  </p:cSld>
+  <p:clrMapOvr>
+    <a:masterClrMapping/>
+  </p:clrMapOvr>
+  <p:timing>
+    <p:tnLst>
+      <p:par>
+        <p:cTn id="1" dur="indefinite" restart="never" nodeType="tmRoot"/>
+      </p:par>
+    </p:tnLst>
+  </p:timing>
+</p:sld>
+</file>
+
+<file path=ppt/slides/slide2.xml><?xml version="1.0" encoding="utf-8"?>
+<p:sld xmlns:a="http://schemas.openxmlformats.org/drawingml/2006/main" xmlns:r="http://schemas.openxmlformats.org/officeDocument/2006/relationships" xmlns:p="http://schemas.openxmlformats.org/presentationml/2006/main">
+  <p:cSld>
+    <p:spTree>
+      <p:nvGrpSpPr>
+        <p:cNvPr id="1" name=""/>
+        <p:cNvGrpSpPr/>
+        <p:nvPr/>
+      </p:nvGrpSpPr>
+      <p:grpSpPr>
+        <a:xfrm>
+          <a:off x="0" y="0"/>
+          <a:ext cx="0" cy="0"/>
+          <a:chOff x="0" y="0"/>
+          <a:chExt cx="0" cy="0"/>
+        </a:xfrm>
+      </p:grpSpPr>
+      <p:sp>
+        <p:nvSpPr>
+          <p:cNvPr id="3" name="2 Título"/>
+          <p:cNvSpPr>
+            <a:spLocks noGrp="1"/>
+          </p:cNvSpPr>
+          <p:nvPr>
+            <p:ph type="title"/>
+          </p:nvPr>
+        </p:nvSpPr>
+        <p:spPr/>
+        <p:txBody>
+          <a:bodyPr>
+            <a:normAutofit fontScale="90000"/>
+          </a:bodyPr>
+          <a:lstStyle/>
+          <a:p>
+            <a:r>
+              <a:rPr lang="es-PE" dirty="0"/>
+              <a:t>ESPECIFICACION DE REGLAS DE NEGOCIO</a:t>
+            </a:r>
+          </a:p>
+        </p:txBody>
+      </p:sp>
+      <p:graphicFrame>
+        <p:nvGraphicFramePr>
+          <p:cNvPr id="6" name="5 Tabla"/>
+          <p:cNvGraphicFramePr>
+            <a:graphicFrameLocks noGrp="1"/>
+          </p:cNvGraphicFramePr>
+          <p:nvPr/>
+        </p:nvGraphicFramePr>
+        <p:xfrm>
+          <a:off x="323528" y="2348880"/>
+          <a:ext cx="8496944" cy="4248472"/>
+        </p:xfrm>
+        <a:graphic>
+          <a:graphicData uri="http://schemas.openxmlformats.org/drawingml/2006/table">
+            <a:tbl>
+              <a:tblPr firstRow="1" bandRow="1">
+                <a:tableStyleId>{BC89EF96-8CEA-46FF-86C4-4CE0E7609802}</a:tableStyleId>
+              </a:tblPr>
+              <a:tblGrid>
+                <a:gridCol w="2448272"/>
+                <a:gridCol w="6048672"/>
+              </a:tblGrid>
+              <a:tr h="1152128">
+                <a:tc>
+                  <a:txBody>
+                    <a:bodyPr/>
+                    <a:lstStyle/>
+                    <a:p>
+                      <a:endParaRPr lang="es-ES" dirty="0"/>
+                    </a:p>
+                  </a:txBody>
+                  <a:tcPr/>
+                </a:tc>
+                <a:tc>
+                  <a:txBody>
+                    <a:bodyPr/>
+                    <a:lstStyle/>
+                    <a:p>
+                      <a:pPr marL="0" marR="0" indent="0" algn="just" defTabSz="914400" rtl="0" eaLnBrk="1" fontAlgn="auto" latinLnBrk="0" hangingPunct="1">
+                        <a:lnSpc>
+                          <a:spcPct val="100000"/>
+                        </a:lnSpc>
+                        <a:spcBef>
+                          <a:spcPts val="0"/>
+                        </a:spcBef>
+                        <a:spcAft>
+                          <a:spcPts val="0"/>
+                        </a:spcAft>
+                        <a:buClrTx/>
+                        <a:buSzTx/>
+                        <a:buFontTx/>
+                        <a:buNone/>
+                        <a:tabLst/>
+                        <a:defRPr/>
+                      </a:pPr>
+                      <a:r>
+                        <a:rPr lang="es-PE" sz="1800" b="0" kern="1200" dirty="0" smtClean="0">
+                          <a:solidFill>
+                            <a:schemeClr val="tx1"/>
+                          </a:solidFill>
+                          <a:latin typeface="+mn-lt"/>
+                          <a:ea typeface="+mn-ea"/>
+                          <a:cs typeface="+mn-cs"/>
+                        </a:rPr>
+                        <a:t>Se definen los siguientes Tipos de Clientes: </a:t>
+                      </a:r>
+                    </a:p>
+                    <a:p>
+                      <a:pPr marL="0" marR="0" indent="0" algn="just" defTabSz="914400" rtl="0" eaLnBrk="1" fontAlgn="auto" latinLnBrk="0" hangingPunct="1">
+                        <a:lnSpc>
+                          <a:spcPct val="100000"/>
+                        </a:lnSpc>
+                        <a:spcBef>
+                          <a:spcPts val="0"/>
+                        </a:spcBef>
+                        <a:spcAft>
+                          <a:spcPts val="0"/>
+                        </a:spcAft>
+                        <a:buClrTx/>
+                        <a:buSzTx/>
+                        <a:buFontTx/>
+                        <a:buNone/>
+                        <a:tabLst/>
+                        <a:defRPr/>
+                      </a:pPr>
+                      <a:r>
+                        <a:rPr lang="es-PE" sz="1800" b="0" kern="1200" dirty="0" smtClean="0">
+                          <a:solidFill>
+                            <a:schemeClr val="tx1"/>
+                          </a:solidFill>
+                          <a:latin typeface="+mn-lt"/>
+                          <a:ea typeface="+mn-ea"/>
+                          <a:cs typeface="+mn-cs"/>
+                        </a:rPr>
+                        <a:t>potenciales, prospectos, primerizos, esporádicos, habituales, leales, desgastados e inactivos/desertores.</a:t>
+                      </a:r>
+                      <a:endParaRPr lang="es-ES" sz="1800" b="0" kern="1200" dirty="0" smtClean="0">
+                        <a:solidFill>
+                          <a:schemeClr val="tx1"/>
+                        </a:solidFill>
+                        <a:latin typeface="+mn-lt"/>
+                        <a:ea typeface="+mn-ea"/>
+                        <a:cs typeface="+mn-cs"/>
+                      </a:endParaRPr>
+                    </a:p>
+                    <a:p>
+                      <a:endParaRPr lang="es-ES" dirty="0"/>
+                    </a:p>
+                  </a:txBody>
+                  <a:tcPr/>
+                </a:tc>
+              </a:tr>
+              <a:tr h="1494205">
+                <a:tc>
+                  <a:txBody>
+                    <a:bodyPr/>
+                    <a:lstStyle/>
+                    <a:p>
+                      <a:endParaRPr lang="es-ES" dirty="0"/>
+                    </a:p>
+                  </a:txBody>
+                  <a:tcPr/>
+                </a:tc>
+                <a:tc>
+                  <a:txBody>
+                    <a:bodyPr/>
+                    <a:lstStyle/>
+                    <a:p>
+                      <a:pPr marL="0" marR="0" indent="0" algn="l" defTabSz="914400" rtl="0" eaLnBrk="1" fontAlgn="auto" latinLnBrk="0" hangingPunct="1">
+                        <a:lnSpc>
+                          <a:spcPct val="100000"/>
+                        </a:lnSpc>
+                        <a:spcBef>
+                          <a:spcPts val="0"/>
+                        </a:spcBef>
+                        <a:spcAft>
+                          <a:spcPts val="0"/>
+                        </a:spcAft>
+                        <a:buClrTx/>
+                        <a:buSzTx/>
+                        <a:buFontTx/>
+                        <a:buNone/>
+                        <a:tabLst/>
+                        <a:defRPr/>
+                      </a:pPr>
+                      <a:r>
+                        <a:rPr lang="es-PE" sz="1800" i="1" kern="1200" dirty="0" smtClean="0">
+                          <a:solidFill>
+                            <a:schemeClr val="tx1"/>
+                          </a:solidFill>
+                          <a:latin typeface="+mn-lt"/>
+                          <a:ea typeface="+mn-ea"/>
+                          <a:cs typeface="+mn-cs"/>
+                        </a:rPr>
+                        <a:t>Se definen las siguientes líneas para los Tipos de Servicio:  </a:t>
+                      </a:r>
+                      <a:r>
+                        <a:rPr lang="es-PE" sz="1800" i="1" kern="1200" dirty="0" err="1" smtClean="0">
+                          <a:solidFill>
+                            <a:schemeClr val="tx1"/>
+                          </a:solidFill>
+                          <a:latin typeface="+mn-lt"/>
+                          <a:ea typeface="+mn-ea"/>
+                          <a:cs typeface="+mn-cs"/>
+                        </a:rPr>
+                        <a:t>Outsorcing</a:t>
+                      </a:r>
+                      <a:r>
+                        <a:rPr lang="es-PE" sz="1800" i="1" kern="1200" dirty="0" smtClean="0">
+                          <a:solidFill>
+                            <a:schemeClr val="tx1"/>
+                          </a:solidFill>
+                          <a:latin typeface="+mn-lt"/>
+                          <a:ea typeface="+mn-ea"/>
+                          <a:cs typeface="+mn-cs"/>
+                        </a:rPr>
+                        <a:t> de Tecnología, Software </a:t>
+                      </a:r>
+                      <a:r>
+                        <a:rPr lang="es-PE" sz="1800" i="1" kern="1200" dirty="0" err="1" smtClean="0">
+                          <a:solidFill>
+                            <a:schemeClr val="tx1"/>
+                          </a:solidFill>
+                          <a:latin typeface="+mn-lt"/>
+                          <a:ea typeface="+mn-ea"/>
+                          <a:cs typeface="+mn-cs"/>
+                        </a:rPr>
+                        <a:t>factory</a:t>
+                      </a:r>
+                      <a:r>
+                        <a:rPr lang="es-PE" sz="1800" i="1" kern="1200" dirty="0" smtClean="0">
+                          <a:solidFill>
+                            <a:schemeClr val="tx1"/>
+                          </a:solidFill>
+                          <a:latin typeface="+mn-lt"/>
+                          <a:ea typeface="+mn-ea"/>
+                          <a:cs typeface="+mn-cs"/>
+                        </a:rPr>
+                        <a:t>, </a:t>
+                      </a:r>
+                      <a:r>
+                        <a:rPr lang="es-PE" sz="1800" i="1" kern="1200" dirty="0" err="1" smtClean="0">
+                          <a:solidFill>
+                            <a:schemeClr val="tx1"/>
+                          </a:solidFill>
+                          <a:latin typeface="+mn-lt"/>
+                          <a:ea typeface="+mn-ea"/>
+                          <a:cs typeface="+mn-cs"/>
+                        </a:rPr>
+                        <a:t>Outsorcing</a:t>
+                      </a:r>
+                      <a:r>
+                        <a:rPr lang="es-PE" sz="1800" i="1" kern="1200" dirty="0" smtClean="0">
+                          <a:solidFill>
+                            <a:schemeClr val="tx1"/>
+                          </a:solidFill>
+                          <a:latin typeface="+mn-lt"/>
+                          <a:ea typeface="+mn-ea"/>
+                          <a:cs typeface="+mn-cs"/>
+                        </a:rPr>
+                        <a:t> de procesos, </a:t>
+                      </a:r>
+                      <a:r>
+                        <a:rPr lang="es-PE" sz="1800" i="1" kern="1200" dirty="0" err="1" smtClean="0">
+                          <a:solidFill>
+                            <a:schemeClr val="tx1"/>
+                          </a:solidFill>
+                          <a:latin typeface="+mn-lt"/>
+                          <a:ea typeface="+mn-ea"/>
+                          <a:cs typeface="+mn-cs"/>
+                        </a:rPr>
+                        <a:t>Outsorcing</a:t>
+                      </a:r>
+                      <a:r>
+                        <a:rPr lang="es-PE" sz="1800" i="1" kern="1200" dirty="0" smtClean="0">
+                          <a:solidFill>
+                            <a:schemeClr val="tx1"/>
+                          </a:solidFill>
+                          <a:latin typeface="+mn-lt"/>
+                          <a:ea typeface="+mn-ea"/>
+                          <a:cs typeface="+mn-cs"/>
+                        </a:rPr>
+                        <a:t> de servicios de aplicación y Servicios de tecnología</a:t>
+                      </a:r>
+                      <a:endParaRPr lang="es-ES" sz="1800" i="1" kern="1200" dirty="0" smtClean="0">
+                        <a:solidFill>
+                          <a:schemeClr val="tx1"/>
+                        </a:solidFill>
+                        <a:latin typeface="+mn-lt"/>
+                        <a:ea typeface="+mn-ea"/>
+                        <a:cs typeface="+mn-cs"/>
+                      </a:endParaRPr>
+                    </a:p>
+                  </a:txBody>
+                  <a:tcPr/>
+                </a:tc>
+              </a:tr>
+              <a:tr h="1565547">
+                <a:tc>
+                  <a:txBody>
+                    <a:bodyPr/>
+                    <a:lstStyle/>
+                    <a:p>
+                      <a:endParaRPr lang="es-ES" dirty="0"/>
+                    </a:p>
+                  </a:txBody>
+                  <a:tcPr/>
+                </a:tc>
+                <a:tc>
+                  <a:txBody>
+                    <a:bodyPr/>
+                    <a:lstStyle/>
+                    <a:p>
+                      <a:pPr marL="0" marR="0" indent="0" algn="l" defTabSz="914400" rtl="0" eaLnBrk="1" fontAlgn="auto" latinLnBrk="0" hangingPunct="1">
+                        <a:lnSpc>
+                          <a:spcPct val="100000"/>
+                        </a:lnSpc>
+                        <a:spcBef>
+                          <a:spcPts val="0"/>
+                        </a:spcBef>
+                        <a:spcAft>
+                          <a:spcPts val="0"/>
+                        </a:spcAft>
+                        <a:buClrTx/>
+                        <a:buSzTx/>
+                        <a:buFontTx/>
+                        <a:buNone/>
+                        <a:tabLst/>
+                        <a:defRPr/>
+                      </a:pPr>
+                      <a:r>
+                        <a:rPr lang="es-PE" sz="1800" i="1" kern="1200" dirty="0" smtClean="0">
+                          <a:solidFill>
+                            <a:schemeClr val="tx1"/>
+                          </a:solidFill>
+                          <a:latin typeface="+mn-lt"/>
+                          <a:ea typeface="+mn-ea"/>
+                          <a:cs typeface="+mn-cs"/>
+                        </a:rPr>
+                        <a:t>Se definen las siguientes Categorías de Tipos de Servicio: </a:t>
+                      </a:r>
+                    </a:p>
+                    <a:p>
+                      <a:pPr marL="0" marR="0" indent="0" algn="l" defTabSz="914400" rtl="0" eaLnBrk="1" fontAlgn="auto" latinLnBrk="0" hangingPunct="1">
+                        <a:lnSpc>
+                          <a:spcPct val="100000"/>
+                        </a:lnSpc>
+                        <a:spcBef>
+                          <a:spcPts val="0"/>
+                        </a:spcBef>
+                        <a:spcAft>
+                          <a:spcPts val="0"/>
+                        </a:spcAft>
+                        <a:buClrTx/>
+                        <a:buSzTx/>
+                        <a:buFontTx/>
+                        <a:buNone/>
+                        <a:tabLst/>
+                        <a:defRPr/>
+                      </a:pPr>
+                      <a:r>
+                        <a:rPr lang="es-PE" sz="1800" i="1" kern="1200" dirty="0" smtClean="0">
+                          <a:solidFill>
+                            <a:schemeClr val="tx1"/>
+                          </a:solidFill>
+                          <a:latin typeface="+mn-lt"/>
+                          <a:ea typeface="+mn-ea"/>
+                          <a:cs typeface="+mn-cs"/>
+                        </a:rPr>
+                        <a:t>1= Industria y Comercio, </a:t>
+                      </a:r>
+                    </a:p>
+                    <a:p>
+                      <a:pPr marL="0" marR="0" indent="0" algn="l" defTabSz="914400" rtl="0" eaLnBrk="1" fontAlgn="auto" latinLnBrk="0" hangingPunct="1">
+                        <a:lnSpc>
+                          <a:spcPct val="100000"/>
+                        </a:lnSpc>
+                        <a:spcBef>
+                          <a:spcPts val="0"/>
+                        </a:spcBef>
+                        <a:spcAft>
+                          <a:spcPts val="0"/>
+                        </a:spcAft>
+                        <a:buClrTx/>
+                        <a:buSzTx/>
+                        <a:buFontTx/>
+                        <a:buNone/>
+                        <a:tabLst/>
+                        <a:defRPr/>
+                      </a:pPr>
+                      <a:r>
+                        <a:rPr lang="es-PE" sz="1800" i="1" kern="1200" dirty="0" smtClean="0">
+                          <a:solidFill>
+                            <a:schemeClr val="tx1"/>
+                          </a:solidFill>
+                          <a:latin typeface="+mn-lt"/>
+                          <a:ea typeface="+mn-ea"/>
+                          <a:cs typeface="+mn-cs"/>
+                        </a:rPr>
+                        <a:t>2= Banca y Finanzas y </a:t>
+                      </a:r>
+                    </a:p>
+                    <a:p>
+                      <a:pPr marL="0" marR="0" indent="0" algn="l" defTabSz="914400" rtl="0" eaLnBrk="1" fontAlgn="auto" latinLnBrk="0" hangingPunct="1">
+                        <a:lnSpc>
+                          <a:spcPct val="100000"/>
+                        </a:lnSpc>
+                        <a:spcBef>
+                          <a:spcPts val="0"/>
+                        </a:spcBef>
+                        <a:spcAft>
+                          <a:spcPts val="0"/>
+                        </a:spcAft>
+                        <a:buClrTx/>
+                        <a:buSzTx/>
+                        <a:buFontTx/>
+                        <a:buNone/>
+                        <a:tabLst/>
+                        <a:defRPr/>
+                      </a:pPr>
+                      <a:r>
+                        <a:rPr lang="es-PE" sz="1800" i="1" kern="1200" dirty="0" smtClean="0">
+                          <a:solidFill>
+                            <a:schemeClr val="tx1"/>
+                          </a:solidFill>
+                          <a:latin typeface="+mn-lt"/>
+                          <a:ea typeface="+mn-ea"/>
+                          <a:cs typeface="+mn-cs"/>
+                        </a:rPr>
+                        <a:t>3=  Gobierno y Servicios públicos</a:t>
+                      </a:r>
+                      <a:endParaRPr lang="es-ES" sz="1800" i="1" kern="1200" dirty="0" smtClean="0">
+                        <a:solidFill>
+                          <a:schemeClr val="tx1"/>
+                        </a:solidFill>
+                        <a:latin typeface="+mn-lt"/>
+                        <a:ea typeface="+mn-ea"/>
+                        <a:cs typeface="+mn-cs"/>
+                      </a:endParaRPr>
+                    </a:p>
+                  </a:txBody>
+                  <a:tcPr/>
+                </a:tc>
+              </a:tr>
+            </a:tbl>
+          </a:graphicData>
+        </a:graphic>
+      </p:graphicFrame>
+      <p:pic>
+        <p:nvPicPr>
+          <p:cNvPr id="7" name="Picture 2"/>
+          <p:cNvPicPr>
+            <a:picLocks noChangeAspect="1" noChangeArrowheads="1"/>
+          </p:cNvPicPr>
+          <p:nvPr/>
+        </p:nvPicPr>
+        <p:blipFill>
+          <a:blip r:embed="rId2" cstate="print"/>
+          <a:srcRect/>
+          <a:stretch>
+            <a:fillRect/>
+          </a:stretch>
+        </p:blipFill>
+        <p:spPr bwMode="auto">
+          <a:xfrm>
+            <a:off x="867569" y="2420888"/>
+            <a:ext cx="1400175" cy="1066800"/>
+          </a:xfrm>
+          <a:prstGeom prst="rect">
+            <a:avLst/>
+          </a:prstGeom>
+          <a:noFill/>
+          <a:ln w="9525">
+            <a:noFill/>
+            <a:miter lim="800000"/>
+            <a:headEnd/>
+            <a:tailEnd/>
+          </a:ln>
+        </p:spPr>
+      </p:pic>
+      <p:pic>
+        <p:nvPicPr>
+          <p:cNvPr id="8" name="Picture 3"/>
+          <p:cNvPicPr>
+            <a:picLocks noChangeAspect="1" noChangeArrowheads="1"/>
+          </p:cNvPicPr>
+          <p:nvPr/>
+        </p:nvPicPr>
+        <p:blipFill>
+          <a:blip r:embed="rId3" cstate="print"/>
+          <a:srcRect/>
+          <a:stretch>
+            <a:fillRect/>
+          </a:stretch>
+        </p:blipFill>
+        <p:spPr bwMode="auto">
+          <a:xfrm>
+            <a:off x="649635" y="3739877"/>
+            <a:ext cx="1762125" cy="1057275"/>
+          </a:xfrm>
+          <a:prstGeom prst="rect">
+            <a:avLst/>
+          </a:prstGeom>
+          <a:noFill/>
+          <a:ln w="9525">
+            <a:noFill/>
+            <a:miter lim="800000"/>
+            <a:headEnd/>
+            <a:tailEnd/>
+          </a:ln>
+        </p:spPr>
+      </p:pic>
+      <p:pic>
+        <p:nvPicPr>
+          <p:cNvPr id="1028" name="Picture 4"/>
+          <p:cNvPicPr>
+            <a:picLocks noChangeAspect="1" noChangeArrowheads="1"/>
+          </p:cNvPicPr>
+          <p:nvPr/>
+        </p:nvPicPr>
+        <p:blipFill>
+          <a:blip r:embed="rId4" cstate="print"/>
+          <a:srcRect/>
+          <a:stretch>
+            <a:fillRect/>
+          </a:stretch>
+        </p:blipFill>
+        <p:spPr bwMode="auto">
+          <a:xfrm>
+            <a:off x="395536" y="5229200"/>
+            <a:ext cx="2314575" cy="1181100"/>
+          </a:xfrm>
+          <a:prstGeom prst="rect">
+            <a:avLst/>
+          </a:prstGeom>
+          <a:noFill/>
+          <a:ln w="9525">
+            <a:noFill/>
+            <a:miter lim="800000"/>
+            <a:headEnd/>
+            <a:tailEnd/>
+          </a:ln>
+        </p:spPr>
+      </p:pic>
+    </p:spTree>
+    <p:extLst>
+      <p:ext uri="{BB962C8B-B14F-4D97-AF65-F5344CB8AC3E}">
+        <p14:creationId xmlns:p14="http://schemas.microsoft.com/office/powerpoint/2010/main" xmlns="" val="1314591319"/>
+      </p:ext>
+    </p:extLst>
+  </p:cSld>
+  <p:clrMapOvr>
+    <a:masterClrMapping/>
+  </p:clrMapOvr>
+  <p:timing>
+    <p:tnLst>
+      <p:par>
+        <p:cTn id="1" dur="indefinite" restart="never" nodeType="tmRoot"/>
+      </p:par>
+    </p:tnLst>
+  </p:timing>
+</p:sld>
+</file>
+
+<file path=ppt/slides/slide3.xml><?xml version="1.0" encoding="utf-8"?>
+<p:sld xmlns:a="http://schemas.openxmlformats.org/drawingml/2006/main" xmlns:r="http://schemas.openxmlformats.org/officeDocument/2006/relationships" xmlns:p="http://schemas.openxmlformats.org/presentationml/2006/main">
+  <p:cSld>
+    <p:spTree>
+      <p:nvGrpSpPr>
+        <p:cNvPr id="1" name=""/>
+        <p:cNvGrpSpPr/>
+        <p:nvPr/>
+      </p:nvGrpSpPr>
+      <p:grpSpPr>
+        <a:xfrm>
+          <a:off x="0" y="0"/>
+          <a:ext cx="0" cy="0"/>
+          <a:chOff x="0" y="0"/>
+          <a:chExt cx="0" cy="0"/>
+        </a:xfrm>
+      </p:grpSpPr>
+      <p:sp>
+        <p:nvSpPr>
+          <p:cNvPr id="3" name="2 Título"/>
+          <p:cNvSpPr>
+            <a:spLocks noGrp="1"/>
+          </p:cNvSpPr>
+          <p:nvPr>
+            <p:ph type="title"/>
+          </p:nvPr>
+        </p:nvSpPr>
+        <p:spPr/>
+        <p:txBody>
+          <a:bodyPr>
+            <a:normAutofit fontScale="90000"/>
+          </a:bodyPr>
+          <a:lstStyle/>
+          <a:p>
+            <a:r>
+              <a:rPr lang="es-PE" dirty="0"/>
+              <a:t>ESPECIFICACION </a:t>
+            </a:r>
+            <a:r>
+              <a:rPr lang="es-PE" dirty="0" smtClean="0"/>
+              <a:t>DE </a:t>
+            </a:r>
+            <a:r>
+              <a:rPr lang="es-PE" dirty="0"/>
+              <a:t>REGLAS DE </a:t>
+            </a:r>
+            <a:r>
+              <a:rPr lang="es-PE" dirty="0" smtClean="0"/>
+              <a:t>NEGOCIO (cont..)</a:t>
+            </a:r>
+            <a:endParaRPr lang="es-PE" dirty="0"/>
+          </a:p>
+        </p:txBody>
+      </p:sp>
+      <p:graphicFrame>
+        <p:nvGraphicFramePr>
+          <p:cNvPr id="6" name="5 Tabla"/>
+          <p:cNvGraphicFramePr>
+            <a:graphicFrameLocks noGrp="1"/>
+          </p:cNvGraphicFramePr>
+          <p:nvPr/>
+        </p:nvGraphicFramePr>
+        <p:xfrm>
+          <a:off x="323528" y="2348880"/>
+          <a:ext cx="8496944" cy="4248472"/>
+        </p:xfrm>
+        <a:graphic>
+          <a:graphicData uri="http://schemas.openxmlformats.org/drawingml/2006/table">
+            <a:tbl>
+              <a:tblPr firstRow="1" bandRow="1">
+                <a:tableStyleId>{BC89EF96-8CEA-46FF-86C4-4CE0E7609802}</a:tableStyleId>
+              </a:tblPr>
+              <a:tblGrid>
+                <a:gridCol w="2016224"/>
+                <a:gridCol w="6480720"/>
+              </a:tblGrid>
+              <a:tr h="4248472">
+                <a:tc>
+                  <a:txBody>
+                    <a:bodyPr/>
+                    <a:lstStyle/>
+                    <a:p>
+                      <a:endParaRPr lang="es-ES" dirty="0"/>
+                    </a:p>
+                  </a:txBody>
+                  <a:tcPr/>
+                </a:tc>
+                <a:tc>
+                  <a:txBody>
+                    <a:bodyPr/>
+                    <a:lstStyle/>
+                    <a:p>
+                      <a:pPr marL="273050" indent="-273050"/>
+                      <a:r>
+                        <a:rPr lang="es-PE" sz="1400" b="0" kern="1200" dirty="0" smtClean="0">
+                          <a:solidFill>
+                            <a:schemeClr val="tx1"/>
+                          </a:solidFill>
+                          <a:latin typeface="+mn-lt"/>
+                          <a:ea typeface="+mn-ea"/>
+                          <a:cs typeface="+mn-cs"/>
+                        </a:rPr>
+                        <a:t>Se definen los siguientes Tipos de Servicio:  </a:t>
+                      </a:r>
+                    </a:p>
+                    <a:p>
+                      <a:pPr marL="273050" indent="-273050" algn="just"/>
+                      <a:endParaRPr lang="es-ES" sz="1400" b="0" kern="1200" dirty="0" smtClean="0">
+                        <a:solidFill>
+                          <a:schemeClr val="tx1"/>
+                        </a:solidFill>
+                        <a:latin typeface="+mn-lt"/>
+                        <a:ea typeface="+mn-ea"/>
+                        <a:cs typeface="+mn-cs"/>
+                      </a:endParaRPr>
+                    </a:p>
+                    <a:p>
+                      <a:pPr marL="273050" indent="-273050" algn="just">
+                        <a:buFont typeface="Arial" pitchFamily="34" charset="0"/>
+                        <a:buChar char="•"/>
+                      </a:pPr>
+                      <a:r>
+                        <a:rPr lang="es-PE" sz="1400" b="0" kern="1200" dirty="0" smtClean="0">
+                          <a:solidFill>
+                            <a:schemeClr val="tx1"/>
+                          </a:solidFill>
+                          <a:latin typeface="+mn-lt"/>
+                          <a:ea typeface="+mn-ea"/>
+                          <a:cs typeface="+mn-cs"/>
+                        </a:rPr>
+                        <a:t>Si la línea de servicio es </a:t>
+                      </a:r>
+                      <a:r>
+                        <a:rPr lang="es-PE" sz="1400" b="0" kern="1200" dirty="0" err="1" smtClean="0">
+                          <a:solidFill>
+                            <a:schemeClr val="tx1"/>
+                          </a:solidFill>
+                          <a:latin typeface="+mn-lt"/>
+                          <a:ea typeface="+mn-ea"/>
+                          <a:cs typeface="+mn-cs"/>
+                        </a:rPr>
+                        <a:t>Outsorcing</a:t>
+                      </a:r>
+                      <a:r>
+                        <a:rPr lang="es-PE" sz="1400" b="0" kern="1200" dirty="0" smtClean="0">
+                          <a:solidFill>
+                            <a:schemeClr val="tx1"/>
+                          </a:solidFill>
+                          <a:latin typeface="+mn-lt"/>
+                          <a:ea typeface="+mn-ea"/>
+                          <a:cs typeface="+mn-cs"/>
+                        </a:rPr>
+                        <a:t> de Tecnología, los tipos de servicios asociados son:</a:t>
+                      </a:r>
+                      <a:endParaRPr lang="es-ES" sz="1400" b="0" kern="1200" dirty="0" smtClean="0">
+                        <a:solidFill>
+                          <a:schemeClr val="tx1"/>
+                        </a:solidFill>
+                        <a:latin typeface="+mn-lt"/>
+                        <a:ea typeface="+mn-ea"/>
+                        <a:cs typeface="+mn-cs"/>
+                      </a:endParaRPr>
+                    </a:p>
+                    <a:p>
+                      <a:pPr marL="273050" lvl="1" indent="0" algn="just"/>
+                      <a:r>
+                        <a:rPr lang="es-PE" sz="1400" b="0" kern="1200" dirty="0" smtClean="0">
+                          <a:solidFill>
+                            <a:schemeClr val="tx1"/>
+                          </a:solidFill>
+                          <a:latin typeface="+mn-lt"/>
+                          <a:ea typeface="+mn-ea"/>
+                          <a:cs typeface="+mn-cs"/>
+                        </a:rPr>
+                        <a:t>Servicio de </a:t>
+                      </a:r>
+                      <a:r>
+                        <a:rPr lang="es-PE" sz="1400" b="0" kern="1200" dirty="0" err="1" smtClean="0">
+                          <a:solidFill>
+                            <a:schemeClr val="tx1"/>
+                          </a:solidFill>
+                          <a:latin typeface="+mn-lt"/>
+                          <a:ea typeface="+mn-ea"/>
+                          <a:cs typeface="+mn-cs"/>
+                        </a:rPr>
+                        <a:t>Hosting</a:t>
+                      </a:r>
+                      <a:r>
+                        <a:rPr lang="es-PE" sz="1400" b="0" kern="1200" dirty="0" smtClean="0">
+                          <a:solidFill>
+                            <a:schemeClr val="tx1"/>
+                          </a:solidFill>
+                          <a:latin typeface="+mn-lt"/>
+                          <a:ea typeface="+mn-ea"/>
+                          <a:cs typeface="+mn-cs"/>
+                        </a:rPr>
+                        <a:t>,  Servicio de </a:t>
+                      </a:r>
+                      <a:r>
+                        <a:rPr lang="es-PE" sz="1400" b="0" kern="1200" dirty="0" err="1" smtClean="0">
+                          <a:solidFill>
+                            <a:schemeClr val="tx1"/>
+                          </a:solidFill>
+                          <a:latin typeface="+mn-lt"/>
+                          <a:ea typeface="+mn-ea"/>
+                          <a:cs typeface="+mn-cs"/>
+                        </a:rPr>
+                        <a:t>Housing</a:t>
+                      </a:r>
+                      <a:r>
+                        <a:rPr lang="es-PE" sz="1400" b="0" kern="1200" dirty="0" smtClean="0">
+                          <a:solidFill>
+                            <a:schemeClr val="tx1"/>
+                          </a:solidFill>
+                          <a:latin typeface="+mn-lt"/>
+                          <a:ea typeface="+mn-ea"/>
+                          <a:cs typeface="+mn-cs"/>
+                        </a:rPr>
+                        <a:t>, Servicios de </a:t>
+                      </a:r>
+                      <a:r>
+                        <a:rPr lang="es-PE" sz="1400" b="0" kern="1200" dirty="0" err="1" smtClean="0">
+                          <a:solidFill>
+                            <a:schemeClr val="tx1"/>
+                          </a:solidFill>
+                          <a:latin typeface="+mn-lt"/>
+                          <a:ea typeface="+mn-ea"/>
+                          <a:cs typeface="+mn-cs"/>
+                        </a:rPr>
+                        <a:t>Disaster</a:t>
+                      </a:r>
+                      <a:r>
+                        <a:rPr lang="es-PE" sz="1400" b="0" kern="1200" dirty="0" smtClean="0">
+                          <a:solidFill>
+                            <a:schemeClr val="tx1"/>
+                          </a:solidFill>
+                          <a:latin typeface="+mn-lt"/>
+                          <a:ea typeface="+mn-ea"/>
+                          <a:cs typeface="+mn-cs"/>
+                        </a:rPr>
+                        <a:t> </a:t>
+                      </a:r>
+                      <a:r>
+                        <a:rPr lang="es-PE" sz="1400" b="0" kern="1200" dirty="0" err="1" smtClean="0">
+                          <a:solidFill>
+                            <a:schemeClr val="tx1"/>
+                          </a:solidFill>
+                          <a:latin typeface="+mn-lt"/>
+                          <a:ea typeface="+mn-ea"/>
+                          <a:cs typeface="+mn-cs"/>
+                        </a:rPr>
+                        <a:t>Recovery</a:t>
+                      </a:r>
+                      <a:r>
+                        <a:rPr lang="es-PE" sz="1400" b="0" kern="1200" dirty="0" smtClean="0">
+                          <a:solidFill>
+                            <a:schemeClr val="tx1"/>
+                          </a:solidFill>
+                          <a:latin typeface="+mn-lt"/>
+                          <a:ea typeface="+mn-ea"/>
+                          <a:cs typeface="+mn-cs"/>
+                        </a:rPr>
+                        <a:t>,  Servicio de Respaldo (</a:t>
+                      </a:r>
+                      <a:r>
+                        <a:rPr lang="es-PE" sz="1400" b="0" kern="1200" dirty="0" err="1" smtClean="0">
+                          <a:solidFill>
+                            <a:schemeClr val="tx1"/>
+                          </a:solidFill>
+                          <a:latin typeface="+mn-lt"/>
+                          <a:ea typeface="+mn-ea"/>
+                          <a:cs typeface="+mn-cs"/>
+                        </a:rPr>
+                        <a:t>Backup</a:t>
+                      </a:r>
+                      <a:r>
+                        <a:rPr lang="es-PE" sz="1400" b="0" kern="1200" dirty="0" smtClean="0">
+                          <a:solidFill>
+                            <a:schemeClr val="tx1"/>
+                          </a:solidFill>
+                          <a:latin typeface="+mn-lt"/>
+                          <a:ea typeface="+mn-ea"/>
+                          <a:cs typeface="+mn-cs"/>
+                        </a:rPr>
+                        <a:t>). y Servicios de Almacenamiento.</a:t>
+                      </a:r>
+                      <a:endParaRPr lang="es-ES" sz="1400" b="0" kern="1200" dirty="0" smtClean="0">
+                        <a:solidFill>
+                          <a:schemeClr val="tx1"/>
+                        </a:solidFill>
+                        <a:latin typeface="+mn-lt"/>
+                        <a:ea typeface="+mn-ea"/>
+                        <a:cs typeface="+mn-cs"/>
+                      </a:endParaRPr>
+                    </a:p>
+                    <a:p>
+                      <a:pPr marL="273050" indent="-273050" algn="just">
+                        <a:buFont typeface="Arial" pitchFamily="34" charset="0"/>
+                        <a:buChar char="•"/>
+                      </a:pPr>
+                      <a:r>
+                        <a:rPr lang="es-PE" sz="1400" b="0" kern="1200" dirty="0" smtClean="0">
+                          <a:solidFill>
+                            <a:schemeClr val="tx1"/>
+                          </a:solidFill>
+                          <a:latin typeface="+mn-lt"/>
+                          <a:ea typeface="+mn-ea"/>
+                          <a:cs typeface="+mn-cs"/>
+                        </a:rPr>
+                        <a:t>Si la línea de servicio es Software </a:t>
+                      </a:r>
+                      <a:r>
+                        <a:rPr lang="es-PE" sz="1400" b="0" kern="1200" dirty="0" err="1" smtClean="0">
+                          <a:solidFill>
+                            <a:schemeClr val="tx1"/>
+                          </a:solidFill>
+                          <a:latin typeface="+mn-lt"/>
+                          <a:ea typeface="+mn-ea"/>
+                          <a:cs typeface="+mn-cs"/>
+                        </a:rPr>
+                        <a:t>factory</a:t>
+                      </a:r>
+                      <a:r>
+                        <a:rPr lang="es-PE" sz="1400" b="0" kern="1200" dirty="0" smtClean="0">
+                          <a:solidFill>
+                            <a:schemeClr val="tx1"/>
+                          </a:solidFill>
+                          <a:latin typeface="+mn-lt"/>
+                          <a:ea typeface="+mn-ea"/>
+                          <a:cs typeface="+mn-cs"/>
+                        </a:rPr>
+                        <a:t>, los tipos de servicios asociados son:</a:t>
+                      </a:r>
+                      <a:endParaRPr lang="es-ES" sz="1400" b="0" kern="1200" dirty="0" smtClean="0">
+                        <a:solidFill>
+                          <a:schemeClr val="tx1"/>
+                        </a:solidFill>
+                        <a:latin typeface="+mn-lt"/>
+                        <a:ea typeface="+mn-ea"/>
+                        <a:cs typeface="+mn-cs"/>
+                      </a:endParaRPr>
+                    </a:p>
+                    <a:p>
+                      <a:pPr marL="273050" lvl="1" indent="0" algn="just" defTabSz="914400" rtl="0" eaLnBrk="1" latinLnBrk="0" hangingPunct="1"/>
+                      <a:r>
+                        <a:rPr lang="es-PE" sz="1400" b="0" kern="1200" dirty="0" smtClean="0">
+                          <a:solidFill>
+                            <a:schemeClr val="tx1"/>
+                          </a:solidFill>
+                          <a:latin typeface="+mn-lt"/>
+                          <a:ea typeface="+mn-ea"/>
+                          <a:cs typeface="+mn-cs"/>
+                        </a:rPr>
+                        <a:t>Control de versiones,  Control de calidad del código fuente,  Pruebas de funcionalidad y Control de pases a producción. </a:t>
+                      </a:r>
+                      <a:endParaRPr lang="es-ES" sz="1400" b="0" kern="1200" dirty="0" smtClean="0">
+                        <a:solidFill>
+                          <a:schemeClr val="tx1"/>
+                        </a:solidFill>
+                        <a:latin typeface="+mn-lt"/>
+                        <a:ea typeface="+mn-ea"/>
+                        <a:cs typeface="+mn-cs"/>
+                      </a:endParaRPr>
+                    </a:p>
+                    <a:p>
+                      <a:pPr marL="273050" indent="-273050" algn="just">
+                        <a:buFont typeface="Arial" pitchFamily="34" charset="0"/>
+                        <a:buChar char="•"/>
+                      </a:pPr>
+                      <a:r>
+                        <a:rPr lang="es-PE" sz="1400" b="0" kern="1200" dirty="0" smtClean="0">
+                          <a:solidFill>
+                            <a:schemeClr val="tx1"/>
+                          </a:solidFill>
+                          <a:latin typeface="+mn-lt"/>
+                          <a:ea typeface="+mn-ea"/>
+                          <a:cs typeface="+mn-cs"/>
+                        </a:rPr>
+                        <a:t>Si la línea de servicio es </a:t>
+                      </a:r>
+                      <a:r>
+                        <a:rPr lang="es-PE" sz="1400" b="0" kern="1200" dirty="0" err="1" smtClean="0">
+                          <a:solidFill>
+                            <a:schemeClr val="tx1"/>
+                          </a:solidFill>
+                          <a:latin typeface="+mn-lt"/>
+                          <a:ea typeface="+mn-ea"/>
+                          <a:cs typeface="+mn-cs"/>
+                        </a:rPr>
+                        <a:t>Outsorcing</a:t>
+                      </a:r>
+                      <a:r>
+                        <a:rPr lang="es-PE" sz="1400" b="0" kern="1200" dirty="0" smtClean="0">
+                          <a:solidFill>
+                            <a:schemeClr val="tx1"/>
+                          </a:solidFill>
+                          <a:latin typeface="+mn-lt"/>
+                          <a:ea typeface="+mn-ea"/>
+                          <a:cs typeface="+mn-cs"/>
+                        </a:rPr>
+                        <a:t> de procesos, los tipos de servicios asociados son:</a:t>
+                      </a:r>
+                      <a:endParaRPr lang="es-ES" sz="1400" b="0" kern="1200" dirty="0" smtClean="0">
+                        <a:solidFill>
+                          <a:schemeClr val="tx1"/>
+                        </a:solidFill>
+                        <a:latin typeface="+mn-lt"/>
+                        <a:ea typeface="+mn-ea"/>
+                        <a:cs typeface="+mn-cs"/>
+                      </a:endParaRPr>
+                    </a:p>
+                    <a:p>
+                      <a:pPr marL="273050" lvl="1" indent="0" algn="just" defTabSz="914400" rtl="0" eaLnBrk="1" latinLnBrk="0" hangingPunct="1"/>
+                      <a:r>
+                        <a:rPr lang="es-PE" sz="1400" b="0" kern="1200" dirty="0" smtClean="0">
+                          <a:solidFill>
+                            <a:schemeClr val="tx1"/>
+                          </a:solidFill>
+                          <a:latin typeface="+mn-lt"/>
+                          <a:ea typeface="+mn-ea"/>
+                          <a:cs typeface="+mn-cs"/>
+                        </a:rPr>
+                        <a:t>Procesos operativos y Procesos de Soporte</a:t>
+                      </a:r>
+                      <a:endParaRPr lang="es-ES" sz="1400" b="0" kern="1200" dirty="0" smtClean="0">
+                        <a:solidFill>
+                          <a:schemeClr val="tx1"/>
+                        </a:solidFill>
+                        <a:latin typeface="+mn-lt"/>
+                        <a:ea typeface="+mn-ea"/>
+                        <a:cs typeface="+mn-cs"/>
+                      </a:endParaRPr>
+                    </a:p>
+                    <a:p>
+                      <a:pPr marL="273050" indent="-273050" algn="just">
+                        <a:buFont typeface="Arial" pitchFamily="34" charset="0"/>
+                        <a:buChar char="•"/>
+                      </a:pPr>
+                      <a:r>
+                        <a:rPr lang="es-PE" sz="1400" b="0" kern="1200" dirty="0" smtClean="0">
+                          <a:solidFill>
+                            <a:schemeClr val="tx1"/>
+                          </a:solidFill>
+                          <a:latin typeface="+mn-lt"/>
+                          <a:ea typeface="+mn-ea"/>
+                          <a:cs typeface="+mn-cs"/>
+                        </a:rPr>
+                        <a:t>Si la línea de servicio es </a:t>
+                      </a:r>
+                      <a:r>
+                        <a:rPr lang="es-PE" sz="1400" b="0" kern="1200" dirty="0" err="1" smtClean="0">
+                          <a:solidFill>
+                            <a:schemeClr val="tx1"/>
+                          </a:solidFill>
+                          <a:latin typeface="+mn-lt"/>
+                          <a:ea typeface="+mn-ea"/>
+                          <a:cs typeface="+mn-cs"/>
+                        </a:rPr>
+                        <a:t>Outsorcing</a:t>
+                      </a:r>
+                      <a:r>
+                        <a:rPr lang="es-PE" sz="1400" b="0" kern="1200" dirty="0" smtClean="0">
+                          <a:solidFill>
+                            <a:schemeClr val="tx1"/>
+                          </a:solidFill>
+                          <a:latin typeface="+mn-lt"/>
+                          <a:ea typeface="+mn-ea"/>
+                          <a:cs typeface="+mn-cs"/>
+                        </a:rPr>
+                        <a:t> de servicios de aplicación, los tipos de servicios asociados son:</a:t>
+                      </a:r>
+                      <a:endParaRPr lang="es-ES" sz="1400" b="0" kern="1200" dirty="0" smtClean="0">
+                        <a:solidFill>
+                          <a:schemeClr val="tx1"/>
+                        </a:solidFill>
+                        <a:latin typeface="+mn-lt"/>
+                        <a:ea typeface="+mn-ea"/>
+                        <a:cs typeface="+mn-cs"/>
+                      </a:endParaRPr>
+                    </a:p>
+                    <a:p>
+                      <a:pPr marL="273050" lvl="1" indent="0" algn="just" defTabSz="914400" rtl="0" eaLnBrk="1" latinLnBrk="0" hangingPunct="1"/>
+                      <a:r>
+                        <a:rPr lang="es-PE" sz="1400" b="0" kern="1200" dirty="0" smtClean="0">
+                          <a:solidFill>
+                            <a:schemeClr val="tx1"/>
+                          </a:solidFill>
+                          <a:latin typeface="+mn-lt"/>
+                          <a:ea typeface="+mn-ea"/>
+                          <a:cs typeface="+mn-cs"/>
+                        </a:rPr>
+                        <a:t>Soporte BASIS </a:t>
+                      </a:r>
+                      <a:r>
+                        <a:rPr lang="es-PE" sz="1400" b="0" kern="1200" dirty="0" err="1" smtClean="0">
+                          <a:solidFill>
+                            <a:schemeClr val="tx1"/>
+                          </a:solidFill>
+                          <a:latin typeface="+mn-lt"/>
+                          <a:ea typeface="+mn-ea"/>
+                          <a:cs typeface="+mn-cs"/>
+                        </a:rPr>
+                        <a:t>Netweaver</a:t>
+                      </a:r>
+                      <a:r>
+                        <a:rPr lang="es-PE" sz="1400" b="0" kern="1200" dirty="0" smtClean="0">
+                          <a:solidFill>
+                            <a:schemeClr val="tx1"/>
+                          </a:solidFill>
+                          <a:latin typeface="+mn-lt"/>
+                          <a:ea typeface="+mn-ea"/>
+                          <a:cs typeface="+mn-cs"/>
+                        </a:rPr>
+                        <a:t>, y Soporte funcional </a:t>
+                      </a:r>
+                      <a:endParaRPr lang="es-ES" sz="1400" b="0" kern="1200" dirty="0" smtClean="0">
+                        <a:solidFill>
+                          <a:schemeClr val="tx1"/>
+                        </a:solidFill>
+                        <a:latin typeface="+mn-lt"/>
+                        <a:ea typeface="+mn-ea"/>
+                        <a:cs typeface="+mn-cs"/>
+                      </a:endParaRPr>
+                    </a:p>
+                    <a:p>
+                      <a:pPr marL="273050" indent="-273050" algn="just">
+                        <a:buFont typeface="Arial" pitchFamily="34" charset="0"/>
+                        <a:buChar char="•"/>
+                      </a:pPr>
+                      <a:r>
+                        <a:rPr lang="es-PE" sz="1400" b="0" kern="1200" dirty="0" smtClean="0">
+                          <a:solidFill>
+                            <a:schemeClr val="tx1"/>
+                          </a:solidFill>
+                          <a:latin typeface="+mn-lt"/>
+                          <a:ea typeface="+mn-ea"/>
+                          <a:cs typeface="+mn-cs"/>
+                        </a:rPr>
+                        <a:t>Si la línea de servicio es Servicios de tecnología, los tipos de servicios asociados son:</a:t>
+                      </a:r>
+                      <a:endParaRPr lang="es-ES" sz="1400" b="0" kern="1200" dirty="0" smtClean="0">
+                        <a:solidFill>
+                          <a:schemeClr val="tx1"/>
+                        </a:solidFill>
+                        <a:latin typeface="+mn-lt"/>
+                        <a:ea typeface="+mn-ea"/>
+                        <a:cs typeface="+mn-cs"/>
+                      </a:endParaRPr>
+                    </a:p>
+                    <a:p>
+                      <a:pPr marL="273050" lvl="1" indent="0" algn="just" defTabSz="914400" rtl="0" eaLnBrk="1" latinLnBrk="0" hangingPunct="1"/>
+                      <a:r>
+                        <a:rPr lang="es-PE" sz="1400" b="0" kern="1200" dirty="0" smtClean="0">
+                          <a:solidFill>
+                            <a:schemeClr val="tx1"/>
+                          </a:solidFill>
+                          <a:latin typeface="+mn-lt"/>
+                          <a:ea typeface="+mn-ea"/>
+                          <a:cs typeface="+mn-cs"/>
+                        </a:rPr>
+                        <a:t>Servicios Microsoft, Servicios </a:t>
+                      </a:r>
+                      <a:r>
+                        <a:rPr lang="es-PE" sz="1400" b="0" kern="1200" dirty="0" err="1" smtClean="0">
+                          <a:solidFill>
+                            <a:schemeClr val="tx1"/>
+                          </a:solidFill>
+                          <a:latin typeface="+mn-lt"/>
+                          <a:ea typeface="+mn-ea"/>
+                          <a:cs typeface="+mn-cs"/>
+                        </a:rPr>
+                        <a:t>Networking</a:t>
+                      </a:r>
+                      <a:r>
+                        <a:rPr lang="es-PE" sz="1400" b="0" kern="1200" dirty="0" smtClean="0">
+                          <a:solidFill>
+                            <a:schemeClr val="tx1"/>
+                          </a:solidFill>
+                          <a:latin typeface="+mn-lt"/>
+                          <a:ea typeface="+mn-ea"/>
+                          <a:cs typeface="+mn-cs"/>
+                        </a:rPr>
+                        <a:t>,  Servicios de Plataforma de misión crítica y Computación personal</a:t>
+                      </a:r>
+                      <a:endParaRPr lang="es-ES" sz="1400" b="0" kern="1200" dirty="0" smtClean="0">
+                        <a:solidFill>
+                          <a:schemeClr val="tx1"/>
+                        </a:solidFill>
+                        <a:latin typeface="+mn-lt"/>
+                        <a:ea typeface="+mn-ea"/>
+                        <a:cs typeface="+mn-cs"/>
+                      </a:endParaRPr>
+                    </a:p>
+                  </a:txBody>
+                  <a:tcPr/>
+                </a:tc>
+              </a:tr>
+            </a:tbl>
+          </a:graphicData>
+        </a:graphic>
+      </p:graphicFrame>
+      <p:pic>
+        <p:nvPicPr>
+          <p:cNvPr id="2050" name="Picture 2"/>
+          <p:cNvPicPr>
+            <a:picLocks noChangeAspect="1" noChangeArrowheads="1"/>
+          </p:cNvPicPr>
+          <p:nvPr/>
+        </p:nvPicPr>
+        <p:blipFill>
+          <a:blip r:embed="rId2" cstate="print"/>
+          <a:srcRect/>
+          <a:stretch>
+            <a:fillRect/>
+          </a:stretch>
+        </p:blipFill>
+        <p:spPr bwMode="auto">
+          <a:xfrm>
+            <a:off x="539552" y="3933056"/>
+            <a:ext cx="1657350" cy="1114425"/>
+          </a:xfrm>
+          <a:prstGeom prst="rect">
+            <a:avLst/>
+          </a:prstGeom>
+          <a:noFill/>
+          <a:ln w="9525">
+            <a:noFill/>
+            <a:miter lim="800000"/>
+            <a:headEnd/>
+            <a:tailEnd/>
+          </a:ln>
+        </p:spPr>
+      </p:pic>
+    </p:spTree>
+    <p:extLst>
+      <p:ext uri="{BB962C8B-B14F-4D97-AF65-F5344CB8AC3E}">
+        <p14:creationId xmlns:p14="http://schemas.microsoft.com/office/powerpoint/2010/main" xmlns="" val="1314591319"/>
+      </p:ext>
+    </p:extLst>
+  </p:cSld>
+  <p:clrMapOvr>
+    <a:masterClrMapping/>
+  </p:clrMapOvr>
+  <p:timing>
+    <p:tnLst>
+      <p:par>
+        <p:cTn id="1" dur="indefinite" restart="never" nodeType="tmRoot"/>
+      </p:par>
+    </p:tnLst>
+  </p:timing>
+</p:sld>
+</file>
+
+<file path=ppt/slides/slide4.xml><?xml version="1.0" encoding="utf-8"?>
+<p:sld xmlns:a="http://schemas.openxmlformats.org/drawingml/2006/main" xmlns:r="http://schemas.openxmlformats.org/officeDocument/2006/relationships" xmlns:p="http://schemas.openxmlformats.org/presentationml/2006/main">
+  <p:cSld>
+    <p:spTree>
+      <p:nvGrpSpPr>
+        <p:cNvPr id="1" name=""/>
+        <p:cNvGrpSpPr/>
+        <p:nvPr/>
+      </p:nvGrpSpPr>
+      <p:grpSpPr>
+        <a:xfrm>
+          <a:off x="0" y="0"/>
+          <a:ext cx="0" cy="0"/>
+          <a:chOff x="0" y="0"/>
+          <a:chExt cx="0" cy="0"/>
+        </a:xfrm>
+      </p:grpSpPr>
+      <p:sp>
+        <p:nvSpPr>
+          <p:cNvPr id="3" name="2 Título"/>
+          <p:cNvSpPr>
+            <a:spLocks noGrp="1"/>
+          </p:cNvSpPr>
+          <p:nvPr>
+            <p:ph type="title"/>
+          </p:nvPr>
+        </p:nvSpPr>
+        <p:spPr/>
+        <p:txBody>
+          <a:bodyPr>
+            <a:normAutofit fontScale="90000"/>
+          </a:bodyPr>
+          <a:lstStyle/>
+          <a:p>
+            <a:r>
+              <a:rPr lang="es-PE" dirty="0"/>
+              <a:t>ESPECIFICACION </a:t>
+            </a:r>
+            <a:r>
+              <a:rPr lang="es-PE" dirty="0" smtClean="0"/>
+              <a:t>DE </a:t>
+            </a:r>
+            <a:r>
+              <a:rPr lang="es-PE" dirty="0"/>
+              <a:t>REGLAS DE </a:t>
+            </a:r>
+            <a:r>
+              <a:rPr lang="es-PE" dirty="0" smtClean="0"/>
+              <a:t>NEGOCIO (cont..)</a:t>
+            </a:r>
+            <a:endParaRPr lang="es-PE" dirty="0"/>
+          </a:p>
+        </p:txBody>
+      </p:sp>
+      <p:graphicFrame>
+        <p:nvGraphicFramePr>
+          <p:cNvPr id="6" name="5 Tabla"/>
+          <p:cNvGraphicFramePr>
+            <a:graphicFrameLocks noGrp="1"/>
+          </p:cNvGraphicFramePr>
+          <p:nvPr/>
+        </p:nvGraphicFramePr>
+        <p:xfrm>
+          <a:off x="323528" y="2348880"/>
+          <a:ext cx="8496944" cy="4032448"/>
+        </p:xfrm>
+        <a:graphic>
+          <a:graphicData uri="http://schemas.openxmlformats.org/drawingml/2006/table">
+            <a:tbl>
+              <a:tblPr firstRow="1" bandRow="1">
+                <a:tableStyleId>{BC89EF96-8CEA-46FF-86C4-4CE0E7609802}</a:tableStyleId>
+              </a:tblPr>
+              <a:tblGrid>
+                <a:gridCol w="2284893"/>
+                <a:gridCol w="6212051"/>
+              </a:tblGrid>
+              <a:tr h="4032448">
+                <a:tc>
+                  <a:txBody>
+                    <a:bodyPr/>
+                    <a:lstStyle/>
+                    <a:p>
+                      <a:endParaRPr lang="es-ES" dirty="0"/>
+                    </a:p>
+                  </a:txBody>
+                  <a:tcPr/>
+                </a:tc>
+                <a:tc>
+                  <a:txBody>
+                    <a:bodyPr/>
+                    <a:lstStyle/>
+                    <a:p>
+                      <a:pPr marL="0" marR="0" indent="0" algn="l" defTabSz="914400" rtl="0" eaLnBrk="1" fontAlgn="auto" latinLnBrk="0" hangingPunct="1">
+                        <a:lnSpc>
+                          <a:spcPct val="100000"/>
+                        </a:lnSpc>
+                        <a:spcBef>
+                          <a:spcPts val="0"/>
+                        </a:spcBef>
+                        <a:spcAft>
+                          <a:spcPts val="0"/>
+                        </a:spcAft>
+                        <a:buClrTx/>
+                        <a:buSzTx/>
+                        <a:buFontTx/>
+                        <a:buNone/>
+                        <a:tabLst/>
+                        <a:defRPr/>
+                      </a:pPr>
+                      <a:r>
+                        <a:rPr lang="es-PE" sz="1800" b="0" kern="1200" dirty="0" smtClean="0">
+                          <a:solidFill>
+                            <a:schemeClr val="tx1"/>
+                          </a:solidFill>
+                          <a:latin typeface="+mn-lt"/>
+                          <a:ea typeface="+mn-ea"/>
+                          <a:cs typeface="+mn-cs"/>
+                        </a:rPr>
+                        <a:t>Para la generación del Contrato se estableció el siguiente formato:</a:t>
+                      </a:r>
+                      <a:endParaRPr lang="es-ES" sz="2400" dirty="0"/>
+                    </a:p>
+                  </a:txBody>
+                  <a:tcPr/>
+                </a:tc>
+              </a:tr>
+            </a:tbl>
+          </a:graphicData>
+        </a:graphic>
+      </p:graphicFrame>
+      <p:pic>
+        <p:nvPicPr>
+          <p:cNvPr id="2051" name="Picture 3"/>
+          <p:cNvPicPr>
+            <a:picLocks noChangeAspect="1" noChangeArrowheads="1"/>
+          </p:cNvPicPr>
+          <p:nvPr/>
+        </p:nvPicPr>
+        <p:blipFill>
+          <a:blip r:embed="rId2" cstate="print"/>
+          <a:srcRect/>
+          <a:stretch>
+            <a:fillRect/>
+          </a:stretch>
+        </p:blipFill>
+        <p:spPr bwMode="auto">
+          <a:xfrm>
+            <a:off x="755576" y="3645024"/>
+            <a:ext cx="1666875" cy="1038225"/>
+          </a:xfrm>
+          <a:prstGeom prst="rect">
+            <a:avLst/>
+          </a:prstGeom>
+          <a:noFill/>
+          <a:ln w="9525">
+            <a:noFill/>
+            <a:miter lim="800000"/>
+            <a:headEnd/>
+            <a:tailEnd/>
+          </a:ln>
+        </p:spPr>
+      </p:pic>
+      <p:pic>
+        <p:nvPicPr>
+          <p:cNvPr id="3074" name="Picture 2"/>
+          <p:cNvPicPr>
+            <a:picLocks noChangeAspect="1" noChangeArrowheads="1"/>
+          </p:cNvPicPr>
+          <p:nvPr/>
+        </p:nvPicPr>
+        <p:blipFill>
+          <a:blip r:embed="rId3" cstate="print"/>
+          <a:srcRect/>
+          <a:stretch>
+            <a:fillRect/>
+          </a:stretch>
+        </p:blipFill>
+        <p:spPr bwMode="auto">
+          <a:xfrm>
+            <a:off x="2699792" y="2996952"/>
+            <a:ext cx="6042376" cy="3240360"/>
+          </a:xfrm>
+          <a:prstGeom prst="rect">
+            <a:avLst/>
+          </a:prstGeom>
+          <a:noFill/>
+          <a:ln w="9525">
+            <a:noFill/>
+            <a:miter lim="800000"/>
+            <a:headEnd/>
+            <a:tailEnd/>
+          </a:ln>
+        </p:spPr>
+      </p:pic>
+    </p:spTree>
+    <p:extLst>
+      <p:ext uri="{BB962C8B-B14F-4D97-AF65-F5344CB8AC3E}">
+        <p14:creationId xmlns:p14="http://schemas.microsoft.com/office/powerpoint/2010/main" xmlns="" val="1314591319"/>
+      </p:ext>
+    </p:extLst>
+  </p:cSld>
+  <p:clrMapOvr>
+    <a:masterClrMapping/>
+  </p:clrMapOvr>
+  <p:timing>
+    <p:tnLst>
+      <p:par>
+        <p:cTn id="1" dur="indefinite" restart="never" nodeType="tmRoot"/>
+      </p:par>
+    </p:tnLst>
+  </p:timing>
+</p:sld>
+</file>
+
+<file path=ppt/slides/slide5.xml><?xml version="1.0" encoding="utf-8"?>
+<p:sld xmlns:a="http://schemas.openxmlformats.org/drawingml/2006/main" xmlns:r="http://schemas.openxmlformats.org/officeDocument/2006/relationships" xmlns:p="http://schemas.openxmlformats.org/presentationml/2006/main">
+  <p:cSld>
+    <p:spTree>
+      <p:nvGrpSpPr>
+        <p:cNvPr id="1" name=""/>
+        <p:cNvGrpSpPr/>
+        <p:nvPr/>
+      </p:nvGrpSpPr>
+      <p:grpSpPr>
+        <a:xfrm>
+          <a:off x="0" y="0"/>
+          <a:ext cx="0" cy="0"/>
+          <a:chOff x="0" y="0"/>
+          <a:chExt cx="0" cy="0"/>
+        </a:xfrm>
+      </p:grpSpPr>
+      <p:sp>
+        <p:nvSpPr>
+          <p:cNvPr id="3" name="2 Título"/>
+          <p:cNvSpPr>
+            <a:spLocks noGrp="1"/>
+          </p:cNvSpPr>
+          <p:nvPr>
+            <p:ph type="title"/>
+          </p:nvPr>
+        </p:nvSpPr>
+        <p:spPr/>
+        <p:txBody>
+          <a:bodyPr>
+            <a:normAutofit fontScale="90000"/>
+          </a:bodyPr>
+          <a:lstStyle/>
+          <a:p>
+            <a:r>
+              <a:rPr lang="es-PE" dirty="0"/>
+              <a:t>ESPECIFICACION </a:t>
+            </a:r>
+            <a:r>
+              <a:rPr lang="es-PE" dirty="0" smtClean="0"/>
+              <a:t>DE </a:t>
+            </a:r>
+            <a:r>
+              <a:rPr lang="es-PE" dirty="0"/>
+              <a:t>REGLAS DE </a:t>
+            </a:r>
+            <a:r>
+              <a:rPr lang="es-PE" dirty="0" smtClean="0"/>
+              <a:t>NEGOCIO (cont..)</a:t>
+            </a:r>
+            <a:endParaRPr lang="es-PE" dirty="0"/>
+          </a:p>
+        </p:txBody>
+      </p:sp>
+      <p:graphicFrame>
+        <p:nvGraphicFramePr>
+          <p:cNvPr id="6" name="5 Tabla"/>
+          <p:cNvGraphicFramePr>
+            <a:graphicFrameLocks noGrp="1"/>
+          </p:cNvGraphicFramePr>
+          <p:nvPr/>
+        </p:nvGraphicFramePr>
+        <p:xfrm>
+          <a:off x="323528" y="2348880"/>
+          <a:ext cx="8568952" cy="4032448"/>
+        </p:xfrm>
+        <a:graphic>
+          <a:graphicData uri="http://schemas.openxmlformats.org/drawingml/2006/table">
+            <a:tbl>
+              <a:tblPr firstRow="1" bandRow="1">
+                <a:tableStyleId>{BC89EF96-8CEA-46FF-86C4-4CE0E7609802}</a:tableStyleId>
+              </a:tblPr>
+              <a:tblGrid>
+                <a:gridCol w="2448272"/>
+                <a:gridCol w="6120680"/>
+              </a:tblGrid>
+              <a:tr h="4032448">
+                <a:tc>
+                  <a:txBody>
+                    <a:bodyPr/>
+                    <a:lstStyle/>
+                    <a:p>
+                      <a:endParaRPr lang="es-ES" dirty="0"/>
+                    </a:p>
+                  </a:txBody>
+                  <a:tcPr/>
+                </a:tc>
+                <a:tc>
+                  <a:txBody>
+                    <a:bodyPr/>
+                    <a:lstStyle/>
+                    <a:p>
+                      <a:pPr marL="0" marR="0" indent="0" algn="l" defTabSz="914400" rtl="0" eaLnBrk="1" fontAlgn="auto" latinLnBrk="0" hangingPunct="1">
+                        <a:lnSpc>
+                          <a:spcPct val="100000"/>
+                        </a:lnSpc>
+                        <a:spcBef>
+                          <a:spcPts val="0"/>
+                        </a:spcBef>
+                        <a:spcAft>
+                          <a:spcPts val="0"/>
+                        </a:spcAft>
+                        <a:buClrTx/>
+                        <a:buSzTx/>
+                        <a:buFontTx/>
+                        <a:buNone/>
+                        <a:tabLst/>
+                        <a:defRPr/>
+                      </a:pPr>
+                      <a:r>
+                        <a:rPr lang="es-PE" sz="1800" b="0" kern="1200" dirty="0" smtClean="0">
+                          <a:solidFill>
+                            <a:schemeClr val="tx1"/>
+                          </a:solidFill>
+                          <a:latin typeface="+mn-lt"/>
+                          <a:ea typeface="+mn-ea"/>
+                          <a:cs typeface="+mn-cs"/>
+                        </a:rPr>
+                        <a:t>Para la generación de la Adenda se estableció el siguiente formato:</a:t>
+                      </a:r>
+                      <a:endParaRPr lang="es-ES" sz="2400" dirty="0"/>
+                    </a:p>
+                  </a:txBody>
+                  <a:tcPr/>
+                </a:tc>
+              </a:tr>
+            </a:tbl>
+          </a:graphicData>
+        </a:graphic>
+      </p:graphicFrame>
+      <p:pic>
+        <p:nvPicPr>
+          <p:cNvPr id="4098" name="Picture 2"/>
+          <p:cNvPicPr>
+            <a:picLocks noChangeAspect="1" noChangeArrowheads="1"/>
+          </p:cNvPicPr>
+          <p:nvPr/>
+        </p:nvPicPr>
+        <p:blipFill>
+          <a:blip r:embed="rId2" cstate="print"/>
+          <a:srcRect/>
+          <a:stretch>
+            <a:fillRect/>
+          </a:stretch>
+        </p:blipFill>
+        <p:spPr bwMode="auto">
+          <a:xfrm>
+            <a:off x="755576" y="3645024"/>
+            <a:ext cx="1581150" cy="981075"/>
+          </a:xfrm>
+          <a:prstGeom prst="rect">
+            <a:avLst/>
+          </a:prstGeom>
+          <a:noFill/>
+          <a:ln w="9525">
+            <a:noFill/>
+            <a:miter lim="800000"/>
+            <a:headEnd/>
+            <a:tailEnd/>
+          </a:ln>
+        </p:spPr>
+      </p:pic>
+      <p:pic>
+        <p:nvPicPr>
+          <p:cNvPr id="4099" name="Picture 3"/>
+          <p:cNvPicPr>
+            <a:picLocks noChangeAspect="1" noChangeArrowheads="1"/>
+          </p:cNvPicPr>
+          <p:nvPr/>
+        </p:nvPicPr>
+        <p:blipFill>
+          <a:blip r:embed="rId3" cstate="print"/>
+          <a:srcRect/>
+          <a:stretch>
+            <a:fillRect/>
+          </a:stretch>
+        </p:blipFill>
+        <p:spPr bwMode="auto">
+          <a:xfrm>
+            <a:off x="2876377" y="3068960"/>
+            <a:ext cx="5944095" cy="2808312"/>
+          </a:xfrm>
+          <a:prstGeom prst="rect">
+            <a:avLst/>
+          </a:prstGeom>
+          <a:noFill/>
+          <a:ln w="9525">
+            <a:noFill/>
+            <a:miter lim="800000"/>
+            <a:headEnd/>
+            <a:tailEnd/>
+          </a:ln>
+        </p:spPr>
+      </p:pic>
+    </p:spTree>
+    <p:extLst>
+      <p:ext uri="{BB962C8B-B14F-4D97-AF65-F5344CB8AC3E}">
+        <p14:creationId xmlns:p14="http://schemas.microsoft.com/office/powerpoint/2010/main" xmlns="" val="1314591319"/>
+      </p:ext>
+    </p:extLst>
+  </p:cSld>
+  <p:clrMapOvr>
+    <a:masterClrMapping/>
+  </p:clrMapOvr>
+  <p:timing>
+    <p:tnLst>
+      <p:par>
+        <p:cTn id="1" dur="indefinite" restart="never" nodeType="tmRoot"/>
+      </p:par>
+    </p:tnLst>
+  </p:timing>
+</p:sld>
+</file>
+
+<file path=ppt/slides/slide6.xml><?xml version="1.0" encoding="utf-8"?>
+<p:sld xmlns:a="http://schemas.openxmlformats.org/drawingml/2006/main" xmlns:r="http://schemas.openxmlformats.org/officeDocument/2006/relationships" xmlns:p="http://schemas.openxmlformats.org/presentationml/2006/main">
+  <p:cSld>
+    <p:spTree>
+      <p:nvGrpSpPr>
+        <p:cNvPr id="1" name=""/>
+        <p:cNvGrpSpPr/>
+        <p:nvPr/>
+      </p:nvGrpSpPr>
+      <p:grpSpPr>
+        <a:xfrm>
+          <a:off x="0" y="0"/>
+          <a:ext cx="0" cy="0"/>
+          <a:chOff x="0" y="0"/>
+          <a:chExt cx="0" cy="0"/>
+        </a:xfrm>
+      </p:grpSpPr>
+      <p:sp>
+        <p:nvSpPr>
+          <p:cNvPr id="3" name="2 Título"/>
+          <p:cNvSpPr>
+            <a:spLocks noGrp="1"/>
+          </p:cNvSpPr>
+          <p:nvPr>
+            <p:ph type="title"/>
+          </p:nvPr>
+        </p:nvSpPr>
+        <p:spPr/>
+        <p:txBody>
+          <a:bodyPr>
+            <a:normAutofit fontScale="90000"/>
+          </a:bodyPr>
+          <a:lstStyle/>
+          <a:p>
+            <a:r>
+              <a:rPr lang="es-PE" dirty="0"/>
+              <a:t>ESPECIFICACION </a:t>
+            </a:r>
+            <a:r>
+              <a:rPr lang="es-PE" dirty="0" smtClean="0"/>
+              <a:t>DE </a:t>
+            </a:r>
+            <a:r>
+              <a:rPr lang="es-PE" dirty="0"/>
+              <a:t>REGLAS DE </a:t>
+            </a:r>
+            <a:r>
+              <a:rPr lang="es-PE" dirty="0" smtClean="0"/>
+              <a:t>NEGOCIO (cont..)</a:t>
+            </a:r>
+            <a:endParaRPr lang="es-PE" dirty="0"/>
+          </a:p>
+        </p:txBody>
+      </p:sp>
+      <p:graphicFrame>
+        <p:nvGraphicFramePr>
+          <p:cNvPr id="6" name="5 Tabla"/>
+          <p:cNvGraphicFramePr>
+            <a:graphicFrameLocks noGrp="1"/>
+          </p:cNvGraphicFramePr>
+          <p:nvPr/>
+        </p:nvGraphicFramePr>
+        <p:xfrm>
+          <a:off x="323528" y="2348880"/>
+          <a:ext cx="8568952" cy="4176464"/>
+        </p:xfrm>
+        <a:graphic>
+          <a:graphicData uri="http://schemas.openxmlformats.org/drawingml/2006/table">
+            <a:tbl>
+              <a:tblPr firstRow="1" bandRow="1">
+                <a:tableStyleId>{BC89EF96-8CEA-46FF-86C4-4CE0E7609802}</a:tableStyleId>
+              </a:tblPr>
+              <a:tblGrid>
+                <a:gridCol w="2427870"/>
+                <a:gridCol w="6141082"/>
+              </a:tblGrid>
+              <a:tr h="1290461">
+                <a:tc>
+                  <a:txBody>
+                    <a:bodyPr/>
+                    <a:lstStyle/>
+                    <a:p>
+                      <a:endParaRPr lang="es-ES" dirty="0"/>
+                    </a:p>
+                  </a:txBody>
+                  <a:tcPr/>
+                </a:tc>
+                <a:tc>
+                  <a:txBody>
+                    <a:bodyPr/>
+                    <a:lstStyle/>
+                    <a:p>
+                      <a:pPr marL="0" marR="0" indent="0" algn="just" defTabSz="914400" rtl="0" eaLnBrk="1" fontAlgn="auto" latinLnBrk="0" hangingPunct="1">
+                        <a:lnSpc>
+                          <a:spcPct val="100000"/>
+                        </a:lnSpc>
+                        <a:spcBef>
+                          <a:spcPts val="0"/>
+                        </a:spcBef>
+                        <a:spcAft>
+                          <a:spcPts val="0"/>
+                        </a:spcAft>
+                        <a:buClrTx/>
+                        <a:buSzTx/>
+                        <a:buFontTx/>
+                        <a:buNone/>
+                        <a:tabLst/>
+                        <a:defRPr/>
+                      </a:pPr>
+                      <a:endParaRPr lang="es-PE" sz="1800" b="0" kern="1200" dirty="0" smtClean="0">
+                        <a:solidFill>
+                          <a:schemeClr val="tx1"/>
+                        </a:solidFill>
+                        <a:latin typeface="+mn-lt"/>
+                        <a:ea typeface="+mn-ea"/>
+                        <a:cs typeface="+mn-cs"/>
+                      </a:endParaRPr>
+                    </a:p>
+                    <a:p>
+                      <a:pPr marL="0" marR="0" indent="0" algn="just" defTabSz="914400" rtl="0" eaLnBrk="1" fontAlgn="auto" latinLnBrk="0" hangingPunct="1">
+                        <a:lnSpc>
+                          <a:spcPct val="100000"/>
+                        </a:lnSpc>
+                        <a:spcBef>
+                          <a:spcPts val="0"/>
+                        </a:spcBef>
+                        <a:spcAft>
+                          <a:spcPts val="0"/>
+                        </a:spcAft>
+                        <a:buClrTx/>
+                        <a:buSzTx/>
+                        <a:buFontTx/>
+                        <a:buNone/>
+                        <a:tabLst/>
+                        <a:defRPr/>
+                      </a:pPr>
+                      <a:r>
+                        <a:rPr lang="es-PE" sz="1800" b="0" kern="1200" dirty="0" smtClean="0">
+                          <a:solidFill>
+                            <a:schemeClr val="tx1"/>
+                          </a:solidFill>
+                          <a:latin typeface="+mn-lt"/>
+                          <a:ea typeface="+mn-ea"/>
+                          <a:cs typeface="+mn-cs"/>
+                        </a:rPr>
+                        <a:t>La frecuencia de Seguimientos individuales a los Clientes se deben realizar de manera mensual.</a:t>
+                      </a:r>
+                      <a:endParaRPr lang="es-ES" sz="1800" b="0" kern="1200" dirty="0" smtClean="0">
+                        <a:solidFill>
+                          <a:schemeClr val="tx1"/>
+                        </a:solidFill>
+                        <a:latin typeface="+mn-lt"/>
+                        <a:ea typeface="+mn-ea"/>
+                        <a:cs typeface="+mn-cs"/>
+                      </a:endParaRPr>
+                    </a:p>
+                  </a:txBody>
+                  <a:tcPr/>
+                </a:tc>
+              </a:tr>
+              <a:tr h="1409356">
+                <a:tc>
+                  <a:txBody>
+                    <a:bodyPr/>
+                    <a:lstStyle/>
+                    <a:p>
+                      <a:endParaRPr lang="es-ES" dirty="0"/>
+                    </a:p>
+                  </a:txBody>
+                  <a:tcPr/>
+                </a:tc>
+                <a:tc>
+                  <a:txBody>
+                    <a:bodyPr/>
+                    <a:lstStyle/>
+                    <a:p>
+                      <a:pPr marL="0" marR="0" indent="0" algn="just" defTabSz="914400" rtl="0" eaLnBrk="1" fontAlgn="auto" latinLnBrk="0" hangingPunct="1">
+                        <a:lnSpc>
+                          <a:spcPct val="100000"/>
+                        </a:lnSpc>
+                        <a:spcBef>
+                          <a:spcPts val="0"/>
+                        </a:spcBef>
+                        <a:spcAft>
+                          <a:spcPts val="0"/>
+                        </a:spcAft>
+                        <a:buClrTx/>
+                        <a:buSzTx/>
+                        <a:buFontTx/>
+                        <a:buNone/>
+                        <a:tabLst/>
+                        <a:defRPr/>
+                      </a:pPr>
+                      <a:endParaRPr lang="es-PE" sz="1800" b="0" kern="1200" dirty="0" smtClean="0">
+                        <a:solidFill>
+                          <a:schemeClr val="tx1"/>
+                        </a:solidFill>
+                        <a:latin typeface="+mn-lt"/>
+                        <a:ea typeface="+mn-ea"/>
+                        <a:cs typeface="+mn-cs"/>
+                      </a:endParaRPr>
+                    </a:p>
+                    <a:p>
+                      <a:pPr marL="0" marR="0" indent="0" algn="just" defTabSz="914400" rtl="0" eaLnBrk="1" fontAlgn="auto" latinLnBrk="0" hangingPunct="1">
+                        <a:lnSpc>
+                          <a:spcPct val="100000"/>
+                        </a:lnSpc>
+                        <a:spcBef>
+                          <a:spcPts val="0"/>
+                        </a:spcBef>
+                        <a:spcAft>
+                          <a:spcPts val="0"/>
+                        </a:spcAft>
+                        <a:buClrTx/>
+                        <a:buSzTx/>
+                        <a:buFontTx/>
+                        <a:buNone/>
+                        <a:tabLst/>
+                        <a:defRPr/>
+                      </a:pPr>
+                      <a:r>
+                        <a:rPr lang="es-PE" sz="1800" b="0" kern="1200" dirty="0" smtClean="0">
+                          <a:solidFill>
+                            <a:schemeClr val="tx1"/>
+                          </a:solidFill>
+                          <a:latin typeface="+mn-lt"/>
+                          <a:ea typeface="+mn-ea"/>
+                          <a:cs typeface="+mn-cs"/>
+                        </a:rPr>
+                        <a:t>Si un cliente tiene un contrato por un servicio, no se deberá generar otro contrato por el mismo servicio mientras haya uno vigente.</a:t>
+                      </a:r>
+                      <a:endParaRPr lang="es-ES" sz="1800" b="0" kern="1200" dirty="0" smtClean="0">
+                        <a:solidFill>
+                          <a:schemeClr val="tx1"/>
+                        </a:solidFill>
+                        <a:latin typeface="+mn-lt"/>
+                        <a:ea typeface="+mn-ea"/>
+                        <a:cs typeface="+mn-cs"/>
+                      </a:endParaRPr>
+                    </a:p>
+                  </a:txBody>
+                  <a:tcPr/>
+                </a:tc>
+              </a:tr>
+              <a:tr h="1476647">
+                <a:tc>
+                  <a:txBody>
+                    <a:bodyPr/>
+                    <a:lstStyle/>
+                    <a:p>
+                      <a:endParaRPr lang="es-ES" dirty="0"/>
+                    </a:p>
+                  </a:txBody>
+                  <a:tcPr/>
+                </a:tc>
+                <a:tc>
+                  <a:txBody>
+                    <a:bodyPr/>
+                    <a:lstStyle/>
+                    <a:p>
+                      <a:pPr marL="0" marR="0" indent="0" algn="just" defTabSz="914400" rtl="0" eaLnBrk="1" fontAlgn="auto" latinLnBrk="0" hangingPunct="1">
+                        <a:lnSpc>
+                          <a:spcPct val="100000"/>
+                        </a:lnSpc>
+                        <a:spcBef>
+                          <a:spcPts val="0"/>
+                        </a:spcBef>
+                        <a:spcAft>
+                          <a:spcPts val="0"/>
+                        </a:spcAft>
+                        <a:buClrTx/>
+                        <a:buSzTx/>
+                        <a:buFontTx/>
+                        <a:buNone/>
+                        <a:tabLst/>
+                        <a:defRPr/>
+                      </a:pPr>
+                      <a:endParaRPr lang="es-PE" sz="1800" b="0" kern="1200" dirty="0" smtClean="0">
+                        <a:solidFill>
+                          <a:schemeClr val="tx1"/>
+                        </a:solidFill>
+                        <a:latin typeface="+mn-lt"/>
+                        <a:ea typeface="+mn-ea"/>
+                        <a:cs typeface="+mn-cs"/>
+                      </a:endParaRPr>
+                    </a:p>
+                    <a:p>
+                      <a:pPr marL="0" marR="0" indent="0" algn="just" defTabSz="914400" rtl="0" eaLnBrk="1" fontAlgn="auto" latinLnBrk="0" hangingPunct="1">
+                        <a:lnSpc>
+                          <a:spcPct val="100000"/>
+                        </a:lnSpc>
+                        <a:spcBef>
+                          <a:spcPts val="0"/>
+                        </a:spcBef>
+                        <a:spcAft>
+                          <a:spcPts val="0"/>
+                        </a:spcAft>
+                        <a:buClrTx/>
+                        <a:buSzTx/>
+                        <a:buFontTx/>
+                        <a:buNone/>
+                        <a:tabLst/>
+                        <a:defRPr/>
+                      </a:pPr>
+                      <a:r>
+                        <a:rPr lang="es-PE" sz="1800" b="0" kern="1200" dirty="0" smtClean="0">
+                          <a:solidFill>
+                            <a:schemeClr val="tx1"/>
+                          </a:solidFill>
+                          <a:latin typeface="+mn-lt"/>
+                          <a:ea typeface="+mn-ea"/>
+                          <a:cs typeface="+mn-cs"/>
+                        </a:rPr>
+                        <a:t>Se genera una Adenda sólo si el Contrato se encuentra vigente.</a:t>
+                      </a:r>
+                      <a:endParaRPr lang="es-ES" sz="1800" b="0" kern="1200" dirty="0" smtClean="0">
+                        <a:solidFill>
+                          <a:schemeClr val="tx1"/>
+                        </a:solidFill>
+                        <a:latin typeface="+mn-lt"/>
+                        <a:ea typeface="+mn-ea"/>
+                        <a:cs typeface="+mn-cs"/>
+                      </a:endParaRPr>
+                    </a:p>
+                  </a:txBody>
+                  <a:tcPr/>
+                </a:tc>
+              </a:tr>
+            </a:tbl>
+          </a:graphicData>
+        </a:graphic>
+      </p:graphicFrame>
+      <p:pic>
+        <p:nvPicPr>
+          <p:cNvPr id="5122" name="Picture 2"/>
+          <p:cNvPicPr>
+            <a:picLocks noChangeAspect="1" noChangeArrowheads="1"/>
+          </p:cNvPicPr>
+          <p:nvPr/>
+        </p:nvPicPr>
+        <p:blipFill>
+          <a:blip r:embed="rId2" cstate="print"/>
+          <a:srcRect/>
+          <a:stretch>
+            <a:fillRect/>
+          </a:stretch>
+        </p:blipFill>
+        <p:spPr bwMode="auto">
+          <a:xfrm>
+            <a:off x="467544" y="2420888"/>
+            <a:ext cx="2190750" cy="1152525"/>
+          </a:xfrm>
+          <a:prstGeom prst="rect">
+            <a:avLst/>
+          </a:prstGeom>
+          <a:noFill/>
+          <a:ln w="9525">
+            <a:noFill/>
+            <a:miter lim="800000"/>
+            <a:headEnd/>
+            <a:tailEnd/>
+          </a:ln>
+        </p:spPr>
+      </p:pic>
+      <p:pic>
+        <p:nvPicPr>
+          <p:cNvPr id="5123" name="Picture 3"/>
+          <p:cNvPicPr>
+            <a:picLocks noChangeAspect="1" noChangeArrowheads="1"/>
+          </p:cNvPicPr>
+          <p:nvPr/>
+        </p:nvPicPr>
+        <p:blipFill>
+          <a:blip r:embed="rId3" cstate="print"/>
+          <a:srcRect/>
+          <a:stretch>
+            <a:fillRect/>
+          </a:stretch>
+        </p:blipFill>
+        <p:spPr bwMode="auto">
+          <a:xfrm>
+            <a:off x="659160" y="3861048"/>
+            <a:ext cx="1752600" cy="942975"/>
+          </a:xfrm>
+          <a:prstGeom prst="rect">
+            <a:avLst/>
+          </a:prstGeom>
+          <a:noFill/>
+          <a:ln w="9525">
+            <a:noFill/>
+            <a:miter lim="800000"/>
+            <a:headEnd/>
+            <a:tailEnd/>
+          </a:ln>
+        </p:spPr>
+      </p:pic>
+      <p:pic>
+        <p:nvPicPr>
+          <p:cNvPr id="5124" name="Picture 4"/>
+          <p:cNvPicPr>
+            <a:picLocks noChangeAspect="1" noChangeArrowheads="1"/>
+          </p:cNvPicPr>
+          <p:nvPr/>
+        </p:nvPicPr>
+        <p:blipFill>
+          <a:blip r:embed="rId4" cstate="print"/>
+          <a:srcRect/>
+          <a:stretch>
+            <a:fillRect/>
+          </a:stretch>
+        </p:blipFill>
+        <p:spPr bwMode="auto">
+          <a:xfrm>
+            <a:off x="716310" y="5301208"/>
+            <a:ext cx="1695450" cy="1009650"/>
+          </a:xfrm>
+          <a:prstGeom prst="rect">
+            <a:avLst/>
+          </a:prstGeom>
+          <a:noFill/>
+          <a:ln w="9525">
+            <a:noFill/>
+            <a:miter lim="800000"/>
+            <a:headEnd/>
+            <a:tailEnd/>
+          </a:ln>
+        </p:spPr>
+      </p:pic>
+    </p:spTree>
+    <p:extLst>
+      <p:ext uri="{BB962C8B-B14F-4D97-AF65-F5344CB8AC3E}">
+        <p14:creationId xmlns:p14="http://schemas.microsoft.com/office/powerpoint/2010/main" xmlns="" val="1314591319"/>
+      </p:ext>
+    </p:extLst>
+  </p:cSld>
+  <p:clrMapOvr>
+    <a:masterClrMapping/>
+  </p:clrMapOvr>
+  <p:timing>
+    <p:tnLst>
+      <p:par>
+        <p:cTn id="1" dur="indefinite" restart="never" nodeType="tmRoot"/>
+      </p:par>
+    </p:tnLst>
+  </p:timing>
+</p:sld>
+</file>
+
+<file path=ppt/slides/slide7.xml><?xml version="1.0" encoding="utf-8"?>
+<p:sld xmlns:a="http://schemas.openxmlformats.org/drawingml/2006/main" xmlns:r="http://schemas.openxmlformats.org/officeDocument/2006/relationships" xmlns:p="http://schemas.openxmlformats.org/presentationml/2006/main">
+  <p:cSld>
+    <p:spTree>
+      <p:nvGrpSpPr>
+        <p:cNvPr id="1" name=""/>
+        <p:cNvGrpSpPr/>
+        <p:nvPr/>
+      </p:nvGrpSpPr>
+      <p:grpSpPr>
+        <a:xfrm>
+          <a:off x="0" y="0"/>
+          <a:ext cx="0" cy="0"/>
+          <a:chOff x="0" y="0"/>
+          <a:chExt cx="0" cy="0"/>
+        </a:xfrm>
+      </p:grpSpPr>
+      <p:sp>
+        <p:nvSpPr>
+          <p:cNvPr id="3" name="2 Título"/>
+          <p:cNvSpPr>
+            <a:spLocks noGrp="1"/>
+          </p:cNvSpPr>
+          <p:nvPr>
+            <p:ph type="title"/>
+          </p:nvPr>
+        </p:nvSpPr>
+        <p:spPr/>
+        <p:txBody>
+          <a:bodyPr>
+            <a:normAutofit fontScale="90000"/>
+          </a:bodyPr>
+          <a:lstStyle/>
+          <a:p>
+            <a:r>
+              <a:rPr lang="es-PE" dirty="0"/>
+              <a:t>ESPECIFICACION </a:t>
+            </a:r>
+            <a:r>
+              <a:rPr lang="es-PE" dirty="0" smtClean="0"/>
+              <a:t>DE </a:t>
+            </a:r>
+            <a:r>
+              <a:rPr lang="es-PE" dirty="0"/>
+              <a:t>REGLAS DE </a:t>
+            </a:r>
+            <a:r>
+              <a:rPr lang="es-PE" dirty="0" smtClean="0"/>
+              <a:t>NEGOCIO (cont..)</a:t>
+            </a:r>
+            <a:endParaRPr lang="es-PE" dirty="0"/>
+          </a:p>
+        </p:txBody>
+      </p:sp>
+      <p:graphicFrame>
+        <p:nvGraphicFramePr>
+          <p:cNvPr id="6" name="5 Tabla"/>
+          <p:cNvGraphicFramePr>
+            <a:graphicFrameLocks noGrp="1"/>
+          </p:cNvGraphicFramePr>
+          <p:nvPr/>
+        </p:nvGraphicFramePr>
+        <p:xfrm>
+          <a:off x="323528" y="2348880"/>
+          <a:ext cx="8568952" cy="4104456"/>
+        </p:xfrm>
+        <a:graphic>
+          <a:graphicData uri="http://schemas.openxmlformats.org/drawingml/2006/table">
+            <a:tbl>
+              <a:tblPr firstRow="1" bandRow="1">
+                <a:tableStyleId>{BC89EF96-8CEA-46FF-86C4-4CE0E7609802}</a:tableStyleId>
+              </a:tblPr>
+              <a:tblGrid>
+                <a:gridCol w="2448272"/>
+                <a:gridCol w="6120680"/>
+              </a:tblGrid>
+              <a:tr h="4104456">
+                <a:tc>
+                  <a:txBody>
+                    <a:bodyPr/>
+                    <a:lstStyle/>
+                    <a:p>
+                      <a:endParaRPr lang="es-ES" dirty="0"/>
+                    </a:p>
+                  </a:txBody>
+                  <a:tcPr/>
+                </a:tc>
+                <a:tc>
+                  <a:txBody>
+                    <a:bodyPr/>
+                    <a:lstStyle/>
+                    <a:p>
+                      <a:pPr marL="0" marR="0" indent="0" algn="l" defTabSz="914400" rtl="0" eaLnBrk="1" fontAlgn="auto" latinLnBrk="0" hangingPunct="1">
+                        <a:lnSpc>
+                          <a:spcPct val="100000"/>
+                        </a:lnSpc>
+                        <a:spcBef>
+                          <a:spcPts val="0"/>
+                        </a:spcBef>
+                        <a:spcAft>
+                          <a:spcPts val="0"/>
+                        </a:spcAft>
+                        <a:buClrTx/>
+                        <a:buSzTx/>
+                        <a:buFontTx/>
+                        <a:buNone/>
+                        <a:tabLst/>
+                        <a:defRPr/>
+                      </a:pPr>
+                      <a:r>
+                        <a:rPr lang="es-PE" sz="1800" b="0" i="0" kern="1200" dirty="0" smtClean="0">
+                          <a:solidFill>
+                            <a:schemeClr val="tx1"/>
+                          </a:solidFill>
+                          <a:latin typeface="+mn-lt"/>
+                          <a:ea typeface="+mn-ea"/>
+                          <a:cs typeface="+mn-cs"/>
+                        </a:rPr>
+                        <a:t>El cálculo para determinar el monto de Contrato es:</a:t>
+                      </a:r>
+                      <a:endParaRPr lang="es-ES" sz="1800" b="0" i="0" kern="1200" dirty="0" smtClean="0">
+                        <a:solidFill>
+                          <a:schemeClr val="tx1"/>
+                        </a:solidFill>
+                        <a:latin typeface="+mn-lt"/>
+                        <a:ea typeface="+mn-ea"/>
+                        <a:cs typeface="+mn-cs"/>
+                      </a:endParaRPr>
+                    </a:p>
+                    <a:p>
+                      <a:endParaRPr lang="es-ES" dirty="0"/>
+                    </a:p>
+                  </a:txBody>
+                  <a:tcPr/>
+                </a:tc>
+              </a:tr>
+            </a:tbl>
+          </a:graphicData>
+        </a:graphic>
+      </p:graphicFrame>
+      <p:pic>
+        <p:nvPicPr>
+          <p:cNvPr id="6146" name="Picture 2"/>
+          <p:cNvPicPr>
+            <a:picLocks noChangeAspect="1" noChangeArrowheads="1"/>
+          </p:cNvPicPr>
+          <p:nvPr/>
+        </p:nvPicPr>
+        <p:blipFill>
+          <a:blip r:embed="rId2" cstate="print"/>
+          <a:srcRect/>
+          <a:stretch>
+            <a:fillRect/>
+          </a:stretch>
+        </p:blipFill>
+        <p:spPr bwMode="auto">
+          <a:xfrm>
+            <a:off x="539552" y="3933056"/>
+            <a:ext cx="2057400" cy="990600"/>
+          </a:xfrm>
+          <a:prstGeom prst="rect">
+            <a:avLst/>
+          </a:prstGeom>
+          <a:noFill/>
+          <a:ln w="9525">
+            <a:noFill/>
+            <a:miter lim="800000"/>
+            <a:headEnd/>
+            <a:tailEnd/>
+          </a:ln>
+        </p:spPr>
+      </p:pic>
+      <p:pic>
+        <p:nvPicPr>
+          <p:cNvPr id="6147" name="Picture 3"/>
+          <p:cNvPicPr>
+            <a:picLocks noChangeAspect="1" noChangeArrowheads="1"/>
+          </p:cNvPicPr>
+          <p:nvPr/>
+        </p:nvPicPr>
+        <p:blipFill>
+          <a:blip r:embed="rId3" cstate="print"/>
+          <a:srcRect/>
+          <a:stretch>
+            <a:fillRect/>
+          </a:stretch>
+        </p:blipFill>
+        <p:spPr bwMode="auto">
+          <a:xfrm>
+            <a:off x="2814905" y="2852936"/>
+            <a:ext cx="4637415" cy="3384376"/>
+          </a:xfrm>
+          <a:prstGeom prst="rect">
+            <a:avLst/>
+          </a:prstGeom>
+          <a:noFill/>
+          <a:ln w="9525">
+            <a:noFill/>
+            <a:miter lim="800000"/>
+            <a:headEnd/>
+            <a:tailEnd/>
+          </a:ln>
+        </p:spPr>
+      </p:pic>
+    </p:spTree>
+    <p:extLst>
+      <p:ext uri="{BB962C8B-B14F-4D97-AF65-F5344CB8AC3E}">
+        <p14:creationId xmlns:p14="http://schemas.microsoft.com/office/powerpoint/2010/main" xmlns="" val="1314591319"/>
+      </p:ext>
+    </p:extLst>
+  </p:cSld>
+  <p:clrMapOvr>
+    <a:masterClrMapping/>
+  </p:clrMapOvr>
+  <p:timing>
+    <p:tnLst>
+      <p:par>
+        <p:cTn id="1" dur="indefinite" restart="never" nodeType="tmRoot"/>
+      </p:par>
+    </p:tnLst>
+  </p:timing>
+</p:sld>
+</file>
+
+<file path=ppt/slides/slide8.xml><?xml version="1.0" encoding="utf-8"?>
+<p:sld xmlns:a="http://schemas.openxmlformats.org/drawingml/2006/main" xmlns:r="http://schemas.openxmlformats.org/officeDocument/2006/relationships" xmlns:p="http://schemas.openxmlformats.org/presentationml/2006/main">
+  <p:cSld>
+    <p:spTree>
+      <p:nvGrpSpPr>
+        <p:cNvPr id="1" name=""/>
+        <p:cNvGrpSpPr/>
+        <p:nvPr/>
+      </p:nvGrpSpPr>
+      <p:grpSpPr>
+        <a:xfrm>
+          <a:off x="0" y="0"/>
+          <a:ext cx="0" cy="0"/>
+          <a:chOff x="0" y="0"/>
+          <a:chExt cx="0" cy="0"/>
+        </a:xfrm>
+      </p:grpSpPr>
+      <p:sp>
+        <p:nvSpPr>
+          <p:cNvPr id="3" name="2 Título"/>
+          <p:cNvSpPr>
+            <a:spLocks noGrp="1"/>
+          </p:cNvSpPr>
+          <p:nvPr>
+            <p:ph type="title"/>
+          </p:nvPr>
+        </p:nvSpPr>
+        <p:spPr/>
+        <p:txBody>
+          <a:bodyPr>
+            <a:normAutofit fontScale="90000"/>
+          </a:bodyPr>
+          <a:lstStyle/>
+          <a:p>
+            <a:r>
+              <a:rPr lang="es-PE" dirty="0"/>
+              <a:t>ESPECIFICACION </a:t>
+            </a:r>
+            <a:r>
+              <a:rPr lang="es-PE" dirty="0" smtClean="0"/>
+              <a:t>DE </a:t>
+            </a:r>
+            <a:r>
+              <a:rPr lang="es-PE" dirty="0"/>
+              <a:t>REGLAS DE </a:t>
+            </a:r>
+            <a:r>
+              <a:rPr lang="es-PE" dirty="0" smtClean="0"/>
+              <a:t>NEGOCIO (cont..)</a:t>
+            </a:r>
+            <a:endParaRPr lang="es-PE" dirty="0"/>
+          </a:p>
+        </p:txBody>
+      </p:sp>
+      <p:graphicFrame>
+        <p:nvGraphicFramePr>
+          <p:cNvPr id="6" name="5 Tabla"/>
+          <p:cNvGraphicFramePr>
+            <a:graphicFrameLocks noGrp="1"/>
+          </p:cNvGraphicFramePr>
+          <p:nvPr/>
+        </p:nvGraphicFramePr>
+        <p:xfrm>
+          <a:off x="323528" y="2348880"/>
+          <a:ext cx="8568952" cy="4176464"/>
+        </p:xfrm>
+        <a:graphic>
+          <a:graphicData uri="http://schemas.openxmlformats.org/drawingml/2006/table">
+            <a:tbl>
+              <a:tblPr firstRow="1" bandRow="1">
+                <a:tableStyleId>{BC89EF96-8CEA-46FF-86C4-4CE0E7609802}</a:tableStyleId>
+              </a:tblPr>
+              <a:tblGrid>
+                <a:gridCol w="2427870"/>
+                <a:gridCol w="6141082"/>
+              </a:tblGrid>
+              <a:tr h="1290461">
+                <a:tc>
+                  <a:txBody>
+                    <a:bodyPr/>
+                    <a:lstStyle/>
+                    <a:p>
+                      <a:endParaRPr lang="es-ES" dirty="0"/>
+                    </a:p>
+                  </a:txBody>
+                  <a:tcPr/>
+                </a:tc>
+                <a:tc>
+                  <a:txBody>
+                    <a:bodyPr/>
+                    <a:lstStyle/>
+                    <a:p>
+                      <a:pPr marL="0" marR="0" indent="0" algn="just" defTabSz="914400" rtl="0" eaLnBrk="1" fontAlgn="auto" latinLnBrk="0" hangingPunct="1">
+                        <a:lnSpc>
+                          <a:spcPct val="100000"/>
+                        </a:lnSpc>
+                        <a:spcBef>
+                          <a:spcPts val="0"/>
+                        </a:spcBef>
+                        <a:spcAft>
+                          <a:spcPts val="0"/>
+                        </a:spcAft>
+                        <a:buClrTx/>
+                        <a:buSzTx/>
+                        <a:buFontTx/>
+                        <a:buNone/>
+                        <a:tabLst/>
+                        <a:defRPr/>
+                      </a:pPr>
+                      <a:endParaRPr lang="es-PE" sz="1800" b="0" i="0" kern="1200" dirty="0" smtClean="0">
+                        <a:solidFill>
+                          <a:schemeClr val="tx1"/>
+                        </a:solidFill>
+                        <a:latin typeface="+mn-lt"/>
+                        <a:ea typeface="+mn-ea"/>
+                        <a:cs typeface="+mn-cs"/>
+                      </a:endParaRPr>
+                    </a:p>
+                    <a:p>
+                      <a:pPr marL="0" marR="0" indent="0" algn="just" defTabSz="914400" rtl="0" eaLnBrk="1" fontAlgn="auto" latinLnBrk="0" hangingPunct="1">
+                        <a:lnSpc>
+                          <a:spcPct val="100000"/>
+                        </a:lnSpc>
+                        <a:spcBef>
+                          <a:spcPts val="0"/>
+                        </a:spcBef>
+                        <a:spcAft>
+                          <a:spcPts val="0"/>
+                        </a:spcAft>
+                        <a:buClrTx/>
+                        <a:buSzTx/>
+                        <a:buFontTx/>
+                        <a:buNone/>
+                        <a:tabLst/>
+                        <a:defRPr/>
+                      </a:pPr>
+                      <a:r>
+                        <a:rPr lang="es-PE" sz="1800" b="0" i="0" kern="1200" dirty="0" smtClean="0">
+                          <a:solidFill>
+                            <a:schemeClr val="tx1"/>
+                          </a:solidFill>
+                          <a:latin typeface="+mn-lt"/>
+                          <a:ea typeface="+mn-ea"/>
+                          <a:cs typeface="+mn-cs"/>
+                        </a:rPr>
+                        <a:t>Un prospecto de cliente deberá solicitar ser anulado de la lista de contactos solo si el mismo lo solicita.</a:t>
+                      </a:r>
+                      <a:endParaRPr lang="es-ES" sz="1800" b="0" i="0" kern="1200" dirty="0" smtClean="0">
+                        <a:solidFill>
+                          <a:schemeClr val="tx1"/>
+                        </a:solidFill>
+                        <a:latin typeface="+mn-lt"/>
+                        <a:ea typeface="+mn-ea"/>
+                        <a:cs typeface="+mn-cs"/>
+                      </a:endParaRPr>
+                    </a:p>
+                    <a:p>
+                      <a:pPr marL="0" marR="0" indent="0" algn="just" defTabSz="914400" rtl="0" eaLnBrk="1" fontAlgn="auto" latinLnBrk="0" hangingPunct="1">
+                        <a:lnSpc>
+                          <a:spcPct val="100000"/>
+                        </a:lnSpc>
+                        <a:spcBef>
+                          <a:spcPts val="0"/>
+                        </a:spcBef>
+                        <a:spcAft>
+                          <a:spcPts val="0"/>
+                        </a:spcAft>
+                        <a:buClrTx/>
+                        <a:buSzTx/>
+                        <a:buFontTx/>
+                        <a:buNone/>
+                        <a:tabLst/>
+                        <a:defRPr/>
+                      </a:pPr>
+                      <a:endParaRPr lang="es-ES" sz="1800" b="0" kern="1200" dirty="0" smtClean="0">
+                        <a:solidFill>
+                          <a:schemeClr val="tx1"/>
+                        </a:solidFill>
+                        <a:latin typeface="+mn-lt"/>
+                        <a:ea typeface="+mn-ea"/>
+                        <a:cs typeface="+mn-cs"/>
+                      </a:endParaRPr>
+                    </a:p>
+                  </a:txBody>
+                  <a:tcPr/>
+                </a:tc>
+              </a:tr>
+              <a:tr h="1409356">
+                <a:tc>
+                  <a:txBody>
+                    <a:bodyPr/>
+                    <a:lstStyle/>
+                    <a:p>
+                      <a:endParaRPr lang="es-ES" dirty="0"/>
+                    </a:p>
+                  </a:txBody>
+                  <a:tcPr/>
+                </a:tc>
+                <a:tc>
+                  <a:txBody>
+                    <a:bodyPr/>
+                    <a:lstStyle/>
+                    <a:p>
+                      <a:pPr marL="0" marR="0" indent="0" algn="just" defTabSz="914400" rtl="0" eaLnBrk="1" fontAlgn="auto" latinLnBrk="0" hangingPunct="1">
+                        <a:lnSpc>
+                          <a:spcPct val="100000"/>
+                        </a:lnSpc>
+                        <a:spcBef>
+                          <a:spcPts val="0"/>
+                        </a:spcBef>
+                        <a:spcAft>
+                          <a:spcPts val="0"/>
+                        </a:spcAft>
+                        <a:buClrTx/>
+                        <a:buSzTx/>
+                        <a:buFontTx/>
+                        <a:buNone/>
+                        <a:tabLst/>
+                        <a:defRPr/>
+                      </a:pPr>
+                      <a:r>
+                        <a:rPr lang="es-PE" sz="1800" kern="1200" dirty="0" smtClean="0">
+                          <a:solidFill>
+                            <a:schemeClr val="tx1"/>
+                          </a:solidFill>
+                          <a:latin typeface="+mn-lt"/>
+                          <a:ea typeface="+mn-ea"/>
+                          <a:cs typeface="+mn-cs"/>
+                        </a:rPr>
+                        <a:t>Los descuentos en el precio de los productos se determinan según el tipo de cliente, el tipo de servicio a ofrecer y el monto del contrato. Estos descuentos son actualizados mensualmente por Finanzas.</a:t>
+                      </a:r>
+                      <a:endParaRPr lang="es-ES" sz="1800" b="0" kern="1200" dirty="0" smtClean="0">
+                        <a:solidFill>
+                          <a:schemeClr val="tx1"/>
+                        </a:solidFill>
+                        <a:latin typeface="+mn-lt"/>
+                        <a:ea typeface="+mn-ea"/>
+                        <a:cs typeface="+mn-cs"/>
+                      </a:endParaRPr>
+                    </a:p>
+                  </a:txBody>
+                  <a:tcPr/>
+                </a:tc>
+              </a:tr>
+              <a:tr h="1476647">
+                <a:tc>
+                  <a:txBody>
+                    <a:bodyPr/>
+                    <a:lstStyle/>
+                    <a:p>
+                      <a:endParaRPr lang="es-ES" dirty="0"/>
+                    </a:p>
+                  </a:txBody>
+                  <a:tcPr/>
+                </a:tc>
+                <a:tc>
+                  <a:txBody>
+                    <a:bodyPr/>
+                    <a:lstStyle/>
+                    <a:p>
+                      <a:pPr marL="0" marR="0" indent="0" algn="just" defTabSz="914400" rtl="0" eaLnBrk="1" fontAlgn="auto" latinLnBrk="0" hangingPunct="1">
+                        <a:lnSpc>
+                          <a:spcPct val="100000"/>
+                        </a:lnSpc>
+                        <a:spcBef>
+                          <a:spcPts val="0"/>
+                        </a:spcBef>
+                        <a:spcAft>
+                          <a:spcPts val="0"/>
+                        </a:spcAft>
+                        <a:buClrTx/>
+                        <a:buSzTx/>
+                        <a:buFontTx/>
+                        <a:buNone/>
+                        <a:tabLst/>
+                        <a:defRPr/>
+                      </a:pPr>
+                      <a:endParaRPr lang="es-PE" sz="1800" kern="1200" dirty="0" smtClean="0">
+                        <a:solidFill>
+                          <a:schemeClr val="tx1"/>
+                        </a:solidFill>
+                        <a:latin typeface="+mn-lt"/>
+                        <a:ea typeface="+mn-ea"/>
+                        <a:cs typeface="+mn-cs"/>
+                      </a:endParaRPr>
+                    </a:p>
+                    <a:p>
+                      <a:pPr marL="0" marR="0" indent="0" algn="just" defTabSz="914400" rtl="0" eaLnBrk="1" fontAlgn="auto" latinLnBrk="0" hangingPunct="1">
+                        <a:lnSpc>
+                          <a:spcPct val="100000"/>
+                        </a:lnSpc>
+                        <a:spcBef>
+                          <a:spcPts val="0"/>
+                        </a:spcBef>
+                        <a:spcAft>
+                          <a:spcPts val="0"/>
+                        </a:spcAft>
+                        <a:buClrTx/>
+                        <a:buSzTx/>
+                        <a:buFontTx/>
+                        <a:buNone/>
+                        <a:tabLst/>
+                        <a:defRPr/>
+                      </a:pPr>
+                      <a:r>
+                        <a:rPr lang="es-PE" sz="1800" kern="1200" dirty="0" smtClean="0">
+                          <a:solidFill>
+                            <a:schemeClr val="tx1"/>
+                          </a:solidFill>
+                          <a:latin typeface="+mn-lt"/>
+                          <a:ea typeface="+mn-ea"/>
+                          <a:cs typeface="+mn-cs"/>
+                        </a:rPr>
+                        <a:t>Si existe una polémica con el contrato de un cliente no se deberá generar ningún otro contrato al mismo cliente hasta solucionar la polémica.</a:t>
+                      </a:r>
+                      <a:endParaRPr lang="es-ES" sz="1800" b="0" kern="1200" dirty="0" smtClean="0">
+                        <a:solidFill>
+                          <a:schemeClr val="tx1"/>
+                        </a:solidFill>
+                        <a:latin typeface="+mn-lt"/>
+                        <a:ea typeface="+mn-ea"/>
+                        <a:cs typeface="+mn-cs"/>
+                      </a:endParaRPr>
+                    </a:p>
+                  </a:txBody>
+                  <a:tcPr/>
+                </a:tc>
+              </a:tr>
+            </a:tbl>
+          </a:graphicData>
+        </a:graphic>
+      </p:graphicFrame>
+      <p:pic>
+        <p:nvPicPr>
+          <p:cNvPr id="7170" name="Picture 2"/>
+          <p:cNvPicPr>
+            <a:picLocks noChangeAspect="1" noChangeArrowheads="1"/>
+          </p:cNvPicPr>
+          <p:nvPr/>
+        </p:nvPicPr>
+        <p:blipFill>
+          <a:blip r:embed="rId2" cstate="print"/>
+          <a:srcRect/>
+          <a:stretch>
+            <a:fillRect/>
+          </a:stretch>
+        </p:blipFill>
+        <p:spPr bwMode="auto">
+          <a:xfrm>
+            <a:off x="755576" y="2492896"/>
+            <a:ext cx="1628775" cy="971550"/>
+          </a:xfrm>
+          <a:prstGeom prst="rect">
+            <a:avLst/>
+          </a:prstGeom>
+          <a:noFill/>
+          <a:ln w="9525">
+            <a:noFill/>
+            <a:miter lim="800000"/>
+            <a:headEnd/>
+            <a:tailEnd/>
+          </a:ln>
+        </p:spPr>
+      </p:pic>
+      <p:pic>
+        <p:nvPicPr>
+          <p:cNvPr id="7172" name="Picture 4"/>
+          <p:cNvPicPr>
+            <a:picLocks noChangeAspect="1" noChangeArrowheads="1"/>
+          </p:cNvPicPr>
+          <p:nvPr/>
+        </p:nvPicPr>
+        <p:blipFill>
+          <a:blip r:embed="rId3" cstate="print"/>
+          <a:srcRect/>
+          <a:stretch>
+            <a:fillRect/>
+          </a:stretch>
+        </p:blipFill>
+        <p:spPr bwMode="auto">
+          <a:xfrm>
+            <a:off x="395536" y="3933056"/>
+            <a:ext cx="2247900" cy="923925"/>
+          </a:xfrm>
+          <a:prstGeom prst="rect">
+            <a:avLst/>
+          </a:prstGeom>
+          <a:noFill/>
+          <a:ln w="9525">
+            <a:noFill/>
+            <a:miter lim="800000"/>
+            <a:headEnd/>
+            <a:tailEnd/>
+          </a:ln>
+        </p:spPr>
+      </p:pic>
+      <p:pic>
+        <p:nvPicPr>
+          <p:cNvPr id="7173" name="Picture 5"/>
+          <p:cNvPicPr>
+            <a:picLocks noChangeAspect="1" noChangeArrowheads="1"/>
+          </p:cNvPicPr>
+          <p:nvPr/>
+        </p:nvPicPr>
+        <p:blipFill>
+          <a:blip r:embed="rId4" cstate="print"/>
+          <a:srcRect/>
+          <a:stretch>
+            <a:fillRect/>
+          </a:stretch>
+        </p:blipFill>
+        <p:spPr bwMode="auto">
+          <a:xfrm>
+            <a:off x="683568" y="5445224"/>
+            <a:ext cx="1714500" cy="914400"/>
+          </a:xfrm>
+          <a:prstGeom prst="rect">
+            <a:avLst/>
+          </a:prstGeom>
+          <a:noFill/>
+          <a:ln w="9525">
+            <a:noFill/>
+            <a:miter lim="800000"/>
+            <a:headEnd/>
+            <a:tailEnd/>
+          </a:ln>
+        </p:spPr>
+      </p:pic>
+    </p:spTree>
+    <p:extLst>
+      <p:ext uri="{BB962C8B-B14F-4D97-AF65-F5344CB8AC3E}">
+        <p14:creationId xmlns:p14="http://schemas.microsoft.com/office/powerpoint/2010/main" xmlns="" val="1314591319"/>
+      </p:ext>
+    </p:extLst>
+  </p:cSld>
+  <p:clrMapOvr>
+    <a:masterClrMapping/>
+  </p:clrMapOvr>
+  <p:timing>
+    <p:tnLst>
+      <p:par>
+        <p:cTn id="1" dur="indefinite" restart="never" nodeType="tmRoot"/>
+      </p:par>
+    </p:tnLst>
+  </p:timing>
+</p:sld>
+</file>
+
+<file path=ppt/slides/slide9.xml><?xml version="1.0" encoding="utf-8"?>
+<p:sld xmlns:a="http://schemas.openxmlformats.org/drawingml/2006/main" xmlns:r="http://schemas.openxmlformats.org/officeDocument/2006/relationships" xmlns:p="http://schemas.openxmlformats.org/presentationml/2006/main">
+  <p:cSld>
+    <p:spTree>
+      <p:nvGrpSpPr>
+        <p:cNvPr id="1" name=""/>
+        <p:cNvGrpSpPr/>
+        <p:nvPr/>
+      </p:nvGrpSpPr>
+      <p:grpSpPr>
+        <a:xfrm>
+          <a:off x="0" y="0"/>
+          <a:ext cx="0" cy="0"/>
+          <a:chOff x="0" y="0"/>
+          <a:chExt cx="0" cy="0"/>
+        </a:xfrm>
+      </p:grpSpPr>
+      <p:sp>
+        <p:nvSpPr>
+          <p:cNvPr id="3" name="2 Título"/>
+          <p:cNvSpPr>
+            <a:spLocks noGrp="1"/>
+          </p:cNvSpPr>
+          <p:nvPr>
+            <p:ph type="title"/>
+          </p:nvPr>
+        </p:nvSpPr>
+        <p:spPr/>
+        <p:txBody>
+          <a:bodyPr>
+            <a:normAutofit fontScale="90000"/>
+          </a:bodyPr>
+          <a:lstStyle/>
+          <a:p>
+            <a:r>
+              <a:rPr lang="es-PE" dirty="0"/>
+              <a:t>ESPECIFICACION </a:t>
+            </a:r>
+            <a:r>
+              <a:rPr lang="es-PE" dirty="0" smtClean="0"/>
+              <a:t>DE </a:t>
+            </a:r>
+            <a:r>
+              <a:rPr lang="es-PE" dirty="0"/>
+              <a:t>REGLAS DE </a:t>
+            </a:r>
+            <a:r>
+              <a:rPr lang="es-PE" dirty="0" smtClean="0"/>
+              <a:t>NEGOCIO (cont..)</a:t>
+            </a:r>
+            <a:endParaRPr lang="es-PE" dirty="0"/>
+          </a:p>
+        </p:txBody>
+      </p:sp>
+      <p:graphicFrame>
+        <p:nvGraphicFramePr>
+          <p:cNvPr id="6" name="5 Tabla"/>
+          <p:cNvGraphicFramePr>
+            <a:graphicFrameLocks noGrp="1"/>
+          </p:cNvGraphicFramePr>
+          <p:nvPr/>
+        </p:nvGraphicFramePr>
+        <p:xfrm>
+          <a:off x="323528" y="2348881"/>
+          <a:ext cx="8568952" cy="4295292"/>
+        </p:xfrm>
+        <a:graphic>
+          <a:graphicData uri="http://schemas.openxmlformats.org/drawingml/2006/table">
+            <a:tbl>
+              <a:tblPr firstRow="1" bandRow="1">
+                <a:tableStyleId>{BC89EF96-8CEA-46FF-86C4-4CE0E7609802}</a:tableStyleId>
+              </a:tblPr>
+              <a:tblGrid>
+                <a:gridCol w="2427870"/>
+                <a:gridCol w="6141082"/>
+              </a:tblGrid>
+              <a:tr h="1121079">
+                <a:tc>
+                  <a:txBody>
+                    <a:bodyPr/>
+                    <a:lstStyle/>
+                    <a:p>
+                      <a:endParaRPr lang="es-ES" dirty="0"/>
+                    </a:p>
+                  </a:txBody>
+                  <a:tcPr/>
+                </a:tc>
+                <a:tc>
+                  <a:txBody>
+                    <a:bodyPr/>
+                    <a:lstStyle/>
+                    <a:p>
+                      <a:pPr marL="0" marR="0" indent="0" algn="just" defTabSz="914400" rtl="0" eaLnBrk="1" fontAlgn="auto" latinLnBrk="0" hangingPunct="1">
+                        <a:lnSpc>
+                          <a:spcPct val="100000"/>
+                        </a:lnSpc>
+                        <a:spcBef>
+                          <a:spcPts val="0"/>
+                        </a:spcBef>
+                        <a:spcAft>
+                          <a:spcPts val="0"/>
+                        </a:spcAft>
+                        <a:buClrTx/>
+                        <a:buSzTx/>
+                        <a:buFontTx/>
+                        <a:buNone/>
+                        <a:tabLst/>
+                        <a:defRPr/>
+                      </a:pPr>
+                      <a:r>
+                        <a:rPr lang="es-PE" sz="1800" b="0" kern="1200" dirty="0" smtClean="0">
+                          <a:solidFill>
+                            <a:schemeClr val="tx1"/>
+                          </a:solidFill>
+                          <a:latin typeface="+mn-lt"/>
+                          <a:ea typeface="+mn-ea"/>
+                          <a:cs typeface="+mn-cs"/>
+                        </a:rPr>
+                        <a:t>Según el tipo de contrato se determinarán comisiones evaluadoras para el cierre del contrato.</a:t>
+                      </a:r>
+                      <a:endParaRPr lang="es-ES" sz="1800" b="0" kern="1200" dirty="0" smtClean="0">
+                        <a:solidFill>
+                          <a:schemeClr val="tx1"/>
+                        </a:solidFill>
+                        <a:latin typeface="+mn-lt"/>
+                        <a:ea typeface="+mn-ea"/>
+                        <a:cs typeface="+mn-cs"/>
+                      </a:endParaRPr>
+                    </a:p>
+                  </a:txBody>
+                  <a:tcPr/>
+                </a:tc>
+              </a:tr>
+              <a:tr h="1690540">
+                <a:tc>
+                  <a:txBody>
+                    <a:bodyPr/>
+                    <a:lstStyle/>
+                    <a:p>
+                      <a:endParaRPr lang="es-ES" dirty="0"/>
+                    </a:p>
+                  </a:txBody>
+                  <a:tcPr/>
+                </a:tc>
+                <a:tc>
+                  <a:txBody>
+                    <a:bodyPr/>
+                    <a:lstStyle/>
+                    <a:p>
+                      <a:pPr algn="just"/>
+                      <a:r>
+                        <a:rPr lang="es-PE" sz="1800" kern="1200" dirty="0" smtClean="0">
+                          <a:solidFill>
+                            <a:schemeClr val="tx1"/>
+                          </a:solidFill>
+                          <a:latin typeface="+mn-lt"/>
+                          <a:ea typeface="+mn-ea"/>
+                          <a:cs typeface="+mn-cs"/>
+                        </a:rPr>
+                        <a:t>Se definen los siguientes Tipos de Contrato:</a:t>
+                      </a:r>
+                    </a:p>
+                    <a:p>
+                      <a:pPr algn="just"/>
+                      <a:endParaRPr lang="es-ES" sz="1800" kern="1200" dirty="0" smtClean="0">
+                        <a:solidFill>
+                          <a:schemeClr val="tx1"/>
+                        </a:solidFill>
+                        <a:latin typeface="+mn-lt"/>
+                        <a:ea typeface="+mn-ea"/>
+                        <a:cs typeface="+mn-cs"/>
+                      </a:endParaRPr>
+                    </a:p>
+                    <a:p>
+                      <a:pPr algn="just"/>
+                      <a:r>
+                        <a:rPr lang="es-PE" sz="1800" kern="1200" dirty="0" smtClean="0">
+                          <a:solidFill>
+                            <a:schemeClr val="tx1"/>
+                          </a:solidFill>
+                          <a:latin typeface="+mn-lt"/>
+                          <a:ea typeface="+mn-ea"/>
+                          <a:cs typeface="+mn-cs"/>
+                        </a:rPr>
+                        <a:t>Prestación de servicio sin suministro de repuestos, prestación de servicio con suministro de repuestos, servicio prestado, mantenimiento integral, mantenimiento preventivo, mantenimiento correctivo y </a:t>
+                      </a:r>
+                      <a:r>
+                        <a:rPr lang="es-PE" sz="1800" kern="1200" dirty="0" err="1" smtClean="0">
+                          <a:solidFill>
+                            <a:schemeClr val="tx1"/>
+                          </a:solidFill>
+                          <a:latin typeface="+mn-lt"/>
+                          <a:ea typeface="+mn-ea"/>
+                          <a:cs typeface="+mn-cs"/>
+                        </a:rPr>
+                        <a:t>outsourcing</a:t>
+                      </a:r>
+                      <a:r>
+                        <a:rPr lang="es-PE" sz="1800" kern="1200" dirty="0" smtClean="0">
+                          <a:solidFill>
+                            <a:schemeClr val="tx1"/>
+                          </a:solidFill>
+                          <a:latin typeface="+mn-lt"/>
+                          <a:ea typeface="+mn-ea"/>
+                          <a:cs typeface="+mn-cs"/>
+                        </a:rPr>
+                        <a:t>.</a:t>
+                      </a:r>
+                      <a:endParaRPr lang="es-ES" sz="1800" b="0" kern="1200" dirty="0" smtClean="0">
+                        <a:solidFill>
+                          <a:schemeClr val="tx1"/>
+                        </a:solidFill>
+                        <a:latin typeface="+mn-lt"/>
+                        <a:ea typeface="+mn-ea"/>
+                        <a:cs typeface="+mn-cs"/>
+                      </a:endParaRPr>
+                    </a:p>
+                  </a:txBody>
+                  <a:tcPr/>
+                </a:tc>
+              </a:tr>
+              <a:tr h="1436853">
+                <a:tc>
+                  <a:txBody>
+                    <a:bodyPr/>
+                    <a:lstStyle/>
+                    <a:p>
+                      <a:endParaRPr lang="es-ES" dirty="0"/>
+                    </a:p>
+                  </a:txBody>
+                  <a:tcPr/>
+                </a:tc>
+                <a:tc>
+                  <a:txBody>
+                    <a:bodyPr/>
+                    <a:lstStyle/>
+                    <a:p>
+                      <a:pPr marL="0" marR="0" indent="0" algn="just" defTabSz="914400" rtl="0" eaLnBrk="1" fontAlgn="auto" latinLnBrk="0" hangingPunct="1">
+                        <a:lnSpc>
+                          <a:spcPct val="100000"/>
+                        </a:lnSpc>
+                        <a:spcBef>
+                          <a:spcPts val="0"/>
+                        </a:spcBef>
+                        <a:spcAft>
+                          <a:spcPts val="0"/>
+                        </a:spcAft>
+                        <a:buClrTx/>
+                        <a:buSzTx/>
+                        <a:buFontTx/>
+                        <a:buNone/>
+                        <a:tabLst/>
+                        <a:defRPr/>
+                      </a:pPr>
+                      <a:endParaRPr lang="es-PE" sz="1800" kern="1200" dirty="0" smtClean="0">
+                        <a:solidFill>
+                          <a:schemeClr val="tx1"/>
+                        </a:solidFill>
+                        <a:latin typeface="+mn-lt"/>
+                        <a:ea typeface="+mn-ea"/>
+                        <a:cs typeface="+mn-cs"/>
+                      </a:endParaRPr>
+                    </a:p>
+                    <a:p>
+                      <a:pPr marL="0" marR="0" indent="0" algn="just" defTabSz="914400" rtl="0" eaLnBrk="1" fontAlgn="auto" latinLnBrk="0" hangingPunct="1">
+                        <a:lnSpc>
+                          <a:spcPct val="100000"/>
+                        </a:lnSpc>
+                        <a:spcBef>
+                          <a:spcPts val="0"/>
+                        </a:spcBef>
+                        <a:spcAft>
+                          <a:spcPts val="0"/>
+                        </a:spcAft>
+                        <a:buClrTx/>
+                        <a:buSzTx/>
+                        <a:buFontTx/>
+                        <a:buNone/>
+                        <a:tabLst/>
+                        <a:defRPr/>
+                      </a:pPr>
+                      <a:r>
+                        <a:rPr lang="es-PE" sz="1800" kern="1200" dirty="0" smtClean="0">
+                          <a:solidFill>
+                            <a:schemeClr val="tx1"/>
+                          </a:solidFill>
+                          <a:latin typeface="+mn-lt"/>
+                          <a:ea typeface="+mn-ea"/>
+                          <a:cs typeface="+mn-cs"/>
+                        </a:rPr>
+                        <a:t>Los Tipos de penalidades son los siguientes: </a:t>
+                      </a:r>
+                    </a:p>
+                    <a:p>
+                      <a:pPr marL="0" marR="0" indent="0" algn="just" defTabSz="914400" rtl="0" eaLnBrk="1" fontAlgn="auto" latinLnBrk="0" hangingPunct="1">
+                        <a:lnSpc>
+                          <a:spcPct val="100000"/>
+                        </a:lnSpc>
+                        <a:spcBef>
+                          <a:spcPts val="0"/>
+                        </a:spcBef>
+                        <a:spcAft>
+                          <a:spcPts val="0"/>
+                        </a:spcAft>
+                        <a:buClrTx/>
+                        <a:buSzTx/>
+                        <a:buFontTx/>
+                        <a:buNone/>
+                        <a:tabLst/>
+                        <a:defRPr/>
+                      </a:pPr>
+                      <a:r>
+                        <a:rPr lang="es-PE" sz="1800" kern="1200" dirty="0" smtClean="0">
+                          <a:solidFill>
+                            <a:schemeClr val="tx1"/>
+                          </a:solidFill>
+                          <a:latin typeface="+mn-lt"/>
+                          <a:ea typeface="+mn-ea"/>
+                          <a:cs typeface="+mn-cs"/>
+                        </a:rPr>
+                        <a:t>incumplimiento, deficiencia y confidencialidad.  </a:t>
+                      </a:r>
+                    </a:p>
+                    <a:p>
+                      <a:pPr marL="0" marR="0" indent="0" algn="just" defTabSz="914400" rtl="0" eaLnBrk="1" fontAlgn="auto" latinLnBrk="0" hangingPunct="1">
+                        <a:lnSpc>
+                          <a:spcPct val="100000"/>
+                        </a:lnSpc>
+                        <a:spcBef>
+                          <a:spcPts val="0"/>
+                        </a:spcBef>
+                        <a:spcAft>
+                          <a:spcPts val="0"/>
+                        </a:spcAft>
+                        <a:buClrTx/>
+                        <a:buSzTx/>
+                        <a:buFontTx/>
+                        <a:buNone/>
+                        <a:tabLst/>
+                        <a:defRPr/>
+                      </a:pPr>
+                      <a:r>
+                        <a:rPr lang="es-PE" sz="1800" kern="1200" dirty="0" smtClean="0">
+                          <a:solidFill>
+                            <a:schemeClr val="tx1"/>
+                          </a:solidFill>
+                          <a:latin typeface="+mn-lt"/>
+                          <a:ea typeface="+mn-ea"/>
+                          <a:cs typeface="+mn-cs"/>
+                        </a:rPr>
+                        <a:t>Las penalidades se determinarán según el tipo de contrato</a:t>
+                      </a:r>
+                      <a:endParaRPr lang="es-ES" sz="1800" b="0" kern="1200" dirty="0" smtClean="0">
+                        <a:solidFill>
+                          <a:schemeClr val="tx1"/>
+                        </a:solidFill>
+                        <a:latin typeface="+mn-lt"/>
+                        <a:ea typeface="+mn-ea"/>
+                        <a:cs typeface="+mn-cs"/>
+                      </a:endParaRPr>
+                    </a:p>
+                  </a:txBody>
+                  <a:tcPr/>
+                </a:tc>
+              </a:tr>
+            </a:tbl>
+          </a:graphicData>
+        </a:graphic>
+      </p:graphicFrame>
+      <p:pic>
+        <p:nvPicPr>
+          <p:cNvPr id="8194" name="Picture 2"/>
+          <p:cNvPicPr>
+            <a:picLocks noChangeAspect="1" noChangeArrowheads="1"/>
+          </p:cNvPicPr>
+          <p:nvPr/>
+        </p:nvPicPr>
+        <p:blipFill>
+          <a:blip r:embed="rId2" cstate="print"/>
+          <a:srcRect/>
+          <a:stretch>
+            <a:fillRect/>
+          </a:stretch>
+        </p:blipFill>
+        <p:spPr bwMode="auto">
+          <a:xfrm>
+            <a:off x="683568" y="2495550"/>
+            <a:ext cx="1714500" cy="933450"/>
+          </a:xfrm>
+          <a:prstGeom prst="rect">
+            <a:avLst/>
+          </a:prstGeom>
+          <a:noFill/>
+          <a:ln w="9525">
+            <a:noFill/>
+            <a:miter lim="800000"/>
+            <a:headEnd/>
+            <a:tailEnd/>
+          </a:ln>
+        </p:spPr>
+      </p:pic>
+      <p:pic>
+        <p:nvPicPr>
+          <p:cNvPr id="8195" name="Picture 3"/>
+          <p:cNvPicPr>
+            <a:picLocks noChangeAspect="1" noChangeArrowheads="1"/>
+          </p:cNvPicPr>
+          <p:nvPr/>
+        </p:nvPicPr>
+        <p:blipFill>
+          <a:blip r:embed="rId3" cstate="print"/>
+          <a:srcRect/>
+          <a:stretch>
+            <a:fillRect/>
+          </a:stretch>
+        </p:blipFill>
+        <p:spPr bwMode="auto">
+          <a:xfrm>
+            <a:off x="827584" y="3916660"/>
+            <a:ext cx="1409700" cy="952500"/>
+          </a:xfrm>
+          <a:prstGeom prst="rect">
+            <a:avLst/>
+          </a:prstGeom>
+          <a:noFill/>
+          <a:ln w="9525">
+            <a:noFill/>
+            <a:miter lim="800000"/>
+            <a:headEnd/>
+            <a:tailEnd/>
+          </a:ln>
+        </p:spPr>
+      </p:pic>
+      <p:pic>
+        <p:nvPicPr>
+          <p:cNvPr id="8196" name="Picture 4"/>
+          <p:cNvPicPr>
+            <a:picLocks noChangeAspect="1" noChangeArrowheads="1"/>
+          </p:cNvPicPr>
+          <p:nvPr/>
+        </p:nvPicPr>
+        <p:blipFill>
+          <a:blip r:embed="rId4" cstate="print"/>
+          <a:srcRect/>
+          <a:stretch>
+            <a:fillRect/>
+          </a:stretch>
+        </p:blipFill>
+        <p:spPr bwMode="auto">
+          <a:xfrm>
+            <a:off x="755576" y="5445224"/>
+            <a:ext cx="1476375" cy="933450"/>
+          </a:xfrm>
+          <a:prstGeom prst="rect">
+            <a:avLst/>
+          </a:prstGeom>
+          <a:noFill/>
+          <a:ln w="9525">
+            <a:noFill/>
+            <a:miter lim="800000"/>
+            <a:headEnd/>
+            <a:tailEnd/>
+          </a:ln>
+        </p:spPr>
+      </p:pic>
+    </p:spTree>
+    <p:extLst>
+      <p:ext uri="{BB962C8B-B14F-4D97-AF65-F5344CB8AC3E}">
+        <p14:creationId xmlns:p14="http://schemas.microsoft.com/office/powerpoint/2010/main" xmlns="" val="1314591319"/>
       </p:ext>
     </p:extLst>
   </p:cSld>

--- a/trunk/ tsp01-contratos-clientes/ITERACCION01/SI01/PRESENTACIONES/PPT SI01 MCUN.pptx
+++ b/trunk/ tsp01-contratos-clientes/ITERACCION01/SI01/PRESENTACIONES/PPT SI01 MCUN.pptx
@@ -6,17 +6,18 @@
   </p:sldMasterIdLst>
   <p:sldIdLst>
     <p:sldId id="256" r:id="rId2"/>
-    <p:sldId id="258" r:id="rId3"/>
-    <p:sldId id="261" r:id="rId4"/>
-    <p:sldId id="262" r:id="rId5"/>
-    <p:sldId id="265" r:id="rId6"/>
-    <p:sldId id="263" r:id="rId7"/>
-    <p:sldId id="264" r:id="rId8"/>
-    <p:sldId id="266" r:id="rId9"/>
-    <p:sldId id="267" r:id="rId10"/>
-    <p:sldId id="268" r:id="rId11"/>
-    <p:sldId id="259" r:id="rId12"/>
-    <p:sldId id="260" r:id="rId13"/>
+    <p:sldId id="269" r:id="rId3"/>
+    <p:sldId id="258" r:id="rId4"/>
+    <p:sldId id="261" r:id="rId5"/>
+    <p:sldId id="262" r:id="rId6"/>
+    <p:sldId id="265" r:id="rId7"/>
+    <p:sldId id="263" r:id="rId8"/>
+    <p:sldId id="264" r:id="rId9"/>
+    <p:sldId id="266" r:id="rId10"/>
+    <p:sldId id="267" r:id="rId11"/>
+    <p:sldId id="268" r:id="rId12"/>
+    <p:sldId id="259" r:id="rId13"/>
+    <p:sldId id="260" r:id="rId14"/>
   </p:sldIdLst>
   <p:sldSz cx="9144000" cy="6858000" type="screen4x3"/>
   <p:notesSz cx="6858000" cy="9144000"/>
@@ -14756,7 +14757,7 @@
     </p:spTree>
     <p:extLst>
       <p:ext uri="{BB962C8B-B14F-4D97-AF65-F5344CB8AC3E}">
-        <p14:creationId xmlns:p14="http://schemas.microsoft.com/office/powerpoint/2010/main" xmlns="" val="3004352296"/>
+        <p14:creationId xmlns="" xmlns:p14="http://schemas.microsoft.com/office/powerpoint/2010/main" val="3004352296"/>
       </p:ext>
     </p:extLst>
   </p:cSld>
@@ -14774,6 +14775,491 @@
 </file>
 
 <file path=ppt/slides/slide10.xml><?xml version="1.0" encoding="utf-8"?>
+<p:sld xmlns:a="http://schemas.openxmlformats.org/drawingml/2006/main" xmlns:r="http://schemas.openxmlformats.org/officeDocument/2006/relationships" xmlns:p="http://schemas.openxmlformats.org/presentationml/2006/main">
+  <p:cSld>
+    <p:spTree>
+      <p:nvGrpSpPr>
+        <p:cNvPr id="1" name=""/>
+        <p:cNvGrpSpPr/>
+        <p:nvPr/>
+      </p:nvGrpSpPr>
+      <p:grpSpPr>
+        <a:xfrm>
+          <a:off x="0" y="0"/>
+          <a:ext cx="0" cy="0"/>
+          <a:chOff x="0" y="0"/>
+          <a:chExt cx="0" cy="0"/>
+        </a:xfrm>
+      </p:grpSpPr>
+      <p:sp>
+        <p:nvSpPr>
+          <p:cNvPr id="3" name="2 Título"/>
+          <p:cNvSpPr>
+            <a:spLocks noGrp="1"/>
+          </p:cNvSpPr>
+          <p:nvPr>
+            <p:ph type="title"/>
+          </p:nvPr>
+        </p:nvSpPr>
+        <p:spPr/>
+        <p:txBody>
+          <a:bodyPr>
+            <a:normAutofit fontScale="90000"/>
+          </a:bodyPr>
+          <a:lstStyle/>
+          <a:p>
+            <a:r>
+              <a:rPr lang="es-PE" dirty="0"/>
+              <a:t>ESPECIFICACION </a:t>
+            </a:r>
+            <a:r>
+              <a:rPr lang="es-PE" dirty="0" smtClean="0"/>
+              <a:t>DE </a:t>
+            </a:r>
+            <a:r>
+              <a:rPr lang="es-PE" dirty="0"/>
+              <a:t>REGLAS DE </a:t>
+            </a:r>
+            <a:r>
+              <a:rPr lang="es-PE" dirty="0" smtClean="0"/>
+              <a:t>NEGOCIO (cont..)</a:t>
+            </a:r>
+            <a:endParaRPr lang="es-PE" dirty="0"/>
+          </a:p>
+        </p:txBody>
+      </p:sp>
+      <p:graphicFrame>
+        <p:nvGraphicFramePr>
+          <p:cNvPr id="6" name="5 Tabla"/>
+          <p:cNvGraphicFramePr>
+            <a:graphicFrameLocks noGrp="1"/>
+          </p:cNvGraphicFramePr>
+          <p:nvPr/>
+        </p:nvGraphicFramePr>
+        <p:xfrm>
+          <a:off x="323528" y="2348881"/>
+          <a:ext cx="8568952" cy="4295292"/>
+        </p:xfrm>
+        <a:graphic>
+          <a:graphicData uri="http://schemas.openxmlformats.org/drawingml/2006/table">
+            <a:tbl>
+              <a:tblPr firstRow="1" bandRow="1">
+                <a:tableStyleId>{BC89EF96-8CEA-46FF-86C4-4CE0E7609802}</a:tableStyleId>
+              </a:tblPr>
+              <a:tblGrid>
+                <a:gridCol w="2427870"/>
+                <a:gridCol w="6141082"/>
+              </a:tblGrid>
+              <a:tr h="1121079">
+                <a:tc>
+                  <a:txBody>
+                    <a:bodyPr/>
+                    <a:lstStyle/>
+                    <a:p>
+                      <a:endParaRPr lang="es-ES" dirty="0"/>
+                    </a:p>
+                  </a:txBody>
+                  <a:tcPr/>
+                </a:tc>
+                <a:tc>
+                  <a:txBody>
+                    <a:bodyPr/>
+                    <a:lstStyle/>
+                    <a:p>
+                      <a:pPr marL="0" marR="0" indent="0" algn="just" defTabSz="914400" rtl="0" eaLnBrk="1" fontAlgn="auto" latinLnBrk="0" hangingPunct="1">
+                        <a:lnSpc>
+                          <a:spcPct val="100000"/>
+                        </a:lnSpc>
+                        <a:spcBef>
+                          <a:spcPts val="0"/>
+                        </a:spcBef>
+                        <a:spcAft>
+                          <a:spcPts val="0"/>
+                        </a:spcAft>
+                        <a:buClrTx/>
+                        <a:buSzTx/>
+                        <a:buFontTx/>
+                        <a:buNone/>
+                        <a:tabLst/>
+                        <a:defRPr/>
+                      </a:pPr>
+                      <a:r>
+                        <a:rPr lang="es-PE" sz="1800" b="0" kern="1200" dirty="0" smtClean="0">
+                          <a:solidFill>
+                            <a:schemeClr val="tx1"/>
+                          </a:solidFill>
+                          <a:latin typeface="+mn-lt"/>
+                          <a:ea typeface="+mn-ea"/>
+                          <a:cs typeface="+mn-cs"/>
+                        </a:rPr>
+                        <a:t>Según el tipo de contrato se determinarán comisiones evaluadoras para el cierre del contrato.</a:t>
+                      </a:r>
+                      <a:endParaRPr lang="es-ES" sz="1800" b="0" kern="1200" dirty="0" smtClean="0">
+                        <a:solidFill>
+                          <a:schemeClr val="tx1"/>
+                        </a:solidFill>
+                        <a:latin typeface="+mn-lt"/>
+                        <a:ea typeface="+mn-ea"/>
+                        <a:cs typeface="+mn-cs"/>
+                      </a:endParaRPr>
+                    </a:p>
+                  </a:txBody>
+                  <a:tcPr/>
+                </a:tc>
+              </a:tr>
+              <a:tr h="1690540">
+                <a:tc>
+                  <a:txBody>
+                    <a:bodyPr/>
+                    <a:lstStyle/>
+                    <a:p>
+                      <a:endParaRPr lang="es-ES" dirty="0"/>
+                    </a:p>
+                  </a:txBody>
+                  <a:tcPr/>
+                </a:tc>
+                <a:tc>
+                  <a:txBody>
+                    <a:bodyPr/>
+                    <a:lstStyle/>
+                    <a:p>
+                      <a:pPr algn="just"/>
+                      <a:r>
+                        <a:rPr lang="es-PE" sz="1800" kern="1200" dirty="0" smtClean="0">
+                          <a:solidFill>
+                            <a:schemeClr val="tx1"/>
+                          </a:solidFill>
+                          <a:latin typeface="+mn-lt"/>
+                          <a:ea typeface="+mn-ea"/>
+                          <a:cs typeface="+mn-cs"/>
+                        </a:rPr>
+                        <a:t>Se definen los siguientes Tipos de Contrato:</a:t>
+                      </a:r>
+                    </a:p>
+                    <a:p>
+                      <a:pPr algn="just"/>
+                      <a:endParaRPr lang="es-ES" sz="1800" kern="1200" dirty="0" smtClean="0">
+                        <a:solidFill>
+                          <a:schemeClr val="tx1"/>
+                        </a:solidFill>
+                        <a:latin typeface="+mn-lt"/>
+                        <a:ea typeface="+mn-ea"/>
+                        <a:cs typeface="+mn-cs"/>
+                      </a:endParaRPr>
+                    </a:p>
+                    <a:p>
+                      <a:pPr algn="just"/>
+                      <a:r>
+                        <a:rPr lang="es-PE" sz="1800" kern="1200" dirty="0" smtClean="0">
+                          <a:solidFill>
+                            <a:schemeClr val="tx1"/>
+                          </a:solidFill>
+                          <a:latin typeface="+mn-lt"/>
+                          <a:ea typeface="+mn-ea"/>
+                          <a:cs typeface="+mn-cs"/>
+                        </a:rPr>
+                        <a:t>Prestación de servicio sin suministro de repuestos, prestación de servicio con suministro de repuestos, servicio prestado, mantenimiento integral, mantenimiento preventivo, mantenimiento correctivo y </a:t>
+                      </a:r>
+                      <a:r>
+                        <a:rPr lang="es-PE" sz="1800" kern="1200" dirty="0" err="1" smtClean="0">
+                          <a:solidFill>
+                            <a:schemeClr val="tx1"/>
+                          </a:solidFill>
+                          <a:latin typeface="+mn-lt"/>
+                          <a:ea typeface="+mn-ea"/>
+                          <a:cs typeface="+mn-cs"/>
+                        </a:rPr>
+                        <a:t>outsourcing</a:t>
+                      </a:r>
+                      <a:r>
+                        <a:rPr lang="es-PE" sz="1800" kern="1200" dirty="0" smtClean="0">
+                          <a:solidFill>
+                            <a:schemeClr val="tx1"/>
+                          </a:solidFill>
+                          <a:latin typeface="+mn-lt"/>
+                          <a:ea typeface="+mn-ea"/>
+                          <a:cs typeface="+mn-cs"/>
+                        </a:rPr>
+                        <a:t>.</a:t>
+                      </a:r>
+                      <a:endParaRPr lang="es-ES" sz="1800" b="0" kern="1200" dirty="0" smtClean="0">
+                        <a:solidFill>
+                          <a:schemeClr val="tx1"/>
+                        </a:solidFill>
+                        <a:latin typeface="+mn-lt"/>
+                        <a:ea typeface="+mn-ea"/>
+                        <a:cs typeface="+mn-cs"/>
+                      </a:endParaRPr>
+                    </a:p>
+                  </a:txBody>
+                  <a:tcPr/>
+                </a:tc>
+              </a:tr>
+              <a:tr h="1436853">
+                <a:tc>
+                  <a:txBody>
+                    <a:bodyPr/>
+                    <a:lstStyle/>
+                    <a:p>
+                      <a:endParaRPr lang="es-ES" dirty="0"/>
+                    </a:p>
+                  </a:txBody>
+                  <a:tcPr/>
+                </a:tc>
+                <a:tc>
+                  <a:txBody>
+                    <a:bodyPr/>
+                    <a:lstStyle/>
+                    <a:p>
+                      <a:pPr marL="0" marR="0" indent="0" algn="just" defTabSz="914400" rtl="0" eaLnBrk="1" fontAlgn="auto" latinLnBrk="0" hangingPunct="1">
+                        <a:lnSpc>
+                          <a:spcPct val="100000"/>
+                        </a:lnSpc>
+                        <a:spcBef>
+                          <a:spcPts val="0"/>
+                        </a:spcBef>
+                        <a:spcAft>
+                          <a:spcPts val="0"/>
+                        </a:spcAft>
+                        <a:buClrTx/>
+                        <a:buSzTx/>
+                        <a:buFontTx/>
+                        <a:buNone/>
+                        <a:tabLst/>
+                        <a:defRPr/>
+                      </a:pPr>
+                      <a:endParaRPr lang="es-PE" sz="1800" kern="1200" dirty="0" smtClean="0">
+                        <a:solidFill>
+                          <a:schemeClr val="tx1"/>
+                        </a:solidFill>
+                        <a:latin typeface="+mn-lt"/>
+                        <a:ea typeface="+mn-ea"/>
+                        <a:cs typeface="+mn-cs"/>
+                      </a:endParaRPr>
+                    </a:p>
+                    <a:p>
+                      <a:pPr marL="0" marR="0" indent="0" algn="just" defTabSz="914400" rtl="0" eaLnBrk="1" fontAlgn="auto" latinLnBrk="0" hangingPunct="1">
+                        <a:lnSpc>
+                          <a:spcPct val="100000"/>
+                        </a:lnSpc>
+                        <a:spcBef>
+                          <a:spcPts val="0"/>
+                        </a:spcBef>
+                        <a:spcAft>
+                          <a:spcPts val="0"/>
+                        </a:spcAft>
+                        <a:buClrTx/>
+                        <a:buSzTx/>
+                        <a:buFontTx/>
+                        <a:buNone/>
+                        <a:tabLst/>
+                        <a:defRPr/>
+                      </a:pPr>
+                      <a:r>
+                        <a:rPr lang="es-PE" sz="1800" kern="1200" dirty="0" smtClean="0">
+                          <a:solidFill>
+                            <a:schemeClr val="tx1"/>
+                          </a:solidFill>
+                          <a:latin typeface="+mn-lt"/>
+                          <a:ea typeface="+mn-ea"/>
+                          <a:cs typeface="+mn-cs"/>
+                        </a:rPr>
+                        <a:t>Los Tipos de penalidades son los siguientes: </a:t>
+                      </a:r>
+                    </a:p>
+                    <a:p>
+                      <a:pPr marL="0" marR="0" indent="0" algn="just" defTabSz="914400" rtl="0" eaLnBrk="1" fontAlgn="auto" latinLnBrk="0" hangingPunct="1">
+                        <a:lnSpc>
+                          <a:spcPct val="100000"/>
+                        </a:lnSpc>
+                        <a:spcBef>
+                          <a:spcPts val="0"/>
+                        </a:spcBef>
+                        <a:spcAft>
+                          <a:spcPts val="0"/>
+                        </a:spcAft>
+                        <a:buClrTx/>
+                        <a:buSzTx/>
+                        <a:buFontTx/>
+                        <a:buNone/>
+                        <a:tabLst/>
+                        <a:defRPr/>
+                      </a:pPr>
+                      <a:r>
+                        <a:rPr lang="es-PE" sz="1800" kern="1200" dirty="0" smtClean="0">
+                          <a:solidFill>
+                            <a:schemeClr val="tx1"/>
+                          </a:solidFill>
+                          <a:latin typeface="+mn-lt"/>
+                          <a:ea typeface="+mn-ea"/>
+                          <a:cs typeface="+mn-cs"/>
+                        </a:rPr>
+                        <a:t>incumplimiento, deficiencia y confidencialidad.  </a:t>
+                      </a:r>
+                    </a:p>
+                    <a:p>
+                      <a:pPr marL="0" marR="0" indent="0" algn="just" defTabSz="914400" rtl="0" eaLnBrk="1" fontAlgn="auto" latinLnBrk="0" hangingPunct="1">
+                        <a:lnSpc>
+                          <a:spcPct val="100000"/>
+                        </a:lnSpc>
+                        <a:spcBef>
+                          <a:spcPts val="0"/>
+                        </a:spcBef>
+                        <a:spcAft>
+                          <a:spcPts val="0"/>
+                        </a:spcAft>
+                        <a:buClrTx/>
+                        <a:buSzTx/>
+                        <a:buFontTx/>
+                        <a:buNone/>
+                        <a:tabLst/>
+                        <a:defRPr/>
+                      </a:pPr>
+                      <a:r>
+                        <a:rPr lang="es-PE" sz="1800" kern="1200" dirty="0" smtClean="0">
+                          <a:solidFill>
+                            <a:schemeClr val="tx1"/>
+                          </a:solidFill>
+                          <a:latin typeface="+mn-lt"/>
+                          <a:ea typeface="+mn-ea"/>
+                          <a:cs typeface="+mn-cs"/>
+                        </a:rPr>
+                        <a:t>Las penalidades se determinarán según el tipo de contrato</a:t>
+                      </a:r>
+                      <a:endParaRPr lang="es-ES" sz="1800" b="0" kern="1200" dirty="0" smtClean="0">
+                        <a:solidFill>
+                          <a:schemeClr val="tx1"/>
+                        </a:solidFill>
+                        <a:latin typeface="+mn-lt"/>
+                        <a:ea typeface="+mn-ea"/>
+                        <a:cs typeface="+mn-cs"/>
+                      </a:endParaRPr>
+                    </a:p>
+                  </a:txBody>
+                  <a:tcPr/>
+                </a:tc>
+              </a:tr>
+            </a:tbl>
+          </a:graphicData>
+        </a:graphic>
+      </p:graphicFrame>
+      <p:pic>
+        <p:nvPicPr>
+          <p:cNvPr id="8194" name="Picture 2"/>
+          <p:cNvPicPr>
+            <a:picLocks noChangeAspect="1" noChangeArrowheads="1"/>
+          </p:cNvPicPr>
+          <p:nvPr/>
+        </p:nvPicPr>
+        <p:blipFill>
+          <a:blip r:embed="rId2" cstate="print"/>
+          <a:srcRect/>
+          <a:stretch>
+            <a:fillRect/>
+          </a:stretch>
+        </p:blipFill>
+        <p:spPr bwMode="auto">
+          <a:xfrm>
+            <a:off x="683568" y="2495550"/>
+            <a:ext cx="1714500" cy="933450"/>
+          </a:xfrm>
+          <a:prstGeom prst="rect">
+            <a:avLst/>
+          </a:prstGeom>
+          <a:noFill/>
+          <a:ln w="9525">
+            <a:noFill/>
+            <a:miter lim="800000"/>
+            <a:headEnd/>
+            <a:tailEnd/>
+          </a:ln>
+        </p:spPr>
+      </p:pic>
+      <p:pic>
+        <p:nvPicPr>
+          <p:cNvPr id="8195" name="Picture 3"/>
+          <p:cNvPicPr>
+            <a:picLocks noChangeAspect="1" noChangeArrowheads="1"/>
+          </p:cNvPicPr>
+          <p:nvPr/>
+        </p:nvPicPr>
+        <p:blipFill>
+          <a:blip r:embed="rId3" cstate="print"/>
+          <a:srcRect/>
+          <a:stretch>
+            <a:fillRect/>
+          </a:stretch>
+        </p:blipFill>
+        <p:spPr bwMode="auto">
+          <a:xfrm>
+            <a:off x="827584" y="3916660"/>
+            <a:ext cx="1409700" cy="952500"/>
+          </a:xfrm>
+          <a:prstGeom prst="rect">
+            <a:avLst/>
+          </a:prstGeom>
+          <a:noFill/>
+          <a:ln w="9525">
+            <a:noFill/>
+            <a:miter lim="800000"/>
+            <a:headEnd/>
+            <a:tailEnd/>
+          </a:ln>
+        </p:spPr>
+      </p:pic>
+      <p:pic>
+        <p:nvPicPr>
+          <p:cNvPr id="8196" name="Picture 4"/>
+          <p:cNvPicPr>
+            <a:picLocks noChangeAspect="1" noChangeArrowheads="1"/>
+          </p:cNvPicPr>
+          <p:nvPr/>
+        </p:nvPicPr>
+        <p:blipFill>
+          <a:blip r:embed="rId4" cstate="print"/>
+          <a:srcRect/>
+          <a:stretch>
+            <a:fillRect/>
+          </a:stretch>
+        </p:blipFill>
+        <p:spPr bwMode="auto">
+          <a:xfrm>
+            <a:off x="755576" y="5445224"/>
+            <a:ext cx="1476375" cy="933450"/>
+          </a:xfrm>
+          <a:prstGeom prst="rect">
+            <a:avLst/>
+          </a:prstGeom>
+          <a:noFill/>
+          <a:ln w="9525">
+            <a:noFill/>
+            <a:miter lim="800000"/>
+            <a:headEnd/>
+            <a:tailEnd/>
+          </a:ln>
+        </p:spPr>
+      </p:pic>
+    </p:spTree>
+    <p:extLst>
+      <p:ext uri="{BB962C8B-B14F-4D97-AF65-F5344CB8AC3E}">
+        <p14:creationId xmlns="" xmlns:p14="http://schemas.microsoft.com/office/powerpoint/2010/main" val="1314591319"/>
+      </p:ext>
+    </p:extLst>
+  </p:cSld>
+  <p:clrMapOvr>
+    <a:masterClrMapping/>
+  </p:clrMapOvr>
+  <p:timing>
+    <p:tnLst>
+      <p:par>
+        <p:cTn id="1" dur="indefinite" restart="never" nodeType="tmRoot"/>
+      </p:par>
+    </p:tnLst>
+  </p:timing>
+</p:sld>
+</file>
+
+<file path=ppt/slides/slide11.xml><?xml version="1.0" encoding="utf-8"?>
 <p:sld xmlns:a="http://schemas.openxmlformats.org/drawingml/2006/main" xmlns:r="http://schemas.openxmlformats.org/officeDocument/2006/relationships" xmlns:p="http://schemas.openxmlformats.org/presentationml/2006/main">
   <p:cSld>
     <p:spTree>
@@ -15057,7 +15543,7 @@
           <a:blip r:embed="rId2" cstate="print">
             <a:extLst>
               <a:ext uri="{28A0092B-C50C-407E-A947-70E740481C1C}">
-                <a14:useLocalDpi xmlns:a14="http://schemas.microsoft.com/office/drawing/2010/main" xmlns="" val="0"/>
+                <a14:useLocalDpi xmlns="" xmlns:a14="http://schemas.microsoft.com/office/drawing/2010/main" val="0"/>
               </a:ext>
             </a:extLst>
           </a:blip>
@@ -15081,14 +15567,14 @@
           <a:effectLst/>
           <a:extLst>
             <a:ext uri="{909E8E84-426E-40DD-AFC4-6F175D3DCCD1}">
-              <a14:hiddenFill xmlns:a14="http://schemas.microsoft.com/office/drawing/2010/main" xmlns="">
+              <a14:hiddenFill xmlns="" xmlns:a14="http://schemas.microsoft.com/office/drawing/2010/main">
                 <a:solidFill>
                   <a:schemeClr val="accent1"/>
                 </a:solidFill>
               </a14:hiddenFill>
             </a:ext>
             <a:ext uri="{91240B29-F687-4F45-9708-019B960494DF}">
-              <a14:hiddenLine xmlns:a14="http://schemas.microsoft.com/office/drawing/2010/main" xmlns="" w="9525">
+              <a14:hiddenLine xmlns="" xmlns:a14="http://schemas.microsoft.com/office/drawing/2010/main" w="9525">
                 <a:solidFill>
                   <a:schemeClr val="tx1"/>
                 </a:solidFill>
@@ -15098,7 +15584,7 @@
               </a14:hiddenLine>
             </a:ext>
             <a:ext uri="{AF507438-7753-43E0-B8FC-AC1667EBCBE1}">
-              <a14:hiddenEffects xmlns:a14="http://schemas.microsoft.com/office/drawing/2010/main" xmlns="">
+              <a14:hiddenEffects xmlns="" xmlns:a14="http://schemas.microsoft.com/office/drawing/2010/main">
                 <a:effectLst>
                   <a:outerShdw dist="35921" dir="2700000" algn="ctr" rotWithShape="0">
                     <a:schemeClr val="bg2"/>
@@ -15121,7 +15607,7 @@
           <a:blip r:embed="rId3" cstate="print">
             <a:extLst>
               <a:ext uri="{28A0092B-C50C-407E-A947-70E740481C1C}">
-                <a14:useLocalDpi xmlns:a14="http://schemas.microsoft.com/office/drawing/2010/main" xmlns="" val="0"/>
+                <a14:useLocalDpi xmlns="" xmlns:a14="http://schemas.microsoft.com/office/drawing/2010/main" val="0"/>
               </a:ext>
             </a:extLst>
           </a:blip>
@@ -15145,14 +15631,14 @@
           <a:effectLst/>
           <a:extLst>
             <a:ext uri="{909E8E84-426E-40DD-AFC4-6F175D3DCCD1}">
-              <a14:hiddenFill xmlns:a14="http://schemas.microsoft.com/office/drawing/2010/main" xmlns="">
+              <a14:hiddenFill xmlns="" xmlns:a14="http://schemas.microsoft.com/office/drawing/2010/main">
                 <a:solidFill>
                   <a:schemeClr val="accent1"/>
                 </a:solidFill>
               </a14:hiddenFill>
             </a:ext>
             <a:ext uri="{91240B29-F687-4F45-9708-019B960494DF}">
-              <a14:hiddenLine xmlns:a14="http://schemas.microsoft.com/office/drawing/2010/main" xmlns="" w="9525">
+              <a14:hiddenLine xmlns="" xmlns:a14="http://schemas.microsoft.com/office/drawing/2010/main" w="9525">
                 <a:solidFill>
                   <a:schemeClr val="tx1"/>
                 </a:solidFill>
@@ -15162,7 +15648,7 @@
               </a14:hiddenLine>
             </a:ext>
             <a:ext uri="{AF507438-7753-43E0-B8FC-AC1667EBCBE1}">
-              <a14:hiddenEffects xmlns:a14="http://schemas.microsoft.com/office/drawing/2010/main" xmlns="">
+              <a14:hiddenEffects xmlns="" xmlns:a14="http://schemas.microsoft.com/office/drawing/2010/main">
                 <a:effectLst>
                   <a:outerShdw dist="35921" dir="2700000" algn="ctr" rotWithShape="0">
                     <a:schemeClr val="bg2"/>
@@ -15185,7 +15671,7 @@
           <a:blip r:embed="rId4" cstate="print">
             <a:extLst>
               <a:ext uri="{28A0092B-C50C-407E-A947-70E740481C1C}">
-                <a14:useLocalDpi xmlns:a14="http://schemas.microsoft.com/office/drawing/2010/main" xmlns="" val="0"/>
+                <a14:useLocalDpi xmlns="" xmlns:a14="http://schemas.microsoft.com/office/drawing/2010/main" val="0"/>
               </a:ext>
             </a:extLst>
           </a:blip>
@@ -15209,14 +15695,14 @@
           <a:effectLst/>
           <a:extLst>
             <a:ext uri="{909E8E84-426E-40DD-AFC4-6F175D3DCCD1}">
-              <a14:hiddenFill xmlns:a14="http://schemas.microsoft.com/office/drawing/2010/main" xmlns="">
+              <a14:hiddenFill xmlns="" xmlns:a14="http://schemas.microsoft.com/office/drawing/2010/main">
                 <a:solidFill>
                   <a:schemeClr val="accent1"/>
                 </a:solidFill>
               </a14:hiddenFill>
             </a:ext>
             <a:ext uri="{91240B29-F687-4F45-9708-019B960494DF}">
-              <a14:hiddenLine xmlns:a14="http://schemas.microsoft.com/office/drawing/2010/main" xmlns="" w="9525">
+              <a14:hiddenLine xmlns="" xmlns:a14="http://schemas.microsoft.com/office/drawing/2010/main" w="9525">
                 <a:solidFill>
                   <a:schemeClr val="tx1"/>
                 </a:solidFill>
@@ -15226,7 +15712,7 @@
               </a14:hiddenLine>
             </a:ext>
             <a:ext uri="{AF507438-7753-43E0-B8FC-AC1667EBCBE1}">
-              <a14:hiddenEffects xmlns:a14="http://schemas.microsoft.com/office/drawing/2010/main" xmlns="">
+              <a14:hiddenEffects xmlns="" xmlns:a14="http://schemas.microsoft.com/office/drawing/2010/main">
                 <a:effectLst>
                   <a:outerShdw dist="35921" dir="2700000" algn="ctr" rotWithShape="0">
                     <a:schemeClr val="bg2"/>
@@ -15240,7 +15726,7 @@
     </p:spTree>
     <p:extLst>
       <p:ext uri="{BB962C8B-B14F-4D97-AF65-F5344CB8AC3E}">
-        <p14:creationId xmlns:p14="http://schemas.microsoft.com/office/powerpoint/2010/main" xmlns="" val="1786203861"/>
+        <p14:creationId xmlns="" xmlns:p14="http://schemas.microsoft.com/office/powerpoint/2010/main" val="1786203861"/>
       </p:ext>
     </p:extLst>
   </p:cSld>
@@ -15257,7 +15743,7 @@
 </p:sld>
 </file>
 
-<file path=ppt/slides/slide11.xml><?xml version="1.0" encoding="utf-8"?>
+<file path=ppt/slides/slide12.xml><?xml version="1.0" encoding="utf-8"?>
 <p:sld xmlns:a="http://schemas.openxmlformats.org/drawingml/2006/main" xmlns:r="http://schemas.openxmlformats.org/officeDocument/2006/relationships" xmlns:p="http://schemas.openxmlformats.org/presentationml/2006/main">
   <p:cSld>
     <p:spTree>
@@ -15334,7 +15820,7 @@
     </p:spTree>
     <p:extLst>
       <p:ext uri="{BB962C8B-B14F-4D97-AF65-F5344CB8AC3E}">
-        <p14:creationId xmlns:p14="http://schemas.microsoft.com/office/powerpoint/2010/main" xmlns="" val="2066947068"/>
+        <p14:creationId xmlns="" xmlns:p14="http://schemas.microsoft.com/office/powerpoint/2010/main" val="2066947068"/>
       </p:ext>
     </p:extLst>
   </p:cSld>
@@ -15351,7 +15837,7 @@
 </p:sld>
 </file>
 
-<file path=ppt/slides/slide12.xml><?xml version="1.0" encoding="utf-8"?>
+<file path=ppt/slides/slide13.xml><?xml version="1.0" encoding="utf-8"?>
 <p:sld xmlns:a="http://schemas.openxmlformats.org/drawingml/2006/main" xmlns:r="http://schemas.openxmlformats.org/officeDocument/2006/relationships" xmlns:p="http://schemas.openxmlformats.org/presentationml/2006/main">
   <p:cSld>
     <p:spTree>
@@ -15569,7 +16055,7 @@
     </p:spTree>
     <p:extLst>
       <p:ext uri="{BB962C8B-B14F-4D97-AF65-F5344CB8AC3E}">
-        <p14:creationId xmlns:p14="http://schemas.microsoft.com/office/powerpoint/2010/main" xmlns="" val="700369716"/>
+        <p14:creationId xmlns="" xmlns:p14="http://schemas.microsoft.com/office/powerpoint/2010/main" val="700369716"/>
       </p:ext>
     </p:extLst>
   </p:cSld>
@@ -15587,6 +16073,89 @@
 </file>
 
 <file path=ppt/slides/slide2.xml><?xml version="1.0" encoding="utf-8"?>
+<p:sld xmlns:a="http://schemas.openxmlformats.org/drawingml/2006/main" xmlns:r="http://schemas.openxmlformats.org/officeDocument/2006/relationships" xmlns:p="http://schemas.openxmlformats.org/presentationml/2006/main">
+  <p:cSld>
+    <p:spTree>
+      <p:nvGrpSpPr>
+        <p:cNvPr id="1" name=""/>
+        <p:cNvGrpSpPr/>
+        <p:nvPr/>
+      </p:nvGrpSpPr>
+      <p:grpSpPr>
+        <a:xfrm>
+          <a:off x="0" y="0"/>
+          <a:ext cx="0" cy="0"/>
+          <a:chOff x="0" y="0"/>
+          <a:chExt cx="0" cy="0"/>
+        </a:xfrm>
+      </p:grpSpPr>
+      <p:sp>
+        <p:nvSpPr>
+          <p:cNvPr id="3" name="2 Título"/>
+          <p:cNvSpPr>
+            <a:spLocks noGrp="1"/>
+          </p:cNvSpPr>
+          <p:nvPr>
+            <p:ph type="title"/>
+          </p:nvPr>
+        </p:nvSpPr>
+        <p:spPr/>
+        <p:txBody>
+          <a:bodyPr>
+            <a:normAutofit fontScale="90000"/>
+          </a:bodyPr>
+          <a:lstStyle/>
+          <a:p>
+            <a:r>
+              <a:rPr lang="es-PE" dirty="0" smtClean="0"/>
+              <a:t>Modelo de Casos de uso del negocio</a:t>
+            </a:r>
+            <a:endParaRPr lang="es-PE" dirty="0"/>
+          </a:p>
+        </p:txBody>
+      </p:sp>
+      <p:pic>
+        <p:nvPicPr>
+          <p:cNvPr id="1026" name="Picture 2"/>
+          <p:cNvPicPr>
+            <a:picLocks noChangeAspect="1" noChangeArrowheads="1"/>
+          </p:cNvPicPr>
+          <p:nvPr/>
+        </p:nvPicPr>
+        <p:blipFill>
+          <a:blip r:embed="rId2" cstate="print"/>
+          <a:srcRect/>
+          <a:stretch>
+            <a:fillRect/>
+          </a:stretch>
+        </p:blipFill>
+        <p:spPr bwMode="auto">
+          <a:xfrm>
+            <a:off x="2555776" y="1244174"/>
+            <a:ext cx="4248472" cy="5613826"/>
+          </a:xfrm>
+          <a:prstGeom prst="rect">
+            <a:avLst/>
+          </a:prstGeom>
+          <a:noFill/>
+          <a:ln w="9525">
+            <a:noFill/>
+            <a:miter lim="800000"/>
+            <a:headEnd/>
+            <a:tailEnd/>
+          </a:ln>
+          <a:effectLst/>
+        </p:spPr>
+      </p:pic>
+    </p:spTree>
+  </p:cSld>
+  <p:clrMapOvr>
+    <a:masterClrMapping/>
+  </p:clrMapOvr>
+</p:sld>
+</file>
+
+<file path=ppt/slides/slide3.xml><?xml version="1.0" encoding="utf-8"?>
 <p:sld xmlns:a="http://schemas.openxmlformats.org/drawingml/2006/main" xmlns:r="http://schemas.openxmlformats.org/officeDocument/2006/relationships" xmlns:p="http://schemas.openxmlformats.org/presentationml/2006/main">
   <p:cSld>
     <p:spTree>
@@ -16134,7 +16703,7 @@
     </p:spTree>
     <p:extLst>
       <p:ext uri="{BB962C8B-B14F-4D97-AF65-F5344CB8AC3E}">
-        <p14:creationId xmlns:p14="http://schemas.microsoft.com/office/powerpoint/2010/main" xmlns="" val="1314591319"/>
+        <p14:creationId xmlns="" xmlns:p14="http://schemas.microsoft.com/office/powerpoint/2010/main" val="1314591319"/>
       </p:ext>
     </p:extLst>
   </p:cSld>
@@ -16151,7 +16720,7 @@
 </p:sld>
 </file>
 
-<file path=ppt/slides/slide3.xml><?xml version="1.0" encoding="utf-8"?>
+<file path=ppt/slides/slide4.xml><?xml version="1.0" encoding="utf-8"?>
 <p:sld xmlns:a="http://schemas.openxmlformats.org/drawingml/2006/main" xmlns:r="http://schemas.openxmlformats.org/officeDocument/2006/relationships" xmlns:p="http://schemas.openxmlformats.org/presentationml/2006/main">
   <p:cSld>
     <p:spTree>
@@ -16787,7 +17356,7 @@
     </p:spTree>
     <p:extLst>
       <p:ext uri="{BB962C8B-B14F-4D97-AF65-F5344CB8AC3E}">
-        <p14:creationId xmlns:p14="http://schemas.microsoft.com/office/powerpoint/2010/main" xmlns="" val="1314591319"/>
+        <p14:creationId xmlns="" xmlns:p14="http://schemas.microsoft.com/office/powerpoint/2010/main" val="1314591319"/>
       </p:ext>
     </p:extLst>
   </p:cSld>
@@ -16804,7 +17373,7 @@
 </p:sld>
 </file>
 
-<file path=ppt/slides/slide4.xml><?xml version="1.0" encoding="utf-8"?>
+<file path=ppt/slides/slide5.xml><?xml version="1.0" encoding="utf-8"?>
 <p:sld xmlns:a="http://schemas.openxmlformats.org/drawingml/2006/main" xmlns:r="http://schemas.openxmlformats.org/officeDocument/2006/relationships" xmlns:p="http://schemas.openxmlformats.org/presentationml/2006/main">
   <p:cSld>
     <p:spTree>
@@ -17001,7 +17570,7 @@
     </p:spTree>
     <p:extLst>
       <p:ext uri="{BB962C8B-B14F-4D97-AF65-F5344CB8AC3E}">
-        <p14:creationId xmlns:p14="http://schemas.microsoft.com/office/powerpoint/2010/main" xmlns="" val="1314591319"/>
+        <p14:creationId xmlns="" xmlns:p14="http://schemas.microsoft.com/office/powerpoint/2010/main" val="1314591319"/>
       </p:ext>
     </p:extLst>
   </p:cSld>
@@ -17018,7 +17587,7 @@
 </p:sld>
 </file>
 
-<file path=ppt/slides/slide5.xml><?xml version="1.0" encoding="utf-8"?>
+<file path=ppt/slides/slide6.xml><?xml version="1.0" encoding="utf-8"?>
 <p:sld xmlns:a="http://schemas.openxmlformats.org/drawingml/2006/main" xmlns:r="http://schemas.openxmlformats.org/officeDocument/2006/relationships" xmlns:p="http://schemas.openxmlformats.org/presentationml/2006/main">
   <p:cSld>
     <p:spTree>
@@ -17182,23 +17751,21 @@
       </p:pic>
       <p:pic>
         <p:nvPicPr>
-          <p:cNvPr id="4099" name="Picture 3"/>
-          <p:cNvPicPr>
-            <a:picLocks noChangeAspect="1" noChangeArrowheads="1"/>
-          </p:cNvPicPr>
+          <p:cNvPr id="7" name="6 Imagen" descr="http://www.cdti.es/recursos/img/Servicios/Red_PIDi/Tutorial_BMP/Incentivos_N1/9323_1311312010115741.JPG"/>
+          <p:cNvPicPr/>
           <p:nvPr/>
         </p:nvPicPr>
         <p:blipFill>
           <a:blip r:embed="rId3" cstate="print"/>
-          <a:srcRect/>
+          <a:srcRect t="8000"/>
           <a:stretch>
             <a:fillRect/>
           </a:stretch>
         </p:blipFill>
         <p:spPr bwMode="auto">
           <a:xfrm>
-            <a:off x="2876377" y="3068960"/>
-            <a:ext cx="5944095" cy="2808312"/>
+            <a:off x="3995936" y="3212976"/>
+            <a:ext cx="2880320" cy="2880320"/>
           </a:xfrm>
           <a:prstGeom prst="rect">
             <a:avLst/>
@@ -17215,7 +17782,7 @@
     </p:spTree>
     <p:extLst>
       <p:ext uri="{BB962C8B-B14F-4D97-AF65-F5344CB8AC3E}">
-        <p14:creationId xmlns:p14="http://schemas.microsoft.com/office/powerpoint/2010/main" xmlns="" val="1314591319"/>
+        <p14:creationId xmlns="" xmlns:p14="http://schemas.microsoft.com/office/powerpoint/2010/main" val="1314591319"/>
       </p:ext>
     </p:extLst>
   </p:cSld>
@@ -17232,7 +17799,7 @@
 </p:sld>
 </file>
 
-<file path=ppt/slides/slide6.xml><?xml version="1.0" encoding="utf-8"?>
+<file path=ppt/slides/slide7.xml><?xml version="1.0" encoding="utf-8"?>
 <p:sld xmlns:a="http://schemas.openxmlformats.org/drawingml/2006/main" xmlns:r="http://schemas.openxmlformats.org/officeDocument/2006/relationships" xmlns:p="http://schemas.openxmlformats.org/presentationml/2006/main">
   <p:cSld>
     <p:spTree>
@@ -17663,7 +18230,7 @@
     </p:spTree>
     <p:extLst>
       <p:ext uri="{BB962C8B-B14F-4D97-AF65-F5344CB8AC3E}">
-        <p14:creationId xmlns:p14="http://schemas.microsoft.com/office/powerpoint/2010/main" xmlns="" val="1314591319"/>
+        <p14:creationId xmlns="" xmlns:p14="http://schemas.microsoft.com/office/powerpoint/2010/main" val="1314591319"/>
       </p:ext>
     </p:extLst>
   </p:cSld>
@@ -17680,7 +18247,7 @@
 </p:sld>
 </file>
 
-<file path=ppt/slides/slide7.xml><?xml version="1.0" encoding="utf-8"?>
+<file path=ppt/slides/slide8.xml><?xml version="1.0" encoding="utf-8"?>
 <p:sld xmlns:a="http://schemas.openxmlformats.org/drawingml/2006/main" xmlns:r="http://schemas.openxmlformats.org/officeDocument/2006/relationships" xmlns:p="http://schemas.openxmlformats.org/presentationml/2006/main">
   <p:cSld>
     <p:spTree>
@@ -17810,6 +18377,48 @@
                       </a:endParaRPr>
                     </a:p>
                     <a:p>
+                      <a:endParaRPr lang="es-ES" dirty="0" smtClean="0"/>
+                    </a:p>
+                    <a:p>
+                      <a:endParaRPr lang="es-ES" dirty="0" smtClean="0"/>
+                    </a:p>
+                    <a:p>
+                      <a:endParaRPr lang="es-ES" dirty="0" smtClean="0"/>
+                    </a:p>
+                    <a:p>
+                      <a:endParaRPr lang="es-ES" dirty="0" smtClean="0"/>
+                    </a:p>
+                    <a:p>
+                      <a:pPr marL="0" marR="0" indent="0" algn="l" defTabSz="914400" rtl="0" eaLnBrk="1" fontAlgn="auto" latinLnBrk="0" hangingPunct="1">
+                        <a:lnSpc>
+                          <a:spcPct val="100000"/>
+                        </a:lnSpc>
+                        <a:spcBef>
+                          <a:spcPts val="0"/>
+                        </a:spcBef>
+                        <a:spcAft>
+                          <a:spcPts val="0"/>
+                        </a:spcAft>
+                        <a:buClrTx/>
+                        <a:buSzTx/>
+                        <a:buFontTx/>
+                        <a:buNone/>
+                        <a:tabLst/>
+                        <a:defRPr/>
+                      </a:pPr>
+                      <a:r>
+                        <a:rPr lang="es-PE" sz="1800" b="1" kern="1200" smtClean="0">
+                          <a:solidFill>
+                            <a:schemeClr val="tx1"/>
+                          </a:solidFill>
+                          <a:latin typeface="+mn-lt"/>
+                          <a:ea typeface="+mn-ea"/>
+                          <a:cs typeface="+mn-cs"/>
+                        </a:rPr>
+                        <a:t>Total = Gastos Recursos + Gastos de equipos+ IGV</a:t>
+                      </a:r>
+                    </a:p>
+                    <a:p>
                       <a:endParaRPr lang="es-ES" dirty="0"/>
                     </a:p>
                   </a:txBody>
@@ -17852,42 +18461,10 @@
           </a:ln>
         </p:spPr>
       </p:pic>
-      <p:pic>
-        <p:nvPicPr>
-          <p:cNvPr id="6147" name="Picture 3"/>
-          <p:cNvPicPr>
-            <a:picLocks noChangeAspect="1" noChangeArrowheads="1"/>
-          </p:cNvPicPr>
-          <p:nvPr/>
-        </p:nvPicPr>
-        <p:blipFill>
-          <a:blip r:embed="rId3" cstate="print"/>
-          <a:srcRect/>
-          <a:stretch>
-            <a:fillRect/>
-          </a:stretch>
-        </p:blipFill>
-        <p:spPr bwMode="auto">
-          <a:xfrm>
-            <a:off x="2814905" y="2852936"/>
-            <a:ext cx="4637415" cy="3384376"/>
-          </a:xfrm>
-          <a:prstGeom prst="rect">
-            <a:avLst/>
-          </a:prstGeom>
-          <a:noFill/>
-          <a:ln w="9525">
-            <a:noFill/>
-            <a:miter lim="800000"/>
-            <a:headEnd/>
-            <a:tailEnd/>
-          </a:ln>
-        </p:spPr>
-      </p:pic>
     </p:spTree>
     <p:extLst>
       <p:ext uri="{BB962C8B-B14F-4D97-AF65-F5344CB8AC3E}">
-        <p14:creationId xmlns:p14="http://schemas.microsoft.com/office/powerpoint/2010/main" xmlns="" val="1314591319"/>
+        <p14:creationId xmlns="" xmlns:p14="http://schemas.microsoft.com/office/powerpoint/2010/main" val="1314591319"/>
       </p:ext>
     </p:extLst>
   </p:cSld>
@@ -17904,7 +18481,7 @@
 </p:sld>
 </file>
 
-<file path=ppt/slides/slide8.xml><?xml version="1.0" encoding="utf-8"?>
+<file path=ppt/slides/slide9.xml><?xml version="1.0" encoding="utf-8"?>
 <p:sld xmlns:a="http://schemas.openxmlformats.org/drawingml/2006/main" xmlns:r="http://schemas.openxmlformats.org/officeDocument/2006/relationships" xmlns:p="http://schemas.openxmlformats.org/presentationml/2006/main">
   <p:cSld>
     <p:spTree>
@@ -18335,492 +18912,7 @@
     </p:spTree>
     <p:extLst>
       <p:ext uri="{BB962C8B-B14F-4D97-AF65-F5344CB8AC3E}">
-        <p14:creationId xmlns:p14="http://schemas.microsoft.com/office/powerpoint/2010/main" xmlns="" val="1314591319"/>
-      </p:ext>
-    </p:extLst>
-  </p:cSld>
-  <p:clrMapOvr>
-    <a:masterClrMapping/>
-  </p:clrMapOvr>
-  <p:timing>
-    <p:tnLst>
-      <p:par>
-        <p:cTn id="1" dur="indefinite" restart="never" nodeType="tmRoot"/>
-      </p:par>
-    </p:tnLst>
-  </p:timing>
-</p:sld>
-</file>
-
-<file path=ppt/slides/slide9.xml><?xml version="1.0" encoding="utf-8"?>
-<p:sld xmlns:a="http://schemas.openxmlformats.org/drawingml/2006/main" xmlns:r="http://schemas.openxmlformats.org/officeDocument/2006/relationships" xmlns:p="http://schemas.openxmlformats.org/presentationml/2006/main">
-  <p:cSld>
-    <p:spTree>
-      <p:nvGrpSpPr>
-        <p:cNvPr id="1" name=""/>
-        <p:cNvGrpSpPr/>
-        <p:nvPr/>
-      </p:nvGrpSpPr>
-      <p:grpSpPr>
-        <a:xfrm>
-          <a:off x="0" y="0"/>
-          <a:ext cx="0" cy="0"/>
-          <a:chOff x="0" y="0"/>
-          <a:chExt cx="0" cy="0"/>
-        </a:xfrm>
-      </p:grpSpPr>
-      <p:sp>
-        <p:nvSpPr>
-          <p:cNvPr id="3" name="2 Título"/>
-          <p:cNvSpPr>
-            <a:spLocks noGrp="1"/>
-          </p:cNvSpPr>
-          <p:nvPr>
-            <p:ph type="title"/>
-          </p:nvPr>
-        </p:nvSpPr>
-        <p:spPr/>
-        <p:txBody>
-          <a:bodyPr>
-            <a:normAutofit fontScale="90000"/>
-          </a:bodyPr>
-          <a:lstStyle/>
-          <a:p>
-            <a:r>
-              <a:rPr lang="es-PE" dirty="0"/>
-              <a:t>ESPECIFICACION </a:t>
-            </a:r>
-            <a:r>
-              <a:rPr lang="es-PE" dirty="0" smtClean="0"/>
-              <a:t>DE </a:t>
-            </a:r>
-            <a:r>
-              <a:rPr lang="es-PE" dirty="0"/>
-              <a:t>REGLAS DE </a:t>
-            </a:r>
-            <a:r>
-              <a:rPr lang="es-PE" dirty="0" smtClean="0"/>
-              <a:t>NEGOCIO (cont..)</a:t>
-            </a:r>
-            <a:endParaRPr lang="es-PE" dirty="0"/>
-          </a:p>
-        </p:txBody>
-      </p:sp>
-      <p:graphicFrame>
-        <p:nvGraphicFramePr>
-          <p:cNvPr id="6" name="5 Tabla"/>
-          <p:cNvGraphicFramePr>
-            <a:graphicFrameLocks noGrp="1"/>
-          </p:cNvGraphicFramePr>
-          <p:nvPr/>
-        </p:nvGraphicFramePr>
-        <p:xfrm>
-          <a:off x="323528" y="2348881"/>
-          <a:ext cx="8568952" cy="4295292"/>
-        </p:xfrm>
-        <a:graphic>
-          <a:graphicData uri="http://schemas.openxmlformats.org/drawingml/2006/table">
-            <a:tbl>
-              <a:tblPr firstRow="1" bandRow="1">
-                <a:tableStyleId>{BC89EF96-8CEA-46FF-86C4-4CE0E7609802}</a:tableStyleId>
-              </a:tblPr>
-              <a:tblGrid>
-                <a:gridCol w="2427870"/>
-                <a:gridCol w="6141082"/>
-              </a:tblGrid>
-              <a:tr h="1121079">
-                <a:tc>
-                  <a:txBody>
-                    <a:bodyPr/>
-                    <a:lstStyle/>
-                    <a:p>
-                      <a:endParaRPr lang="es-ES" dirty="0"/>
-                    </a:p>
-                  </a:txBody>
-                  <a:tcPr/>
-                </a:tc>
-                <a:tc>
-                  <a:txBody>
-                    <a:bodyPr/>
-                    <a:lstStyle/>
-                    <a:p>
-                      <a:pPr marL="0" marR="0" indent="0" algn="just" defTabSz="914400" rtl="0" eaLnBrk="1" fontAlgn="auto" latinLnBrk="0" hangingPunct="1">
-                        <a:lnSpc>
-                          <a:spcPct val="100000"/>
-                        </a:lnSpc>
-                        <a:spcBef>
-                          <a:spcPts val="0"/>
-                        </a:spcBef>
-                        <a:spcAft>
-                          <a:spcPts val="0"/>
-                        </a:spcAft>
-                        <a:buClrTx/>
-                        <a:buSzTx/>
-                        <a:buFontTx/>
-                        <a:buNone/>
-                        <a:tabLst/>
-                        <a:defRPr/>
-                      </a:pPr>
-                      <a:r>
-                        <a:rPr lang="es-PE" sz="1800" b="0" kern="1200" dirty="0" smtClean="0">
-                          <a:solidFill>
-                            <a:schemeClr val="tx1"/>
-                          </a:solidFill>
-                          <a:latin typeface="+mn-lt"/>
-                          <a:ea typeface="+mn-ea"/>
-                          <a:cs typeface="+mn-cs"/>
-                        </a:rPr>
-                        <a:t>Según el tipo de contrato se determinarán comisiones evaluadoras para el cierre del contrato.</a:t>
-                      </a:r>
-                      <a:endParaRPr lang="es-ES" sz="1800" b="0" kern="1200" dirty="0" smtClean="0">
-                        <a:solidFill>
-                          <a:schemeClr val="tx1"/>
-                        </a:solidFill>
-                        <a:latin typeface="+mn-lt"/>
-                        <a:ea typeface="+mn-ea"/>
-                        <a:cs typeface="+mn-cs"/>
-                      </a:endParaRPr>
-                    </a:p>
-                  </a:txBody>
-                  <a:tcPr/>
-                </a:tc>
-              </a:tr>
-              <a:tr h="1690540">
-                <a:tc>
-                  <a:txBody>
-                    <a:bodyPr/>
-                    <a:lstStyle/>
-                    <a:p>
-                      <a:endParaRPr lang="es-ES" dirty="0"/>
-                    </a:p>
-                  </a:txBody>
-                  <a:tcPr/>
-                </a:tc>
-                <a:tc>
-                  <a:txBody>
-                    <a:bodyPr/>
-                    <a:lstStyle/>
-                    <a:p>
-                      <a:pPr algn="just"/>
-                      <a:r>
-                        <a:rPr lang="es-PE" sz="1800" kern="1200" dirty="0" smtClean="0">
-                          <a:solidFill>
-                            <a:schemeClr val="tx1"/>
-                          </a:solidFill>
-                          <a:latin typeface="+mn-lt"/>
-                          <a:ea typeface="+mn-ea"/>
-                          <a:cs typeface="+mn-cs"/>
-                        </a:rPr>
-                        <a:t>Se definen los siguientes Tipos de Contrato:</a:t>
-                      </a:r>
-                    </a:p>
-                    <a:p>
-                      <a:pPr algn="just"/>
-                      <a:endParaRPr lang="es-ES" sz="1800" kern="1200" dirty="0" smtClean="0">
-                        <a:solidFill>
-                          <a:schemeClr val="tx1"/>
-                        </a:solidFill>
-                        <a:latin typeface="+mn-lt"/>
-                        <a:ea typeface="+mn-ea"/>
-                        <a:cs typeface="+mn-cs"/>
-                      </a:endParaRPr>
-                    </a:p>
-                    <a:p>
-                      <a:pPr algn="just"/>
-                      <a:r>
-                        <a:rPr lang="es-PE" sz="1800" kern="1200" dirty="0" smtClean="0">
-                          <a:solidFill>
-                            <a:schemeClr val="tx1"/>
-                          </a:solidFill>
-                          <a:latin typeface="+mn-lt"/>
-                          <a:ea typeface="+mn-ea"/>
-                          <a:cs typeface="+mn-cs"/>
-                        </a:rPr>
-                        <a:t>Prestación de servicio sin suministro de repuestos, prestación de servicio con suministro de repuestos, servicio prestado, mantenimiento integral, mantenimiento preventivo, mantenimiento correctivo y </a:t>
-                      </a:r>
-                      <a:r>
-                        <a:rPr lang="es-PE" sz="1800" kern="1200" dirty="0" err="1" smtClean="0">
-                          <a:solidFill>
-                            <a:schemeClr val="tx1"/>
-                          </a:solidFill>
-                          <a:latin typeface="+mn-lt"/>
-                          <a:ea typeface="+mn-ea"/>
-                          <a:cs typeface="+mn-cs"/>
-                        </a:rPr>
-                        <a:t>outsourcing</a:t>
-                      </a:r>
-                      <a:r>
-                        <a:rPr lang="es-PE" sz="1800" kern="1200" dirty="0" smtClean="0">
-                          <a:solidFill>
-                            <a:schemeClr val="tx1"/>
-                          </a:solidFill>
-                          <a:latin typeface="+mn-lt"/>
-                          <a:ea typeface="+mn-ea"/>
-                          <a:cs typeface="+mn-cs"/>
-                        </a:rPr>
-                        <a:t>.</a:t>
-                      </a:r>
-                      <a:endParaRPr lang="es-ES" sz="1800" b="0" kern="1200" dirty="0" smtClean="0">
-                        <a:solidFill>
-                          <a:schemeClr val="tx1"/>
-                        </a:solidFill>
-                        <a:latin typeface="+mn-lt"/>
-                        <a:ea typeface="+mn-ea"/>
-                        <a:cs typeface="+mn-cs"/>
-                      </a:endParaRPr>
-                    </a:p>
-                  </a:txBody>
-                  <a:tcPr/>
-                </a:tc>
-              </a:tr>
-              <a:tr h="1436853">
-                <a:tc>
-                  <a:txBody>
-                    <a:bodyPr/>
-                    <a:lstStyle/>
-                    <a:p>
-                      <a:endParaRPr lang="es-ES" dirty="0"/>
-                    </a:p>
-                  </a:txBody>
-                  <a:tcPr/>
-                </a:tc>
-                <a:tc>
-                  <a:txBody>
-                    <a:bodyPr/>
-                    <a:lstStyle/>
-                    <a:p>
-                      <a:pPr marL="0" marR="0" indent="0" algn="just" defTabSz="914400" rtl="0" eaLnBrk="1" fontAlgn="auto" latinLnBrk="0" hangingPunct="1">
-                        <a:lnSpc>
-                          <a:spcPct val="100000"/>
-                        </a:lnSpc>
-                        <a:spcBef>
-                          <a:spcPts val="0"/>
-                        </a:spcBef>
-                        <a:spcAft>
-                          <a:spcPts val="0"/>
-                        </a:spcAft>
-                        <a:buClrTx/>
-                        <a:buSzTx/>
-                        <a:buFontTx/>
-                        <a:buNone/>
-                        <a:tabLst/>
-                        <a:defRPr/>
-                      </a:pPr>
-                      <a:endParaRPr lang="es-PE" sz="1800" kern="1200" dirty="0" smtClean="0">
-                        <a:solidFill>
-                          <a:schemeClr val="tx1"/>
-                        </a:solidFill>
-                        <a:latin typeface="+mn-lt"/>
-                        <a:ea typeface="+mn-ea"/>
-                        <a:cs typeface="+mn-cs"/>
-                      </a:endParaRPr>
-                    </a:p>
-                    <a:p>
-                      <a:pPr marL="0" marR="0" indent="0" algn="just" defTabSz="914400" rtl="0" eaLnBrk="1" fontAlgn="auto" latinLnBrk="0" hangingPunct="1">
-                        <a:lnSpc>
-                          <a:spcPct val="100000"/>
-                        </a:lnSpc>
-                        <a:spcBef>
-                          <a:spcPts val="0"/>
-                        </a:spcBef>
-                        <a:spcAft>
-                          <a:spcPts val="0"/>
-                        </a:spcAft>
-                        <a:buClrTx/>
-                        <a:buSzTx/>
-                        <a:buFontTx/>
-                        <a:buNone/>
-                        <a:tabLst/>
-                        <a:defRPr/>
-                      </a:pPr>
-                      <a:r>
-                        <a:rPr lang="es-PE" sz="1800" kern="1200" dirty="0" smtClean="0">
-                          <a:solidFill>
-                            <a:schemeClr val="tx1"/>
-                          </a:solidFill>
-                          <a:latin typeface="+mn-lt"/>
-                          <a:ea typeface="+mn-ea"/>
-                          <a:cs typeface="+mn-cs"/>
-                        </a:rPr>
-                        <a:t>Los Tipos de penalidades son los siguientes: </a:t>
-                      </a:r>
-                    </a:p>
-                    <a:p>
-                      <a:pPr marL="0" marR="0" indent="0" algn="just" defTabSz="914400" rtl="0" eaLnBrk="1" fontAlgn="auto" latinLnBrk="0" hangingPunct="1">
-                        <a:lnSpc>
-                          <a:spcPct val="100000"/>
-                        </a:lnSpc>
-                        <a:spcBef>
-                          <a:spcPts val="0"/>
-                        </a:spcBef>
-                        <a:spcAft>
-                          <a:spcPts val="0"/>
-                        </a:spcAft>
-                        <a:buClrTx/>
-                        <a:buSzTx/>
-                        <a:buFontTx/>
-                        <a:buNone/>
-                        <a:tabLst/>
-                        <a:defRPr/>
-                      </a:pPr>
-                      <a:r>
-                        <a:rPr lang="es-PE" sz="1800" kern="1200" dirty="0" smtClean="0">
-                          <a:solidFill>
-                            <a:schemeClr val="tx1"/>
-                          </a:solidFill>
-                          <a:latin typeface="+mn-lt"/>
-                          <a:ea typeface="+mn-ea"/>
-                          <a:cs typeface="+mn-cs"/>
-                        </a:rPr>
-                        <a:t>incumplimiento, deficiencia y confidencialidad.  </a:t>
-                      </a:r>
-                    </a:p>
-                    <a:p>
-                      <a:pPr marL="0" marR="0" indent="0" algn="just" defTabSz="914400" rtl="0" eaLnBrk="1" fontAlgn="auto" latinLnBrk="0" hangingPunct="1">
-                        <a:lnSpc>
-                          <a:spcPct val="100000"/>
-                        </a:lnSpc>
-                        <a:spcBef>
-                          <a:spcPts val="0"/>
-                        </a:spcBef>
-                        <a:spcAft>
-                          <a:spcPts val="0"/>
-                        </a:spcAft>
-                        <a:buClrTx/>
-                        <a:buSzTx/>
-                        <a:buFontTx/>
-                        <a:buNone/>
-                        <a:tabLst/>
-                        <a:defRPr/>
-                      </a:pPr>
-                      <a:r>
-                        <a:rPr lang="es-PE" sz="1800" kern="1200" dirty="0" smtClean="0">
-                          <a:solidFill>
-                            <a:schemeClr val="tx1"/>
-                          </a:solidFill>
-                          <a:latin typeface="+mn-lt"/>
-                          <a:ea typeface="+mn-ea"/>
-                          <a:cs typeface="+mn-cs"/>
-                        </a:rPr>
-                        <a:t>Las penalidades se determinarán según el tipo de contrato</a:t>
-                      </a:r>
-                      <a:endParaRPr lang="es-ES" sz="1800" b="0" kern="1200" dirty="0" smtClean="0">
-                        <a:solidFill>
-                          <a:schemeClr val="tx1"/>
-                        </a:solidFill>
-                        <a:latin typeface="+mn-lt"/>
-                        <a:ea typeface="+mn-ea"/>
-                        <a:cs typeface="+mn-cs"/>
-                      </a:endParaRPr>
-                    </a:p>
-                  </a:txBody>
-                  <a:tcPr/>
-                </a:tc>
-              </a:tr>
-            </a:tbl>
-          </a:graphicData>
-        </a:graphic>
-      </p:graphicFrame>
-      <p:pic>
-        <p:nvPicPr>
-          <p:cNvPr id="8194" name="Picture 2"/>
-          <p:cNvPicPr>
-            <a:picLocks noChangeAspect="1" noChangeArrowheads="1"/>
-          </p:cNvPicPr>
-          <p:nvPr/>
-        </p:nvPicPr>
-        <p:blipFill>
-          <a:blip r:embed="rId2" cstate="print"/>
-          <a:srcRect/>
-          <a:stretch>
-            <a:fillRect/>
-          </a:stretch>
-        </p:blipFill>
-        <p:spPr bwMode="auto">
-          <a:xfrm>
-            <a:off x="683568" y="2495550"/>
-            <a:ext cx="1714500" cy="933450"/>
-          </a:xfrm>
-          <a:prstGeom prst="rect">
-            <a:avLst/>
-          </a:prstGeom>
-          <a:noFill/>
-          <a:ln w="9525">
-            <a:noFill/>
-            <a:miter lim="800000"/>
-            <a:headEnd/>
-            <a:tailEnd/>
-          </a:ln>
-        </p:spPr>
-      </p:pic>
-      <p:pic>
-        <p:nvPicPr>
-          <p:cNvPr id="8195" name="Picture 3"/>
-          <p:cNvPicPr>
-            <a:picLocks noChangeAspect="1" noChangeArrowheads="1"/>
-          </p:cNvPicPr>
-          <p:nvPr/>
-        </p:nvPicPr>
-        <p:blipFill>
-          <a:blip r:embed="rId3" cstate="print"/>
-          <a:srcRect/>
-          <a:stretch>
-            <a:fillRect/>
-          </a:stretch>
-        </p:blipFill>
-        <p:spPr bwMode="auto">
-          <a:xfrm>
-            <a:off x="827584" y="3916660"/>
-            <a:ext cx="1409700" cy="952500"/>
-          </a:xfrm>
-          <a:prstGeom prst="rect">
-            <a:avLst/>
-          </a:prstGeom>
-          <a:noFill/>
-          <a:ln w="9525">
-            <a:noFill/>
-            <a:miter lim="800000"/>
-            <a:headEnd/>
-            <a:tailEnd/>
-          </a:ln>
-        </p:spPr>
-      </p:pic>
-      <p:pic>
-        <p:nvPicPr>
-          <p:cNvPr id="8196" name="Picture 4"/>
-          <p:cNvPicPr>
-            <a:picLocks noChangeAspect="1" noChangeArrowheads="1"/>
-          </p:cNvPicPr>
-          <p:nvPr/>
-        </p:nvPicPr>
-        <p:blipFill>
-          <a:blip r:embed="rId4" cstate="print"/>
-          <a:srcRect/>
-          <a:stretch>
-            <a:fillRect/>
-          </a:stretch>
-        </p:blipFill>
-        <p:spPr bwMode="auto">
-          <a:xfrm>
-            <a:off x="755576" y="5445224"/>
-            <a:ext cx="1476375" cy="933450"/>
-          </a:xfrm>
-          <a:prstGeom prst="rect">
-            <a:avLst/>
-          </a:prstGeom>
-          <a:noFill/>
-          <a:ln w="9525">
-            <a:noFill/>
-            <a:miter lim="800000"/>
-            <a:headEnd/>
-            <a:tailEnd/>
-          </a:ln>
-        </p:spPr>
-      </p:pic>
-    </p:spTree>
-    <p:extLst>
-      <p:ext uri="{BB962C8B-B14F-4D97-AF65-F5344CB8AC3E}">
-        <p14:creationId xmlns:p14="http://schemas.microsoft.com/office/powerpoint/2010/main" xmlns="" val="1314591319"/>
+        <p14:creationId xmlns="" xmlns:p14="http://schemas.microsoft.com/office/powerpoint/2010/main" val="1314591319"/>
       </p:ext>
     </p:extLst>
   </p:cSld>

--- a/trunk/ tsp01-contratos-clientes/ITERACCION01/SI01/PRESENTACIONES/PPT SI01 MCUN.pptx
+++ b/trunk/ tsp01-contratos-clientes/ITERACCION01/SI01/PRESENTACIONES/PPT SI01 MCUN.pptx
@@ -6,18 +6,21 @@
   </p:sldMasterIdLst>
   <p:sldIdLst>
     <p:sldId id="256" r:id="rId2"/>
-    <p:sldId id="269" r:id="rId3"/>
-    <p:sldId id="258" r:id="rId4"/>
-    <p:sldId id="261" r:id="rId5"/>
-    <p:sldId id="262" r:id="rId6"/>
-    <p:sldId id="265" r:id="rId7"/>
-    <p:sldId id="263" r:id="rId8"/>
-    <p:sldId id="264" r:id="rId9"/>
-    <p:sldId id="266" r:id="rId10"/>
-    <p:sldId id="267" r:id="rId11"/>
-    <p:sldId id="268" r:id="rId12"/>
-    <p:sldId id="259" r:id="rId13"/>
-    <p:sldId id="260" r:id="rId14"/>
+    <p:sldId id="270" r:id="rId3"/>
+    <p:sldId id="271" r:id="rId4"/>
+    <p:sldId id="272" r:id="rId5"/>
+    <p:sldId id="269" r:id="rId6"/>
+    <p:sldId id="258" r:id="rId7"/>
+    <p:sldId id="261" r:id="rId8"/>
+    <p:sldId id="262" r:id="rId9"/>
+    <p:sldId id="265" r:id="rId10"/>
+    <p:sldId id="263" r:id="rId11"/>
+    <p:sldId id="264" r:id="rId12"/>
+    <p:sldId id="266" r:id="rId13"/>
+    <p:sldId id="267" r:id="rId14"/>
+    <p:sldId id="268" r:id="rId15"/>
+    <p:sldId id="259" r:id="rId16"/>
+    <p:sldId id="260" r:id="rId17"/>
   </p:sldIdLst>
   <p:sldSz cx="9144000" cy="6858000" type="screen4x3"/>
   <p:notesSz cx="6858000" cy="9144000"/>
@@ -14757,7 +14760,7 @@
     </p:spTree>
     <p:extLst>
       <p:ext uri="{BB962C8B-B14F-4D97-AF65-F5344CB8AC3E}">
-        <p14:creationId xmlns="" xmlns:p14="http://schemas.microsoft.com/office/powerpoint/2010/main" val="3004352296"/>
+        <p14:creationId xmlns:p14="http://schemas.microsoft.com/office/powerpoint/2010/main" xmlns="" val="3004352296"/>
       </p:ext>
     </p:extLst>
   </p:cSld>
@@ -14837,8 +14840,8 @@
           <p:nvPr/>
         </p:nvGraphicFramePr>
         <p:xfrm>
-          <a:off x="323528" y="2348881"/>
-          <a:ext cx="8568952" cy="4295292"/>
+          <a:off x="323528" y="2348880"/>
+          <a:ext cx="8568952" cy="4176464"/>
         </p:xfrm>
         <a:graphic>
           <a:graphicData uri="http://schemas.openxmlformats.org/drawingml/2006/table">
@@ -14850,7 +14853,907 @@
                 <a:gridCol w="2427870"/>
                 <a:gridCol w="6141082"/>
               </a:tblGrid>
-              <a:tr h="1121079">
+              <a:tr h="1290461">
+                <a:tc>
+                  <a:txBody>
+                    <a:bodyPr/>
+                    <a:lstStyle/>
+                    <a:p>
+                      <a:endParaRPr lang="es-ES" dirty="0"/>
+                    </a:p>
+                  </a:txBody>
+                  <a:tcPr/>
+                </a:tc>
+                <a:tc>
+                  <a:txBody>
+                    <a:bodyPr/>
+                    <a:lstStyle/>
+                    <a:p>
+                      <a:pPr marL="0" marR="0" indent="0" algn="just" defTabSz="914400" rtl="0" eaLnBrk="1" fontAlgn="auto" latinLnBrk="0" hangingPunct="1">
+                        <a:lnSpc>
+                          <a:spcPct val="100000"/>
+                        </a:lnSpc>
+                        <a:spcBef>
+                          <a:spcPts val="0"/>
+                        </a:spcBef>
+                        <a:spcAft>
+                          <a:spcPts val="0"/>
+                        </a:spcAft>
+                        <a:buClrTx/>
+                        <a:buSzTx/>
+                        <a:buFontTx/>
+                        <a:buNone/>
+                        <a:tabLst/>
+                        <a:defRPr/>
+                      </a:pPr>
+                      <a:endParaRPr lang="es-PE" sz="1800" b="0" kern="1200" dirty="0" smtClean="0">
+                        <a:solidFill>
+                          <a:schemeClr val="tx1"/>
+                        </a:solidFill>
+                        <a:latin typeface="+mn-lt"/>
+                        <a:ea typeface="+mn-ea"/>
+                        <a:cs typeface="+mn-cs"/>
+                      </a:endParaRPr>
+                    </a:p>
+                    <a:p>
+                      <a:pPr marL="0" marR="0" indent="0" algn="just" defTabSz="914400" rtl="0" eaLnBrk="1" fontAlgn="auto" latinLnBrk="0" hangingPunct="1">
+                        <a:lnSpc>
+                          <a:spcPct val="100000"/>
+                        </a:lnSpc>
+                        <a:spcBef>
+                          <a:spcPts val="0"/>
+                        </a:spcBef>
+                        <a:spcAft>
+                          <a:spcPts val="0"/>
+                        </a:spcAft>
+                        <a:buClrTx/>
+                        <a:buSzTx/>
+                        <a:buFontTx/>
+                        <a:buNone/>
+                        <a:tabLst/>
+                        <a:defRPr/>
+                      </a:pPr>
+                      <a:r>
+                        <a:rPr lang="es-PE" sz="1800" b="0" kern="1200" dirty="0" smtClean="0">
+                          <a:solidFill>
+                            <a:schemeClr val="tx1"/>
+                          </a:solidFill>
+                          <a:latin typeface="+mn-lt"/>
+                          <a:ea typeface="+mn-ea"/>
+                          <a:cs typeface="+mn-cs"/>
+                        </a:rPr>
+                        <a:t>La frecuencia de Seguimientos individuales a los Clientes se deben realizar de manera mensual.</a:t>
+                      </a:r>
+                      <a:endParaRPr lang="es-ES" sz="1800" b="0" kern="1200" dirty="0" smtClean="0">
+                        <a:solidFill>
+                          <a:schemeClr val="tx1"/>
+                        </a:solidFill>
+                        <a:latin typeface="+mn-lt"/>
+                        <a:ea typeface="+mn-ea"/>
+                        <a:cs typeface="+mn-cs"/>
+                      </a:endParaRPr>
+                    </a:p>
+                  </a:txBody>
+                  <a:tcPr/>
+                </a:tc>
+              </a:tr>
+              <a:tr h="1409356">
+                <a:tc>
+                  <a:txBody>
+                    <a:bodyPr/>
+                    <a:lstStyle/>
+                    <a:p>
+                      <a:endParaRPr lang="es-ES" dirty="0"/>
+                    </a:p>
+                  </a:txBody>
+                  <a:tcPr/>
+                </a:tc>
+                <a:tc>
+                  <a:txBody>
+                    <a:bodyPr/>
+                    <a:lstStyle/>
+                    <a:p>
+                      <a:pPr marL="0" marR="0" indent="0" algn="just" defTabSz="914400" rtl="0" eaLnBrk="1" fontAlgn="auto" latinLnBrk="0" hangingPunct="1">
+                        <a:lnSpc>
+                          <a:spcPct val="100000"/>
+                        </a:lnSpc>
+                        <a:spcBef>
+                          <a:spcPts val="0"/>
+                        </a:spcBef>
+                        <a:spcAft>
+                          <a:spcPts val="0"/>
+                        </a:spcAft>
+                        <a:buClrTx/>
+                        <a:buSzTx/>
+                        <a:buFontTx/>
+                        <a:buNone/>
+                        <a:tabLst/>
+                        <a:defRPr/>
+                      </a:pPr>
+                      <a:endParaRPr lang="es-PE" sz="1800" b="0" kern="1200" dirty="0" smtClean="0">
+                        <a:solidFill>
+                          <a:schemeClr val="tx1"/>
+                        </a:solidFill>
+                        <a:latin typeface="+mn-lt"/>
+                        <a:ea typeface="+mn-ea"/>
+                        <a:cs typeface="+mn-cs"/>
+                      </a:endParaRPr>
+                    </a:p>
+                    <a:p>
+                      <a:pPr marL="0" marR="0" indent="0" algn="just" defTabSz="914400" rtl="0" eaLnBrk="1" fontAlgn="auto" latinLnBrk="0" hangingPunct="1">
+                        <a:lnSpc>
+                          <a:spcPct val="100000"/>
+                        </a:lnSpc>
+                        <a:spcBef>
+                          <a:spcPts val="0"/>
+                        </a:spcBef>
+                        <a:spcAft>
+                          <a:spcPts val="0"/>
+                        </a:spcAft>
+                        <a:buClrTx/>
+                        <a:buSzTx/>
+                        <a:buFontTx/>
+                        <a:buNone/>
+                        <a:tabLst/>
+                        <a:defRPr/>
+                      </a:pPr>
+                      <a:r>
+                        <a:rPr lang="es-PE" sz="1800" b="0" kern="1200" dirty="0" smtClean="0">
+                          <a:solidFill>
+                            <a:schemeClr val="tx1"/>
+                          </a:solidFill>
+                          <a:latin typeface="+mn-lt"/>
+                          <a:ea typeface="+mn-ea"/>
+                          <a:cs typeface="+mn-cs"/>
+                        </a:rPr>
+                        <a:t>Si un cliente tiene un contrato por un servicio, no se deberá generar otro contrato por el mismo servicio mientras haya uno vigente.</a:t>
+                      </a:r>
+                      <a:endParaRPr lang="es-ES" sz="1800" b="0" kern="1200" dirty="0" smtClean="0">
+                        <a:solidFill>
+                          <a:schemeClr val="tx1"/>
+                        </a:solidFill>
+                        <a:latin typeface="+mn-lt"/>
+                        <a:ea typeface="+mn-ea"/>
+                        <a:cs typeface="+mn-cs"/>
+                      </a:endParaRPr>
+                    </a:p>
+                  </a:txBody>
+                  <a:tcPr/>
+                </a:tc>
+              </a:tr>
+              <a:tr h="1476647">
+                <a:tc>
+                  <a:txBody>
+                    <a:bodyPr/>
+                    <a:lstStyle/>
+                    <a:p>
+                      <a:endParaRPr lang="es-ES" dirty="0"/>
+                    </a:p>
+                  </a:txBody>
+                  <a:tcPr/>
+                </a:tc>
+                <a:tc>
+                  <a:txBody>
+                    <a:bodyPr/>
+                    <a:lstStyle/>
+                    <a:p>
+                      <a:pPr marL="0" marR="0" indent="0" algn="just" defTabSz="914400" rtl="0" eaLnBrk="1" fontAlgn="auto" latinLnBrk="0" hangingPunct="1">
+                        <a:lnSpc>
+                          <a:spcPct val="100000"/>
+                        </a:lnSpc>
+                        <a:spcBef>
+                          <a:spcPts val="0"/>
+                        </a:spcBef>
+                        <a:spcAft>
+                          <a:spcPts val="0"/>
+                        </a:spcAft>
+                        <a:buClrTx/>
+                        <a:buSzTx/>
+                        <a:buFontTx/>
+                        <a:buNone/>
+                        <a:tabLst/>
+                        <a:defRPr/>
+                      </a:pPr>
+                      <a:endParaRPr lang="es-PE" sz="1800" b="0" kern="1200" dirty="0" smtClean="0">
+                        <a:solidFill>
+                          <a:schemeClr val="tx1"/>
+                        </a:solidFill>
+                        <a:latin typeface="+mn-lt"/>
+                        <a:ea typeface="+mn-ea"/>
+                        <a:cs typeface="+mn-cs"/>
+                      </a:endParaRPr>
+                    </a:p>
+                    <a:p>
+                      <a:pPr marL="0" marR="0" indent="0" algn="just" defTabSz="914400" rtl="0" eaLnBrk="1" fontAlgn="auto" latinLnBrk="0" hangingPunct="1">
+                        <a:lnSpc>
+                          <a:spcPct val="100000"/>
+                        </a:lnSpc>
+                        <a:spcBef>
+                          <a:spcPts val="0"/>
+                        </a:spcBef>
+                        <a:spcAft>
+                          <a:spcPts val="0"/>
+                        </a:spcAft>
+                        <a:buClrTx/>
+                        <a:buSzTx/>
+                        <a:buFontTx/>
+                        <a:buNone/>
+                        <a:tabLst/>
+                        <a:defRPr/>
+                      </a:pPr>
+                      <a:r>
+                        <a:rPr lang="es-PE" sz="1800" b="0" kern="1200" dirty="0" smtClean="0">
+                          <a:solidFill>
+                            <a:schemeClr val="tx1"/>
+                          </a:solidFill>
+                          <a:latin typeface="+mn-lt"/>
+                          <a:ea typeface="+mn-ea"/>
+                          <a:cs typeface="+mn-cs"/>
+                        </a:rPr>
+                        <a:t>Se genera una Adenda sólo si el Contrato se encuentra vigente.</a:t>
+                      </a:r>
+                      <a:endParaRPr lang="es-ES" sz="1800" b="0" kern="1200" dirty="0" smtClean="0">
+                        <a:solidFill>
+                          <a:schemeClr val="tx1"/>
+                        </a:solidFill>
+                        <a:latin typeface="+mn-lt"/>
+                        <a:ea typeface="+mn-ea"/>
+                        <a:cs typeface="+mn-cs"/>
+                      </a:endParaRPr>
+                    </a:p>
+                  </a:txBody>
+                  <a:tcPr/>
+                </a:tc>
+              </a:tr>
+            </a:tbl>
+          </a:graphicData>
+        </a:graphic>
+      </p:graphicFrame>
+      <p:pic>
+        <p:nvPicPr>
+          <p:cNvPr id="5122" name="Picture 2"/>
+          <p:cNvPicPr>
+            <a:picLocks noChangeAspect="1" noChangeArrowheads="1"/>
+          </p:cNvPicPr>
+          <p:nvPr/>
+        </p:nvPicPr>
+        <p:blipFill>
+          <a:blip r:embed="rId2" cstate="print"/>
+          <a:srcRect/>
+          <a:stretch>
+            <a:fillRect/>
+          </a:stretch>
+        </p:blipFill>
+        <p:spPr bwMode="auto">
+          <a:xfrm>
+            <a:off x="467544" y="2420888"/>
+            <a:ext cx="2190750" cy="1152525"/>
+          </a:xfrm>
+          <a:prstGeom prst="rect">
+            <a:avLst/>
+          </a:prstGeom>
+          <a:noFill/>
+          <a:ln w="9525">
+            <a:noFill/>
+            <a:miter lim="800000"/>
+            <a:headEnd/>
+            <a:tailEnd/>
+          </a:ln>
+        </p:spPr>
+      </p:pic>
+      <p:pic>
+        <p:nvPicPr>
+          <p:cNvPr id="5123" name="Picture 3"/>
+          <p:cNvPicPr>
+            <a:picLocks noChangeAspect="1" noChangeArrowheads="1"/>
+          </p:cNvPicPr>
+          <p:nvPr/>
+        </p:nvPicPr>
+        <p:blipFill>
+          <a:blip r:embed="rId3" cstate="print"/>
+          <a:srcRect/>
+          <a:stretch>
+            <a:fillRect/>
+          </a:stretch>
+        </p:blipFill>
+        <p:spPr bwMode="auto">
+          <a:xfrm>
+            <a:off x="659160" y="3861048"/>
+            <a:ext cx="1752600" cy="942975"/>
+          </a:xfrm>
+          <a:prstGeom prst="rect">
+            <a:avLst/>
+          </a:prstGeom>
+          <a:noFill/>
+          <a:ln w="9525">
+            <a:noFill/>
+            <a:miter lim="800000"/>
+            <a:headEnd/>
+            <a:tailEnd/>
+          </a:ln>
+        </p:spPr>
+      </p:pic>
+      <p:pic>
+        <p:nvPicPr>
+          <p:cNvPr id="5124" name="Picture 4"/>
+          <p:cNvPicPr>
+            <a:picLocks noChangeAspect="1" noChangeArrowheads="1"/>
+          </p:cNvPicPr>
+          <p:nvPr/>
+        </p:nvPicPr>
+        <p:blipFill>
+          <a:blip r:embed="rId4" cstate="print"/>
+          <a:srcRect/>
+          <a:stretch>
+            <a:fillRect/>
+          </a:stretch>
+        </p:blipFill>
+        <p:spPr bwMode="auto">
+          <a:xfrm>
+            <a:off x="716310" y="5301208"/>
+            <a:ext cx="1695450" cy="1009650"/>
+          </a:xfrm>
+          <a:prstGeom prst="rect">
+            <a:avLst/>
+          </a:prstGeom>
+          <a:noFill/>
+          <a:ln w="9525">
+            <a:noFill/>
+            <a:miter lim="800000"/>
+            <a:headEnd/>
+            <a:tailEnd/>
+          </a:ln>
+        </p:spPr>
+      </p:pic>
+    </p:spTree>
+    <p:extLst>
+      <p:ext uri="{BB962C8B-B14F-4D97-AF65-F5344CB8AC3E}">
+        <p14:creationId xmlns:p14="http://schemas.microsoft.com/office/powerpoint/2010/main" xmlns="" val="1314591319"/>
+      </p:ext>
+    </p:extLst>
+  </p:cSld>
+  <p:clrMapOvr>
+    <a:masterClrMapping/>
+  </p:clrMapOvr>
+  <p:timing>
+    <p:tnLst>
+      <p:par>
+        <p:cTn id="1" dur="indefinite" restart="never" nodeType="tmRoot"/>
+      </p:par>
+    </p:tnLst>
+  </p:timing>
+</p:sld>
+</file>
+
+<file path=ppt/slides/slide11.xml><?xml version="1.0" encoding="utf-8"?>
+<p:sld xmlns:a="http://schemas.openxmlformats.org/drawingml/2006/main" xmlns:r="http://schemas.openxmlformats.org/officeDocument/2006/relationships" xmlns:p="http://schemas.openxmlformats.org/presentationml/2006/main">
+  <p:cSld>
+    <p:spTree>
+      <p:nvGrpSpPr>
+        <p:cNvPr id="1" name=""/>
+        <p:cNvGrpSpPr/>
+        <p:nvPr/>
+      </p:nvGrpSpPr>
+      <p:grpSpPr>
+        <a:xfrm>
+          <a:off x="0" y="0"/>
+          <a:ext cx="0" cy="0"/>
+          <a:chOff x="0" y="0"/>
+          <a:chExt cx="0" cy="0"/>
+        </a:xfrm>
+      </p:grpSpPr>
+      <p:sp>
+        <p:nvSpPr>
+          <p:cNvPr id="3" name="2 Título"/>
+          <p:cNvSpPr>
+            <a:spLocks noGrp="1"/>
+          </p:cNvSpPr>
+          <p:nvPr>
+            <p:ph type="title"/>
+          </p:nvPr>
+        </p:nvSpPr>
+        <p:spPr/>
+        <p:txBody>
+          <a:bodyPr>
+            <a:normAutofit fontScale="90000"/>
+          </a:bodyPr>
+          <a:lstStyle/>
+          <a:p>
+            <a:r>
+              <a:rPr lang="es-PE" dirty="0"/>
+              <a:t>ESPECIFICACION </a:t>
+            </a:r>
+            <a:r>
+              <a:rPr lang="es-PE" dirty="0" smtClean="0"/>
+              <a:t>DE </a:t>
+            </a:r>
+            <a:r>
+              <a:rPr lang="es-PE" dirty="0"/>
+              <a:t>REGLAS DE </a:t>
+            </a:r>
+            <a:r>
+              <a:rPr lang="es-PE" dirty="0" smtClean="0"/>
+              <a:t>NEGOCIO (cont..)</a:t>
+            </a:r>
+            <a:endParaRPr lang="es-PE" dirty="0"/>
+          </a:p>
+        </p:txBody>
+      </p:sp>
+      <p:graphicFrame>
+        <p:nvGraphicFramePr>
+          <p:cNvPr id="6" name="5 Tabla"/>
+          <p:cNvGraphicFramePr>
+            <a:graphicFrameLocks noGrp="1"/>
+          </p:cNvGraphicFramePr>
+          <p:nvPr/>
+        </p:nvGraphicFramePr>
+        <p:xfrm>
+          <a:off x="323528" y="2348880"/>
+          <a:ext cx="8568952" cy="3841140"/>
+        </p:xfrm>
+        <a:graphic>
+          <a:graphicData uri="http://schemas.openxmlformats.org/drawingml/2006/table">
+            <a:tbl>
+              <a:tblPr firstRow="1" bandRow="1">
+                <a:tableStyleId>{BC89EF96-8CEA-46FF-86C4-4CE0E7609802}</a:tableStyleId>
+              </a:tblPr>
+              <a:tblGrid>
+                <a:gridCol w="2448272"/>
+                <a:gridCol w="6120680"/>
+              </a:tblGrid>
+              <a:tr h="834030">
+                <a:tc>
+                  <a:txBody>
+                    <a:bodyPr/>
+                    <a:lstStyle/>
+                    <a:p>
+                      <a:endParaRPr lang="es-ES" dirty="0"/>
+                    </a:p>
+                  </a:txBody>
+                  <a:tcPr/>
+                </a:tc>
+                <a:tc>
+                  <a:txBody>
+                    <a:bodyPr/>
+                    <a:lstStyle/>
+                    <a:p>
+                      <a:pPr marL="0" marR="0" indent="0" algn="l" defTabSz="914400" rtl="0" eaLnBrk="1" fontAlgn="auto" latinLnBrk="0" hangingPunct="1">
+                        <a:lnSpc>
+                          <a:spcPct val="100000"/>
+                        </a:lnSpc>
+                        <a:spcBef>
+                          <a:spcPts val="0"/>
+                        </a:spcBef>
+                        <a:spcAft>
+                          <a:spcPts val="0"/>
+                        </a:spcAft>
+                        <a:buClrTx/>
+                        <a:buSzTx/>
+                        <a:buFontTx/>
+                        <a:buNone/>
+                        <a:tabLst/>
+                        <a:defRPr/>
+                      </a:pPr>
+                      <a:r>
+                        <a:rPr lang="es-PE" sz="1800" b="0" i="0" kern="1200" dirty="0" smtClean="0">
+                          <a:solidFill>
+                            <a:schemeClr val="tx1"/>
+                          </a:solidFill>
+                          <a:latin typeface="+mn-lt"/>
+                          <a:ea typeface="+mn-ea"/>
+                          <a:cs typeface="+mn-cs"/>
+                        </a:rPr>
+                        <a:t>El cálculo para determinar el monto de Contrato es:</a:t>
+                      </a:r>
+                      <a:endParaRPr lang="es-ES" sz="1800" b="0" i="0" kern="1200" dirty="0" smtClean="0">
+                        <a:solidFill>
+                          <a:schemeClr val="tx1"/>
+                        </a:solidFill>
+                        <a:latin typeface="+mn-lt"/>
+                        <a:ea typeface="+mn-ea"/>
+                        <a:cs typeface="+mn-cs"/>
+                      </a:endParaRPr>
+                    </a:p>
+                    <a:p>
+                      <a:endParaRPr lang="es-ES" dirty="0" smtClean="0"/>
+                    </a:p>
+                    <a:p>
+                      <a:pPr marL="0" marR="0" indent="0" algn="l" defTabSz="914400" rtl="0" eaLnBrk="1" fontAlgn="auto" latinLnBrk="0" hangingPunct="1">
+                        <a:lnSpc>
+                          <a:spcPct val="100000"/>
+                        </a:lnSpc>
+                        <a:spcBef>
+                          <a:spcPts val="0"/>
+                        </a:spcBef>
+                        <a:spcAft>
+                          <a:spcPts val="0"/>
+                        </a:spcAft>
+                        <a:buClrTx/>
+                        <a:buSzTx/>
+                        <a:buFontTx/>
+                        <a:buNone/>
+                        <a:tabLst/>
+                        <a:defRPr/>
+                      </a:pPr>
+                      <a:r>
+                        <a:rPr lang="es-PE" sz="1800" b="1" kern="1200" dirty="0" smtClean="0">
+                          <a:solidFill>
+                            <a:schemeClr val="tx1"/>
+                          </a:solidFill>
+                          <a:latin typeface="+mn-lt"/>
+                          <a:ea typeface="+mn-ea"/>
+                          <a:cs typeface="+mn-cs"/>
+                        </a:rPr>
+                        <a:t>Total </a:t>
+                      </a:r>
+                      <a:r>
+                        <a:rPr lang="es-PE" sz="1800" b="1" kern="1200" dirty="0" smtClean="0">
+                          <a:solidFill>
+                            <a:schemeClr val="tx1"/>
+                          </a:solidFill>
+                          <a:latin typeface="+mn-lt"/>
+                          <a:ea typeface="+mn-ea"/>
+                          <a:cs typeface="+mn-cs"/>
+                        </a:rPr>
+                        <a:t>= Gastos Recursos + Gastos de equipos+ </a:t>
+                      </a:r>
+                      <a:r>
+                        <a:rPr lang="es-PE" sz="1800" b="1" kern="1200" dirty="0" smtClean="0">
+                          <a:solidFill>
+                            <a:schemeClr val="tx1"/>
+                          </a:solidFill>
+                          <a:latin typeface="+mn-lt"/>
+                          <a:ea typeface="+mn-ea"/>
+                          <a:cs typeface="+mn-cs"/>
+                        </a:rPr>
+                        <a:t>IGV</a:t>
+                      </a:r>
+                    </a:p>
+                    <a:p>
+                      <a:endParaRPr lang="es-ES" dirty="0"/>
+                    </a:p>
+                  </a:txBody>
+                  <a:tcPr/>
+                </a:tc>
+              </a:tr>
+              <a:tr h="1326210">
+                <a:tc>
+                  <a:txBody>
+                    <a:bodyPr/>
+                    <a:lstStyle/>
+                    <a:p>
+                      <a:endParaRPr lang="es-ES" dirty="0"/>
+                    </a:p>
+                  </a:txBody>
+                  <a:tcPr/>
+                </a:tc>
+                <a:tc>
+                  <a:txBody>
+                    <a:bodyPr/>
+                    <a:lstStyle/>
+                    <a:p>
+                      <a:pPr marL="0" marR="0" indent="0" algn="just" defTabSz="914400" rtl="0" eaLnBrk="1" fontAlgn="auto" latinLnBrk="0" hangingPunct="1">
+                        <a:lnSpc>
+                          <a:spcPct val="100000"/>
+                        </a:lnSpc>
+                        <a:spcBef>
+                          <a:spcPts val="0"/>
+                        </a:spcBef>
+                        <a:spcAft>
+                          <a:spcPts val="0"/>
+                        </a:spcAft>
+                        <a:buClrTx/>
+                        <a:buSzTx/>
+                        <a:buFontTx/>
+                        <a:buNone/>
+                        <a:tabLst/>
+                        <a:defRPr/>
+                      </a:pPr>
+                      <a:endParaRPr lang="es-PE" sz="1800" b="0" i="0" kern="1200" dirty="0" smtClean="0">
+                        <a:solidFill>
+                          <a:schemeClr val="tx1"/>
+                        </a:solidFill>
+                        <a:latin typeface="+mn-lt"/>
+                        <a:ea typeface="+mn-ea"/>
+                        <a:cs typeface="+mn-cs"/>
+                      </a:endParaRPr>
+                    </a:p>
+                    <a:p>
+                      <a:pPr marL="0" marR="0" indent="0" algn="just" defTabSz="914400" rtl="0" eaLnBrk="1" fontAlgn="auto" latinLnBrk="0" hangingPunct="1">
+                        <a:lnSpc>
+                          <a:spcPct val="100000"/>
+                        </a:lnSpc>
+                        <a:spcBef>
+                          <a:spcPts val="0"/>
+                        </a:spcBef>
+                        <a:spcAft>
+                          <a:spcPts val="0"/>
+                        </a:spcAft>
+                        <a:buClrTx/>
+                        <a:buSzTx/>
+                        <a:buFontTx/>
+                        <a:buNone/>
+                        <a:tabLst/>
+                        <a:defRPr/>
+                      </a:pPr>
+                      <a:r>
+                        <a:rPr lang="es-PE" sz="1800" b="0" i="0" kern="1200" dirty="0" smtClean="0">
+                          <a:solidFill>
+                            <a:schemeClr val="tx1"/>
+                          </a:solidFill>
+                          <a:latin typeface="+mn-lt"/>
+                          <a:ea typeface="+mn-ea"/>
+                          <a:cs typeface="+mn-cs"/>
+                        </a:rPr>
+                        <a:t>Un prospecto de cliente deberá solicitar ser anulado de la lista de contactos solo si el mismo lo solicita.</a:t>
+                      </a:r>
+                      <a:endParaRPr lang="es-ES" sz="1800" b="0" i="0" kern="1200" dirty="0" smtClean="0">
+                        <a:solidFill>
+                          <a:schemeClr val="tx1"/>
+                        </a:solidFill>
+                        <a:latin typeface="+mn-lt"/>
+                        <a:ea typeface="+mn-ea"/>
+                        <a:cs typeface="+mn-cs"/>
+                      </a:endParaRPr>
+                    </a:p>
+                  </a:txBody>
+                  <a:tcPr/>
+                </a:tc>
+              </a:tr>
+              <a:tr h="1326210">
+                <a:tc>
+                  <a:txBody>
+                    <a:bodyPr/>
+                    <a:lstStyle/>
+                    <a:p>
+                      <a:endParaRPr lang="es-ES" dirty="0"/>
+                    </a:p>
+                  </a:txBody>
+                  <a:tcPr/>
+                </a:tc>
+                <a:tc>
+                  <a:txBody>
+                    <a:bodyPr/>
+                    <a:lstStyle/>
+                    <a:p>
+                      <a:pPr marL="0" marR="0" indent="0" algn="just" defTabSz="914400" rtl="0" eaLnBrk="1" fontAlgn="auto" latinLnBrk="0" hangingPunct="1">
+                        <a:lnSpc>
+                          <a:spcPct val="100000"/>
+                        </a:lnSpc>
+                        <a:spcBef>
+                          <a:spcPts val="0"/>
+                        </a:spcBef>
+                        <a:spcAft>
+                          <a:spcPts val="0"/>
+                        </a:spcAft>
+                        <a:buClrTx/>
+                        <a:buSzTx/>
+                        <a:buFontTx/>
+                        <a:buNone/>
+                        <a:tabLst/>
+                        <a:defRPr/>
+                      </a:pPr>
+                      <a:r>
+                        <a:rPr lang="es-PE" sz="1800" kern="1200" dirty="0" smtClean="0">
+                          <a:solidFill>
+                            <a:schemeClr val="tx1"/>
+                          </a:solidFill>
+                          <a:latin typeface="+mn-lt"/>
+                          <a:ea typeface="+mn-ea"/>
+                          <a:cs typeface="+mn-cs"/>
+                        </a:rPr>
+                        <a:t>Los descuentos en el precio de los productos se determinan según el tipo de cliente, el tipo de servicio a ofrecer y el monto del contrato. Estos descuentos son actualizados mensualmente por Finanzas.</a:t>
+                      </a:r>
+                      <a:endParaRPr lang="es-ES" sz="1800" b="0" kern="1200" dirty="0" smtClean="0">
+                        <a:solidFill>
+                          <a:schemeClr val="tx1"/>
+                        </a:solidFill>
+                        <a:latin typeface="+mn-lt"/>
+                        <a:ea typeface="+mn-ea"/>
+                        <a:cs typeface="+mn-cs"/>
+                      </a:endParaRPr>
+                    </a:p>
+                  </a:txBody>
+                  <a:tcPr/>
+                </a:tc>
+              </a:tr>
+            </a:tbl>
+          </a:graphicData>
+        </a:graphic>
+      </p:graphicFrame>
+      <p:pic>
+        <p:nvPicPr>
+          <p:cNvPr id="6146" name="Picture 2"/>
+          <p:cNvPicPr>
+            <a:picLocks noChangeAspect="1" noChangeArrowheads="1"/>
+          </p:cNvPicPr>
+          <p:nvPr/>
+        </p:nvPicPr>
+        <p:blipFill>
+          <a:blip r:embed="rId2" cstate="print"/>
+          <a:srcRect/>
+          <a:stretch>
+            <a:fillRect/>
+          </a:stretch>
+        </p:blipFill>
+        <p:spPr bwMode="auto">
+          <a:xfrm>
+            <a:off x="539552" y="2420888"/>
+            <a:ext cx="2057400" cy="990600"/>
+          </a:xfrm>
+          <a:prstGeom prst="rect">
+            <a:avLst/>
+          </a:prstGeom>
+          <a:noFill/>
+          <a:ln w="9525">
+            <a:noFill/>
+            <a:miter lim="800000"/>
+            <a:headEnd/>
+            <a:tailEnd/>
+          </a:ln>
+        </p:spPr>
+      </p:pic>
+      <p:pic>
+        <p:nvPicPr>
+          <p:cNvPr id="5" name="Picture 2"/>
+          <p:cNvPicPr>
+            <a:picLocks noChangeAspect="1" noChangeArrowheads="1"/>
+          </p:cNvPicPr>
+          <p:nvPr/>
+        </p:nvPicPr>
+        <p:blipFill>
+          <a:blip r:embed="rId3" cstate="print"/>
+          <a:srcRect/>
+          <a:stretch>
+            <a:fillRect/>
+          </a:stretch>
+        </p:blipFill>
+        <p:spPr bwMode="auto">
+          <a:xfrm>
+            <a:off x="782985" y="3717032"/>
+            <a:ext cx="1628775" cy="971550"/>
+          </a:xfrm>
+          <a:prstGeom prst="rect">
+            <a:avLst/>
+          </a:prstGeom>
+          <a:noFill/>
+          <a:ln w="9525">
+            <a:noFill/>
+            <a:miter lim="800000"/>
+            <a:headEnd/>
+            <a:tailEnd/>
+          </a:ln>
+        </p:spPr>
+      </p:pic>
+      <p:pic>
+        <p:nvPicPr>
+          <p:cNvPr id="7" name="Picture 4"/>
+          <p:cNvPicPr>
+            <a:picLocks noChangeAspect="1" noChangeArrowheads="1"/>
+          </p:cNvPicPr>
+          <p:nvPr/>
+        </p:nvPicPr>
+        <p:blipFill>
+          <a:blip r:embed="rId4" cstate="print"/>
+          <a:srcRect/>
+          <a:stretch>
+            <a:fillRect/>
+          </a:stretch>
+        </p:blipFill>
+        <p:spPr bwMode="auto">
+          <a:xfrm>
+            <a:off x="395536" y="5097363"/>
+            <a:ext cx="2247900" cy="923925"/>
+          </a:xfrm>
+          <a:prstGeom prst="rect">
+            <a:avLst/>
+          </a:prstGeom>
+          <a:noFill/>
+          <a:ln w="9525">
+            <a:noFill/>
+            <a:miter lim="800000"/>
+            <a:headEnd/>
+            <a:tailEnd/>
+          </a:ln>
+        </p:spPr>
+      </p:pic>
+    </p:spTree>
+    <p:extLst>
+      <p:ext uri="{BB962C8B-B14F-4D97-AF65-F5344CB8AC3E}">
+        <p14:creationId xmlns:p14="http://schemas.microsoft.com/office/powerpoint/2010/main" xmlns="" val="1314591319"/>
+      </p:ext>
+    </p:extLst>
+  </p:cSld>
+  <p:clrMapOvr>
+    <a:masterClrMapping/>
+  </p:clrMapOvr>
+  <p:timing>
+    <p:tnLst>
+      <p:par>
+        <p:cTn id="1" dur="indefinite" restart="never" nodeType="tmRoot"/>
+      </p:par>
+    </p:tnLst>
+  </p:timing>
+</p:sld>
+</file>
+
+<file path=ppt/slides/slide12.xml><?xml version="1.0" encoding="utf-8"?>
+<p:sld xmlns:a="http://schemas.openxmlformats.org/drawingml/2006/main" xmlns:r="http://schemas.openxmlformats.org/officeDocument/2006/relationships" xmlns:p="http://schemas.openxmlformats.org/presentationml/2006/main">
+  <p:cSld>
+    <p:spTree>
+      <p:nvGrpSpPr>
+        <p:cNvPr id="1" name=""/>
+        <p:cNvGrpSpPr/>
+        <p:nvPr/>
+      </p:nvGrpSpPr>
+      <p:grpSpPr>
+        <a:xfrm>
+          <a:off x="0" y="0"/>
+          <a:ext cx="0" cy="0"/>
+          <a:chOff x="0" y="0"/>
+          <a:chExt cx="0" cy="0"/>
+        </a:xfrm>
+      </p:grpSpPr>
+      <p:sp>
+        <p:nvSpPr>
+          <p:cNvPr id="3" name="2 Título"/>
+          <p:cNvSpPr>
+            <a:spLocks noGrp="1"/>
+          </p:cNvSpPr>
+          <p:nvPr>
+            <p:ph type="title"/>
+          </p:nvPr>
+        </p:nvSpPr>
+        <p:spPr/>
+        <p:txBody>
+          <a:bodyPr>
+            <a:normAutofit fontScale="90000"/>
+          </a:bodyPr>
+          <a:lstStyle/>
+          <a:p>
+            <a:r>
+              <a:rPr lang="es-PE" dirty="0"/>
+              <a:t>ESPECIFICACION </a:t>
+            </a:r>
+            <a:r>
+              <a:rPr lang="es-PE" dirty="0" smtClean="0"/>
+              <a:t>DE </a:t>
+            </a:r>
+            <a:r>
+              <a:rPr lang="es-PE" dirty="0"/>
+              <a:t>REGLAS DE </a:t>
+            </a:r>
+            <a:r>
+              <a:rPr lang="es-PE" dirty="0" smtClean="0"/>
+              <a:t>NEGOCIO (cont..)</a:t>
+            </a:r>
+            <a:endParaRPr lang="es-PE" dirty="0"/>
+          </a:p>
+        </p:txBody>
+      </p:sp>
+      <p:graphicFrame>
+        <p:nvGraphicFramePr>
+          <p:cNvPr id="6" name="5 Tabla"/>
+          <p:cNvGraphicFramePr>
+            <a:graphicFrameLocks noGrp="1"/>
+          </p:cNvGraphicFramePr>
+          <p:nvPr/>
+        </p:nvGraphicFramePr>
+        <p:xfrm>
+          <a:off x="323528" y="2348880"/>
+          <a:ext cx="8568952" cy="4185632"/>
+        </p:xfrm>
+        <a:graphic>
+          <a:graphicData uri="http://schemas.openxmlformats.org/drawingml/2006/table">
+            <a:tbl>
+              <a:tblPr firstRow="1" bandRow="1">
+                <a:tableStyleId>{BC89EF96-8CEA-46FF-86C4-4CE0E7609802}</a:tableStyleId>
+              </a:tblPr>
+              <a:tblGrid>
+                <a:gridCol w="2427870"/>
+                <a:gridCol w="6141082"/>
+              </a:tblGrid>
+              <a:tr h="1290461">
                 <a:tc>
                   <a:txBody>
                     <a:bodyPr/>
@@ -14892,7 +15795,129 @@
                           <a:ea typeface="+mn-ea"/>
                           <a:cs typeface="+mn-cs"/>
                         </a:rPr>
-                        <a:t>Según el tipo de contrato se determinarán comisiones evaluadoras para el cierre del contrato.</a:t>
+                        <a:t>Si existe una polémica con el contrato de un cliente no se deberá generar ningún otro contrato al mismo cliente hasta solucionar la polémica.</a:t>
+                      </a:r>
+                      <a:endParaRPr lang="es-ES" sz="1800" b="0" kern="1200" dirty="0" smtClean="0">
+                        <a:solidFill>
+                          <a:schemeClr val="tx1"/>
+                        </a:solidFill>
+                        <a:latin typeface="+mn-lt"/>
+                        <a:ea typeface="+mn-ea"/>
+                        <a:cs typeface="+mn-cs"/>
+                      </a:endParaRPr>
+                    </a:p>
+                    <a:p>
+                      <a:pPr marL="0" marR="0" indent="0" algn="just" defTabSz="914400" rtl="0" eaLnBrk="1" fontAlgn="auto" latinLnBrk="0" hangingPunct="1">
+                        <a:lnSpc>
+                          <a:spcPct val="100000"/>
+                        </a:lnSpc>
+                        <a:spcBef>
+                          <a:spcPts val="0"/>
+                        </a:spcBef>
+                        <a:spcAft>
+                          <a:spcPts val="0"/>
+                        </a:spcAft>
+                        <a:buClrTx/>
+                        <a:buSzTx/>
+                        <a:buFontTx/>
+                        <a:buNone/>
+                        <a:tabLst/>
+                        <a:defRPr/>
+                      </a:pPr>
+                      <a:endParaRPr lang="es-ES" sz="1800" b="0" kern="1200" dirty="0" smtClean="0">
+                        <a:solidFill>
+                          <a:schemeClr val="tx1"/>
+                        </a:solidFill>
+                        <a:latin typeface="+mn-lt"/>
+                        <a:ea typeface="+mn-ea"/>
+                        <a:cs typeface="+mn-cs"/>
+                      </a:endParaRPr>
+                    </a:p>
+                  </a:txBody>
+                  <a:tcPr/>
+                </a:tc>
+              </a:tr>
+              <a:tr h="1157811">
+                <a:tc>
+                  <a:txBody>
+                    <a:bodyPr/>
+                    <a:lstStyle/>
+                    <a:p>
+                      <a:endParaRPr lang="es-ES" dirty="0"/>
+                    </a:p>
+                  </a:txBody>
+                  <a:tcPr/>
+                </a:tc>
+                <a:tc>
+                  <a:txBody>
+                    <a:bodyPr/>
+                    <a:lstStyle/>
+                    <a:p>
+                      <a:pPr marL="0" marR="0" indent="0" algn="just" defTabSz="914400" rtl="0" eaLnBrk="1" fontAlgn="auto" latinLnBrk="0" hangingPunct="1">
+                        <a:lnSpc>
+                          <a:spcPct val="100000"/>
+                        </a:lnSpc>
+                        <a:spcBef>
+                          <a:spcPts val="0"/>
+                        </a:spcBef>
+                        <a:spcAft>
+                          <a:spcPts val="0"/>
+                        </a:spcAft>
+                        <a:buClrTx/>
+                        <a:buSzTx/>
+                        <a:buFontTx/>
+                        <a:buNone/>
+                        <a:tabLst/>
+                        <a:defRPr/>
+                      </a:pPr>
+                      <a:endParaRPr lang="es-PE" sz="1800" b="0" kern="1200" dirty="0" smtClean="0">
+                        <a:solidFill>
+                          <a:schemeClr val="tx1"/>
+                        </a:solidFill>
+                        <a:latin typeface="+mn-lt"/>
+                        <a:ea typeface="+mn-ea"/>
+                        <a:cs typeface="+mn-cs"/>
+                      </a:endParaRPr>
+                    </a:p>
+                    <a:p>
+                      <a:pPr marL="0" marR="0" indent="0" algn="just" defTabSz="914400" rtl="0" eaLnBrk="1" fontAlgn="auto" latinLnBrk="0" hangingPunct="1">
+                        <a:lnSpc>
+                          <a:spcPct val="100000"/>
+                        </a:lnSpc>
+                        <a:spcBef>
+                          <a:spcPts val="0"/>
+                        </a:spcBef>
+                        <a:spcAft>
+                          <a:spcPts val="0"/>
+                        </a:spcAft>
+                        <a:buClrTx/>
+                        <a:buSzTx/>
+                        <a:buFontTx/>
+                        <a:buNone/>
+                        <a:tabLst/>
+                        <a:defRPr/>
+                      </a:pPr>
+                      <a:r>
+                        <a:rPr lang="es-PE" sz="1800" b="0" kern="1200" dirty="0" smtClean="0">
+                          <a:solidFill>
+                            <a:schemeClr val="tx1"/>
+                          </a:solidFill>
+                          <a:latin typeface="+mn-lt"/>
+                          <a:ea typeface="+mn-ea"/>
+                          <a:cs typeface="+mn-cs"/>
+                        </a:rPr>
+                        <a:t>Según </a:t>
+                      </a:r>
+                      <a:r>
+                        <a:rPr lang="es-PE" sz="1800" b="0" kern="1200" dirty="0" smtClean="0">
+                          <a:solidFill>
+                            <a:schemeClr val="tx1"/>
+                          </a:solidFill>
+                          <a:latin typeface="+mn-lt"/>
+                          <a:ea typeface="+mn-ea"/>
+                          <a:cs typeface="+mn-cs"/>
+                        </a:rPr>
+                        <a:t>el tipo de contrato se determinarán comisiones evaluadoras para el cierre del contrato.</a:t>
                       </a:r>
                       <a:endParaRPr lang="es-ES" sz="1800" b="0" kern="1200" dirty="0" smtClean="0">
                         <a:solidFill>
@@ -14907,7 +15932,7 @@
                   <a:tcPr/>
                 </a:tc>
               </a:tr>
-              <a:tr h="1690540">
+              <a:tr h="1476647">
                 <a:tc>
                   <a:txBody>
                     <a:bodyPr/>
@@ -14995,6 +16020,202 @@
                   <a:tcPr/>
                 </a:tc>
               </a:tr>
+            </a:tbl>
+          </a:graphicData>
+        </a:graphic>
+      </p:graphicFrame>
+      <p:pic>
+        <p:nvPicPr>
+          <p:cNvPr id="7173" name="Picture 5"/>
+          <p:cNvPicPr>
+            <a:picLocks noChangeAspect="1" noChangeArrowheads="1"/>
+          </p:cNvPicPr>
+          <p:nvPr/>
+        </p:nvPicPr>
+        <p:blipFill>
+          <a:blip r:embed="rId2" cstate="print"/>
+          <a:srcRect/>
+          <a:stretch>
+            <a:fillRect/>
+          </a:stretch>
+        </p:blipFill>
+        <p:spPr bwMode="auto">
+          <a:xfrm>
+            <a:off x="697260" y="2442592"/>
+            <a:ext cx="1714500" cy="914400"/>
+          </a:xfrm>
+          <a:prstGeom prst="rect">
+            <a:avLst/>
+          </a:prstGeom>
+          <a:noFill/>
+          <a:ln w="9525">
+            <a:noFill/>
+            <a:miter lim="800000"/>
+            <a:headEnd/>
+            <a:tailEnd/>
+          </a:ln>
+        </p:spPr>
+      </p:pic>
+      <p:pic>
+        <p:nvPicPr>
+          <p:cNvPr id="7" name="Picture 2"/>
+          <p:cNvPicPr>
+            <a:picLocks noChangeAspect="1" noChangeArrowheads="1"/>
+          </p:cNvPicPr>
+          <p:nvPr/>
+        </p:nvPicPr>
+        <p:blipFill>
+          <a:blip r:embed="rId3" cstate="print"/>
+          <a:srcRect/>
+          <a:stretch>
+            <a:fillRect/>
+          </a:stretch>
+        </p:blipFill>
+        <p:spPr bwMode="auto">
+          <a:xfrm>
+            <a:off x="683568" y="3789040"/>
+            <a:ext cx="1714500" cy="933450"/>
+          </a:xfrm>
+          <a:prstGeom prst="rect">
+            <a:avLst/>
+          </a:prstGeom>
+          <a:noFill/>
+          <a:ln w="9525">
+            <a:noFill/>
+            <a:miter lim="800000"/>
+            <a:headEnd/>
+            <a:tailEnd/>
+          </a:ln>
+        </p:spPr>
+      </p:pic>
+      <p:pic>
+        <p:nvPicPr>
+          <p:cNvPr id="8" name="Picture 3"/>
+          <p:cNvPicPr>
+            <a:picLocks noChangeAspect="1" noChangeArrowheads="1"/>
+          </p:cNvPicPr>
+          <p:nvPr/>
+        </p:nvPicPr>
+        <p:blipFill>
+          <a:blip r:embed="rId4" cstate="print"/>
+          <a:srcRect/>
+          <a:stretch>
+            <a:fillRect/>
+          </a:stretch>
+        </p:blipFill>
+        <p:spPr bwMode="auto">
+          <a:xfrm>
+            <a:off x="827584" y="5354166"/>
+            <a:ext cx="1409700" cy="952500"/>
+          </a:xfrm>
+          <a:prstGeom prst="rect">
+            <a:avLst/>
+          </a:prstGeom>
+          <a:noFill/>
+          <a:ln w="9525">
+            <a:noFill/>
+            <a:miter lim="800000"/>
+            <a:headEnd/>
+            <a:tailEnd/>
+          </a:ln>
+        </p:spPr>
+      </p:pic>
+    </p:spTree>
+    <p:extLst>
+      <p:ext uri="{BB962C8B-B14F-4D97-AF65-F5344CB8AC3E}">
+        <p14:creationId xmlns:p14="http://schemas.microsoft.com/office/powerpoint/2010/main" xmlns="" val="1314591319"/>
+      </p:ext>
+    </p:extLst>
+  </p:cSld>
+  <p:clrMapOvr>
+    <a:masterClrMapping/>
+  </p:clrMapOvr>
+  <p:timing>
+    <p:tnLst>
+      <p:par>
+        <p:cTn id="1" dur="indefinite" restart="never" nodeType="tmRoot"/>
+      </p:par>
+    </p:tnLst>
+  </p:timing>
+</p:sld>
+</file>
+
+<file path=ppt/slides/slide13.xml><?xml version="1.0" encoding="utf-8"?>
+<p:sld xmlns:a="http://schemas.openxmlformats.org/drawingml/2006/main" xmlns:r="http://schemas.openxmlformats.org/officeDocument/2006/relationships" xmlns:p="http://schemas.openxmlformats.org/presentationml/2006/main">
+  <p:cSld>
+    <p:spTree>
+      <p:nvGrpSpPr>
+        <p:cNvPr id="1" name=""/>
+        <p:cNvGrpSpPr/>
+        <p:nvPr/>
+      </p:nvGrpSpPr>
+      <p:grpSpPr>
+        <a:xfrm>
+          <a:off x="0" y="0"/>
+          <a:ext cx="0" cy="0"/>
+          <a:chOff x="0" y="0"/>
+          <a:chExt cx="0" cy="0"/>
+        </a:xfrm>
+      </p:grpSpPr>
+      <p:sp>
+        <p:nvSpPr>
+          <p:cNvPr id="3" name="2 Título"/>
+          <p:cNvSpPr>
+            <a:spLocks noGrp="1"/>
+          </p:cNvSpPr>
+          <p:nvPr>
+            <p:ph type="title"/>
+          </p:nvPr>
+        </p:nvSpPr>
+        <p:spPr/>
+        <p:txBody>
+          <a:bodyPr>
+            <a:normAutofit fontScale="90000"/>
+          </a:bodyPr>
+          <a:lstStyle/>
+          <a:p>
+            <a:r>
+              <a:rPr lang="es-PE" dirty="0"/>
+              <a:t>ESPECIFICACION </a:t>
+            </a:r>
+            <a:r>
+              <a:rPr lang="es-PE" dirty="0" smtClean="0"/>
+              <a:t>DE </a:t>
+            </a:r>
+            <a:r>
+              <a:rPr lang="es-PE" dirty="0"/>
+              <a:t>REGLAS DE </a:t>
+            </a:r>
+            <a:r>
+              <a:rPr lang="es-PE" dirty="0" smtClean="0"/>
+              <a:t>NEGOCIO (cont..)</a:t>
+            </a:r>
+            <a:endParaRPr lang="es-PE" dirty="0"/>
+          </a:p>
+        </p:txBody>
+      </p:sp>
+      <p:graphicFrame>
+        <p:nvGraphicFramePr>
+          <p:cNvPr id="6" name="5 Tabla"/>
+          <p:cNvGraphicFramePr>
+            <a:graphicFrameLocks noGrp="1"/>
+          </p:cNvGraphicFramePr>
+          <p:nvPr/>
+        </p:nvGraphicFramePr>
+        <p:xfrm>
+          <a:off x="323528" y="2348881"/>
+          <a:ext cx="8568952" cy="1737360"/>
+        </p:xfrm>
+        <a:graphic>
+          <a:graphicData uri="http://schemas.openxmlformats.org/drawingml/2006/table">
+            <a:tbl>
+              <a:tblPr firstRow="1" bandRow="1">
+                <a:tableStyleId>{BC89EF96-8CEA-46FF-86C4-4CE0E7609802}</a:tableStyleId>
+              </a:tblPr>
+              <a:tblGrid>
+                <a:gridCol w="2427870"/>
+                <a:gridCol w="6141082"/>
+              </a:tblGrid>
               <a:tr h="1436853">
                 <a:tc>
                   <a:txBody>
@@ -15056,7 +16277,7 @@
                         <a:defRPr/>
                       </a:pPr>
                       <a:r>
-                        <a:rPr lang="es-PE" sz="1800" kern="1200" dirty="0" smtClean="0">
+                        <a:rPr lang="es-PE" sz="1800" b="0" kern="1200" dirty="0" smtClean="0">
                           <a:solidFill>
                             <a:schemeClr val="tx1"/>
                           </a:solidFill>
@@ -15066,6 +16287,41 @@
                         </a:rPr>
                         <a:t>Los Tipos de penalidades son los siguientes: </a:t>
                       </a:r>
+                      <a:endParaRPr lang="es-PE" sz="1800" b="0" kern="1200" dirty="0" smtClean="0">
+                        <a:solidFill>
+                          <a:schemeClr val="tx1"/>
+                        </a:solidFill>
+                        <a:latin typeface="+mn-lt"/>
+                        <a:ea typeface="+mn-ea"/>
+                        <a:cs typeface="+mn-cs"/>
+                      </a:endParaRPr>
+                    </a:p>
+                    <a:p>
+                      <a:pPr marL="0" marR="0" indent="0" algn="just" defTabSz="914400" rtl="0" eaLnBrk="1" fontAlgn="auto" latinLnBrk="0" hangingPunct="1">
+                        <a:lnSpc>
+                          <a:spcPct val="100000"/>
+                        </a:lnSpc>
+                        <a:spcBef>
+                          <a:spcPts val="0"/>
+                        </a:spcBef>
+                        <a:spcAft>
+                          <a:spcPts val="0"/>
+                        </a:spcAft>
+                        <a:buClrTx/>
+                        <a:buSzTx/>
+                        <a:buFontTx/>
+                        <a:buNone/>
+                        <a:tabLst/>
+                        <a:defRPr/>
+                      </a:pPr>
+                      <a:endParaRPr lang="es-PE" sz="1800" b="0" kern="1200" dirty="0" smtClean="0">
+                        <a:solidFill>
+                          <a:schemeClr val="tx1"/>
+                        </a:solidFill>
+                        <a:latin typeface="+mn-lt"/>
+                        <a:ea typeface="+mn-ea"/>
+                        <a:cs typeface="+mn-cs"/>
+                      </a:endParaRPr>
                     </a:p>
                     <a:p>
                       <a:pPr marL="0" marR="0" indent="0" algn="just" defTabSz="914400" rtl="0" eaLnBrk="1" fontAlgn="auto" latinLnBrk="0" hangingPunct="1">
@@ -15086,7 +16342,7 @@
                         <a:defRPr/>
                       </a:pPr>
                       <a:r>
-                        <a:rPr lang="es-PE" sz="1800" kern="1200" dirty="0" smtClean="0">
+                        <a:rPr lang="es-PE" sz="1800" b="0" kern="1200" dirty="0" smtClean="0">
                           <a:solidFill>
                             <a:schemeClr val="tx1"/>
                           </a:solidFill>
@@ -15094,8 +16350,54 @@
                           <a:ea typeface="+mn-ea"/>
                           <a:cs typeface="+mn-cs"/>
                         </a:rPr>
-                        <a:t>incumplimiento, deficiencia y confidencialidad.  </a:t>
+                        <a:t>Incumplimiento</a:t>
                       </a:r>
+                      <a:r>
+                        <a:rPr lang="es-PE" sz="1800" b="0" kern="1200" dirty="0" smtClean="0">
+                          <a:solidFill>
+                            <a:schemeClr val="tx1"/>
+                          </a:solidFill>
+                          <a:latin typeface="+mn-lt"/>
+                          <a:ea typeface="+mn-ea"/>
+                          <a:cs typeface="+mn-cs"/>
+                        </a:rPr>
+                        <a:t>, deficiencia y confidencialidad.  </a:t>
+                      </a:r>
+                      <a:endParaRPr lang="es-PE" sz="1800" b="0" kern="1200" dirty="0" smtClean="0">
+                        <a:solidFill>
+                          <a:schemeClr val="tx1"/>
+                        </a:solidFill>
+                        <a:latin typeface="+mn-lt"/>
+                        <a:ea typeface="+mn-ea"/>
+                        <a:cs typeface="+mn-cs"/>
+                      </a:endParaRPr>
+                    </a:p>
+                    <a:p>
+                      <a:pPr marL="0" marR="0" indent="0" algn="just" defTabSz="914400" rtl="0" eaLnBrk="1" fontAlgn="auto" latinLnBrk="0" hangingPunct="1">
+                        <a:lnSpc>
+                          <a:spcPct val="100000"/>
+                        </a:lnSpc>
+                        <a:spcBef>
+                          <a:spcPts val="0"/>
+                        </a:spcBef>
+                        <a:spcAft>
+                          <a:spcPts val="0"/>
+                        </a:spcAft>
+                        <a:buClrTx/>
+                        <a:buSzTx/>
+                        <a:buFontTx/>
+                        <a:buNone/>
+                        <a:tabLst/>
+                        <a:defRPr/>
+                      </a:pPr>
+                      <a:endParaRPr lang="es-PE" sz="1800" b="0" kern="1200" dirty="0" smtClean="0">
+                        <a:solidFill>
+                          <a:schemeClr val="tx1"/>
+                        </a:solidFill>
+                        <a:latin typeface="+mn-lt"/>
+                        <a:ea typeface="+mn-ea"/>
+                        <a:cs typeface="+mn-cs"/>
+                      </a:endParaRPr>
                     </a:p>
                     <a:p>
                       <a:pPr marL="0" marR="0" indent="0" algn="just" defTabSz="914400" rtl="0" eaLnBrk="1" fontAlgn="auto" latinLnBrk="0" hangingPunct="1">
@@ -15116,7 +16418,7 @@
                         <a:defRPr/>
                       </a:pPr>
                       <a:r>
-                        <a:rPr lang="es-PE" sz="1800" kern="1200" dirty="0" smtClean="0">
+                        <a:rPr lang="es-PE" sz="1800" b="0" kern="1200" dirty="0" smtClean="0">
                           <a:solidFill>
                             <a:schemeClr val="tx1"/>
                           </a:solidFill>
@@ -15145,7 +16447,7 @@
       </p:graphicFrame>
       <p:pic>
         <p:nvPicPr>
-          <p:cNvPr id="8194" name="Picture 2"/>
+          <p:cNvPr id="8196" name="Picture 4"/>
           <p:cNvPicPr>
             <a:picLocks noChangeAspect="1" noChangeArrowheads="1"/>
           </p:cNvPicPr>
@@ -15160,71 +16462,7 @@
         </p:blipFill>
         <p:spPr bwMode="auto">
           <a:xfrm>
-            <a:off x="683568" y="2495550"/>
-            <a:ext cx="1714500" cy="933450"/>
-          </a:xfrm>
-          <a:prstGeom prst="rect">
-            <a:avLst/>
-          </a:prstGeom>
-          <a:noFill/>
-          <a:ln w="9525">
-            <a:noFill/>
-            <a:miter lim="800000"/>
-            <a:headEnd/>
-            <a:tailEnd/>
-          </a:ln>
-        </p:spPr>
-      </p:pic>
-      <p:pic>
-        <p:nvPicPr>
-          <p:cNvPr id="8195" name="Picture 3"/>
-          <p:cNvPicPr>
-            <a:picLocks noChangeAspect="1" noChangeArrowheads="1"/>
-          </p:cNvPicPr>
-          <p:nvPr/>
-        </p:nvPicPr>
-        <p:blipFill>
-          <a:blip r:embed="rId3" cstate="print"/>
-          <a:srcRect/>
-          <a:stretch>
-            <a:fillRect/>
-          </a:stretch>
-        </p:blipFill>
-        <p:spPr bwMode="auto">
-          <a:xfrm>
-            <a:off x="827584" y="3916660"/>
-            <a:ext cx="1409700" cy="952500"/>
-          </a:xfrm>
-          <a:prstGeom prst="rect">
-            <a:avLst/>
-          </a:prstGeom>
-          <a:noFill/>
-          <a:ln w="9525">
-            <a:noFill/>
-            <a:miter lim="800000"/>
-            <a:headEnd/>
-            <a:tailEnd/>
-          </a:ln>
-        </p:spPr>
-      </p:pic>
-      <p:pic>
-        <p:nvPicPr>
-          <p:cNvPr id="8196" name="Picture 4"/>
-          <p:cNvPicPr>
-            <a:picLocks noChangeAspect="1" noChangeArrowheads="1"/>
-          </p:cNvPicPr>
-          <p:nvPr/>
-        </p:nvPicPr>
-        <p:blipFill>
-          <a:blip r:embed="rId4" cstate="print"/>
-          <a:srcRect/>
-          <a:stretch>
-            <a:fillRect/>
-          </a:stretch>
-        </p:blipFill>
-        <p:spPr bwMode="auto">
-          <a:xfrm>
-            <a:off x="755576" y="5445224"/>
+            <a:off x="827584" y="2564904"/>
             <a:ext cx="1476375" cy="933450"/>
           </a:xfrm>
           <a:prstGeom prst="rect">
@@ -15242,7 +16480,7 @@
     </p:spTree>
     <p:extLst>
       <p:ext uri="{BB962C8B-B14F-4D97-AF65-F5344CB8AC3E}">
-        <p14:creationId xmlns="" xmlns:p14="http://schemas.microsoft.com/office/powerpoint/2010/main" val="1314591319"/>
+        <p14:creationId xmlns:p14="http://schemas.microsoft.com/office/powerpoint/2010/main" xmlns="" val="1314591319"/>
       </p:ext>
     </p:extLst>
   </p:cSld>
@@ -15259,7 +16497,7 @@
 </p:sld>
 </file>
 
-<file path=ppt/slides/slide11.xml><?xml version="1.0" encoding="utf-8"?>
+<file path=ppt/slides/slide14.xml><?xml version="1.0" encoding="utf-8"?>
 <p:sld xmlns:a="http://schemas.openxmlformats.org/drawingml/2006/main" xmlns:r="http://schemas.openxmlformats.org/officeDocument/2006/relationships" xmlns:p="http://schemas.openxmlformats.org/presentationml/2006/main">
   <p:cSld>
     <p:spTree>
@@ -15543,7 +16781,7 @@
           <a:blip r:embed="rId2" cstate="print">
             <a:extLst>
               <a:ext uri="{28A0092B-C50C-407E-A947-70E740481C1C}">
-                <a14:useLocalDpi xmlns="" xmlns:a14="http://schemas.microsoft.com/office/drawing/2010/main" val="0"/>
+                <a14:useLocalDpi xmlns:a14="http://schemas.microsoft.com/office/drawing/2010/main" xmlns="" val="0"/>
               </a:ext>
             </a:extLst>
           </a:blip>
@@ -15567,14 +16805,14 @@
           <a:effectLst/>
           <a:extLst>
             <a:ext uri="{909E8E84-426E-40DD-AFC4-6F175D3DCCD1}">
-              <a14:hiddenFill xmlns="" xmlns:a14="http://schemas.microsoft.com/office/drawing/2010/main">
+              <a14:hiddenFill xmlns:a14="http://schemas.microsoft.com/office/drawing/2010/main" xmlns="">
                 <a:solidFill>
                   <a:schemeClr val="accent1"/>
                 </a:solidFill>
               </a14:hiddenFill>
             </a:ext>
             <a:ext uri="{91240B29-F687-4F45-9708-019B960494DF}">
-              <a14:hiddenLine xmlns="" xmlns:a14="http://schemas.microsoft.com/office/drawing/2010/main" w="9525">
+              <a14:hiddenLine xmlns:a14="http://schemas.microsoft.com/office/drawing/2010/main" xmlns="" w="9525">
                 <a:solidFill>
                   <a:schemeClr val="tx1"/>
                 </a:solidFill>
@@ -15584,7 +16822,7 @@
               </a14:hiddenLine>
             </a:ext>
             <a:ext uri="{AF507438-7753-43E0-B8FC-AC1667EBCBE1}">
-              <a14:hiddenEffects xmlns="" xmlns:a14="http://schemas.microsoft.com/office/drawing/2010/main">
+              <a14:hiddenEffects xmlns:a14="http://schemas.microsoft.com/office/drawing/2010/main" xmlns="">
                 <a:effectLst>
                   <a:outerShdw dist="35921" dir="2700000" algn="ctr" rotWithShape="0">
                     <a:schemeClr val="bg2"/>
@@ -15607,7 +16845,7 @@
           <a:blip r:embed="rId3" cstate="print">
             <a:extLst>
               <a:ext uri="{28A0092B-C50C-407E-A947-70E740481C1C}">
-                <a14:useLocalDpi xmlns="" xmlns:a14="http://schemas.microsoft.com/office/drawing/2010/main" val="0"/>
+                <a14:useLocalDpi xmlns:a14="http://schemas.microsoft.com/office/drawing/2010/main" xmlns="" val="0"/>
               </a:ext>
             </a:extLst>
           </a:blip>
@@ -15631,14 +16869,14 @@
           <a:effectLst/>
           <a:extLst>
             <a:ext uri="{909E8E84-426E-40DD-AFC4-6F175D3DCCD1}">
-              <a14:hiddenFill xmlns="" xmlns:a14="http://schemas.microsoft.com/office/drawing/2010/main">
+              <a14:hiddenFill xmlns:a14="http://schemas.microsoft.com/office/drawing/2010/main" xmlns="">
                 <a:solidFill>
                   <a:schemeClr val="accent1"/>
                 </a:solidFill>
               </a14:hiddenFill>
             </a:ext>
             <a:ext uri="{91240B29-F687-4F45-9708-019B960494DF}">
-              <a14:hiddenLine xmlns="" xmlns:a14="http://schemas.microsoft.com/office/drawing/2010/main" w="9525">
+              <a14:hiddenLine xmlns:a14="http://schemas.microsoft.com/office/drawing/2010/main" xmlns="" w="9525">
                 <a:solidFill>
                   <a:schemeClr val="tx1"/>
                 </a:solidFill>
@@ -15648,7 +16886,7 @@
               </a14:hiddenLine>
             </a:ext>
             <a:ext uri="{AF507438-7753-43E0-B8FC-AC1667EBCBE1}">
-              <a14:hiddenEffects xmlns="" xmlns:a14="http://schemas.microsoft.com/office/drawing/2010/main">
+              <a14:hiddenEffects xmlns:a14="http://schemas.microsoft.com/office/drawing/2010/main" xmlns="">
                 <a:effectLst>
                   <a:outerShdw dist="35921" dir="2700000" algn="ctr" rotWithShape="0">
                     <a:schemeClr val="bg2"/>
@@ -15671,7 +16909,7 @@
           <a:blip r:embed="rId4" cstate="print">
             <a:extLst>
               <a:ext uri="{28A0092B-C50C-407E-A947-70E740481C1C}">
-                <a14:useLocalDpi xmlns="" xmlns:a14="http://schemas.microsoft.com/office/drawing/2010/main" val="0"/>
+                <a14:useLocalDpi xmlns:a14="http://schemas.microsoft.com/office/drawing/2010/main" xmlns="" val="0"/>
               </a:ext>
             </a:extLst>
           </a:blip>
@@ -15695,14 +16933,14 @@
           <a:effectLst/>
           <a:extLst>
             <a:ext uri="{909E8E84-426E-40DD-AFC4-6F175D3DCCD1}">
-              <a14:hiddenFill xmlns="" xmlns:a14="http://schemas.microsoft.com/office/drawing/2010/main">
+              <a14:hiddenFill xmlns:a14="http://schemas.microsoft.com/office/drawing/2010/main" xmlns="">
                 <a:solidFill>
                   <a:schemeClr val="accent1"/>
                 </a:solidFill>
               </a14:hiddenFill>
             </a:ext>
             <a:ext uri="{91240B29-F687-4F45-9708-019B960494DF}">
-              <a14:hiddenLine xmlns="" xmlns:a14="http://schemas.microsoft.com/office/drawing/2010/main" w="9525">
+              <a14:hiddenLine xmlns:a14="http://schemas.microsoft.com/office/drawing/2010/main" xmlns="" w="9525">
                 <a:solidFill>
                   <a:schemeClr val="tx1"/>
                 </a:solidFill>
@@ -15712,7 +16950,7 @@
               </a14:hiddenLine>
             </a:ext>
             <a:ext uri="{AF507438-7753-43E0-B8FC-AC1667EBCBE1}">
-              <a14:hiddenEffects xmlns="" xmlns:a14="http://schemas.microsoft.com/office/drawing/2010/main">
+              <a14:hiddenEffects xmlns:a14="http://schemas.microsoft.com/office/drawing/2010/main" xmlns="">
                 <a:effectLst>
                   <a:outerShdw dist="35921" dir="2700000" algn="ctr" rotWithShape="0">
                     <a:schemeClr val="bg2"/>
@@ -15726,7 +16964,7 @@
     </p:spTree>
     <p:extLst>
       <p:ext uri="{BB962C8B-B14F-4D97-AF65-F5344CB8AC3E}">
-        <p14:creationId xmlns="" xmlns:p14="http://schemas.microsoft.com/office/powerpoint/2010/main" val="1786203861"/>
+        <p14:creationId xmlns:p14="http://schemas.microsoft.com/office/powerpoint/2010/main" xmlns="" val="1786203861"/>
       </p:ext>
     </p:extLst>
   </p:cSld>
@@ -15743,7 +16981,7 @@
 </p:sld>
 </file>
 
-<file path=ppt/slides/slide12.xml><?xml version="1.0" encoding="utf-8"?>
+<file path=ppt/slides/slide15.xml><?xml version="1.0" encoding="utf-8"?>
 <p:sld xmlns:a="http://schemas.openxmlformats.org/drawingml/2006/main" xmlns:r="http://schemas.openxmlformats.org/officeDocument/2006/relationships" xmlns:p="http://schemas.openxmlformats.org/presentationml/2006/main">
   <p:cSld>
     <p:spTree>
@@ -15787,7 +17025,7 @@
       </p:sp>
       <p:pic>
         <p:nvPicPr>
-          <p:cNvPr id="10242" name="Picture 2"/>
+          <p:cNvPr id="4" name="Picture 2"/>
           <p:cNvPicPr>
             <a:picLocks noChangeAspect="1" noChangeArrowheads="1"/>
           </p:cNvPicPr>
@@ -15802,8 +17040,8 @@
         </p:blipFill>
         <p:spPr bwMode="auto">
           <a:xfrm>
-            <a:off x="886524" y="1700808"/>
-            <a:ext cx="7357884" cy="4709914"/>
+            <a:off x="886524" y="1844824"/>
+            <a:ext cx="7357884" cy="4608512"/>
           </a:xfrm>
           <a:prstGeom prst="rect">
             <a:avLst/>
@@ -15820,7 +17058,7 @@
     </p:spTree>
     <p:extLst>
       <p:ext uri="{BB962C8B-B14F-4D97-AF65-F5344CB8AC3E}">
-        <p14:creationId xmlns="" xmlns:p14="http://schemas.microsoft.com/office/powerpoint/2010/main" val="2066947068"/>
+        <p14:creationId xmlns:p14="http://schemas.microsoft.com/office/powerpoint/2010/main" xmlns="" val="2066947068"/>
       </p:ext>
     </p:extLst>
   </p:cSld>
@@ -15837,7 +17075,7 @@
 </p:sld>
 </file>
 
-<file path=ppt/slides/slide13.xml><?xml version="1.0" encoding="utf-8"?>
+<file path=ppt/slides/slide16.xml><?xml version="1.0" encoding="utf-8"?>
 <p:sld xmlns:a="http://schemas.openxmlformats.org/drawingml/2006/main" xmlns:r="http://schemas.openxmlformats.org/officeDocument/2006/relationships" xmlns:p="http://schemas.openxmlformats.org/presentationml/2006/main">
   <p:cSld>
     <p:spTree>
@@ -16055,7 +17293,7 @@
     </p:spTree>
     <p:extLst>
       <p:ext uri="{BB962C8B-B14F-4D97-AF65-F5344CB8AC3E}">
-        <p14:creationId xmlns="" xmlns:p14="http://schemas.microsoft.com/office/powerpoint/2010/main" val="700369716"/>
+        <p14:creationId xmlns:p14="http://schemas.microsoft.com/office/powerpoint/2010/main" xmlns="" val="700369716"/>
       </p:ext>
     </p:extLst>
   </p:cSld>
@@ -16102,13 +17340,13 @@
         <p:spPr/>
         <p:txBody>
           <a:bodyPr>
-            <a:normAutofit fontScale="90000"/>
+            <a:normAutofit/>
           </a:bodyPr>
           <a:lstStyle/>
           <a:p>
             <a:r>
               <a:rPr lang="es-PE" dirty="0" smtClean="0"/>
-              <a:t>Modelo de Casos de uso del negocio</a:t>
+              <a:t>Proceso: Análisis de Mercado</a:t>
             </a:r>
             <a:endParaRPr lang="es-PE" dirty="0"/>
           </a:p>
@@ -16116,7 +17354,7 @@
       </p:sp>
       <p:pic>
         <p:nvPicPr>
-          <p:cNvPr id="1026" name="Picture 2"/>
+          <p:cNvPr id="2050" name="Picture 2"/>
           <p:cNvPicPr>
             <a:picLocks noChangeAspect="1" noChangeArrowheads="1"/>
           </p:cNvPicPr>
@@ -16131,8 +17369,8 @@
         </p:blipFill>
         <p:spPr bwMode="auto">
           <a:xfrm>
-            <a:off x="2555776" y="1244174"/>
-            <a:ext cx="4248472" cy="5613826"/>
+            <a:off x="144016" y="2996953"/>
+            <a:ext cx="8892480" cy="1860686"/>
           </a:xfrm>
           <a:prstGeom prst="rect">
             <a:avLst/>
@@ -16144,7 +17382,6 @@
             <a:headEnd/>
             <a:tailEnd/>
           </a:ln>
-          <a:effectLst/>
         </p:spPr>
       </p:pic>
     </p:spTree>
@@ -16152,10 +17389,407 @@
   <p:clrMapOvr>
     <a:masterClrMapping/>
   </p:clrMapOvr>
+  <p:timing>
+    <p:tnLst>
+      <p:par>
+        <p:cTn id="1" dur="indefinite" restart="never" nodeType="tmRoot"/>
+      </p:par>
+    </p:tnLst>
+  </p:timing>
 </p:sld>
 </file>
 
 <file path=ppt/slides/slide3.xml><?xml version="1.0" encoding="utf-8"?>
+<p:sld xmlns:a="http://schemas.openxmlformats.org/drawingml/2006/main" xmlns:r="http://schemas.openxmlformats.org/officeDocument/2006/relationships" xmlns:p="http://schemas.openxmlformats.org/presentationml/2006/main">
+  <p:cSld>
+    <p:spTree>
+      <p:nvGrpSpPr>
+        <p:cNvPr id="1" name=""/>
+        <p:cNvGrpSpPr/>
+        <p:nvPr/>
+      </p:nvGrpSpPr>
+      <p:grpSpPr>
+        <a:xfrm>
+          <a:off x="0" y="0"/>
+          <a:ext cx="0" cy="0"/>
+          <a:chOff x="0" y="0"/>
+          <a:chExt cx="0" cy="0"/>
+        </a:xfrm>
+      </p:grpSpPr>
+      <p:sp>
+        <p:nvSpPr>
+          <p:cNvPr id="3" name="2 Título"/>
+          <p:cNvSpPr>
+            <a:spLocks noGrp="1"/>
+          </p:cNvSpPr>
+          <p:nvPr>
+            <p:ph type="title"/>
+          </p:nvPr>
+        </p:nvSpPr>
+        <p:spPr/>
+        <p:txBody>
+          <a:bodyPr>
+            <a:normAutofit fontScale="90000"/>
+          </a:bodyPr>
+          <a:lstStyle/>
+          <a:p>
+            <a:r>
+              <a:rPr lang="es-PE" dirty="0" smtClean="0"/>
+              <a:t>Proceso: Gestión de Cartera de Clientes</a:t>
+            </a:r>
+            <a:endParaRPr lang="es-PE" dirty="0"/>
+          </a:p>
+        </p:txBody>
+      </p:sp>
+      <p:pic>
+        <p:nvPicPr>
+          <p:cNvPr id="3075" name="Picture 3"/>
+          <p:cNvPicPr>
+            <a:picLocks noChangeAspect="1" noChangeArrowheads="1"/>
+          </p:cNvPicPr>
+          <p:nvPr/>
+        </p:nvPicPr>
+        <p:blipFill>
+          <a:blip r:embed="rId2" cstate="print"/>
+          <a:srcRect/>
+          <a:stretch>
+            <a:fillRect/>
+          </a:stretch>
+        </p:blipFill>
+        <p:spPr bwMode="auto">
+          <a:xfrm>
+            <a:off x="251520" y="2492896"/>
+            <a:ext cx="8728128" cy="3528392"/>
+          </a:xfrm>
+          <a:prstGeom prst="rect">
+            <a:avLst/>
+          </a:prstGeom>
+          <a:noFill/>
+          <a:ln w="9525">
+            <a:noFill/>
+            <a:miter lim="800000"/>
+            <a:headEnd/>
+            <a:tailEnd/>
+          </a:ln>
+        </p:spPr>
+      </p:pic>
+    </p:spTree>
+  </p:cSld>
+  <p:clrMapOvr>
+    <a:masterClrMapping/>
+  </p:clrMapOvr>
+  <p:timing>
+    <p:tnLst>
+      <p:par>
+        <p:cTn id="1" dur="indefinite" restart="never" nodeType="tmRoot"/>
+      </p:par>
+    </p:tnLst>
+  </p:timing>
+</p:sld>
+</file>
+
+<file path=ppt/slides/slide4.xml><?xml version="1.0" encoding="utf-8"?>
+<p:sld xmlns:a="http://schemas.openxmlformats.org/drawingml/2006/main" xmlns:r="http://schemas.openxmlformats.org/officeDocument/2006/relationships" xmlns:p="http://schemas.openxmlformats.org/presentationml/2006/main">
+  <p:cSld>
+    <p:spTree>
+      <p:nvGrpSpPr>
+        <p:cNvPr id="1" name=""/>
+        <p:cNvGrpSpPr/>
+        <p:nvPr/>
+      </p:nvGrpSpPr>
+      <p:grpSpPr>
+        <a:xfrm>
+          <a:off x="0" y="0"/>
+          <a:ext cx="0" cy="0"/>
+          <a:chOff x="0" y="0"/>
+          <a:chExt cx="0" cy="0"/>
+        </a:xfrm>
+      </p:grpSpPr>
+      <p:sp>
+        <p:nvSpPr>
+          <p:cNvPr id="3" name="2 Título"/>
+          <p:cNvSpPr>
+            <a:spLocks noGrp="1"/>
+          </p:cNvSpPr>
+          <p:nvPr>
+            <p:ph type="title"/>
+          </p:nvPr>
+        </p:nvSpPr>
+        <p:spPr/>
+        <p:txBody>
+          <a:bodyPr>
+            <a:normAutofit/>
+          </a:bodyPr>
+          <a:lstStyle/>
+          <a:p>
+            <a:r>
+              <a:rPr lang="es-PE" dirty="0" smtClean="0"/>
+              <a:t>Proceso: Gestión de Contratos</a:t>
+            </a:r>
+            <a:endParaRPr lang="es-PE" dirty="0"/>
+          </a:p>
+        </p:txBody>
+      </p:sp>
+      <p:pic>
+        <p:nvPicPr>
+          <p:cNvPr id="4098" name="Picture 2"/>
+          <p:cNvPicPr>
+            <a:picLocks noChangeAspect="1" noChangeArrowheads="1"/>
+          </p:cNvPicPr>
+          <p:nvPr/>
+        </p:nvPicPr>
+        <p:blipFill>
+          <a:blip r:embed="rId2" cstate="print"/>
+          <a:srcRect/>
+          <a:stretch>
+            <a:fillRect/>
+          </a:stretch>
+        </p:blipFill>
+        <p:spPr bwMode="auto">
+          <a:xfrm>
+            <a:off x="144016" y="2716709"/>
+            <a:ext cx="8820472" cy="3160563"/>
+          </a:xfrm>
+          <a:prstGeom prst="rect">
+            <a:avLst/>
+          </a:prstGeom>
+          <a:noFill/>
+          <a:ln w="9525">
+            <a:noFill/>
+            <a:miter lim="800000"/>
+            <a:headEnd/>
+            <a:tailEnd/>
+          </a:ln>
+        </p:spPr>
+      </p:pic>
+    </p:spTree>
+  </p:cSld>
+  <p:clrMapOvr>
+    <a:masterClrMapping/>
+  </p:clrMapOvr>
+  <p:timing>
+    <p:tnLst>
+      <p:par>
+        <p:cTn id="1" dur="indefinite" restart="never" nodeType="tmRoot"/>
+      </p:par>
+    </p:tnLst>
+  </p:timing>
+</p:sld>
+</file>
+
+<file path=ppt/slides/slide5.xml><?xml version="1.0" encoding="utf-8"?>
+<p:sld xmlns:a="http://schemas.openxmlformats.org/drawingml/2006/main" xmlns:r="http://schemas.openxmlformats.org/officeDocument/2006/relationships" xmlns:p="http://schemas.openxmlformats.org/presentationml/2006/main">
+  <p:cSld>
+    <p:spTree>
+      <p:nvGrpSpPr>
+        <p:cNvPr id="1" name=""/>
+        <p:cNvGrpSpPr/>
+        <p:nvPr/>
+      </p:nvGrpSpPr>
+      <p:grpSpPr>
+        <a:xfrm>
+          <a:off x="0" y="0"/>
+          <a:ext cx="0" cy="0"/>
+          <a:chOff x="0" y="0"/>
+          <a:chExt cx="0" cy="0"/>
+        </a:xfrm>
+      </p:grpSpPr>
+      <p:sp>
+        <p:nvSpPr>
+          <p:cNvPr id="3" name="2 Título"/>
+          <p:cNvSpPr>
+            <a:spLocks noGrp="1"/>
+          </p:cNvSpPr>
+          <p:nvPr>
+            <p:ph type="title"/>
+          </p:nvPr>
+        </p:nvSpPr>
+        <p:spPr/>
+        <p:txBody>
+          <a:bodyPr>
+            <a:normAutofit fontScale="90000"/>
+          </a:bodyPr>
+          <a:lstStyle/>
+          <a:p>
+            <a:r>
+              <a:rPr lang="es-PE" dirty="0" smtClean="0"/>
+              <a:t>Modelo de Casos de uso del negocio</a:t>
+            </a:r>
+            <a:endParaRPr lang="es-PE" dirty="0"/>
+          </a:p>
+        </p:txBody>
+      </p:sp>
+      <p:graphicFrame>
+        <p:nvGraphicFramePr>
+          <p:cNvPr id="4" name="3 Tabla"/>
+          <p:cNvGraphicFramePr>
+            <a:graphicFrameLocks noGrp="1"/>
+          </p:cNvGraphicFramePr>
+          <p:nvPr/>
+        </p:nvGraphicFramePr>
+        <p:xfrm>
+          <a:off x="323528" y="2708920"/>
+          <a:ext cx="8496945" cy="3600400"/>
+        </p:xfrm>
+        <a:graphic>
+          <a:graphicData uri="http://schemas.openxmlformats.org/drawingml/2006/table">
+            <a:tbl>
+              <a:tblPr firstRow="1" bandRow="1">
+                <a:tableStyleId>{BC89EF96-8CEA-46FF-86C4-4CE0E7609802}</a:tableStyleId>
+              </a:tblPr>
+              <a:tblGrid>
+                <a:gridCol w="2664296"/>
+                <a:gridCol w="2952328"/>
+                <a:gridCol w="2880321"/>
+              </a:tblGrid>
+              <a:tr h="3600400">
+                <a:tc>
+                  <a:txBody>
+                    <a:bodyPr/>
+                    <a:lstStyle/>
+                    <a:p>
+                      <a:endParaRPr lang="es-ES" dirty="0"/>
+                    </a:p>
+                  </a:txBody>
+                  <a:tcPr/>
+                </a:tc>
+                <a:tc>
+                  <a:txBody>
+                    <a:bodyPr/>
+                    <a:lstStyle/>
+                    <a:p>
+                      <a:endParaRPr lang="es-ES" dirty="0"/>
+                    </a:p>
+                  </a:txBody>
+                  <a:tcPr/>
+                </a:tc>
+                <a:tc>
+                  <a:txBody>
+                    <a:bodyPr/>
+                    <a:lstStyle/>
+                    <a:p>
+                      <a:endParaRPr lang="es-ES" dirty="0"/>
+                    </a:p>
+                  </a:txBody>
+                  <a:tcPr/>
+                </a:tc>
+              </a:tr>
+            </a:tbl>
+          </a:graphicData>
+        </a:graphic>
+      </p:graphicFrame>
+      <p:pic>
+        <p:nvPicPr>
+          <p:cNvPr id="1027" name="Picture 3"/>
+          <p:cNvPicPr>
+            <a:picLocks noChangeAspect="1" noChangeArrowheads="1"/>
+          </p:cNvPicPr>
+          <p:nvPr/>
+        </p:nvPicPr>
+        <p:blipFill>
+          <a:blip r:embed="rId2" cstate="print"/>
+          <a:srcRect/>
+          <a:stretch>
+            <a:fillRect/>
+          </a:stretch>
+        </p:blipFill>
+        <p:spPr bwMode="auto">
+          <a:xfrm>
+            <a:off x="704546" y="3645024"/>
+            <a:ext cx="1995246" cy="1656184"/>
+          </a:xfrm>
+          <a:prstGeom prst="rect">
+            <a:avLst/>
+          </a:prstGeom>
+          <a:noFill/>
+          <a:ln w="9525">
+            <a:noFill/>
+            <a:miter lim="800000"/>
+            <a:headEnd/>
+            <a:tailEnd/>
+          </a:ln>
+        </p:spPr>
+      </p:pic>
+      <p:pic>
+        <p:nvPicPr>
+          <p:cNvPr id="1028" name="Picture 4"/>
+          <p:cNvPicPr>
+            <a:picLocks noChangeAspect="1" noChangeArrowheads="1"/>
+          </p:cNvPicPr>
+          <p:nvPr/>
+        </p:nvPicPr>
+        <p:blipFill>
+          <a:blip r:embed="rId3" cstate="print"/>
+          <a:srcRect/>
+          <a:stretch>
+            <a:fillRect/>
+          </a:stretch>
+        </p:blipFill>
+        <p:spPr bwMode="auto">
+          <a:xfrm>
+            <a:off x="3347864" y="3707033"/>
+            <a:ext cx="2242939" cy="1666183"/>
+          </a:xfrm>
+          <a:prstGeom prst="rect">
+            <a:avLst/>
+          </a:prstGeom>
+          <a:noFill/>
+          <a:ln w="9525">
+            <a:noFill/>
+            <a:miter lim="800000"/>
+            <a:headEnd/>
+            <a:tailEnd/>
+          </a:ln>
+        </p:spPr>
+      </p:pic>
+      <p:pic>
+        <p:nvPicPr>
+          <p:cNvPr id="1029" name="Picture 5"/>
+          <p:cNvPicPr>
+            <a:picLocks noChangeAspect="1" noChangeArrowheads="1"/>
+          </p:cNvPicPr>
+          <p:nvPr/>
+        </p:nvPicPr>
+        <p:blipFill>
+          <a:blip r:embed="rId4" cstate="print"/>
+          <a:srcRect/>
+          <a:stretch>
+            <a:fillRect/>
+          </a:stretch>
+        </p:blipFill>
+        <p:spPr bwMode="auto">
+          <a:xfrm>
+            <a:off x="6372200" y="3645024"/>
+            <a:ext cx="2137837" cy="1728192"/>
+          </a:xfrm>
+          <a:prstGeom prst="rect">
+            <a:avLst/>
+          </a:prstGeom>
+          <a:noFill/>
+          <a:ln w="9525">
+            <a:noFill/>
+            <a:miter lim="800000"/>
+            <a:headEnd/>
+            <a:tailEnd/>
+          </a:ln>
+        </p:spPr>
+      </p:pic>
+    </p:spTree>
+  </p:cSld>
+  <p:clrMapOvr>
+    <a:masterClrMapping/>
+  </p:clrMapOvr>
+  <p:timing>
+    <p:tnLst>
+      <p:par>
+        <p:cTn id="1" dur="indefinite" restart="never" nodeType="tmRoot"/>
+      </p:par>
+    </p:tnLst>
+  </p:timing>
+</p:sld>
+</file>
+
+<file path=ppt/slides/slide6.xml><?xml version="1.0" encoding="utf-8"?>
 <p:sld xmlns:a="http://schemas.openxmlformats.org/drawingml/2006/main" xmlns:r="http://schemas.openxmlformats.org/officeDocument/2006/relationships" xmlns:p="http://schemas.openxmlformats.org/presentationml/2006/main">
   <p:cSld>
     <p:spTree>
@@ -16703,7 +18337,7 @@
     </p:spTree>
     <p:extLst>
       <p:ext uri="{BB962C8B-B14F-4D97-AF65-F5344CB8AC3E}">
-        <p14:creationId xmlns="" xmlns:p14="http://schemas.microsoft.com/office/powerpoint/2010/main" val="1314591319"/>
+        <p14:creationId xmlns:p14="http://schemas.microsoft.com/office/powerpoint/2010/main" xmlns="" val="1314591319"/>
       </p:ext>
     </p:extLst>
   </p:cSld>
@@ -16720,7 +18354,7 @@
 </p:sld>
 </file>
 
-<file path=ppt/slides/slide4.xml><?xml version="1.0" encoding="utf-8"?>
+<file path=ppt/slides/slide7.xml><?xml version="1.0" encoding="utf-8"?>
 <p:sld xmlns:a="http://schemas.openxmlformats.org/drawingml/2006/main" xmlns:r="http://schemas.openxmlformats.org/officeDocument/2006/relationships" xmlns:p="http://schemas.openxmlformats.org/presentationml/2006/main">
   <p:cSld>
     <p:spTree>
@@ -17356,7 +18990,7 @@
     </p:spTree>
     <p:extLst>
       <p:ext uri="{BB962C8B-B14F-4D97-AF65-F5344CB8AC3E}">
-        <p14:creationId xmlns="" xmlns:p14="http://schemas.microsoft.com/office/powerpoint/2010/main" val="1314591319"/>
+        <p14:creationId xmlns:p14="http://schemas.microsoft.com/office/powerpoint/2010/main" xmlns="" val="1314591319"/>
       </p:ext>
     </p:extLst>
   </p:cSld>
@@ -17373,7 +19007,7 @@
 </p:sld>
 </file>
 
-<file path=ppt/slides/slide5.xml><?xml version="1.0" encoding="utf-8"?>
+<file path=ppt/slides/slide8.xml><?xml version="1.0" encoding="utf-8"?>
 <p:sld xmlns:a="http://schemas.openxmlformats.org/drawingml/2006/main" xmlns:r="http://schemas.openxmlformats.org/officeDocument/2006/relationships" xmlns:p="http://schemas.openxmlformats.org/presentationml/2006/main">
   <p:cSld>
     <p:spTree>
@@ -17570,7 +19204,7 @@
     </p:spTree>
     <p:extLst>
       <p:ext uri="{BB962C8B-B14F-4D97-AF65-F5344CB8AC3E}">
-        <p14:creationId xmlns="" xmlns:p14="http://schemas.microsoft.com/office/powerpoint/2010/main" val="1314591319"/>
+        <p14:creationId xmlns:p14="http://schemas.microsoft.com/office/powerpoint/2010/main" xmlns="" val="1314591319"/>
       </p:ext>
     </p:extLst>
   </p:cSld>
@@ -17587,7 +19221,7 @@
 </p:sld>
 </file>
 
-<file path=ppt/slides/slide6.xml><?xml version="1.0" encoding="utf-8"?>
+<file path=ppt/slides/slide9.xml><?xml version="1.0" encoding="utf-8"?>
 <p:sld xmlns:a="http://schemas.openxmlformats.org/drawingml/2006/main" xmlns:r="http://schemas.openxmlformats.org/officeDocument/2006/relationships" xmlns:p="http://schemas.openxmlformats.org/presentationml/2006/main">
   <p:cSld>
     <p:spTree>
@@ -17764,8 +19398,8 @@
         </p:blipFill>
         <p:spPr bwMode="auto">
           <a:xfrm>
-            <a:off x="3995936" y="3212976"/>
-            <a:ext cx="2880320" cy="2880320"/>
+            <a:off x="3923928" y="2924944"/>
+            <a:ext cx="3456384" cy="3312368"/>
           </a:xfrm>
           <a:prstGeom prst="rect">
             <a:avLst/>
@@ -17782,1137 +19416,7 @@
     </p:spTree>
     <p:extLst>
       <p:ext uri="{BB962C8B-B14F-4D97-AF65-F5344CB8AC3E}">
-        <p14:creationId xmlns="" xmlns:p14="http://schemas.microsoft.com/office/powerpoint/2010/main" val="1314591319"/>
-      </p:ext>
-    </p:extLst>
-  </p:cSld>
-  <p:clrMapOvr>
-    <a:masterClrMapping/>
-  </p:clrMapOvr>
-  <p:timing>
-    <p:tnLst>
-      <p:par>
-        <p:cTn id="1" dur="indefinite" restart="never" nodeType="tmRoot"/>
-      </p:par>
-    </p:tnLst>
-  </p:timing>
-</p:sld>
-</file>
-
-<file path=ppt/slides/slide7.xml><?xml version="1.0" encoding="utf-8"?>
-<p:sld xmlns:a="http://schemas.openxmlformats.org/drawingml/2006/main" xmlns:r="http://schemas.openxmlformats.org/officeDocument/2006/relationships" xmlns:p="http://schemas.openxmlformats.org/presentationml/2006/main">
-  <p:cSld>
-    <p:spTree>
-      <p:nvGrpSpPr>
-        <p:cNvPr id="1" name=""/>
-        <p:cNvGrpSpPr/>
-        <p:nvPr/>
-      </p:nvGrpSpPr>
-      <p:grpSpPr>
-        <a:xfrm>
-          <a:off x="0" y="0"/>
-          <a:ext cx="0" cy="0"/>
-          <a:chOff x="0" y="0"/>
-          <a:chExt cx="0" cy="0"/>
-        </a:xfrm>
-      </p:grpSpPr>
-      <p:sp>
-        <p:nvSpPr>
-          <p:cNvPr id="3" name="2 Título"/>
-          <p:cNvSpPr>
-            <a:spLocks noGrp="1"/>
-          </p:cNvSpPr>
-          <p:nvPr>
-            <p:ph type="title"/>
-          </p:nvPr>
-        </p:nvSpPr>
-        <p:spPr/>
-        <p:txBody>
-          <a:bodyPr>
-            <a:normAutofit fontScale="90000"/>
-          </a:bodyPr>
-          <a:lstStyle/>
-          <a:p>
-            <a:r>
-              <a:rPr lang="es-PE" dirty="0"/>
-              <a:t>ESPECIFICACION </a:t>
-            </a:r>
-            <a:r>
-              <a:rPr lang="es-PE" dirty="0" smtClean="0"/>
-              <a:t>DE </a:t>
-            </a:r>
-            <a:r>
-              <a:rPr lang="es-PE" dirty="0"/>
-              <a:t>REGLAS DE </a:t>
-            </a:r>
-            <a:r>
-              <a:rPr lang="es-PE" dirty="0" smtClean="0"/>
-              <a:t>NEGOCIO (cont..)</a:t>
-            </a:r>
-            <a:endParaRPr lang="es-PE" dirty="0"/>
-          </a:p>
-        </p:txBody>
-      </p:sp>
-      <p:graphicFrame>
-        <p:nvGraphicFramePr>
-          <p:cNvPr id="6" name="5 Tabla"/>
-          <p:cNvGraphicFramePr>
-            <a:graphicFrameLocks noGrp="1"/>
-          </p:cNvGraphicFramePr>
-          <p:nvPr/>
-        </p:nvGraphicFramePr>
-        <p:xfrm>
-          <a:off x="323528" y="2348880"/>
-          <a:ext cx="8568952" cy="4176464"/>
-        </p:xfrm>
-        <a:graphic>
-          <a:graphicData uri="http://schemas.openxmlformats.org/drawingml/2006/table">
-            <a:tbl>
-              <a:tblPr firstRow="1" bandRow="1">
-                <a:tableStyleId>{BC89EF96-8CEA-46FF-86C4-4CE0E7609802}</a:tableStyleId>
-              </a:tblPr>
-              <a:tblGrid>
-                <a:gridCol w="2427870"/>
-                <a:gridCol w="6141082"/>
-              </a:tblGrid>
-              <a:tr h="1290461">
-                <a:tc>
-                  <a:txBody>
-                    <a:bodyPr/>
-                    <a:lstStyle/>
-                    <a:p>
-                      <a:endParaRPr lang="es-ES" dirty="0"/>
-                    </a:p>
-                  </a:txBody>
-                  <a:tcPr/>
-                </a:tc>
-                <a:tc>
-                  <a:txBody>
-                    <a:bodyPr/>
-                    <a:lstStyle/>
-                    <a:p>
-                      <a:pPr marL="0" marR="0" indent="0" algn="just" defTabSz="914400" rtl="0" eaLnBrk="1" fontAlgn="auto" latinLnBrk="0" hangingPunct="1">
-                        <a:lnSpc>
-                          <a:spcPct val="100000"/>
-                        </a:lnSpc>
-                        <a:spcBef>
-                          <a:spcPts val="0"/>
-                        </a:spcBef>
-                        <a:spcAft>
-                          <a:spcPts val="0"/>
-                        </a:spcAft>
-                        <a:buClrTx/>
-                        <a:buSzTx/>
-                        <a:buFontTx/>
-                        <a:buNone/>
-                        <a:tabLst/>
-                        <a:defRPr/>
-                      </a:pPr>
-                      <a:endParaRPr lang="es-PE" sz="1800" b="0" kern="1200" dirty="0" smtClean="0">
-                        <a:solidFill>
-                          <a:schemeClr val="tx1"/>
-                        </a:solidFill>
-                        <a:latin typeface="+mn-lt"/>
-                        <a:ea typeface="+mn-ea"/>
-                        <a:cs typeface="+mn-cs"/>
-                      </a:endParaRPr>
-                    </a:p>
-                    <a:p>
-                      <a:pPr marL="0" marR="0" indent="0" algn="just" defTabSz="914400" rtl="0" eaLnBrk="1" fontAlgn="auto" latinLnBrk="0" hangingPunct="1">
-                        <a:lnSpc>
-                          <a:spcPct val="100000"/>
-                        </a:lnSpc>
-                        <a:spcBef>
-                          <a:spcPts val="0"/>
-                        </a:spcBef>
-                        <a:spcAft>
-                          <a:spcPts val="0"/>
-                        </a:spcAft>
-                        <a:buClrTx/>
-                        <a:buSzTx/>
-                        <a:buFontTx/>
-                        <a:buNone/>
-                        <a:tabLst/>
-                        <a:defRPr/>
-                      </a:pPr>
-                      <a:r>
-                        <a:rPr lang="es-PE" sz="1800" b="0" kern="1200" dirty="0" smtClean="0">
-                          <a:solidFill>
-                            <a:schemeClr val="tx1"/>
-                          </a:solidFill>
-                          <a:latin typeface="+mn-lt"/>
-                          <a:ea typeface="+mn-ea"/>
-                          <a:cs typeface="+mn-cs"/>
-                        </a:rPr>
-                        <a:t>La frecuencia de Seguimientos individuales a los Clientes se deben realizar de manera mensual.</a:t>
-                      </a:r>
-                      <a:endParaRPr lang="es-ES" sz="1800" b="0" kern="1200" dirty="0" smtClean="0">
-                        <a:solidFill>
-                          <a:schemeClr val="tx1"/>
-                        </a:solidFill>
-                        <a:latin typeface="+mn-lt"/>
-                        <a:ea typeface="+mn-ea"/>
-                        <a:cs typeface="+mn-cs"/>
-                      </a:endParaRPr>
-                    </a:p>
-                  </a:txBody>
-                  <a:tcPr/>
-                </a:tc>
-              </a:tr>
-              <a:tr h="1409356">
-                <a:tc>
-                  <a:txBody>
-                    <a:bodyPr/>
-                    <a:lstStyle/>
-                    <a:p>
-                      <a:endParaRPr lang="es-ES" dirty="0"/>
-                    </a:p>
-                  </a:txBody>
-                  <a:tcPr/>
-                </a:tc>
-                <a:tc>
-                  <a:txBody>
-                    <a:bodyPr/>
-                    <a:lstStyle/>
-                    <a:p>
-                      <a:pPr marL="0" marR="0" indent="0" algn="just" defTabSz="914400" rtl="0" eaLnBrk="1" fontAlgn="auto" latinLnBrk="0" hangingPunct="1">
-                        <a:lnSpc>
-                          <a:spcPct val="100000"/>
-                        </a:lnSpc>
-                        <a:spcBef>
-                          <a:spcPts val="0"/>
-                        </a:spcBef>
-                        <a:spcAft>
-                          <a:spcPts val="0"/>
-                        </a:spcAft>
-                        <a:buClrTx/>
-                        <a:buSzTx/>
-                        <a:buFontTx/>
-                        <a:buNone/>
-                        <a:tabLst/>
-                        <a:defRPr/>
-                      </a:pPr>
-                      <a:endParaRPr lang="es-PE" sz="1800" b="0" kern="1200" dirty="0" smtClean="0">
-                        <a:solidFill>
-                          <a:schemeClr val="tx1"/>
-                        </a:solidFill>
-                        <a:latin typeface="+mn-lt"/>
-                        <a:ea typeface="+mn-ea"/>
-                        <a:cs typeface="+mn-cs"/>
-                      </a:endParaRPr>
-                    </a:p>
-                    <a:p>
-                      <a:pPr marL="0" marR="0" indent="0" algn="just" defTabSz="914400" rtl="0" eaLnBrk="1" fontAlgn="auto" latinLnBrk="0" hangingPunct="1">
-                        <a:lnSpc>
-                          <a:spcPct val="100000"/>
-                        </a:lnSpc>
-                        <a:spcBef>
-                          <a:spcPts val="0"/>
-                        </a:spcBef>
-                        <a:spcAft>
-                          <a:spcPts val="0"/>
-                        </a:spcAft>
-                        <a:buClrTx/>
-                        <a:buSzTx/>
-                        <a:buFontTx/>
-                        <a:buNone/>
-                        <a:tabLst/>
-                        <a:defRPr/>
-                      </a:pPr>
-                      <a:r>
-                        <a:rPr lang="es-PE" sz="1800" b="0" kern="1200" dirty="0" smtClean="0">
-                          <a:solidFill>
-                            <a:schemeClr val="tx1"/>
-                          </a:solidFill>
-                          <a:latin typeface="+mn-lt"/>
-                          <a:ea typeface="+mn-ea"/>
-                          <a:cs typeface="+mn-cs"/>
-                        </a:rPr>
-                        <a:t>Si un cliente tiene un contrato por un servicio, no se deberá generar otro contrato por el mismo servicio mientras haya uno vigente.</a:t>
-                      </a:r>
-                      <a:endParaRPr lang="es-ES" sz="1800" b="0" kern="1200" dirty="0" smtClean="0">
-                        <a:solidFill>
-                          <a:schemeClr val="tx1"/>
-                        </a:solidFill>
-                        <a:latin typeface="+mn-lt"/>
-                        <a:ea typeface="+mn-ea"/>
-                        <a:cs typeface="+mn-cs"/>
-                      </a:endParaRPr>
-                    </a:p>
-                  </a:txBody>
-                  <a:tcPr/>
-                </a:tc>
-              </a:tr>
-              <a:tr h="1476647">
-                <a:tc>
-                  <a:txBody>
-                    <a:bodyPr/>
-                    <a:lstStyle/>
-                    <a:p>
-                      <a:endParaRPr lang="es-ES" dirty="0"/>
-                    </a:p>
-                  </a:txBody>
-                  <a:tcPr/>
-                </a:tc>
-                <a:tc>
-                  <a:txBody>
-                    <a:bodyPr/>
-                    <a:lstStyle/>
-                    <a:p>
-                      <a:pPr marL="0" marR="0" indent="0" algn="just" defTabSz="914400" rtl="0" eaLnBrk="1" fontAlgn="auto" latinLnBrk="0" hangingPunct="1">
-                        <a:lnSpc>
-                          <a:spcPct val="100000"/>
-                        </a:lnSpc>
-                        <a:spcBef>
-                          <a:spcPts val="0"/>
-                        </a:spcBef>
-                        <a:spcAft>
-                          <a:spcPts val="0"/>
-                        </a:spcAft>
-                        <a:buClrTx/>
-                        <a:buSzTx/>
-                        <a:buFontTx/>
-                        <a:buNone/>
-                        <a:tabLst/>
-                        <a:defRPr/>
-                      </a:pPr>
-                      <a:endParaRPr lang="es-PE" sz="1800" b="0" kern="1200" dirty="0" smtClean="0">
-                        <a:solidFill>
-                          <a:schemeClr val="tx1"/>
-                        </a:solidFill>
-                        <a:latin typeface="+mn-lt"/>
-                        <a:ea typeface="+mn-ea"/>
-                        <a:cs typeface="+mn-cs"/>
-                      </a:endParaRPr>
-                    </a:p>
-                    <a:p>
-                      <a:pPr marL="0" marR="0" indent="0" algn="just" defTabSz="914400" rtl="0" eaLnBrk="1" fontAlgn="auto" latinLnBrk="0" hangingPunct="1">
-                        <a:lnSpc>
-                          <a:spcPct val="100000"/>
-                        </a:lnSpc>
-                        <a:spcBef>
-                          <a:spcPts val="0"/>
-                        </a:spcBef>
-                        <a:spcAft>
-                          <a:spcPts val="0"/>
-                        </a:spcAft>
-                        <a:buClrTx/>
-                        <a:buSzTx/>
-                        <a:buFontTx/>
-                        <a:buNone/>
-                        <a:tabLst/>
-                        <a:defRPr/>
-                      </a:pPr>
-                      <a:r>
-                        <a:rPr lang="es-PE" sz="1800" b="0" kern="1200" dirty="0" smtClean="0">
-                          <a:solidFill>
-                            <a:schemeClr val="tx1"/>
-                          </a:solidFill>
-                          <a:latin typeface="+mn-lt"/>
-                          <a:ea typeface="+mn-ea"/>
-                          <a:cs typeface="+mn-cs"/>
-                        </a:rPr>
-                        <a:t>Se genera una Adenda sólo si el Contrato se encuentra vigente.</a:t>
-                      </a:r>
-                      <a:endParaRPr lang="es-ES" sz="1800" b="0" kern="1200" dirty="0" smtClean="0">
-                        <a:solidFill>
-                          <a:schemeClr val="tx1"/>
-                        </a:solidFill>
-                        <a:latin typeface="+mn-lt"/>
-                        <a:ea typeface="+mn-ea"/>
-                        <a:cs typeface="+mn-cs"/>
-                      </a:endParaRPr>
-                    </a:p>
-                  </a:txBody>
-                  <a:tcPr/>
-                </a:tc>
-              </a:tr>
-            </a:tbl>
-          </a:graphicData>
-        </a:graphic>
-      </p:graphicFrame>
-      <p:pic>
-        <p:nvPicPr>
-          <p:cNvPr id="5122" name="Picture 2"/>
-          <p:cNvPicPr>
-            <a:picLocks noChangeAspect="1" noChangeArrowheads="1"/>
-          </p:cNvPicPr>
-          <p:nvPr/>
-        </p:nvPicPr>
-        <p:blipFill>
-          <a:blip r:embed="rId2" cstate="print"/>
-          <a:srcRect/>
-          <a:stretch>
-            <a:fillRect/>
-          </a:stretch>
-        </p:blipFill>
-        <p:spPr bwMode="auto">
-          <a:xfrm>
-            <a:off x="467544" y="2420888"/>
-            <a:ext cx="2190750" cy="1152525"/>
-          </a:xfrm>
-          <a:prstGeom prst="rect">
-            <a:avLst/>
-          </a:prstGeom>
-          <a:noFill/>
-          <a:ln w="9525">
-            <a:noFill/>
-            <a:miter lim="800000"/>
-            <a:headEnd/>
-            <a:tailEnd/>
-          </a:ln>
-        </p:spPr>
-      </p:pic>
-      <p:pic>
-        <p:nvPicPr>
-          <p:cNvPr id="5123" name="Picture 3"/>
-          <p:cNvPicPr>
-            <a:picLocks noChangeAspect="1" noChangeArrowheads="1"/>
-          </p:cNvPicPr>
-          <p:nvPr/>
-        </p:nvPicPr>
-        <p:blipFill>
-          <a:blip r:embed="rId3" cstate="print"/>
-          <a:srcRect/>
-          <a:stretch>
-            <a:fillRect/>
-          </a:stretch>
-        </p:blipFill>
-        <p:spPr bwMode="auto">
-          <a:xfrm>
-            <a:off x="659160" y="3861048"/>
-            <a:ext cx="1752600" cy="942975"/>
-          </a:xfrm>
-          <a:prstGeom prst="rect">
-            <a:avLst/>
-          </a:prstGeom>
-          <a:noFill/>
-          <a:ln w="9525">
-            <a:noFill/>
-            <a:miter lim="800000"/>
-            <a:headEnd/>
-            <a:tailEnd/>
-          </a:ln>
-        </p:spPr>
-      </p:pic>
-      <p:pic>
-        <p:nvPicPr>
-          <p:cNvPr id="5124" name="Picture 4"/>
-          <p:cNvPicPr>
-            <a:picLocks noChangeAspect="1" noChangeArrowheads="1"/>
-          </p:cNvPicPr>
-          <p:nvPr/>
-        </p:nvPicPr>
-        <p:blipFill>
-          <a:blip r:embed="rId4" cstate="print"/>
-          <a:srcRect/>
-          <a:stretch>
-            <a:fillRect/>
-          </a:stretch>
-        </p:blipFill>
-        <p:spPr bwMode="auto">
-          <a:xfrm>
-            <a:off x="716310" y="5301208"/>
-            <a:ext cx="1695450" cy="1009650"/>
-          </a:xfrm>
-          <a:prstGeom prst="rect">
-            <a:avLst/>
-          </a:prstGeom>
-          <a:noFill/>
-          <a:ln w="9525">
-            <a:noFill/>
-            <a:miter lim="800000"/>
-            <a:headEnd/>
-            <a:tailEnd/>
-          </a:ln>
-        </p:spPr>
-      </p:pic>
-    </p:spTree>
-    <p:extLst>
-      <p:ext uri="{BB962C8B-B14F-4D97-AF65-F5344CB8AC3E}">
-        <p14:creationId xmlns="" xmlns:p14="http://schemas.microsoft.com/office/powerpoint/2010/main" val="1314591319"/>
-      </p:ext>
-    </p:extLst>
-  </p:cSld>
-  <p:clrMapOvr>
-    <a:masterClrMapping/>
-  </p:clrMapOvr>
-  <p:timing>
-    <p:tnLst>
-      <p:par>
-        <p:cTn id="1" dur="indefinite" restart="never" nodeType="tmRoot"/>
-      </p:par>
-    </p:tnLst>
-  </p:timing>
-</p:sld>
-</file>
-
-<file path=ppt/slides/slide8.xml><?xml version="1.0" encoding="utf-8"?>
-<p:sld xmlns:a="http://schemas.openxmlformats.org/drawingml/2006/main" xmlns:r="http://schemas.openxmlformats.org/officeDocument/2006/relationships" xmlns:p="http://schemas.openxmlformats.org/presentationml/2006/main">
-  <p:cSld>
-    <p:spTree>
-      <p:nvGrpSpPr>
-        <p:cNvPr id="1" name=""/>
-        <p:cNvGrpSpPr/>
-        <p:nvPr/>
-      </p:nvGrpSpPr>
-      <p:grpSpPr>
-        <a:xfrm>
-          <a:off x="0" y="0"/>
-          <a:ext cx="0" cy="0"/>
-          <a:chOff x="0" y="0"/>
-          <a:chExt cx="0" cy="0"/>
-        </a:xfrm>
-      </p:grpSpPr>
-      <p:sp>
-        <p:nvSpPr>
-          <p:cNvPr id="3" name="2 Título"/>
-          <p:cNvSpPr>
-            <a:spLocks noGrp="1"/>
-          </p:cNvSpPr>
-          <p:nvPr>
-            <p:ph type="title"/>
-          </p:nvPr>
-        </p:nvSpPr>
-        <p:spPr/>
-        <p:txBody>
-          <a:bodyPr>
-            <a:normAutofit fontScale="90000"/>
-          </a:bodyPr>
-          <a:lstStyle/>
-          <a:p>
-            <a:r>
-              <a:rPr lang="es-PE" dirty="0"/>
-              <a:t>ESPECIFICACION </a:t>
-            </a:r>
-            <a:r>
-              <a:rPr lang="es-PE" dirty="0" smtClean="0"/>
-              <a:t>DE </a:t>
-            </a:r>
-            <a:r>
-              <a:rPr lang="es-PE" dirty="0"/>
-              <a:t>REGLAS DE </a:t>
-            </a:r>
-            <a:r>
-              <a:rPr lang="es-PE" dirty="0" smtClean="0"/>
-              <a:t>NEGOCIO (cont..)</a:t>
-            </a:r>
-            <a:endParaRPr lang="es-PE" dirty="0"/>
-          </a:p>
-        </p:txBody>
-      </p:sp>
-      <p:graphicFrame>
-        <p:nvGraphicFramePr>
-          <p:cNvPr id="6" name="5 Tabla"/>
-          <p:cNvGraphicFramePr>
-            <a:graphicFrameLocks noGrp="1"/>
-          </p:cNvGraphicFramePr>
-          <p:nvPr/>
-        </p:nvGraphicFramePr>
-        <p:xfrm>
-          <a:off x="323528" y="2348880"/>
-          <a:ext cx="8568952" cy="4104456"/>
-        </p:xfrm>
-        <a:graphic>
-          <a:graphicData uri="http://schemas.openxmlformats.org/drawingml/2006/table">
-            <a:tbl>
-              <a:tblPr firstRow="1" bandRow="1">
-                <a:tableStyleId>{BC89EF96-8CEA-46FF-86C4-4CE0E7609802}</a:tableStyleId>
-              </a:tblPr>
-              <a:tblGrid>
-                <a:gridCol w="2448272"/>
-                <a:gridCol w="6120680"/>
-              </a:tblGrid>
-              <a:tr h="4104456">
-                <a:tc>
-                  <a:txBody>
-                    <a:bodyPr/>
-                    <a:lstStyle/>
-                    <a:p>
-                      <a:endParaRPr lang="es-ES" dirty="0"/>
-                    </a:p>
-                  </a:txBody>
-                  <a:tcPr/>
-                </a:tc>
-                <a:tc>
-                  <a:txBody>
-                    <a:bodyPr/>
-                    <a:lstStyle/>
-                    <a:p>
-                      <a:pPr marL="0" marR="0" indent="0" algn="l" defTabSz="914400" rtl="0" eaLnBrk="1" fontAlgn="auto" latinLnBrk="0" hangingPunct="1">
-                        <a:lnSpc>
-                          <a:spcPct val="100000"/>
-                        </a:lnSpc>
-                        <a:spcBef>
-                          <a:spcPts val="0"/>
-                        </a:spcBef>
-                        <a:spcAft>
-                          <a:spcPts val="0"/>
-                        </a:spcAft>
-                        <a:buClrTx/>
-                        <a:buSzTx/>
-                        <a:buFontTx/>
-                        <a:buNone/>
-                        <a:tabLst/>
-                        <a:defRPr/>
-                      </a:pPr>
-                      <a:r>
-                        <a:rPr lang="es-PE" sz="1800" b="0" i="0" kern="1200" dirty="0" smtClean="0">
-                          <a:solidFill>
-                            <a:schemeClr val="tx1"/>
-                          </a:solidFill>
-                          <a:latin typeface="+mn-lt"/>
-                          <a:ea typeface="+mn-ea"/>
-                          <a:cs typeface="+mn-cs"/>
-                        </a:rPr>
-                        <a:t>El cálculo para determinar el monto de Contrato es:</a:t>
-                      </a:r>
-                      <a:endParaRPr lang="es-ES" sz="1800" b="0" i="0" kern="1200" dirty="0" smtClean="0">
-                        <a:solidFill>
-                          <a:schemeClr val="tx1"/>
-                        </a:solidFill>
-                        <a:latin typeface="+mn-lt"/>
-                        <a:ea typeface="+mn-ea"/>
-                        <a:cs typeface="+mn-cs"/>
-                      </a:endParaRPr>
-                    </a:p>
-                    <a:p>
-                      <a:endParaRPr lang="es-ES" dirty="0" smtClean="0"/>
-                    </a:p>
-                    <a:p>
-                      <a:endParaRPr lang="es-ES" dirty="0" smtClean="0"/>
-                    </a:p>
-                    <a:p>
-                      <a:endParaRPr lang="es-ES" dirty="0" smtClean="0"/>
-                    </a:p>
-                    <a:p>
-                      <a:endParaRPr lang="es-ES" dirty="0" smtClean="0"/>
-                    </a:p>
-                    <a:p>
-                      <a:pPr marL="0" marR="0" indent="0" algn="l" defTabSz="914400" rtl="0" eaLnBrk="1" fontAlgn="auto" latinLnBrk="0" hangingPunct="1">
-                        <a:lnSpc>
-                          <a:spcPct val="100000"/>
-                        </a:lnSpc>
-                        <a:spcBef>
-                          <a:spcPts val="0"/>
-                        </a:spcBef>
-                        <a:spcAft>
-                          <a:spcPts val="0"/>
-                        </a:spcAft>
-                        <a:buClrTx/>
-                        <a:buSzTx/>
-                        <a:buFontTx/>
-                        <a:buNone/>
-                        <a:tabLst/>
-                        <a:defRPr/>
-                      </a:pPr>
-                      <a:r>
-                        <a:rPr lang="es-PE" sz="1800" b="1" kern="1200" smtClean="0">
-                          <a:solidFill>
-                            <a:schemeClr val="tx1"/>
-                          </a:solidFill>
-                          <a:latin typeface="+mn-lt"/>
-                          <a:ea typeface="+mn-ea"/>
-                          <a:cs typeface="+mn-cs"/>
-                        </a:rPr>
-                        <a:t>Total = Gastos Recursos + Gastos de equipos+ IGV</a:t>
-                      </a:r>
-                    </a:p>
-                    <a:p>
-                      <a:endParaRPr lang="es-ES" dirty="0"/>
-                    </a:p>
-                  </a:txBody>
-                  <a:tcPr/>
-                </a:tc>
-              </a:tr>
-            </a:tbl>
-          </a:graphicData>
-        </a:graphic>
-      </p:graphicFrame>
-      <p:pic>
-        <p:nvPicPr>
-          <p:cNvPr id="6146" name="Picture 2"/>
-          <p:cNvPicPr>
-            <a:picLocks noChangeAspect="1" noChangeArrowheads="1"/>
-          </p:cNvPicPr>
-          <p:nvPr/>
-        </p:nvPicPr>
-        <p:blipFill>
-          <a:blip r:embed="rId2" cstate="print"/>
-          <a:srcRect/>
-          <a:stretch>
-            <a:fillRect/>
-          </a:stretch>
-        </p:blipFill>
-        <p:spPr bwMode="auto">
-          <a:xfrm>
-            <a:off x="539552" y="3933056"/>
-            <a:ext cx="2057400" cy="990600"/>
-          </a:xfrm>
-          <a:prstGeom prst="rect">
-            <a:avLst/>
-          </a:prstGeom>
-          <a:noFill/>
-          <a:ln w="9525">
-            <a:noFill/>
-            <a:miter lim="800000"/>
-            <a:headEnd/>
-            <a:tailEnd/>
-          </a:ln>
-        </p:spPr>
-      </p:pic>
-    </p:spTree>
-    <p:extLst>
-      <p:ext uri="{BB962C8B-B14F-4D97-AF65-F5344CB8AC3E}">
-        <p14:creationId xmlns="" xmlns:p14="http://schemas.microsoft.com/office/powerpoint/2010/main" val="1314591319"/>
-      </p:ext>
-    </p:extLst>
-  </p:cSld>
-  <p:clrMapOvr>
-    <a:masterClrMapping/>
-  </p:clrMapOvr>
-  <p:timing>
-    <p:tnLst>
-      <p:par>
-        <p:cTn id="1" dur="indefinite" restart="never" nodeType="tmRoot"/>
-      </p:par>
-    </p:tnLst>
-  </p:timing>
-</p:sld>
-</file>
-
-<file path=ppt/slides/slide9.xml><?xml version="1.0" encoding="utf-8"?>
-<p:sld xmlns:a="http://schemas.openxmlformats.org/drawingml/2006/main" xmlns:r="http://schemas.openxmlformats.org/officeDocument/2006/relationships" xmlns:p="http://schemas.openxmlformats.org/presentationml/2006/main">
-  <p:cSld>
-    <p:spTree>
-      <p:nvGrpSpPr>
-        <p:cNvPr id="1" name=""/>
-        <p:cNvGrpSpPr/>
-        <p:nvPr/>
-      </p:nvGrpSpPr>
-      <p:grpSpPr>
-        <a:xfrm>
-          <a:off x="0" y="0"/>
-          <a:ext cx="0" cy="0"/>
-          <a:chOff x="0" y="0"/>
-          <a:chExt cx="0" cy="0"/>
-        </a:xfrm>
-      </p:grpSpPr>
-      <p:sp>
-        <p:nvSpPr>
-          <p:cNvPr id="3" name="2 Título"/>
-          <p:cNvSpPr>
-            <a:spLocks noGrp="1"/>
-          </p:cNvSpPr>
-          <p:nvPr>
-            <p:ph type="title"/>
-          </p:nvPr>
-        </p:nvSpPr>
-        <p:spPr/>
-        <p:txBody>
-          <a:bodyPr>
-            <a:normAutofit fontScale="90000"/>
-          </a:bodyPr>
-          <a:lstStyle/>
-          <a:p>
-            <a:r>
-              <a:rPr lang="es-PE" dirty="0"/>
-              <a:t>ESPECIFICACION </a:t>
-            </a:r>
-            <a:r>
-              <a:rPr lang="es-PE" dirty="0" smtClean="0"/>
-              <a:t>DE </a:t>
-            </a:r>
-            <a:r>
-              <a:rPr lang="es-PE" dirty="0"/>
-              <a:t>REGLAS DE </a:t>
-            </a:r>
-            <a:r>
-              <a:rPr lang="es-PE" dirty="0" smtClean="0"/>
-              <a:t>NEGOCIO (cont..)</a:t>
-            </a:r>
-            <a:endParaRPr lang="es-PE" dirty="0"/>
-          </a:p>
-        </p:txBody>
-      </p:sp>
-      <p:graphicFrame>
-        <p:nvGraphicFramePr>
-          <p:cNvPr id="6" name="5 Tabla"/>
-          <p:cNvGraphicFramePr>
-            <a:graphicFrameLocks noGrp="1"/>
-          </p:cNvGraphicFramePr>
-          <p:nvPr/>
-        </p:nvGraphicFramePr>
-        <p:xfrm>
-          <a:off x="323528" y="2348880"/>
-          <a:ext cx="8568952" cy="4176464"/>
-        </p:xfrm>
-        <a:graphic>
-          <a:graphicData uri="http://schemas.openxmlformats.org/drawingml/2006/table">
-            <a:tbl>
-              <a:tblPr firstRow="1" bandRow="1">
-                <a:tableStyleId>{BC89EF96-8CEA-46FF-86C4-4CE0E7609802}</a:tableStyleId>
-              </a:tblPr>
-              <a:tblGrid>
-                <a:gridCol w="2427870"/>
-                <a:gridCol w="6141082"/>
-              </a:tblGrid>
-              <a:tr h="1290461">
-                <a:tc>
-                  <a:txBody>
-                    <a:bodyPr/>
-                    <a:lstStyle/>
-                    <a:p>
-                      <a:endParaRPr lang="es-ES" dirty="0"/>
-                    </a:p>
-                  </a:txBody>
-                  <a:tcPr/>
-                </a:tc>
-                <a:tc>
-                  <a:txBody>
-                    <a:bodyPr/>
-                    <a:lstStyle/>
-                    <a:p>
-                      <a:pPr marL="0" marR="0" indent="0" algn="just" defTabSz="914400" rtl="0" eaLnBrk="1" fontAlgn="auto" latinLnBrk="0" hangingPunct="1">
-                        <a:lnSpc>
-                          <a:spcPct val="100000"/>
-                        </a:lnSpc>
-                        <a:spcBef>
-                          <a:spcPts val="0"/>
-                        </a:spcBef>
-                        <a:spcAft>
-                          <a:spcPts val="0"/>
-                        </a:spcAft>
-                        <a:buClrTx/>
-                        <a:buSzTx/>
-                        <a:buFontTx/>
-                        <a:buNone/>
-                        <a:tabLst/>
-                        <a:defRPr/>
-                      </a:pPr>
-                      <a:endParaRPr lang="es-PE" sz="1800" b="0" i="0" kern="1200" dirty="0" smtClean="0">
-                        <a:solidFill>
-                          <a:schemeClr val="tx1"/>
-                        </a:solidFill>
-                        <a:latin typeface="+mn-lt"/>
-                        <a:ea typeface="+mn-ea"/>
-                        <a:cs typeface="+mn-cs"/>
-                      </a:endParaRPr>
-                    </a:p>
-                    <a:p>
-                      <a:pPr marL="0" marR="0" indent="0" algn="just" defTabSz="914400" rtl="0" eaLnBrk="1" fontAlgn="auto" latinLnBrk="0" hangingPunct="1">
-                        <a:lnSpc>
-                          <a:spcPct val="100000"/>
-                        </a:lnSpc>
-                        <a:spcBef>
-                          <a:spcPts val="0"/>
-                        </a:spcBef>
-                        <a:spcAft>
-                          <a:spcPts val="0"/>
-                        </a:spcAft>
-                        <a:buClrTx/>
-                        <a:buSzTx/>
-                        <a:buFontTx/>
-                        <a:buNone/>
-                        <a:tabLst/>
-                        <a:defRPr/>
-                      </a:pPr>
-                      <a:r>
-                        <a:rPr lang="es-PE" sz="1800" b="0" i="0" kern="1200" dirty="0" smtClean="0">
-                          <a:solidFill>
-                            <a:schemeClr val="tx1"/>
-                          </a:solidFill>
-                          <a:latin typeface="+mn-lt"/>
-                          <a:ea typeface="+mn-ea"/>
-                          <a:cs typeface="+mn-cs"/>
-                        </a:rPr>
-                        <a:t>Un prospecto de cliente deberá solicitar ser anulado de la lista de contactos solo si el mismo lo solicita.</a:t>
-                      </a:r>
-                      <a:endParaRPr lang="es-ES" sz="1800" b="0" i="0" kern="1200" dirty="0" smtClean="0">
-                        <a:solidFill>
-                          <a:schemeClr val="tx1"/>
-                        </a:solidFill>
-                        <a:latin typeface="+mn-lt"/>
-                        <a:ea typeface="+mn-ea"/>
-                        <a:cs typeface="+mn-cs"/>
-                      </a:endParaRPr>
-                    </a:p>
-                    <a:p>
-                      <a:pPr marL="0" marR="0" indent="0" algn="just" defTabSz="914400" rtl="0" eaLnBrk="1" fontAlgn="auto" latinLnBrk="0" hangingPunct="1">
-                        <a:lnSpc>
-                          <a:spcPct val="100000"/>
-                        </a:lnSpc>
-                        <a:spcBef>
-                          <a:spcPts val="0"/>
-                        </a:spcBef>
-                        <a:spcAft>
-                          <a:spcPts val="0"/>
-                        </a:spcAft>
-                        <a:buClrTx/>
-                        <a:buSzTx/>
-                        <a:buFontTx/>
-                        <a:buNone/>
-                        <a:tabLst/>
-                        <a:defRPr/>
-                      </a:pPr>
-                      <a:endParaRPr lang="es-ES" sz="1800" b="0" kern="1200" dirty="0" smtClean="0">
-                        <a:solidFill>
-                          <a:schemeClr val="tx1"/>
-                        </a:solidFill>
-                        <a:latin typeface="+mn-lt"/>
-                        <a:ea typeface="+mn-ea"/>
-                        <a:cs typeface="+mn-cs"/>
-                      </a:endParaRPr>
-                    </a:p>
-                  </a:txBody>
-                  <a:tcPr/>
-                </a:tc>
-              </a:tr>
-              <a:tr h="1409356">
-                <a:tc>
-                  <a:txBody>
-                    <a:bodyPr/>
-                    <a:lstStyle/>
-                    <a:p>
-                      <a:endParaRPr lang="es-ES" dirty="0"/>
-                    </a:p>
-                  </a:txBody>
-                  <a:tcPr/>
-                </a:tc>
-                <a:tc>
-                  <a:txBody>
-                    <a:bodyPr/>
-                    <a:lstStyle/>
-                    <a:p>
-                      <a:pPr marL="0" marR="0" indent="0" algn="just" defTabSz="914400" rtl="0" eaLnBrk="1" fontAlgn="auto" latinLnBrk="0" hangingPunct="1">
-                        <a:lnSpc>
-                          <a:spcPct val="100000"/>
-                        </a:lnSpc>
-                        <a:spcBef>
-                          <a:spcPts val="0"/>
-                        </a:spcBef>
-                        <a:spcAft>
-                          <a:spcPts val="0"/>
-                        </a:spcAft>
-                        <a:buClrTx/>
-                        <a:buSzTx/>
-                        <a:buFontTx/>
-                        <a:buNone/>
-                        <a:tabLst/>
-                        <a:defRPr/>
-                      </a:pPr>
-                      <a:r>
-                        <a:rPr lang="es-PE" sz="1800" kern="1200" dirty="0" smtClean="0">
-                          <a:solidFill>
-                            <a:schemeClr val="tx1"/>
-                          </a:solidFill>
-                          <a:latin typeface="+mn-lt"/>
-                          <a:ea typeface="+mn-ea"/>
-                          <a:cs typeface="+mn-cs"/>
-                        </a:rPr>
-                        <a:t>Los descuentos en el precio de los productos se determinan según el tipo de cliente, el tipo de servicio a ofrecer y el monto del contrato. Estos descuentos son actualizados mensualmente por Finanzas.</a:t>
-                      </a:r>
-                      <a:endParaRPr lang="es-ES" sz="1800" b="0" kern="1200" dirty="0" smtClean="0">
-                        <a:solidFill>
-                          <a:schemeClr val="tx1"/>
-                        </a:solidFill>
-                        <a:latin typeface="+mn-lt"/>
-                        <a:ea typeface="+mn-ea"/>
-                        <a:cs typeface="+mn-cs"/>
-                      </a:endParaRPr>
-                    </a:p>
-                  </a:txBody>
-                  <a:tcPr/>
-                </a:tc>
-              </a:tr>
-              <a:tr h="1476647">
-                <a:tc>
-                  <a:txBody>
-                    <a:bodyPr/>
-                    <a:lstStyle/>
-                    <a:p>
-                      <a:endParaRPr lang="es-ES" dirty="0"/>
-                    </a:p>
-                  </a:txBody>
-                  <a:tcPr/>
-                </a:tc>
-                <a:tc>
-                  <a:txBody>
-                    <a:bodyPr/>
-                    <a:lstStyle/>
-                    <a:p>
-                      <a:pPr marL="0" marR="0" indent="0" algn="just" defTabSz="914400" rtl="0" eaLnBrk="1" fontAlgn="auto" latinLnBrk="0" hangingPunct="1">
-                        <a:lnSpc>
-                          <a:spcPct val="100000"/>
-                        </a:lnSpc>
-                        <a:spcBef>
-                          <a:spcPts val="0"/>
-                        </a:spcBef>
-                        <a:spcAft>
-                          <a:spcPts val="0"/>
-                        </a:spcAft>
-                        <a:buClrTx/>
-                        <a:buSzTx/>
-                        <a:buFontTx/>
-                        <a:buNone/>
-                        <a:tabLst/>
-                        <a:defRPr/>
-                      </a:pPr>
-                      <a:endParaRPr lang="es-PE" sz="1800" kern="1200" dirty="0" smtClean="0">
-                        <a:solidFill>
-                          <a:schemeClr val="tx1"/>
-                        </a:solidFill>
-                        <a:latin typeface="+mn-lt"/>
-                        <a:ea typeface="+mn-ea"/>
-                        <a:cs typeface="+mn-cs"/>
-                      </a:endParaRPr>
-                    </a:p>
-                    <a:p>
-                      <a:pPr marL="0" marR="0" indent="0" algn="just" defTabSz="914400" rtl="0" eaLnBrk="1" fontAlgn="auto" latinLnBrk="0" hangingPunct="1">
-                        <a:lnSpc>
-                          <a:spcPct val="100000"/>
-                        </a:lnSpc>
-                        <a:spcBef>
-                          <a:spcPts val="0"/>
-                        </a:spcBef>
-                        <a:spcAft>
-                          <a:spcPts val="0"/>
-                        </a:spcAft>
-                        <a:buClrTx/>
-                        <a:buSzTx/>
-                        <a:buFontTx/>
-                        <a:buNone/>
-                        <a:tabLst/>
-                        <a:defRPr/>
-                      </a:pPr>
-                      <a:r>
-                        <a:rPr lang="es-PE" sz="1800" kern="1200" dirty="0" smtClean="0">
-                          <a:solidFill>
-                            <a:schemeClr val="tx1"/>
-                          </a:solidFill>
-                          <a:latin typeface="+mn-lt"/>
-                          <a:ea typeface="+mn-ea"/>
-                          <a:cs typeface="+mn-cs"/>
-                        </a:rPr>
-                        <a:t>Si existe una polémica con el contrato de un cliente no se deberá generar ningún otro contrato al mismo cliente hasta solucionar la polémica.</a:t>
-                      </a:r>
-                      <a:endParaRPr lang="es-ES" sz="1800" b="0" kern="1200" dirty="0" smtClean="0">
-                        <a:solidFill>
-                          <a:schemeClr val="tx1"/>
-                        </a:solidFill>
-                        <a:latin typeface="+mn-lt"/>
-                        <a:ea typeface="+mn-ea"/>
-                        <a:cs typeface="+mn-cs"/>
-                      </a:endParaRPr>
-                    </a:p>
-                  </a:txBody>
-                  <a:tcPr/>
-                </a:tc>
-              </a:tr>
-            </a:tbl>
-          </a:graphicData>
-        </a:graphic>
-      </p:graphicFrame>
-      <p:pic>
-        <p:nvPicPr>
-          <p:cNvPr id="7170" name="Picture 2"/>
-          <p:cNvPicPr>
-            <a:picLocks noChangeAspect="1" noChangeArrowheads="1"/>
-          </p:cNvPicPr>
-          <p:nvPr/>
-        </p:nvPicPr>
-        <p:blipFill>
-          <a:blip r:embed="rId2" cstate="print"/>
-          <a:srcRect/>
-          <a:stretch>
-            <a:fillRect/>
-          </a:stretch>
-        </p:blipFill>
-        <p:spPr bwMode="auto">
-          <a:xfrm>
-            <a:off x="755576" y="2492896"/>
-            <a:ext cx="1628775" cy="971550"/>
-          </a:xfrm>
-          <a:prstGeom prst="rect">
-            <a:avLst/>
-          </a:prstGeom>
-          <a:noFill/>
-          <a:ln w="9525">
-            <a:noFill/>
-            <a:miter lim="800000"/>
-            <a:headEnd/>
-            <a:tailEnd/>
-          </a:ln>
-        </p:spPr>
-      </p:pic>
-      <p:pic>
-        <p:nvPicPr>
-          <p:cNvPr id="7172" name="Picture 4"/>
-          <p:cNvPicPr>
-            <a:picLocks noChangeAspect="1" noChangeArrowheads="1"/>
-          </p:cNvPicPr>
-          <p:nvPr/>
-        </p:nvPicPr>
-        <p:blipFill>
-          <a:blip r:embed="rId3" cstate="print"/>
-          <a:srcRect/>
-          <a:stretch>
-            <a:fillRect/>
-          </a:stretch>
-        </p:blipFill>
-        <p:spPr bwMode="auto">
-          <a:xfrm>
-            <a:off x="395536" y="3933056"/>
-            <a:ext cx="2247900" cy="923925"/>
-          </a:xfrm>
-          <a:prstGeom prst="rect">
-            <a:avLst/>
-          </a:prstGeom>
-          <a:noFill/>
-          <a:ln w="9525">
-            <a:noFill/>
-            <a:miter lim="800000"/>
-            <a:headEnd/>
-            <a:tailEnd/>
-          </a:ln>
-        </p:spPr>
-      </p:pic>
-      <p:pic>
-        <p:nvPicPr>
-          <p:cNvPr id="7173" name="Picture 5"/>
-          <p:cNvPicPr>
-            <a:picLocks noChangeAspect="1" noChangeArrowheads="1"/>
-          </p:cNvPicPr>
-          <p:nvPr/>
-        </p:nvPicPr>
-        <p:blipFill>
-          <a:blip r:embed="rId4" cstate="print"/>
-          <a:srcRect/>
-          <a:stretch>
-            <a:fillRect/>
-          </a:stretch>
-        </p:blipFill>
-        <p:spPr bwMode="auto">
-          <a:xfrm>
-            <a:off x="683568" y="5445224"/>
-            <a:ext cx="1714500" cy="914400"/>
-          </a:xfrm>
-          <a:prstGeom prst="rect">
-            <a:avLst/>
-          </a:prstGeom>
-          <a:noFill/>
-          <a:ln w="9525">
-            <a:noFill/>
-            <a:miter lim="800000"/>
-            <a:headEnd/>
-            <a:tailEnd/>
-          </a:ln>
-        </p:spPr>
-      </p:pic>
-    </p:spTree>
-    <p:extLst>
-      <p:ext uri="{BB962C8B-B14F-4D97-AF65-F5344CB8AC3E}">
-        <p14:creationId xmlns="" xmlns:p14="http://schemas.microsoft.com/office/powerpoint/2010/main" val="1314591319"/>
+        <p14:creationId xmlns:p14="http://schemas.microsoft.com/office/powerpoint/2010/main" xmlns="" val="1314591319"/>
       </p:ext>
     </p:extLst>
   </p:cSld>

--- a/trunk/ tsp01-contratos-clientes/ITERACCION01/SI01/PRESENTACIONES/PPT SI01 MCUN.pptx
+++ b/trunk/ tsp01-contratos-clientes/ITERACCION01/SI01/PRESENTACIONES/PPT SI01 MCUN.pptx
@@ -4,6 +4,9 @@
   <p:sldMasterIdLst>
     <p:sldMasterId id="2147483660" r:id="rId1"/>
   </p:sldMasterIdLst>
+  <p:notesMasterIdLst>
+    <p:notesMasterId r:id="rId18"/>
+  </p:notesMasterIdLst>
   <p:sldIdLst>
     <p:sldId id="256" r:id="rId2"/>
     <p:sldId id="270" r:id="rId3"/>
@@ -120,6 +123,434 @@
     </a:lvl9pPr>
   </p:defaultTextStyle>
 </p:presentation>
+</file>
+
+<file path=ppt/notesMasters/notesMaster1.xml><?xml version="1.0" encoding="utf-8"?>
+<p:notesMaster xmlns:a="http://schemas.openxmlformats.org/drawingml/2006/main" xmlns:r="http://schemas.openxmlformats.org/officeDocument/2006/relationships" xmlns:p="http://schemas.openxmlformats.org/presentationml/2006/main">
+  <p:cSld>
+    <p:bg>
+      <p:bgRef idx="1001">
+        <a:schemeClr val="bg1"/>
+      </p:bgRef>
+    </p:bg>
+    <p:spTree>
+      <p:nvGrpSpPr>
+        <p:cNvPr id="1" name=""/>
+        <p:cNvGrpSpPr/>
+        <p:nvPr/>
+      </p:nvGrpSpPr>
+      <p:grpSpPr>
+        <a:xfrm>
+          <a:off x="0" y="0"/>
+          <a:ext cx="0" cy="0"/>
+          <a:chOff x="0" y="0"/>
+          <a:chExt cx="0" cy="0"/>
+        </a:xfrm>
+      </p:grpSpPr>
+      <p:sp>
+        <p:nvSpPr>
+          <p:cNvPr id="2" name="1 Marcador de encabezado"/>
+          <p:cNvSpPr>
+            <a:spLocks noGrp="1"/>
+          </p:cNvSpPr>
+          <p:nvPr>
+            <p:ph type="hdr" sz="quarter"/>
+          </p:nvPr>
+        </p:nvSpPr>
+        <p:spPr>
+          <a:xfrm>
+            <a:off x="0" y="0"/>
+            <a:ext cx="2971800" cy="457200"/>
+          </a:xfrm>
+          <a:prstGeom prst="rect">
+            <a:avLst/>
+          </a:prstGeom>
+        </p:spPr>
+        <p:txBody>
+          <a:bodyPr vert="horz" lIns="91440" tIns="45720" rIns="91440" bIns="45720" rtlCol="0"/>
+          <a:lstStyle>
+            <a:lvl1pPr algn="l">
+              <a:defRPr sz="1200"/>
+            </a:lvl1pPr>
+          </a:lstStyle>
+          <a:p>
+            <a:endParaRPr lang="es-PE"/>
+          </a:p>
+        </p:txBody>
+      </p:sp>
+      <p:sp>
+        <p:nvSpPr>
+          <p:cNvPr id="3" name="2 Marcador de fecha"/>
+          <p:cNvSpPr>
+            <a:spLocks noGrp="1"/>
+          </p:cNvSpPr>
+          <p:nvPr>
+            <p:ph type="dt" idx="1"/>
+          </p:nvPr>
+        </p:nvSpPr>
+        <p:spPr>
+          <a:xfrm>
+            <a:off x="3884613" y="0"/>
+            <a:ext cx="2971800" cy="457200"/>
+          </a:xfrm>
+          <a:prstGeom prst="rect">
+            <a:avLst/>
+          </a:prstGeom>
+        </p:spPr>
+        <p:txBody>
+          <a:bodyPr vert="horz" lIns="91440" tIns="45720" rIns="91440" bIns="45720" rtlCol="0"/>
+          <a:lstStyle>
+            <a:lvl1pPr algn="r">
+              <a:defRPr sz="1200"/>
+            </a:lvl1pPr>
+          </a:lstStyle>
+          <a:p>
+            <a:fld id="{3A629E50-77D5-4BBF-960C-03B141B5D22B}" type="datetimeFigureOut">
+              <a:rPr lang="es-PE" smtClean="0"/>
+              <a:t>06/05/2012</a:t>
+            </a:fld>
+            <a:endParaRPr lang="es-PE"/>
+          </a:p>
+        </p:txBody>
+      </p:sp>
+      <p:sp>
+        <p:nvSpPr>
+          <p:cNvPr id="4" name="3 Marcador de imagen de diapositiva"/>
+          <p:cNvSpPr>
+            <a:spLocks noGrp="1" noRot="1" noChangeAspect="1"/>
+          </p:cNvSpPr>
+          <p:nvPr>
+            <p:ph type="sldImg" idx="2"/>
+          </p:nvPr>
+        </p:nvSpPr>
+        <p:spPr>
+          <a:xfrm>
+            <a:off x="1143000" y="685800"/>
+            <a:ext cx="4572000" cy="3429000"/>
+          </a:xfrm>
+          <a:prstGeom prst="rect">
+            <a:avLst/>
+          </a:prstGeom>
+          <a:noFill/>
+          <a:ln w="12700">
+            <a:solidFill>
+              <a:prstClr val="black"/>
+            </a:solidFill>
+          </a:ln>
+        </p:spPr>
+        <p:txBody>
+          <a:bodyPr vert="horz" lIns="91440" tIns="45720" rIns="91440" bIns="45720" rtlCol="0" anchor="ctr"/>
+          <a:lstStyle/>
+          <a:p>
+            <a:endParaRPr lang="es-PE"/>
+          </a:p>
+        </p:txBody>
+      </p:sp>
+      <p:sp>
+        <p:nvSpPr>
+          <p:cNvPr id="5" name="4 Marcador de notas"/>
+          <p:cNvSpPr>
+            <a:spLocks noGrp="1"/>
+          </p:cNvSpPr>
+          <p:nvPr>
+            <p:ph type="body" sz="quarter" idx="3"/>
+          </p:nvPr>
+        </p:nvSpPr>
+        <p:spPr>
+          <a:xfrm>
+            <a:off x="685800" y="4343400"/>
+            <a:ext cx="5486400" cy="4114800"/>
+          </a:xfrm>
+          <a:prstGeom prst="rect">
+            <a:avLst/>
+          </a:prstGeom>
+        </p:spPr>
+        <p:txBody>
+          <a:bodyPr vert="horz" lIns="91440" tIns="45720" rIns="91440" bIns="45720" rtlCol="0">
+            <a:normAutofit/>
+          </a:bodyPr>
+          <a:lstStyle/>
+          <a:p>
+            <a:pPr lvl="0"/>
+            <a:r>
+              <a:rPr lang="es-ES" smtClean="0"/>
+              <a:t>Haga clic para modificar el estilo de texto del patrón</a:t>
+            </a:r>
+          </a:p>
+          <a:p>
+            <a:pPr lvl="1"/>
+            <a:r>
+              <a:rPr lang="es-ES" smtClean="0"/>
+              <a:t>Segundo nivel</a:t>
+            </a:r>
+          </a:p>
+          <a:p>
+            <a:pPr lvl="2"/>
+            <a:r>
+              <a:rPr lang="es-ES" smtClean="0"/>
+              <a:t>Tercer nivel</a:t>
+            </a:r>
+          </a:p>
+          <a:p>
+            <a:pPr lvl="3"/>
+            <a:r>
+              <a:rPr lang="es-ES" smtClean="0"/>
+              <a:t>Cuarto nivel</a:t>
+            </a:r>
+          </a:p>
+          <a:p>
+            <a:pPr lvl="4"/>
+            <a:r>
+              <a:rPr lang="es-ES" smtClean="0"/>
+              <a:t>Quinto nivel</a:t>
+            </a:r>
+            <a:endParaRPr lang="es-PE"/>
+          </a:p>
+        </p:txBody>
+      </p:sp>
+      <p:sp>
+        <p:nvSpPr>
+          <p:cNvPr id="6" name="5 Marcador de pie de página"/>
+          <p:cNvSpPr>
+            <a:spLocks noGrp="1"/>
+          </p:cNvSpPr>
+          <p:nvPr>
+            <p:ph type="ftr" sz="quarter" idx="4"/>
+          </p:nvPr>
+        </p:nvSpPr>
+        <p:spPr>
+          <a:xfrm>
+            <a:off x="0" y="8685213"/>
+            <a:ext cx="2971800" cy="457200"/>
+          </a:xfrm>
+          <a:prstGeom prst="rect">
+            <a:avLst/>
+          </a:prstGeom>
+        </p:spPr>
+        <p:txBody>
+          <a:bodyPr vert="horz" lIns="91440" tIns="45720" rIns="91440" bIns="45720" rtlCol="0" anchor="b"/>
+          <a:lstStyle>
+            <a:lvl1pPr algn="l">
+              <a:defRPr sz="1200"/>
+            </a:lvl1pPr>
+          </a:lstStyle>
+          <a:p>
+            <a:endParaRPr lang="es-PE"/>
+          </a:p>
+        </p:txBody>
+      </p:sp>
+      <p:sp>
+        <p:nvSpPr>
+          <p:cNvPr id="7" name="6 Marcador de número de diapositiva"/>
+          <p:cNvSpPr>
+            <a:spLocks noGrp="1"/>
+          </p:cNvSpPr>
+          <p:nvPr>
+            <p:ph type="sldNum" sz="quarter" idx="5"/>
+          </p:nvPr>
+        </p:nvSpPr>
+        <p:spPr>
+          <a:xfrm>
+            <a:off x="3884613" y="8685213"/>
+            <a:ext cx="2971800" cy="457200"/>
+          </a:xfrm>
+          <a:prstGeom prst="rect">
+            <a:avLst/>
+          </a:prstGeom>
+        </p:spPr>
+        <p:txBody>
+          <a:bodyPr vert="horz" lIns="91440" tIns="45720" rIns="91440" bIns="45720" rtlCol="0" anchor="b"/>
+          <a:lstStyle>
+            <a:lvl1pPr algn="r">
+              <a:defRPr sz="1200"/>
+            </a:lvl1pPr>
+          </a:lstStyle>
+          <a:p>
+            <a:fld id="{C4F52019-8A53-48F9-B5D8-ACBBC3A49850}" type="slidenum">
+              <a:rPr lang="es-PE" smtClean="0"/>
+              <a:t>‹Nº›</a:t>
+            </a:fld>
+            <a:endParaRPr lang="es-PE"/>
+          </a:p>
+        </p:txBody>
+      </p:sp>
+    </p:spTree>
+  </p:cSld>
+  <p:clrMap bg1="lt1" tx1="dk1" bg2="lt2" tx2="dk2" accent1="accent1" accent2="accent2" accent3="accent3" accent4="accent4" accent5="accent5" accent6="accent6" hlink="hlink" folHlink="folHlink"/>
+  <p:notesStyle>
+    <a:lvl1pPr marL="0" algn="l" defTabSz="914400" rtl="0" eaLnBrk="1" latinLnBrk="0" hangingPunct="1">
+      <a:defRPr sz="1200" kern="1200">
+        <a:solidFill>
+          <a:schemeClr val="tx1"/>
+        </a:solidFill>
+        <a:latin typeface="+mn-lt"/>
+        <a:ea typeface="+mn-ea"/>
+        <a:cs typeface="+mn-cs"/>
+      </a:defRPr>
+    </a:lvl1pPr>
+    <a:lvl2pPr marL="457200" algn="l" defTabSz="914400" rtl="0" eaLnBrk="1" latinLnBrk="0" hangingPunct="1">
+      <a:defRPr sz="1200" kern="1200">
+        <a:solidFill>
+          <a:schemeClr val="tx1"/>
+        </a:solidFill>
+        <a:latin typeface="+mn-lt"/>
+        <a:ea typeface="+mn-ea"/>
+        <a:cs typeface="+mn-cs"/>
+      </a:defRPr>
+    </a:lvl2pPr>
+    <a:lvl3pPr marL="914400" algn="l" defTabSz="914400" rtl="0" eaLnBrk="1" latinLnBrk="0" hangingPunct="1">
+      <a:defRPr sz="1200" kern="1200">
+        <a:solidFill>
+          <a:schemeClr val="tx1"/>
+        </a:solidFill>
+        <a:latin typeface="+mn-lt"/>
+        <a:ea typeface="+mn-ea"/>
+        <a:cs typeface="+mn-cs"/>
+      </a:defRPr>
+    </a:lvl3pPr>
+    <a:lvl4pPr marL="1371600" algn="l" defTabSz="914400" rtl="0" eaLnBrk="1" latinLnBrk="0" hangingPunct="1">
+      <a:defRPr sz="1200" kern="1200">
+        <a:solidFill>
+          <a:schemeClr val="tx1"/>
+        </a:solidFill>
+        <a:latin typeface="+mn-lt"/>
+        <a:ea typeface="+mn-ea"/>
+        <a:cs typeface="+mn-cs"/>
+      </a:defRPr>
+    </a:lvl4pPr>
+    <a:lvl5pPr marL="1828800" algn="l" defTabSz="914400" rtl="0" eaLnBrk="1" latinLnBrk="0" hangingPunct="1">
+      <a:defRPr sz="1200" kern="1200">
+        <a:solidFill>
+          <a:schemeClr val="tx1"/>
+        </a:solidFill>
+        <a:latin typeface="+mn-lt"/>
+        <a:ea typeface="+mn-ea"/>
+        <a:cs typeface="+mn-cs"/>
+      </a:defRPr>
+    </a:lvl5pPr>
+    <a:lvl6pPr marL="2286000" algn="l" defTabSz="914400" rtl="0" eaLnBrk="1" latinLnBrk="0" hangingPunct="1">
+      <a:defRPr sz="1200" kern="1200">
+        <a:solidFill>
+          <a:schemeClr val="tx1"/>
+        </a:solidFill>
+        <a:latin typeface="+mn-lt"/>
+        <a:ea typeface="+mn-ea"/>
+        <a:cs typeface="+mn-cs"/>
+      </a:defRPr>
+    </a:lvl6pPr>
+    <a:lvl7pPr marL="2743200" algn="l" defTabSz="914400" rtl="0" eaLnBrk="1" latinLnBrk="0" hangingPunct="1">
+      <a:defRPr sz="1200" kern="1200">
+        <a:solidFill>
+          <a:schemeClr val="tx1"/>
+        </a:solidFill>
+        <a:latin typeface="+mn-lt"/>
+        <a:ea typeface="+mn-ea"/>
+        <a:cs typeface="+mn-cs"/>
+      </a:defRPr>
+    </a:lvl7pPr>
+    <a:lvl8pPr marL="3200400" algn="l" defTabSz="914400" rtl="0" eaLnBrk="1" latinLnBrk="0" hangingPunct="1">
+      <a:defRPr sz="1200" kern="1200">
+        <a:solidFill>
+          <a:schemeClr val="tx1"/>
+        </a:solidFill>
+        <a:latin typeface="+mn-lt"/>
+        <a:ea typeface="+mn-ea"/>
+        <a:cs typeface="+mn-cs"/>
+      </a:defRPr>
+    </a:lvl8pPr>
+    <a:lvl9pPr marL="3657600" algn="l" defTabSz="914400" rtl="0" eaLnBrk="1" latinLnBrk="0" hangingPunct="1">
+      <a:defRPr sz="1200" kern="1200">
+        <a:solidFill>
+          <a:schemeClr val="tx1"/>
+        </a:solidFill>
+        <a:latin typeface="+mn-lt"/>
+        <a:ea typeface="+mn-ea"/>
+        <a:cs typeface="+mn-cs"/>
+      </a:defRPr>
+    </a:lvl9pPr>
+  </p:notesStyle>
+</p:notesMaster>
+</file>
+
+<file path=ppt/notesSlides/notesSlide1.xml><?xml version="1.0" encoding="utf-8"?>
+<p:notes xmlns:a="http://schemas.openxmlformats.org/drawingml/2006/main" xmlns:r="http://schemas.openxmlformats.org/officeDocument/2006/relationships" xmlns:p="http://schemas.openxmlformats.org/presentationml/2006/main">
+  <p:cSld>
+    <p:spTree>
+      <p:nvGrpSpPr>
+        <p:cNvPr id="1" name=""/>
+        <p:cNvGrpSpPr/>
+        <p:nvPr/>
+      </p:nvGrpSpPr>
+      <p:grpSpPr>
+        <a:xfrm>
+          <a:off x="0" y="0"/>
+          <a:ext cx="0" cy="0"/>
+          <a:chOff x="0" y="0"/>
+          <a:chExt cx="0" cy="0"/>
+        </a:xfrm>
+      </p:grpSpPr>
+      <p:sp>
+        <p:nvSpPr>
+          <p:cNvPr id="2" name="1 Marcador de imagen de diapositiva"/>
+          <p:cNvSpPr>
+            <a:spLocks noGrp="1" noRot="1" noChangeAspect="1"/>
+          </p:cNvSpPr>
+          <p:nvPr>
+            <p:ph type="sldImg"/>
+          </p:nvPr>
+        </p:nvSpPr>
+        <p:spPr/>
+      </p:sp>
+      <p:sp>
+        <p:nvSpPr>
+          <p:cNvPr id="3" name="2 Marcador de notas"/>
+          <p:cNvSpPr>
+            <a:spLocks noGrp="1"/>
+          </p:cNvSpPr>
+          <p:nvPr>
+            <p:ph type="body" idx="1"/>
+          </p:nvPr>
+        </p:nvSpPr>
+        <p:spPr/>
+        <p:txBody>
+          <a:bodyPr>
+            <a:normAutofit/>
+          </a:bodyPr>
+          <a:lstStyle/>
+          <a:p>
+            <a:endParaRPr lang="es-PE" dirty="0"/>
+          </a:p>
+        </p:txBody>
+      </p:sp>
+      <p:sp>
+        <p:nvSpPr>
+          <p:cNvPr id="4" name="3 Marcador de número de diapositiva"/>
+          <p:cNvSpPr>
+            <a:spLocks noGrp="1"/>
+          </p:cNvSpPr>
+          <p:nvPr>
+            <p:ph type="sldNum" sz="quarter" idx="10"/>
+          </p:nvPr>
+        </p:nvSpPr>
+        <p:spPr/>
+        <p:txBody>
+          <a:bodyPr/>
+          <a:lstStyle/>
+          <a:p>
+            <a:fld id="{C4F52019-8A53-48F9-B5D8-ACBBC3A49850}" type="slidenum">
+              <a:rPr lang="es-PE" smtClean="0"/>
+              <a:t>6</a:t>
+            </a:fld>
+            <a:endParaRPr lang="es-PE"/>
+          </a:p>
+        </p:txBody>
+      </p:sp>
+    </p:spTree>
+  </p:cSld>
+  <p:clrMapOvr>
+    <a:masterClrMapping/>
+  </p:clrMapOvr>
+</p:notes>
 </file>
 
 <file path=ppt/slideLayouts/slideLayout1.xml><?xml version="1.0" encoding="utf-8"?>
@@ -14629,7 +15060,11 @@
           <a:p>
             <a:r>
               <a:rPr lang="es-PE" dirty="0" smtClean="0"/>
-              <a:t>GESTION DE CONTRATOS DE CLIENTES</a:t>
+              <a:t>CONTRATOS </a:t>
+            </a:r>
+            <a:r>
+              <a:rPr lang="es-PE" dirty="0" smtClean="0"/>
+              <a:t>DE CLIENTES</a:t>
             </a:r>
             <a:endParaRPr lang="es-PE" sz="3600" dirty="0"/>
           </a:p>
@@ -14760,7 +15195,7 @@
     </p:spTree>
     <p:extLst>
       <p:ext uri="{BB962C8B-B14F-4D97-AF65-F5344CB8AC3E}">
-        <p14:creationId xmlns:p14="http://schemas.microsoft.com/office/powerpoint/2010/main" xmlns="" val="3004352296"/>
+        <p14:creationId xmlns="" xmlns:p14="http://schemas.microsoft.com/office/powerpoint/2010/main" val="3004352296"/>
       </p:ext>
     </p:extLst>
   </p:cSld>
@@ -14825,7 +15260,11 @@
             </a:r>
             <a:r>
               <a:rPr lang="es-PE" dirty="0" smtClean="0"/>
-              <a:t>NEGOCIO (cont..)</a:t>
+              <a:t>NEGOCIO </a:t>
+            </a:r>
+            <a:r>
+              <a:rPr lang="es-PE" dirty="0" smtClean="0"/>
+              <a:t>(Contratos de Clientes)</a:t>
             </a:r>
             <a:endParaRPr lang="es-PE" dirty="0"/>
           </a:p>
@@ -15208,7 +15647,7 @@
     </p:spTree>
     <p:extLst>
       <p:ext uri="{BB962C8B-B14F-4D97-AF65-F5344CB8AC3E}">
-        <p14:creationId xmlns:p14="http://schemas.microsoft.com/office/powerpoint/2010/main" xmlns="" val="1314591319"/>
+        <p14:creationId xmlns="" xmlns:p14="http://schemas.microsoft.com/office/powerpoint/2010/main" val="1314591319"/>
       </p:ext>
     </p:extLst>
   </p:cSld>
@@ -15273,7 +15712,11 @@
             </a:r>
             <a:r>
               <a:rPr lang="es-PE" dirty="0" smtClean="0"/>
-              <a:t>NEGOCIO (cont..)</a:t>
+              <a:t>NEGOCIO </a:t>
+            </a:r>
+            <a:r>
+              <a:rPr lang="es-PE" dirty="0" smtClean="0"/>
+              <a:t>(Contratos de Clientes)</a:t>
             </a:r>
             <a:endParaRPr lang="es-PE" dirty="0"/>
           </a:p>
@@ -15384,7 +15827,7 @@
                           <a:ea typeface="+mn-ea"/>
                           <a:cs typeface="+mn-cs"/>
                         </a:rPr>
-                        <a:t>Total </a:t>
+                        <a:t>Monto Contrato </a:t>
                       </a:r>
                       <a:r>
                         <a:rPr lang="es-PE" sz="1800" b="1" kern="1200" dirty="0" smtClean="0">
@@ -15395,18 +15838,7 @@
                           <a:ea typeface="+mn-ea"/>
                           <a:cs typeface="+mn-cs"/>
                         </a:rPr>
-                        <a:t>= Gastos Recursos + Gastos de equipos+ </a:t>
-                      </a:r>
-                      <a:r>
-                        <a:rPr lang="es-PE" sz="1800" b="1" kern="1200" dirty="0" smtClean="0">
-                          <a:solidFill>
-                            <a:schemeClr val="tx1"/>
-                          </a:solidFill>
-                          <a:latin typeface="+mn-lt"/>
-                          <a:ea typeface="+mn-ea"/>
-                          <a:cs typeface="+mn-cs"/>
-                        </a:rPr>
-                        <a:t>IGV</a:t>
+                        <a:t>= Gastos Recursos + Gastos de equipos+ IGV</a:t>
                       </a:r>
                     </a:p>
                     <a:p>
@@ -15660,7 +16092,7 @@
     </p:spTree>
     <p:extLst>
       <p:ext uri="{BB962C8B-B14F-4D97-AF65-F5344CB8AC3E}">
-        <p14:creationId xmlns:p14="http://schemas.microsoft.com/office/powerpoint/2010/main" xmlns="" val="1314591319"/>
+        <p14:creationId xmlns="" xmlns:p14="http://schemas.microsoft.com/office/powerpoint/2010/main" val="1314591319"/>
       </p:ext>
     </p:extLst>
   </p:cSld>
@@ -15725,7 +16157,11 @@
             </a:r>
             <a:r>
               <a:rPr lang="es-PE" dirty="0" smtClean="0"/>
-              <a:t>NEGOCIO (cont..)</a:t>
+              <a:t>NEGOCIO </a:t>
+            </a:r>
+            <a:r>
+              <a:rPr lang="es-PE" dirty="0" smtClean="0"/>
+              <a:t>(Contratos de Clientes)</a:t>
             </a:r>
             <a:endParaRPr lang="es-PE" dirty="0"/>
           </a:p>
@@ -15906,18 +16342,7 @@
                           <a:ea typeface="+mn-ea"/>
                           <a:cs typeface="+mn-cs"/>
                         </a:rPr>
-                        <a:t>Según </a:t>
-                      </a:r>
-                      <a:r>
-                        <a:rPr lang="es-PE" sz="1800" b="0" kern="1200" dirty="0" smtClean="0">
-                          <a:solidFill>
-                            <a:schemeClr val="tx1"/>
-                          </a:solidFill>
-                          <a:latin typeface="+mn-lt"/>
-                          <a:ea typeface="+mn-ea"/>
-                          <a:cs typeface="+mn-cs"/>
-                        </a:rPr>
-                        <a:t>el tipo de contrato se determinarán comisiones evaluadoras para el cierre del contrato.</a:t>
+                        <a:t>Según el tipo de contrato se determinarán comisiones evaluadoras para el cierre del contrato.</a:t>
                       </a:r>
                       <a:endParaRPr lang="es-ES" sz="1800" b="0" kern="1200" dirty="0" smtClean="0">
                         <a:solidFill>
@@ -16123,7 +16548,7 @@
     </p:spTree>
     <p:extLst>
       <p:ext uri="{BB962C8B-B14F-4D97-AF65-F5344CB8AC3E}">
-        <p14:creationId xmlns:p14="http://schemas.microsoft.com/office/powerpoint/2010/main" xmlns="" val="1314591319"/>
+        <p14:creationId xmlns="" xmlns:p14="http://schemas.microsoft.com/office/powerpoint/2010/main" val="1314591319"/>
       </p:ext>
     </p:extLst>
   </p:cSld>
@@ -16188,7 +16613,11 @@
             </a:r>
             <a:r>
               <a:rPr lang="es-PE" dirty="0" smtClean="0"/>
-              <a:t>NEGOCIO (cont..)</a:t>
+              <a:t>NEGOCIO </a:t>
+            </a:r>
+            <a:r>
+              <a:rPr lang="es-PE" dirty="0" smtClean="0"/>
+              <a:t>(Contratos de Clientes)</a:t>
             </a:r>
             <a:endParaRPr lang="es-PE" dirty="0"/>
           </a:p>
@@ -16287,14 +16716,6 @@
                         </a:rPr>
                         <a:t>Los Tipos de penalidades son los siguientes: </a:t>
                       </a:r>
-                      <a:endParaRPr lang="es-PE" sz="1800" b="0" kern="1200" dirty="0" smtClean="0">
-                        <a:solidFill>
-                          <a:schemeClr val="tx1"/>
-                        </a:solidFill>
-                        <a:latin typeface="+mn-lt"/>
-                        <a:ea typeface="+mn-ea"/>
-                        <a:cs typeface="+mn-cs"/>
-                      </a:endParaRPr>
                     </a:p>
                     <a:p>
                       <a:pPr marL="0" marR="0" indent="0" algn="just" defTabSz="914400" rtl="0" eaLnBrk="1" fontAlgn="auto" latinLnBrk="0" hangingPunct="1">
@@ -16350,27 +16771,8 @@
                           <a:ea typeface="+mn-ea"/>
                           <a:cs typeface="+mn-cs"/>
                         </a:rPr>
-                        <a:t>Incumplimiento</a:t>
+                        <a:t>Incumplimiento, deficiencia y confidencialidad.  </a:t>
                       </a:r>
-                      <a:r>
-                        <a:rPr lang="es-PE" sz="1800" b="0" kern="1200" dirty="0" smtClean="0">
-                          <a:solidFill>
-                            <a:schemeClr val="tx1"/>
-                          </a:solidFill>
-                          <a:latin typeface="+mn-lt"/>
-                          <a:ea typeface="+mn-ea"/>
-                          <a:cs typeface="+mn-cs"/>
-                        </a:rPr>
-                        <a:t>, deficiencia y confidencialidad.  </a:t>
-                      </a:r>
-                      <a:endParaRPr lang="es-PE" sz="1800" b="0" kern="1200" dirty="0" smtClean="0">
-                        <a:solidFill>
-                          <a:schemeClr val="tx1"/>
-                        </a:solidFill>
-                        <a:latin typeface="+mn-lt"/>
-                        <a:ea typeface="+mn-ea"/>
-                        <a:cs typeface="+mn-cs"/>
-                      </a:endParaRPr>
                     </a:p>
                     <a:p>
                       <a:pPr marL="0" marR="0" indent="0" algn="just" defTabSz="914400" rtl="0" eaLnBrk="1" fontAlgn="auto" latinLnBrk="0" hangingPunct="1">
@@ -16480,7 +16882,7 @@
     </p:spTree>
     <p:extLst>
       <p:ext uri="{BB962C8B-B14F-4D97-AF65-F5344CB8AC3E}">
-        <p14:creationId xmlns:p14="http://schemas.microsoft.com/office/powerpoint/2010/main" xmlns="" val="1314591319"/>
+        <p14:creationId xmlns="" xmlns:p14="http://schemas.microsoft.com/office/powerpoint/2010/main" val="1314591319"/>
       </p:ext>
     </p:extLst>
   </p:cSld>
@@ -16533,7 +16935,11 @@
           <a:p>
             <a:r>
               <a:rPr lang="es-PE" dirty="0" smtClean="0"/>
-              <a:t>ESPECIFICACION DE ACTORES DEL NEGOCIO</a:t>
+              <a:t>ESPECIFICACION DE ACTORES DEL </a:t>
+            </a:r>
+            <a:r>
+              <a:rPr lang="es-PE" dirty="0" smtClean="0"/>
+              <a:t>NEGOCIO (Contratos de Clientes)</a:t>
             </a:r>
             <a:endParaRPr lang="es-PE" dirty="0"/>
           </a:p>
@@ -16781,7 +17187,7 @@
           <a:blip r:embed="rId2" cstate="print">
             <a:extLst>
               <a:ext uri="{28A0092B-C50C-407E-A947-70E740481C1C}">
-                <a14:useLocalDpi xmlns:a14="http://schemas.microsoft.com/office/drawing/2010/main" xmlns="" val="0"/>
+                <a14:useLocalDpi xmlns="" xmlns:a14="http://schemas.microsoft.com/office/drawing/2010/main" val="0"/>
               </a:ext>
             </a:extLst>
           </a:blip>
@@ -16805,14 +17211,14 @@
           <a:effectLst/>
           <a:extLst>
             <a:ext uri="{909E8E84-426E-40DD-AFC4-6F175D3DCCD1}">
-              <a14:hiddenFill xmlns:a14="http://schemas.microsoft.com/office/drawing/2010/main" xmlns="">
+              <a14:hiddenFill xmlns="" xmlns:a14="http://schemas.microsoft.com/office/drawing/2010/main">
                 <a:solidFill>
                   <a:schemeClr val="accent1"/>
                 </a:solidFill>
               </a14:hiddenFill>
             </a:ext>
             <a:ext uri="{91240B29-F687-4F45-9708-019B960494DF}">
-              <a14:hiddenLine xmlns:a14="http://schemas.microsoft.com/office/drawing/2010/main" xmlns="" w="9525">
+              <a14:hiddenLine xmlns="" xmlns:a14="http://schemas.microsoft.com/office/drawing/2010/main" w="9525">
                 <a:solidFill>
                   <a:schemeClr val="tx1"/>
                 </a:solidFill>
@@ -16822,7 +17228,7 @@
               </a14:hiddenLine>
             </a:ext>
             <a:ext uri="{AF507438-7753-43E0-B8FC-AC1667EBCBE1}">
-              <a14:hiddenEffects xmlns:a14="http://schemas.microsoft.com/office/drawing/2010/main" xmlns="">
+              <a14:hiddenEffects xmlns="" xmlns:a14="http://schemas.microsoft.com/office/drawing/2010/main">
                 <a:effectLst>
                   <a:outerShdw dist="35921" dir="2700000" algn="ctr" rotWithShape="0">
                     <a:schemeClr val="bg2"/>
@@ -16845,7 +17251,7 @@
           <a:blip r:embed="rId3" cstate="print">
             <a:extLst>
               <a:ext uri="{28A0092B-C50C-407E-A947-70E740481C1C}">
-                <a14:useLocalDpi xmlns:a14="http://schemas.microsoft.com/office/drawing/2010/main" xmlns="" val="0"/>
+                <a14:useLocalDpi xmlns="" xmlns:a14="http://schemas.microsoft.com/office/drawing/2010/main" val="0"/>
               </a:ext>
             </a:extLst>
           </a:blip>
@@ -16869,14 +17275,14 @@
           <a:effectLst/>
           <a:extLst>
             <a:ext uri="{909E8E84-426E-40DD-AFC4-6F175D3DCCD1}">
-              <a14:hiddenFill xmlns:a14="http://schemas.microsoft.com/office/drawing/2010/main" xmlns="">
+              <a14:hiddenFill xmlns="" xmlns:a14="http://schemas.microsoft.com/office/drawing/2010/main">
                 <a:solidFill>
                   <a:schemeClr val="accent1"/>
                 </a:solidFill>
               </a14:hiddenFill>
             </a:ext>
             <a:ext uri="{91240B29-F687-4F45-9708-019B960494DF}">
-              <a14:hiddenLine xmlns:a14="http://schemas.microsoft.com/office/drawing/2010/main" xmlns="" w="9525">
+              <a14:hiddenLine xmlns="" xmlns:a14="http://schemas.microsoft.com/office/drawing/2010/main" w="9525">
                 <a:solidFill>
                   <a:schemeClr val="tx1"/>
                 </a:solidFill>
@@ -16886,7 +17292,7 @@
               </a14:hiddenLine>
             </a:ext>
             <a:ext uri="{AF507438-7753-43E0-B8FC-AC1667EBCBE1}">
-              <a14:hiddenEffects xmlns:a14="http://schemas.microsoft.com/office/drawing/2010/main" xmlns="">
+              <a14:hiddenEffects xmlns="" xmlns:a14="http://schemas.microsoft.com/office/drawing/2010/main">
                 <a:effectLst>
                   <a:outerShdw dist="35921" dir="2700000" algn="ctr" rotWithShape="0">
                     <a:schemeClr val="bg2"/>
@@ -16909,7 +17315,7 @@
           <a:blip r:embed="rId4" cstate="print">
             <a:extLst>
               <a:ext uri="{28A0092B-C50C-407E-A947-70E740481C1C}">
-                <a14:useLocalDpi xmlns:a14="http://schemas.microsoft.com/office/drawing/2010/main" xmlns="" val="0"/>
+                <a14:useLocalDpi xmlns="" xmlns:a14="http://schemas.microsoft.com/office/drawing/2010/main" val="0"/>
               </a:ext>
             </a:extLst>
           </a:blip>
@@ -16933,14 +17339,14 @@
           <a:effectLst/>
           <a:extLst>
             <a:ext uri="{909E8E84-426E-40DD-AFC4-6F175D3DCCD1}">
-              <a14:hiddenFill xmlns:a14="http://schemas.microsoft.com/office/drawing/2010/main" xmlns="">
+              <a14:hiddenFill xmlns="" xmlns:a14="http://schemas.microsoft.com/office/drawing/2010/main">
                 <a:solidFill>
                   <a:schemeClr val="accent1"/>
                 </a:solidFill>
               </a14:hiddenFill>
             </a:ext>
             <a:ext uri="{91240B29-F687-4F45-9708-019B960494DF}">
-              <a14:hiddenLine xmlns:a14="http://schemas.microsoft.com/office/drawing/2010/main" xmlns="" w="9525">
+              <a14:hiddenLine xmlns="" xmlns:a14="http://schemas.microsoft.com/office/drawing/2010/main" w="9525">
                 <a:solidFill>
                   <a:schemeClr val="tx1"/>
                 </a:solidFill>
@@ -16950,7 +17356,7 @@
               </a14:hiddenLine>
             </a:ext>
             <a:ext uri="{AF507438-7753-43E0-B8FC-AC1667EBCBE1}">
-              <a14:hiddenEffects xmlns:a14="http://schemas.microsoft.com/office/drawing/2010/main" xmlns="">
+              <a14:hiddenEffects xmlns="" xmlns:a14="http://schemas.microsoft.com/office/drawing/2010/main">
                 <a:effectLst>
                   <a:outerShdw dist="35921" dir="2700000" algn="ctr" rotWithShape="0">
                     <a:schemeClr val="bg2"/>
@@ -16964,7 +17370,7 @@
     </p:spTree>
     <p:extLst>
       <p:ext uri="{BB962C8B-B14F-4D97-AF65-F5344CB8AC3E}">
-        <p14:creationId xmlns:p14="http://schemas.microsoft.com/office/powerpoint/2010/main" xmlns="" val="1786203861"/>
+        <p14:creationId xmlns="" xmlns:p14="http://schemas.microsoft.com/office/powerpoint/2010/main" val="1786203861"/>
       </p:ext>
     </p:extLst>
   </p:cSld>
@@ -17017,7 +17423,11 @@
           <a:p>
             <a:r>
               <a:rPr lang="es-PE" dirty="0" smtClean="0"/>
-              <a:t>DIAGRAMA DE CASOS DE USO DEL NEGOCIO</a:t>
+              <a:t>DIAGRAMA DE CASOS DE USO DEL </a:t>
+            </a:r>
+            <a:r>
+              <a:rPr lang="es-PE" dirty="0" smtClean="0"/>
+              <a:t>NEGOCIO (Contratos de Clientes)</a:t>
             </a:r>
             <a:endParaRPr lang="es-PE" dirty="0"/>
           </a:p>
@@ -17058,7 +17468,7 @@
     </p:spTree>
     <p:extLst>
       <p:ext uri="{BB962C8B-B14F-4D97-AF65-F5344CB8AC3E}">
-        <p14:creationId xmlns:p14="http://schemas.microsoft.com/office/powerpoint/2010/main" xmlns="" val="2066947068"/>
+        <p14:creationId xmlns="" xmlns:p14="http://schemas.microsoft.com/office/powerpoint/2010/main" val="2066947068"/>
       </p:ext>
     </p:extLst>
   </p:cSld>
@@ -17293,7 +17703,7 @@
     </p:spTree>
     <p:extLst>
       <p:ext uri="{BB962C8B-B14F-4D97-AF65-F5344CB8AC3E}">
-        <p14:creationId xmlns:p14="http://schemas.microsoft.com/office/powerpoint/2010/main" xmlns="" val="700369716"/>
+        <p14:creationId xmlns="" xmlns:p14="http://schemas.microsoft.com/office/powerpoint/2010/main" val="700369716"/>
       </p:ext>
     </p:extLst>
   </p:cSld>
@@ -17613,7 +18023,26 @@
           <a:p>
             <a:r>
               <a:rPr lang="es-PE" dirty="0" smtClean="0"/>
-              <a:t>Modelo de Casos de uso del negocio</a:t>
+              <a:t>Modelo de Casos de uso del </a:t>
+            </a:r>
+            <a:r>
+              <a:rPr lang="es-PE" dirty="0" smtClean="0"/>
+              <a:t>negocio</a:t>
+            </a:r>
+            <a:br>
+              <a:rPr lang="es-PE" dirty="0" smtClean="0"/>
+            </a:br>
+            <a:r>
+              <a:rPr lang="es-PE" dirty="0" smtClean="0"/>
+              <a:t>(</a:t>
+            </a:r>
+            <a:r>
+              <a:rPr lang="es-PE" dirty="0" smtClean="0"/>
+              <a:t>Contratos de Clientes</a:t>
+            </a:r>
+            <a:r>
+              <a:rPr lang="es-PE" dirty="0" smtClean="0"/>
+              <a:t>)</a:t>
             </a:r>
             <a:endParaRPr lang="es-PE" dirty="0"/>
           </a:p>
@@ -17825,8 +18254,13 @@
           <a:p>
             <a:r>
               <a:rPr lang="es-PE" dirty="0"/>
-              <a:t>ESPECIFICACION DE REGLAS DE NEGOCIO</a:t>
+              <a:t>ESPECIFICACION DE REGLAS DE </a:t>
             </a:r>
+            <a:r>
+              <a:rPr lang="es-PE" dirty="0" smtClean="0"/>
+              <a:t>NEGOCIO (Contratos de Clientes)</a:t>
+            </a:r>
+            <a:endParaRPr lang="es-PE" dirty="0"/>
           </a:p>
         </p:txBody>
       </p:sp>
@@ -18129,8 +18563,27 @@
                           <a:ea typeface="+mn-ea"/>
                           <a:cs typeface="+mn-cs"/>
                         </a:rPr>
-                        <a:t>Se definen las siguientes Categorías de Tipos de Servicio: </a:t>
+                        <a:t>Se definen las siguientes Categorías de Tipos de </a:t>
                       </a:r>
+                      <a:r>
+                        <a:rPr lang="es-PE" sz="1800" i="1" kern="1200" dirty="0" smtClean="0">
+                          <a:solidFill>
+                            <a:schemeClr val="tx1"/>
+                          </a:solidFill>
+                          <a:latin typeface="+mn-lt"/>
+                          <a:ea typeface="+mn-ea"/>
+                          <a:cs typeface="+mn-cs"/>
+                        </a:rPr>
+                        <a:t>Cliente: </a:t>
+                      </a:r>
+                      <a:endParaRPr lang="es-PE" sz="1800" i="1" kern="1200" dirty="0" smtClean="0">
+                        <a:solidFill>
+                          <a:schemeClr val="tx1"/>
+                        </a:solidFill>
+                        <a:latin typeface="+mn-lt"/>
+                        <a:ea typeface="+mn-ea"/>
+                        <a:cs typeface="+mn-cs"/>
+                      </a:endParaRPr>
                     </a:p>
                     <a:p>
                       <a:pPr marL="0" marR="0" indent="0" algn="l" defTabSz="914400" rtl="0" eaLnBrk="1" fontAlgn="auto" latinLnBrk="0" hangingPunct="1">
@@ -18247,7 +18700,7 @@
           <p:nvPr/>
         </p:nvPicPr>
         <p:blipFill>
-          <a:blip r:embed="rId2" cstate="print"/>
+          <a:blip r:embed="rId3" cstate="print"/>
           <a:srcRect/>
           <a:stretch>
             <a:fillRect/>
@@ -18279,7 +18732,7 @@
           <p:nvPr/>
         </p:nvPicPr>
         <p:blipFill>
-          <a:blip r:embed="rId3" cstate="print"/>
+          <a:blip r:embed="rId4" cstate="print"/>
           <a:srcRect/>
           <a:stretch>
             <a:fillRect/>
@@ -18311,7 +18764,7 @@
           <p:nvPr/>
         </p:nvPicPr>
         <p:blipFill>
-          <a:blip r:embed="rId4" cstate="print"/>
+          <a:blip r:embed="rId5" cstate="print"/>
           <a:srcRect/>
           <a:stretch>
             <a:fillRect/>
@@ -18337,7 +18790,7 @@
     </p:spTree>
     <p:extLst>
       <p:ext uri="{BB962C8B-B14F-4D97-AF65-F5344CB8AC3E}">
-        <p14:creationId xmlns:p14="http://schemas.microsoft.com/office/powerpoint/2010/main" xmlns="" val="1314591319"/>
+        <p14:creationId xmlns="" xmlns:p14="http://schemas.microsoft.com/office/powerpoint/2010/main" val="1314591319"/>
       </p:ext>
     </p:extLst>
   </p:cSld>
@@ -18402,7 +18855,19 @@
             </a:r>
             <a:r>
               <a:rPr lang="es-PE" dirty="0" smtClean="0"/>
-              <a:t>NEGOCIO (cont..)</a:t>
+              <a:t>NEGOCIO </a:t>
+            </a:r>
+            <a:r>
+              <a:rPr lang="es-PE" dirty="0" smtClean="0"/>
+              <a:t>(</a:t>
+            </a:r>
+            <a:r>
+              <a:rPr lang="es-PE" dirty="0" smtClean="0"/>
+              <a:t>Contratos de Clientes</a:t>
+            </a:r>
+            <a:r>
+              <a:rPr lang="es-PE" dirty="0" smtClean="0"/>
+              <a:t>)</a:t>
             </a:r>
             <a:endParaRPr lang="es-PE" dirty="0"/>
           </a:p>
@@ -18990,7 +19455,7 @@
     </p:spTree>
     <p:extLst>
       <p:ext uri="{BB962C8B-B14F-4D97-AF65-F5344CB8AC3E}">
-        <p14:creationId xmlns:p14="http://schemas.microsoft.com/office/powerpoint/2010/main" xmlns="" val="1314591319"/>
+        <p14:creationId xmlns="" xmlns:p14="http://schemas.microsoft.com/office/powerpoint/2010/main" val="1314591319"/>
       </p:ext>
     </p:extLst>
   </p:cSld>
@@ -19055,7 +19520,11 @@
             </a:r>
             <a:r>
               <a:rPr lang="es-PE" dirty="0" smtClean="0"/>
-              <a:t>NEGOCIO (cont..)</a:t>
+              <a:t>NEGOCIO </a:t>
+            </a:r>
+            <a:r>
+              <a:rPr lang="es-PE" dirty="0" smtClean="0"/>
+              <a:t>(Contratos de Clientes)</a:t>
             </a:r>
             <a:endParaRPr lang="es-PE" dirty="0"/>
           </a:p>
@@ -19204,7 +19673,7 @@
     </p:spTree>
     <p:extLst>
       <p:ext uri="{BB962C8B-B14F-4D97-AF65-F5344CB8AC3E}">
-        <p14:creationId xmlns:p14="http://schemas.microsoft.com/office/powerpoint/2010/main" xmlns="" val="1314591319"/>
+        <p14:creationId xmlns="" xmlns:p14="http://schemas.microsoft.com/office/powerpoint/2010/main" val="1314591319"/>
       </p:ext>
     </p:extLst>
   </p:cSld>
@@ -19269,7 +19738,11 @@
             </a:r>
             <a:r>
               <a:rPr lang="es-PE" dirty="0" smtClean="0"/>
-              <a:t>NEGOCIO (cont..)</a:t>
+              <a:t>NEGOCIO </a:t>
+            </a:r>
+            <a:r>
+              <a:rPr lang="es-PE" dirty="0" smtClean="0"/>
+              <a:t>(Contratos de Clientes)</a:t>
             </a:r>
             <a:endParaRPr lang="es-PE" dirty="0"/>
           </a:p>
@@ -19416,7 +19889,7 @@
     </p:spTree>
     <p:extLst>
       <p:ext uri="{BB962C8B-B14F-4D97-AF65-F5344CB8AC3E}">
-        <p14:creationId xmlns:p14="http://schemas.microsoft.com/office/powerpoint/2010/main" xmlns="" val="1314591319"/>
+        <p14:creationId xmlns="" xmlns:p14="http://schemas.microsoft.com/office/powerpoint/2010/main" val="1314591319"/>
       </p:ext>
     </p:extLst>
   </p:cSld>
@@ -19727,4 +20200,287 @@
   <a:objectDefaults/>
   <a:extraClrSchemeLst/>
 </a:theme>
+</file>
+
+<file path=ppt/theme/theme2.xml><?xml version="1.0" encoding="utf-8"?>
+<a:theme xmlns:a="http://schemas.openxmlformats.org/drawingml/2006/main" name="Tema de Office">
+  <a:themeElements>
+    <a:clrScheme name="Office">
+      <a:dk1>
+        <a:sysClr val="windowText" lastClr="000000"/>
+      </a:dk1>
+      <a:lt1>
+        <a:sysClr val="window" lastClr="FFFFFF"/>
+      </a:lt1>
+      <a:dk2>
+        <a:srgbClr val="1F497D"/>
+      </a:dk2>
+      <a:lt2>
+        <a:srgbClr val="EEECE1"/>
+      </a:lt2>
+      <a:accent1>
+        <a:srgbClr val="4F81BD"/>
+      </a:accent1>
+      <a:accent2>
+        <a:srgbClr val="C0504D"/>
+      </a:accent2>
+      <a:accent3>
+        <a:srgbClr val="9BBB59"/>
+      </a:accent3>
+      <a:accent4>
+        <a:srgbClr val="8064A2"/>
+      </a:accent4>
+      <a:accent5>
+        <a:srgbClr val="4BACC6"/>
+      </a:accent5>
+      <a:accent6>
+        <a:srgbClr val="F79646"/>
+      </a:accent6>
+      <a:hlink>
+        <a:srgbClr val="0000FF"/>
+      </a:hlink>
+      <a:folHlink>
+        <a:srgbClr val="800080"/>
+      </a:folHlink>
+    </a:clrScheme>
+    <a:fontScheme name="Office">
+      <a:majorFont>
+        <a:latin typeface="Calibri"/>
+        <a:ea typeface=""/>
+        <a:cs typeface=""/>
+        <a:font script="Jpan" typeface="ＭＳ Ｐゴシック"/>
+        <a:font script="Hang" typeface="맑은 고딕"/>
+        <a:font script="Hans" typeface="宋体"/>
+        <a:font script="Hant" typeface="新細明體"/>
+        <a:font script="Arab" typeface="Times New Roman"/>
+        <a:font script="Hebr" typeface="Times New Roman"/>
+        <a:font script="Thai" typeface="Angsana New"/>
+        <a:font script="Ethi" typeface="Nyala"/>
+        <a:font script="Beng" typeface="Vrinda"/>
+        <a:font script="Gujr" typeface="Shruti"/>
+        <a:font script="Khmr" typeface="MoolBoran"/>
+        <a:font script="Knda" typeface="Tunga"/>
+        <a:font script="Guru" typeface="Raavi"/>
+        <a:font script="Cans" typeface="Euphemia"/>
+        <a:font script="Cher" typeface="Plantagenet Cherokee"/>
+        <a:font script="Yiii" typeface="Microsoft Yi Baiti"/>
+        <a:font script="Tibt" typeface="Microsoft Himalaya"/>
+        <a:font script="Thaa" typeface="MV Boli"/>
+        <a:font script="Deva" typeface="Mangal"/>
+        <a:font script="Telu" typeface="Gautami"/>
+        <a:font script="Taml" typeface="Latha"/>
+        <a:font script="Syrc" typeface="Estrangelo Edessa"/>
+        <a:font script="Orya" typeface="Kalinga"/>
+        <a:font script="Mlym" typeface="Kartika"/>
+        <a:font script="Laoo" typeface="DokChampa"/>
+        <a:font script="Sinh" typeface="Iskoola Pota"/>
+        <a:font script="Mong" typeface="Mongolian Baiti"/>
+        <a:font script="Viet" typeface="Times New Roman"/>
+        <a:font script="Uigh" typeface="Microsoft Uighur"/>
+      </a:majorFont>
+      <a:minorFont>
+        <a:latin typeface="Calibri"/>
+        <a:ea typeface=""/>
+        <a:cs typeface=""/>
+        <a:font script="Jpan" typeface="ＭＳ Ｐゴシック"/>
+        <a:font script="Hang" typeface="맑은 고딕"/>
+        <a:font script="Hans" typeface="宋体"/>
+        <a:font script="Hant" typeface="新細明體"/>
+        <a:font script="Arab" typeface="Arial"/>
+        <a:font script="Hebr" typeface="Arial"/>
+        <a:font script="Thai" typeface="Cordia New"/>
+        <a:font script="Ethi" typeface="Nyala"/>
+        <a:font script="Beng" typeface="Vrinda"/>
+        <a:font script="Gujr" typeface="Shruti"/>
+        <a:font script="Khmr" typeface="DaunPenh"/>
+        <a:font script="Knda" typeface="Tunga"/>
+        <a:font script="Guru" typeface="Raavi"/>
+        <a:font script="Cans" typeface="Euphemia"/>
+        <a:font script="Cher" typeface="Plantagenet Cherokee"/>
+        <a:font script="Yiii" typeface="Microsoft Yi Baiti"/>
+        <a:font script="Tibt" typeface="Microsoft Himalaya"/>
+        <a:font script="Thaa" typeface="MV Boli"/>
+        <a:font script="Deva" typeface="Mangal"/>
+        <a:font script="Telu" typeface="Gautami"/>
+        <a:font script="Taml" typeface="Latha"/>
+        <a:font script="Syrc" typeface="Estrangelo Edessa"/>
+        <a:font script="Orya" typeface="Kalinga"/>
+        <a:font script="Mlym" typeface="Kartika"/>
+        <a:font script="Laoo" typeface="DokChampa"/>
+        <a:font script="Sinh" typeface="Iskoola Pota"/>
+        <a:font script="Mong" typeface="Mongolian Baiti"/>
+        <a:font script="Viet" typeface="Arial"/>
+        <a:font script="Uigh" typeface="Microsoft Uighur"/>
+      </a:minorFont>
+    </a:fontScheme>
+    <a:fmtScheme name="Office">
+      <a:fillStyleLst>
+        <a:solidFill>
+          <a:schemeClr val="phClr"/>
+        </a:solidFill>
+        <a:gradFill rotWithShape="1">
+          <a:gsLst>
+            <a:gs pos="0">
+              <a:schemeClr val="phClr">
+                <a:tint val="50000"/>
+                <a:satMod val="300000"/>
+              </a:schemeClr>
+            </a:gs>
+            <a:gs pos="35000">
+              <a:schemeClr val="phClr">
+                <a:tint val="37000"/>
+                <a:satMod val="300000"/>
+              </a:schemeClr>
+            </a:gs>
+            <a:gs pos="100000">
+              <a:schemeClr val="phClr">
+                <a:tint val="15000"/>
+                <a:satMod val="350000"/>
+              </a:schemeClr>
+            </a:gs>
+          </a:gsLst>
+          <a:lin ang="16200000" scaled="1"/>
+        </a:gradFill>
+        <a:gradFill rotWithShape="1">
+          <a:gsLst>
+            <a:gs pos="0">
+              <a:schemeClr val="phClr">
+                <a:shade val="51000"/>
+                <a:satMod val="130000"/>
+              </a:schemeClr>
+            </a:gs>
+            <a:gs pos="80000">
+              <a:schemeClr val="phClr">
+                <a:shade val="93000"/>
+                <a:satMod val="130000"/>
+              </a:schemeClr>
+            </a:gs>
+            <a:gs pos="100000">
+              <a:schemeClr val="phClr">
+                <a:shade val="94000"/>
+                <a:satMod val="135000"/>
+              </a:schemeClr>
+            </a:gs>
+          </a:gsLst>
+          <a:lin ang="16200000" scaled="0"/>
+        </a:gradFill>
+      </a:fillStyleLst>
+      <a:lnStyleLst>
+        <a:ln w="9525" cap="flat" cmpd="sng" algn="ctr">
+          <a:solidFill>
+            <a:schemeClr val="phClr">
+              <a:shade val="95000"/>
+              <a:satMod val="105000"/>
+            </a:schemeClr>
+          </a:solidFill>
+          <a:prstDash val="solid"/>
+        </a:ln>
+        <a:ln w="25400" cap="flat" cmpd="sng" algn="ctr">
+          <a:solidFill>
+            <a:schemeClr val="phClr"/>
+          </a:solidFill>
+          <a:prstDash val="solid"/>
+        </a:ln>
+        <a:ln w="38100" cap="flat" cmpd="sng" algn="ctr">
+          <a:solidFill>
+            <a:schemeClr val="phClr"/>
+          </a:solidFill>
+          <a:prstDash val="solid"/>
+        </a:ln>
+      </a:lnStyleLst>
+      <a:effectStyleLst>
+        <a:effectStyle>
+          <a:effectLst>
+            <a:outerShdw blurRad="40000" dist="20000" dir="5400000" rotWithShape="0">
+              <a:srgbClr val="000000">
+                <a:alpha val="38000"/>
+              </a:srgbClr>
+            </a:outerShdw>
+          </a:effectLst>
+        </a:effectStyle>
+        <a:effectStyle>
+          <a:effectLst>
+            <a:outerShdw blurRad="40000" dist="23000" dir="5400000" rotWithShape="0">
+              <a:srgbClr val="000000">
+                <a:alpha val="35000"/>
+              </a:srgbClr>
+            </a:outerShdw>
+          </a:effectLst>
+        </a:effectStyle>
+        <a:effectStyle>
+          <a:effectLst>
+            <a:outerShdw blurRad="40000" dist="23000" dir="5400000" rotWithShape="0">
+              <a:srgbClr val="000000">
+                <a:alpha val="35000"/>
+              </a:srgbClr>
+            </a:outerShdw>
+          </a:effectLst>
+          <a:scene3d>
+            <a:camera prst="orthographicFront">
+              <a:rot lat="0" lon="0" rev="0"/>
+            </a:camera>
+            <a:lightRig rig="threePt" dir="t">
+              <a:rot lat="0" lon="0" rev="1200000"/>
+            </a:lightRig>
+          </a:scene3d>
+          <a:sp3d>
+            <a:bevelT w="63500" h="25400"/>
+          </a:sp3d>
+        </a:effectStyle>
+      </a:effectStyleLst>
+      <a:bgFillStyleLst>
+        <a:solidFill>
+          <a:schemeClr val="phClr"/>
+        </a:solidFill>
+        <a:gradFill rotWithShape="1">
+          <a:gsLst>
+            <a:gs pos="0">
+              <a:schemeClr val="phClr">
+                <a:tint val="40000"/>
+                <a:satMod val="350000"/>
+              </a:schemeClr>
+            </a:gs>
+            <a:gs pos="40000">
+              <a:schemeClr val="phClr">
+                <a:tint val="45000"/>
+                <a:shade val="99000"/>
+                <a:satMod val="350000"/>
+              </a:schemeClr>
+            </a:gs>
+            <a:gs pos="100000">
+              <a:schemeClr val="phClr">
+                <a:shade val="20000"/>
+                <a:satMod val="255000"/>
+              </a:schemeClr>
+            </a:gs>
+          </a:gsLst>
+          <a:path path="circle">
+            <a:fillToRect l="50000" t="-80000" r="50000" b="180000"/>
+          </a:path>
+        </a:gradFill>
+        <a:gradFill rotWithShape="1">
+          <a:gsLst>
+            <a:gs pos="0">
+              <a:schemeClr val="phClr">
+                <a:tint val="80000"/>
+                <a:satMod val="300000"/>
+              </a:schemeClr>
+            </a:gs>
+            <a:gs pos="100000">
+              <a:schemeClr val="phClr">
+                <a:shade val="30000"/>
+                <a:satMod val="200000"/>
+              </a:schemeClr>
+            </a:gs>
+          </a:gsLst>
+          <a:path path="circle">
+            <a:fillToRect l="50000" t="50000" r="50000" b="50000"/>
+          </a:path>
+        </a:gradFill>
+      </a:bgFillStyleLst>
+    </a:fmtScheme>
+  </a:themeElements>
+  <a:objectDefaults/>
+  <a:extraClrSchemeLst/>
+</a:theme>
 </file>
--- a/trunk/ tsp01-contratos-clientes/ITERACCION01/SI01/PRESENTACIONES/PPT SI01 MCUN.pptx
+++ b/trunk/ tsp01-contratos-clientes/ITERACCION01/SI01/PRESENTACIONES/PPT SI01 MCUN.pptx
@@ -5,25 +5,30 @@
     <p:sldMasterId id="2147483660" r:id="rId1"/>
   </p:sldMasterIdLst>
   <p:notesMasterIdLst>
-    <p:notesMasterId r:id="rId18"/>
+    <p:notesMasterId r:id="rId23"/>
   </p:notesMasterIdLst>
   <p:sldIdLst>
     <p:sldId id="256" r:id="rId2"/>
-    <p:sldId id="270" r:id="rId3"/>
-    <p:sldId id="271" r:id="rId4"/>
-    <p:sldId id="272" r:id="rId5"/>
-    <p:sldId id="269" r:id="rId6"/>
-    <p:sldId id="258" r:id="rId7"/>
-    <p:sldId id="261" r:id="rId8"/>
-    <p:sldId id="262" r:id="rId9"/>
-    <p:sldId id="265" r:id="rId10"/>
-    <p:sldId id="263" r:id="rId11"/>
-    <p:sldId id="264" r:id="rId12"/>
-    <p:sldId id="266" r:id="rId13"/>
-    <p:sldId id="267" r:id="rId14"/>
-    <p:sldId id="268" r:id="rId15"/>
-    <p:sldId id="259" r:id="rId16"/>
-    <p:sldId id="260" r:id="rId17"/>
+    <p:sldId id="273" r:id="rId3"/>
+    <p:sldId id="270" r:id="rId4"/>
+    <p:sldId id="271" r:id="rId5"/>
+    <p:sldId id="272" r:id="rId6"/>
+    <p:sldId id="274" r:id="rId7"/>
+    <p:sldId id="269" r:id="rId8"/>
+    <p:sldId id="275" r:id="rId9"/>
+    <p:sldId id="258" r:id="rId10"/>
+    <p:sldId id="261" r:id="rId11"/>
+    <p:sldId id="262" r:id="rId12"/>
+    <p:sldId id="265" r:id="rId13"/>
+    <p:sldId id="263" r:id="rId14"/>
+    <p:sldId id="264" r:id="rId15"/>
+    <p:sldId id="266" r:id="rId16"/>
+    <p:sldId id="267" r:id="rId17"/>
+    <p:sldId id="276" r:id="rId18"/>
+    <p:sldId id="268" r:id="rId19"/>
+    <p:sldId id="277" r:id="rId20"/>
+    <p:sldId id="259" r:id="rId21"/>
+    <p:sldId id="260" r:id="rId22"/>
   </p:sldIdLst>
   <p:sldSz cx="9144000" cy="6858000" type="screen4x3"/>
   <p:notesSz cx="6858000" cy="9144000"/>
@@ -207,6 +212,7 @@
           <a:p>
             <a:fld id="{3A629E50-77D5-4BBF-960C-03B141B5D22B}" type="datetimeFigureOut">
               <a:rPr lang="es-PE" smtClean="0"/>
+              <a:pPr/>
               <a:t>06/05/2012</a:t>
             </a:fld>
             <a:endParaRPr lang="es-PE"/>
@@ -368,6 +374,7 @@
           <a:p>
             <a:fld id="{C4F52019-8A53-48F9-B5D8-ACBBC3A49850}" type="slidenum">
               <a:rPr lang="es-PE" smtClean="0"/>
+              <a:pPr/>
               <a:t>‹Nº›</a:t>
             </a:fld>
             <a:endParaRPr lang="es-PE"/>
@@ -539,7 +546,8 @@
           <a:p>
             <a:fld id="{C4F52019-8A53-48F9-B5D8-ACBBC3A49850}" type="slidenum">
               <a:rPr lang="es-PE" smtClean="0"/>
-              <a:t>6</a:t>
+              <a:pPr/>
+              <a:t>9</a:t>
             </a:fld>
             <a:endParaRPr lang="es-PE"/>
           </a:p>
@@ -15060,11 +15068,7 @@
           <a:p>
             <a:r>
               <a:rPr lang="es-PE" dirty="0" smtClean="0"/>
-              <a:t>CONTRATOS </a:t>
-            </a:r>
-            <a:r>
-              <a:rPr lang="es-PE" dirty="0" smtClean="0"/>
-              <a:t>DE CLIENTES</a:t>
+              <a:t>CONTRATOS DE CLIENTES</a:t>
             </a:r>
             <a:endParaRPr lang="es-PE" sz="3600" dirty="0"/>
           </a:p>
@@ -15260,3614 +15264,7 @@
             </a:r>
             <a:r>
               <a:rPr lang="es-PE" dirty="0" smtClean="0"/>
-              <a:t>NEGOCIO </a:t>
-            </a:r>
-            <a:r>
-              <a:rPr lang="es-PE" dirty="0" smtClean="0"/>
-              <a:t>(Contratos de Clientes)</a:t>
-            </a:r>
-            <a:endParaRPr lang="es-PE" dirty="0"/>
-          </a:p>
-        </p:txBody>
-      </p:sp>
-      <p:graphicFrame>
-        <p:nvGraphicFramePr>
-          <p:cNvPr id="6" name="5 Tabla"/>
-          <p:cNvGraphicFramePr>
-            <a:graphicFrameLocks noGrp="1"/>
-          </p:cNvGraphicFramePr>
-          <p:nvPr/>
-        </p:nvGraphicFramePr>
-        <p:xfrm>
-          <a:off x="323528" y="2348880"/>
-          <a:ext cx="8568952" cy="4176464"/>
-        </p:xfrm>
-        <a:graphic>
-          <a:graphicData uri="http://schemas.openxmlformats.org/drawingml/2006/table">
-            <a:tbl>
-              <a:tblPr firstRow="1" bandRow="1">
-                <a:tableStyleId>{BC89EF96-8CEA-46FF-86C4-4CE0E7609802}</a:tableStyleId>
-              </a:tblPr>
-              <a:tblGrid>
-                <a:gridCol w="2427870"/>
-                <a:gridCol w="6141082"/>
-              </a:tblGrid>
-              <a:tr h="1290461">
-                <a:tc>
-                  <a:txBody>
-                    <a:bodyPr/>
-                    <a:lstStyle/>
-                    <a:p>
-                      <a:endParaRPr lang="es-ES" dirty="0"/>
-                    </a:p>
-                  </a:txBody>
-                  <a:tcPr/>
-                </a:tc>
-                <a:tc>
-                  <a:txBody>
-                    <a:bodyPr/>
-                    <a:lstStyle/>
-                    <a:p>
-                      <a:pPr marL="0" marR="0" indent="0" algn="just" defTabSz="914400" rtl="0" eaLnBrk="1" fontAlgn="auto" latinLnBrk="0" hangingPunct="1">
-                        <a:lnSpc>
-                          <a:spcPct val="100000"/>
-                        </a:lnSpc>
-                        <a:spcBef>
-                          <a:spcPts val="0"/>
-                        </a:spcBef>
-                        <a:spcAft>
-                          <a:spcPts val="0"/>
-                        </a:spcAft>
-                        <a:buClrTx/>
-                        <a:buSzTx/>
-                        <a:buFontTx/>
-                        <a:buNone/>
-                        <a:tabLst/>
-                        <a:defRPr/>
-                      </a:pPr>
-                      <a:endParaRPr lang="es-PE" sz="1800" b="0" kern="1200" dirty="0" smtClean="0">
-                        <a:solidFill>
-                          <a:schemeClr val="tx1"/>
-                        </a:solidFill>
-                        <a:latin typeface="+mn-lt"/>
-                        <a:ea typeface="+mn-ea"/>
-                        <a:cs typeface="+mn-cs"/>
-                      </a:endParaRPr>
-                    </a:p>
-                    <a:p>
-                      <a:pPr marL="0" marR="0" indent="0" algn="just" defTabSz="914400" rtl="0" eaLnBrk="1" fontAlgn="auto" latinLnBrk="0" hangingPunct="1">
-                        <a:lnSpc>
-                          <a:spcPct val="100000"/>
-                        </a:lnSpc>
-                        <a:spcBef>
-                          <a:spcPts val="0"/>
-                        </a:spcBef>
-                        <a:spcAft>
-                          <a:spcPts val="0"/>
-                        </a:spcAft>
-                        <a:buClrTx/>
-                        <a:buSzTx/>
-                        <a:buFontTx/>
-                        <a:buNone/>
-                        <a:tabLst/>
-                        <a:defRPr/>
-                      </a:pPr>
-                      <a:r>
-                        <a:rPr lang="es-PE" sz="1800" b="0" kern="1200" dirty="0" smtClean="0">
-                          <a:solidFill>
-                            <a:schemeClr val="tx1"/>
-                          </a:solidFill>
-                          <a:latin typeface="+mn-lt"/>
-                          <a:ea typeface="+mn-ea"/>
-                          <a:cs typeface="+mn-cs"/>
-                        </a:rPr>
-                        <a:t>La frecuencia de Seguimientos individuales a los Clientes se deben realizar de manera mensual.</a:t>
-                      </a:r>
-                      <a:endParaRPr lang="es-ES" sz="1800" b="0" kern="1200" dirty="0" smtClean="0">
-                        <a:solidFill>
-                          <a:schemeClr val="tx1"/>
-                        </a:solidFill>
-                        <a:latin typeface="+mn-lt"/>
-                        <a:ea typeface="+mn-ea"/>
-                        <a:cs typeface="+mn-cs"/>
-                      </a:endParaRPr>
-                    </a:p>
-                  </a:txBody>
-                  <a:tcPr/>
-                </a:tc>
-              </a:tr>
-              <a:tr h="1409356">
-                <a:tc>
-                  <a:txBody>
-                    <a:bodyPr/>
-                    <a:lstStyle/>
-                    <a:p>
-                      <a:endParaRPr lang="es-ES" dirty="0"/>
-                    </a:p>
-                  </a:txBody>
-                  <a:tcPr/>
-                </a:tc>
-                <a:tc>
-                  <a:txBody>
-                    <a:bodyPr/>
-                    <a:lstStyle/>
-                    <a:p>
-                      <a:pPr marL="0" marR="0" indent="0" algn="just" defTabSz="914400" rtl="0" eaLnBrk="1" fontAlgn="auto" latinLnBrk="0" hangingPunct="1">
-                        <a:lnSpc>
-                          <a:spcPct val="100000"/>
-                        </a:lnSpc>
-                        <a:spcBef>
-                          <a:spcPts val="0"/>
-                        </a:spcBef>
-                        <a:spcAft>
-                          <a:spcPts val="0"/>
-                        </a:spcAft>
-                        <a:buClrTx/>
-                        <a:buSzTx/>
-                        <a:buFontTx/>
-                        <a:buNone/>
-                        <a:tabLst/>
-                        <a:defRPr/>
-                      </a:pPr>
-                      <a:endParaRPr lang="es-PE" sz="1800" b="0" kern="1200" dirty="0" smtClean="0">
-                        <a:solidFill>
-                          <a:schemeClr val="tx1"/>
-                        </a:solidFill>
-                        <a:latin typeface="+mn-lt"/>
-                        <a:ea typeface="+mn-ea"/>
-                        <a:cs typeface="+mn-cs"/>
-                      </a:endParaRPr>
-                    </a:p>
-                    <a:p>
-                      <a:pPr marL="0" marR="0" indent="0" algn="just" defTabSz="914400" rtl="0" eaLnBrk="1" fontAlgn="auto" latinLnBrk="0" hangingPunct="1">
-                        <a:lnSpc>
-                          <a:spcPct val="100000"/>
-                        </a:lnSpc>
-                        <a:spcBef>
-                          <a:spcPts val="0"/>
-                        </a:spcBef>
-                        <a:spcAft>
-                          <a:spcPts val="0"/>
-                        </a:spcAft>
-                        <a:buClrTx/>
-                        <a:buSzTx/>
-                        <a:buFontTx/>
-                        <a:buNone/>
-                        <a:tabLst/>
-                        <a:defRPr/>
-                      </a:pPr>
-                      <a:r>
-                        <a:rPr lang="es-PE" sz="1800" b="0" kern="1200" dirty="0" smtClean="0">
-                          <a:solidFill>
-                            <a:schemeClr val="tx1"/>
-                          </a:solidFill>
-                          <a:latin typeface="+mn-lt"/>
-                          <a:ea typeface="+mn-ea"/>
-                          <a:cs typeface="+mn-cs"/>
-                        </a:rPr>
-                        <a:t>Si un cliente tiene un contrato por un servicio, no se deberá generar otro contrato por el mismo servicio mientras haya uno vigente.</a:t>
-                      </a:r>
-                      <a:endParaRPr lang="es-ES" sz="1800" b="0" kern="1200" dirty="0" smtClean="0">
-                        <a:solidFill>
-                          <a:schemeClr val="tx1"/>
-                        </a:solidFill>
-                        <a:latin typeface="+mn-lt"/>
-                        <a:ea typeface="+mn-ea"/>
-                        <a:cs typeface="+mn-cs"/>
-                      </a:endParaRPr>
-                    </a:p>
-                  </a:txBody>
-                  <a:tcPr/>
-                </a:tc>
-              </a:tr>
-              <a:tr h="1476647">
-                <a:tc>
-                  <a:txBody>
-                    <a:bodyPr/>
-                    <a:lstStyle/>
-                    <a:p>
-                      <a:endParaRPr lang="es-ES" dirty="0"/>
-                    </a:p>
-                  </a:txBody>
-                  <a:tcPr/>
-                </a:tc>
-                <a:tc>
-                  <a:txBody>
-                    <a:bodyPr/>
-                    <a:lstStyle/>
-                    <a:p>
-                      <a:pPr marL="0" marR="0" indent="0" algn="just" defTabSz="914400" rtl="0" eaLnBrk="1" fontAlgn="auto" latinLnBrk="0" hangingPunct="1">
-                        <a:lnSpc>
-                          <a:spcPct val="100000"/>
-                        </a:lnSpc>
-                        <a:spcBef>
-                          <a:spcPts val="0"/>
-                        </a:spcBef>
-                        <a:spcAft>
-                          <a:spcPts val="0"/>
-                        </a:spcAft>
-                        <a:buClrTx/>
-                        <a:buSzTx/>
-                        <a:buFontTx/>
-                        <a:buNone/>
-                        <a:tabLst/>
-                        <a:defRPr/>
-                      </a:pPr>
-                      <a:endParaRPr lang="es-PE" sz="1800" b="0" kern="1200" dirty="0" smtClean="0">
-                        <a:solidFill>
-                          <a:schemeClr val="tx1"/>
-                        </a:solidFill>
-                        <a:latin typeface="+mn-lt"/>
-                        <a:ea typeface="+mn-ea"/>
-                        <a:cs typeface="+mn-cs"/>
-                      </a:endParaRPr>
-                    </a:p>
-                    <a:p>
-                      <a:pPr marL="0" marR="0" indent="0" algn="just" defTabSz="914400" rtl="0" eaLnBrk="1" fontAlgn="auto" latinLnBrk="0" hangingPunct="1">
-                        <a:lnSpc>
-                          <a:spcPct val="100000"/>
-                        </a:lnSpc>
-                        <a:spcBef>
-                          <a:spcPts val="0"/>
-                        </a:spcBef>
-                        <a:spcAft>
-                          <a:spcPts val="0"/>
-                        </a:spcAft>
-                        <a:buClrTx/>
-                        <a:buSzTx/>
-                        <a:buFontTx/>
-                        <a:buNone/>
-                        <a:tabLst/>
-                        <a:defRPr/>
-                      </a:pPr>
-                      <a:r>
-                        <a:rPr lang="es-PE" sz="1800" b="0" kern="1200" dirty="0" smtClean="0">
-                          <a:solidFill>
-                            <a:schemeClr val="tx1"/>
-                          </a:solidFill>
-                          <a:latin typeface="+mn-lt"/>
-                          <a:ea typeface="+mn-ea"/>
-                          <a:cs typeface="+mn-cs"/>
-                        </a:rPr>
-                        <a:t>Se genera una Adenda sólo si el Contrato se encuentra vigente.</a:t>
-                      </a:r>
-                      <a:endParaRPr lang="es-ES" sz="1800" b="0" kern="1200" dirty="0" smtClean="0">
-                        <a:solidFill>
-                          <a:schemeClr val="tx1"/>
-                        </a:solidFill>
-                        <a:latin typeface="+mn-lt"/>
-                        <a:ea typeface="+mn-ea"/>
-                        <a:cs typeface="+mn-cs"/>
-                      </a:endParaRPr>
-                    </a:p>
-                  </a:txBody>
-                  <a:tcPr/>
-                </a:tc>
-              </a:tr>
-            </a:tbl>
-          </a:graphicData>
-        </a:graphic>
-      </p:graphicFrame>
-      <p:pic>
-        <p:nvPicPr>
-          <p:cNvPr id="5122" name="Picture 2"/>
-          <p:cNvPicPr>
-            <a:picLocks noChangeAspect="1" noChangeArrowheads="1"/>
-          </p:cNvPicPr>
-          <p:nvPr/>
-        </p:nvPicPr>
-        <p:blipFill>
-          <a:blip r:embed="rId2" cstate="print"/>
-          <a:srcRect/>
-          <a:stretch>
-            <a:fillRect/>
-          </a:stretch>
-        </p:blipFill>
-        <p:spPr bwMode="auto">
-          <a:xfrm>
-            <a:off x="467544" y="2420888"/>
-            <a:ext cx="2190750" cy="1152525"/>
-          </a:xfrm>
-          <a:prstGeom prst="rect">
-            <a:avLst/>
-          </a:prstGeom>
-          <a:noFill/>
-          <a:ln w="9525">
-            <a:noFill/>
-            <a:miter lim="800000"/>
-            <a:headEnd/>
-            <a:tailEnd/>
-          </a:ln>
-        </p:spPr>
-      </p:pic>
-      <p:pic>
-        <p:nvPicPr>
-          <p:cNvPr id="5123" name="Picture 3"/>
-          <p:cNvPicPr>
-            <a:picLocks noChangeAspect="1" noChangeArrowheads="1"/>
-          </p:cNvPicPr>
-          <p:nvPr/>
-        </p:nvPicPr>
-        <p:blipFill>
-          <a:blip r:embed="rId3" cstate="print"/>
-          <a:srcRect/>
-          <a:stretch>
-            <a:fillRect/>
-          </a:stretch>
-        </p:blipFill>
-        <p:spPr bwMode="auto">
-          <a:xfrm>
-            <a:off x="659160" y="3861048"/>
-            <a:ext cx="1752600" cy="942975"/>
-          </a:xfrm>
-          <a:prstGeom prst="rect">
-            <a:avLst/>
-          </a:prstGeom>
-          <a:noFill/>
-          <a:ln w="9525">
-            <a:noFill/>
-            <a:miter lim="800000"/>
-            <a:headEnd/>
-            <a:tailEnd/>
-          </a:ln>
-        </p:spPr>
-      </p:pic>
-      <p:pic>
-        <p:nvPicPr>
-          <p:cNvPr id="5124" name="Picture 4"/>
-          <p:cNvPicPr>
-            <a:picLocks noChangeAspect="1" noChangeArrowheads="1"/>
-          </p:cNvPicPr>
-          <p:nvPr/>
-        </p:nvPicPr>
-        <p:blipFill>
-          <a:blip r:embed="rId4" cstate="print"/>
-          <a:srcRect/>
-          <a:stretch>
-            <a:fillRect/>
-          </a:stretch>
-        </p:blipFill>
-        <p:spPr bwMode="auto">
-          <a:xfrm>
-            <a:off x="716310" y="5301208"/>
-            <a:ext cx="1695450" cy="1009650"/>
-          </a:xfrm>
-          <a:prstGeom prst="rect">
-            <a:avLst/>
-          </a:prstGeom>
-          <a:noFill/>
-          <a:ln w="9525">
-            <a:noFill/>
-            <a:miter lim="800000"/>
-            <a:headEnd/>
-            <a:tailEnd/>
-          </a:ln>
-        </p:spPr>
-      </p:pic>
-    </p:spTree>
-    <p:extLst>
-      <p:ext uri="{BB962C8B-B14F-4D97-AF65-F5344CB8AC3E}">
-        <p14:creationId xmlns="" xmlns:p14="http://schemas.microsoft.com/office/powerpoint/2010/main" val="1314591319"/>
-      </p:ext>
-    </p:extLst>
-  </p:cSld>
-  <p:clrMapOvr>
-    <a:masterClrMapping/>
-  </p:clrMapOvr>
-  <p:timing>
-    <p:tnLst>
-      <p:par>
-        <p:cTn id="1" dur="indefinite" restart="never" nodeType="tmRoot"/>
-      </p:par>
-    </p:tnLst>
-  </p:timing>
-</p:sld>
-</file>
-
-<file path=ppt/slides/slide11.xml><?xml version="1.0" encoding="utf-8"?>
-<p:sld xmlns:a="http://schemas.openxmlformats.org/drawingml/2006/main" xmlns:r="http://schemas.openxmlformats.org/officeDocument/2006/relationships" xmlns:p="http://schemas.openxmlformats.org/presentationml/2006/main">
-  <p:cSld>
-    <p:spTree>
-      <p:nvGrpSpPr>
-        <p:cNvPr id="1" name=""/>
-        <p:cNvGrpSpPr/>
-        <p:nvPr/>
-      </p:nvGrpSpPr>
-      <p:grpSpPr>
-        <a:xfrm>
-          <a:off x="0" y="0"/>
-          <a:ext cx="0" cy="0"/>
-          <a:chOff x="0" y="0"/>
-          <a:chExt cx="0" cy="0"/>
-        </a:xfrm>
-      </p:grpSpPr>
-      <p:sp>
-        <p:nvSpPr>
-          <p:cNvPr id="3" name="2 Título"/>
-          <p:cNvSpPr>
-            <a:spLocks noGrp="1"/>
-          </p:cNvSpPr>
-          <p:nvPr>
-            <p:ph type="title"/>
-          </p:nvPr>
-        </p:nvSpPr>
-        <p:spPr/>
-        <p:txBody>
-          <a:bodyPr>
-            <a:normAutofit fontScale="90000"/>
-          </a:bodyPr>
-          <a:lstStyle/>
-          <a:p>
-            <a:r>
-              <a:rPr lang="es-PE" dirty="0"/>
-              <a:t>ESPECIFICACION </a:t>
-            </a:r>
-            <a:r>
-              <a:rPr lang="es-PE" dirty="0" smtClean="0"/>
-              <a:t>DE </a:t>
-            </a:r>
-            <a:r>
-              <a:rPr lang="es-PE" dirty="0"/>
-              <a:t>REGLAS DE </a:t>
-            </a:r>
-            <a:r>
-              <a:rPr lang="es-PE" dirty="0" smtClean="0"/>
-              <a:t>NEGOCIO </a:t>
-            </a:r>
-            <a:r>
-              <a:rPr lang="es-PE" dirty="0" smtClean="0"/>
-              <a:t>(Contratos de Clientes)</a:t>
-            </a:r>
-            <a:endParaRPr lang="es-PE" dirty="0"/>
-          </a:p>
-        </p:txBody>
-      </p:sp>
-      <p:graphicFrame>
-        <p:nvGraphicFramePr>
-          <p:cNvPr id="6" name="5 Tabla"/>
-          <p:cNvGraphicFramePr>
-            <a:graphicFrameLocks noGrp="1"/>
-          </p:cNvGraphicFramePr>
-          <p:nvPr/>
-        </p:nvGraphicFramePr>
-        <p:xfrm>
-          <a:off x="323528" y="2348880"/>
-          <a:ext cx="8568952" cy="3841140"/>
-        </p:xfrm>
-        <a:graphic>
-          <a:graphicData uri="http://schemas.openxmlformats.org/drawingml/2006/table">
-            <a:tbl>
-              <a:tblPr firstRow="1" bandRow="1">
-                <a:tableStyleId>{BC89EF96-8CEA-46FF-86C4-4CE0E7609802}</a:tableStyleId>
-              </a:tblPr>
-              <a:tblGrid>
-                <a:gridCol w="2448272"/>
-                <a:gridCol w="6120680"/>
-              </a:tblGrid>
-              <a:tr h="834030">
-                <a:tc>
-                  <a:txBody>
-                    <a:bodyPr/>
-                    <a:lstStyle/>
-                    <a:p>
-                      <a:endParaRPr lang="es-ES" dirty="0"/>
-                    </a:p>
-                  </a:txBody>
-                  <a:tcPr/>
-                </a:tc>
-                <a:tc>
-                  <a:txBody>
-                    <a:bodyPr/>
-                    <a:lstStyle/>
-                    <a:p>
-                      <a:pPr marL="0" marR="0" indent="0" algn="l" defTabSz="914400" rtl="0" eaLnBrk="1" fontAlgn="auto" latinLnBrk="0" hangingPunct="1">
-                        <a:lnSpc>
-                          <a:spcPct val="100000"/>
-                        </a:lnSpc>
-                        <a:spcBef>
-                          <a:spcPts val="0"/>
-                        </a:spcBef>
-                        <a:spcAft>
-                          <a:spcPts val="0"/>
-                        </a:spcAft>
-                        <a:buClrTx/>
-                        <a:buSzTx/>
-                        <a:buFontTx/>
-                        <a:buNone/>
-                        <a:tabLst/>
-                        <a:defRPr/>
-                      </a:pPr>
-                      <a:r>
-                        <a:rPr lang="es-PE" sz="1800" b="0" i="0" kern="1200" dirty="0" smtClean="0">
-                          <a:solidFill>
-                            <a:schemeClr val="tx1"/>
-                          </a:solidFill>
-                          <a:latin typeface="+mn-lt"/>
-                          <a:ea typeface="+mn-ea"/>
-                          <a:cs typeface="+mn-cs"/>
-                        </a:rPr>
-                        <a:t>El cálculo para determinar el monto de Contrato es:</a:t>
-                      </a:r>
-                      <a:endParaRPr lang="es-ES" sz="1800" b="0" i="0" kern="1200" dirty="0" smtClean="0">
-                        <a:solidFill>
-                          <a:schemeClr val="tx1"/>
-                        </a:solidFill>
-                        <a:latin typeface="+mn-lt"/>
-                        <a:ea typeface="+mn-ea"/>
-                        <a:cs typeface="+mn-cs"/>
-                      </a:endParaRPr>
-                    </a:p>
-                    <a:p>
-                      <a:endParaRPr lang="es-ES" dirty="0" smtClean="0"/>
-                    </a:p>
-                    <a:p>
-                      <a:pPr marL="0" marR="0" indent="0" algn="l" defTabSz="914400" rtl="0" eaLnBrk="1" fontAlgn="auto" latinLnBrk="0" hangingPunct="1">
-                        <a:lnSpc>
-                          <a:spcPct val="100000"/>
-                        </a:lnSpc>
-                        <a:spcBef>
-                          <a:spcPts val="0"/>
-                        </a:spcBef>
-                        <a:spcAft>
-                          <a:spcPts val="0"/>
-                        </a:spcAft>
-                        <a:buClrTx/>
-                        <a:buSzTx/>
-                        <a:buFontTx/>
-                        <a:buNone/>
-                        <a:tabLst/>
-                        <a:defRPr/>
-                      </a:pPr>
-                      <a:r>
-                        <a:rPr lang="es-PE" sz="1800" b="1" kern="1200" dirty="0" smtClean="0">
-                          <a:solidFill>
-                            <a:schemeClr val="tx1"/>
-                          </a:solidFill>
-                          <a:latin typeface="+mn-lt"/>
-                          <a:ea typeface="+mn-ea"/>
-                          <a:cs typeface="+mn-cs"/>
-                        </a:rPr>
-                        <a:t>Monto Contrato </a:t>
-                      </a:r>
-                      <a:r>
-                        <a:rPr lang="es-PE" sz="1800" b="1" kern="1200" dirty="0" smtClean="0">
-                          <a:solidFill>
-                            <a:schemeClr val="tx1"/>
-                          </a:solidFill>
-                          <a:latin typeface="+mn-lt"/>
-                          <a:ea typeface="+mn-ea"/>
-                          <a:cs typeface="+mn-cs"/>
-                        </a:rPr>
-                        <a:t>= Gastos Recursos + Gastos de equipos+ IGV</a:t>
-                      </a:r>
-                    </a:p>
-                    <a:p>
-                      <a:endParaRPr lang="es-ES" dirty="0"/>
-                    </a:p>
-                  </a:txBody>
-                  <a:tcPr/>
-                </a:tc>
-              </a:tr>
-              <a:tr h="1326210">
-                <a:tc>
-                  <a:txBody>
-                    <a:bodyPr/>
-                    <a:lstStyle/>
-                    <a:p>
-                      <a:endParaRPr lang="es-ES" dirty="0"/>
-                    </a:p>
-                  </a:txBody>
-                  <a:tcPr/>
-                </a:tc>
-                <a:tc>
-                  <a:txBody>
-                    <a:bodyPr/>
-                    <a:lstStyle/>
-                    <a:p>
-                      <a:pPr marL="0" marR="0" indent="0" algn="just" defTabSz="914400" rtl="0" eaLnBrk="1" fontAlgn="auto" latinLnBrk="0" hangingPunct="1">
-                        <a:lnSpc>
-                          <a:spcPct val="100000"/>
-                        </a:lnSpc>
-                        <a:spcBef>
-                          <a:spcPts val="0"/>
-                        </a:spcBef>
-                        <a:spcAft>
-                          <a:spcPts val="0"/>
-                        </a:spcAft>
-                        <a:buClrTx/>
-                        <a:buSzTx/>
-                        <a:buFontTx/>
-                        <a:buNone/>
-                        <a:tabLst/>
-                        <a:defRPr/>
-                      </a:pPr>
-                      <a:endParaRPr lang="es-PE" sz="1800" b="0" i="0" kern="1200" dirty="0" smtClean="0">
-                        <a:solidFill>
-                          <a:schemeClr val="tx1"/>
-                        </a:solidFill>
-                        <a:latin typeface="+mn-lt"/>
-                        <a:ea typeface="+mn-ea"/>
-                        <a:cs typeface="+mn-cs"/>
-                      </a:endParaRPr>
-                    </a:p>
-                    <a:p>
-                      <a:pPr marL="0" marR="0" indent="0" algn="just" defTabSz="914400" rtl="0" eaLnBrk="1" fontAlgn="auto" latinLnBrk="0" hangingPunct="1">
-                        <a:lnSpc>
-                          <a:spcPct val="100000"/>
-                        </a:lnSpc>
-                        <a:spcBef>
-                          <a:spcPts val="0"/>
-                        </a:spcBef>
-                        <a:spcAft>
-                          <a:spcPts val="0"/>
-                        </a:spcAft>
-                        <a:buClrTx/>
-                        <a:buSzTx/>
-                        <a:buFontTx/>
-                        <a:buNone/>
-                        <a:tabLst/>
-                        <a:defRPr/>
-                      </a:pPr>
-                      <a:r>
-                        <a:rPr lang="es-PE" sz="1800" b="0" i="0" kern="1200" dirty="0" smtClean="0">
-                          <a:solidFill>
-                            <a:schemeClr val="tx1"/>
-                          </a:solidFill>
-                          <a:latin typeface="+mn-lt"/>
-                          <a:ea typeface="+mn-ea"/>
-                          <a:cs typeface="+mn-cs"/>
-                        </a:rPr>
-                        <a:t>Un prospecto de cliente deberá solicitar ser anulado de la lista de contactos solo si el mismo lo solicita.</a:t>
-                      </a:r>
-                      <a:endParaRPr lang="es-ES" sz="1800" b="0" i="0" kern="1200" dirty="0" smtClean="0">
-                        <a:solidFill>
-                          <a:schemeClr val="tx1"/>
-                        </a:solidFill>
-                        <a:latin typeface="+mn-lt"/>
-                        <a:ea typeface="+mn-ea"/>
-                        <a:cs typeface="+mn-cs"/>
-                      </a:endParaRPr>
-                    </a:p>
-                  </a:txBody>
-                  <a:tcPr/>
-                </a:tc>
-              </a:tr>
-              <a:tr h="1326210">
-                <a:tc>
-                  <a:txBody>
-                    <a:bodyPr/>
-                    <a:lstStyle/>
-                    <a:p>
-                      <a:endParaRPr lang="es-ES" dirty="0"/>
-                    </a:p>
-                  </a:txBody>
-                  <a:tcPr/>
-                </a:tc>
-                <a:tc>
-                  <a:txBody>
-                    <a:bodyPr/>
-                    <a:lstStyle/>
-                    <a:p>
-                      <a:pPr marL="0" marR="0" indent="0" algn="just" defTabSz="914400" rtl="0" eaLnBrk="1" fontAlgn="auto" latinLnBrk="0" hangingPunct="1">
-                        <a:lnSpc>
-                          <a:spcPct val="100000"/>
-                        </a:lnSpc>
-                        <a:spcBef>
-                          <a:spcPts val="0"/>
-                        </a:spcBef>
-                        <a:spcAft>
-                          <a:spcPts val="0"/>
-                        </a:spcAft>
-                        <a:buClrTx/>
-                        <a:buSzTx/>
-                        <a:buFontTx/>
-                        <a:buNone/>
-                        <a:tabLst/>
-                        <a:defRPr/>
-                      </a:pPr>
-                      <a:r>
-                        <a:rPr lang="es-PE" sz="1800" kern="1200" dirty="0" smtClean="0">
-                          <a:solidFill>
-                            <a:schemeClr val="tx1"/>
-                          </a:solidFill>
-                          <a:latin typeface="+mn-lt"/>
-                          <a:ea typeface="+mn-ea"/>
-                          <a:cs typeface="+mn-cs"/>
-                        </a:rPr>
-                        <a:t>Los descuentos en el precio de los productos se determinan según el tipo de cliente, el tipo de servicio a ofrecer y el monto del contrato. Estos descuentos son actualizados mensualmente por Finanzas.</a:t>
-                      </a:r>
-                      <a:endParaRPr lang="es-ES" sz="1800" b="0" kern="1200" dirty="0" smtClean="0">
-                        <a:solidFill>
-                          <a:schemeClr val="tx1"/>
-                        </a:solidFill>
-                        <a:latin typeface="+mn-lt"/>
-                        <a:ea typeface="+mn-ea"/>
-                        <a:cs typeface="+mn-cs"/>
-                      </a:endParaRPr>
-                    </a:p>
-                  </a:txBody>
-                  <a:tcPr/>
-                </a:tc>
-              </a:tr>
-            </a:tbl>
-          </a:graphicData>
-        </a:graphic>
-      </p:graphicFrame>
-      <p:pic>
-        <p:nvPicPr>
-          <p:cNvPr id="6146" name="Picture 2"/>
-          <p:cNvPicPr>
-            <a:picLocks noChangeAspect="1" noChangeArrowheads="1"/>
-          </p:cNvPicPr>
-          <p:nvPr/>
-        </p:nvPicPr>
-        <p:blipFill>
-          <a:blip r:embed="rId2" cstate="print"/>
-          <a:srcRect/>
-          <a:stretch>
-            <a:fillRect/>
-          </a:stretch>
-        </p:blipFill>
-        <p:spPr bwMode="auto">
-          <a:xfrm>
-            <a:off x="539552" y="2420888"/>
-            <a:ext cx="2057400" cy="990600"/>
-          </a:xfrm>
-          <a:prstGeom prst="rect">
-            <a:avLst/>
-          </a:prstGeom>
-          <a:noFill/>
-          <a:ln w="9525">
-            <a:noFill/>
-            <a:miter lim="800000"/>
-            <a:headEnd/>
-            <a:tailEnd/>
-          </a:ln>
-        </p:spPr>
-      </p:pic>
-      <p:pic>
-        <p:nvPicPr>
-          <p:cNvPr id="5" name="Picture 2"/>
-          <p:cNvPicPr>
-            <a:picLocks noChangeAspect="1" noChangeArrowheads="1"/>
-          </p:cNvPicPr>
-          <p:nvPr/>
-        </p:nvPicPr>
-        <p:blipFill>
-          <a:blip r:embed="rId3" cstate="print"/>
-          <a:srcRect/>
-          <a:stretch>
-            <a:fillRect/>
-          </a:stretch>
-        </p:blipFill>
-        <p:spPr bwMode="auto">
-          <a:xfrm>
-            <a:off x="782985" y="3717032"/>
-            <a:ext cx="1628775" cy="971550"/>
-          </a:xfrm>
-          <a:prstGeom prst="rect">
-            <a:avLst/>
-          </a:prstGeom>
-          <a:noFill/>
-          <a:ln w="9525">
-            <a:noFill/>
-            <a:miter lim="800000"/>
-            <a:headEnd/>
-            <a:tailEnd/>
-          </a:ln>
-        </p:spPr>
-      </p:pic>
-      <p:pic>
-        <p:nvPicPr>
-          <p:cNvPr id="7" name="Picture 4"/>
-          <p:cNvPicPr>
-            <a:picLocks noChangeAspect="1" noChangeArrowheads="1"/>
-          </p:cNvPicPr>
-          <p:nvPr/>
-        </p:nvPicPr>
-        <p:blipFill>
-          <a:blip r:embed="rId4" cstate="print"/>
-          <a:srcRect/>
-          <a:stretch>
-            <a:fillRect/>
-          </a:stretch>
-        </p:blipFill>
-        <p:spPr bwMode="auto">
-          <a:xfrm>
-            <a:off x="395536" y="5097363"/>
-            <a:ext cx="2247900" cy="923925"/>
-          </a:xfrm>
-          <a:prstGeom prst="rect">
-            <a:avLst/>
-          </a:prstGeom>
-          <a:noFill/>
-          <a:ln w="9525">
-            <a:noFill/>
-            <a:miter lim="800000"/>
-            <a:headEnd/>
-            <a:tailEnd/>
-          </a:ln>
-        </p:spPr>
-      </p:pic>
-    </p:spTree>
-    <p:extLst>
-      <p:ext uri="{BB962C8B-B14F-4D97-AF65-F5344CB8AC3E}">
-        <p14:creationId xmlns="" xmlns:p14="http://schemas.microsoft.com/office/powerpoint/2010/main" val="1314591319"/>
-      </p:ext>
-    </p:extLst>
-  </p:cSld>
-  <p:clrMapOvr>
-    <a:masterClrMapping/>
-  </p:clrMapOvr>
-  <p:timing>
-    <p:tnLst>
-      <p:par>
-        <p:cTn id="1" dur="indefinite" restart="never" nodeType="tmRoot"/>
-      </p:par>
-    </p:tnLst>
-  </p:timing>
-</p:sld>
-</file>
-
-<file path=ppt/slides/slide12.xml><?xml version="1.0" encoding="utf-8"?>
-<p:sld xmlns:a="http://schemas.openxmlformats.org/drawingml/2006/main" xmlns:r="http://schemas.openxmlformats.org/officeDocument/2006/relationships" xmlns:p="http://schemas.openxmlformats.org/presentationml/2006/main">
-  <p:cSld>
-    <p:spTree>
-      <p:nvGrpSpPr>
-        <p:cNvPr id="1" name=""/>
-        <p:cNvGrpSpPr/>
-        <p:nvPr/>
-      </p:nvGrpSpPr>
-      <p:grpSpPr>
-        <a:xfrm>
-          <a:off x="0" y="0"/>
-          <a:ext cx="0" cy="0"/>
-          <a:chOff x="0" y="0"/>
-          <a:chExt cx="0" cy="0"/>
-        </a:xfrm>
-      </p:grpSpPr>
-      <p:sp>
-        <p:nvSpPr>
-          <p:cNvPr id="3" name="2 Título"/>
-          <p:cNvSpPr>
-            <a:spLocks noGrp="1"/>
-          </p:cNvSpPr>
-          <p:nvPr>
-            <p:ph type="title"/>
-          </p:nvPr>
-        </p:nvSpPr>
-        <p:spPr/>
-        <p:txBody>
-          <a:bodyPr>
-            <a:normAutofit fontScale="90000"/>
-          </a:bodyPr>
-          <a:lstStyle/>
-          <a:p>
-            <a:r>
-              <a:rPr lang="es-PE" dirty="0"/>
-              <a:t>ESPECIFICACION </a:t>
-            </a:r>
-            <a:r>
-              <a:rPr lang="es-PE" dirty="0" smtClean="0"/>
-              <a:t>DE </a:t>
-            </a:r>
-            <a:r>
-              <a:rPr lang="es-PE" dirty="0"/>
-              <a:t>REGLAS DE </a:t>
-            </a:r>
-            <a:r>
-              <a:rPr lang="es-PE" dirty="0" smtClean="0"/>
-              <a:t>NEGOCIO </a:t>
-            </a:r>
-            <a:r>
-              <a:rPr lang="es-PE" dirty="0" smtClean="0"/>
-              <a:t>(Contratos de Clientes)</a:t>
-            </a:r>
-            <a:endParaRPr lang="es-PE" dirty="0"/>
-          </a:p>
-        </p:txBody>
-      </p:sp>
-      <p:graphicFrame>
-        <p:nvGraphicFramePr>
-          <p:cNvPr id="6" name="5 Tabla"/>
-          <p:cNvGraphicFramePr>
-            <a:graphicFrameLocks noGrp="1"/>
-          </p:cNvGraphicFramePr>
-          <p:nvPr/>
-        </p:nvGraphicFramePr>
-        <p:xfrm>
-          <a:off x="323528" y="2348880"/>
-          <a:ext cx="8568952" cy="4185632"/>
-        </p:xfrm>
-        <a:graphic>
-          <a:graphicData uri="http://schemas.openxmlformats.org/drawingml/2006/table">
-            <a:tbl>
-              <a:tblPr firstRow="1" bandRow="1">
-                <a:tableStyleId>{BC89EF96-8CEA-46FF-86C4-4CE0E7609802}</a:tableStyleId>
-              </a:tblPr>
-              <a:tblGrid>
-                <a:gridCol w="2427870"/>
-                <a:gridCol w="6141082"/>
-              </a:tblGrid>
-              <a:tr h="1290461">
-                <a:tc>
-                  <a:txBody>
-                    <a:bodyPr/>
-                    <a:lstStyle/>
-                    <a:p>
-                      <a:endParaRPr lang="es-ES" dirty="0"/>
-                    </a:p>
-                  </a:txBody>
-                  <a:tcPr/>
-                </a:tc>
-                <a:tc>
-                  <a:txBody>
-                    <a:bodyPr/>
-                    <a:lstStyle/>
-                    <a:p>
-                      <a:pPr marL="0" marR="0" indent="0" algn="just" defTabSz="914400" rtl="0" eaLnBrk="1" fontAlgn="auto" latinLnBrk="0" hangingPunct="1">
-                        <a:lnSpc>
-                          <a:spcPct val="100000"/>
-                        </a:lnSpc>
-                        <a:spcBef>
-                          <a:spcPts val="0"/>
-                        </a:spcBef>
-                        <a:spcAft>
-                          <a:spcPts val="0"/>
-                        </a:spcAft>
-                        <a:buClrTx/>
-                        <a:buSzTx/>
-                        <a:buFontTx/>
-                        <a:buNone/>
-                        <a:tabLst/>
-                        <a:defRPr/>
-                      </a:pPr>
-                      <a:r>
-                        <a:rPr lang="es-PE" sz="1800" b="0" kern="1200" dirty="0" smtClean="0">
-                          <a:solidFill>
-                            <a:schemeClr val="tx1"/>
-                          </a:solidFill>
-                          <a:latin typeface="+mn-lt"/>
-                          <a:ea typeface="+mn-ea"/>
-                          <a:cs typeface="+mn-cs"/>
-                        </a:rPr>
-                        <a:t>Si existe una polémica con el contrato de un cliente no se deberá generar ningún otro contrato al mismo cliente hasta solucionar la polémica.</a:t>
-                      </a:r>
-                      <a:endParaRPr lang="es-ES" sz="1800" b="0" kern="1200" dirty="0" smtClean="0">
-                        <a:solidFill>
-                          <a:schemeClr val="tx1"/>
-                        </a:solidFill>
-                        <a:latin typeface="+mn-lt"/>
-                        <a:ea typeface="+mn-ea"/>
-                        <a:cs typeface="+mn-cs"/>
-                      </a:endParaRPr>
-                    </a:p>
-                    <a:p>
-                      <a:pPr marL="0" marR="0" indent="0" algn="just" defTabSz="914400" rtl="0" eaLnBrk="1" fontAlgn="auto" latinLnBrk="0" hangingPunct="1">
-                        <a:lnSpc>
-                          <a:spcPct val="100000"/>
-                        </a:lnSpc>
-                        <a:spcBef>
-                          <a:spcPts val="0"/>
-                        </a:spcBef>
-                        <a:spcAft>
-                          <a:spcPts val="0"/>
-                        </a:spcAft>
-                        <a:buClrTx/>
-                        <a:buSzTx/>
-                        <a:buFontTx/>
-                        <a:buNone/>
-                        <a:tabLst/>
-                        <a:defRPr/>
-                      </a:pPr>
-                      <a:endParaRPr lang="es-ES" sz="1800" b="0" kern="1200" dirty="0" smtClean="0">
-                        <a:solidFill>
-                          <a:schemeClr val="tx1"/>
-                        </a:solidFill>
-                        <a:latin typeface="+mn-lt"/>
-                        <a:ea typeface="+mn-ea"/>
-                        <a:cs typeface="+mn-cs"/>
-                      </a:endParaRPr>
-                    </a:p>
-                  </a:txBody>
-                  <a:tcPr/>
-                </a:tc>
-              </a:tr>
-              <a:tr h="1157811">
-                <a:tc>
-                  <a:txBody>
-                    <a:bodyPr/>
-                    <a:lstStyle/>
-                    <a:p>
-                      <a:endParaRPr lang="es-ES" dirty="0"/>
-                    </a:p>
-                  </a:txBody>
-                  <a:tcPr/>
-                </a:tc>
-                <a:tc>
-                  <a:txBody>
-                    <a:bodyPr/>
-                    <a:lstStyle/>
-                    <a:p>
-                      <a:pPr marL="0" marR="0" indent="0" algn="just" defTabSz="914400" rtl="0" eaLnBrk="1" fontAlgn="auto" latinLnBrk="0" hangingPunct="1">
-                        <a:lnSpc>
-                          <a:spcPct val="100000"/>
-                        </a:lnSpc>
-                        <a:spcBef>
-                          <a:spcPts val="0"/>
-                        </a:spcBef>
-                        <a:spcAft>
-                          <a:spcPts val="0"/>
-                        </a:spcAft>
-                        <a:buClrTx/>
-                        <a:buSzTx/>
-                        <a:buFontTx/>
-                        <a:buNone/>
-                        <a:tabLst/>
-                        <a:defRPr/>
-                      </a:pPr>
-                      <a:endParaRPr lang="es-PE" sz="1800" b="0" kern="1200" dirty="0" smtClean="0">
-                        <a:solidFill>
-                          <a:schemeClr val="tx1"/>
-                        </a:solidFill>
-                        <a:latin typeface="+mn-lt"/>
-                        <a:ea typeface="+mn-ea"/>
-                        <a:cs typeface="+mn-cs"/>
-                      </a:endParaRPr>
-                    </a:p>
-                    <a:p>
-                      <a:pPr marL="0" marR="0" indent="0" algn="just" defTabSz="914400" rtl="0" eaLnBrk="1" fontAlgn="auto" latinLnBrk="0" hangingPunct="1">
-                        <a:lnSpc>
-                          <a:spcPct val="100000"/>
-                        </a:lnSpc>
-                        <a:spcBef>
-                          <a:spcPts val="0"/>
-                        </a:spcBef>
-                        <a:spcAft>
-                          <a:spcPts val="0"/>
-                        </a:spcAft>
-                        <a:buClrTx/>
-                        <a:buSzTx/>
-                        <a:buFontTx/>
-                        <a:buNone/>
-                        <a:tabLst/>
-                        <a:defRPr/>
-                      </a:pPr>
-                      <a:r>
-                        <a:rPr lang="es-PE" sz="1800" b="0" kern="1200" dirty="0" smtClean="0">
-                          <a:solidFill>
-                            <a:schemeClr val="tx1"/>
-                          </a:solidFill>
-                          <a:latin typeface="+mn-lt"/>
-                          <a:ea typeface="+mn-ea"/>
-                          <a:cs typeface="+mn-cs"/>
-                        </a:rPr>
-                        <a:t>Según el tipo de contrato se determinarán comisiones evaluadoras para el cierre del contrato.</a:t>
-                      </a:r>
-                      <a:endParaRPr lang="es-ES" sz="1800" b="0" kern="1200" dirty="0" smtClean="0">
-                        <a:solidFill>
-                          <a:schemeClr val="tx1"/>
-                        </a:solidFill>
-                        <a:latin typeface="+mn-lt"/>
-                        <a:ea typeface="+mn-ea"/>
-                        <a:cs typeface="+mn-cs"/>
-                      </a:endParaRPr>
-                    </a:p>
-                  </a:txBody>
-                  <a:tcPr/>
-                </a:tc>
-              </a:tr>
-              <a:tr h="1476647">
-                <a:tc>
-                  <a:txBody>
-                    <a:bodyPr/>
-                    <a:lstStyle/>
-                    <a:p>
-                      <a:endParaRPr lang="es-ES" dirty="0"/>
-                    </a:p>
-                  </a:txBody>
-                  <a:tcPr/>
-                </a:tc>
-                <a:tc>
-                  <a:txBody>
-                    <a:bodyPr/>
-                    <a:lstStyle/>
-                    <a:p>
-                      <a:pPr algn="just"/>
-                      <a:r>
-                        <a:rPr lang="es-PE" sz="1800" kern="1200" dirty="0" smtClean="0">
-                          <a:solidFill>
-                            <a:schemeClr val="tx1"/>
-                          </a:solidFill>
-                          <a:latin typeface="+mn-lt"/>
-                          <a:ea typeface="+mn-ea"/>
-                          <a:cs typeface="+mn-cs"/>
-                        </a:rPr>
-                        <a:t>Se definen los siguientes Tipos de Contrato:</a:t>
-                      </a:r>
-                    </a:p>
-                    <a:p>
-                      <a:pPr algn="just"/>
-                      <a:endParaRPr lang="es-ES" sz="1800" kern="1200" dirty="0" smtClean="0">
-                        <a:solidFill>
-                          <a:schemeClr val="tx1"/>
-                        </a:solidFill>
-                        <a:latin typeface="+mn-lt"/>
-                        <a:ea typeface="+mn-ea"/>
-                        <a:cs typeface="+mn-cs"/>
-                      </a:endParaRPr>
-                    </a:p>
-                    <a:p>
-                      <a:pPr algn="just"/>
-                      <a:r>
-                        <a:rPr lang="es-PE" sz="1800" kern="1200" dirty="0" smtClean="0">
-                          <a:solidFill>
-                            <a:schemeClr val="tx1"/>
-                          </a:solidFill>
-                          <a:latin typeface="+mn-lt"/>
-                          <a:ea typeface="+mn-ea"/>
-                          <a:cs typeface="+mn-cs"/>
-                        </a:rPr>
-                        <a:t>Prestación de servicio sin suministro de repuestos, prestación de servicio con suministro de repuestos, servicio prestado, mantenimiento integral, mantenimiento preventivo, mantenimiento correctivo y </a:t>
-                      </a:r>
-                      <a:r>
-                        <a:rPr lang="es-PE" sz="1800" kern="1200" dirty="0" err="1" smtClean="0">
-                          <a:solidFill>
-                            <a:schemeClr val="tx1"/>
-                          </a:solidFill>
-                          <a:latin typeface="+mn-lt"/>
-                          <a:ea typeface="+mn-ea"/>
-                          <a:cs typeface="+mn-cs"/>
-                        </a:rPr>
-                        <a:t>outsourcing</a:t>
-                      </a:r>
-                      <a:r>
-                        <a:rPr lang="es-PE" sz="1800" kern="1200" dirty="0" smtClean="0">
-                          <a:solidFill>
-                            <a:schemeClr val="tx1"/>
-                          </a:solidFill>
-                          <a:latin typeface="+mn-lt"/>
-                          <a:ea typeface="+mn-ea"/>
-                          <a:cs typeface="+mn-cs"/>
-                        </a:rPr>
-                        <a:t>.</a:t>
-                      </a:r>
-                      <a:endParaRPr lang="es-ES" sz="1800" b="0" kern="1200" dirty="0" smtClean="0">
-                        <a:solidFill>
-                          <a:schemeClr val="tx1"/>
-                        </a:solidFill>
-                        <a:latin typeface="+mn-lt"/>
-                        <a:ea typeface="+mn-ea"/>
-                        <a:cs typeface="+mn-cs"/>
-                      </a:endParaRPr>
-                    </a:p>
-                  </a:txBody>
-                  <a:tcPr/>
-                </a:tc>
-              </a:tr>
-            </a:tbl>
-          </a:graphicData>
-        </a:graphic>
-      </p:graphicFrame>
-      <p:pic>
-        <p:nvPicPr>
-          <p:cNvPr id="7173" name="Picture 5"/>
-          <p:cNvPicPr>
-            <a:picLocks noChangeAspect="1" noChangeArrowheads="1"/>
-          </p:cNvPicPr>
-          <p:nvPr/>
-        </p:nvPicPr>
-        <p:blipFill>
-          <a:blip r:embed="rId2" cstate="print"/>
-          <a:srcRect/>
-          <a:stretch>
-            <a:fillRect/>
-          </a:stretch>
-        </p:blipFill>
-        <p:spPr bwMode="auto">
-          <a:xfrm>
-            <a:off x="697260" y="2442592"/>
-            <a:ext cx="1714500" cy="914400"/>
-          </a:xfrm>
-          <a:prstGeom prst="rect">
-            <a:avLst/>
-          </a:prstGeom>
-          <a:noFill/>
-          <a:ln w="9525">
-            <a:noFill/>
-            <a:miter lim="800000"/>
-            <a:headEnd/>
-            <a:tailEnd/>
-          </a:ln>
-        </p:spPr>
-      </p:pic>
-      <p:pic>
-        <p:nvPicPr>
-          <p:cNvPr id="7" name="Picture 2"/>
-          <p:cNvPicPr>
-            <a:picLocks noChangeAspect="1" noChangeArrowheads="1"/>
-          </p:cNvPicPr>
-          <p:nvPr/>
-        </p:nvPicPr>
-        <p:blipFill>
-          <a:blip r:embed="rId3" cstate="print"/>
-          <a:srcRect/>
-          <a:stretch>
-            <a:fillRect/>
-          </a:stretch>
-        </p:blipFill>
-        <p:spPr bwMode="auto">
-          <a:xfrm>
-            <a:off x="683568" y="3789040"/>
-            <a:ext cx="1714500" cy="933450"/>
-          </a:xfrm>
-          <a:prstGeom prst="rect">
-            <a:avLst/>
-          </a:prstGeom>
-          <a:noFill/>
-          <a:ln w="9525">
-            <a:noFill/>
-            <a:miter lim="800000"/>
-            <a:headEnd/>
-            <a:tailEnd/>
-          </a:ln>
-        </p:spPr>
-      </p:pic>
-      <p:pic>
-        <p:nvPicPr>
-          <p:cNvPr id="8" name="Picture 3"/>
-          <p:cNvPicPr>
-            <a:picLocks noChangeAspect="1" noChangeArrowheads="1"/>
-          </p:cNvPicPr>
-          <p:nvPr/>
-        </p:nvPicPr>
-        <p:blipFill>
-          <a:blip r:embed="rId4" cstate="print"/>
-          <a:srcRect/>
-          <a:stretch>
-            <a:fillRect/>
-          </a:stretch>
-        </p:blipFill>
-        <p:spPr bwMode="auto">
-          <a:xfrm>
-            <a:off x="827584" y="5354166"/>
-            <a:ext cx="1409700" cy="952500"/>
-          </a:xfrm>
-          <a:prstGeom prst="rect">
-            <a:avLst/>
-          </a:prstGeom>
-          <a:noFill/>
-          <a:ln w="9525">
-            <a:noFill/>
-            <a:miter lim="800000"/>
-            <a:headEnd/>
-            <a:tailEnd/>
-          </a:ln>
-        </p:spPr>
-      </p:pic>
-    </p:spTree>
-    <p:extLst>
-      <p:ext uri="{BB962C8B-B14F-4D97-AF65-F5344CB8AC3E}">
-        <p14:creationId xmlns="" xmlns:p14="http://schemas.microsoft.com/office/powerpoint/2010/main" val="1314591319"/>
-      </p:ext>
-    </p:extLst>
-  </p:cSld>
-  <p:clrMapOvr>
-    <a:masterClrMapping/>
-  </p:clrMapOvr>
-  <p:timing>
-    <p:tnLst>
-      <p:par>
-        <p:cTn id="1" dur="indefinite" restart="never" nodeType="tmRoot"/>
-      </p:par>
-    </p:tnLst>
-  </p:timing>
-</p:sld>
-</file>
-
-<file path=ppt/slides/slide13.xml><?xml version="1.0" encoding="utf-8"?>
-<p:sld xmlns:a="http://schemas.openxmlformats.org/drawingml/2006/main" xmlns:r="http://schemas.openxmlformats.org/officeDocument/2006/relationships" xmlns:p="http://schemas.openxmlformats.org/presentationml/2006/main">
-  <p:cSld>
-    <p:spTree>
-      <p:nvGrpSpPr>
-        <p:cNvPr id="1" name=""/>
-        <p:cNvGrpSpPr/>
-        <p:nvPr/>
-      </p:nvGrpSpPr>
-      <p:grpSpPr>
-        <a:xfrm>
-          <a:off x="0" y="0"/>
-          <a:ext cx="0" cy="0"/>
-          <a:chOff x="0" y="0"/>
-          <a:chExt cx="0" cy="0"/>
-        </a:xfrm>
-      </p:grpSpPr>
-      <p:sp>
-        <p:nvSpPr>
-          <p:cNvPr id="3" name="2 Título"/>
-          <p:cNvSpPr>
-            <a:spLocks noGrp="1"/>
-          </p:cNvSpPr>
-          <p:nvPr>
-            <p:ph type="title"/>
-          </p:nvPr>
-        </p:nvSpPr>
-        <p:spPr/>
-        <p:txBody>
-          <a:bodyPr>
-            <a:normAutofit fontScale="90000"/>
-          </a:bodyPr>
-          <a:lstStyle/>
-          <a:p>
-            <a:r>
-              <a:rPr lang="es-PE" dirty="0"/>
-              <a:t>ESPECIFICACION </a:t>
-            </a:r>
-            <a:r>
-              <a:rPr lang="es-PE" dirty="0" smtClean="0"/>
-              <a:t>DE </a:t>
-            </a:r>
-            <a:r>
-              <a:rPr lang="es-PE" dirty="0"/>
-              <a:t>REGLAS DE </a:t>
-            </a:r>
-            <a:r>
-              <a:rPr lang="es-PE" dirty="0" smtClean="0"/>
-              <a:t>NEGOCIO </a:t>
-            </a:r>
-            <a:r>
-              <a:rPr lang="es-PE" dirty="0" smtClean="0"/>
-              <a:t>(Contratos de Clientes)</a:t>
-            </a:r>
-            <a:endParaRPr lang="es-PE" dirty="0"/>
-          </a:p>
-        </p:txBody>
-      </p:sp>
-      <p:graphicFrame>
-        <p:nvGraphicFramePr>
-          <p:cNvPr id="6" name="5 Tabla"/>
-          <p:cNvGraphicFramePr>
-            <a:graphicFrameLocks noGrp="1"/>
-          </p:cNvGraphicFramePr>
-          <p:nvPr/>
-        </p:nvGraphicFramePr>
-        <p:xfrm>
-          <a:off x="323528" y="2348881"/>
-          <a:ext cx="8568952" cy="1737360"/>
-        </p:xfrm>
-        <a:graphic>
-          <a:graphicData uri="http://schemas.openxmlformats.org/drawingml/2006/table">
-            <a:tbl>
-              <a:tblPr firstRow="1" bandRow="1">
-                <a:tableStyleId>{BC89EF96-8CEA-46FF-86C4-4CE0E7609802}</a:tableStyleId>
-              </a:tblPr>
-              <a:tblGrid>
-                <a:gridCol w="2427870"/>
-                <a:gridCol w="6141082"/>
-              </a:tblGrid>
-              <a:tr h="1436853">
-                <a:tc>
-                  <a:txBody>
-                    <a:bodyPr/>
-                    <a:lstStyle/>
-                    <a:p>
-                      <a:endParaRPr lang="es-ES" dirty="0"/>
-                    </a:p>
-                  </a:txBody>
-                  <a:tcPr/>
-                </a:tc>
-                <a:tc>
-                  <a:txBody>
-                    <a:bodyPr/>
-                    <a:lstStyle/>
-                    <a:p>
-                      <a:pPr marL="0" marR="0" indent="0" algn="just" defTabSz="914400" rtl="0" eaLnBrk="1" fontAlgn="auto" latinLnBrk="0" hangingPunct="1">
-                        <a:lnSpc>
-                          <a:spcPct val="100000"/>
-                        </a:lnSpc>
-                        <a:spcBef>
-                          <a:spcPts val="0"/>
-                        </a:spcBef>
-                        <a:spcAft>
-                          <a:spcPts val="0"/>
-                        </a:spcAft>
-                        <a:buClrTx/>
-                        <a:buSzTx/>
-                        <a:buFontTx/>
-                        <a:buNone/>
-                        <a:tabLst/>
-                        <a:defRPr/>
-                      </a:pPr>
-                      <a:endParaRPr lang="es-PE" sz="1800" kern="1200" dirty="0" smtClean="0">
-                        <a:solidFill>
-                          <a:schemeClr val="tx1"/>
-                        </a:solidFill>
-                        <a:latin typeface="+mn-lt"/>
-                        <a:ea typeface="+mn-ea"/>
-                        <a:cs typeface="+mn-cs"/>
-                      </a:endParaRPr>
-                    </a:p>
-                    <a:p>
-                      <a:pPr marL="0" marR="0" indent="0" algn="just" defTabSz="914400" rtl="0" eaLnBrk="1" fontAlgn="auto" latinLnBrk="0" hangingPunct="1">
-                        <a:lnSpc>
-                          <a:spcPct val="100000"/>
-                        </a:lnSpc>
-                        <a:spcBef>
-                          <a:spcPts val="0"/>
-                        </a:spcBef>
-                        <a:spcAft>
-                          <a:spcPts val="0"/>
-                        </a:spcAft>
-                        <a:buClrTx/>
-                        <a:buSzTx/>
-                        <a:buFontTx/>
-                        <a:buNone/>
-                        <a:tabLst/>
-                        <a:defRPr/>
-                      </a:pPr>
-                      <a:r>
-                        <a:rPr lang="es-PE" sz="1800" b="0" kern="1200" dirty="0" smtClean="0">
-                          <a:solidFill>
-                            <a:schemeClr val="tx1"/>
-                          </a:solidFill>
-                          <a:latin typeface="+mn-lt"/>
-                          <a:ea typeface="+mn-ea"/>
-                          <a:cs typeface="+mn-cs"/>
-                        </a:rPr>
-                        <a:t>Los Tipos de penalidades son los siguientes: </a:t>
-                      </a:r>
-                    </a:p>
-                    <a:p>
-                      <a:pPr marL="0" marR="0" indent="0" algn="just" defTabSz="914400" rtl="0" eaLnBrk="1" fontAlgn="auto" latinLnBrk="0" hangingPunct="1">
-                        <a:lnSpc>
-                          <a:spcPct val="100000"/>
-                        </a:lnSpc>
-                        <a:spcBef>
-                          <a:spcPts val="0"/>
-                        </a:spcBef>
-                        <a:spcAft>
-                          <a:spcPts val="0"/>
-                        </a:spcAft>
-                        <a:buClrTx/>
-                        <a:buSzTx/>
-                        <a:buFontTx/>
-                        <a:buNone/>
-                        <a:tabLst/>
-                        <a:defRPr/>
-                      </a:pPr>
-                      <a:endParaRPr lang="es-PE" sz="1800" b="0" kern="1200" dirty="0" smtClean="0">
-                        <a:solidFill>
-                          <a:schemeClr val="tx1"/>
-                        </a:solidFill>
-                        <a:latin typeface="+mn-lt"/>
-                        <a:ea typeface="+mn-ea"/>
-                        <a:cs typeface="+mn-cs"/>
-                      </a:endParaRPr>
-                    </a:p>
-                    <a:p>
-                      <a:pPr marL="0" marR="0" indent="0" algn="just" defTabSz="914400" rtl="0" eaLnBrk="1" fontAlgn="auto" latinLnBrk="0" hangingPunct="1">
-                        <a:lnSpc>
-                          <a:spcPct val="100000"/>
-                        </a:lnSpc>
-                        <a:spcBef>
-                          <a:spcPts val="0"/>
-                        </a:spcBef>
-                        <a:spcAft>
-                          <a:spcPts val="0"/>
-                        </a:spcAft>
-                        <a:buClrTx/>
-                        <a:buSzTx/>
-                        <a:buFontTx/>
-                        <a:buNone/>
-                        <a:tabLst/>
-                        <a:defRPr/>
-                      </a:pPr>
-                      <a:r>
-                        <a:rPr lang="es-PE" sz="1800" b="0" kern="1200" dirty="0" smtClean="0">
-                          <a:solidFill>
-                            <a:schemeClr val="tx1"/>
-                          </a:solidFill>
-                          <a:latin typeface="+mn-lt"/>
-                          <a:ea typeface="+mn-ea"/>
-                          <a:cs typeface="+mn-cs"/>
-                        </a:rPr>
-                        <a:t>Incumplimiento, deficiencia y confidencialidad.  </a:t>
-                      </a:r>
-                    </a:p>
-                    <a:p>
-                      <a:pPr marL="0" marR="0" indent="0" algn="just" defTabSz="914400" rtl="0" eaLnBrk="1" fontAlgn="auto" latinLnBrk="0" hangingPunct="1">
-                        <a:lnSpc>
-                          <a:spcPct val="100000"/>
-                        </a:lnSpc>
-                        <a:spcBef>
-                          <a:spcPts val="0"/>
-                        </a:spcBef>
-                        <a:spcAft>
-                          <a:spcPts val="0"/>
-                        </a:spcAft>
-                        <a:buClrTx/>
-                        <a:buSzTx/>
-                        <a:buFontTx/>
-                        <a:buNone/>
-                        <a:tabLst/>
-                        <a:defRPr/>
-                      </a:pPr>
-                      <a:endParaRPr lang="es-PE" sz="1800" b="0" kern="1200" dirty="0" smtClean="0">
-                        <a:solidFill>
-                          <a:schemeClr val="tx1"/>
-                        </a:solidFill>
-                        <a:latin typeface="+mn-lt"/>
-                        <a:ea typeface="+mn-ea"/>
-                        <a:cs typeface="+mn-cs"/>
-                      </a:endParaRPr>
-                    </a:p>
-                    <a:p>
-                      <a:pPr marL="0" marR="0" indent="0" algn="just" defTabSz="914400" rtl="0" eaLnBrk="1" fontAlgn="auto" latinLnBrk="0" hangingPunct="1">
-                        <a:lnSpc>
-                          <a:spcPct val="100000"/>
-                        </a:lnSpc>
-                        <a:spcBef>
-                          <a:spcPts val="0"/>
-                        </a:spcBef>
-                        <a:spcAft>
-                          <a:spcPts val="0"/>
-                        </a:spcAft>
-                        <a:buClrTx/>
-                        <a:buSzTx/>
-                        <a:buFontTx/>
-                        <a:buNone/>
-                        <a:tabLst/>
-                        <a:defRPr/>
-                      </a:pPr>
-                      <a:r>
-                        <a:rPr lang="es-PE" sz="1800" b="0" kern="1200" dirty="0" smtClean="0">
-                          <a:solidFill>
-                            <a:schemeClr val="tx1"/>
-                          </a:solidFill>
-                          <a:latin typeface="+mn-lt"/>
-                          <a:ea typeface="+mn-ea"/>
-                          <a:cs typeface="+mn-cs"/>
-                        </a:rPr>
-                        <a:t>Las penalidades se determinarán según el tipo de contrato</a:t>
-                      </a:r>
-                      <a:endParaRPr lang="es-ES" sz="1800" b="0" kern="1200" dirty="0" smtClean="0">
-                        <a:solidFill>
-                          <a:schemeClr val="tx1"/>
-                        </a:solidFill>
-                        <a:latin typeface="+mn-lt"/>
-                        <a:ea typeface="+mn-ea"/>
-                        <a:cs typeface="+mn-cs"/>
-                      </a:endParaRPr>
-                    </a:p>
-                  </a:txBody>
-                  <a:tcPr/>
-                </a:tc>
-              </a:tr>
-            </a:tbl>
-          </a:graphicData>
-        </a:graphic>
-      </p:graphicFrame>
-      <p:pic>
-        <p:nvPicPr>
-          <p:cNvPr id="8196" name="Picture 4"/>
-          <p:cNvPicPr>
-            <a:picLocks noChangeAspect="1" noChangeArrowheads="1"/>
-          </p:cNvPicPr>
-          <p:nvPr/>
-        </p:nvPicPr>
-        <p:blipFill>
-          <a:blip r:embed="rId2" cstate="print"/>
-          <a:srcRect/>
-          <a:stretch>
-            <a:fillRect/>
-          </a:stretch>
-        </p:blipFill>
-        <p:spPr bwMode="auto">
-          <a:xfrm>
-            <a:off x="827584" y="2564904"/>
-            <a:ext cx="1476375" cy="933450"/>
-          </a:xfrm>
-          <a:prstGeom prst="rect">
-            <a:avLst/>
-          </a:prstGeom>
-          <a:noFill/>
-          <a:ln w="9525">
-            <a:noFill/>
-            <a:miter lim="800000"/>
-            <a:headEnd/>
-            <a:tailEnd/>
-          </a:ln>
-        </p:spPr>
-      </p:pic>
-    </p:spTree>
-    <p:extLst>
-      <p:ext uri="{BB962C8B-B14F-4D97-AF65-F5344CB8AC3E}">
-        <p14:creationId xmlns="" xmlns:p14="http://schemas.microsoft.com/office/powerpoint/2010/main" val="1314591319"/>
-      </p:ext>
-    </p:extLst>
-  </p:cSld>
-  <p:clrMapOvr>
-    <a:masterClrMapping/>
-  </p:clrMapOvr>
-  <p:timing>
-    <p:tnLst>
-      <p:par>
-        <p:cTn id="1" dur="indefinite" restart="never" nodeType="tmRoot"/>
-      </p:par>
-    </p:tnLst>
-  </p:timing>
-</p:sld>
-</file>
-
-<file path=ppt/slides/slide14.xml><?xml version="1.0" encoding="utf-8"?>
-<p:sld xmlns:a="http://schemas.openxmlformats.org/drawingml/2006/main" xmlns:r="http://schemas.openxmlformats.org/officeDocument/2006/relationships" xmlns:p="http://schemas.openxmlformats.org/presentationml/2006/main">
-  <p:cSld>
-    <p:spTree>
-      <p:nvGrpSpPr>
-        <p:cNvPr id="1" name=""/>
-        <p:cNvGrpSpPr/>
-        <p:nvPr/>
-      </p:nvGrpSpPr>
-      <p:grpSpPr>
-        <a:xfrm>
-          <a:off x="0" y="0"/>
-          <a:ext cx="0" cy="0"/>
-          <a:chOff x="0" y="0"/>
-          <a:chExt cx="0" cy="0"/>
-        </a:xfrm>
-      </p:grpSpPr>
-      <p:sp>
-        <p:nvSpPr>
-          <p:cNvPr id="3" name="2 Título"/>
-          <p:cNvSpPr>
-            <a:spLocks noGrp="1"/>
-          </p:cNvSpPr>
-          <p:nvPr>
-            <p:ph type="title"/>
-          </p:nvPr>
-        </p:nvSpPr>
-        <p:spPr/>
-        <p:txBody>
-          <a:bodyPr>
-            <a:normAutofit fontScale="90000"/>
-          </a:bodyPr>
-          <a:lstStyle/>
-          <a:p>
-            <a:r>
-              <a:rPr lang="es-PE" dirty="0" smtClean="0"/>
-              <a:t>ESPECIFICACION DE ACTORES DEL </a:t>
-            </a:r>
-            <a:r>
-              <a:rPr lang="es-PE" dirty="0" smtClean="0"/>
               <a:t>NEGOCIO (Contratos de Clientes)</a:t>
-            </a:r>
-            <a:endParaRPr lang="es-PE" dirty="0"/>
-          </a:p>
-        </p:txBody>
-      </p:sp>
-      <p:graphicFrame>
-        <p:nvGraphicFramePr>
-          <p:cNvPr id="9" name="8 Tabla"/>
-          <p:cNvGraphicFramePr>
-            <a:graphicFrameLocks noGrp="1"/>
-          </p:cNvGraphicFramePr>
-          <p:nvPr/>
-        </p:nvGraphicFramePr>
-        <p:xfrm>
-          <a:off x="323528" y="2037967"/>
-          <a:ext cx="8568952" cy="4559385"/>
-        </p:xfrm>
-        <a:graphic>
-          <a:graphicData uri="http://schemas.openxmlformats.org/drawingml/2006/table">
-            <a:tbl>
-              <a:tblPr firstRow="1" bandRow="1">
-                <a:tableStyleId>{BC89EF96-8CEA-46FF-86C4-4CE0E7609802}</a:tableStyleId>
-              </a:tblPr>
-              <a:tblGrid>
-                <a:gridCol w="2427870"/>
-                <a:gridCol w="6141082"/>
-              </a:tblGrid>
-              <a:tr h="1584177">
-                <a:tc>
-                  <a:txBody>
-                    <a:bodyPr/>
-                    <a:lstStyle/>
-                    <a:p>
-                      <a:endParaRPr lang="es-ES" dirty="0"/>
-                    </a:p>
-                  </a:txBody>
-                  <a:tcPr/>
-                </a:tc>
-                <a:tc>
-                  <a:txBody>
-                    <a:bodyPr/>
-                    <a:lstStyle/>
-                    <a:p>
-                      <a:pPr marL="0" marR="0" indent="0" algn="just" defTabSz="914400" rtl="0" eaLnBrk="1" fontAlgn="auto" latinLnBrk="0" hangingPunct="1">
-                        <a:lnSpc>
-                          <a:spcPct val="100000"/>
-                        </a:lnSpc>
-                        <a:spcBef>
-                          <a:spcPts val="0"/>
-                        </a:spcBef>
-                        <a:spcAft>
-                          <a:spcPts val="0"/>
-                        </a:spcAft>
-                        <a:buClrTx/>
-                        <a:buSzTx/>
-                        <a:buFontTx/>
-                        <a:buNone/>
-                        <a:tabLst/>
-                        <a:defRPr/>
-                      </a:pPr>
-                      <a:endParaRPr lang="es-PE" b="0" dirty="0" smtClean="0"/>
-                    </a:p>
-                    <a:p>
-                      <a:pPr marL="0" marR="0" indent="0" algn="just" defTabSz="914400" rtl="0" eaLnBrk="1" fontAlgn="auto" latinLnBrk="0" hangingPunct="1">
-                        <a:lnSpc>
-                          <a:spcPct val="100000"/>
-                        </a:lnSpc>
-                        <a:spcBef>
-                          <a:spcPts val="0"/>
-                        </a:spcBef>
-                        <a:spcAft>
-                          <a:spcPts val="0"/>
-                        </a:spcAft>
-                        <a:buClrTx/>
-                        <a:buSzTx/>
-                        <a:buFontTx/>
-                        <a:buNone/>
-                        <a:tabLst/>
-                        <a:defRPr/>
-                      </a:pPr>
-                      <a:r>
-                        <a:rPr lang="es-PE" b="0" dirty="0" smtClean="0"/>
-                        <a:t>Persona natural o jurídica que toma la decisión de aceptar o rechazar la propuesta de servicio. Participa del proceso de Realizar Análisis de Mercado. </a:t>
-                      </a:r>
-                    </a:p>
-                  </a:txBody>
-                  <a:tcPr/>
-                </a:tc>
-              </a:tr>
-              <a:tr h="1512168">
-                <a:tc>
-                  <a:txBody>
-                    <a:bodyPr/>
-                    <a:lstStyle/>
-                    <a:p>
-                      <a:endParaRPr lang="es-ES" dirty="0"/>
-                    </a:p>
-                  </a:txBody>
-                  <a:tcPr/>
-                </a:tc>
-                <a:tc>
-                  <a:txBody>
-                    <a:bodyPr/>
-                    <a:lstStyle/>
-                    <a:p>
-                      <a:pPr marL="0" marR="0" indent="0" algn="just" defTabSz="914400" rtl="0" eaLnBrk="1" fontAlgn="auto" latinLnBrk="0" hangingPunct="1">
-                        <a:lnSpc>
-                          <a:spcPct val="100000"/>
-                        </a:lnSpc>
-                        <a:spcBef>
-                          <a:spcPts val="0"/>
-                        </a:spcBef>
-                        <a:spcAft>
-                          <a:spcPts val="0"/>
-                        </a:spcAft>
-                        <a:buClrTx/>
-                        <a:buSzTx/>
-                        <a:buFontTx/>
-                        <a:buNone/>
-                        <a:tabLst/>
-                        <a:defRPr/>
-                      </a:pPr>
-                      <a:endParaRPr lang="es-PE" dirty="0" smtClean="0"/>
-                    </a:p>
-                    <a:p>
-                      <a:pPr marL="0" marR="0" indent="0" algn="just" defTabSz="914400" rtl="0" eaLnBrk="1" fontAlgn="auto" latinLnBrk="0" hangingPunct="1">
-                        <a:lnSpc>
-                          <a:spcPct val="100000"/>
-                        </a:lnSpc>
-                        <a:spcBef>
-                          <a:spcPts val="0"/>
-                        </a:spcBef>
-                        <a:spcAft>
-                          <a:spcPts val="0"/>
-                        </a:spcAft>
-                        <a:buClrTx/>
-                        <a:buSzTx/>
-                        <a:buFontTx/>
-                        <a:buNone/>
-                        <a:tabLst/>
-                        <a:defRPr/>
-                      </a:pPr>
-                      <a:r>
-                        <a:rPr lang="es-PE" dirty="0" smtClean="0"/>
-                        <a:t>Persona natural o jurídica que se encarga de solicitar nuevos servicios. Participa de los procesos Gestionar cartera de Clientes y Gestionar Contratos.</a:t>
-                      </a:r>
-                    </a:p>
-                    <a:p>
-                      <a:pPr algn="just"/>
-                      <a:endParaRPr lang="es-ES" sz="1800" b="0" kern="1200" dirty="0" smtClean="0">
-                        <a:solidFill>
-                          <a:schemeClr val="tx1"/>
-                        </a:solidFill>
-                        <a:latin typeface="+mn-lt"/>
-                        <a:ea typeface="+mn-ea"/>
-                        <a:cs typeface="+mn-cs"/>
-                      </a:endParaRPr>
-                    </a:p>
-                  </a:txBody>
-                  <a:tcPr/>
-                </a:tc>
-              </a:tr>
-              <a:tr h="1440160">
-                <a:tc>
-                  <a:txBody>
-                    <a:bodyPr/>
-                    <a:lstStyle/>
-                    <a:p>
-                      <a:endParaRPr lang="es-ES" dirty="0"/>
-                    </a:p>
-                  </a:txBody>
-                  <a:tcPr/>
-                </a:tc>
-                <a:tc>
-                  <a:txBody>
-                    <a:bodyPr/>
-                    <a:lstStyle/>
-                    <a:p>
-                      <a:pPr marL="0" marR="0" indent="0" algn="just" defTabSz="914400" rtl="0" eaLnBrk="1" fontAlgn="auto" latinLnBrk="0" hangingPunct="1">
-                        <a:lnSpc>
-                          <a:spcPct val="100000"/>
-                        </a:lnSpc>
-                        <a:spcBef>
-                          <a:spcPts val="0"/>
-                        </a:spcBef>
-                        <a:spcAft>
-                          <a:spcPts val="0"/>
-                        </a:spcAft>
-                        <a:buClrTx/>
-                        <a:buSzTx/>
-                        <a:buFontTx/>
-                        <a:buNone/>
-                        <a:tabLst/>
-                        <a:defRPr/>
-                      </a:pPr>
-                      <a:r>
-                        <a:rPr lang="es-PE" dirty="0" smtClean="0"/>
-                        <a:t>Persona encargada de supervisar  el crecimiento de los indicadores en cuanto al Nro. de clientes y contratos. Participa en los procesos de Realizar análisis de Mercado, Gestionar cartera de Clientes y Gestionar Contratos.</a:t>
-                      </a:r>
-                    </a:p>
-                    <a:p>
-                      <a:pPr marL="0" marR="0" indent="0" algn="just" defTabSz="914400" rtl="0" eaLnBrk="1" fontAlgn="auto" latinLnBrk="0" hangingPunct="1">
-                        <a:lnSpc>
-                          <a:spcPct val="100000"/>
-                        </a:lnSpc>
-                        <a:spcBef>
-                          <a:spcPts val="0"/>
-                        </a:spcBef>
-                        <a:spcAft>
-                          <a:spcPts val="0"/>
-                        </a:spcAft>
-                        <a:buClrTx/>
-                        <a:buSzTx/>
-                        <a:buFontTx/>
-                        <a:buNone/>
-                        <a:tabLst/>
-                        <a:defRPr/>
-                      </a:pPr>
-                      <a:endParaRPr lang="es-ES" sz="1800" b="0" kern="1200" dirty="0" smtClean="0">
-                        <a:solidFill>
-                          <a:schemeClr val="tx1"/>
-                        </a:solidFill>
-                        <a:latin typeface="+mn-lt"/>
-                        <a:ea typeface="+mn-ea"/>
-                        <a:cs typeface="+mn-cs"/>
-                      </a:endParaRPr>
-                    </a:p>
-                  </a:txBody>
-                  <a:tcPr/>
-                </a:tc>
-              </a:tr>
-            </a:tbl>
-          </a:graphicData>
-        </a:graphic>
-      </p:graphicFrame>
-      <p:pic>
-        <p:nvPicPr>
-          <p:cNvPr id="10" name="Picture 5"/>
-          <p:cNvPicPr>
-            <a:picLocks noChangeAspect="1" noChangeArrowheads="1"/>
-          </p:cNvPicPr>
-          <p:nvPr/>
-        </p:nvPicPr>
-        <p:blipFill>
-          <a:blip r:embed="rId2" cstate="print">
-            <a:extLst>
-              <a:ext uri="{28A0092B-C50C-407E-A947-70E740481C1C}">
-                <a14:useLocalDpi xmlns="" xmlns:a14="http://schemas.microsoft.com/office/drawing/2010/main" val="0"/>
-              </a:ext>
-            </a:extLst>
-          </a:blip>
-          <a:srcRect/>
-          <a:stretch>
-            <a:fillRect/>
-          </a:stretch>
-        </p:blipFill>
-        <p:spPr bwMode="auto">
-          <a:xfrm>
-            <a:off x="827584" y="2100833"/>
-            <a:ext cx="1447800" cy="1400175"/>
-          </a:xfrm>
-          <a:prstGeom prst="rect">
-            <a:avLst/>
-          </a:prstGeom>
-          <a:noFill/>
-          <a:ln>
-            <a:noFill/>
-          </a:ln>
-          <a:effectLst/>
-          <a:extLst>
-            <a:ext uri="{909E8E84-426E-40DD-AFC4-6F175D3DCCD1}">
-              <a14:hiddenFill xmlns="" xmlns:a14="http://schemas.microsoft.com/office/drawing/2010/main">
-                <a:solidFill>
-                  <a:schemeClr val="accent1"/>
-                </a:solidFill>
-              </a14:hiddenFill>
-            </a:ext>
-            <a:ext uri="{91240B29-F687-4F45-9708-019B960494DF}">
-              <a14:hiddenLine xmlns="" xmlns:a14="http://schemas.microsoft.com/office/drawing/2010/main" w="9525">
-                <a:solidFill>
-                  <a:schemeClr val="tx1"/>
-                </a:solidFill>
-                <a:miter lim="800000"/>
-                <a:headEnd/>
-                <a:tailEnd/>
-              </a14:hiddenLine>
-            </a:ext>
-            <a:ext uri="{AF507438-7753-43E0-B8FC-AC1667EBCBE1}">
-              <a14:hiddenEffects xmlns="" xmlns:a14="http://schemas.microsoft.com/office/drawing/2010/main">
-                <a:effectLst>
-                  <a:outerShdw dist="35921" dir="2700000" algn="ctr" rotWithShape="0">
-                    <a:schemeClr val="bg2"/>
-                  </a:outerShdw>
-                </a:effectLst>
-              </a14:hiddenEffects>
-            </a:ext>
-          </a:extLst>
-        </p:spPr>
-      </p:pic>
-      <p:pic>
-        <p:nvPicPr>
-          <p:cNvPr id="13" name="Picture 6"/>
-          <p:cNvPicPr>
-            <a:picLocks noChangeAspect="1" noChangeArrowheads="1"/>
-          </p:cNvPicPr>
-          <p:nvPr/>
-        </p:nvPicPr>
-        <p:blipFill>
-          <a:blip r:embed="rId3" cstate="print">
-            <a:extLst>
-              <a:ext uri="{28A0092B-C50C-407E-A947-70E740481C1C}">
-                <a14:useLocalDpi xmlns="" xmlns:a14="http://schemas.microsoft.com/office/drawing/2010/main" val="0"/>
-              </a:ext>
-            </a:extLst>
-          </a:blip>
-          <a:srcRect/>
-          <a:stretch>
-            <a:fillRect/>
-          </a:stretch>
-        </p:blipFill>
-        <p:spPr bwMode="auto">
-          <a:xfrm>
-            <a:off x="827584" y="3704059"/>
-            <a:ext cx="1438275" cy="1381125"/>
-          </a:xfrm>
-          <a:prstGeom prst="rect">
-            <a:avLst/>
-          </a:prstGeom>
-          <a:noFill/>
-          <a:ln>
-            <a:noFill/>
-          </a:ln>
-          <a:effectLst/>
-          <a:extLst>
-            <a:ext uri="{909E8E84-426E-40DD-AFC4-6F175D3DCCD1}">
-              <a14:hiddenFill xmlns="" xmlns:a14="http://schemas.microsoft.com/office/drawing/2010/main">
-                <a:solidFill>
-                  <a:schemeClr val="accent1"/>
-                </a:solidFill>
-              </a14:hiddenFill>
-            </a:ext>
-            <a:ext uri="{91240B29-F687-4F45-9708-019B960494DF}">
-              <a14:hiddenLine xmlns="" xmlns:a14="http://schemas.microsoft.com/office/drawing/2010/main" w="9525">
-                <a:solidFill>
-                  <a:schemeClr val="tx1"/>
-                </a:solidFill>
-                <a:miter lim="800000"/>
-                <a:headEnd/>
-                <a:tailEnd/>
-              </a14:hiddenLine>
-            </a:ext>
-            <a:ext uri="{AF507438-7753-43E0-B8FC-AC1667EBCBE1}">
-              <a14:hiddenEffects xmlns="" xmlns:a14="http://schemas.microsoft.com/office/drawing/2010/main">
-                <a:effectLst>
-                  <a:outerShdw dist="35921" dir="2700000" algn="ctr" rotWithShape="0">
-                    <a:schemeClr val="bg2"/>
-                  </a:outerShdw>
-                </a:effectLst>
-              </a14:hiddenEffects>
-            </a:ext>
-          </a:extLst>
-        </p:spPr>
-      </p:pic>
-      <p:pic>
-        <p:nvPicPr>
-          <p:cNvPr id="14" name="Picture 7"/>
-          <p:cNvPicPr>
-            <a:picLocks noChangeAspect="1" noChangeArrowheads="1"/>
-          </p:cNvPicPr>
-          <p:nvPr/>
-        </p:nvPicPr>
-        <p:blipFill>
-          <a:blip r:embed="rId4" cstate="print">
-            <a:extLst>
-              <a:ext uri="{28A0092B-C50C-407E-A947-70E740481C1C}">
-                <a14:useLocalDpi xmlns="" xmlns:a14="http://schemas.microsoft.com/office/drawing/2010/main" val="0"/>
-              </a:ext>
-            </a:extLst>
-          </a:blip>
-          <a:srcRect/>
-          <a:stretch>
-            <a:fillRect/>
-          </a:stretch>
-        </p:blipFill>
-        <p:spPr bwMode="auto">
-          <a:xfrm>
-            <a:off x="755576" y="5178127"/>
-            <a:ext cx="1514475" cy="1419225"/>
-          </a:xfrm>
-          <a:prstGeom prst="rect">
-            <a:avLst/>
-          </a:prstGeom>
-          <a:noFill/>
-          <a:ln>
-            <a:noFill/>
-          </a:ln>
-          <a:effectLst/>
-          <a:extLst>
-            <a:ext uri="{909E8E84-426E-40DD-AFC4-6F175D3DCCD1}">
-              <a14:hiddenFill xmlns="" xmlns:a14="http://schemas.microsoft.com/office/drawing/2010/main">
-                <a:solidFill>
-                  <a:schemeClr val="accent1"/>
-                </a:solidFill>
-              </a14:hiddenFill>
-            </a:ext>
-            <a:ext uri="{91240B29-F687-4F45-9708-019B960494DF}">
-              <a14:hiddenLine xmlns="" xmlns:a14="http://schemas.microsoft.com/office/drawing/2010/main" w="9525">
-                <a:solidFill>
-                  <a:schemeClr val="tx1"/>
-                </a:solidFill>
-                <a:miter lim="800000"/>
-                <a:headEnd/>
-                <a:tailEnd/>
-              </a14:hiddenLine>
-            </a:ext>
-            <a:ext uri="{AF507438-7753-43E0-B8FC-AC1667EBCBE1}">
-              <a14:hiddenEffects xmlns="" xmlns:a14="http://schemas.microsoft.com/office/drawing/2010/main">
-                <a:effectLst>
-                  <a:outerShdw dist="35921" dir="2700000" algn="ctr" rotWithShape="0">
-                    <a:schemeClr val="bg2"/>
-                  </a:outerShdw>
-                </a:effectLst>
-              </a14:hiddenEffects>
-            </a:ext>
-          </a:extLst>
-        </p:spPr>
-      </p:pic>
-    </p:spTree>
-    <p:extLst>
-      <p:ext uri="{BB962C8B-B14F-4D97-AF65-F5344CB8AC3E}">
-        <p14:creationId xmlns="" xmlns:p14="http://schemas.microsoft.com/office/powerpoint/2010/main" val="1786203861"/>
-      </p:ext>
-    </p:extLst>
-  </p:cSld>
-  <p:clrMapOvr>
-    <a:masterClrMapping/>
-  </p:clrMapOvr>
-  <p:timing>
-    <p:tnLst>
-      <p:par>
-        <p:cTn id="1" dur="indefinite" restart="never" nodeType="tmRoot"/>
-      </p:par>
-    </p:tnLst>
-  </p:timing>
-</p:sld>
-</file>
-
-<file path=ppt/slides/slide15.xml><?xml version="1.0" encoding="utf-8"?>
-<p:sld xmlns:a="http://schemas.openxmlformats.org/drawingml/2006/main" xmlns:r="http://schemas.openxmlformats.org/officeDocument/2006/relationships" xmlns:p="http://schemas.openxmlformats.org/presentationml/2006/main">
-  <p:cSld>
-    <p:spTree>
-      <p:nvGrpSpPr>
-        <p:cNvPr id="1" name=""/>
-        <p:cNvGrpSpPr/>
-        <p:nvPr/>
-      </p:nvGrpSpPr>
-      <p:grpSpPr>
-        <a:xfrm>
-          <a:off x="0" y="0"/>
-          <a:ext cx="0" cy="0"/>
-          <a:chOff x="0" y="0"/>
-          <a:chExt cx="0" cy="0"/>
-        </a:xfrm>
-      </p:grpSpPr>
-      <p:sp>
-        <p:nvSpPr>
-          <p:cNvPr id="3" name="2 Título"/>
-          <p:cNvSpPr>
-            <a:spLocks noGrp="1"/>
-          </p:cNvSpPr>
-          <p:nvPr>
-            <p:ph type="title"/>
-          </p:nvPr>
-        </p:nvSpPr>
-        <p:spPr/>
-        <p:txBody>
-          <a:bodyPr>
-            <a:normAutofit fontScale="90000"/>
-          </a:bodyPr>
-          <a:lstStyle/>
-          <a:p>
-            <a:r>
-              <a:rPr lang="es-PE" dirty="0" smtClean="0"/>
-              <a:t>DIAGRAMA DE CASOS DE USO DEL </a:t>
-            </a:r>
-            <a:r>
-              <a:rPr lang="es-PE" dirty="0" smtClean="0"/>
-              <a:t>NEGOCIO (Contratos de Clientes)</a:t>
-            </a:r>
-            <a:endParaRPr lang="es-PE" dirty="0"/>
-          </a:p>
-        </p:txBody>
-      </p:sp>
-      <p:pic>
-        <p:nvPicPr>
-          <p:cNvPr id="4" name="Picture 2"/>
-          <p:cNvPicPr>
-            <a:picLocks noChangeAspect="1" noChangeArrowheads="1"/>
-          </p:cNvPicPr>
-          <p:nvPr/>
-        </p:nvPicPr>
-        <p:blipFill>
-          <a:blip r:embed="rId2" cstate="print"/>
-          <a:srcRect/>
-          <a:stretch>
-            <a:fillRect/>
-          </a:stretch>
-        </p:blipFill>
-        <p:spPr bwMode="auto">
-          <a:xfrm>
-            <a:off x="886524" y="1844824"/>
-            <a:ext cx="7357884" cy="4608512"/>
-          </a:xfrm>
-          <a:prstGeom prst="rect">
-            <a:avLst/>
-          </a:prstGeom>
-          <a:noFill/>
-          <a:ln w="9525">
-            <a:noFill/>
-            <a:miter lim="800000"/>
-            <a:headEnd/>
-            <a:tailEnd/>
-          </a:ln>
-        </p:spPr>
-      </p:pic>
-    </p:spTree>
-    <p:extLst>
-      <p:ext uri="{BB962C8B-B14F-4D97-AF65-F5344CB8AC3E}">
-        <p14:creationId xmlns="" xmlns:p14="http://schemas.microsoft.com/office/powerpoint/2010/main" val="2066947068"/>
-      </p:ext>
-    </p:extLst>
-  </p:cSld>
-  <p:clrMapOvr>
-    <a:masterClrMapping/>
-  </p:clrMapOvr>
-  <p:timing>
-    <p:tnLst>
-      <p:par>
-        <p:cTn id="1" dur="indefinite" restart="never" nodeType="tmRoot"/>
-      </p:par>
-    </p:tnLst>
-  </p:timing>
-</p:sld>
-</file>
-
-<file path=ppt/slides/slide16.xml><?xml version="1.0" encoding="utf-8"?>
-<p:sld xmlns:a="http://schemas.openxmlformats.org/drawingml/2006/main" xmlns:r="http://schemas.openxmlformats.org/officeDocument/2006/relationships" xmlns:p="http://schemas.openxmlformats.org/presentationml/2006/main">
-  <p:cSld>
-    <p:spTree>
-      <p:nvGrpSpPr>
-        <p:cNvPr id="1" name=""/>
-        <p:cNvGrpSpPr/>
-        <p:nvPr/>
-      </p:nvGrpSpPr>
-      <p:grpSpPr>
-        <a:xfrm>
-          <a:off x="0" y="0"/>
-          <a:ext cx="0" cy="0"/>
-          <a:chOff x="0" y="0"/>
-          <a:chExt cx="0" cy="0"/>
-        </a:xfrm>
-      </p:grpSpPr>
-      <p:sp>
-        <p:nvSpPr>
-          <p:cNvPr id="2" name="1 Título"/>
-          <p:cNvSpPr>
-            <a:spLocks noGrp="1"/>
-          </p:cNvSpPr>
-          <p:nvPr>
-            <p:ph type="ctrTitle"/>
-          </p:nvPr>
-        </p:nvSpPr>
-        <p:spPr>
-          <a:xfrm>
-            <a:off x="390338" y="476672"/>
-            <a:ext cx="8280920" cy="1584176"/>
-          </a:xfrm>
-        </p:spPr>
-        <p:txBody>
-          <a:bodyPr>
-            <a:normAutofit/>
-          </a:bodyPr>
-          <a:lstStyle/>
-          <a:p>
-            <a:r>
-              <a:rPr lang="es-PE" dirty="0" smtClean="0"/>
-              <a:t>GESTION DE CONTRATOS DE CLIENTES</a:t>
-            </a:r>
-            <a:endParaRPr lang="es-PE" sz="3600" dirty="0"/>
-          </a:p>
-        </p:txBody>
-      </p:sp>
-      <p:sp>
-        <p:nvSpPr>
-          <p:cNvPr id="3" name="2 Subtítulo"/>
-          <p:cNvSpPr>
-            <a:spLocks noGrp="1"/>
-          </p:cNvSpPr>
-          <p:nvPr>
-            <p:ph type="subTitle" idx="1"/>
-          </p:nvPr>
-        </p:nvSpPr>
-        <p:spPr>
-          <a:xfrm>
-            <a:off x="1289589" y="2276872"/>
-            <a:ext cx="6400800" cy="521071"/>
-          </a:xfrm>
-        </p:spPr>
-        <p:txBody>
-          <a:bodyPr>
-            <a:normAutofit/>
-          </a:bodyPr>
-          <a:lstStyle/>
-          <a:p>
-            <a:r>
-              <a:rPr lang="es-PE" sz="2800" dirty="0"/>
-              <a:t>MODELADO DEL NEGOCIO</a:t>
-            </a:r>
-          </a:p>
-        </p:txBody>
-      </p:sp>
-      <p:sp>
-        <p:nvSpPr>
-          <p:cNvPr id="4" name="3 CuadroTexto"/>
-          <p:cNvSpPr txBox="1"/>
-          <p:nvPr/>
-        </p:nvSpPr>
-        <p:spPr>
-          <a:xfrm>
-            <a:off x="4489989" y="3712964"/>
-            <a:ext cx="4186467" cy="2308324"/>
-          </a:xfrm>
-          <a:prstGeom prst="rect">
-            <a:avLst/>
-          </a:prstGeom>
-          <a:noFill/>
-        </p:spPr>
-        <p:txBody>
-          <a:bodyPr wrap="square" rtlCol="0">
-            <a:spAutoFit/>
-          </a:bodyPr>
-          <a:lstStyle/>
-          <a:p>
-            <a:pPr algn="r"/>
-            <a:r>
-              <a:rPr lang="es-PE" sz="2400" dirty="0" smtClean="0"/>
-              <a:t>Paola Rojas </a:t>
-            </a:r>
-            <a:r>
-              <a:rPr lang="es-PE" sz="2400" dirty="0" err="1" smtClean="0"/>
-              <a:t>Chicoma</a:t>
-            </a:r>
-            <a:endParaRPr lang="es-PE" sz="2400" dirty="0" smtClean="0"/>
-          </a:p>
-          <a:p>
-            <a:pPr algn="r"/>
-            <a:r>
-              <a:rPr lang="es-PE" sz="2400" dirty="0" err="1" smtClean="0"/>
-              <a:t>Nestor</a:t>
-            </a:r>
-            <a:r>
-              <a:rPr lang="es-PE" sz="2400" dirty="0" smtClean="0"/>
-              <a:t> Robles Cacha</a:t>
-            </a:r>
-          </a:p>
-          <a:p>
-            <a:pPr algn="r"/>
-            <a:r>
-              <a:rPr lang="es-PE" sz="2400" dirty="0" smtClean="0"/>
-              <a:t>Gabriela Rojas </a:t>
-            </a:r>
-            <a:r>
-              <a:rPr lang="es-PE" sz="2400" dirty="0" err="1" smtClean="0"/>
-              <a:t>Munive</a:t>
-            </a:r>
-            <a:endParaRPr lang="es-PE" sz="2400" dirty="0" smtClean="0"/>
-          </a:p>
-          <a:p>
-            <a:pPr algn="r"/>
-            <a:r>
-              <a:rPr lang="es-PE" sz="2400" dirty="0" smtClean="0"/>
-              <a:t>Augusto Suarez </a:t>
-            </a:r>
-            <a:r>
-              <a:rPr lang="es-PE" sz="2400" dirty="0" err="1" smtClean="0"/>
-              <a:t>Gutierrez</a:t>
-            </a:r>
-            <a:endParaRPr lang="es-PE" sz="2400" dirty="0" smtClean="0"/>
-          </a:p>
-          <a:p>
-            <a:pPr algn="r"/>
-            <a:r>
-              <a:rPr lang="es-PE" sz="2400" dirty="0" smtClean="0"/>
-              <a:t>Orlando </a:t>
-            </a:r>
-            <a:r>
-              <a:rPr lang="es-PE" sz="2400" dirty="0" err="1" smtClean="0"/>
-              <a:t>Sedamano</a:t>
-            </a:r>
-            <a:r>
-              <a:rPr lang="es-PE" sz="2400" dirty="0" smtClean="0"/>
-              <a:t> Cornejo</a:t>
-            </a:r>
-          </a:p>
-          <a:p>
-            <a:pPr algn="r"/>
-            <a:endParaRPr lang="es-PE" sz="2400" dirty="0">
-              <a:solidFill>
-                <a:schemeClr val="bg1"/>
-              </a:solidFill>
-            </a:endParaRPr>
-          </a:p>
-        </p:txBody>
-      </p:sp>
-      <p:sp>
-        <p:nvSpPr>
-          <p:cNvPr id="5" name="4 CuadroTexto"/>
-          <p:cNvSpPr txBox="1"/>
-          <p:nvPr/>
-        </p:nvSpPr>
-        <p:spPr>
-          <a:xfrm>
-            <a:off x="1033605" y="3710198"/>
-            <a:ext cx="3456384" cy="923330"/>
-          </a:xfrm>
-          <a:prstGeom prst="rect">
-            <a:avLst/>
-          </a:prstGeom>
-          <a:noFill/>
-        </p:spPr>
-        <p:txBody>
-          <a:bodyPr wrap="square" rtlCol="0">
-            <a:spAutoFit/>
-          </a:bodyPr>
-          <a:lstStyle/>
-          <a:p>
-            <a:r>
-              <a:rPr lang="es-PE" sz="5400" dirty="0" smtClean="0">
-                <a:solidFill>
-                  <a:schemeClr val="bg1"/>
-                </a:solidFill>
-              </a:rPr>
-              <a:t>GRACIAS </a:t>
-            </a:r>
-            <a:r>
-              <a:rPr lang="es-PE" sz="4800" dirty="0" smtClean="0">
-                <a:solidFill>
-                  <a:schemeClr val="bg1"/>
-                </a:solidFill>
-              </a:rPr>
-              <a:t>!!!</a:t>
-            </a:r>
-            <a:endParaRPr lang="es-PE" sz="4800" dirty="0">
-              <a:solidFill>
-                <a:schemeClr val="bg1"/>
-              </a:solidFill>
-            </a:endParaRPr>
-          </a:p>
-        </p:txBody>
-      </p:sp>
-    </p:spTree>
-    <p:extLst>
-      <p:ext uri="{BB962C8B-B14F-4D97-AF65-F5344CB8AC3E}">
-        <p14:creationId xmlns="" xmlns:p14="http://schemas.microsoft.com/office/powerpoint/2010/main" val="700369716"/>
-      </p:ext>
-    </p:extLst>
-  </p:cSld>
-  <p:clrMapOvr>
-    <a:masterClrMapping/>
-  </p:clrMapOvr>
-  <p:timing>
-    <p:tnLst>
-      <p:par>
-        <p:cTn id="1" dur="indefinite" restart="never" nodeType="tmRoot"/>
-      </p:par>
-    </p:tnLst>
-  </p:timing>
-</p:sld>
-</file>
-
-<file path=ppt/slides/slide2.xml><?xml version="1.0" encoding="utf-8"?>
-<p:sld xmlns:a="http://schemas.openxmlformats.org/drawingml/2006/main" xmlns:r="http://schemas.openxmlformats.org/officeDocument/2006/relationships" xmlns:p="http://schemas.openxmlformats.org/presentationml/2006/main">
-  <p:cSld>
-    <p:spTree>
-      <p:nvGrpSpPr>
-        <p:cNvPr id="1" name=""/>
-        <p:cNvGrpSpPr/>
-        <p:nvPr/>
-      </p:nvGrpSpPr>
-      <p:grpSpPr>
-        <a:xfrm>
-          <a:off x="0" y="0"/>
-          <a:ext cx="0" cy="0"/>
-          <a:chOff x="0" y="0"/>
-          <a:chExt cx="0" cy="0"/>
-        </a:xfrm>
-      </p:grpSpPr>
-      <p:sp>
-        <p:nvSpPr>
-          <p:cNvPr id="3" name="2 Título"/>
-          <p:cNvSpPr>
-            <a:spLocks noGrp="1"/>
-          </p:cNvSpPr>
-          <p:nvPr>
-            <p:ph type="title"/>
-          </p:nvPr>
-        </p:nvSpPr>
-        <p:spPr/>
-        <p:txBody>
-          <a:bodyPr>
-            <a:normAutofit/>
-          </a:bodyPr>
-          <a:lstStyle/>
-          <a:p>
-            <a:r>
-              <a:rPr lang="es-PE" dirty="0" smtClean="0"/>
-              <a:t>Proceso: Análisis de Mercado</a:t>
-            </a:r>
-            <a:endParaRPr lang="es-PE" dirty="0"/>
-          </a:p>
-        </p:txBody>
-      </p:sp>
-      <p:pic>
-        <p:nvPicPr>
-          <p:cNvPr id="2050" name="Picture 2"/>
-          <p:cNvPicPr>
-            <a:picLocks noChangeAspect="1" noChangeArrowheads="1"/>
-          </p:cNvPicPr>
-          <p:nvPr/>
-        </p:nvPicPr>
-        <p:blipFill>
-          <a:blip r:embed="rId2" cstate="print"/>
-          <a:srcRect/>
-          <a:stretch>
-            <a:fillRect/>
-          </a:stretch>
-        </p:blipFill>
-        <p:spPr bwMode="auto">
-          <a:xfrm>
-            <a:off x="144016" y="2996953"/>
-            <a:ext cx="8892480" cy="1860686"/>
-          </a:xfrm>
-          <a:prstGeom prst="rect">
-            <a:avLst/>
-          </a:prstGeom>
-          <a:noFill/>
-          <a:ln w="9525">
-            <a:noFill/>
-            <a:miter lim="800000"/>
-            <a:headEnd/>
-            <a:tailEnd/>
-          </a:ln>
-        </p:spPr>
-      </p:pic>
-    </p:spTree>
-  </p:cSld>
-  <p:clrMapOvr>
-    <a:masterClrMapping/>
-  </p:clrMapOvr>
-  <p:timing>
-    <p:tnLst>
-      <p:par>
-        <p:cTn id="1" dur="indefinite" restart="never" nodeType="tmRoot"/>
-      </p:par>
-    </p:tnLst>
-  </p:timing>
-</p:sld>
-</file>
-
-<file path=ppt/slides/slide3.xml><?xml version="1.0" encoding="utf-8"?>
-<p:sld xmlns:a="http://schemas.openxmlformats.org/drawingml/2006/main" xmlns:r="http://schemas.openxmlformats.org/officeDocument/2006/relationships" xmlns:p="http://schemas.openxmlformats.org/presentationml/2006/main">
-  <p:cSld>
-    <p:spTree>
-      <p:nvGrpSpPr>
-        <p:cNvPr id="1" name=""/>
-        <p:cNvGrpSpPr/>
-        <p:nvPr/>
-      </p:nvGrpSpPr>
-      <p:grpSpPr>
-        <a:xfrm>
-          <a:off x="0" y="0"/>
-          <a:ext cx="0" cy="0"/>
-          <a:chOff x="0" y="0"/>
-          <a:chExt cx="0" cy="0"/>
-        </a:xfrm>
-      </p:grpSpPr>
-      <p:sp>
-        <p:nvSpPr>
-          <p:cNvPr id="3" name="2 Título"/>
-          <p:cNvSpPr>
-            <a:spLocks noGrp="1"/>
-          </p:cNvSpPr>
-          <p:nvPr>
-            <p:ph type="title"/>
-          </p:nvPr>
-        </p:nvSpPr>
-        <p:spPr/>
-        <p:txBody>
-          <a:bodyPr>
-            <a:normAutofit fontScale="90000"/>
-          </a:bodyPr>
-          <a:lstStyle/>
-          <a:p>
-            <a:r>
-              <a:rPr lang="es-PE" dirty="0" smtClean="0"/>
-              <a:t>Proceso: Gestión de Cartera de Clientes</a:t>
-            </a:r>
-            <a:endParaRPr lang="es-PE" dirty="0"/>
-          </a:p>
-        </p:txBody>
-      </p:sp>
-      <p:pic>
-        <p:nvPicPr>
-          <p:cNvPr id="3075" name="Picture 3"/>
-          <p:cNvPicPr>
-            <a:picLocks noChangeAspect="1" noChangeArrowheads="1"/>
-          </p:cNvPicPr>
-          <p:nvPr/>
-        </p:nvPicPr>
-        <p:blipFill>
-          <a:blip r:embed="rId2" cstate="print"/>
-          <a:srcRect/>
-          <a:stretch>
-            <a:fillRect/>
-          </a:stretch>
-        </p:blipFill>
-        <p:spPr bwMode="auto">
-          <a:xfrm>
-            <a:off x="251520" y="2492896"/>
-            <a:ext cx="8728128" cy="3528392"/>
-          </a:xfrm>
-          <a:prstGeom prst="rect">
-            <a:avLst/>
-          </a:prstGeom>
-          <a:noFill/>
-          <a:ln w="9525">
-            <a:noFill/>
-            <a:miter lim="800000"/>
-            <a:headEnd/>
-            <a:tailEnd/>
-          </a:ln>
-        </p:spPr>
-      </p:pic>
-    </p:spTree>
-  </p:cSld>
-  <p:clrMapOvr>
-    <a:masterClrMapping/>
-  </p:clrMapOvr>
-  <p:timing>
-    <p:tnLst>
-      <p:par>
-        <p:cTn id="1" dur="indefinite" restart="never" nodeType="tmRoot"/>
-      </p:par>
-    </p:tnLst>
-  </p:timing>
-</p:sld>
-</file>
-
-<file path=ppt/slides/slide4.xml><?xml version="1.0" encoding="utf-8"?>
-<p:sld xmlns:a="http://schemas.openxmlformats.org/drawingml/2006/main" xmlns:r="http://schemas.openxmlformats.org/officeDocument/2006/relationships" xmlns:p="http://schemas.openxmlformats.org/presentationml/2006/main">
-  <p:cSld>
-    <p:spTree>
-      <p:nvGrpSpPr>
-        <p:cNvPr id="1" name=""/>
-        <p:cNvGrpSpPr/>
-        <p:nvPr/>
-      </p:nvGrpSpPr>
-      <p:grpSpPr>
-        <a:xfrm>
-          <a:off x="0" y="0"/>
-          <a:ext cx="0" cy="0"/>
-          <a:chOff x="0" y="0"/>
-          <a:chExt cx="0" cy="0"/>
-        </a:xfrm>
-      </p:grpSpPr>
-      <p:sp>
-        <p:nvSpPr>
-          <p:cNvPr id="3" name="2 Título"/>
-          <p:cNvSpPr>
-            <a:spLocks noGrp="1"/>
-          </p:cNvSpPr>
-          <p:nvPr>
-            <p:ph type="title"/>
-          </p:nvPr>
-        </p:nvSpPr>
-        <p:spPr/>
-        <p:txBody>
-          <a:bodyPr>
-            <a:normAutofit/>
-          </a:bodyPr>
-          <a:lstStyle/>
-          <a:p>
-            <a:r>
-              <a:rPr lang="es-PE" dirty="0" smtClean="0"/>
-              <a:t>Proceso: Gestión de Contratos</a:t>
-            </a:r>
-            <a:endParaRPr lang="es-PE" dirty="0"/>
-          </a:p>
-        </p:txBody>
-      </p:sp>
-      <p:pic>
-        <p:nvPicPr>
-          <p:cNvPr id="4098" name="Picture 2"/>
-          <p:cNvPicPr>
-            <a:picLocks noChangeAspect="1" noChangeArrowheads="1"/>
-          </p:cNvPicPr>
-          <p:nvPr/>
-        </p:nvPicPr>
-        <p:blipFill>
-          <a:blip r:embed="rId2" cstate="print"/>
-          <a:srcRect/>
-          <a:stretch>
-            <a:fillRect/>
-          </a:stretch>
-        </p:blipFill>
-        <p:spPr bwMode="auto">
-          <a:xfrm>
-            <a:off x="144016" y="2716709"/>
-            <a:ext cx="8820472" cy="3160563"/>
-          </a:xfrm>
-          <a:prstGeom prst="rect">
-            <a:avLst/>
-          </a:prstGeom>
-          <a:noFill/>
-          <a:ln w="9525">
-            <a:noFill/>
-            <a:miter lim="800000"/>
-            <a:headEnd/>
-            <a:tailEnd/>
-          </a:ln>
-        </p:spPr>
-      </p:pic>
-    </p:spTree>
-  </p:cSld>
-  <p:clrMapOvr>
-    <a:masterClrMapping/>
-  </p:clrMapOvr>
-  <p:timing>
-    <p:tnLst>
-      <p:par>
-        <p:cTn id="1" dur="indefinite" restart="never" nodeType="tmRoot"/>
-      </p:par>
-    </p:tnLst>
-  </p:timing>
-</p:sld>
-</file>
-
-<file path=ppt/slides/slide5.xml><?xml version="1.0" encoding="utf-8"?>
-<p:sld xmlns:a="http://schemas.openxmlformats.org/drawingml/2006/main" xmlns:r="http://schemas.openxmlformats.org/officeDocument/2006/relationships" xmlns:p="http://schemas.openxmlformats.org/presentationml/2006/main">
-  <p:cSld>
-    <p:spTree>
-      <p:nvGrpSpPr>
-        <p:cNvPr id="1" name=""/>
-        <p:cNvGrpSpPr/>
-        <p:nvPr/>
-      </p:nvGrpSpPr>
-      <p:grpSpPr>
-        <a:xfrm>
-          <a:off x="0" y="0"/>
-          <a:ext cx="0" cy="0"/>
-          <a:chOff x="0" y="0"/>
-          <a:chExt cx="0" cy="0"/>
-        </a:xfrm>
-      </p:grpSpPr>
-      <p:sp>
-        <p:nvSpPr>
-          <p:cNvPr id="3" name="2 Título"/>
-          <p:cNvSpPr>
-            <a:spLocks noGrp="1"/>
-          </p:cNvSpPr>
-          <p:nvPr>
-            <p:ph type="title"/>
-          </p:nvPr>
-        </p:nvSpPr>
-        <p:spPr/>
-        <p:txBody>
-          <a:bodyPr>
-            <a:normAutofit fontScale="90000"/>
-          </a:bodyPr>
-          <a:lstStyle/>
-          <a:p>
-            <a:r>
-              <a:rPr lang="es-PE" dirty="0" smtClean="0"/>
-              <a:t>Modelo de Casos de uso del </a:t>
-            </a:r>
-            <a:r>
-              <a:rPr lang="es-PE" dirty="0" smtClean="0"/>
-              <a:t>negocio</a:t>
-            </a:r>
-            <a:br>
-              <a:rPr lang="es-PE" dirty="0" smtClean="0"/>
-            </a:br>
-            <a:r>
-              <a:rPr lang="es-PE" dirty="0" smtClean="0"/>
-              <a:t>(</a:t>
-            </a:r>
-            <a:r>
-              <a:rPr lang="es-PE" dirty="0" smtClean="0"/>
-              <a:t>Contratos de Clientes</a:t>
-            </a:r>
-            <a:r>
-              <a:rPr lang="es-PE" dirty="0" smtClean="0"/>
-              <a:t>)</a:t>
-            </a:r>
-            <a:endParaRPr lang="es-PE" dirty="0"/>
-          </a:p>
-        </p:txBody>
-      </p:sp>
-      <p:graphicFrame>
-        <p:nvGraphicFramePr>
-          <p:cNvPr id="4" name="3 Tabla"/>
-          <p:cNvGraphicFramePr>
-            <a:graphicFrameLocks noGrp="1"/>
-          </p:cNvGraphicFramePr>
-          <p:nvPr/>
-        </p:nvGraphicFramePr>
-        <p:xfrm>
-          <a:off x="323528" y="2708920"/>
-          <a:ext cx="8496945" cy="3600400"/>
-        </p:xfrm>
-        <a:graphic>
-          <a:graphicData uri="http://schemas.openxmlformats.org/drawingml/2006/table">
-            <a:tbl>
-              <a:tblPr firstRow="1" bandRow="1">
-                <a:tableStyleId>{BC89EF96-8CEA-46FF-86C4-4CE0E7609802}</a:tableStyleId>
-              </a:tblPr>
-              <a:tblGrid>
-                <a:gridCol w="2664296"/>
-                <a:gridCol w="2952328"/>
-                <a:gridCol w="2880321"/>
-              </a:tblGrid>
-              <a:tr h="3600400">
-                <a:tc>
-                  <a:txBody>
-                    <a:bodyPr/>
-                    <a:lstStyle/>
-                    <a:p>
-                      <a:endParaRPr lang="es-ES" dirty="0"/>
-                    </a:p>
-                  </a:txBody>
-                  <a:tcPr/>
-                </a:tc>
-                <a:tc>
-                  <a:txBody>
-                    <a:bodyPr/>
-                    <a:lstStyle/>
-                    <a:p>
-                      <a:endParaRPr lang="es-ES" dirty="0"/>
-                    </a:p>
-                  </a:txBody>
-                  <a:tcPr/>
-                </a:tc>
-                <a:tc>
-                  <a:txBody>
-                    <a:bodyPr/>
-                    <a:lstStyle/>
-                    <a:p>
-                      <a:endParaRPr lang="es-ES" dirty="0"/>
-                    </a:p>
-                  </a:txBody>
-                  <a:tcPr/>
-                </a:tc>
-              </a:tr>
-            </a:tbl>
-          </a:graphicData>
-        </a:graphic>
-      </p:graphicFrame>
-      <p:pic>
-        <p:nvPicPr>
-          <p:cNvPr id="1027" name="Picture 3"/>
-          <p:cNvPicPr>
-            <a:picLocks noChangeAspect="1" noChangeArrowheads="1"/>
-          </p:cNvPicPr>
-          <p:nvPr/>
-        </p:nvPicPr>
-        <p:blipFill>
-          <a:blip r:embed="rId2" cstate="print"/>
-          <a:srcRect/>
-          <a:stretch>
-            <a:fillRect/>
-          </a:stretch>
-        </p:blipFill>
-        <p:spPr bwMode="auto">
-          <a:xfrm>
-            <a:off x="704546" y="3645024"/>
-            <a:ext cx="1995246" cy="1656184"/>
-          </a:xfrm>
-          <a:prstGeom prst="rect">
-            <a:avLst/>
-          </a:prstGeom>
-          <a:noFill/>
-          <a:ln w="9525">
-            <a:noFill/>
-            <a:miter lim="800000"/>
-            <a:headEnd/>
-            <a:tailEnd/>
-          </a:ln>
-        </p:spPr>
-      </p:pic>
-      <p:pic>
-        <p:nvPicPr>
-          <p:cNvPr id="1028" name="Picture 4"/>
-          <p:cNvPicPr>
-            <a:picLocks noChangeAspect="1" noChangeArrowheads="1"/>
-          </p:cNvPicPr>
-          <p:nvPr/>
-        </p:nvPicPr>
-        <p:blipFill>
-          <a:blip r:embed="rId3" cstate="print"/>
-          <a:srcRect/>
-          <a:stretch>
-            <a:fillRect/>
-          </a:stretch>
-        </p:blipFill>
-        <p:spPr bwMode="auto">
-          <a:xfrm>
-            <a:off x="3347864" y="3707033"/>
-            <a:ext cx="2242939" cy="1666183"/>
-          </a:xfrm>
-          <a:prstGeom prst="rect">
-            <a:avLst/>
-          </a:prstGeom>
-          <a:noFill/>
-          <a:ln w="9525">
-            <a:noFill/>
-            <a:miter lim="800000"/>
-            <a:headEnd/>
-            <a:tailEnd/>
-          </a:ln>
-        </p:spPr>
-      </p:pic>
-      <p:pic>
-        <p:nvPicPr>
-          <p:cNvPr id="1029" name="Picture 5"/>
-          <p:cNvPicPr>
-            <a:picLocks noChangeAspect="1" noChangeArrowheads="1"/>
-          </p:cNvPicPr>
-          <p:nvPr/>
-        </p:nvPicPr>
-        <p:blipFill>
-          <a:blip r:embed="rId4" cstate="print"/>
-          <a:srcRect/>
-          <a:stretch>
-            <a:fillRect/>
-          </a:stretch>
-        </p:blipFill>
-        <p:spPr bwMode="auto">
-          <a:xfrm>
-            <a:off x="6372200" y="3645024"/>
-            <a:ext cx="2137837" cy="1728192"/>
-          </a:xfrm>
-          <a:prstGeom prst="rect">
-            <a:avLst/>
-          </a:prstGeom>
-          <a:noFill/>
-          <a:ln w="9525">
-            <a:noFill/>
-            <a:miter lim="800000"/>
-            <a:headEnd/>
-            <a:tailEnd/>
-          </a:ln>
-        </p:spPr>
-      </p:pic>
-    </p:spTree>
-  </p:cSld>
-  <p:clrMapOvr>
-    <a:masterClrMapping/>
-  </p:clrMapOvr>
-  <p:timing>
-    <p:tnLst>
-      <p:par>
-        <p:cTn id="1" dur="indefinite" restart="never" nodeType="tmRoot"/>
-      </p:par>
-    </p:tnLst>
-  </p:timing>
-</p:sld>
-</file>
-
-<file path=ppt/slides/slide6.xml><?xml version="1.0" encoding="utf-8"?>
-<p:sld xmlns:a="http://schemas.openxmlformats.org/drawingml/2006/main" xmlns:r="http://schemas.openxmlformats.org/officeDocument/2006/relationships" xmlns:p="http://schemas.openxmlformats.org/presentationml/2006/main">
-  <p:cSld>
-    <p:spTree>
-      <p:nvGrpSpPr>
-        <p:cNvPr id="1" name=""/>
-        <p:cNvGrpSpPr/>
-        <p:nvPr/>
-      </p:nvGrpSpPr>
-      <p:grpSpPr>
-        <a:xfrm>
-          <a:off x="0" y="0"/>
-          <a:ext cx="0" cy="0"/>
-          <a:chOff x="0" y="0"/>
-          <a:chExt cx="0" cy="0"/>
-        </a:xfrm>
-      </p:grpSpPr>
-      <p:sp>
-        <p:nvSpPr>
-          <p:cNvPr id="3" name="2 Título"/>
-          <p:cNvSpPr>
-            <a:spLocks noGrp="1"/>
-          </p:cNvSpPr>
-          <p:nvPr>
-            <p:ph type="title"/>
-          </p:nvPr>
-        </p:nvSpPr>
-        <p:spPr/>
-        <p:txBody>
-          <a:bodyPr>
-            <a:normAutofit fontScale="90000"/>
-          </a:bodyPr>
-          <a:lstStyle/>
-          <a:p>
-            <a:r>
-              <a:rPr lang="es-PE" dirty="0"/>
-              <a:t>ESPECIFICACION DE REGLAS DE </a:t>
-            </a:r>
-            <a:r>
-              <a:rPr lang="es-PE" dirty="0" smtClean="0"/>
-              <a:t>NEGOCIO (Contratos de Clientes)</a:t>
-            </a:r>
-            <a:endParaRPr lang="es-PE" dirty="0"/>
-          </a:p>
-        </p:txBody>
-      </p:sp>
-      <p:graphicFrame>
-        <p:nvGraphicFramePr>
-          <p:cNvPr id="6" name="5 Tabla"/>
-          <p:cNvGraphicFramePr>
-            <a:graphicFrameLocks noGrp="1"/>
-          </p:cNvGraphicFramePr>
-          <p:nvPr/>
-        </p:nvGraphicFramePr>
-        <p:xfrm>
-          <a:off x="323528" y="2348880"/>
-          <a:ext cx="8496944" cy="4248472"/>
-        </p:xfrm>
-        <a:graphic>
-          <a:graphicData uri="http://schemas.openxmlformats.org/drawingml/2006/table">
-            <a:tbl>
-              <a:tblPr firstRow="1" bandRow="1">
-                <a:tableStyleId>{BC89EF96-8CEA-46FF-86C4-4CE0E7609802}</a:tableStyleId>
-              </a:tblPr>
-              <a:tblGrid>
-                <a:gridCol w="2448272"/>
-                <a:gridCol w="6048672"/>
-              </a:tblGrid>
-              <a:tr h="1152128">
-                <a:tc>
-                  <a:txBody>
-                    <a:bodyPr/>
-                    <a:lstStyle/>
-                    <a:p>
-                      <a:endParaRPr lang="es-ES" dirty="0"/>
-                    </a:p>
-                  </a:txBody>
-                  <a:tcPr/>
-                </a:tc>
-                <a:tc>
-                  <a:txBody>
-                    <a:bodyPr/>
-                    <a:lstStyle/>
-                    <a:p>
-                      <a:pPr marL="0" marR="0" indent="0" algn="just" defTabSz="914400" rtl="0" eaLnBrk="1" fontAlgn="auto" latinLnBrk="0" hangingPunct="1">
-                        <a:lnSpc>
-                          <a:spcPct val="100000"/>
-                        </a:lnSpc>
-                        <a:spcBef>
-                          <a:spcPts val="0"/>
-                        </a:spcBef>
-                        <a:spcAft>
-                          <a:spcPts val="0"/>
-                        </a:spcAft>
-                        <a:buClrTx/>
-                        <a:buSzTx/>
-                        <a:buFontTx/>
-                        <a:buNone/>
-                        <a:tabLst/>
-                        <a:defRPr/>
-                      </a:pPr>
-                      <a:r>
-                        <a:rPr lang="es-PE" sz="1800" b="0" kern="1200" dirty="0" smtClean="0">
-                          <a:solidFill>
-                            <a:schemeClr val="tx1"/>
-                          </a:solidFill>
-                          <a:latin typeface="+mn-lt"/>
-                          <a:ea typeface="+mn-ea"/>
-                          <a:cs typeface="+mn-cs"/>
-                        </a:rPr>
-                        <a:t>Se definen los siguientes Tipos de Clientes: </a:t>
-                      </a:r>
-                    </a:p>
-                    <a:p>
-                      <a:pPr marL="0" marR="0" indent="0" algn="just" defTabSz="914400" rtl="0" eaLnBrk="1" fontAlgn="auto" latinLnBrk="0" hangingPunct="1">
-                        <a:lnSpc>
-                          <a:spcPct val="100000"/>
-                        </a:lnSpc>
-                        <a:spcBef>
-                          <a:spcPts val="0"/>
-                        </a:spcBef>
-                        <a:spcAft>
-                          <a:spcPts val="0"/>
-                        </a:spcAft>
-                        <a:buClrTx/>
-                        <a:buSzTx/>
-                        <a:buFontTx/>
-                        <a:buNone/>
-                        <a:tabLst/>
-                        <a:defRPr/>
-                      </a:pPr>
-                      <a:r>
-                        <a:rPr lang="es-PE" sz="1800" b="0" kern="1200" dirty="0" smtClean="0">
-                          <a:solidFill>
-                            <a:schemeClr val="tx1"/>
-                          </a:solidFill>
-                          <a:latin typeface="+mn-lt"/>
-                          <a:ea typeface="+mn-ea"/>
-                          <a:cs typeface="+mn-cs"/>
-                        </a:rPr>
-                        <a:t>potenciales, prospectos, primerizos, esporádicos, habituales, leales, desgastados e inactivos/desertores.</a:t>
-                      </a:r>
-                      <a:endParaRPr lang="es-ES" sz="1800" b="0" kern="1200" dirty="0" smtClean="0">
-                        <a:solidFill>
-                          <a:schemeClr val="tx1"/>
-                        </a:solidFill>
-                        <a:latin typeface="+mn-lt"/>
-                        <a:ea typeface="+mn-ea"/>
-                        <a:cs typeface="+mn-cs"/>
-                      </a:endParaRPr>
-                    </a:p>
-                    <a:p>
-                      <a:endParaRPr lang="es-ES" dirty="0"/>
-                    </a:p>
-                  </a:txBody>
-                  <a:tcPr/>
-                </a:tc>
-              </a:tr>
-              <a:tr h="1494205">
-                <a:tc>
-                  <a:txBody>
-                    <a:bodyPr/>
-                    <a:lstStyle/>
-                    <a:p>
-                      <a:endParaRPr lang="es-ES" dirty="0"/>
-                    </a:p>
-                  </a:txBody>
-                  <a:tcPr/>
-                </a:tc>
-                <a:tc>
-                  <a:txBody>
-                    <a:bodyPr/>
-                    <a:lstStyle/>
-                    <a:p>
-                      <a:pPr marL="0" marR="0" indent="0" algn="l" defTabSz="914400" rtl="0" eaLnBrk="1" fontAlgn="auto" latinLnBrk="0" hangingPunct="1">
-                        <a:lnSpc>
-                          <a:spcPct val="100000"/>
-                        </a:lnSpc>
-                        <a:spcBef>
-                          <a:spcPts val="0"/>
-                        </a:spcBef>
-                        <a:spcAft>
-                          <a:spcPts val="0"/>
-                        </a:spcAft>
-                        <a:buClrTx/>
-                        <a:buSzTx/>
-                        <a:buFontTx/>
-                        <a:buNone/>
-                        <a:tabLst/>
-                        <a:defRPr/>
-                      </a:pPr>
-                      <a:r>
-                        <a:rPr lang="es-PE" sz="1800" i="1" kern="1200" dirty="0" smtClean="0">
-                          <a:solidFill>
-                            <a:schemeClr val="tx1"/>
-                          </a:solidFill>
-                          <a:latin typeface="+mn-lt"/>
-                          <a:ea typeface="+mn-ea"/>
-                          <a:cs typeface="+mn-cs"/>
-                        </a:rPr>
-                        <a:t>Se definen las siguientes líneas para los Tipos de Servicio:  </a:t>
-                      </a:r>
-                      <a:r>
-                        <a:rPr lang="es-PE" sz="1800" i="1" kern="1200" dirty="0" err="1" smtClean="0">
-                          <a:solidFill>
-                            <a:schemeClr val="tx1"/>
-                          </a:solidFill>
-                          <a:latin typeface="+mn-lt"/>
-                          <a:ea typeface="+mn-ea"/>
-                          <a:cs typeface="+mn-cs"/>
-                        </a:rPr>
-                        <a:t>Outsorcing</a:t>
-                      </a:r>
-                      <a:r>
-                        <a:rPr lang="es-PE" sz="1800" i="1" kern="1200" dirty="0" smtClean="0">
-                          <a:solidFill>
-                            <a:schemeClr val="tx1"/>
-                          </a:solidFill>
-                          <a:latin typeface="+mn-lt"/>
-                          <a:ea typeface="+mn-ea"/>
-                          <a:cs typeface="+mn-cs"/>
-                        </a:rPr>
-                        <a:t> de Tecnología, Software </a:t>
-                      </a:r>
-                      <a:r>
-                        <a:rPr lang="es-PE" sz="1800" i="1" kern="1200" dirty="0" err="1" smtClean="0">
-                          <a:solidFill>
-                            <a:schemeClr val="tx1"/>
-                          </a:solidFill>
-                          <a:latin typeface="+mn-lt"/>
-                          <a:ea typeface="+mn-ea"/>
-                          <a:cs typeface="+mn-cs"/>
-                        </a:rPr>
-                        <a:t>factory</a:t>
-                      </a:r>
-                      <a:r>
-                        <a:rPr lang="es-PE" sz="1800" i="1" kern="1200" dirty="0" smtClean="0">
-                          <a:solidFill>
-                            <a:schemeClr val="tx1"/>
-                          </a:solidFill>
-                          <a:latin typeface="+mn-lt"/>
-                          <a:ea typeface="+mn-ea"/>
-                          <a:cs typeface="+mn-cs"/>
-                        </a:rPr>
-                        <a:t>, </a:t>
-                      </a:r>
-                      <a:r>
-                        <a:rPr lang="es-PE" sz="1800" i="1" kern="1200" dirty="0" err="1" smtClean="0">
-                          <a:solidFill>
-                            <a:schemeClr val="tx1"/>
-                          </a:solidFill>
-                          <a:latin typeface="+mn-lt"/>
-                          <a:ea typeface="+mn-ea"/>
-                          <a:cs typeface="+mn-cs"/>
-                        </a:rPr>
-                        <a:t>Outsorcing</a:t>
-                      </a:r>
-                      <a:r>
-                        <a:rPr lang="es-PE" sz="1800" i="1" kern="1200" dirty="0" smtClean="0">
-                          <a:solidFill>
-                            <a:schemeClr val="tx1"/>
-                          </a:solidFill>
-                          <a:latin typeface="+mn-lt"/>
-                          <a:ea typeface="+mn-ea"/>
-                          <a:cs typeface="+mn-cs"/>
-                        </a:rPr>
-                        <a:t> de procesos, </a:t>
-                      </a:r>
-                      <a:r>
-                        <a:rPr lang="es-PE" sz="1800" i="1" kern="1200" dirty="0" err="1" smtClean="0">
-                          <a:solidFill>
-                            <a:schemeClr val="tx1"/>
-                          </a:solidFill>
-                          <a:latin typeface="+mn-lt"/>
-                          <a:ea typeface="+mn-ea"/>
-                          <a:cs typeface="+mn-cs"/>
-                        </a:rPr>
-                        <a:t>Outsorcing</a:t>
-                      </a:r>
-                      <a:r>
-                        <a:rPr lang="es-PE" sz="1800" i="1" kern="1200" dirty="0" smtClean="0">
-                          <a:solidFill>
-                            <a:schemeClr val="tx1"/>
-                          </a:solidFill>
-                          <a:latin typeface="+mn-lt"/>
-                          <a:ea typeface="+mn-ea"/>
-                          <a:cs typeface="+mn-cs"/>
-                        </a:rPr>
-                        <a:t> de servicios de aplicación y Servicios de tecnología</a:t>
-                      </a:r>
-                      <a:endParaRPr lang="es-ES" sz="1800" i="1" kern="1200" dirty="0" smtClean="0">
-                        <a:solidFill>
-                          <a:schemeClr val="tx1"/>
-                        </a:solidFill>
-                        <a:latin typeface="+mn-lt"/>
-                        <a:ea typeface="+mn-ea"/>
-                        <a:cs typeface="+mn-cs"/>
-                      </a:endParaRPr>
-                    </a:p>
-                  </a:txBody>
-                  <a:tcPr/>
-                </a:tc>
-              </a:tr>
-              <a:tr h="1565547">
-                <a:tc>
-                  <a:txBody>
-                    <a:bodyPr/>
-                    <a:lstStyle/>
-                    <a:p>
-                      <a:endParaRPr lang="es-ES" dirty="0"/>
-                    </a:p>
-                  </a:txBody>
-                  <a:tcPr/>
-                </a:tc>
-                <a:tc>
-                  <a:txBody>
-                    <a:bodyPr/>
-                    <a:lstStyle/>
-                    <a:p>
-                      <a:pPr marL="0" marR="0" indent="0" algn="l" defTabSz="914400" rtl="0" eaLnBrk="1" fontAlgn="auto" latinLnBrk="0" hangingPunct="1">
-                        <a:lnSpc>
-                          <a:spcPct val="100000"/>
-                        </a:lnSpc>
-                        <a:spcBef>
-                          <a:spcPts val="0"/>
-                        </a:spcBef>
-                        <a:spcAft>
-                          <a:spcPts val="0"/>
-                        </a:spcAft>
-                        <a:buClrTx/>
-                        <a:buSzTx/>
-                        <a:buFontTx/>
-                        <a:buNone/>
-                        <a:tabLst/>
-                        <a:defRPr/>
-                      </a:pPr>
-                      <a:r>
-                        <a:rPr lang="es-PE" sz="1800" i="1" kern="1200" dirty="0" smtClean="0">
-                          <a:solidFill>
-                            <a:schemeClr val="tx1"/>
-                          </a:solidFill>
-                          <a:latin typeface="+mn-lt"/>
-                          <a:ea typeface="+mn-ea"/>
-                          <a:cs typeface="+mn-cs"/>
-                        </a:rPr>
-                        <a:t>Se definen las siguientes Categorías de Tipos de </a:t>
-                      </a:r>
-                      <a:r>
-                        <a:rPr lang="es-PE" sz="1800" i="1" kern="1200" dirty="0" smtClean="0">
-                          <a:solidFill>
-                            <a:schemeClr val="tx1"/>
-                          </a:solidFill>
-                          <a:latin typeface="+mn-lt"/>
-                          <a:ea typeface="+mn-ea"/>
-                          <a:cs typeface="+mn-cs"/>
-                        </a:rPr>
-                        <a:t>Cliente: </a:t>
-                      </a:r>
-                      <a:endParaRPr lang="es-PE" sz="1800" i="1" kern="1200" dirty="0" smtClean="0">
-                        <a:solidFill>
-                          <a:schemeClr val="tx1"/>
-                        </a:solidFill>
-                        <a:latin typeface="+mn-lt"/>
-                        <a:ea typeface="+mn-ea"/>
-                        <a:cs typeface="+mn-cs"/>
-                      </a:endParaRPr>
-                    </a:p>
-                    <a:p>
-                      <a:pPr marL="0" marR="0" indent="0" algn="l" defTabSz="914400" rtl="0" eaLnBrk="1" fontAlgn="auto" latinLnBrk="0" hangingPunct="1">
-                        <a:lnSpc>
-                          <a:spcPct val="100000"/>
-                        </a:lnSpc>
-                        <a:spcBef>
-                          <a:spcPts val="0"/>
-                        </a:spcBef>
-                        <a:spcAft>
-                          <a:spcPts val="0"/>
-                        </a:spcAft>
-                        <a:buClrTx/>
-                        <a:buSzTx/>
-                        <a:buFontTx/>
-                        <a:buNone/>
-                        <a:tabLst/>
-                        <a:defRPr/>
-                      </a:pPr>
-                      <a:r>
-                        <a:rPr lang="es-PE" sz="1800" i="1" kern="1200" dirty="0" smtClean="0">
-                          <a:solidFill>
-                            <a:schemeClr val="tx1"/>
-                          </a:solidFill>
-                          <a:latin typeface="+mn-lt"/>
-                          <a:ea typeface="+mn-ea"/>
-                          <a:cs typeface="+mn-cs"/>
-                        </a:rPr>
-                        <a:t>1= Industria y Comercio, </a:t>
-                      </a:r>
-                    </a:p>
-                    <a:p>
-                      <a:pPr marL="0" marR="0" indent="0" algn="l" defTabSz="914400" rtl="0" eaLnBrk="1" fontAlgn="auto" latinLnBrk="0" hangingPunct="1">
-                        <a:lnSpc>
-                          <a:spcPct val="100000"/>
-                        </a:lnSpc>
-                        <a:spcBef>
-                          <a:spcPts val="0"/>
-                        </a:spcBef>
-                        <a:spcAft>
-                          <a:spcPts val="0"/>
-                        </a:spcAft>
-                        <a:buClrTx/>
-                        <a:buSzTx/>
-                        <a:buFontTx/>
-                        <a:buNone/>
-                        <a:tabLst/>
-                        <a:defRPr/>
-                      </a:pPr>
-                      <a:r>
-                        <a:rPr lang="es-PE" sz="1800" i="1" kern="1200" dirty="0" smtClean="0">
-                          <a:solidFill>
-                            <a:schemeClr val="tx1"/>
-                          </a:solidFill>
-                          <a:latin typeface="+mn-lt"/>
-                          <a:ea typeface="+mn-ea"/>
-                          <a:cs typeface="+mn-cs"/>
-                        </a:rPr>
-                        <a:t>2= Banca y Finanzas y </a:t>
-                      </a:r>
-                    </a:p>
-                    <a:p>
-                      <a:pPr marL="0" marR="0" indent="0" algn="l" defTabSz="914400" rtl="0" eaLnBrk="1" fontAlgn="auto" latinLnBrk="0" hangingPunct="1">
-                        <a:lnSpc>
-                          <a:spcPct val="100000"/>
-                        </a:lnSpc>
-                        <a:spcBef>
-                          <a:spcPts val="0"/>
-                        </a:spcBef>
-                        <a:spcAft>
-                          <a:spcPts val="0"/>
-                        </a:spcAft>
-                        <a:buClrTx/>
-                        <a:buSzTx/>
-                        <a:buFontTx/>
-                        <a:buNone/>
-                        <a:tabLst/>
-                        <a:defRPr/>
-                      </a:pPr>
-                      <a:r>
-                        <a:rPr lang="es-PE" sz="1800" i="1" kern="1200" dirty="0" smtClean="0">
-                          <a:solidFill>
-                            <a:schemeClr val="tx1"/>
-                          </a:solidFill>
-                          <a:latin typeface="+mn-lt"/>
-                          <a:ea typeface="+mn-ea"/>
-                          <a:cs typeface="+mn-cs"/>
-                        </a:rPr>
-                        <a:t>3=  Gobierno y Servicios públicos</a:t>
-                      </a:r>
-                      <a:endParaRPr lang="es-ES" sz="1800" i="1" kern="1200" dirty="0" smtClean="0">
-                        <a:solidFill>
-                          <a:schemeClr val="tx1"/>
-                        </a:solidFill>
-                        <a:latin typeface="+mn-lt"/>
-                        <a:ea typeface="+mn-ea"/>
-                        <a:cs typeface="+mn-cs"/>
-                      </a:endParaRPr>
-                    </a:p>
-                  </a:txBody>
-                  <a:tcPr/>
-                </a:tc>
-              </a:tr>
-            </a:tbl>
-          </a:graphicData>
-        </a:graphic>
-      </p:graphicFrame>
-      <p:pic>
-        <p:nvPicPr>
-          <p:cNvPr id="7" name="Picture 2"/>
-          <p:cNvPicPr>
-            <a:picLocks noChangeAspect="1" noChangeArrowheads="1"/>
-          </p:cNvPicPr>
-          <p:nvPr/>
-        </p:nvPicPr>
-        <p:blipFill>
-          <a:blip r:embed="rId3" cstate="print"/>
-          <a:srcRect/>
-          <a:stretch>
-            <a:fillRect/>
-          </a:stretch>
-        </p:blipFill>
-        <p:spPr bwMode="auto">
-          <a:xfrm>
-            <a:off x="867569" y="2420888"/>
-            <a:ext cx="1400175" cy="1066800"/>
-          </a:xfrm>
-          <a:prstGeom prst="rect">
-            <a:avLst/>
-          </a:prstGeom>
-          <a:noFill/>
-          <a:ln w="9525">
-            <a:noFill/>
-            <a:miter lim="800000"/>
-            <a:headEnd/>
-            <a:tailEnd/>
-          </a:ln>
-        </p:spPr>
-      </p:pic>
-      <p:pic>
-        <p:nvPicPr>
-          <p:cNvPr id="8" name="Picture 3"/>
-          <p:cNvPicPr>
-            <a:picLocks noChangeAspect="1" noChangeArrowheads="1"/>
-          </p:cNvPicPr>
-          <p:nvPr/>
-        </p:nvPicPr>
-        <p:blipFill>
-          <a:blip r:embed="rId4" cstate="print"/>
-          <a:srcRect/>
-          <a:stretch>
-            <a:fillRect/>
-          </a:stretch>
-        </p:blipFill>
-        <p:spPr bwMode="auto">
-          <a:xfrm>
-            <a:off x="649635" y="3739877"/>
-            <a:ext cx="1762125" cy="1057275"/>
-          </a:xfrm>
-          <a:prstGeom prst="rect">
-            <a:avLst/>
-          </a:prstGeom>
-          <a:noFill/>
-          <a:ln w="9525">
-            <a:noFill/>
-            <a:miter lim="800000"/>
-            <a:headEnd/>
-            <a:tailEnd/>
-          </a:ln>
-        </p:spPr>
-      </p:pic>
-      <p:pic>
-        <p:nvPicPr>
-          <p:cNvPr id="1028" name="Picture 4"/>
-          <p:cNvPicPr>
-            <a:picLocks noChangeAspect="1" noChangeArrowheads="1"/>
-          </p:cNvPicPr>
-          <p:nvPr/>
-        </p:nvPicPr>
-        <p:blipFill>
-          <a:blip r:embed="rId5" cstate="print"/>
-          <a:srcRect/>
-          <a:stretch>
-            <a:fillRect/>
-          </a:stretch>
-        </p:blipFill>
-        <p:spPr bwMode="auto">
-          <a:xfrm>
-            <a:off x="395536" y="5229200"/>
-            <a:ext cx="2314575" cy="1181100"/>
-          </a:xfrm>
-          <a:prstGeom prst="rect">
-            <a:avLst/>
-          </a:prstGeom>
-          <a:noFill/>
-          <a:ln w="9525">
-            <a:noFill/>
-            <a:miter lim="800000"/>
-            <a:headEnd/>
-            <a:tailEnd/>
-          </a:ln>
-        </p:spPr>
-      </p:pic>
-    </p:spTree>
-    <p:extLst>
-      <p:ext uri="{BB962C8B-B14F-4D97-AF65-F5344CB8AC3E}">
-        <p14:creationId xmlns="" xmlns:p14="http://schemas.microsoft.com/office/powerpoint/2010/main" val="1314591319"/>
-      </p:ext>
-    </p:extLst>
-  </p:cSld>
-  <p:clrMapOvr>
-    <a:masterClrMapping/>
-  </p:clrMapOvr>
-  <p:timing>
-    <p:tnLst>
-      <p:par>
-        <p:cTn id="1" dur="indefinite" restart="never" nodeType="tmRoot"/>
-      </p:par>
-    </p:tnLst>
-  </p:timing>
-</p:sld>
-</file>
-
-<file path=ppt/slides/slide7.xml><?xml version="1.0" encoding="utf-8"?>
-<p:sld xmlns:a="http://schemas.openxmlformats.org/drawingml/2006/main" xmlns:r="http://schemas.openxmlformats.org/officeDocument/2006/relationships" xmlns:p="http://schemas.openxmlformats.org/presentationml/2006/main">
-  <p:cSld>
-    <p:spTree>
-      <p:nvGrpSpPr>
-        <p:cNvPr id="1" name=""/>
-        <p:cNvGrpSpPr/>
-        <p:nvPr/>
-      </p:nvGrpSpPr>
-      <p:grpSpPr>
-        <a:xfrm>
-          <a:off x="0" y="0"/>
-          <a:ext cx="0" cy="0"/>
-          <a:chOff x="0" y="0"/>
-          <a:chExt cx="0" cy="0"/>
-        </a:xfrm>
-      </p:grpSpPr>
-      <p:sp>
-        <p:nvSpPr>
-          <p:cNvPr id="3" name="2 Título"/>
-          <p:cNvSpPr>
-            <a:spLocks noGrp="1"/>
-          </p:cNvSpPr>
-          <p:nvPr>
-            <p:ph type="title"/>
-          </p:nvPr>
-        </p:nvSpPr>
-        <p:spPr/>
-        <p:txBody>
-          <a:bodyPr>
-            <a:normAutofit fontScale="90000"/>
-          </a:bodyPr>
-          <a:lstStyle/>
-          <a:p>
-            <a:r>
-              <a:rPr lang="es-PE" dirty="0"/>
-              <a:t>ESPECIFICACION </a:t>
-            </a:r>
-            <a:r>
-              <a:rPr lang="es-PE" dirty="0" smtClean="0"/>
-              <a:t>DE </a:t>
-            </a:r>
-            <a:r>
-              <a:rPr lang="es-PE" dirty="0"/>
-              <a:t>REGLAS DE </a:t>
-            </a:r>
-            <a:r>
-              <a:rPr lang="es-PE" dirty="0" smtClean="0"/>
-              <a:t>NEGOCIO </a:t>
-            </a:r>
-            <a:r>
-              <a:rPr lang="es-PE" dirty="0" smtClean="0"/>
-              <a:t>(</a:t>
-            </a:r>
-            <a:r>
-              <a:rPr lang="es-PE" dirty="0" smtClean="0"/>
-              <a:t>Contratos de Clientes</a:t>
-            </a:r>
-            <a:r>
-              <a:rPr lang="es-PE" dirty="0" smtClean="0"/>
-              <a:t>)</a:t>
             </a:r>
             <a:endParaRPr lang="es-PE" dirty="0"/>
           </a:p>
@@ -19422,7 +15819,7 @@
       </p:graphicFrame>
       <p:pic>
         <p:nvPicPr>
-          <p:cNvPr id="2050" name="Picture 2"/>
+          <p:cNvPr id="2" name="Picture 2"/>
           <p:cNvPicPr>
             <a:picLocks noChangeAspect="1" noChangeArrowheads="1"/>
           </p:cNvPicPr>
@@ -19437,8 +15834,8 @@
         </p:blipFill>
         <p:spPr bwMode="auto">
           <a:xfrm>
-            <a:off x="539552" y="3933056"/>
-            <a:ext cx="1657350" cy="1114425"/>
+            <a:off x="0" y="3789040"/>
+            <a:ext cx="2725461" cy="1368152"/>
           </a:xfrm>
           <a:prstGeom prst="rect">
             <a:avLst/>
@@ -19450,6 +15847,7 @@
             <a:headEnd/>
             <a:tailEnd/>
           </a:ln>
+          <a:effectLst/>
         </p:spPr>
       </p:pic>
     </p:spTree>
@@ -19472,7 +15870,7 @@
 </p:sld>
 </file>
 
-<file path=ppt/slides/slide8.xml><?xml version="1.0" encoding="utf-8"?>
+<file path=ppt/slides/slide11.xml><?xml version="1.0" encoding="utf-8"?>
 <p:sld xmlns:a="http://schemas.openxmlformats.org/drawingml/2006/main" xmlns:r="http://schemas.openxmlformats.org/officeDocument/2006/relationships" xmlns:p="http://schemas.openxmlformats.org/presentationml/2006/main">
   <p:cSld>
     <p:spTree>
@@ -19520,11 +15918,7 @@
             </a:r>
             <a:r>
               <a:rPr lang="es-PE" dirty="0" smtClean="0"/>
-              <a:t>NEGOCIO </a:t>
-            </a:r>
-            <a:r>
-              <a:rPr lang="es-PE" dirty="0" smtClean="0"/>
-              <a:t>(Contratos de Clientes)</a:t>
+              <a:t>NEGOCIO (Contratos de Clientes)</a:t>
             </a:r>
             <a:endParaRPr lang="es-PE" dirty="0"/>
           </a:p>
@@ -19608,7 +16002,7 @@
       </p:graphicFrame>
       <p:pic>
         <p:nvPicPr>
-          <p:cNvPr id="2051" name="Picture 3"/>
+          <p:cNvPr id="3074" name="Picture 2"/>
           <p:cNvPicPr>
             <a:picLocks noChangeAspect="1" noChangeArrowheads="1"/>
           </p:cNvPicPr>
@@ -19616,38 +16010,6 @@
         </p:nvPicPr>
         <p:blipFill>
           <a:blip r:embed="rId2" cstate="print"/>
-          <a:srcRect/>
-          <a:stretch>
-            <a:fillRect/>
-          </a:stretch>
-        </p:blipFill>
-        <p:spPr bwMode="auto">
-          <a:xfrm>
-            <a:off x="755576" y="3645024"/>
-            <a:ext cx="1666875" cy="1038225"/>
-          </a:xfrm>
-          <a:prstGeom prst="rect">
-            <a:avLst/>
-          </a:prstGeom>
-          <a:noFill/>
-          <a:ln w="9525">
-            <a:noFill/>
-            <a:miter lim="800000"/>
-            <a:headEnd/>
-            <a:tailEnd/>
-          </a:ln>
-        </p:spPr>
-      </p:pic>
-      <p:pic>
-        <p:nvPicPr>
-          <p:cNvPr id="3074" name="Picture 2"/>
-          <p:cNvPicPr>
-            <a:picLocks noChangeAspect="1" noChangeArrowheads="1"/>
-          </p:cNvPicPr>
-          <p:nvPr/>
-        </p:nvPicPr>
-        <p:blipFill>
-          <a:blip r:embed="rId3" cstate="print"/>
           <a:srcRect/>
           <a:stretch>
             <a:fillRect/>
@@ -19670,6 +16032,39 @@
           </a:ln>
         </p:spPr>
       </p:pic>
+      <p:pic>
+        <p:nvPicPr>
+          <p:cNvPr id="2" name="Picture 2"/>
+          <p:cNvPicPr>
+            <a:picLocks noChangeAspect="1" noChangeArrowheads="1"/>
+          </p:cNvPicPr>
+          <p:nvPr/>
+        </p:nvPicPr>
+        <p:blipFill>
+          <a:blip r:embed="rId3" cstate="print"/>
+          <a:srcRect/>
+          <a:stretch>
+            <a:fillRect/>
+          </a:stretch>
+        </p:blipFill>
+        <p:spPr bwMode="auto">
+          <a:xfrm>
+            <a:off x="179512" y="3789040"/>
+            <a:ext cx="2730884" cy="1368152"/>
+          </a:xfrm>
+          <a:prstGeom prst="rect">
+            <a:avLst/>
+          </a:prstGeom>
+          <a:noFill/>
+          <a:ln w="9525">
+            <a:noFill/>
+            <a:miter lim="800000"/>
+            <a:headEnd/>
+            <a:tailEnd/>
+          </a:ln>
+          <a:effectLst/>
+        </p:spPr>
+      </p:pic>
     </p:spTree>
     <p:extLst>
       <p:ext uri="{BB962C8B-B14F-4D97-AF65-F5344CB8AC3E}">
@@ -19690,7 +16085,7 @@
 </p:sld>
 </file>
 
-<file path=ppt/slides/slide9.xml><?xml version="1.0" encoding="utf-8"?>
+<file path=ppt/slides/slide12.xml><?xml version="1.0" encoding="utf-8"?>
 <p:sld xmlns:a="http://schemas.openxmlformats.org/drawingml/2006/main" xmlns:r="http://schemas.openxmlformats.org/officeDocument/2006/relationships" xmlns:p="http://schemas.openxmlformats.org/presentationml/2006/main">
   <p:cSld>
     <p:spTree>
@@ -19738,11 +16133,7 @@
             </a:r>
             <a:r>
               <a:rPr lang="es-PE" dirty="0" smtClean="0"/>
-              <a:t>NEGOCIO </a:t>
-            </a:r>
-            <a:r>
-              <a:rPr lang="es-PE" dirty="0" smtClean="0"/>
-              <a:t>(Contratos de Clientes)</a:t>
+              <a:t>NEGOCIO (Contratos de Clientes)</a:t>
             </a:r>
             <a:endParaRPr lang="es-PE" dirty="0"/>
           </a:p>
@@ -19826,44 +16217,12 @@
       </p:graphicFrame>
       <p:pic>
         <p:nvPicPr>
-          <p:cNvPr id="4098" name="Picture 2"/>
-          <p:cNvPicPr>
-            <a:picLocks noChangeAspect="1" noChangeArrowheads="1"/>
-          </p:cNvPicPr>
-          <p:nvPr/>
-        </p:nvPicPr>
-        <p:blipFill>
-          <a:blip r:embed="rId2" cstate="print"/>
-          <a:srcRect/>
-          <a:stretch>
-            <a:fillRect/>
-          </a:stretch>
-        </p:blipFill>
-        <p:spPr bwMode="auto">
-          <a:xfrm>
-            <a:off x="755576" y="3645024"/>
-            <a:ext cx="1581150" cy="981075"/>
-          </a:xfrm>
-          <a:prstGeom prst="rect">
-            <a:avLst/>
-          </a:prstGeom>
-          <a:noFill/>
-          <a:ln w="9525">
-            <a:noFill/>
-            <a:miter lim="800000"/>
-            <a:headEnd/>
-            <a:tailEnd/>
-          </a:ln>
-        </p:spPr>
-      </p:pic>
-      <p:pic>
-        <p:nvPicPr>
           <p:cNvPr id="7" name="6 Imagen" descr="http://www.cdti.es/recursos/img/Servicios/Red_PIDi/Tutorial_BMP/Incentivos_N1/9323_1311312010115741.JPG"/>
           <p:cNvPicPr/>
           <p:nvPr/>
         </p:nvPicPr>
         <p:blipFill>
-          <a:blip r:embed="rId3" cstate="print"/>
+          <a:blip r:embed="rId2" cstate="print"/>
           <a:srcRect t="8000"/>
           <a:stretch>
             <a:fillRect/>
@@ -19884,6 +16243,3905 @@
             <a:headEnd/>
             <a:tailEnd/>
           </a:ln>
+        </p:spPr>
+      </p:pic>
+      <p:pic>
+        <p:nvPicPr>
+          <p:cNvPr id="2" name="Picture 2"/>
+          <p:cNvPicPr>
+            <a:picLocks noChangeAspect="1" noChangeArrowheads="1"/>
+          </p:cNvPicPr>
+          <p:nvPr/>
+        </p:nvPicPr>
+        <p:blipFill>
+          <a:blip r:embed="rId3" cstate="print"/>
+          <a:srcRect/>
+          <a:stretch>
+            <a:fillRect/>
+          </a:stretch>
+        </p:blipFill>
+        <p:spPr bwMode="auto">
+          <a:xfrm>
+            <a:off x="232679" y="3789040"/>
+            <a:ext cx="2683137" cy="1368152"/>
+          </a:xfrm>
+          <a:prstGeom prst="rect">
+            <a:avLst/>
+          </a:prstGeom>
+          <a:noFill/>
+          <a:ln w="9525">
+            <a:noFill/>
+            <a:miter lim="800000"/>
+            <a:headEnd/>
+            <a:tailEnd/>
+          </a:ln>
+          <a:effectLst/>
+        </p:spPr>
+      </p:pic>
+    </p:spTree>
+    <p:extLst>
+      <p:ext uri="{BB962C8B-B14F-4D97-AF65-F5344CB8AC3E}">
+        <p14:creationId xmlns="" xmlns:p14="http://schemas.microsoft.com/office/powerpoint/2010/main" val="1314591319"/>
+      </p:ext>
+    </p:extLst>
+  </p:cSld>
+  <p:clrMapOvr>
+    <a:masterClrMapping/>
+  </p:clrMapOvr>
+  <p:timing>
+    <p:tnLst>
+      <p:par>
+        <p:cTn id="1" dur="indefinite" restart="never" nodeType="tmRoot"/>
+      </p:par>
+    </p:tnLst>
+  </p:timing>
+</p:sld>
+</file>
+
+<file path=ppt/slides/slide13.xml><?xml version="1.0" encoding="utf-8"?>
+<p:sld xmlns:a="http://schemas.openxmlformats.org/drawingml/2006/main" xmlns:r="http://schemas.openxmlformats.org/officeDocument/2006/relationships" xmlns:p="http://schemas.openxmlformats.org/presentationml/2006/main">
+  <p:cSld>
+    <p:spTree>
+      <p:nvGrpSpPr>
+        <p:cNvPr id="1" name=""/>
+        <p:cNvGrpSpPr/>
+        <p:nvPr/>
+      </p:nvGrpSpPr>
+      <p:grpSpPr>
+        <a:xfrm>
+          <a:off x="0" y="0"/>
+          <a:ext cx="0" cy="0"/>
+          <a:chOff x="0" y="0"/>
+          <a:chExt cx="0" cy="0"/>
+        </a:xfrm>
+      </p:grpSpPr>
+      <p:sp>
+        <p:nvSpPr>
+          <p:cNvPr id="3" name="2 Título"/>
+          <p:cNvSpPr>
+            <a:spLocks noGrp="1"/>
+          </p:cNvSpPr>
+          <p:nvPr>
+            <p:ph type="title"/>
+          </p:nvPr>
+        </p:nvSpPr>
+        <p:spPr/>
+        <p:txBody>
+          <a:bodyPr>
+            <a:normAutofit fontScale="90000"/>
+          </a:bodyPr>
+          <a:lstStyle/>
+          <a:p>
+            <a:r>
+              <a:rPr lang="es-PE" dirty="0"/>
+              <a:t>ESPECIFICACION </a:t>
+            </a:r>
+            <a:r>
+              <a:rPr lang="es-PE" dirty="0" smtClean="0"/>
+              <a:t>DE </a:t>
+            </a:r>
+            <a:r>
+              <a:rPr lang="es-PE" dirty="0"/>
+              <a:t>REGLAS DE </a:t>
+            </a:r>
+            <a:r>
+              <a:rPr lang="es-PE" dirty="0" smtClean="0"/>
+              <a:t>NEGOCIO (Contratos de Clientes)</a:t>
+            </a:r>
+            <a:endParaRPr lang="es-PE" dirty="0"/>
+          </a:p>
+        </p:txBody>
+      </p:sp>
+      <p:graphicFrame>
+        <p:nvGraphicFramePr>
+          <p:cNvPr id="6" name="5 Tabla"/>
+          <p:cNvGraphicFramePr>
+            <a:graphicFrameLocks noGrp="1"/>
+          </p:cNvGraphicFramePr>
+          <p:nvPr/>
+        </p:nvGraphicFramePr>
+        <p:xfrm>
+          <a:off x="323528" y="2348880"/>
+          <a:ext cx="8568952" cy="4176464"/>
+        </p:xfrm>
+        <a:graphic>
+          <a:graphicData uri="http://schemas.openxmlformats.org/drawingml/2006/table">
+            <a:tbl>
+              <a:tblPr firstRow="1" bandRow="1">
+                <a:tableStyleId>{BC89EF96-8CEA-46FF-86C4-4CE0E7609802}</a:tableStyleId>
+              </a:tblPr>
+              <a:tblGrid>
+                <a:gridCol w="2427870"/>
+                <a:gridCol w="6141082"/>
+              </a:tblGrid>
+              <a:tr h="1290461">
+                <a:tc>
+                  <a:txBody>
+                    <a:bodyPr/>
+                    <a:lstStyle/>
+                    <a:p>
+                      <a:endParaRPr lang="es-ES" dirty="0"/>
+                    </a:p>
+                  </a:txBody>
+                  <a:tcPr/>
+                </a:tc>
+                <a:tc>
+                  <a:txBody>
+                    <a:bodyPr/>
+                    <a:lstStyle/>
+                    <a:p>
+                      <a:pPr marL="0" marR="0" indent="0" algn="just" defTabSz="914400" rtl="0" eaLnBrk="1" fontAlgn="auto" latinLnBrk="0" hangingPunct="1">
+                        <a:lnSpc>
+                          <a:spcPct val="100000"/>
+                        </a:lnSpc>
+                        <a:spcBef>
+                          <a:spcPts val="0"/>
+                        </a:spcBef>
+                        <a:spcAft>
+                          <a:spcPts val="0"/>
+                        </a:spcAft>
+                        <a:buClrTx/>
+                        <a:buSzTx/>
+                        <a:buFontTx/>
+                        <a:buNone/>
+                        <a:tabLst/>
+                        <a:defRPr/>
+                      </a:pPr>
+                      <a:endParaRPr lang="es-PE" sz="1800" b="0" kern="1200" dirty="0" smtClean="0">
+                        <a:solidFill>
+                          <a:schemeClr val="tx1"/>
+                        </a:solidFill>
+                        <a:latin typeface="+mn-lt"/>
+                        <a:ea typeface="+mn-ea"/>
+                        <a:cs typeface="+mn-cs"/>
+                      </a:endParaRPr>
+                    </a:p>
+                    <a:p>
+                      <a:pPr marL="0" marR="0" indent="0" algn="just" defTabSz="914400" rtl="0" eaLnBrk="1" fontAlgn="auto" latinLnBrk="0" hangingPunct="1">
+                        <a:lnSpc>
+                          <a:spcPct val="100000"/>
+                        </a:lnSpc>
+                        <a:spcBef>
+                          <a:spcPts val="0"/>
+                        </a:spcBef>
+                        <a:spcAft>
+                          <a:spcPts val="0"/>
+                        </a:spcAft>
+                        <a:buClrTx/>
+                        <a:buSzTx/>
+                        <a:buFontTx/>
+                        <a:buNone/>
+                        <a:tabLst/>
+                        <a:defRPr/>
+                      </a:pPr>
+                      <a:r>
+                        <a:rPr lang="es-PE" sz="1800" b="0" kern="1200" dirty="0" smtClean="0">
+                          <a:solidFill>
+                            <a:schemeClr val="tx1"/>
+                          </a:solidFill>
+                          <a:latin typeface="+mn-lt"/>
+                          <a:ea typeface="+mn-ea"/>
+                          <a:cs typeface="+mn-cs"/>
+                        </a:rPr>
+                        <a:t>La frecuencia de Seguimientos individuales a los Clientes se deben realizar de manera mensual.</a:t>
+                      </a:r>
+                      <a:endParaRPr lang="es-ES" sz="1800" b="0" kern="1200" dirty="0" smtClean="0">
+                        <a:solidFill>
+                          <a:schemeClr val="tx1"/>
+                        </a:solidFill>
+                        <a:latin typeface="+mn-lt"/>
+                        <a:ea typeface="+mn-ea"/>
+                        <a:cs typeface="+mn-cs"/>
+                      </a:endParaRPr>
+                    </a:p>
+                  </a:txBody>
+                  <a:tcPr/>
+                </a:tc>
+              </a:tr>
+              <a:tr h="1409356">
+                <a:tc>
+                  <a:txBody>
+                    <a:bodyPr/>
+                    <a:lstStyle/>
+                    <a:p>
+                      <a:endParaRPr lang="es-ES" dirty="0"/>
+                    </a:p>
+                  </a:txBody>
+                  <a:tcPr/>
+                </a:tc>
+                <a:tc>
+                  <a:txBody>
+                    <a:bodyPr/>
+                    <a:lstStyle/>
+                    <a:p>
+                      <a:pPr marL="0" marR="0" indent="0" algn="just" defTabSz="914400" rtl="0" eaLnBrk="1" fontAlgn="auto" latinLnBrk="0" hangingPunct="1">
+                        <a:lnSpc>
+                          <a:spcPct val="100000"/>
+                        </a:lnSpc>
+                        <a:spcBef>
+                          <a:spcPts val="0"/>
+                        </a:spcBef>
+                        <a:spcAft>
+                          <a:spcPts val="0"/>
+                        </a:spcAft>
+                        <a:buClrTx/>
+                        <a:buSzTx/>
+                        <a:buFontTx/>
+                        <a:buNone/>
+                        <a:tabLst/>
+                        <a:defRPr/>
+                      </a:pPr>
+                      <a:endParaRPr lang="es-PE" sz="1800" b="0" kern="1200" dirty="0" smtClean="0">
+                        <a:solidFill>
+                          <a:schemeClr val="tx1"/>
+                        </a:solidFill>
+                        <a:latin typeface="+mn-lt"/>
+                        <a:ea typeface="+mn-ea"/>
+                        <a:cs typeface="+mn-cs"/>
+                      </a:endParaRPr>
+                    </a:p>
+                    <a:p>
+                      <a:pPr marL="0" marR="0" indent="0" algn="just" defTabSz="914400" rtl="0" eaLnBrk="1" fontAlgn="auto" latinLnBrk="0" hangingPunct="1">
+                        <a:lnSpc>
+                          <a:spcPct val="100000"/>
+                        </a:lnSpc>
+                        <a:spcBef>
+                          <a:spcPts val="0"/>
+                        </a:spcBef>
+                        <a:spcAft>
+                          <a:spcPts val="0"/>
+                        </a:spcAft>
+                        <a:buClrTx/>
+                        <a:buSzTx/>
+                        <a:buFontTx/>
+                        <a:buNone/>
+                        <a:tabLst/>
+                        <a:defRPr/>
+                      </a:pPr>
+                      <a:r>
+                        <a:rPr lang="es-PE" sz="1800" b="0" kern="1200" dirty="0" smtClean="0">
+                          <a:solidFill>
+                            <a:schemeClr val="tx1"/>
+                          </a:solidFill>
+                          <a:latin typeface="+mn-lt"/>
+                          <a:ea typeface="+mn-ea"/>
+                          <a:cs typeface="+mn-cs"/>
+                        </a:rPr>
+                        <a:t>Si un cliente tiene un contrato por un servicio, no se deberá generar otro contrato por el mismo servicio mientras haya uno vigente.</a:t>
+                      </a:r>
+                      <a:endParaRPr lang="es-ES" sz="1800" b="0" kern="1200" dirty="0" smtClean="0">
+                        <a:solidFill>
+                          <a:schemeClr val="tx1"/>
+                        </a:solidFill>
+                        <a:latin typeface="+mn-lt"/>
+                        <a:ea typeface="+mn-ea"/>
+                        <a:cs typeface="+mn-cs"/>
+                      </a:endParaRPr>
+                    </a:p>
+                  </a:txBody>
+                  <a:tcPr/>
+                </a:tc>
+              </a:tr>
+              <a:tr h="1476647">
+                <a:tc>
+                  <a:txBody>
+                    <a:bodyPr/>
+                    <a:lstStyle/>
+                    <a:p>
+                      <a:endParaRPr lang="es-ES" dirty="0"/>
+                    </a:p>
+                  </a:txBody>
+                  <a:tcPr/>
+                </a:tc>
+                <a:tc>
+                  <a:txBody>
+                    <a:bodyPr/>
+                    <a:lstStyle/>
+                    <a:p>
+                      <a:pPr marL="0" marR="0" indent="0" algn="just" defTabSz="914400" rtl="0" eaLnBrk="1" fontAlgn="auto" latinLnBrk="0" hangingPunct="1">
+                        <a:lnSpc>
+                          <a:spcPct val="100000"/>
+                        </a:lnSpc>
+                        <a:spcBef>
+                          <a:spcPts val="0"/>
+                        </a:spcBef>
+                        <a:spcAft>
+                          <a:spcPts val="0"/>
+                        </a:spcAft>
+                        <a:buClrTx/>
+                        <a:buSzTx/>
+                        <a:buFontTx/>
+                        <a:buNone/>
+                        <a:tabLst/>
+                        <a:defRPr/>
+                      </a:pPr>
+                      <a:endParaRPr lang="es-PE" sz="1800" b="0" kern="1200" dirty="0" smtClean="0">
+                        <a:solidFill>
+                          <a:schemeClr val="tx1"/>
+                        </a:solidFill>
+                        <a:latin typeface="+mn-lt"/>
+                        <a:ea typeface="+mn-ea"/>
+                        <a:cs typeface="+mn-cs"/>
+                      </a:endParaRPr>
+                    </a:p>
+                    <a:p>
+                      <a:pPr marL="0" marR="0" indent="0" algn="just" defTabSz="914400" rtl="0" eaLnBrk="1" fontAlgn="auto" latinLnBrk="0" hangingPunct="1">
+                        <a:lnSpc>
+                          <a:spcPct val="100000"/>
+                        </a:lnSpc>
+                        <a:spcBef>
+                          <a:spcPts val="0"/>
+                        </a:spcBef>
+                        <a:spcAft>
+                          <a:spcPts val="0"/>
+                        </a:spcAft>
+                        <a:buClrTx/>
+                        <a:buSzTx/>
+                        <a:buFontTx/>
+                        <a:buNone/>
+                        <a:tabLst/>
+                        <a:defRPr/>
+                      </a:pPr>
+                      <a:r>
+                        <a:rPr lang="es-PE" sz="1800" b="0" kern="1200" dirty="0" smtClean="0">
+                          <a:solidFill>
+                            <a:schemeClr val="tx1"/>
+                          </a:solidFill>
+                          <a:latin typeface="+mn-lt"/>
+                          <a:ea typeface="+mn-ea"/>
+                          <a:cs typeface="+mn-cs"/>
+                        </a:rPr>
+                        <a:t>Se genera una Adenda sólo si el Contrato se encuentra vigente.</a:t>
+                      </a:r>
+                      <a:endParaRPr lang="es-ES" sz="1800" b="0" kern="1200" dirty="0" smtClean="0">
+                        <a:solidFill>
+                          <a:schemeClr val="tx1"/>
+                        </a:solidFill>
+                        <a:latin typeface="+mn-lt"/>
+                        <a:ea typeface="+mn-ea"/>
+                        <a:cs typeface="+mn-cs"/>
+                      </a:endParaRPr>
+                    </a:p>
+                  </a:txBody>
+                  <a:tcPr/>
+                </a:tc>
+              </a:tr>
+            </a:tbl>
+          </a:graphicData>
+        </a:graphic>
+      </p:graphicFrame>
+      <p:pic>
+        <p:nvPicPr>
+          <p:cNvPr id="2" name="Picture 2"/>
+          <p:cNvPicPr>
+            <a:picLocks noChangeAspect="1" noChangeArrowheads="1"/>
+          </p:cNvPicPr>
+          <p:nvPr/>
+        </p:nvPicPr>
+        <p:blipFill>
+          <a:blip r:embed="rId2" cstate="print"/>
+          <a:srcRect/>
+          <a:stretch>
+            <a:fillRect/>
+          </a:stretch>
+        </p:blipFill>
+        <p:spPr bwMode="auto">
+          <a:xfrm>
+            <a:off x="0" y="2492896"/>
+            <a:ext cx="3062287" cy="1225550"/>
+          </a:xfrm>
+          <a:prstGeom prst="rect">
+            <a:avLst/>
+          </a:prstGeom>
+          <a:noFill/>
+          <a:ln w="9525">
+            <a:noFill/>
+            <a:miter lim="800000"/>
+            <a:headEnd/>
+            <a:tailEnd/>
+          </a:ln>
+          <a:effectLst/>
+        </p:spPr>
+      </p:pic>
+      <p:pic>
+        <p:nvPicPr>
+          <p:cNvPr id="4" name="Picture 3"/>
+          <p:cNvPicPr>
+            <a:picLocks noChangeAspect="1" noChangeArrowheads="1"/>
+          </p:cNvPicPr>
+          <p:nvPr/>
+        </p:nvPicPr>
+        <p:blipFill>
+          <a:blip r:embed="rId3" cstate="print"/>
+          <a:srcRect/>
+          <a:stretch>
+            <a:fillRect/>
+          </a:stretch>
+        </p:blipFill>
+        <p:spPr bwMode="auto">
+          <a:xfrm>
+            <a:off x="323528" y="3789040"/>
+            <a:ext cx="2419350" cy="1225550"/>
+          </a:xfrm>
+          <a:prstGeom prst="rect">
+            <a:avLst/>
+          </a:prstGeom>
+          <a:noFill/>
+          <a:ln w="9525">
+            <a:noFill/>
+            <a:miter lim="800000"/>
+            <a:headEnd/>
+            <a:tailEnd/>
+          </a:ln>
+          <a:effectLst/>
+        </p:spPr>
+      </p:pic>
+      <p:pic>
+        <p:nvPicPr>
+          <p:cNvPr id="5" name="Picture 4"/>
+          <p:cNvPicPr>
+            <a:picLocks noChangeAspect="1" noChangeArrowheads="1"/>
+          </p:cNvPicPr>
+          <p:nvPr/>
+        </p:nvPicPr>
+        <p:blipFill>
+          <a:blip r:embed="rId4" cstate="print"/>
+          <a:srcRect/>
+          <a:stretch>
+            <a:fillRect/>
+          </a:stretch>
+        </p:blipFill>
+        <p:spPr bwMode="auto">
+          <a:xfrm>
+            <a:off x="323528" y="5229200"/>
+            <a:ext cx="2424113" cy="1201737"/>
+          </a:xfrm>
+          <a:prstGeom prst="rect">
+            <a:avLst/>
+          </a:prstGeom>
+          <a:noFill/>
+          <a:ln w="9525">
+            <a:noFill/>
+            <a:miter lim="800000"/>
+            <a:headEnd/>
+            <a:tailEnd/>
+          </a:ln>
+          <a:effectLst/>
+        </p:spPr>
+      </p:pic>
+    </p:spTree>
+    <p:extLst>
+      <p:ext uri="{BB962C8B-B14F-4D97-AF65-F5344CB8AC3E}">
+        <p14:creationId xmlns="" xmlns:p14="http://schemas.microsoft.com/office/powerpoint/2010/main" val="1314591319"/>
+      </p:ext>
+    </p:extLst>
+  </p:cSld>
+  <p:clrMapOvr>
+    <a:masterClrMapping/>
+  </p:clrMapOvr>
+  <p:timing>
+    <p:tnLst>
+      <p:par>
+        <p:cTn id="1" dur="indefinite" restart="never" nodeType="tmRoot"/>
+      </p:par>
+    </p:tnLst>
+  </p:timing>
+</p:sld>
+</file>
+
+<file path=ppt/slides/slide14.xml><?xml version="1.0" encoding="utf-8"?>
+<p:sld xmlns:a="http://schemas.openxmlformats.org/drawingml/2006/main" xmlns:r="http://schemas.openxmlformats.org/officeDocument/2006/relationships" xmlns:p="http://schemas.openxmlformats.org/presentationml/2006/main">
+  <p:cSld>
+    <p:spTree>
+      <p:nvGrpSpPr>
+        <p:cNvPr id="1" name=""/>
+        <p:cNvGrpSpPr/>
+        <p:nvPr/>
+      </p:nvGrpSpPr>
+      <p:grpSpPr>
+        <a:xfrm>
+          <a:off x="0" y="0"/>
+          <a:ext cx="0" cy="0"/>
+          <a:chOff x="0" y="0"/>
+          <a:chExt cx="0" cy="0"/>
+        </a:xfrm>
+      </p:grpSpPr>
+      <p:sp>
+        <p:nvSpPr>
+          <p:cNvPr id="3" name="2 Título"/>
+          <p:cNvSpPr>
+            <a:spLocks noGrp="1"/>
+          </p:cNvSpPr>
+          <p:nvPr>
+            <p:ph type="title"/>
+          </p:nvPr>
+        </p:nvSpPr>
+        <p:spPr/>
+        <p:txBody>
+          <a:bodyPr>
+            <a:normAutofit fontScale="90000"/>
+          </a:bodyPr>
+          <a:lstStyle/>
+          <a:p>
+            <a:r>
+              <a:rPr lang="es-PE" dirty="0"/>
+              <a:t>ESPECIFICACION </a:t>
+            </a:r>
+            <a:r>
+              <a:rPr lang="es-PE" dirty="0" smtClean="0"/>
+              <a:t>DE </a:t>
+            </a:r>
+            <a:r>
+              <a:rPr lang="es-PE" dirty="0"/>
+              <a:t>REGLAS DE </a:t>
+            </a:r>
+            <a:r>
+              <a:rPr lang="es-PE" dirty="0" smtClean="0"/>
+              <a:t>NEGOCIO (Contratos de Clientes)</a:t>
+            </a:r>
+            <a:endParaRPr lang="es-PE" dirty="0"/>
+          </a:p>
+        </p:txBody>
+      </p:sp>
+      <p:graphicFrame>
+        <p:nvGraphicFramePr>
+          <p:cNvPr id="6" name="5 Tabla"/>
+          <p:cNvGraphicFramePr>
+            <a:graphicFrameLocks noGrp="1"/>
+          </p:cNvGraphicFramePr>
+          <p:nvPr/>
+        </p:nvGraphicFramePr>
+        <p:xfrm>
+          <a:off x="323528" y="2348880"/>
+          <a:ext cx="8568952" cy="3841140"/>
+        </p:xfrm>
+        <a:graphic>
+          <a:graphicData uri="http://schemas.openxmlformats.org/drawingml/2006/table">
+            <a:tbl>
+              <a:tblPr firstRow="1" bandRow="1">
+                <a:tableStyleId>{BC89EF96-8CEA-46FF-86C4-4CE0E7609802}</a:tableStyleId>
+              </a:tblPr>
+              <a:tblGrid>
+                <a:gridCol w="2448272"/>
+                <a:gridCol w="6120680"/>
+              </a:tblGrid>
+              <a:tr h="834030">
+                <a:tc>
+                  <a:txBody>
+                    <a:bodyPr/>
+                    <a:lstStyle/>
+                    <a:p>
+                      <a:endParaRPr lang="es-ES" dirty="0"/>
+                    </a:p>
+                  </a:txBody>
+                  <a:tcPr/>
+                </a:tc>
+                <a:tc>
+                  <a:txBody>
+                    <a:bodyPr/>
+                    <a:lstStyle/>
+                    <a:p>
+                      <a:pPr marL="0" marR="0" indent="0" algn="l" defTabSz="914400" rtl="0" eaLnBrk="1" fontAlgn="auto" latinLnBrk="0" hangingPunct="1">
+                        <a:lnSpc>
+                          <a:spcPct val="100000"/>
+                        </a:lnSpc>
+                        <a:spcBef>
+                          <a:spcPts val="0"/>
+                        </a:spcBef>
+                        <a:spcAft>
+                          <a:spcPts val="0"/>
+                        </a:spcAft>
+                        <a:buClrTx/>
+                        <a:buSzTx/>
+                        <a:buFontTx/>
+                        <a:buNone/>
+                        <a:tabLst/>
+                        <a:defRPr/>
+                      </a:pPr>
+                      <a:r>
+                        <a:rPr lang="es-PE" sz="1800" b="0" i="0" kern="1200" dirty="0" smtClean="0">
+                          <a:solidFill>
+                            <a:schemeClr val="tx1"/>
+                          </a:solidFill>
+                          <a:latin typeface="+mn-lt"/>
+                          <a:ea typeface="+mn-ea"/>
+                          <a:cs typeface="+mn-cs"/>
+                        </a:rPr>
+                        <a:t>El cálculo para determinar el monto de Contrato es:</a:t>
+                      </a:r>
+                      <a:endParaRPr lang="es-ES" sz="1800" b="0" i="0" kern="1200" dirty="0" smtClean="0">
+                        <a:solidFill>
+                          <a:schemeClr val="tx1"/>
+                        </a:solidFill>
+                        <a:latin typeface="+mn-lt"/>
+                        <a:ea typeface="+mn-ea"/>
+                        <a:cs typeface="+mn-cs"/>
+                      </a:endParaRPr>
+                    </a:p>
+                    <a:p>
+                      <a:endParaRPr lang="es-ES" dirty="0" smtClean="0"/>
+                    </a:p>
+                    <a:p>
+                      <a:pPr marL="0" marR="0" indent="0" algn="l" defTabSz="914400" rtl="0" eaLnBrk="1" fontAlgn="auto" latinLnBrk="0" hangingPunct="1">
+                        <a:lnSpc>
+                          <a:spcPct val="100000"/>
+                        </a:lnSpc>
+                        <a:spcBef>
+                          <a:spcPts val="0"/>
+                        </a:spcBef>
+                        <a:spcAft>
+                          <a:spcPts val="0"/>
+                        </a:spcAft>
+                        <a:buClrTx/>
+                        <a:buSzTx/>
+                        <a:buFontTx/>
+                        <a:buNone/>
+                        <a:tabLst/>
+                        <a:defRPr/>
+                      </a:pPr>
+                      <a:r>
+                        <a:rPr lang="es-PE" sz="1800" b="1" kern="1200" dirty="0" smtClean="0">
+                          <a:solidFill>
+                            <a:schemeClr val="tx1"/>
+                          </a:solidFill>
+                          <a:latin typeface="+mn-lt"/>
+                          <a:ea typeface="+mn-ea"/>
+                          <a:cs typeface="+mn-cs"/>
+                        </a:rPr>
+                        <a:t>Monto Contrato = Gastos Recursos + Gastos de equipos+ IGV</a:t>
+                      </a:r>
+                    </a:p>
+                    <a:p>
+                      <a:endParaRPr lang="es-ES" dirty="0"/>
+                    </a:p>
+                  </a:txBody>
+                  <a:tcPr/>
+                </a:tc>
+              </a:tr>
+              <a:tr h="1326210">
+                <a:tc>
+                  <a:txBody>
+                    <a:bodyPr/>
+                    <a:lstStyle/>
+                    <a:p>
+                      <a:endParaRPr lang="es-ES" dirty="0"/>
+                    </a:p>
+                  </a:txBody>
+                  <a:tcPr/>
+                </a:tc>
+                <a:tc>
+                  <a:txBody>
+                    <a:bodyPr/>
+                    <a:lstStyle/>
+                    <a:p>
+                      <a:pPr marL="0" marR="0" indent="0" algn="just" defTabSz="914400" rtl="0" eaLnBrk="1" fontAlgn="auto" latinLnBrk="0" hangingPunct="1">
+                        <a:lnSpc>
+                          <a:spcPct val="100000"/>
+                        </a:lnSpc>
+                        <a:spcBef>
+                          <a:spcPts val="0"/>
+                        </a:spcBef>
+                        <a:spcAft>
+                          <a:spcPts val="0"/>
+                        </a:spcAft>
+                        <a:buClrTx/>
+                        <a:buSzTx/>
+                        <a:buFontTx/>
+                        <a:buNone/>
+                        <a:tabLst/>
+                        <a:defRPr/>
+                      </a:pPr>
+                      <a:endParaRPr lang="es-PE" sz="1800" b="0" i="0" kern="1200" dirty="0" smtClean="0">
+                        <a:solidFill>
+                          <a:schemeClr val="tx1"/>
+                        </a:solidFill>
+                        <a:latin typeface="+mn-lt"/>
+                        <a:ea typeface="+mn-ea"/>
+                        <a:cs typeface="+mn-cs"/>
+                      </a:endParaRPr>
+                    </a:p>
+                    <a:p>
+                      <a:pPr marL="0" marR="0" indent="0" algn="just" defTabSz="914400" rtl="0" eaLnBrk="1" fontAlgn="auto" latinLnBrk="0" hangingPunct="1">
+                        <a:lnSpc>
+                          <a:spcPct val="100000"/>
+                        </a:lnSpc>
+                        <a:spcBef>
+                          <a:spcPts val="0"/>
+                        </a:spcBef>
+                        <a:spcAft>
+                          <a:spcPts val="0"/>
+                        </a:spcAft>
+                        <a:buClrTx/>
+                        <a:buSzTx/>
+                        <a:buFontTx/>
+                        <a:buNone/>
+                        <a:tabLst/>
+                        <a:defRPr/>
+                      </a:pPr>
+                      <a:r>
+                        <a:rPr lang="es-PE" sz="1800" b="0" i="0" kern="1200" dirty="0" smtClean="0">
+                          <a:solidFill>
+                            <a:schemeClr val="tx1"/>
+                          </a:solidFill>
+                          <a:latin typeface="+mn-lt"/>
+                          <a:ea typeface="+mn-ea"/>
+                          <a:cs typeface="+mn-cs"/>
+                        </a:rPr>
+                        <a:t>Un prospecto de cliente deberá solicitar ser anulado de la lista de contactos solo si el mismo lo solicita.</a:t>
+                      </a:r>
+                      <a:endParaRPr lang="es-ES" sz="1800" b="0" i="0" kern="1200" dirty="0" smtClean="0">
+                        <a:solidFill>
+                          <a:schemeClr val="tx1"/>
+                        </a:solidFill>
+                        <a:latin typeface="+mn-lt"/>
+                        <a:ea typeface="+mn-ea"/>
+                        <a:cs typeface="+mn-cs"/>
+                      </a:endParaRPr>
+                    </a:p>
+                  </a:txBody>
+                  <a:tcPr/>
+                </a:tc>
+              </a:tr>
+              <a:tr h="1326210">
+                <a:tc>
+                  <a:txBody>
+                    <a:bodyPr/>
+                    <a:lstStyle/>
+                    <a:p>
+                      <a:endParaRPr lang="es-ES" dirty="0"/>
+                    </a:p>
+                  </a:txBody>
+                  <a:tcPr/>
+                </a:tc>
+                <a:tc>
+                  <a:txBody>
+                    <a:bodyPr/>
+                    <a:lstStyle/>
+                    <a:p>
+                      <a:pPr marL="0" marR="0" indent="0" algn="just" defTabSz="914400" rtl="0" eaLnBrk="1" fontAlgn="auto" latinLnBrk="0" hangingPunct="1">
+                        <a:lnSpc>
+                          <a:spcPct val="100000"/>
+                        </a:lnSpc>
+                        <a:spcBef>
+                          <a:spcPts val="0"/>
+                        </a:spcBef>
+                        <a:spcAft>
+                          <a:spcPts val="0"/>
+                        </a:spcAft>
+                        <a:buClrTx/>
+                        <a:buSzTx/>
+                        <a:buFontTx/>
+                        <a:buNone/>
+                        <a:tabLst/>
+                        <a:defRPr/>
+                      </a:pPr>
+                      <a:r>
+                        <a:rPr lang="es-PE" sz="1800" kern="1200" dirty="0" smtClean="0">
+                          <a:solidFill>
+                            <a:schemeClr val="tx1"/>
+                          </a:solidFill>
+                          <a:latin typeface="+mn-lt"/>
+                          <a:ea typeface="+mn-ea"/>
+                          <a:cs typeface="+mn-cs"/>
+                        </a:rPr>
+                        <a:t>Los descuentos en el precio de los productos se determinan según el tipo de cliente, el tipo de servicio a ofrecer y el monto del contrato. Estos descuentos son actualizados mensualmente por Finanzas.</a:t>
+                      </a:r>
+                      <a:endParaRPr lang="es-ES" sz="1800" b="0" kern="1200" dirty="0" smtClean="0">
+                        <a:solidFill>
+                          <a:schemeClr val="tx1"/>
+                        </a:solidFill>
+                        <a:latin typeface="+mn-lt"/>
+                        <a:ea typeface="+mn-ea"/>
+                        <a:cs typeface="+mn-cs"/>
+                      </a:endParaRPr>
+                    </a:p>
+                  </a:txBody>
+                  <a:tcPr/>
+                </a:tc>
+              </a:tr>
+            </a:tbl>
+          </a:graphicData>
+        </a:graphic>
+      </p:graphicFrame>
+      <p:pic>
+        <p:nvPicPr>
+          <p:cNvPr id="2" name="Picture 2"/>
+          <p:cNvPicPr>
+            <a:picLocks noChangeAspect="1" noChangeArrowheads="1"/>
+          </p:cNvPicPr>
+          <p:nvPr/>
+        </p:nvPicPr>
+        <p:blipFill>
+          <a:blip r:embed="rId2" cstate="print"/>
+          <a:srcRect/>
+          <a:stretch>
+            <a:fillRect/>
+          </a:stretch>
+        </p:blipFill>
+        <p:spPr bwMode="auto">
+          <a:xfrm>
+            <a:off x="395536" y="3789040"/>
+            <a:ext cx="2439987" cy="1201737"/>
+          </a:xfrm>
+          <a:prstGeom prst="rect">
+            <a:avLst/>
+          </a:prstGeom>
+          <a:noFill/>
+          <a:ln w="9525">
+            <a:noFill/>
+            <a:miter lim="800000"/>
+            <a:headEnd/>
+            <a:tailEnd/>
+          </a:ln>
+          <a:effectLst/>
+        </p:spPr>
+      </p:pic>
+      <p:pic>
+        <p:nvPicPr>
+          <p:cNvPr id="6147" name="Picture 3"/>
+          <p:cNvPicPr>
+            <a:picLocks noChangeAspect="1" noChangeArrowheads="1"/>
+          </p:cNvPicPr>
+          <p:nvPr/>
+        </p:nvPicPr>
+        <p:blipFill>
+          <a:blip r:embed="rId3" cstate="print"/>
+          <a:srcRect/>
+          <a:stretch>
+            <a:fillRect/>
+          </a:stretch>
+        </p:blipFill>
+        <p:spPr bwMode="auto">
+          <a:xfrm>
+            <a:off x="251520" y="5013176"/>
+            <a:ext cx="2714625" cy="1201737"/>
+          </a:xfrm>
+          <a:prstGeom prst="rect">
+            <a:avLst/>
+          </a:prstGeom>
+          <a:noFill/>
+          <a:ln w="9525">
+            <a:noFill/>
+            <a:miter lim="800000"/>
+            <a:headEnd/>
+            <a:tailEnd/>
+          </a:ln>
+          <a:effectLst/>
+        </p:spPr>
+      </p:pic>
+      <p:pic>
+        <p:nvPicPr>
+          <p:cNvPr id="6148" name="Picture 4"/>
+          <p:cNvPicPr>
+            <a:picLocks noChangeAspect="1" noChangeArrowheads="1"/>
+          </p:cNvPicPr>
+          <p:nvPr/>
+        </p:nvPicPr>
+        <p:blipFill>
+          <a:blip r:embed="rId4" cstate="print"/>
+          <a:srcRect/>
+          <a:stretch>
+            <a:fillRect/>
+          </a:stretch>
+        </p:blipFill>
+        <p:spPr bwMode="auto">
+          <a:xfrm>
+            <a:off x="467544" y="2420888"/>
+            <a:ext cx="2435225" cy="1225550"/>
+          </a:xfrm>
+          <a:prstGeom prst="rect">
+            <a:avLst/>
+          </a:prstGeom>
+          <a:noFill/>
+          <a:ln w="9525">
+            <a:noFill/>
+            <a:miter lim="800000"/>
+            <a:headEnd/>
+            <a:tailEnd/>
+          </a:ln>
+          <a:effectLst/>
+        </p:spPr>
+      </p:pic>
+    </p:spTree>
+    <p:extLst>
+      <p:ext uri="{BB962C8B-B14F-4D97-AF65-F5344CB8AC3E}">
+        <p14:creationId xmlns="" xmlns:p14="http://schemas.microsoft.com/office/powerpoint/2010/main" val="1314591319"/>
+      </p:ext>
+    </p:extLst>
+  </p:cSld>
+  <p:clrMapOvr>
+    <a:masterClrMapping/>
+  </p:clrMapOvr>
+  <p:timing>
+    <p:tnLst>
+      <p:par>
+        <p:cTn id="1" dur="indefinite" restart="never" nodeType="tmRoot"/>
+      </p:par>
+    </p:tnLst>
+  </p:timing>
+</p:sld>
+</file>
+
+<file path=ppt/slides/slide15.xml><?xml version="1.0" encoding="utf-8"?>
+<p:sld xmlns:a="http://schemas.openxmlformats.org/drawingml/2006/main" xmlns:r="http://schemas.openxmlformats.org/officeDocument/2006/relationships" xmlns:p="http://schemas.openxmlformats.org/presentationml/2006/main">
+  <p:cSld>
+    <p:spTree>
+      <p:nvGrpSpPr>
+        <p:cNvPr id="1" name=""/>
+        <p:cNvGrpSpPr/>
+        <p:nvPr/>
+      </p:nvGrpSpPr>
+      <p:grpSpPr>
+        <a:xfrm>
+          <a:off x="0" y="0"/>
+          <a:ext cx="0" cy="0"/>
+          <a:chOff x="0" y="0"/>
+          <a:chExt cx="0" cy="0"/>
+        </a:xfrm>
+      </p:grpSpPr>
+      <p:sp>
+        <p:nvSpPr>
+          <p:cNvPr id="3" name="2 Título"/>
+          <p:cNvSpPr>
+            <a:spLocks noGrp="1"/>
+          </p:cNvSpPr>
+          <p:nvPr>
+            <p:ph type="title"/>
+          </p:nvPr>
+        </p:nvSpPr>
+        <p:spPr/>
+        <p:txBody>
+          <a:bodyPr>
+            <a:normAutofit fontScale="90000"/>
+          </a:bodyPr>
+          <a:lstStyle/>
+          <a:p>
+            <a:r>
+              <a:rPr lang="es-PE" dirty="0"/>
+              <a:t>ESPECIFICACION </a:t>
+            </a:r>
+            <a:r>
+              <a:rPr lang="es-PE" dirty="0" smtClean="0"/>
+              <a:t>DE </a:t>
+            </a:r>
+            <a:r>
+              <a:rPr lang="es-PE" dirty="0"/>
+              <a:t>REGLAS DE </a:t>
+            </a:r>
+            <a:r>
+              <a:rPr lang="es-PE" dirty="0" smtClean="0"/>
+              <a:t>NEGOCIO (Contratos de Clientes)</a:t>
+            </a:r>
+            <a:endParaRPr lang="es-PE" dirty="0"/>
+          </a:p>
+        </p:txBody>
+      </p:sp>
+      <p:graphicFrame>
+        <p:nvGraphicFramePr>
+          <p:cNvPr id="6" name="5 Tabla"/>
+          <p:cNvGraphicFramePr>
+            <a:graphicFrameLocks noGrp="1"/>
+          </p:cNvGraphicFramePr>
+          <p:nvPr/>
+        </p:nvGraphicFramePr>
+        <p:xfrm>
+          <a:off x="323528" y="2348880"/>
+          <a:ext cx="8568952" cy="4185632"/>
+        </p:xfrm>
+        <a:graphic>
+          <a:graphicData uri="http://schemas.openxmlformats.org/drawingml/2006/table">
+            <a:tbl>
+              <a:tblPr firstRow="1" bandRow="1">
+                <a:tableStyleId>{BC89EF96-8CEA-46FF-86C4-4CE0E7609802}</a:tableStyleId>
+              </a:tblPr>
+              <a:tblGrid>
+                <a:gridCol w="2427870"/>
+                <a:gridCol w="6141082"/>
+              </a:tblGrid>
+              <a:tr h="1290461">
+                <a:tc>
+                  <a:txBody>
+                    <a:bodyPr/>
+                    <a:lstStyle/>
+                    <a:p>
+                      <a:endParaRPr lang="es-ES" dirty="0"/>
+                    </a:p>
+                  </a:txBody>
+                  <a:tcPr/>
+                </a:tc>
+                <a:tc>
+                  <a:txBody>
+                    <a:bodyPr/>
+                    <a:lstStyle/>
+                    <a:p>
+                      <a:pPr marL="0" marR="0" indent="0" algn="just" defTabSz="914400" rtl="0" eaLnBrk="1" fontAlgn="auto" latinLnBrk="0" hangingPunct="1">
+                        <a:lnSpc>
+                          <a:spcPct val="100000"/>
+                        </a:lnSpc>
+                        <a:spcBef>
+                          <a:spcPts val="0"/>
+                        </a:spcBef>
+                        <a:spcAft>
+                          <a:spcPts val="0"/>
+                        </a:spcAft>
+                        <a:buClrTx/>
+                        <a:buSzTx/>
+                        <a:buFontTx/>
+                        <a:buNone/>
+                        <a:tabLst/>
+                        <a:defRPr/>
+                      </a:pPr>
+                      <a:r>
+                        <a:rPr lang="es-PE" sz="1800" b="0" kern="1200" dirty="0" smtClean="0">
+                          <a:solidFill>
+                            <a:schemeClr val="tx1"/>
+                          </a:solidFill>
+                          <a:latin typeface="+mn-lt"/>
+                          <a:ea typeface="+mn-ea"/>
+                          <a:cs typeface="+mn-cs"/>
+                        </a:rPr>
+                        <a:t>Si existe una polémica con el contrato de un cliente no se deberá generar ningún otro contrato al mismo cliente hasta solucionar la polémica.</a:t>
+                      </a:r>
+                      <a:endParaRPr lang="es-ES" sz="1800" b="0" kern="1200" dirty="0" smtClean="0">
+                        <a:solidFill>
+                          <a:schemeClr val="tx1"/>
+                        </a:solidFill>
+                        <a:latin typeface="+mn-lt"/>
+                        <a:ea typeface="+mn-ea"/>
+                        <a:cs typeface="+mn-cs"/>
+                      </a:endParaRPr>
+                    </a:p>
+                    <a:p>
+                      <a:pPr marL="0" marR="0" indent="0" algn="just" defTabSz="914400" rtl="0" eaLnBrk="1" fontAlgn="auto" latinLnBrk="0" hangingPunct="1">
+                        <a:lnSpc>
+                          <a:spcPct val="100000"/>
+                        </a:lnSpc>
+                        <a:spcBef>
+                          <a:spcPts val="0"/>
+                        </a:spcBef>
+                        <a:spcAft>
+                          <a:spcPts val="0"/>
+                        </a:spcAft>
+                        <a:buClrTx/>
+                        <a:buSzTx/>
+                        <a:buFontTx/>
+                        <a:buNone/>
+                        <a:tabLst/>
+                        <a:defRPr/>
+                      </a:pPr>
+                      <a:endParaRPr lang="es-ES" sz="1800" b="0" kern="1200" dirty="0" smtClean="0">
+                        <a:solidFill>
+                          <a:schemeClr val="tx1"/>
+                        </a:solidFill>
+                        <a:latin typeface="+mn-lt"/>
+                        <a:ea typeface="+mn-ea"/>
+                        <a:cs typeface="+mn-cs"/>
+                      </a:endParaRPr>
+                    </a:p>
+                  </a:txBody>
+                  <a:tcPr/>
+                </a:tc>
+              </a:tr>
+              <a:tr h="1157811">
+                <a:tc>
+                  <a:txBody>
+                    <a:bodyPr/>
+                    <a:lstStyle/>
+                    <a:p>
+                      <a:endParaRPr lang="es-ES" dirty="0"/>
+                    </a:p>
+                  </a:txBody>
+                  <a:tcPr/>
+                </a:tc>
+                <a:tc>
+                  <a:txBody>
+                    <a:bodyPr/>
+                    <a:lstStyle/>
+                    <a:p>
+                      <a:pPr marL="0" marR="0" indent="0" algn="just" defTabSz="914400" rtl="0" eaLnBrk="1" fontAlgn="auto" latinLnBrk="0" hangingPunct="1">
+                        <a:lnSpc>
+                          <a:spcPct val="100000"/>
+                        </a:lnSpc>
+                        <a:spcBef>
+                          <a:spcPts val="0"/>
+                        </a:spcBef>
+                        <a:spcAft>
+                          <a:spcPts val="0"/>
+                        </a:spcAft>
+                        <a:buClrTx/>
+                        <a:buSzTx/>
+                        <a:buFontTx/>
+                        <a:buNone/>
+                        <a:tabLst/>
+                        <a:defRPr/>
+                      </a:pPr>
+                      <a:endParaRPr lang="es-PE" sz="1800" b="0" kern="1200" dirty="0" smtClean="0">
+                        <a:solidFill>
+                          <a:schemeClr val="tx1"/>
+                        </a:solidFill>
+                        <a:latin typeface="+mn-lt"/>
+                        <a:ea typeface="+mn-ea"/>
+                        <a:cs typeface="+mn-cs"/>
+                      </a:endParaRPr>
+                    </a:p>
+                    <a:p>
+                      <a:pPr marL="0" marR="0" indent="0" algn="just" defTabSz="914400" rtl="0" eaLnBrk="1" fontAlgn="auto" latinLnBrk="0" hangingPunct="1">
+                        <a:lnSpc>
+                          <a:spcPct val="100000"/>
+                        </a:lnSpc>
+                        <a:spcBef>
+                          <a:spcPts val="0"/>
+                        </a:spcBef>
+                        <a:spcAft>
+                          <a:spcPts val="0"/>
+                        </a:spcAft>
+                        <a:buClrTx/>
+                        <a:buSzTx/>
+                        <a:buFontTx/>
+                        <a:buNone/>
+                        <a:tabLst/>
+                        <a:defRPr/>
+                      </a:pPr>
+                      <a:r>
+                        <a:rPr lang="es-PE" sz="1800" b="0" kern="1200" dirty="0" smtClean="0">
+                          <a:solidFill>
+                            <a:schemeClr val="tx1"/>
+                          </a:solidFill>
+                          <a:latin typeface="+mn-lt"/>
+                          <a:ea typeface="+mn-ea"/>
+                          <a:cs typeface="+mn-cs"/>
+                        </a:rPr>
+                        <a:t>Según el tipo de contrato se determinarán comisiones evaluadoras para el cierre del contrato.</a:t>
+                      </a:r>
+                      <a:endParaRPr lang="es-ES" sz="1800" b="0" kern="1200" dirty="0" smtClean="0">
+                        <a:solidFill>
+                          <a:schemeClr val="tx1"/>
+                        </a:solidFill>
+                        <a:latin typeface="+mn-lt"/>
+                        <a:ea typeface="+mn-ea"/>
+                        <a:cs typeface="+mn-cs"/>
+                      </a:endParaRPr>
+                    </a:p>
+                  </a:txBody>
+                  <a:tcPr/>
+                </a:tc>
+              </a:tr>
+              <a:tr h="1476647">
+                <a:tc>
+                  <a:txBody>
+                    <a:bodyPr/>
+                    <a:lstStyle/>
+                    <a:p>
+                      <a:endParaRPr lang="es-ES" dirty="0"/>
+                    </a:p>
+                  </a:txBody>
+                  <a:tcPr/>
+                </a:tc>
+                <a:tc>
+                  <a:txBody>
+                    <a:bodyPr/>
+                    <a:lstStyle/>
+                    <a:p>
+                      <a:pPr algn="just"/>
+                      <a:r>
+                        <a:rPr lang="es-PE" sz="1800" kern="1200" dirty="0" smtClean="0">
+                          <a:solidFill>
+                            <a:schemeClr val="tx1"/>
+                          </a:solidFill>
+                          <a:latin typeface="+mn-lt"/>
+                          <a:ea typeface="+mn-ea"/>
+                          <a:cs typeface="+mn-cs"/>
+                        </a:rPr>
+                        <a:t>Se definen los siguientes Tipos de Contrato:</a:t>
+                      </a:r>
+                    </a:p>
+                    <a:p>
+                      <a:pPr algn="just"/>
+                      <a:endParaRPr lang="es-ES" sz="1800" kern="1200" dirty="0" smtClean="0">
+                        <a:solidFill>
+                          <a:schemeClr val="tx1"/>
+                        </a:solidFill>
+                        <a:latin typeface="+mn-lt"/>
+                        <a:ea typeface="+mn-ea"/>
+                        <a:cs typeface="+mn-cs"/>
+                      </a:endParaRPr>
+                    </a:p>
+                    <a:p>
+                      <a:pPr algn="just"/>
+                      <a:r>
+                        <a:rPr lang="es-PE" sz="1800" kern="1200" dirty="0" smtClean="0">
+                          <a:solidFill>
+                            <a:schemeClr val="tx1"/>
+                          </a:solidFill>
+                          <a:latin typeface="+mn-lt"/>
+                          <a:ea typeface="+mn-ea"/>
+                          <a:cs typeface="+mn-cs"/>
+                        </a:rPr>
+                        <a:t>Prestación de servicio sin suministro de repuestos, prestación de servicio con suministro de repuestos, servicio prestado, mantenimiento integral, mantenimiento preventivo, mantenimiento correctivo y </a:t>
+                      </a:r>
+                      <a:r>
+                        <a:rPr lang="es-PE" sz="1800" kern="1200" dirty="0" err="1" smtClean="0">
+                          <a:solidFill>
+                            <a:schemeClr val="tx1"/>
+                          </a:solidFill>
+                          <a:latin typeface="+mn-lt"/>
+                          <a:ea typeface="+mn-ea"/>
+                          <a:cs typeface="+mn-cs"/>
+                        </a:rPr>
+                        <a:t>outsourcing</a:t>
+                      </a:r>
+                      <a:r>
+                        <a:rPr lang="es-PE" sz="1800" kern="1200" dirty="0" smtClean="0">
+                          <a:solidFill>
+                            <a:schemeClr val="tx1"/>
+                          </a:solidFill>
+                          <a:latin typeface="+mn-lt"/>
+                          <a:ea typeface="+mn-ea"/>
+                          <a:cs typeface="+mn-cs"/>
+                        </a:rPr>
+                        <a:t>.</a:t>
+                      </a:r>
+                      <a:endParaRPr lang="es-ES" sz="1800" b="0" kern="1200" dirty="0" smtClean="0">
+                        <a:solidFill>
+                          <a:schemeClr val="tx1"/>
+                        </a:solidFill>
+                        <a:latin typeface="+mn-lt"/>
+                        <a:ea typeface="+mn-ea"/>
+                        <a:cs typeface="+mn-cs"/>
+                      </a:endParaRPr>
+                    </a:p>
+                  </a:txBody>
+                  <a:tcPr/>
+                </a:tc>
+              </a:tr>
+            </a:tbl>
+          </a:graphicData>
+        </a:graphic>
+      </p:graphicFrame>
+      <p:pic>
+        <p:nvPicPr>
+          <p:cNvPr id="7170" name="Picture 2"/>
+          <p:cNvPicPr>
+            <a:picLocks noChangeAspect="1" noChangeArrowheads="1"/>
+          </p:cNvPicPr>
+          <p:nvPr/>
+        </p:nvPicPr>
+        <p:blipFill>
+          <a:blip r:embed="rId2" cstate="print"/>
+          <a:srcRect/>
+          <a:stretch>
+            <a:fillRect/>
+          </a:stretch>
+        </p:blipFill>
+        <p:spPr bwMode="auto">
+          <a:xfrm>
+            <a:off x="395536" y="2492896"/>
+            <a:ext cx="2460625" cy="1201737"/>
+          </a:xfrm>
+          <a:prstGeom prst="rect">
+            <a:avLst/>
+          </a:prstGeom>
+          <a:noFill/>
+          <a:ln w="9525">
+            <a:noFill/>
+            <a:miter lim="800000"/>
+            <a:headEnd/>
+            <a:tailEnd/>
+          </a:ln>
+          <a:effectLst/>
+        </p:spPr>
+      </p:pic>
+      <p:pic>
+        <p:nvPicPr>
+          <p:cNvPr id="7171" name="Picture 3"/>
+          <p:cNvPicPr>
+            <a:picLocks noChangeAspect="1" noChangeArrowheads="1"/>
+          </p:cNvPicPr>
+          <p:nvPr/>
+        </p:nvPicPr>
+        <p:blipFill>
+          <a:blip r:embed="rId3" cstate="print"/>
+          <a:srcRect/>
+          <a:stretch>
+            <a:fillRect/>
+          </a:stretch>
+        </p:blipFill>
+        <p:spPr bwMode="auto">
+          <a:xfrm>
+            <a:off x="395536" y="3717032"/>
+            <a:ext cx="2465387" cy="1225550"/>
+          </a:xfrm>
+          <a:prstGeom prst="rect">
+            <a:avLst/>
+          </a:prstGeom>
+          <a:noFill/>
+          <a:ln w="9525">
+            <a:noFill/>
+            <a:miter lim="800000"/>
+            <a:headEnd/>
+            <a:tailEnd/>
+          </a:ln>
+          <a:effectLst/>
+        </p:spPr>
+      </p:pic>
+      <p:pic>
+        <p:nvPicPr>
+          <p:cNvPr id="7172" name="Picture 4"/>
+          <p:cNvPicPr>
+            <a:picLocks noChangeAspect="1" noChangeArrowheads="1"/>
+          </p:cNvPicPr>
+          <p:nvPr/>
+        </p:nvPicPr>
+        <p:blipFill>
+          <a:blip r:embed="rId4" cstate="print"/>
+          <a:srcRect/>
+          <a:stretch>
+            <a:fillRect/>
+          </a:stretch>
+        </p:blipFill>
+        <p:spPr bwMode="auto">
+          <a:xfrm>
+            <a:off x="395536" y="5157192"/>
+            <a:ext cx="2471737" cy="1225550"/>
+          </a:xfrm>
+          <a:prstGeom prst="rect">
+            <a:avLst/>
+          </a:prstGeom>
+          <a:noFill/>
+          <a:ln w="9525">
+            <a:noFill/>
+            <a:miter lim="800000"/>
+            <a:headEnd/>
+            <a:tailEnd/>
+          </a:ln>
+          <a:effectLst/>
+        </p:spPr>
+      </p:pic>
+    </p:spTree>
+    <p:extLst>
+      <p:ext uri="{BB962C8B-B14F-4D97-AF65-F5344CB8AC3E}">
+        <p14:creationId xmlns="" xmlns:p14="http://schemas.microsoft.com/office/powerpoint/2010/main" val="1314591319"/>
+      </p:ext>
+    </p:extLst>
+  </p:cSld>
+  <p:clrMapOvr>
+    <a:masterClrMapping/>
+  </p:clrMapOvr>
+  <p:timing>
+    <p:tnLst>
+      <p:par>
+        <p:cTn id="1" dur="indefinite" restart="never" nodeType="tmRoot"/>
+      </p:par>
+    </p:tnLst>
+  </p:timing>
+</p:sld>
+</file>
+
+<file path=ppt/slides/slide16.xml><?xml version="1.0" encoding="utf-8"?>
+<p:sld xmlns:a="http://schemas.openxmlformats.org/drawingml/2006/main" xmlns:r="http://schemas.openxmlformats.org/officeDocument/2006/relationships" xmlns:p="http://schemas.openxmlformats.org/presentationml/2006/main">
+  <p:cSld>
+    <p:spTree>
+      <p:nvGrpSpPr>
+        <p:cNvPr id="1" name=""/>
+        <p:cNvGrpSpPr/>
+        <p:nvPr/>
+      </p:nvGrpSpPr>
+      <p:grpSpPr>
+        <a:xfrm>
+          <a:off x="0" y="0"/>
+          <a:ext cx="0" cy="0"/>
+          <a:chOff x="0" y="0"/>
+          <a:chExt cx="0" cy="0"/>
+        </a:xfrm>
+      </p:grpSpPr>
+      <p:sp>
+        <p:nvSpPr>
+          <p:cNvPr id="3" name="2 Título"/>
+          <p:cNvSpPr>
+            <a:spLocks noGrp="1"/>
+          </p:cNvSpPr>
+          <p:nvPr>
+            <p:ph type="title"/>
+          </p:nvPr>
+        </p:nvSpPr>
+        <p:spPr/>
+        <p:txBody>
+          <a:bodyPr>
+            <a:normAutofit fontScale="90000"/>
+          </a:bodyPr>
+          <a:lstStyle/>
+          <a:p>
+            <a:r>
+              <a:rPr lang="es-PE" dirty="0"/>
+              <a:t>ESPECIFICACION </a:t>
+            </a:r>
+            <a:r>
+              <a:rPr lang="es-PE" dirty="0" smtClean="0"/>
+              <a:t>DE </a:t>
+            </a:r>
+            <a:r>
+              <a:rPr lang="es-PE" dirty="0"/>
+              <a:t>REGLAS DE </a:t>
+            </a:r>
+            <a:r>
+              <a:rPr lang="es-PE" dirty="0" smtClean="0"/>
+              <a:t>NEGOCIO (Contratos de Clientes)</a:t>
+            </a:r>
+            <a:endParaRPr lang="es-PE" dirty="0"/>
+          </a:p>
+        </p:txBody>
+      </p:sp>
+      <p:graphicFrame>
+        <p:nvGraphicFramePr>
+          <p:cNvPr id="6" name="5 Tabla"/>
+          <p:cNvGraphicFramePr>
+            <a:graphicFrameLocks noGrp="1"/>
+          </p:cNvGraphicFramePr>
+          <p:nvPr/>
+        </p:nvGraphicFramePr>
+        <p:xfrm>
+          <a:off x="323528" y="2348881"/>
+          <a:ext cx="8568952" cy="1737360"/>
+        </p:xfrm>
+        <a:graphic>
+          <a:graphicData uri="http://schemas.openxmlformats.org/drawingml/2006/table">
+            <a:tbl>
+              <a:tblPr firstRow="1" bandRow="1">
+                <a:tableStyleId>{BC89EF96-8CEA-46FF-86C4-4CE0E7609802}</a:tableStyleId>
+              </a:tblPr>
+              <a:tblGrid>
+                <a:gridCol w="2427870"/>
+                <a:gridCol w="6141082"/>
+              </a:tblGrid>
+              <a:tr h="1436853">
+                <a:tc>
+                  <a:txBody>
+                    <a:bodyPr/>
+                    <a:lstStyle/>
+                    <a:p>
+                      <a:endParaRPr lang="es-ES" dirty="0"/>
+                    </a:p>
+                  </a:txBody>
+                  <a:tcPr/>
+                </a:tc>
+                <a:tc>
+                  <a:txBody>
+                    <a:bodyPr/>
+                    <a:lstStyle/>
+                    <a:p>
+                      <a:pPr marL="0" marR="0" indent="0" algn="just" defTabSz="914400" rtl="0" eaLnBrk="1" fontAlgn="auto" latinLnBrk="0" hangingPunct="1">
+                        <a:lnSpc>
+                          <a:spcPct val="100000"/>
+                        </a:lnSpc>
+                        <a:spcBef>
+                          <a:spcPts val="0"/>
+                        </a:spcBef>
+                        <a:spcAft>
+                          <a:spcPts val="0"/>
+                        </a:spcAft>
+                        <a:buClrTx/>
+                        <a:buSzTx/>
+                        <a:buFontTx/>
+                        <a:buNone/>
+                        <a:tabLst/>
+                        <a:defRPr/>
+                      </a:pPr>
+                      <a:endParaRPr lang="es-PE" sz="1800" kern="1200" dirty="0" smtClean="0">
+                        <a:solidFill>
+                          <a:schemeClr val="tx1"/>
+                        </a:solidFill>
+                        <a:latin typeface="+mn-lt"/>
+                        <a:ea typeface="+mn-ea"/>
+                        <a:cs typeface="+mn-cs"/>
+                      </a:endParaRPr>
+                    </a:p>
+                    <a:p>
+                      <a:pPr marL="0" marR="0" indent="0" algn="just" defTabSz="914400" rtl="0" eaLnBrk="1" fontAlgn="auto" latinLnBrk="0" hangingPunct="1">
+                        <a:lnSpc>
+                          <a:spcPct val="100000"/>
+                        </a:lnSpc>
+                        <a:spcBef>
+                          <a:spcPts val="0"/>
+                        </a:spcBef>
+                        <a:spcAft>
+                          <a:spcPts val="0"/>
+                        </a:spcAft>
+                        <a:buClrTx/>
+                        <a:buSzTx/>
+                        <a:buFontTx/>
+                        <a:buNone/>
+                        <a:tabLst/>
+                        <a:defRPr/>
+                      </a:pPr>
+                      <a:r>
+                        <a:rPr lang="es-PE" sz="1800" b="0" kern="1200" dirty="0" smtClean="0">
+                          <a:solidFill>
+                            <a:schemeClr val="tx1"/>
+                          </a:solidFill>
+                          <a:latin typeface="+mn-lt"/>
+                          <a:ea typeface="+mn-ea"/>
+                          <a:cs typeface="+mn-cs"/>
+                        </a:rPr>
+                        <a:t>Los Tipos de penalidades son los siguientes: </a:t>
+                      </a:r>
+                    </a:p>
+                    <a:p>
+                      <a:pPr marL="0" marR="0" indent="0" algn="just" defTabSz="914400" rtl="0" eaLnBrk="1" fontAlgn="auto" latinLnBrk="0" hangingPunct="1">
+                        <a:lnSpc>
+                          <a:spcPct val="100000"/>
+                        </a:lnSpc>
+                        <a:spcBef>
+                          <a:spcPts val="0"/>
+                        </a:spcBef>
+                        <a:spcAft>
+                          <a:spcPts val="0"/>
+                        </a:spcAft>
+                        <a:buClrTx/>
+                        <a:buSzTx/>
+                        <a:buFontTx/>
+                        <a:buNone/>
+                        <a:tabLst/>
+                        <a:defRPr/>
+                      </a:pPr>
+                      <a:endParaRPr lang="es-PE" sz="1800" b="0" kern="1200" dirty="0" smtClean="0">
+                        <a:solidFill>
+                          <a:schemeClr val="tx1"/>
+                        </a:solidFill>
+                        <a:latin typeface="+mn-lt"/>
+                        <a:ea typeface="+mn-ea"/>
+                        <a:cs typeface="+mn-cs"/>
+                      </a:endParaRPr>
+                    </a:p>
+                    <a:p>
+                      <a:pPr marL="0" marR="0" indent="0" algn="just" defTabSz="914400" rtl="0" eaLnBrk="1" fontAlgn="auto" latinLnBrk="0" hangingPunct="1">
+                        <a:lnSpc>
+                          <a:spcPct val="100000"/>
+                        </a:lnSpc>
+                        <a:spcBef>
+                          <a:spcPts val="0"/>
+                        </a:spcBef>
+                        <a:spcAft>
+                          <a:spcPts val="0"/>
+                        </a:spcAft>
+                        <a:buClrTx/>
+                        <a:buSzTx/>
+                        <a:buFontTx/>
+                        <a:buNone/>
+                        <a:tabLst/>
+                        <a:defRPr/>
+                      </a:pPr>
+                      <a:r>
+                        <a:rPr lang="es-PE" sz="1800" b="0" kern="1200" dirty="0" smtClean="0">
+                          <a:solidFill>
+                            <a:schemeClr val="tx1"/>
+                          </a:solidFill>
+                          <a:latin typeface="+mn-lt"/>
+                          <a:ea typeface="+mn-ea"/>
+                          <a:cs typeface="+mn-cs"/>
+                        </a:rPr>
+                        <a:t>Incumplimiento, deficiencia y confidencialidad.  </a:t>
+                      </a:r>
+                    </a:p>
+                    <a:p>
+                      <a:pPr marL="0" marR="0" indent="0" algn="just" defTabSz="914400" rtl="0" eaLnBrk="1" fontAlgn="auto" latinLnBrk="0" hangingPunct="1">
+                        <a:lnSpc>
+                          <a:spcPct val="100000"/>
+                        </a:lnSpc>
+                        <a:spcBef>
+                          <a:spcPts val="0"/>
+                        </a:spcBef>
+                        <a:spcAft>
+                          <a:spcPts val="0"/>
+                        </a:spcAft>
+                        <a:buClrTx/>
+                        <a:buSzTx/>
+                        <a:buFontTx/>
+                        <a:buNone/>
+                        <a:tabLst/>
+                        <a:defRPr/>
+                      </a:pPr>
+                      <a:endParaRPr lang="es-PE" sz="1800" b="0" kern="1200" dirty="0" smtClean="0">
+                        <a:solidFill>
+                          <a:schemeClr val="tx1"/>
+                        </a:solidFill>
+                        <a:latin typeface="+mn-lt"/>
+                        <a:ea typeface="+mn-ea"/>
+                        <a:cs typeface="+mn-cs"/>
+                      </a:endParaRPr>
+                    </a:p>
+                    <a:p>
+                      <a:pPr marL="0" marR="0" indent="0" algn="just" defTabSz="914400" rtl="0" eaLnBrk="1" fontAlgn="auto" latinLnBrk="0" hangingPunct="1">
+                        <a:lnSpc>
+                          <a:spcPct val="100000"/>
+                        </a:lnSpc>
+                        <a:spcBef>
+                          <a:spcPts val="0"/>
+                        </a:spcBef>
+                        <a:spcAft>
+                          <a:spcPts val="0"/>
+                        </a:spcAft>
+                        <a:buClrTx/>
+                        <a:buSzTx/>
+                        <a:buFontTx/>
+                        <a:buNone/>
+                        <a:tabLst/>
+                        <a:defRPr/>
+                      </a:pPr>
+                      <a:r>
+                        <a:rPr lang="es-PE" sz="1800" b="0" kern="1200" dirty="0" smtClean="0">
+                          <a:solidFill>
+                            <a:schemeClr val="tx1"/>
+                          </a:solidFill>
+                          <a:latin typeface="+mn-lt"/>
+                          <a:ea typeface="+mn-ea"/>
+                          <a:cs typeface="+mn-cs"/>
+                        </a:rPr>
+                        <a:t>Las penalidades se determinarán según el tipo de contrato</a:t>
+                      </a:r>
+                      <a:endParaRPr lang="es-ES" sz="1800" b="0" kern="1200" dirty="0" smtClean="0">
+                        <a:solidFill>
+                          <a:schemeClr val="tx1"/>
+                        </a:solidFill>
+                        <a:latin typeface="+mn-lt"/>
+                        <a:ea typeface="+mn-ea"/>
+                        <a:cs typeface="+mn-cs"/>
+                      </a:endParaRPr>
+                    </a:p>
+                  </a:txBody>
+                  <a:tcPr/>
+                </a:tc>
+              </a:tr>
+            </a:tbl>
+          </a:graphicData>
+        </a:graphic>
+      </p:graphicFrame>
+      <p:pic>
+        <p:nvPicPr>
+          <p:cNvPr id="8194" name="Picture 2"/>
+          <p:cNvPicPr>
+            <a:picLocks noChangeAspect="1" noChangeArrowheads="1"/>
+          </p:cNvPicPr>
+          <p:nvPr/>
+        </p:nvPicPr>
+        <p:blipFill>
+          <a:blip r:embed="rId2" cstate="print"/>
+          <a:srcRect/>
+          <a:stretch>
+            <a:fillRect/>
+          </a:stretch>
+        </p:blipFill>
+        <p:spPr bwMode="auto">
+          <a:xfrm>
+            <a:off x="323528" y="2708920"/>
+            <a:ext cx="2476500" cy="1225550"/>
+          </a:xfrm>
+          <a:prstGeom prst="rect">
+            <a:avLst/>
+          </a:prstGeom>
+          <a:noFill/>
+          <a:ln w="9525">
+            <a:noFill/>
+            <a:miter lim="800000"/>
+            <a:headEnd/>
+            <a:tailEnd/>
+          </a:ln>
+          <a:effectLst/>
+        </p:spPr>
+      </p:pic>
+    </p:spTree>
+    <p:extLst>
+      <p:ext uri="{BB962C8B-B14F-4D97-AF65-F5344CB8AC3E}">
+        <p14:creationId xmlns="" xmlns:p14="http://schemas.microsoft.com/office/powerpoint/2010/main" val="1314591319"/>
+      </p:ext>
+    </p:extLst>
+  </p:cSld>
+  <p:clrMapOvr>
+    <a:masterClrMapping/>
+  </p:clrMapOvr>
+  <p:timing>
+    <p:tnLst>
+      <p:par>
+        <p:cTn id="1" dur="indefinite" restart="never" nodeType="tmRoot"/>
+      </p:par>
+    </p:tnLst>
+  </p:timing>
+</p:sld>
+</file>
+
+<file path=ppt/slides/slide17.xml><?xml version="1.0" encoding="utf-8"?>
+<p:sld xmlns:a="http://schemas.openxmlformats.org/drawingml/2006/main" xmlns:r="http://schemas.openxmlformats.org/officeDocument/2006/relationships" xmlns:p="http://schemas.openxmlformats.org/presentationml/2006/main">
+  <p:cSld>
+    <p:spTree>
+      <p:nvGrpSpPr>
+        <p:cNvPr id="1" name=""/>
+        <p:cNvGrpSpPr/>
+        <p:nvPr/>
+      </p:nvGrpSpPr>
+      <p:grpSpPr>
+        <a:xfrm>
+          <a:off x="0" y="0"/>
+          <a:ext cx="0" cy="0"/>
+          <a:chOff x="0" y="0"/>
+          <a:chExt cx="0" cy="0"/>
+        </a:xfrm>
+      </p:grpSpPr>
+      <p:sp>
+        <p:nvSpPr>
+          <p:cNvPr id="3" name="2 Título"/>
+          <p:cNvSpPr>
+            <a:spLocks noGrp="1"/>
+          </p:cNvSpPr>
+          <p:nvPr>
+            <p:ph type="title"/>
+          </p:nvPr>
+        </p:nvSpPr>
+        <p:spPr>
+          <a:xfrm>
+            <a:off x="611560" y="2852936"/>
+            <a:ext cx="8229600" cy="1252728"/>
+          </a:xfrm>
+        </p:spPr>
+        <p:txBody>
+          <a:bodyPr>
+            <a:normAutofit fontScale="90000"/>
+          </a:bodyPr>
+          <a:lstStyle/>
+          <a:p>
+            <a:r>
+              <a:rPr lang="es-PE" b="1" dirty="0" smtClean="0">
+                <a:solidFill>
+                  <a:srgbClr val="C00000"/>
+                </a:solidFill>
+              </a:rPr>
+              <a:t>ACTORES DEL NEGOCIO</a:t>
+            </a:r>
+            <a:br>
+              <a:rPr lang="es-PE" b="1" dirty="0" smtClean="0">
+                <a:solidFill>
+                  <a:srgbClr val="C00000"/>
+                </a:solidFill>
+              </a:rPr>
+            </a:br>
+            <a:r>
+              <a:rPr lang="es-PE" b="1" dirty="0" smtClean="0">
+                <a:solidFill>
+                  <a:srgbClr val="C00000"/>
+                </a:solidFill>
+              </a:rPr>
+              <a:t>(Contratos de Clientes)</a:t>
+            </a:r>
+            <a:endParaRPr lang="es-PE" b="1" dirty="0">
+              <a:solidFill>
+                <a:srgbClr val="C00000"/>
+              </a:solidFill>
+            </a:endParaRPr>
+          </a:p>
+        </p:txBody>
+      </p:sp>
+    </p:spTree>
+  </p:cSld>
+  <p:clrMapOvr>
+    <a:masterClrMapping/>
+  </p:clrMapOvr>
+</p:sld>
+</file>
+
+<file path=ppt/slides/slide18.xml><?xml version="1.0" encoding="utf-8"?>
+<p:sld xmlns:a="http://schemas.openxmlformats.org/drawingml/2006/main" xmlns:r="http://schemas.openxmlformats.org/officeDocument/2006/relationships" xmlns:p="http://schemas.openxmlformats.org/presentationml/2006/main">
+  <p:cSld>
+    <p:spTree>
+      <p:nvGrpSpPr>
+        <p:cNvPr id="1" name=""/>
+        <p:cNvGrpSpPr/>
+        <p:nvPr/>
+      </p:nvGrpSpPr>
+      <p:grpSpPr>
+        <a:xfrm>
+          <a:off x="0" y="0"/>
+          <a:ext cx="0" cy="0"/>
+          <a:chOff x="0" y="0"/>
+          <a:chExt cx="0" cy="0"/>
+        </a:xfrm>
+      </p:grpSpPr>
+      <p:sp>
+        <p:nvSpPr>
+          <p:cNvPr id="3" name="2 Título"/>
+          <p:cNvSpPr>
+            <a:spLocks noGrp="1"/>
+          </p:cNvSpPr>
+          <p:nvPr>
+            <p:ph type="title"/>
+          </p:nvPr>
+        </p:nvSpPr>
+        <p:spPr/>
+        <p:txBody>
+          <a:bodyPr>
+            <a:normAutofit fontScale="90000"/>
+          </a:bodyPr>
+          <a:lstStyle/>
+          <a:p>
+            <a:r>
+              <a:rPr lang="es-PE" dirty="0" smtClean="0"/>
+              <a:t>ESPECIFICACION DE ACTORES DEL NEGOCIO (Contratos de Clientes)</a:t>
+            </a:r>
+            <a:endParaRPr lang="es-PE" dirty="0"/>
+          </a:p>
+        </p:txBody>
+      </p:sp>
+      <p:graphicFrame>
+        <p:nvGraphicFramePr>
+          <p:cNvPr id="9" name="8 Tabla"/>
+          <p:cNvGraphicFramePr>
+            <a:graphicFrameLocks noGrp="1"/>
+          </p:cNvGraphicFramePr>
+          <p:nvPr/>
+        </p:nvGraphicFramePr>
+        <p:xfrm>
+          <a:off x="323528" y="2037967"/>
+          <a:ext cx="8568952" cy="4559385"/>
+        </p:xfrm>
+        <a:graphic>
+          <a:graphicData uri="http://schemas.openxmlformats.org/drawingml/2006/table">
+            <a:tbl>
+              <a:tblPr firstRow="1" bandRow="1">
+                <a:tableStyleId>{BC89EF96-8CEA-46FF-86C4-4CE0E7609802}</a:tableStyleId>
+              </a:tblPr>
+              <a:tblGrid>
+                <a:gridCol w="2427870"/>
+                <a:gridCol w="6141082"/>
+              </a:tblGrid>
+              <a:tr h="1584177">
+                <a:tc>
+                  <a:txBody>
+                    <a:bodyPr/>
+                    <a:lstStyle/>
+                    <a:p>
+                      <a:endParaRPr lang="es-ES" dirty="0"/>
+                    </a:p>
+                  </a:txBody>
+                  <a:tcPr/>
+                </a:tc>
+                <a:tc>
+                  <a:txBody>
+                    <a:bodyPr/>
+                    <a:lstStyle/>
+                    <a:p>
+                      <a:pPr marL="0" marR="0" indent="0" algn="just" defTabSz="914400" rtl="0" eaLnBrk="1" fontAlgn="auto" latinLnBrk="0" hangingPunct="1">
+                        <a:lnSpc>
+                          <a:spcPct val="100000"/>
+                        </a:lnSpc>
+                        <a:spcBef>
+                          <a:spcPts val="0"/>
+                        </a:spcBef>
+                        <a:spcAft>
+                          <a:spcPts val="0"/>
+                        </a:spcAft>
+                        <a:buClrTx/>
+                        <a:buSzTx/>
+                        <a:buFontTx/>
+                        <a:buNone/>
+                        <a:tabLst/>
+                        <a:defRPr/>
+                      </a:pPr>
+                      <a:endParaRPr lang="es-PE" b="0" dirty="0" smtClean="0"/>
+                    </a:p>
+                    <a:p>
+                      <a:pPr marL="0" marR="0" indent="0" algn="just" defTabSz="914400" rtl="0" eaLnBrk="1" fontAlgn="auto" latinLnBrk="0" hangingPunct="1">
+                        <a:lnSpc>
+                          <a:spcPct val="100000"/>
+                        </a:lnSpc>
+                        <a:spcBef>
+                          <a:spcPts val="0"/>
+                        </a:spcBef>
+                        <a:spcAft>
+                          <a:spcPts val="0"/>
+                        </a:spcAft>
+                        <a:buClrTx/>
+                        <a:buSzTx/>
+                        <a:buFontTx/>
+                        <a:buNone/>
+                        <a:tabLst/>
+                        <a:defRPr/>
+                      </a:pPr>
+                      <a:r>
+                        <a:rPr lang="es-PE" b="0" dirty="0" smtClean="0"/>
+                        <a:t>Persona natural o jurídica que toma la decisión de aceptar o rechazar la propuesta de servicio. Participa del proceso de Realizar Análisis de Mercado. </a:t>
+                      </a:r>
+                    </a:p>
+                  </a:txBody>
+                  <a:tcPr/>
+                </a:tc>
+              </a:tr>
+              <a:tr h="1512168">
+                <a:tc>
+                  <a:txBody>
+                    <a:bodyPr/>
+                    <a:lstStyle/>
+                    <a:p>
+                      <a:endParaRPr lang="es-ES" dirty="0"/>
+                    </a:p>
+                  </a:txBody>
+                  <a:tcPr/>
+                </a:tc>
+                <a:tc>
+                  <a:txBody>
+                    <a:bodyPr/>
+                    <a:lstStyle/>
+                    <a:p>
+                      <a:pPr marL="0" marR="0" indent="0" algn="just" defTabSz="914400" rtl="0" eaLnBrk="1" fontAlgn="auto" latinLnBrk="0" hangingPunct="1">
+                        <a:lnSpc>
+                          <a:spcPct val="100000"/>
+                        </a:lnSpc>
+                        <a:spcBef>
+                          <a:spcPts val="0"/>
+                        </a:spcBef>
+                        <a:spcAft>
+                          <a:spcPts val="0"/>
+                        </a:spcAft>
+                        <a:buClrTx/>
+                        <a:buSzTx/>
+                        <a:buFontTx/>
+                        <a:buNone/>
+                        <a:tabLst/>
+                        <a:defRPr/>
+                      </a:pPr>
+                      <a:endParaRPr lang="es-PE" dirty="0" smtClean="0"/>
+                    </a:p>
+                    <a:p>
+                      <a:pPr marL="0" marR="0" indent="0" algn="just" defTabSz="914400" rtl="0" eaLnBrk="1" fontAlgn="auto" latinLnBrk="0" hangingPunct="1">
+                        <a:lnSpc>
+                          <a:spcPct val="100000"/>
+                        </a:lnSpc>
+                        <a:spcBef>
+                          <a:spcPts val="0"/>
+                        </a:spcBef>
+                        <a:spcAft>
+                          <a:spcPts val="0"/>
+                        </a:spcAft>
+                        <a:buClrTx/>
+                        <a:buSzTx/>
+                        <a:buFontTx/>
+                        <a:buNone/>
+                        <a:tabLst/>
+                        <a:defRPr/>
+                      </a:pPr>
+                      <a:r>
+                        <a:rPr lang="es-PE" dirty="0" smtClean="0"/>
+                        <a:t>Persona natural o jurídica que se encarga de solicitar nuevos servicios. Participa de los procesos Gestionar cartera de Clientes y Gestionar Contratos.</a:t>
+                      </a:r>
+                    </a:p>
+                    <a:p>
+                      <a:pPr algn="just"/>
+                      <a:endParaRPr lang="es-ES" sz="1800" b="0" kern="1200" dirty="0" smtClean="0">
+                        <a:solidFill>
+                          <a:schemeClr val="tx1"/>
+                        </a:solidFill>
+                        <a:latin typeface="+mn-lt"/>
+                        <a:ea typeface="+mn-ea"/>
+                        <a:cs typeface="+mn-cs"/>
+                      </a:endParaRPr>
+                    </a:p>
+                  </a:txBody>
+                  <a:tcPr/>
+                </a:tc>
+              </a:tr>
+              <a:tr h="1440160">
+                <a:tc>
+                  <a:txBody>
+                    <a:bodyPr/>
+                    <a:lstStyle/>
+                    <a:p>
+                      <a:endParaRPr lang="es-ES" dirty="0"/>
+                    </a:p>
+                  </a:txBody>
+                  <a:tcPr/>
+                </a:tc>
+                <a:tc>
+                  <a:txBody>
+                    <a:bodyPr/>
+                    <a:lstStyle/>
+                    <a:p>
+                      <a:pPr marL="0" marR="0" indent="0" algn="just" defTabSz="914400" rtl="0" eaLnBrk="1" fontAlgn="auto" latinLnBrk="0" hangingPunct="1">
+                        <a:lnSpc>
+                          <a:spcPct val="100000"/>
+                        </a:lnSpc>
+                        <a:spcBef>
+                          <a:spcPts val="0"/>
+                        </a:spcBef>
+                        <a:spcAft>
+                          <a:spcPts val="0"/>
+                        </a:spcAft>
+                        <a:buClrTx/>
+                        <a:buSzTx/>
+                        <a:buFontTx/>
+                        <a:buNone/>
+                        <a:tabLst/>
+                        <a:defRPr/>
+                      </a:pPr>
+                      <a:r>
+                        <a:rPr lang="es-PE" dirty="0" smtClean="0"/>
+                        <a:t>Persona encargada de supervisar  el crecimiento de los indicadores en cuanto al Nro. de clientes y contratos. Participa en los procesos de Realizar análisis de Mercado, Gestionar cartera de Clientes y Gestionar Contratos.</a:t>
+                      </a:r>
+                    </a:p>
+                    <a:p>
+                      <a:pPr marL="0" marR="0" indent="0" algn="just" defTabSz="914400" rtl="0" eaLnBrk="1" fontAlgn="auto" latinLnBrk="0" hangingPunct="1">
+                        <a:lnSpc>
+                          <a:spcPct val="100000"/>
+                        </a:lnSpc>
+                        <a:spcBef>
+                          <a:spcPts val="0"/>
+                        </a:spcBef>
+                        <a:spcAft>
+                          <a:spcPts val="0"/>
+                        </a:spcAft>
+                        <a:buClrTx/>
+                        <a:buSzTx/>
+                        <a:buFontTx/>
+                        <a:buNone/>
+                        <a:tabLst/>
+                        <a:defRPr/>
+                      </a:pPr>
+                      <a:endParaRPr lang="es-ES" sz="1800" b="0" kern="1200" dirty="0" smtClean="0">
+                        <a:solidFill>
+                          <a:schemeClr val="tx1"/>
+                        </a:solidFill>
+                        <a:latin typeface="+mn-lt"/>
+                        <a:ea typeface="+mn-ea"/>
+                        <a:cs typeface="+mn-cs"/>
+                      </a:endParaRPr>
+                    </a:p>
+                  </a:txBody>
+                  <a:tcPr/>
+                </a:tc>
+              </a:tr>
+            </a:tbl>
+          </a:graphicData>
+        </a:graphic>
+      </p:graphicFrame>
+      <p:pic>
+        <p:nvPicPr>
+          <p:cNvPr id="9218" name="Picture 2"/>
+          <p:cNvPicPr>
+            <a:picLocks noChangeAspect="1" noChangeArrowheads="1"/>
+          </p:cNvPicPr>
+          <p:nvPr/>
+        </p:nvPicPr>
+        <p:blipFill>
+          <a:blip r:embed="rId2" cstate="print"/>
+          <a:srcRect/>
+          <a:stretch>
+            <a:fillRect/>
+          </a:stretch>
+        </p:blipFill>
+        <p:spPr bwMode="auto">
+          <a:xfrm>
+            <a:off x="611560" y="2132856"/>
+            <a:ext cx="1914525" cy="1612900"/>
+          </a:xfrm>
+          <a:prstGeom prst="rect">
+            <a:avLst/>
+          </a:prstGeom>
+          <a:noFill/>
+          <a:ln w="9525">
+            <a:noFill/>
+            <a:miter lim="800000"/>
+            <a:headEnd/>
+            <a:tailEnd/>
+          </a:ln>
+          <a:effectLst/>
+        </p:spPr>
+      </p:pic>
+      <p:pic>
+        <p:nvPicPr>
+          <p:cNvPr id="9219" name="Picture 3"/>
+          <p:cNvPicPr>
+            <a:picLocks noChangeAspect="1" noChangeArrowheads="1"/>
+          </p:cNvPicPr>
+          <p:nvPr/>
+        </p:nvPicPr>
+        <p:blipFill>
+          <a:blip r:embed="rId3" cstate="print"/>
+          <a:srcRect/>
+          <a:stretch>
+            <a:fillRect/>
+          </a:stretch>
+        </p:blipFill>
+        <p:spPr bwMode="auto">
+          <a:xfrm>
+            <a:off x="611560" y="3717032"/>
+            <a:ext cx="1914525" cy="1612900"/>
+          </a:xfrm>
+          <a:prstGeom prst="rect">
+            <a:avLst/>
+          </a:prstGeom>
+          <a:noFill/>
+          <a:ln w="9525">
+            <a:noFill/>
+            <a:miter lim="800000"/>
+            <a:headEnd/>
+            <a:tailEnd/>
+          </a:ln>
+          <a:effectLst/>
+        </p:spPr>
+      </p:pic>
+      <p:pic>
+        <p:nvPicPr>
+          <p:cNvPr id="9220" name="Picture 4"/>
+          <p:cNvPicPr>
+            <a:picLocks noChangeAspect="1" noChangeArrowheads="1"/>
+          </p:cNvPicPr>
+          <p:nvPr/>
+        </p:nvPicPr>
+        <p:blipFill>
+          <a:blip r:embed="rId4" cstate="print"/>
+          <a:srcRect/>
+          <a:stretch>
+            <a:fillRect/>
+          </a:stretch>
+        </p:blipFill>
+        <p:spPr bwMode="auto">
+          <a:xfrm>
+            <a:off x="611560" y="5245100"/>
+            <a:ext cx="1908175" cy="1612900"/>
+          </a:xfrm>
+          <a:prstGeom prst="rect">
+            <a:avLst/>
+          </a:prstGeom>
+          <a:noFill/>
+          <a:ln w="9525">
+            <a:noFill/>
+            <a:miter lim="800000"/>
+            <a:headEnd/>
+            <a:tailEnd/>
+          </a:ln>
+          <a:effectLst/>
+        </p:spPr>
+      </p:pic>
+    </p:spTree>
+    <p:extLst>
+      <p:ext uri="{BB962C8B-B14F-4D97-AF65-F5344CB8AC3E}">
+        <p14:creationId xmlns="" xmlns:p14="http://schemas.microsoft.com/office/powerpoint/2010/main" val="1786203861"/>
+      </p:ext>
+    </p:extLst>
+  </p:cSld>
+  <p:clrMapOvr>
+    <a:masterClrMapping/>
+  </p:clrMapOvr>
+  <p:timing>
+    <p:tnLst>
+      <p:par>
+        <p:cTn id="1" dur="indefinite" restart="never" nodeType="tmRoot"/>
+      </p:par>
+    </p:tnLst>
+  </p:timing>
+</p:sld>
+</file>
+
+<file path=ppt/slides/slide19.xml><?xml version="1.0" encoding="utf-8"?>
+<p:sld xmlns:a="http://schemas.openxmlformats.org/drawingml/2006/main" xmlns:r="http://schemas.openxmlformats.org/officeDocument/2006/relationships" xmlns:p="http://schemas.openxmlformats.org/presentationml/2006/main">
+  <p:cSld>
+    <p:spTree>
+      <p:nvGrpSpPr>
+        <p:cNvPr id="1" name=""/>
+        <p:cNvGrpSpPr/>
+        <p:nvPr/>
+      </p:nvGrpSpPr>
+      <p:grpSpPr>
+        <a:xfrm>
+          <a:off x="0" y="0"/>
+          <a:ext cx="0" cy="0"/>
+          <a:chOff x="0" y="0"/>
+          <a:chExt cx="0" cy="0"/>
+        </a:xfrm>
+      </p:grpSpPr>
+      <p:sp>
+        <p:nvSpPr>
+          <p:cNvPr id="3" name="2 Título"/>
+          <p:cNvSpPr>
+            <a:spLocks noGrp="1"/>
+          </p:cNvSpPr>
+          <p:nvPr>
+            <p:ph type="title"/>
+          </p:nvPr>
+        </p:nvSpPr>
+        <p:spPr>
+          <a:xfrm>
+            <a:off x="611560" y="2852936"/>
+            <a:ext cx="8229600" cy="1252728"/>
+          </a:xfrm>
+        </p:spPr>
+        <p:txBody>
+          <a:bodyPr>
+            <a:normAutofit fontScale="90000"/>
+          </a:bodyPr>
+          <a:lstStyle/>
+          <a:p>
+            <a:r>
+              <a:rPr lang="es-PE" b="1" dirty="0" smtClean="0">
+                <a:solidFill>
+                  <a:srgbClr val="C00000"/>
+                </a:solidFill>
+              </a:rPr>
+              <a:t>DIAGRAMA DE CASOS DE USO DEL NEGOCIO</a:t>
+            </a:r>
+            <a:br>
+              <a:rPr lang="es-PE" b="1" dirty="0" smtClean="0">
+                <a:solidFill>
+                  <a:srgbClr val="C00000"/>
+                </a:solidFill>
+              </a:rPr>
+            </a:br>
+            <a:r>
+              <a:rPr lang="es-PE" b="1" dirty="0" smtClean="0">
+                <a:solidFill>
+                  <a:srgbClr val="C00000"/>
+                </a:solidFill>
+              </a:rPr>
+              <a:t>(Contratos de Clientes)</a:t>
+            </a:r>
+            <a:endParaRPr lang="es-PE" b="1" dirty="0">
+              <a:solidFill>
+                <a:srgbClr val="C00000"/>
+              </a:solidFill>
+            </a:endParaRPr>
+          </a:p>
+        </p:txBody>
+      </p:sp>
+    </p:spTree>
+  </p:cSld>
+  <p:clrMapOvr>
+    <a:masterClrMapping/>
+  </p:clrMapOvr>
+</p:sld>
+</file>
+
+<file path=ppt/slides/slide2.xml><?xml version="1.0" encoding="utf-8"?>
+<p:sld xmlns:a="http://schemas.openxmlformats.org/drawingml/2006/main" xmlns:r="http://schemas.openxmlformats.org/officeDocument/2006/relationships" xmlns:p="http://schemas.openxmlformats.org/presentationml/2006/main">
+  <p:cSld>
+    <p:spTree>
+      <p:nvGrpSpPr>
+        <p:cNvPr id="1" name=""/>
+        <p:cNvGrpSpPr/>
+        <p:nvPr/>
+      </p:nvGrpSpPr>
+      <p:grpSpPr>
+        <a:xfrm>
+          <a:off x="0" y="0"/>
+          <a:ext cx="0" cy="0"/>
+          <a:chOff x="0" y="0"/>
+          <a:chExt cx="0" cy="0"/>
+        </a:xfrm>
+      </p:grpSpPr>
+      <p:sp>
+        <p:nvSpPr>
+          <p:cNvPr id="3" name="2 Título"/>
+          <p:cNvSpPr>
+            <a:spLocks noGrp="1"/>
+          </p:cNvSpPr>
+          <p:nvPr>
+            <p:ph type="title"/>
+          </p:nvPr>
+        </p:nvSpPr>
+        <p:spPr>
+          <a:xfrm>
+            <a:off x="611560" y="2636912"/>
+            <a:ext cx="8229600" cy="1252728"/>
+          </a:xfrm>
+        </p:spPr>
+        <p:txBody>
+          <a:bodyPr>
+            <a:normAutofit fontScale="90000"/>
+          </a:bodyPr>
+          <a:lstStyle/>
+          <a:p>
+            <a:r>
+              <a:rPr lang="es-PE" b="1" dirty="0" smtClean="0">
+                <a:solidFill>
+                  <a:srgbClr val="C00000"/>
+                </a:solidFill>
+              </a:rPr>
+              <a:t>PROCESOS DE NEGOCIO</a:t>
+            </a:r>
+            <a:br>
+              <a:rPr lang="es-PE" b="1" dirty="0" smtClean="0">
+                <a:solidFill>
+                  <a:srgbClr val="C00000"/>
+                </a:solidFill>
+              </a:rPr>
+            </a:br>
+            <a:r>
+              <a:rPr lang="es-PE" b="1" dirty="0" smtClean="0">
+                <a:solidFill>
+                  <a:srgbClr val="C00000"/>
+                </a:solidFill>
+              </a:rPr>
+              <a:t>(Contratos de Clientes)</a:t>
+            </a:r>
+            <a:endParaRPr lang="es-PE" b="1" dirty="0">
+              <a:solidFill>
+                <a:srgbClr val="C00000"/>
+              </a:solidFill>
+            </a:endParaRPr>
+          </a:p>
+        </p:txBody>
+      </p:sp>
+      <p:pic>
+        <p:nvPicPr>
+          <p:cNvPr id="1026" name="Picture 2" descr="http://img.creativosonline.org/blog/wp-content/uploads/2012/02/consejos-contrato-autonomo-exito.jpg"/>
+          <p:cNvPicPr>
+            <a:picLocks noChangeAspect="1" noChangeArrowheads="1"/>
+          </p:cNvPicPr>
+          <p:nvPr/>
+        </p:nvPicPr>
+        <p:blipFill>
+          <a:blip r:embed="rId2" cstate="print"/>
+          <a:srcRect/>
+          <a:stretch>
+            <a:fillRect/>
+          </a:stretch>
+        </p:blipFill>
+        <p:spPr bwMode="auto">
+          <a:xfrm>
+            <a:off x="2915816" y="3933056"/>
+            <a:ext cx="3744416" cy="2246650"/>
+          </a:xfrm>
+          <a:prstGeom prst="rect">
+            <a:avLst/>
+          </a:prstGeom>
+          <a:noFill/>
+        </p:spPr>
+      </p:pic>
+    </p:spTree>
+  </p:cSld>
+  <p:clrMapOvr>
+    <a:masterClrMapping/>
+  </p:clrMapOvr>
+</p:sld>
+</file>
+
+<file path=ppt/slides/slide20.xml><?xml version="1.0" encoding="utf-8"?>
+<p:sld xmlns:a="http://schemas.openxmlformats.org/drawingml/2006/main" xmlns:r="http://schemas.openxmlformats.org/officeDocument/2006/relationships" xmlns:p="http://schemas.openxmlformats.org/presentationml/2006/main">
+  <p:cSld>
+    <p:spTree>
+      <p:nvGrpSpPr>
+        <p:cNvPr id="1" name=""/>
+        <p:cNvGrpSpPr/>
+        <p:nvPr/>
+      </p:nvGrpSpPr>
+      <p:grpSpPr>
+        <a:xfrm>
+          <a:off x="0" y="0"/>
+          <a:ext cx="0" cy="0"/>
+          <a:chOff x="0" y="0"/>
+          <a:chExt cx="0" cy="0"/>
+        </a:xfrm>
+      </p:grpSpPr>
+      <p:sp>
+        <p:nvSpPr>
+          <p:cNvPr id="3" name="2 Título"/>
+          <p:cNvSpPr>
+            <a:spLocks noGrp="1"/>
+          </p:cNvSpPr>
+          <p:nvPr>
+            <p:ph type="title"/>
+          </p:nvPr>
+        </p:nvSpPr>
+        <p:spPr/>
+        <p:txBody>
+          <a:bodyPr>
+            <a:normAutofit fontScale="90000"/>
+          </a:bodyPr>
+          <a:lstStyle/>
+          <a:p>
+            <a:r>
+              <a:rPr lang="es-PE" dirty="0" smtClean="0"/>
+              <a:t>DIAGRAMA DE CASOS DE USO DEL NEGOCIO (Contratos de Clientes)</a:t>
+            </a:r>
+            <a:endParaRPr lang="es-PE" dirty="0"/>
+          </a:p>
+        </p:txBody>
+      </p:sp>
+      <p:pic>
+        <p:nvPicPr>
+          <p:cNvPr id="10242" name="Picture 2"/>
+          <p:cNvPicPr>
+            <a:picLocks noChangeAspect="1" noChangeArrowheads="1"/>
+          </p:cNvPicPr>
+          <p:nvPr/>
+        </p:nvPicPr>
+        <p:blipFill>
+          <a:blip r:embed="rId2" cstate="print"/>
+          <a:srcRect/>
+          <a:stretch>
+            <a:fillRect/>
+          </a:stretch>
+        </p:blipFill>
+        <p:spPr bwMode="auto">
+          <a:xfrm>
+            <a:off x="827584" y="1700808"/>
+            <a:ext cx="7583487" cy="4919663"/>
+          </a:xfrm>
+          <a:prstGeom prst="rect">
+            <a:avLst/>
+          </a:prstGeom>
+          <a:noFill/>
+          <a:ln w="9525">
+            <a:noFill/>
+            <a:miter lim="800000"/>
+            <a:headEnd/>
+            <a:tailEnd/>
+          </a:ln>
+          <a:effectLst/>
+        </p:spPr>
+      </p:pic>
+    </p:spTree>
+    <p:extLst>
+      <p:ext uri="{BB962C8B-B14F-4D97-AF65-F5344CB8AC3E}">
+        <p14:creationId xmlns="" xmlns:p14="http://schemas.microsoft.com/office/powerpoint/2010/main" val="2066947068"/>
+      </p:ext>
+    </p:extLst>
+  </p:cSld>
+  <p:clrMapOvr>
+    <a:masterClrMapping/>
+  </p:clrMapOvr>
+  <p:timing>
+    <p:tnLst>
+      <p:par>
+        <p:cTn id="1" dur="indefinite" restart="never" nodeType="tmRoot"/>
+      </p:par>
+    </p:tnLst>
+  </p:timing>
+</p:sld>
+</file>
+
+<file path=ppt/slides/slide21.xml><?xml version="1.0" encoding="utf-8"?>
+<p:sld xmlns:a="http://schemas.openxmlformats.org/drawingml/2006/main" xmlns:r="http://schemas.openxmlformats.org/officeDocument/2006/relationships" xmlns:p="http://schemas.openxmlformats.org/presentationml/2006/main">
+  <p:cSld>
+    <p:spTree>
+      <p:nvGrpSpPr>
+        <p:cNvPr id="1" name=""/>
+        <p:cNvGrpSpPr/>
+        <p:nvPr/>
+      </p:nvGrpSpPr>
+      <p:grpSpPr>
+        <a:xfrm>
+          <a:off x="0" y="0"/>
+          <a:ext cx="0" cy="0"/>
+          <a:chOff x="0" y="0"/>
+          <a:chExt cx="0" cy="0"/>
+        </a:xfrm>
+      </p:grpSpPr>
+      <p:sp>
+        <p:nvSpPr>
+          <p:cNvPr id="2" name="1 Título"/>
+          <p:cNvSpPr>
+            <a:spLocks noGrp="1"/>
+          </p:cNvSpPr>
+          <p:nvPr>
+            <p:ph type="ctrTitle"/>
+          </p:nvPr>
+        </p:nvSpPr>
+        <p:spPr>
+          <a:xfrm>
+            <a:off x="390338" y="476672"/>
+            <a:ext cx="8280920" cy="1584176"/>
+          </a:xfrm>
+        </p:spPr>
+        <p:txBody>
+          <a:bodyPr>
+            <a:normAutofit/>
+          </a:bodyPr>
+          <a:lstStyle/>
+          <a:p>
+            <a:r>
+              <a:rPr lang="es-PE" dirty="0" smtClean="0"/>
+              <a:t>GESTION DE CONTRATOS DE CLIENTES</a:t>
+            </a:r>
+            <a:endParaRPr lang="es-PE" sz="3600" dirty="0"/>
+          </a:p>
+        </p:txBody>
+      </p:sp>
+      <p:sp>
+        <p:nvSpPr>
+          <p:cNvPr id="3" name="2 Subtítulo"/>
+          <p:cNvSpPr>
+            <a:spLocks noGrp="1"/>
+          </p:cNvSpPr>
+          <p:nvPr>
+            <p:ph type="subTitle" idx="1"/>
+          </p:nvPr>
+        </p:nvSpPr>
+        <p:spPr>
+          <a:xfrm>
+            <a:off x="1289589" y="2276872"/>
+            <a:ext cx="6400800" cy="521071"/>
+          </a:xfrm>
+        </p:spPr>
+        <p:txBody>
+          <a:bodyPr>
+            <a:normAutofit/>
+          </a:bodyPr>
+          <a:lstStyle/>
+          <a:p>
+            <a:r>
+              <a:rPr lang="es-PE" sz="2800" dirty="0"/>
+              <a:t>MODELADO DEL NEGOCIO</a:t>
+            </a:r>
+          </a:p>
+        </p:txBody>
+      </p:sp>
+      <p:sp>
+        <p:nvSpPr>
+          <p:cNvPr id="4" name="3 CuadroTexto"/>
+          <p:cNvSpPr txBox="1"/>
+          <p:nvPr/>
+        </p:nvSpPr>
+        <p:spPr>
+          <a:xfrm>
+            <a:off x="4489989" y="3712964"/>
+            <a:ext cx="4186467" cy="2308324"/>
+          </a:xfrm>
+          <a:prstGeom prst="rect">
+            <a:avLst/>
+          </a:prstGeom>
+          <a:noFill/>
+        </p:spPr>
+        <p:txBody>
+          <a:bodyPr wrap="square" rtlCol="0">
+            <a:spAutoFit/>
+          </a:bodyPr>
+          <a:lstStyle/>
+          <a:p>
+            <a:pPr algn="r"/>
+            <a:r>
+              <a:rPr lang="es-PE" sz="2400" dirty="0" smtClean="0"/>
+              <a:t>Paola Rojas </a:t>
+            </a:r>
+            <a:r>
+              <a:rPr lang="es-PE" sz="2400" dirty="0" err="1" smtClean="0"/>
+              <a:t>Chicoma</a:t>
+            </a:r>
+            <a:endParaRPr lang="es-PE" sz="2400" dirty="0" smtClean="0"/>
+          </a:p>
+          <a:p>
+            <a:pPr algn="r"/>
+            <a:r>
+              <a:rPr lang="es-PE" sz="2400" dirty="0" err="1" smtClean="0"/>
+              <a:t>Nestor</a:t>
+            </a:r>
+            <a:r>
+              <a:rPr lang="es-PE" sz="2400" dirty="0" smtClean="0"/>
+              <a:t> Robles Cacha</a:t>
+            </a:r>
+          </a:p>
+          <a:p>
+            <a:pPr algn="r"/>
+            <a:r>
+              <a:rPr lang="es-PE" sz="2400" dirty="0" smtClean="0"/>
+              <a:t>Gabriela Rojas </a:t>
+            </a:r>
+            <a:r>
+              <a:rPr lang="es-PE" sz="2400" dirty="0" err="1" smtClean="0"/>
+              <a:t>Munive</a:t>
+            </a:r>
+            <a:endParaRPr lang="es-PE" sz="2400" dirty="0" smtClean="0"/>
+          </a:p>
+          <a:p>
+            <a:pPr algn="r"/>
+            <a:r>
+              <a:rPr lang="es-PE" sz="2400" dirty="0" smtClean="0"/>
+              <a:t>Augusto Suarez </a:t>
+            </a:r>
+            <a:r>
+              <a:rPr lang="es-PE" sz="2400" dirty="0" err="1" smtClean="0"/>
+              <a:t>Gutierrez</a:t>
+            </a:r>
+            <a:endParaRPr lang="es-PE" sz="2400" dirty="0" smtClean="0"/>
+          </a:p>
+          <a:p>
+            <a:pPr algn="r"/>
+            <a:r>
+              <a:rPr lang="es-PE" sz="2400" dirty="0" smtClean="0"/>
+              <a:t>Orlando </a:t>
+            </a:r>
+            <a:r>
+              <a:rPr lang="es-PE" sz="2400" dirty="0" err="1" smtClean="0"/>
+              <a:t>Sedamano</a:t>
+            </a:r>
+            <a:r>
+              <a:rPr lang="es-PE" sz="2400" dirty="0" smtClean="0"/>
+              <a:t> Cornejo</a:t>
+            </a:r>
+          </a:p>
+          <a:p>
+            <a:pPr algn="r"/>
+            <a:endParaRPr lang="es-PE" sz="2400" dirty="0">
+              <a:solidFill>
+                <a:schemeClr val="bg1"/>
+              </a:solidFill>
+            </a:endParaRPr>
+          </a:p>
+        </p:txBody>
+      </p:sp>
+      <p:sp>
+        <p:nvSpPr>
+          <p:cNvPr id="5" name="4 CuadroTexto"/>
+          <p:cNvSpPr txBox="1"/>
+          <p:nvPr/>
+        </p:nvSpPr>
+        <p:spPr>
+          <a:xfrm>
+            <a:off x="1033605" y="3710198"/>
+            <a:ext cx="3456384" cy="923330"/>
+          </a:xfrm>
+          <a:prstGeom prst="rect">
+            <a:avLst/>
+          </a:prstGeom>
+          <a:noFill/>
+        </p:spPr>
+        <p:txBody>
+          <a:bodyPr wrap="square" rtlCol="0">
+            <a:spAutoFit/>
+          </a:bodyPr>
+          <a:lstStyle/>
+          <a:p>
+            <a:r>
+              <a:rPr lang="es-PE" sz="5400" dirty="0" smtClean="0">
+                <a:solidFill>
+                  <a:schemeClr val="bg1"/>
+                </a:solidFill>
+              </a:rPr>
+              <a:t>GRACIAS </a:t>
+            </a:r>
+            <a:r>
+              <a:rPr lang="es-PE" sz="4800" dirty="0" smtClean="0">
+                <a:solidFill>
+                  <a:schemeClr val="bg1"/>
+                </a:solidFill>
+              </a:rPr>
+              <a:t>!!!</a:t>
+            </a:r>
+            <a:endParaRPr lang="es-PE" sz="4800" dirty="0">
+              <a:solidFill>
+                <a:schemeClr val="bg1"/>
+              </a:solidFill>
+            </a:endParaRPr>
+          </a:p>
+        </p:txBody>
+      </p:sp>
+    </p:spTree>
+    <p:extLst>
+      <p:ext uri="{BB962C8B-B14F-4D97-AF65-F5344CB8AC3E}">
+        <p14:creationId xmlns="" xmlns:p14="http://schemas.microsoft.com/office/powerpoint/2010/main" val="700369716"/>
+      </p:ext>
+    </p:extLst>
+  </p:cSld>
+  <p:clrMapOvr>
+    <a:masterClrMapping/>
+  </p:clrMapOvr>
+  <p:timing>
+    <p:tnLst>
+      <p:par>
+        <p:cTn id="1" dur="indefinite" restart="never" nodeType="tmRoot"/>
+      </p:par>
+    </p:tnLst>
+  </p:timing>
+</p:sld>
+</file>
+
+<file path=ppt/slides/slide3.xml><?xml version="1.0" encoding="utf-8"?>
+<p:sld xmlns:a="http://schemas.openxmlformats.org/drawingml/2006/main" xmlns:r="http://schemas.openxmlformats.org/officeDocument/2006/relationships" xmlns:p="http://schemas.openxmlformats.org/presentationml/2006/main">
+  <p:cSld>
+    <p:spTree>
+      <p:nvGrpSpPr>
+        <p:cNvPr id="1" name=""/>
+        <p:cNvGrpSpPr/>
+        <p:nvPr/>
+      </p:nvGrpSpPr>
+      <p:grpSpPr>
+        <a:xfrm>
+          <a:off x="0" y="0"/>
+          <a:ext cx="0" cy="0"/>
+          <a:chOff x="0" y="0"/>
+          <a:chExt cx="0" cy="0"/>
+        </a:xfrm>
+      </p:grpSpPr>
+      <p:sp>
+        <p:nvSpPr>
+          <p:cNvPr id="3" name="2 Título"/>
+          <p:cNvSpPr>
+            <a:spLocks noGrp="1"/>
+          </p:cNvSpPr>
+          <p:nvPr>
+            <p:ph type="title"/>
+          </p:nvPr>
+        </p:nvSpPr>
+        <p:spPr/>
+        <p:txBody>
+          <a:bodyPr>
+            <a:normAutofit/>
+          </a:bodyPr>
+          <a:lstStyle/>
+          <a:p>
+            <a:r>
+              <a:rPr lang="es-PE" dirty="0" smtClean="0"/>
+              <a:t>Proceso: Análisis de Mercado</a:t>
+            </a:r>
+            <a:endParaRPr lang="es-PE" dirty="0"/>
+          </a:p>
+        </p:txBody>
+      </p:sp>
+      <p:pic>
+        <p:nvPicPr>
+          <p:cNvPr id="2050" name="Picture 2"/>
+          <p:cNvPicPr>
+            <a:picLocks noChangeAspect="1" noChangeArrowheads="1"/>
+          </p:cNvPicPr>
+          <p:nvPr/>
+        </p:nvPicPr>
+        <p:blipFill>
+          <a:blip r:embed="rId2" cstate="print"/>
+          <a:srcRect/>
+          <a:stretch>
+            <a:fillRect/>
+          </a:stretch>
+        </p:blipFill>
+        <p:spPr bwMode="auto">
+          <a:xfrm>
+            <a:off x="144016" y="2996953"/>
+            <a:ext cx="8892480" cy="1860686"/>
+          </a:xfrm>
+          <a:prstGeom prst="rect">
+            <a:avLst/>
+          </a:prstGeom>
+          <a:noFill/>
+          <a:ln w="9525">
+            <a:noFill/>
+            <a:miter lim="800000"/>
+            <a:headEnd/>
+            <a:tailEnd/>
+          </a:ln>
+        </p:spPr>
+      </p:pic>
+    </p:spTree>
+  </p:cSld>
+  <p:clrMapOvr>
+    <a:masterClrMapping/>
+  </p:clrMapOvr>
+  <p:timing>
+    <p:tnLst>
+      <p:par>
+        <p:cTn id="1" dur="indefinite" restart="never" nodeType="tmRoot"/>
+      </p:par>
+    </p:tnLst>
+  </p:timing>
+</p:sld>
+</file>
+
+<file path=ppt/slides/slide4.xml><?xml version="1.0" encoding="utf-8"?>
+<p:sld xmlns:a="http://schemas.openxmlformats.org/drawingml/2006/main" xmlns:r="http://schemas.openxmlformats.org/officeDocument/2006/relationships" xmlns:p="http://schemas.openxmlformats.org/presentationml/2006/main">
+  <p:cSld>
+    <p:spTree>
+      <p:nvGrpSpPr>
+        <p:cNvPr id="1" name=""/>
+        <p:cNvGrpSpPr/>
+        <p:nvPr/>
+      </p:nvGrpSpPr>
+      <p:grpSpPr>
+        <a:xfrm>
+          <a:off x="0" y="0"/>
+          <a:ext cx="0" cy="0"/>
+          <a:chOff x="0" y="0"/>
+          <a:chExt cx="0" cy="0"/>
+        </a:xfrm>
+      </p:grpSpPr>
+      <p:sp>
+        <p:nvSpPr>
+          <p:cNvPr id="3" name="2 Título"/>
+          <p:cNvSpPr>
+            <a:spLocks noGrp="1"/>
+          </p:cNvSpPr>
+          <p:nvPr>
+            <p:ph type="title"/>
+          </p:nvPr>
+        </p:nvSpPr>
+        <p:spPr/>
+        <p:txBody>
+          <a:bodyPr>
+            <a:normAutofit fontScale="90000"/>
+          </a:bodyPr>
+          <a:lstStyle/>
+          <a:p>
+            <a:r>
+              <a:rPr lang="es-PE" dirty="0" smtClean="0"/>
+              <a:t>Proceso: Gestión de Cartera de Clientes</a:t>
+            </a:r>
+            <a:endParaRPr lang="es-PE" dirty="0"/>
+          </a:p>
+        </p:txBody>
+      </p:sp>
+      <p:pic>
+        <p:nvPicPr>
+          <p:cNvPr id="3075" name="Picture 3"/>
+          <p:cNvPicPr>
+            <a:picLocks noChangeAspect="1" noChangeArrowheads="1"/>
+          </p:cNvPicPr>
+          <p:nvPr/>
+        </p:nvPicPr>
+        <p:blipFill>
+          <a:blip r:embed="rId2" cstate="print"/>
+          <a:srcRect/>
+          <a:stretch>
+            <a:fillRect/>
+          </a:stretch>
+        </p:blipFill>
+        <p:spPr bwMode="auto">
+          <a:xfrm>
+            <a:off x="251520" y="2492896"/>
+            <a:ext cx="8728128" cy="3528392"/>
+          </a:xfrm>
+          <a:prstGeom prst="rect">
+            <a:avLst/>
+          </a:prstGeom>
+          <a:noFill/>
+          <a:ln w="9525">
+            <a:noFill/>
+            <a:miter lim="800000"/>
+            <a:headEnd/>
+            <a:tailEnd/>
+          </a:ln>
+        </p:spPr>
+      </p:pic>
+    </p:spTree>
+  </p:cSld>
+  <p:clrMapOvr>
+    <a:masterClrMapping/>
+  </p:clrMapOvr>
+  <p:timing>
+    <p:tnLst>
+      <p:par>
+        <p:cTn id="1" dur="indefinite" restart="never" nodeType="tmRoot"/>
+      </p:par>
+    </p:tnLst>
+  </p:timing>
+</p:sld>
+</file>
+
+<file path=ppt/slides/slide5.xml><?xml version="1.0" encoding="utf-8"?>
+<p:sld xmlns:a="http://schemas.openxmlformats.org/drawingml/2006/main" xmlns:r="http://schemas.openxmlformats.org/officeDocument/2006/relationships" xmlns:p="http://schemas.openxmlformats.org/presentationml/2006/main">
+  <p:cSld>
+    <p:spTree>
+      <p:nvGrpSpPr>
+        <p:cNvPr id="1" name=""/>
+        <p:cNvGrpSpPr/>
+        <p:nvPr/>
+      </p:nvGrpSpPr>
+      <p:grpSpPr>
+        <a:xfrm>
+          <a:off x="0" y="0"/>
+          <a:ext cx="0" cy="0"/>
+          <a:chOff x="0" y="0"/>
+          <a:chExt cx="0" cy="0"/>
+        </a:xfrm>
+      </p:grpSpPr>
+      <p:sp>
+        <p:nvSpPr>
+          <p:cNvPr id="3" name="2 Título"/>
+          <p:cNvSpPr>
+            <a:spLocks noGrp="1"/>
+          </p:cNvSpPr>
+          <p:nvPr>
+            <p:ph type="title"/>
+          </p:nvPr>
+        </p:nvSpPr>
+        <p:spPr/>
+        <p:txBody>
+          <a:bodyPr>
+            <a:normAutofit/>
+          </a:bodyPr>
+          <a:lstStyle/>
+          <a:p>
+            <a:r>
+              <a:rPr lang="es-PE" dirty="0" smtClean="0"/>
+              <a:t>Proceso: Gestión de Contratos</a:t>
+            </a:r>
+            <a:endParaRPr lang="es-PE" dirty="0"/>
+          </a:p>
+        </p:txBody>
+      </p:sp>
+      <p:pic>
+        <p:nvPicPr>
+          <p:cNvPr id="4098" name="Picture 2"/>
+          <p:cNvPicPr>
+            <a:picLocks noChangeAspect="1" noChangeArrowheads="1"/>
+          </p:cNvPicPr>
+          <p:nvPr/>
+        </p:nvPicPr>
+        <p:blipFill>
+          <a:blip r:embed="rId2" cstate="print"/>
+          <a:srcRect/>
+          <a:stretch>
+            <a:fillRect/>
+          </a:stretch>
+        </p:blipFill>
+        <p:spPr bwMode="auto">
+          <a:xfrm>
+            <a:off x="144016" y="2716709"/>
+            <a:ext cx="8820472" cy="3160563"/>
+          </a:xfrm>
+          <a:prstGeom prst="rect">
+            <a:avLst/>
+          </a:prstGeom>
+          <a:noFill/>
+          <a:ln w="9525">
+            <a:noFill/>
+            <a:miter lim="800000"/>
+            <a:headEnd/>
+            <a:tailEnd/>
+          </a:ln>
+        </p:spPr>
+      </p:pic>
+    </p:spTree>
+  </p:cSld>
+  <p:clrMapOvr>
+    <a:masterClrMapping/>
+  </p:clrMapOvr>
+  <p:timing>
+    <p:tnLst>
+      <p:par>
+        <p:cTn id="1" dur="indefinite" restart="never" nodeType="tmRoot"/>
+      </p:par>
+    </p:tnLst>
+  </p:timing>
+</p:sld>
+</file>
+
+<file path=ppt/slides/slide6.xml><?xml version="1.0" encoding="utf-8"?>
+<p:sld xmlns:a="http://schemas.openxmlformats.org/drawingml/2006/main" xmlns:r="http://schemas.openxmlformats.org/officeDocument/2006/relationships" xmlns:p="http://schemas.openxmlformats.org/presentationml/2006/main">
+  <p:cSld>
+    <p:spTree>
+      <p:nvGrpSpPr>
+        <p:cNvPr id="1" name=""/>
+        <p:cNvGrpSpPr/>
+        <p:nvPr/>
+      </p:nvGrpSpPr>
+      <p:grpSpPr>
+        <a:xfrm>
+          <a:off x="0" y="0"/>
+          <a:ext cx="0" cy="0"/>
+          <a:chOff x="0" y="0"/>
+          <a:chExt cx="0" cy="0"/>
+        </a:xfrm>
+      </p:grpSpPr>
+      <p:sp>
+        <p:nvSpPr>
+          <p:cNvPr id="3" name="2 Título"/>
+          <p:cNvSpPr>
+            <a:spLocks noGrp="1"/>
+          </p:cNvSpPr>
+          <p:nvPr>
+            <p:ph type="title"/>
+          </p:nvPr>
+        </p:nvSpPr>
+        <p:spPr>
+          <a:xfrm>
+            <a:off x="251520" y="2996952"/>
+            <a:ext cx="8712968" cy="1252728"/>
+          </a:xfrm>
+        </p:spPr>
+        <p:txBody>
+          <a:bodyPr>
+            <a:normAutofit fontScale="90000"/>
+          </a:bodyPr>
+          <a:lstStyle/>
+          <a:p>
+            <a:r>
+              <a:rPr lang="es-PE" b="1" dirty="0" smtClean="0">
+                <a:solidFill>
+                  <a:srgbClr val="C00000"/>
+                </a:solidFill>
+              </a:rPr>
+              <a:t>MODELO DE CASOS DE USO DE NEGOCIO</a:t>
+            </a:r>
+            <a:br>
+              <a:rPr lang="es-PE" b="1" dirty="0" smtClean="0">
+                <a:solidFill>
+                  <a:srgbClr val="C00000"/>
+                </a:solidFill>
+              </a:rPr>
+            </a:br>
+            <a:r>
+              <a:rPr lang="es-PE" b="1" dirty="0" smtClean="0">
+                <a:solidFill>
+                  <a:srgbClr val="C00000"/>
+                </a:solidFill>
+              </a:rPr>
+              <a:t>(Contratos de Clientes)</a:t>
+            </a:r>
+            <a:endParaRPr lang="es-PE" b="1" dirty="0">
+              <a:solidFill>
+                <a:srgbClr val="C00000"/>
+              </a:solidFill>
+            </a:endParaRPr>
+          </a:p>
+        </p:txBody>
+      </p:sp>
+    </p:spTree>
+  </p:cSld>
+  <p:clrMapOvr>
+    <a:masterClrMapping/>
+  </p:clrMapOvr>
+</p:sld>
+</file>
+
+<file path=ppt/slides/slide7.xml><?xml version="1.0" encoding="utf-8"?>
+<p:sld xmlns:a="http://schemas.openxmlformats.org/drawingml/2006/main" xmlns:r="http://schemas.openxmlformats.org/officeDocument/2006/relationships" xmlns:p="http://schemas.openxmlformats.org/presentationml/2006/main">
+  <p:cSld>
+    <p:spTree>
+      <p:nvGrpSpPr>
+        <p:cNvPr id="1" name=""/>
+        <p:cNvGrpSpPr/>
+        <p:nvPr/>
+      </p:nvGrpSpPr>
+      <p:grpSpPr>
+        <a:xfrm>
+          <a:off x="0" y="0"/>
+          <a:ext cx="0" cy="0"/>
+          <a:chOff x="0" y="0"/>
+          <a:chExt cx="0" cy="0"/>
+        </a:xfrm>
+      </p:grpSpPr>
+      <p:sp>
+        <p:nvSpPr>
+          <p:cNvPr id="3" name="2 Título"/>
+          <p:cNvSpPr>
+            <a:spLocks noGrp="1"/>
+          </p:cNvSpPr>
+          <p:nvPr>
+            <p:ph type="title"/>
+          </p:nvPr>
+        </p:nvSpPr>
+        <p:spPr/>
+        <p:txBody>
+          <a:bodyPr>
+            <a:normAutofit fontScale="90000"/>
+          </a:bodyPr>
+          <a:lstStyle/>
+          <a:p>
+            <a:r>
+              <a:rPr lang="es-PE" dirty="0" smtClean="0"/>
+              <a:t>Modelo de Casos de uso del negocio</a:t>
+            </a:r>
+            <a:br>
+              <a:rPr lang="es-PE" dirty="0" smtClean="0"/>
+            </a:br>
+            <a:r>
+              <a:rPr lang="es-PE" dirty="0" smtClean="0"/>
+              <a:t>(Contratos de Clientes)</a:t>
+            </a:r>
+            <a:endParaRPr lang="es-PE" dirty="0"/>
+          </a:p>
+        </p:txBody>
+      </p:sp>
+      <p:graphicFrame>
+        <p:nvGraphicFramePr>
+          <p:cNvPr id="4" name="3 Tabla"/>
+          <p:cNvGraphicFramePr>
+            <a:graphicFrameLocks noGrp="1"/>
+          </p:cNvGraphicFramePr>
+          <p:nvPr/>
+        </p:nvGraphicFramePr>
+        <p:xfrm>
+          <a:off x="323528" y="2708920"/>
+          <a:ext cx="8496945" cy="3600400"/>
+        </p:xfrm>
+        <a:graphic>
+          <a:graphicData uri="http://schemas.openxmlformats.org/drawingml/2006/table">
+            <a:tbl>
+              <a:tblPr firstRow="1" bandRow="1">
+                <a:tableStyleId>{BC89EF96-8CEA-46FF-86C4-4CE0E7609802}</a:tableStyleId>
+              </a:tblPr>
+              <a:tblGrid>
+                <a:gridCol w="2664296"/>
+                <a:gridCol w="2952328"/>
+                <a:gridCol w="2880321"/>
+              </a:tblGrid>
+              <a:tr h="3600400">
+                <a:tc>
+                  <a:txBody>
+                    <a:bodyPr/>
+                    <a:lstStyle/>
+                    <a:p>
+                      <a:endParaRPr lang="es-ES" dirty="0"/>
+                    </a:p>
+                  </a:txBody>
+                  <a:tcPr/>
+                </a:tc>
+                <a:tc>
+                  <a:txBody>
+                    <a:bodyPr/>
+                    <a:lstStyle/>
+                    <a:p>
+                      <a:endParaRPr lang="es-ES" dirty="0"/>
+                    </a:p>
+                  </a:txBody>
+                  <a:tcPr/>
+                </a:tc>
+                <a:tc>
+                  <a:txBody>
+                    <a:bodyPr/>
+                    <a:lstStyle/>
+                    <a:p>
+                      <a:endParaRPr lang="es-ES" dirty="0"/>
+                    </a:p>
+                  </a:txBody>
+                  <a:tcPr/>
+                </a:tc>
+              </a:tr>
+            </a:tbl>
+          </a:graphicData>
+        </a:graphic>
+      </p:graphicFrame>
+      <p:pic>
+        <p:nvPicPr>
+          <p:cNvPr id="1027" name="Picture 3"/>
+          <p:cNvPicPr>
+            <a:picLocks noChangeAspect="1" noChangeArrowheads="1"/>
+          </p:cNvPicPr>
+          <p:nvPr/>
+        </p:nvPicPr>
+        <p:blipFill>
+          <a:blip r:embed="rId2" cstate="print"/>
+          <a:srcRect/>
+          <a:stretch>
+            <a:fillRect/>
+          </a:stretch>
+        </p:blipFill>
+        <p:spPr bwMode="auto">
+          <a:xfrm>
+            <a:off x="704546" y="3645024"/>
+            <a:ext cx="1995246" cy="1656184"/>
+          </a:xfrm>
+          <a:prstGeom prst="rect">
+            <a:avLst/>
+          </a:prstGeom>
+          <a:noFill/>
+          <a:ln w="9525">
+            <a:noFill/>
+            <a:miter lim="800000"/>
+            <a:headEnd/>
+            <a:tailEnd/>
+          </a:ln>
+        </p:spPr>
+      </p:pic>
+      <p:pic>
+        <p:nvPicPr>
+          <p:cNvPr id="1028" name="Picture 4"/>
+          <p:cNvPicPr>
+            <a:picLocks noChangeAspect="1" noChangeArrowheads="1"/>
+          </p:cNvPicPr>
+          <p:nvPr/>
+        </p:nvPicPr>
+        <p:blipFill>
+          <a:blip r:embed="rId3" cstate="print"/>
+          <a:srcRect/>
+          <a:stretch>
+            <a:fillRect/>
+          </a:stretch>
+        </p:blipFill>
+        <p:spPr bwMode="auto">
+          <a:xfrm>
+            <a:off x="3347864" y="3707033"/>
+            <a:ext cx="2242939" cy="1666183"/>
+          </a:xfrm>
+          <a:prstGeom prst="rect">
+            <a:avLst/>
+          </a:prstGeom>
+          <a:noFill/>
+          <a:ln w="9525">
+            <a:noFill/>
+            <a:miter lim="800000"/>
+            <a:headEnd/>
+            <a:tailEnd/>
+          </a:ln>
+        </p:spPr>
+      </p:pic>
+      <p:pic>
+        <p:nvPicPr>
+          <p:cNvPr id="1029" name="Picture 5"/>
+          <p:cNvPicPr>
+            <a:picLocks noChangeAspect="1" noChangeArrowheads="1"/>
+          </p:cNvPicPr>
+          <p:nvPr/>
+        </p:nvPicPr>
+        <p:blipFill>
+          <a:blip r:embed="rId4" cstate="print"/>
+          <a:srcRect/>
+          <a:stretch>
+            <a:fillRect/>
+          </a:stretch>
+        </p:blipFill>
+        <p:spPr bwMode="auto">
+          <a:xfrm>
+            <a:off x="6372200" y="3645024"/>
+            <a:ext cx="2137837" cy="1728192"/>
+          </a:xfrm>
+          <a:prstGeom prst="rect">
+            <a:avLst/>
+          </a:prstGeom>
+          <a:noFill/>
+          <a:ln w="9525">
+            <a:noFill/>
+            <a:miter lim="800000"/>
+            <a:headEnd/>
+            <a:tailEnd/>
+          </a:ln>
+        </p:spPr>
+      </p:pic>
+    </p:spTree>
+  </p:cSld>
+  <p:clrMapOvr>
+    <a:masterClrMapping/>
+  </p:clrMapOvr>
+  <p:timing>
+    <p:tnLst>
+      <p:par>
+        <p:cTn id="1" dur="indefinite" restart="never" nodeType="tmRoot"/>
+      </p:par>
+    </p:tnLst>
+  </p:timing>
+</p:sld>
+</file>
+
+<file path=ppt/slides/slide8.xml><?xml version="1.0" encoding="utf-8"?>
+<p:sld xmlns:a="http://schemas.openxmlformats.org/drawingml/2006/main" xmlns:r="http://schemas.openxmlformats.org/officeDocument/2006/relationships" xmlns:p="http://schemas.openxmlformats.org/presentationml/2006/main">
+  <p:cSld>
+    <p:spTree>
+      <p:nvGrpSpPr>
+        <p:cNvPr id="1" name=""/>
+        <p:cNvGrpSpPr/>
+        <p:nvPr/>
+      </p:nvGrpSpPr>
+      <p:grpSpPr>
+        <a:xfrm>
+          <a:off x="0" y="0"/>
+          <a:ext cx="0" cy="0"/>
+          <a:chOff x="0" y="0"/>
+          <a:chExt cx="0" cy="0"/>
+        </a:xfrm>
+      </p:grpSpPr>
+      <p:sp>
+        <p:nvSpPr>
+          <p:cNvPr id="3" name="2 Título"/>
+          <p:cNvSpPr>
+            <a:spLocks noGrp="1"/>
+          </p:cNvSpPr>
+          <p:nvPr>
+            <p:ph type="title"/>
+          </p:nvPr>
+        </p:nvSpPr>
+        <p:spPr>
+          <a:xfrm>
+            <a:off x="611560" y="2852936"/>
+            <a:ext cx="8229600" cy="1252728"/>
+          </a:xfrm>
+        </p:spPr>
+        <p:txBody>
+          <a:bodyPr>
+            <a:normAutofit fontScale="90000"/>
+          </a:bodyPr>
+          <a:lstStyle/>
+          <a:p>
+            <a:r>
+              <a:rPr lang="es-PE" b="1" dirty="0" smtClean="0">
+                <a:solidFill>
+                  <a:srgbClr val="C00000"/>
+                </a:solidFill>
+              </a:rPr>
+              <a:t>REGLAS DEL NEGOCIO</a:t>
+            </a:r>
+            <a:br>
+              <a:rPr lang="es-PE" b="1" dirty="0" smtClean="0">
+                <a:solidFill>
+                  <a:srgbClr val="C00000"/>
+                </a:solidFill>
+              </a:rPr>
+            </a:br>
+            <a:r>
+              <a:rPr lang="es-PE" b="1" dirty="0" smtClean="0">
+                <a:solidFill>
+                  <a:srgbClr val="C00000"/>
+                </a:solidFill>
+              </a:rPr>
+              <a:t>(Contratos de Clientes)</a:t>
+            </a:r>
+            <a:endParaRPr lang="es-PE" b="1" dirty="0">
+              <a:solidFill>
+                <a:srgbClr val="C00000"/>
+              </a:solidFill>
+            </a:endParaRPr>
+          </a:p>
+        </p:txBody>
+      </p:sp>
+    </p:spTree>
+  </p:cSld>
+  <p:clrMapOvr>
+    <a:masterClrMapping/>
+  </p:clrMapOvr>
+</p:sld>
+</file>
+
+<file path=ppt/slides/slide9.xml><?xml version="1.0" encoding="utf-8"?>
+<p:sld xmlns:a="http://schemas.openxmlformats.org/drawingml/2006/main" xmlns:r="http://schemas.openxmlformats.org/officeDocument/2006/relationships" xmlns:p="http://schemas.openxmlformats.org/presentationml/2006/main">
+  <p:cSld>
+    <p:spTree>
+      <p:nvGrpSpPr>
+        <p:cNvPr id="1" name=""/>
+        <p:cNvGrpSpPr/>
+        <p:nvPr/>
+      </p:nvGrpSpPr>
+      <p:grpSpPr>
+        <a:xfrm>
+          <a:off x="0" y="0"/>
+          <a:ext cx="0" cy="0"/>
+          <a:chOff x="0" y="0"/>
+          <a:chExt cx="0" cy="0"/>
+        </a:xfrm>
+      </p:grpSpPr>
+      <p:sp>
+        <p:nvSpPr>
+          <p:cNvPr id="3" name="2 Título"/>
+          <p:cNvSpPr>
+            <a:spLocks noGrp="1"/>
+          </p:cNvSpPr>
+          <p:nvPr>
+            <p:ph type="title"/>
+          </p:nvPr>
+        </p:nvSpPr>
+        <p:spPr/>
+        <p:txBody>
+          <a:bodyPr>
+            <a:normAutofit fontScale="90000"/>
+          </a:bodyPr>
+          <a:lstStyle/>
+          <a:p>
+            <a:r>
+              <a:rPr lang="es-PE" dirty="0"/>
+              <a:t>ESPECIFICACION DE REGLAS DE </a:t>
+            </a:r>
+            <a:r>
+              <a:rPr lang="es-PE" dirty="0" smtClean="0"/>
+              <a:t>NEGOCIO (Contratos de Clientes)</a:t>
+            </a:r>
+            <a:endParaRPr lang="es-PE" dirty="0"/>
+          </a:p>
+        </p:txBody>
+      </p:sp>
+      <p:graphicFrame>
+        <p:nvGraphicFramePr>
+          <p:cNvPr id="6" name="5 Tabla"/>
+          <p:cNvGraphicFramePr>
+            <a:graphicFrameLocks noGrp="1"/>
+          </p:cNvGraphicFramePr>
+          <p:nvPr/>
+        </p:nvGraphicFramePr>
+        <p:xfrm>
+          <a:off x="323528" y="2348880"/>
+          <a:ext cx="8496944" cy="4248472"/>
+        </p:xfrm>
+        <a:graphic>
+          <a:graphicData uri="http://schemas.openxmlformats.org/drawingml/2006/table">
+            <a:tbl>
+              <a:tblPr firstRow="1" bandRow="1">
+                <a:tableStyleId>{BC89EF96-8CEA-46FF-86C4-4CE0E7609802}</a:tableStyleId>
+              </a:tblPr>
+              <a:tblGrid>
+                <a:gridCol w="2448272"/>
+                <a:gridCol w="6048672"/>
+              </a:tblGrid>
+              <a:tr h="1152128">
+                <a:tc>
+                  <a:txBody>
+                    <a:bodyPr/>
+                    <a:lstStyle/>
+                    <a:p>
+                      <a:endParaRPr lang="es-ES" dirty="0"/>
+                    </a:p>
+                  </a:txBody>
+                  <a:tcPr/>
+                </a:tc>
+                <a:tc>
+                  <a:txBody>
+                    <a:bodyPr/>
+                    <a:lstStyle/>
+                    <a:p>
+                      <a:pPr marL="0" marR="0" indent="0" algn="just" defTabSz="914400" rtl="0" eaLnBrk="1" fontAlgn="auto" latinLnBrk="0" hangingPunct="1">
+                        <a:lnSpc>
+                          <a:spcPct val="100000"/>
+                        </a:lnSpc>
+                        <a:spcBef>
+                          <a:spcPts val="0"/>
+                        </a:spcBef>
+                        <a:spcAft>
+                          <a:spcPts val="0"/>
+                        </a:spcAft>
+                        <a:buClrTx/>
+                        <a:buSzTx/>
+                        <a:buFontTx/>
+                        <a:buNone/>
+                        <a:tabLst/>
+                        <a:defRPr/>
+                      </a:pPr>
+                      <a:r>
+                        <a:rPr lang="es-PE" sz="1800" b="0" kern="1200" dirty="0" smtClean="0">
+                          <a:solidFill>
+                            <a:schemeClr val="tx1"/>
+                          </a:solidFill>
+                          <a:latin typeface="+mn-lt"/>
+                          <a:ea typeface="+mn-ea"/>
+                          <a:cs typeface="+mn-cs"/>
+                        </a:rPr>
+                        <a:t>Se definen los siguientes Tipos de Clientes: </a:t>
+                      </a:r>
+                    </a:p>
+                    <a:p>
+                      <a:pPr marL="0" marR="0" indent="0" algn="just" defTabSz="914400" rtl="0" eaLnBrk="1" fontAlgn="auto" latinLnBrk="0" hangingPunct="1">
+                        <a:lnSpc>
+                          <a:spcPct val="100000"/>
+                        </a:lnSpc>
+                        <a:spcBef>
+                          <a:spcPts val="0"/>
+                        </a:spcBef>
+                        <a:spcAft>
+                          <a:spcPts val="0"/>
+                        </a:spcAft>
+                        <a:buClrTx/>
+                        <a:buSzTx/>
+                        <a:buFontTx/>
+                        <a:buNone/>
+                        <a:tabLst/>
+                        <a:defRPr/>
+                      </a:pPr>
+                      <a:r>
+                        <a:rPr lang="es-PE" sz="1800" b="0" kern="1200" dirty="0" smtClean="0">
+                          <a:solidFill>
+                            <a:schemeClr val="tx1"/>
+                          </a:solidFill>
+                          <a:latin typeface="+mn-lt"/>
+                          <a:ea typeface="+mn-ea"/>
+                          <a:cs typeface="+mn-cs"/>
+                        </a:rPr>
+                        <a:t>potenciales, prospectos, primerizos, esporádicos, habituales, leales, desgastados e inactivos/desertores.</a:t>
+                      </a:r>
+                      <a:endParaRPr lang="es-ES" sz="1800" b="0" kern="1200" dirty="0" smtClean="0">
+                        <a:solidFill>
+                          <a:schemeClr val="tx1"/>
+                        </a:solidFill>
+                        <a:latin typeface="+mn-lt"/>
+                        <a:ea typeface="+mn-ea"/>
+                        <a:cs typeface="+mn-cs"/>
+                      </a:endParaRPr>
+                    </a:p>
+                    <a:p>
+                      <a:endParaRPr lang="es-ES" dirty="0"/>
+                    </a:p>
+                  </a:txBody>
+                  <a:tcPr/>
+                </a:tc>
+              </a:tr>
+              <a:tr h="1494205">
+                <a:tc>
+                  <a:txBody>
+                    <a:bodyPr/>
+                    <a:lstStyle/>
+                    <a:p>
+                      <a:endParaRPr lang="es-ES" dirty="0"/>
+                    </a:p>
+                  </a:txBody>
+                  <a:tcPr/>
+                </a:tc>
+                <a:tc>
+                  <a:txBody>
+                    <a:bodyPr/>
+                    <a:lstStyle/>
+                    <a:p>
+                      <a:pPr marL="0" marR="0" indent="0" algn="l" defTabSz="914400" rtl="0" eaLnBrk="1" fontAlgn="auto" latinLnBrk="0" hangingPunct="1">
+                        <a:lnSpc>
+                          <a:spcPct val="100000"/>
+                        </a:lnSpc>
+                        <a:spcBef>
+                          <a:spcPts val="0"/>
+                        </a:spcBef>
+                        <a:spcAft>
+                          <a:spcPts val="0"/>
+                        </a:spcAft>
+                        <a:buClrTx/>
+                        <a:buSzTx/>
+                        <a:buFontTx/>
+                        <a:buNone/>
+                        <a:tabLst/>
+                        <a:defRPr/>
+                      </a:pPr>
+                      <a:r>
+                        <a:rPr lang="es-PE" sz="1800" i="1" kern="1200" dirty="0" smtClean="0">
+                          <a:solidFill>
+                            <a:schemeClr val="tx1"/>
+                          </a:solidFill>
+                          <a:latin typeface="+mn-lt"/>
+                          <a:ea typeface="+mn-ea"/>
+                          <a:cs typeface="+mn-cs"/>
+                        </a:rPr>
+                        <a:t>Se definen las siguientes líneas para los Tipos de Servicio:  </a:t>
+                      </a:r>
+                      <a:r>
+                        <a:rPr lang="es-PE" sz="1800" i="1" kern="1200" dirty="0" err="1" smtClean="0">
+                          <a:solidFill>
+                            <a:schemeClr val="tx1"/>
+                          </a:solidFill>
+                          <a:latin typeface="+mn-lt"/>
+                          <a:ea typeface="+mn-ea"/>
+                          <a:cs typeface="+mn-cs"/>
+                        </a:rPr>
+                        <a:t>Outsourcing</a:t>
+                      </a:r>
+                      <a:r>
+                        <a:rPr lang="es-PE" sz="1800" i="1" kern="1200" dirty="0" smtClean="0">
+                          <a:solidFill>
+                            <a:schemeClr val="tx1"/>
+                          </a:solidFill>
+                          <a:latin typeface="+mn-lt"/>
+                          <a:ea typeface="+mn-ea"/>
+                          <a:cs typeface="+mn-cs"/>
+                        </a:rPr>
+                        <a:t> de Tecnología, Software </a:t>
+                      </a:r>
+                      <a:r>
+                        <a:rPr lang="es-PE" sz="1800" i="1" kern="1200" dirty="0" err="1" smtClean="0">
+                          <a:solidFill>
+                            <a:schemeClr val="tx1"/>
+                          </a:solidFill>
+                          <a:latin typeface="+mn-lt"/>
+                          <a:ea typeface="+mn-ea"/>
+                          <a:cs typeface="+mn-cs"/>
+                        </a:rPr>
+                        <a:t>factory</a:t>
+                      </a:r>
+                      <a:r>
+                        <a:rPr lang="es-PE" sz="1800" i="1" kern="1200" dirty="0" smtClean="0">
+                          <a:solidFill>
+                            <a:schemeClr val="tx1"/>
+                          </a:solidFill>
+                          <a:latin typeface="+mn-lt"/>
+                          <a:ea typeface="+mn-ea"/>
+                          <a:cs typeface="+mn-cs"/>
+                        </a:rPr>
+                        <a:t>, </a:t>
+                      </a:r>
+                      <a:r>
+                        <a:rPr lang="es-PE" sz="1800" i="1" kern="1200" dirty="0" err="1" smtClean="0">
+                          <a:solidFill>
+                            <a:schemeClr val="tx1"/>
+                          </a:solidFill>
+                          <a:latin typeface="+mn-lt"/>
+                          <a:ea typeface="+mn-ea"/>
+                          <a:cs typeface="+mn-cs"/>
+                        </a:rPr>
+                        <a:t>Outsourcing</a:t>
+                      </a:r>
+                      <a:r>
+                        <a:rPr lang="es-PE" sz="1800" i="1" kern="1200" dirty="0" smtClean="0">
+                          <a:solidFill>
+                            <a:schemeClr val="tx1"/>
+                          </a:solidFill>
+                          <a:latin typeface="+mn-lt"/>
+                          <a:ea typeface="+mn-ea"/>
+                          <a:cs typeface="+mn-cs"/>
+                        </a:rPr>
+                        <a:t> de procesos, </a:t>
+                      </a:r>
+                      <a:r>
+                        <a:rPr lang="es-PE" sz="1800" i="1" kern="1200" dirty="0" err="1" smtClean="0">
+                          <a:solidFill>
+                            <a:schemeClr val="tx1"/>
+                          </a:solidFill>
+                          <a:latin typeface="+mn-lt"/>
+                          <a:ea typeface="+mn-ea"/>
+                          <a:cs typeface="+mn-cs"/>
+                        </a:rPr>
+                        <a:t>Outsourcing</a:t>
+                      </a:r>
+                      <a:r>
+                        <a:rPr lang="es-PE" sz="1800" i="1" kern="1200" dirty="0" smtClean="0">
+                          <a:solidFill>
+                            <a:schemeClr val="tx1"/>
+                          </a:solidFill>
+                          <a:latin typeface="+mn-lt"/>
+                          <a:ea typeface="+mn-ea"/>
+                          <a:cs typeface="+mn-cs"/>
+                        </a:rPr>
+                        <a:t> de servicios de aplicación y Servicios de tecnología</a:t>
+                      </a:r>
+                      <a:endParaRPr lang="es-ES" sz="1800" i="1" kern="1200" dirty="0" smtClean="0">
+                        <a:solidFill>
+                          <a:schemeClr val="tx1"/>
+                        </a:solidFill>
+                        <a:latin typeface="+mn-lt"/>
+                        <a:ea typeface="+mn-ea"/>
+                        <a:cs typeface="+mn-cs"/>
+                      </a:endParaRPr>
+                    </a:p>
+                  </a:txBody>
+                  <a:tcPr/>
+                </a:tc>
+              </a:tr>
+              <a:tr h="1565547">
+                <a:tc>
+                  <a:txBody>
+                    <a:bodyPr/>
+                    <a:lstStyle/>
+                    <a:p>
+                      <a:endParaRPr lang="es-ES" dirty="0"/>
+                    </a:p>
+                  </a:txBody>
+                  <a:tcPr/>
+                </a:tc>
+                <a:tc>
+                  <a:txBody>
+                    <a:bodyPr/>
+                    <a:lstStyle/>
+                    <a:p>
+                      <a:pPr marL="0" marR="0" indent="0" algn="l" defTabSz="914400" rtl="0" eaLnBrk="1" fontAlgn="auto" latinLnBrk="0" hangingPunct="1">
+                        <a:lnSpc>
+                          <a:spcPct val="100000"/>
+                        </a:lnSpc>
+                        <a:spcBef>
+                          <a:spcPts val="0"/>
+                        </a:spcBef>
+                        <a:spcAft>
+                          <a:spcPts val="0"/>
+                        </a:spcAft>
+                        <a:buClrTx/>
+                        <a:buSzTx/>
+                        <a:buFontTx/>
+                        <a:buNone/>
+                        <a:tabLst/>
+                        <a:defRPr/>
+                      </a:pPr>
+                      <a:r>
+                        <a:rPr lang="es-PE" sz="1800" i="1" kern="1200" dirty="0" smtClean="0">
+                          <a:solidFill>
+                            <a:schemeClr val="tx1"/>
+                          </a:solidFill>
+                          <a:latin typeface="+mn-lt"/>
+                          <a:ea typeface="+mn-ea"/>
+                          <a:cs typeface="+mn-cs"/>
+                        </a:rPr>
+                        <a:t>Se definen las siguientes Categorías de Tipos de Cliente: </a:t>
+                      </a:r>
+                    </a:p>
+                    <a:p>
+                      <a:pPr marL="0" marR="0" indent="0" algn="l" defTabSz="914400" rtl="0" eaLnBrk="1" fontAlgn="auto" latinLnBrk="0" hangingPunct="1">
+                        <a:lnSpc>
+                          <a:spcPct val="100000"/>
+                        </a:lnSpc>
+                        <a:spcBef>
+                          <a:spcPts val="0"/>
+                        </a:spcBef>
+                        <a:spcAft>
+                          <a:spcPts val="0"/>
+                        </a:spcAft>
+                        <a:buClrTx/>
+                        <a:buSzTx/>
+                        <a:buFontTx/>
+                        <a:buNone/>
+                        <a:tabLst/>
+                        <a:defRPr/>
+                      </a:pPr>
+                      <a:r>
+                        <a:rPr lang="es-PE" sz="1800" i="1" kern="1200" dirty="0" smtClean="0">
+                          <a:solidFill>
+                            <a:schemeClr val="tx1"/>
+                          </a:solidFill>
+                          <a:latin typeface="+mn-lt"/>
+                          <a:ea typeface="+mn-ea"/>
+                          <a:cs typeface="+mn-cs"/>
+                        </a:rPr>
+                        <a:t>1= Industria y Comercio, </a:t>
+                      </a:r>
+                    </a:p>
+                    <a:p>
+                      <a:pPr marL="0" marR="0" indent="0" algn="l" defTabSz="914400" rtl="0" eaLnBrk="1" fontAlgn="auto" latinLnBrk="0" hangingPunct="1">
+                        <a:lnSpc>
+                          <a:spcPct val="100000"/>
+                        </a:lnSpc>
+                        <a:spcBef>
+                          <a:spcPts val="0"/>
+                        </a:spcBef>
+                        <a:spcAft>
+                          <a:spcPts val="0"/>
+                        </a:spcAft>
+                        <a:buClrTx/>
+                        <a:buSzTx/>
+                        <a:buFontTx/>
+                        <a:buNone/>
+                        <a:tabLst/>
+                        <a:defRPr/>
+                      </a:pPr>
+                      <a:r>
+                        <a:rPr lang="es-PE" sz="1800" i="1" kern="1200" dirty="0" smtClean="0">
+                          <a:solidFill>
+                            <a:schemeClr val="tx1"/>
+                          </a:solidFill>
+                          <a:latin typeface="+mn-lt"/>
+                          <a:ea typeface="+mn-ea"/>
+                          <a:cs typeface="+mn-cs"/>
+                        </a:rPr>
+                        <a:t>2= Banca y Finanzas y </a:t>
+                      </a:r>
+                    </a:p>
+                    <a:p>
+                      <a:pPr marL="0" marR="0" indent="0" algn="l" defTabSz="914400" rtl="0" eaLnBrk="1" fontAlgn="auto" latinLnBrk="0" hangingPunct="1">
+                        <a:lnSpc>
+                          <a:spcPct val="100000"/>
+                        </a:lnSpc>
+                        <a:spcBef>
+                          <a:spcPts val="0"/>
+                        </a:spcBef>
+                        <a:spcAft>
+                          <a:spcPts val="0"/>
+                        </a:spcAft>
+                        <a:buClrTx/>
+                        <a:buSzTx/>
+                        <a:buFontTx/>
+                        <a:buNone/>
+                        <a:tabLst/>
+                        <a:defRPr/>
+                      </a:pPr>
+                      <a:r>
+                        <a:rPr lang="es-PE" sz="1800" i="1" kern="1200" dirty="0" smtClean="0">
+                          <a:solidFill>
+                            <a:schemeClr val="tx1"/>
+                          </a:solidFill>
+                          <a:latin typeface="+mn-lt"/>
+                          <a:ea typeface="+mn-ea"/>
+                          <a:cs typeface="+mn-cs"/>
+                        </a:rPr>
+                        <a:t>3=  Gobierno y Servicios públicos</a:t>
+                      </a:r>
+                      <a:endParaRPr lang="es-ES" sz="1800" i="1" kern="1200" dirty="0" smtClean="0">
+                        <a:solidFill>
+                          <a:schemeClr val="tx1"/>
+                        </a:solidFill>
+                        <a:latin typeface="+mn-lt"/>
+                        <a:ea typeface="+mn-ea"/>
+                        <a:cs typeface="+mn-cs"/>
+                      </a:endParaRPr>
+                    </a:p>
+                  </a:txBody>
+                  <a:tcPr/>
+                </a:tc>
+              </a:tr>
+            </a:tbl>
+          </a:graphicData>
+        </a:graphic>
+      </p:graphicFrame>
+      <p:pic>
+        <p:nvPicPr>
+          <p:cNvPr id="1027" name="Picture 3"/>
+          <p:cNvPicPr>
+            <a:picLocks noChangeAspect="1" noChangeArrowheads="1"/>
+          </p:cNvPicPr>
+          <p:nvPr/>
+        </p:nvPicPr>
+        <p:blipFill>
+          <a:blip r:embed="rId3" cstate="print"/>
+          <a:srcRect/>
+          <a:stretch>
+            <a:fillRect/>
+          </a:stretch>
+        </p:blipFill>
+        <p:spPr bwMode="auto">
+          <a:xfrm>
+            <a:off x="395536" y="2420888"/>
+            <a:ext cx="2368550" cy="1201737"/>
+          </a:xfrm>
+          <a:prstGeom prst="rect">
+            <a:avLst/>
+          </a:prstGeom>
+          <a:noFill/>
+          <a:ln w="9525">
+            <a:noFill/>
+            <a:miter lim="800000"/>
+            <a:headEnd/>
+            <a:tailEnd/>
+          </a:ln>
+          <a:effectLst/>
+        </p:spPr>
+      </p:pic>
+      <p:pic>
+        <p:nvPicPr>
+          <p:cNvPr id="2" name="Picture 4"/>
+          <p:cNvPicPr>
+            <a:picLocks noChangeAspect="1" noChangeArrowheads="1"/>
+          </p:cNvPicPr>
+          <p:nvPr/>
+        </p:nvPicPr>
+        <p:blipFill>
+          <a:blip r:embed="rId4" cstate="print"/>
+          <a:srcRect/>
+          <a:stretch>
+            <a:fillRect/>
+          </a:stretch>
+        </p:blipFill>
+        <p:spPr bwMode="auto">
+          <a:xfrm>
+            <a:off x="395536" y="3789040"/>
+            <a:ext cx="2373313" cy="1201737"/>
+          </a:xfrm>
+          <a:prstGeom prst="rect">
+            <a:avLst/>
+          </a:prstGeom>
+          <a:noFill/>
+          <a:ln w="9525">
+            <a:noFill/>
+            <a:miter lim="800000"/>
+            <a:headEnd/>
+            <a:tailEnd/>
+          </a:ln>
+          <a:effectLst/>
+        </p:spPr>
+      </p:pic>
+      <p:pic>
+        <p:nvPicPr>
+          <p:cNvPr id="1029" name="Picture 5"/>
+          <p:cNvPicPr>
+            <a:picLocks noChangeAspect="1" noChangeArrowheads="1"/>
+          </p:cNvPicPr>
+          <p:nvPr/>
+        </p:nvPicPr>
+        <p:blipFill>
+          <a:blip r:embed="rId5" cstate="print"/>
+          <a:srcRect/>
+          <a:stretch>
+            <a:fillRect/>
+          </a:stretch>
+        </p:blipFill>
+        <p:spPr bwMode="auto">
+          <a:xfrm>
+            <a:off x="395536" y="5301208"/>
+            <a:ext cx="2524125" cy="1201737"/>
+          </a:xfrm>
+          <a:prstGeom prst="rect">
+            <a:avLst/>
+          </a:prstGeom>
+          <a:noFill/>
+          <a:ln w="9525">
+            <a:noFill/>
+            <a:miter lim="800000"/>
+            <a:headEnd/>
+            <a:tailEnd/>
+          </a:ln>
+          <a:effectLst/>
         </p:spPr>
       </p:pic>
     </p:spTree>

--- a/trunk/ tsp01-contratos-clientes/ITERACCION01/SI01/PRESENTACIONES/PPT SI01 MCUN.pptx
+++ b/trunk/ tsp01-contratos-clientes/ITERACCION01/SI01/PRESENTACIONES/PPT SI01 MCUN.pptx
@@ -213,7 +213,7 @@
             <a:fld id="{3A629E50-77D5-4BBF-960C-03B141B5D22B}" type="datetimeFigureOut">
               <a:rPr lang="es-PE" smtClean="0"/>
               <a:pPr/>
-              <a:t>06/05/2012</a:t>
+              <a:t>07/05/2012</a:t>
             </a:fld>
             <a:endParaRPr lang="es-PE"/>
           </a:p>
@@ -2374,7 +2374,7 @@
             <a:fld id="{15AD49C3-FFB3-43A7-92FA-622BE02CB1C4}" type="datetimeFigureOut">
               <a:rPr lang="es-PE" smtClean="0"/>
               <a:pPr/>
-              <a:t>06/05/2012</a:t>
+              <a:t>07/05/2012</a:t>
             </a:fld>
             <a:endParaRPr lang="es-PE"/>
           </a:p>
@@ -2557,7 +2557,7 @@
             <a:fld id="{15AD49C3-FFB3-43A7-92FA-622BE02CB1C4}" type="datetimeFigureOut">
               <a:rPr lang="es-PE" smtClean="0"/>
               <a:pPr/>
-              <a:t>06/05/2012</a:t>
+              <a:t>07/05/2012</a:t>
             </a:fld>
             <a:endParaRPr lang="es-PE"/>
           </a:p>
@@ -2710,7 +2710,7 @@
             <a:fld id="{15AD49C3-FFB3-43A7-92FA-622BE02CB1C4}" type="datetimeFigureOut">
               <a:rPr lang="es-PE" smtClean="0"/>
               <a:pPr/>
-              <a:t>06/05/2012</a:t>
+              <a:t>07/05/2012</a:t>
             </a:fld>
             <a:endParaRPr lang="es-PE"/>
           </a:p>
@@ -4538,7 +4538,7 @@
             <a:fld id="{15AD49C3-FFB3-43A7-92FA-622BE02CB1C4}" type="datetimeFigureOut">
               <a:rPr lang="es-PE" smtClean="0"/>
               <a:pPr/>
-              <a:t>06/05/2012</a:t>
+              <a:t>07/05/2012</a:t>
             </a:fld>
             <a:endParaRPr lang="es-PE"/>
           </a:p>
@@ -6410,7 +6410,7 @@
             <a:fld id="{15AD49C3-FFB3-43A7-92FA-622BE02CB1C4}" type="datetimeFigureOut">
               <a:rPr lang="es-PE" smtClean="0"/>
               <a:pPr/>
-              <a:t>06/05/2012</a:t>
+              <a:t>07/05/2012</a:t>
             </a:fld>
             <a:endParaRPr lang="es-PE"/>
           </a:p>
@@ -6525,7 +6525,7 @@
             <a:fld id="{15AD49C3-FFB3-43A7-92FA-622BE02CB1C4}" type="datetimeFigureOut">
               <a:rPr lang="es-PE" smtClean="0"/>
               <a:pPr/>
-              <a:t>06/05/2012</a:t>
+              <a:t>07/05/2012</a:t>
             </a:fld>
             <a:endParaRPr lang="es-PE"/>
           </a:p>
@@ -7068,7 +7068,7 @@
             <a:fld id="{15AD49C3-FFB3-43A7-92FA-622BE02CB1C4}" type="datetimeFigureOut">
               <a:rPr lang="es-PE" smtClean="0"/>
               <a:pPr/>
-              <a:t>06/05/2012</a:t>
+              <a:t>07/05/2012</a:t>
             </a:fld>
             <a:endParaRPr lang="es-PE"/>
           </a:p>
@@ -7183,7 +7183,7 @@
             <a:fld id="{15AD49C3-FFB3-43A7-92FA-622BE02CB1C4}" type="datetimeFigureOut">
               <a:rPr lang="es-PE" smtClean="0"/>
               <a:pPr/>
-              <a:t>06/05/2012</a:t>
+              <a:t>07/05/2012</a:t>
             </a:fld>
             <a:endParaRPr lang="es-PE"/>
           </a:p>
@@ -8896,7 +8896,7 @@
             <a:fld id="{15AD49C3-FFB3-43A7-92FA-622BE02CB1C4}" type="datetimeFigureOut">
               <a:rPr lang="es-PE" smtClean="0"/>
               <a:pPr/>
-              <a:t>06/05/2012</a:t>
+              <a:t>07/05/2012</a:t>
             </a:fld>
             <a:endParaRPr lang="es-PE"/>
           </a:p>
@@ -9049,7 +9049,7 @@
             <a:fld id="{15AD49C3-FFB3-43A7-92FA-622BE02CB1C4}" type="datetimeFigureOut">
               <a:rPr lang="es-PE" smtClean="0"/>
               <a:pPr/>
-              <a:t>06/05/2012</a:t>
+              <a:t>07/05/2012</a:t>
             </a:fld>
             <a:endParaRPr lang="es-PE"/>
           </a:p>
@@ -12666,7 +12666,7 @@
             <a:fld id="{15AD49C3-FFB3-43A7-92FA-622BE02CB1C4}" type="datetimeFigureOut">
               <a:rPr lang="es-PE" smtClean="0"/>
               <a:pPr/>
-              <a:t>06/05/2012</a:t>
+              <a:t>07/05/2012</a:t>
             </a:fld>
             <a:endParaRPr lang="es-PE"/>
           </a:p>
@@ -14527,7 +14527,7 @@
             <a:fld id="{15AD49C3-FFB3-43A7-92FA-622BE02CB1C4}" type="datetimeFigureOut">
               <a:rPr lang="es-PE" smtClean="0"/>
               <a:pPr/>
-              <a:t>06/05/2012</a:t>
+              <a:t>07/05/2012</a:t>
             </a:fld>
             <a:endParaRPr lang="es-PE"/>
           </a:p>
@@ -15199,7 +15199,7 @@
     </p:spTree>
     <p:extLst>
       <p:ext uri="{BB962C8B-B14F-4D97-AF65-F5344CB8AC3E}">
-        <p14:creationId xmlns="" xmlns:p14="http://schemas.microsoft.com/office/powerpoint/2010/main" val="3004352296"/>
+        <p14:creationId xmlns:p14="http://schemas.microsoft.com/office/powerpoint/2010/main" xmlns="" val="3004352296"/>
       </p:ext>
     </p:extLst>
   </p:cSld>
@@ -15853,7 +15853,7 @@
     </p:spTree>
     <p:extLst>
       <p:ext uri="{BB962C8B-B14F-4D97-AF65-F5344CB8AC3E}">
-        <p14:creationId xmlns="" xmlns:p14="http://schemas.microsoft.com/office/powerpoint/2010/main" val="1314591319"/>
+        <p14:creationId xmlns:p14="http://schemas.microsoft.com/office/powerpoint/2010/main" xmlns="" val="1314591319"/>
       </p:ext>
     </p:extLst>
   </p:cSld>
@@ -16068,7 +16068,7 @@
     </p:spTree>
     <p:extLst>
       <p:ext uri="{BB962C8B-B14F-4D97-AF65-F5344CB8AC3E}">
-        <p14:creationId xmlns="" xmlns:p14="http://schemas.microsoft.com/office/powerpoint/2010/main" val="1314591319"/>
+        <p14:creationId xmlns:p14="http://schemas.microsoft.com/office/powerpoint/2010/main" xmlns="" val="1314591319"/>
       </p:ext>
     </p:extLst>
   </p:cSld>
@@ -16281,7 +16281,7 @@
     </p:spTree>
     <p:extLst>
       <p:ext uri="{BB962C8B-B14F-4D97-AF65-F5344CB8AC3E}">
-        <p14:creationId xmlns="" xmlns:p14="http://schemas.microsoft.com/office/powerpoint/2010/main" val="1314591319"/>
+        <p14:creationId xmlns:p14="http://schemas.microsoft.com/office/powerpoint/2010/main" xmlns="" val="1314591319"/>
       </p:ext>
     </p:extLst>
   </p:cSld>
@@ -16732,7 +16732,7 @@
     </p:spTree>
     <p:extLst>
       <p:ext uri="{BB962C8B-B14F-4D97-AF65-F5344CB8AC3E}">
-        <p14:creationId xmlns="" xmlns:p14="http://schemas.microsoft.com/office/powerpoint/2010/main" val="1314591319"/>
+        <p14:creationId xmlns:p14="http://schemas.microsoft.com/office/powerpoint/2010/main" xmlns="" val="1314591319"/>
       </p:ext>
     </p:extLst>
   </p:cSld>
@@ -17165,7 +17165,7 @@
     </p:spTree>
     <p:extLst>
       <p:ext uri="{BB962C8B-B14F-4D97-AF65-F5344CB8AC3E}">
-        <p14:creationId xmlns="" xmlns:p14="http://schemas.microsoft.com/office/powerpoint/2010/main" val="1314591319"/>
+        <p14:creationId xmlns:p14="http://schemas.microsoft.com/office/powerpoint/2010/main" xmlns="" val="1314591319"/>
       </p:ext>
     </p:extLst>
   </p:cSld>
@@ -17620,7 +17620,7 @@
     </p:spTree>
     <p:extLst>
       <p:ext uri="{BB962C8B-B14F-4D97-AF65-F5344CB8AC3E}">
-        <p14:creationId xmlns="" xmlns:p14="http://schemas.microsoft.com/office/powerpoint/2010/main" val="1314591319"/>
+        <p14:creationId xmlns:p14="http://schemas.microsoft.com/office/powerpoint/2010/main" xmlns="" val="1314591319"/>
       </p:ext>
     </p:extLst>
   </p:cSld>
@@ -17951,7 +17951,7 @@
     </p:spTree>
     <p:extLst>
       <p:ext uri="{BB962C8B-B14F-4D97-AF65-F5344CB8AC3E}">
-        <p14:creationId xmlns="" xmlns:p14="http://schemas.microsoft.com/office/powerpoint/2010/main" val="1314591319"/>
+        <p14:creationId xmlns:p14="http://schemas.microsoft.com/office/powerpoint/2010/main" xmlns="" val="1314591319"/>
       </p:ext>
     </p:extLst>
   </p:cSld>
@@ -18420,7 +18420,7 @@
     </p:spTree>
     <p:extLst>
       <p:ext uri="{BB962C8B-B14F-4D97-AF65-F5344CB8AC3E}">
-        <p14:creationId xmlns="" xmlns:p14="http://schemas.microsoft.com/office/powerpoint/2010/main" val="1786203861"/>
+        <p14:creationId xmlns:p14="http://schemas.microsoft.com/office/powerpoint/2010/main" xmlns="" val="1786203861"/>
       </p:ext>
     </p:extLst>
   </p:cSld>
@@ -18697,7 +18697,7 @@
     </p:spTree>
     <p:extLst>
       <p:ext uri="{BB962C8B-B14F-4D97-AF65-F5344CB8AC3E}">
-        <p14:creationId xmlns="" xmlns:p14="http://schemas.microsoft.com/office/powerpoint/2010/main" val="2066947068"/>
+        <p14:creationId xmlns:p14="http://schemas.microsoft.com/office/powerpoint/2010/main" xmlns="" val="2066947068"/>
       </p:ext>
     </p:extLst>
   </p:cSld>
@@ -18754,8 +18754,12 @@
           <a:lstStyle/>
           <a:p>
             <a:r>
+              <a:rPr lang="es-PE" smtClean="0"/>
+              <a:t>CONTRATOS </a:t>
+            </a:r>
+            <a:r>
               <a:rPr lang="es-PE" dirty="0" smtClean="0"/>
-              <a:t>GESTION DE CONTRATOS DE CLIENTES</a:t>
+              <a:t>DE CLIENTES</a:t>
             </a:r>
             <a:endParaRPr lang="es-PE" sz="3600" dirty="0"/>
           </a:p>
@@ -18932,7 +18936,7 @@
     </p:spTree>
     <p:extLst>
       <p:ext uri="{BB962C8B-B14F-4D97-AF65-F5344CB8AC3E}">
-        <p14:creationId xmlns="" xmlns:p14="http://schemas.microsoft.com/office/powerpoint/2010/main" val="700369716"/>
+        <p14:creationId xmlns:p14="http://schemas.microsoft.com/office/powerpoint/2010/main" xmlns="" val="700369716"/>
       </p:ext>
     </p:extLst>
   </p:cSld>
@@ -20147,7 +20151,7 @@
     </p:spTree>
     <p:extLst>
       <p:ext uri="{BB962C8B-B14F-4D97-AF65-F5344CB8AC3E}">
-        <p14:creationId xmlns="" xmlns:p14="http://schemas.microsoft.com/office/powerpoint/2010/main" val="1314591319"/>
+        <p14:creationId xmlns:p14="http://schemas.microsoft.com/office/powerpoint/2010/main" xmlns="" val="1314591319"/>
       </p:ext>
     </p:extLst>
   </p:cSld>

--- a/trunk/ tsp01-contratos-clientes/ITERACCION01/SI01/PRESENTACIONES/PPT SI01 MCUN.pptx
+++ b/trunk/ tsp01-contratos-clientes/ITERACCION01/SI01/PRESENTACIONES/PPT SI01 MCUN.pptx
@@ -36,92 +36,122 @@
     <a:defPPr>
       <a:defRPr lang="es-PE"/>
     </a:defPPr>
-    <a:lvl1pPr marL="0" algn="l" defTabSz="914400" rtl="0" eaLnBrk="1" latinLnBrk="0" hangingPunct="1">
-      <a:defRPr sz="1800" kern="1200">
+    <a:lvl1pPr algn="l" rtl="0" fontAlgn="base">
+      <a:spcBef>
+        <a:spcPct val="0"/>
+      </a:spcBef>
+      <a:spcAft>
+        <a:spcPct val="0"/>
+      </a:spcAft>
+      <a:defRPr kern="1200">
         <a:solidFill>
           <a:schemeClr val="tx1"/>
         </a:solidFill>
-        <a:latin typeface="+mn-lt"/>
+        <a:latin typeface="Arial" charset="0"/>
         <a:ea typeface="+mn-ea"/>
         <a:cs typeface="+mn-cs"/>
       </a:defRPr>
     </a:lvl1pPr>
-    <a:lvl2pPr marL="457200" algn="l" defTabSz="914400" rtl="0" eaLnBrk="1" latinLnBrk="0" hangingPunct="1">
-      <a:defRPr sz="1800" kern="1200">
+    <a:lvl2pPr marL="457200" algn="l" rtl="0" fontAlgn="base">
+      <a:spcBef>
+        <a:spcPct val="0"/>
+      </a:spcBef>
+      <a:spcAft>
+        <a:spcPct val="0"/>
+      </a:spcAft>
+      <a:defRPr kern="1200">
         <a:solidFill>
           <a:schemeClr val="tx1"/>
         </a:solidFill>
-        <a:latin typeface="+mn-lt"/>
+        <a:latin typeface="Arial" charset="0"/>
         <a:ea typeface="+mn-ea"/>
         <a:cs typeface="+mn-cs"/>
       </a:defRPr>
     </a:lvl2pPr>
-    <a:lvl3pPr marL="914400" algn="l" defTabSz="914400" rtl="0" eaLnBrk="1" latinLnBrk="0" hangingPunct="1">
-      <a:defRPr sz="1800" kern="1200">
+    <a:lvl3pPr marL="914400" algn="l" rtl="0" fontAlgn="base">
+      <a:spcBef>
+        <a:spcPct val="0"/>
+      </a:spcBef>
+      <a:spcAft>
+        <a:spcPct val="0"/>
+      </a:spcAft>
+      <a:defRPr kern="1200">
         <a:solidFill>
           <a:schemeClr val="tx1"/>
         </a:solidFill>
-        <a:latin typeface="+mn-lt"/>
+        <a:latin typeface="Arial" charset="0"/>
         <a:ea typeface="+mn-ea"/>
         <a:cs typeface="+mn-cs"/>
       </a:defRPr>
     </a:lvl3pPr>
-    <a:lvl4pPr marL="1371600" algn="l" defTabSz="914400" rtl="0" eaLnBrk="1" latinLnBrk="0" hangingPunct="1">
-      <a:defRPr sz="1800" kern="1200">
+    <a:lvl4pPr marL="1371600" algn="l" rtl="0" fontAlgn="base">
+      <a:spcBef>
+        <a:spcPct val="0"/>
+      </a:spcBef>
+      <a:spcAft>
+        <a:spcPct val="0"/>
+      </a:spcAft>
+      <a:defRPr kern="1200">
         <a:solidFill>
           <a:schemeClr val="tx1"/>
         </a:solidFill>
-        <a:latin typeface="+mn-lt"/>
+        <a:latin typeface="Arial" charset="0"/>
         <a:ea typeface="+mn-ea"/>
         <a:cs typeface="+mn-cs"/>
       </a:defRPr>
     </a:lvl4pPr>
-    <a:lvl5pPr marL="1828800" algn="l" defTabSz="914400" rtl="0" eaLnBrk="1" latinLnBrk="0" hangingPunct="1">
-      <a:defRPr sz="1800" kern="1200">
+    <a:lvl5pPr marL="1828800" algn="l" rtl="0" fontAlgn="base">
+      <a:spcBef>
+        <a:spcPct val="0"/>
+      </a:spcBef>
+      <a:spcAft>
+        <a:spcPct val="0"/>
+      </a:spcAft>
+      <a:defRPr kern="1200">
         <a:solidFill>
           <a:schemeClr val="tx1"/>
         </a:solidFill>
-        <a:latin typeface="+mn-lt"/>
+        <a:latin typeface="Arial" charset="0"/>
         <a:ea typeface="+mn-ea"/>
         <a:cs typeface="+mn-cs"/>
       </a:defRPr>
     </a:lvl5pPr>
     <a:lvl6pPr marL="2286000" algn="l" defTabSz="914400" rtl="0" eaLnBrk="1" latinLnBrk="0" hangingPunct="1">
-      <a:defRPr sz="1800" kern="1200">
+      <a:defRPr kern="1200">
         <a:solidFill>
           <a:schemeClr val="tx1"/>
         </a:solidFill>
-        <a:latin typeface="+mn-lt"/>
+        <a:latin typeface="Arial" charset="0"/>
         <a:ea typeface="+mn-ea"/>
         <a:cs typeface="+mn-cs"/>
       </a:defRPr>
     </a:lvl6pPr>
     <a:lvl7pPr marL="2743200" algn="l" defTabSz="914400" rtl="0" eaLnBrk="1" latinLnBrk="0" hangingPunct="1">
-      <a:defRPr sz="1800" kern="1200">
+      <a:defRPr kern="1200">
         <a:solidFill>
           <a:schemeClr val="tx1"/>
         </a:solidFill>
-        <a:latin typeface="+mn-lt"/>
+        <a:latin typeface="Arial" charset="0"/>
         <a:ea typeface="+mn-ea"/>
         <a:cs typeface="+mn-cs"/>
       </a:defRPr>
     </a:lvl7pPr>
     <a:lvl8pPr marL="3200400" algn="l" defTabSz="914400" rtl="0" eaLnBrk="1" latinLnBrk="0" hangingPunct="1">
-      <a:defRPr sz="1800" kern="1200">
+      <a:defRPr kern="1200">
         <a:solidFill>
           <a:schemeClr val="tx1"/>
         </a:solidFill>
-        <a:latin typeface="+mn-lt"/>
+        <a:latin typeface="Arial" charset="0"/>
         <a:ea typeface="+mn-ea"/>
         <a:cs typeface="+mn-cs"/>
       </a:defRPr>
     </a:lvl8pPr>
     <a:lvl9pPr marL="3657600" algn="l" defTabSz="914400" rtl="0" eaLnBrk="1" latinLnBrk="0" hangingPunct="1">
-      <a:defRPr sz="1800" kern="1200">
+      <a:defRPr kern="1200">
         <a:solidFill>
           <a:schemeClr val="tx1"/>
         </a:solidFill>
-        <a:latin typeface="+mn-lt"/>
+        <a:latin typeface="Arial" charset="0"/>
         <a:ea typeface="+mn-ea"/>
         <a:cs typeface="+mn-cs"/>
       </a:defRPr>
@@ -174,11 +204,22 @@
         <p:txBody>
           <a:bodyPr vert="horz" lIns="91440" tIns="45720" rIns="91440" bIns="45720" rtlCol="0"/>
           <a:lstStyle>
-            <a:lvl1pPr algn="l">
-              <a:defRPr sz="1200"/>
+            <a:lvl1pPr algn="l" fontAlgn="auto">
+              <a:spcBef>
+                <a:spcPts val="0"/>
+              </a:spcBef>
+              <a:spcAft>
+                <a:spcPts val="0"/>
+              </a:spcAft>
+              <a:defRPr sz="1200">
+                <a:latin typeface="+mn-lt"/>
+              </a:defRPr>
             </a:lvl1pPr>
           </a:lstStyle>
           <a:p>
+            <a:pPr>
+              <a:defRPr/>
+            </a:pPr>
             <a:endParaRPr lang="es-PE"/>
           </a:p>
         </p:txBody>
@@ -205,14 +246,27 @@
         <p:txBody>
           <a:bodyPr vert="horz" lIns="91440" tIns="45720" rIns="91440" bIns="45720" rtlCol="0"/>
           <a:lstStyle>
-            <a:lvl1pPr algn="r">
-              <a:defRPr sz="1200"/>
+            <a:lvl1pPr algn="r" fontAlgn="auto">
+              <a:spcBef>
+                <a:spcPts val="0"/>
+              </a:spcBef>
+              <a:spcAft>
+                <a:spcPts val="0"/>
+              </a:spcAft>
+              <a:defRPr sz="1200" smtClean="0">
+                <a:latin typeface="+mn-lt"/>
+              </a:defRPr>
             </a:lvl1pPr>
           </a:lstStyle>
           <a:p>
-            <a:fld id="{3A629E50-77D5-4BBF-960C-03B141B5D22B}" type="datetimeFigureOut">
-              <a:rPr lang="es-PE" smtClean="0"/>
-              <a:pPr/>
+            <a:pPr>
+              <a:defRPr/>
+            </a:pPr>
+            <a:fld id="{ECFA2C9D-C801-4558-AAC5-C9DFE96ECEE3}" type="datetimeFigureOut">
+              <a:rPr lang="es-PE"/>
+              <a:pPr>
+                <a:defRPr/>
+              </a:pPr>
               <a:t>07/05/2012</a:t>
             </a:fld>
             <a:endParaRPr lang="es-PE"/>
@@ -248,7 +302,8 @@
           <a:bodyPr vert="horz" lIns="91440" tIns="45720" rIns="91440" bIns="45720" rtlCol="0" anchor="ctr"/>
           <a:lstStyle/>
           <a:p>
-            <a:endParaRPr lang="es-PE"/>
+            <a:pPr lvl="0"/>
+            <a:endParaRPr lang="es-PE" noProof="0"/>
           </a:p>
         </p:txBody>
       </p:sp>
@@ -279,38 +334,38 @@
           <a:p>
             <a:pPr lvl="0"/>
             <a:r>
-              <a:rPr lang="es-ES" smtClean="0"/>
+              <a:rPr lang="es-ES" noProof="0" smtClean="0"/>
               <a:t>Haga clic para modificar el estilo de texto del patrón</a:t>
             </a:r>
           </a:p>
           <a:p>
             <a:pPr lvl="1"/>
             <a:r>
-              <a:rPr lang="es-ES" smtClean="0"/>
+              <a:rPr lang="es-ES" noProof="0" smtClean="0"/>
               <a:t>Segundo nivel</a:t>
             </a:r>
           </a:p>
           <a:p>
             <a:pPr lvl="2"/>
             <a:r>
-              <a:rPr lang="es-ES" smtClean="0"/>
+              <a:rPr lang="es-ES" noProof="0" smtClean="0"/>
               <a:t>Tercer nivel</a:t>
             </a:r>
           </a:p>
           <a:p>
             <a:pPr lvl="3"/>
             <a:r>
-              <a:rPr lang="es-ES" smtClean="0"/>
+              <a:rPr lang="es-ES" noProof="0" smtClean="0"/>
               <a:t>Cuarto nivel</a:t>
             </a:r>
           </a:p>
           <a:p>
             <a:pPr lvl="4"/>
             <a:r>
-              <a:rPr lang="es-ES" smtClean="0"/>
+              <a:rPr lang="es-ES" noProof="0" smtClean="0"/>
               <a:t>Quinto nivel</a:t>
             </a:r>
-            <a:endParaRPr lang="es-PE"/>
+            <a:endParaRPr lang="es-PE" noProof="0"/>
           </a:p>
         </p:txBody>
       </p:sp>
@@ -336,11 +391,22 @@
         <p:txBody>
           <a:bodyPr vert="horz" lIns="91440" tIns="45720" rIns="91440" bIns="45720" rtlCol="0" anchor="b"/>
           <a:lstStyle>
-            <a:lvl1pPr algn="l">
-              <a:defRPr sz="1200"/>
+            <a:lvl1pPr algn="l" fontAlgn="auto">
+              <a:spcBef>
+                <a:spcPts val="0"/>
+              </a:spcBef>
+              <a:spcAft>
+                <a:spcPts val="0"/>
+              </a:spcAft>
+              <a:defRPr sz="1200">
+                <a:latin typeface="+mn-lt"/>
+              </a:defRPr>
             </a:lvl1pPr>
           </a:lstStyle>
           <a:p>
+            <a:pPr>
+              <a:defRPr/>
+            </a:pPr>
             <a:endParaRPr lang="es-PE"/>
           </a:p>
         </p:txBody>
@@ -367,14 +433,27 @@
         <p:txBody>
           <a:bodyPr vert="horz" lIns="91440" tIns="45720" rIns="91440" bIns="45720" rtlCol="0" anchor="b"/>
           <a:lstStyle>
-            <a:lvl1pPr algn="r">
-              <a:defRPr sz="1200"/>
+            <a:lvl1pPr algn="r" fontAlgn="auto">
+              <a:spcBef>
+                <a:spcPts val="0"/>
+              </a:spcBef>
+              <a:spcAft>
+                <a:spcPts val="0"/>
+              </a:spcAft>
+              <a:defRPr sz="1200" smtClean="0">
+                <a:latin typeface="+mn-lt"/>
+              </a:defRPr>
             </a:lvl1pPr>
           </a:lstStyle>
           <a:p>
-            <a:fld id="{C4F52019-8A53-48F9-B5D8-ACBBC3A49850}" type="slidenum">
-              <a:rPr lang="es-PE" smtClean="0"/>
-              <a:pPr/>
+            <a:pPr>
+              <a:defRPr/>
+            </a:pPr>
+            <a:fld id="{9D4B7F4F-06FC-4BB4-B5BE-5EB7185B5FA7}" type="slidenum">
+              <a:rPr lang="es-PE"/>
+              <a:pPr>
+                <a:defRPr/>
+              </a:pPr>
               <a:t>‹Nº›</a:t>
             </a:fld>
             <a:endParaRPr lang="es-PE"/>
@@ -385,7 +464,13 @@
   </p:cSld>
   <p:clrMap bg1="lt1" tx1="dk1" bg2="lt2" tx2="dk2" accent1="accent1" accent2="accent2" accent3="accent3" accent4="accent4" accent5="accent5" accent6="accent6" hlink="hlink" folHlink="folHlink"/>
   <p:notesStyle>
-    <a:lvl1pPr marL="0" algn="l" defTabSz="914400" rtl="0" eaLnBrk="1" latinLnBrk="0" hangingPunct="1">
+    <a:lvl1pPr algn="l" rtl="0" fontAlgn="base">
+      <a:spcBef>
+        <a:spcPct val="30000"/>
+      </a:spcBef>
+      <a:spcAft>
+        <a:spcPct val="0"/>
+      </a:spcAft>
       <a:defRPr sz="1200" kern="1200">
         <a:solidFill>
           <a:schemeClr val="tx1"/>
@@ -395,7 +480,13 @@
         <a:cs typeface="+mn-cs"/>
       </a:defRPr>
     </a:lvl1pPr>
-    <a:lvl2pPr marL="457200" algn="l" defTabSz="914400" rtl="0" eaLnBrk="1" latinLnBrk="0" hangingPunct="1">
+    <a:lvl2pPr marL="457200" algn="l" rtl="0" fontAlgn="base">
+      <a:spcBef>
+        <a:spcPct val="30000"/>
+      </a:spcBef>
+      <a:spcAft>
+        <a:spcPct val="0"/>
+      </a:spcAft>
       <a:defRPr sz="1200" kern="1200">
         <a:solidFill>
           <a:schemeClr val="tx1"/>
@@ -405,7 +496,13 @@
         <a:cs typeface="+mn-cs"/>
       </a:defRPr>
     </a:lvl2pPr>
-    <a:lvl3pPr marL="914400" algn="l" defTabSz="914400" rtl="0" eaLnBrk="1" latinLnBrk="0" hangingPunct="1">
+    <a:lvl3pPr marL="914400" algn="l" rtl="0" fontAlgn="base">
+      <a:spcBef>
+        <a:spcPct val="30000"/>
+      </a:spcBef>
+      <a:spcAft>
+        <a:spcPct val="0"/>
+      </a:spcAft>
       <a:defRPr sz="1200" kern="1200">
         <a:solidFill>
           <a:schemeClr val="tx1"/>
@@ -415,7 +512,13 @@
         <a:cs typeface="+mn-cs"/>
       </a:defRPr>
     </a:lvl3pPr>
-    <a:lvl4pPr marL="1371600" algn="l" defTabSz="914400" rtl="0" eaLnBrk="1" latinLnBrk="0" hangingPunct="1">
+    <a:lvl4pPr marL="1371600" algn="l" rtl="0" fontAlgn="base">
+      <a:spcBef>
+        <a:spcPct val="30000"/>
+      </a:spcBef>
+      <a:spcAft>
+        <a:spcPct val="0"/>
+      </a:spcAft>
       <a:defRPr sz="1200" kern="1200">
         <a:solidFill>
           <a:schemeClr val="tx1"/>
@@ -425,7 +528,13 @@
         <a:cs typeface="+mn-cs"/>
       </a:defRPr>
     </a:lvl4pPr>
-    <a:lvl5pPr marL="1828800" algn="l" defTabSz="914400" rtl="0" eaLnBrk="1" latinLnBrk="0" hangingPunct="1">
+    <a:lvl5pPr marL="1828800" algn="l" rtl="0" fontAlgn="base">
+      <a:spcBef>
+        <a:spcPct val="30000"/>
+      </a:spcBef>
+      <a:spcAft>
+        <a:spcPct val="0"/>
+      </a:spcAft>
       <a:defRPr sz="1200" kern="1200">
         <a:solidFill>
           <a:schemeClr val="tx1"/>
@@ -498,7 +607,7 @@
       </p:grpSpPr>
       <p:sp>
         <p:nvSpPr>
-          <p:cNvPr id="2" name="1 Marcador de imagen de diapositiva"/>
+          <p:cNvPr id="23553" name="1 Marcador de imagen de diapositiva"/>
           <p:cNvSpPr>
             <a:spLocks noGrp="1" noRot="1" noChangeAspect="1"/>
           </p:cNvSpPr>
@@ -506,11 +615,21 @@
             <p:ph type="sldImg"/>
           </p:nvPr>
         </p:nvSpPr>
-        <p:spPr/>
+        <p:spPr bwMode="auto">
+          <a:noFill/>
+          <a:ln>
+            <a:solidFill>
+              <a:srgbClr val="000000"/>
+            </a:solidFill>
+            <a:miter lim="800000"/>
+            <a:headEnd/>
+            <a:tailEnd/>
+          </a:ln>
+        </p:spPr>
       </p:sp>
       <p:sp>
         <p:nvSpPr>
-          <p:cNvPr id="3" name="2 Marcador de notas"/>
+          <p:cNvPr id="23554" name="2 Marcador de notas"/>
           <p:cNvSpPr>
             <a:spLocks noGrp="1"/>
           </p:cNvSpPr>
@@ -518,35 +637,70 @@
             <p:ph type="body" idx="1"/>
           </p:nvPr>
         </p:nvSpPr>
-        <p:spPr/>
+        <p:spPr bwMode="auto">
+          <a:noFill/>
+        </p:spPr>
         <p:txBody>
-          <a:bodyPr>
-            <a:normAutofit/>
+          <a:bodyPr wrap="square" numCol="1" anchor="t" anchorCtr="0" compatLnSpc="1">
+            <a:prstTxWarp prst="textNoShape">
+              <a:avLst/>
+            </a:prstTxWarp>
           </a:bodyPr>
           <a:lstStyle/>
           <a:p>
-            <a:endParaRPr lang="es-PE" dirty="0"/>
+            <a:pPr>
+              <a:spcBef>
+                <a:spcPct val="0"/>
+              </a:spcBef>
+            </a:pPr>
+            <a:endParaRPr lang="es-ES" smtClean="0"/>
           </a:p>
         </p:txBody>
       </p:sp>
       <p:sp>
         <p:nvSpPr>
-          <p:cNvPr id="4" name="3 Marcador de número de diapositiva"/>
+          <p:cNvPr id="23555" name="3 Marcador de número de diapositiva"/>
           <p:cNvSpPr>
             <a:spLocks noGrp="1"/>
           </p:cNvSpPr>
           <p:nvPr>
-            <p:ph type="sldNum" sz="quarter" idx="10"/>
+            <p:ph type="sldNum" sz="quarter" idx="5"/>
           </p:nvPr>
         </p:nvSpPr>
-        <p:spPr/>
+        <p:spPr bwMode="auto">
+          <a:noFill/>
+          <a:ln>
+            <a:miter lim="800000"/>
+            <a:headEnd/>
+            <a:tailEnd/>
+          </a:ln>
+        </p:spPr>
         <p:txBody>
-          <a:bodyPr/>
+          <a:bodyPr wrap="square" numCol="1" anchorCtr="0" compatLnSpc="1">
+            <a:prstTxWarp prst="textNoShape">
+              <a:avLst/>
+            </a:prstTxWarp>
+          </a:bodyPr>
           <a:lstStyle/>
           <a:p>
-            <a:fld id="{C4F52019-8A53-48F9-B5D8-ACBBC3A49850}" type="slidenum">
-              <a:rPr lang="es-PE" smtClean="0"/>
-              <a:pPr/>
+            <a:pPr fontAlgn="base">
+              <a:spcBef>
+                <a:spcPct val="0"/>
+              </a:spcBef>
+              <a:spcAft>
+                <a:spcPct val="0"/>
+              </a:spcAft>
+            </a:pPr>
+            <a:fld id="{0EDADFC8-F5CB-41BC-8435-1A93D6C422C6}" type="slidenum">
+              <a:rPr lang="es-PE"/>
+              <a:pPr fontAlgn="base">
+                <a:spcBef>
+                  <a:spcPct val="0"/>
+                </a:spcBef>
+                <a:spcAft>
+                  <a:spcPct val="0"/>
+                </a:spcAft>
+              </a:pPr>
               <a:t>9</a:t>
             </a:fld>
             <a:endParaRPr lang="es-PE"/>
@@ -580,14 +734,14 @@
       </p:grpSpPr>
       <p:sp>
         <p:nvSpPr>
-          <p:cNvPr id="16" name="Rounded Rectangle 15"/>
+          <p:cNvPr id="4" name="Rounded Rectangle 15"/>
           <p:cNvSpPr/>
           <p:nvPr/>
         </p:nvSpPr>
         <p:spPr>
           <a:xfrm>
             <a:off x="228600" y="228600"/>
-            <a:ext cx="8695944" cy="6035040"/>
+            <a:ext cx="8696325" cy="6035675"/>
           </a:xfrm>
           <a:prstGeom prst="roundRect">
             <a:avLst>
@@ -631,33 +785,41 @@
           </a:fontRef>
         </p:style>
         <p:txBody>
-          <a:bodyPr rtlCol="0" anchor="ctr"/>
+          <a:bodyPr anchor="ctr"/>
           <a:lstStyle/>
           <a:p>
-            <a:pPr algn="ctr"/>
+            <a:pPr algn="ctr" fontAlgn="auto">
+              <a:spcBef>
+                <a:spcPts val="0"/>
+              </a:spcBef>
+              <a:spcAft>
+                <a:spcPts val="0"/>
+              </a:spcAft>
+              <a:defRPr/>
+            </a:pPr>
             <a:endParaRPr lang="en-US"/>
           </a:p>
         </p:txBody>
       </p:sp>
       <p:grpSp>
         <p:nvGrpSpPr>
-          <p:cNvPr id="7" name="Group 9"/>
+          <p:cNvPr id="5" name="Group 9"/>
           <p:cNvGrpSpPr>
             <a:grpSpLocks noChangeAspect="1"/>
           </p:cNvGrpSpPr>
           <p:nvPr/>
         </p:nvGrpSpPr>
-        <p:grpSpPr bwMode="hidden">
+        <p:grpSpPr bwMode="auto">
           <a:xfrm>
-            <a:off x="211665" y="5353963"/>
-            <a:ext cx="8723376" cy="1331580"/>
+            <a:off x="211138" y="5354638"/>
+            <a:ext cx="8723312" cy="1330325"/>
             <a:chOff x="-3905250" y="4294188"/>
             <a:chExt cx="13011150" cy="1892300"/>
           </a:xfrm>
         </p:grpSpPr>
         <p:sp>
           <p:nvSpPr>
-            <p:cNvPr id="11" name="Freeform 14"/>
+            <p:cNvPr id="6" name="Freeform 14"/>
             <p:cNvSpPr>
               <a:spLocks/>
             </p:cNvSpPr>
@@ -665,8 +827,8 @@
           </p:nvSpPr>
           <p:spPr bwMode="hidden">
             <a:xfrm>
-              <a:off x="4810125" y="4500563"/>
-              <a:ext cx="4295775" cy="1016000"/>
+              <a:off x="4810681" y="4499676"/>
+              <a:ext cx="4295219" cy="1016152"/>
             </a:xfrm>
             <a:custGeom>
               <a:avLst/>
@@ -1036,20 +1198,27 @@
             </a:ln>
           </p:spPr>
           <p:txBody>
-            <a:bodyPr vert="horz" wrap="square" lIns="91440" tIns="45720" rIns="91440" bIns="45720" numCol="1" anchor="t" anchorCtr="0" compatLnSpc="1">
-              <a:prstTxWarp prst="textNoShape">
-                <a:avLst/>
-              </a:prstTxWarp>
-            </a:bodyPr>
+            <a:bodyPr/>
             <a:lstStyle/>
             <a:p>
-              <a:endParaRPr lang="en-US"/>
+              <a:pPr fontAlgn="auto">
+                <a:spcBef>
+                  <a:spcPts val="0"/>
+                </a:spcBef>
+                <a:spcAft>
+                  <a:spcPts val="0"/>
+                </a:spcAft>
+                <a:defRPr/>
+              </a:pPr>
+              <a:endParaRPr lang="en-US">
+                <a:latin typeface="+mn-lt"/>
+              </a:endParaRPr>
             </a:p>
           </p:txBody>
         </p:sp>
         <p:sp>
           <p:nvSpPr>
-            <p:cNvPr id="12" name="Freeform 18"/>
+            <p:cNvPr id="7" name="Freeform 18"/>
             <p:cNvSpPr>
               <a:spLocks/>
             </p:cNvSpPr>
@@ -1057,8 +1226,8 @@
           </p:nvSpPr>
           <p:spPr bwMode="hidden">
             <a:xfrm>
-              <a:off x="-309563" y="4318000"/>
-              <a:ext cx="8280401" cy="1209675"/>
+              <a:off x="-308538" y="4319027"/>
+              <a:ext cx="8280254" cy="1208092"/>
             </a:xfrm>
             <a:custGeom>
               <a:avLst/>
@@ -1413,20 +1582,27 @@
             </a:ln>
           </p:spPr>
           <p:txBody>
-            <a:bodyPr vert="horz" wrap="square" lIns="91440" tIns="45720" rIns="91440" bIns="45720" numCol="1" anchor="t" anchorCtr="0" compatLnSpc="1">
-              <a:prstTxWarp prst="textNoShape">
-                <a:avLst/>
-              </a:prstTxWarp>
-            </a:bodyPr>
+            <a:bodyPr/>
             <a:lstStyle/>
             <a:p>
-              <a:endParaRPr lang="en-US"/>
+              <a:pPr fontAlgn="auto">
+                <a:spcBef>
+                  <a:spcPts val="0"/>
+                </a:spcBef>
+                <a:spcAft>
+                  <a:spcPts val="0"/>
+                </a:spcAft>
+                <a:defRPr/>
+              </a:pPr>
+              <a:endParaRPr lang="en-US">
+                <a:latin typeface="+mn-lt"/>
+              </a:endParaRPr>
             </a:p>
           </p:txBody>
         </p:sp>
         <p:sp>
           <p:nvSpPr>
-            <p:cNvPr id="13" name="Freeform 22"/>
+            <p:cNvPr id="8" name="Freeform 22"/>
             <p:cNvSpPr>
               <a:spLocks/>
             </p:cNvSpPr>
@@ -1434,8 +1610,8 @@
           </p:nvSpPr>
           <p:spPr bwMode="hidden">
             <a:xfrm>
-              <a:off x="3175" y="4335463"/>
-              <a:ext cx="8166100" cy="1101725"/>
+              <a:off x="4014" y="4334834"/>
+              <a:ext cx="8164231" cy="1101960"/>
             </a:xfrm>
             <a:custGeom>
               <a:avLst/>
@@ -1647,20 +1823,27 @@
             </a:ln>
           </p:spPr>
           <p:txBody>
-            <a:bodyPr vert="horz" wrap="square" lIns="91440" tIns="45720" rIns="91440" bIns="45720" numCol="1" anchor="t" anchorCtr="0" compatLnSpc="1">
-              <a:prstTxWarp prst="textNoShape">
-                <a:avLst/>
-              </a:prstTxWarp>
-            </a:bodyPr>
+            <a:bodyPr/>
             <a:lstStyle/>
             <a:p>
-              <a:endParaRPr lang="en-US"/>
+              <a:pPr fontAlgn="auto">
+                <a:spcBef>
+                  <a:spcPts val="0"/>
+                </a:spcBef>
+                <a:spcAft>
+                  <a:spcPts val="0"/>
+                </a:spcAft>
+                <a:defRPr/>
+              </a:pPr>
+              <a:endParaRPr lang="en-US">
+                <a:latin typeface="+mn-lt"/>
+              </a:endParaRPr>
             </a:p>
           </p:txBody>
         </p:sp>
         <p:sp>
           <p:nvSpPr>
-            <p:cNvPr id="14" name="Freeform 26"/>
+            <p:cNvPr id="9" name="Freeform 26"/>
             <p:cNvSpPr>
               <a:spLocks/>
             </p:cNvSpPr>
@@ -1668,8 +1851,8 @@
           </p:nvSpPr>
           <p:spPr bwMode="hidden">
             <a:xfrm>
-              <a:off x="4156075" y="4316413"/>
-              <a:ext cx="4940300" cy="927100"/>
+              <a:off x="4157164" y="4316769"/>
+              <a:ext cx="4939265" cy="925827"/>
             </a:xfrm>
             <a:custGeom>
               <a:avLst/>
@@ -1815,20 +1998,27 @@
             </a:ln>
           </p:spPr>
           <p:txBody>
-            <a:bodyPr vert="horz" wrap="square" lIns="91440" tIns="45720" rIns="91440" bIns="45720" numCol="1" anchor="t" anchorCtr="0" compatLnSpc="1">
-              <a:prstTxWarp prst="textNoShape">
-                <a:avLst/>
-              </a:prstTxWarp>
-            </a:bodyPr>
+            <a:bodyPr/>
             <a:lstStyle/>
             <a:p>
-              <a:endParaRPr lang="en-US"/>
+              <a:pPr fontAlgn="auto">
+                <a:spcBef>
+                  <a:spcPts val="0"/>
+                </a:spcBef>
+                <a:spcAft>
+                  <a:spcPts val="0"/>
+                </a:spcAft>
+                <a:defRPr/>
+              </a:pPr>
+              <a:endParaRPr lang="en-US">
+                <a:latin typeface="+mn-lt"/>
+              </a:endParaRPr>
             </a:p>
           </p:txBody>
         </p:sp>
         <p:sp useBgFill="1">
           <p:nvSpPr>
-            <p:cNvPr id="15" name="Freeform 10"/>
+            <p:cNvPr id="10" name="Freeform 10"/>
             <p:cNvSpPr>
               <a:spLocks/>
             </p:cNvSpPr>
@@ -2187,14 +2377,21 @@
             </a:ln>
           </p:spPr>
           <p:txBody>
-            <a:bodyPr vert="horz" wrap="square" lIns="91440" tIns="45720" rIns="91440" bIns="45720" numCol="1" anchor="t" anchorCtr="0" compatLnSpc="1">
-              <a:prstTxWarp prst="textNoShape">
-                <a:avLst/>
-              </a:prstTxWarp>
-            </a:bodyPr>
+            <a:bodyPr/>
             <a:lstStyle/>
             <a:p>
-              <a:endParaRPr lang="en-US"/>
+              <a:pPr fontAlgn="auto">
+                <a:spcBef>
+                  <a:spcPts val="0"/>
+                </a:spcBef>
+                <a:spcAft>
+                  <a:spcPts val="0"/>
+                </a:spcAft>
+                <a:defRPr/>
+              </a:pPr>
+              <a:endParaRPr lang="en-US">
+                <a:latin typeface="+mn-lt"/>
+              </a:endParaRPr>
             </a:p>
           </p:txBody>
         </p:sp>
@@ -2358,7 +2555,7 @@
       </p:sp>
       <p:sp>
         <p:nvSpPr>
-          <p:cNvPr id="4" name="Date Placeholder 3"/>
+          <p:cNvPr id="11" name="Date Placeholder 3"/>
           <p:cNvSpPr>
             <a:spLocks noGrp="1"/>
           </p:cNvSpPr>
@@ -2369,11 +2566,20 @@
         <p:spPr/>
         <p:txBody>
           <a:bodyPr/>
-          <a:lstStyle/>
+          <a:lstStyle>
+            <a:lvl1pPr>
+              <a:defRPr/>
+            </a:lvl1pPr>
+          </a:lstStyle>
           <a:p>
-            <a:fld id="{15AD49C3-FFB3-43A7-92FA-622BE02CB1C4}" type="datetimeFigureOut">
-              <a:rPr lang="es-PE" smtClean="0"/>
-              <a:pPr/>
+            <a:pPr>
+              <a:defRPr/>
+            </a:pPr>
+            <a:fld id="{287A11EE-7D43-463C-9E2D-0EB30F791A95}" type="datetimeFigureOut">
+              <a:rPr lang="es-PE"/>
+              <a:pPr>
+                <a:defRPr/>
+              </a:pPr>
               <a:t>07/05/2012</a:t>
             </a:fld>
             <a:endParaRPr lang="es-PE"/>
@@ -2382,7 +2588,7 @@
       </p:sp>
       <p:sp>
         <p:nvSpPr>
-          <p:cNvPr id="5" name="Footer Placeholder 4"/>
+          <p:cNvPr id="12" name="Footer Placeholder 4"/>
           <p:cNvSpPr>
             <a:spLocks noGrp="1"/>
           </p:cNvSpPr>
@@ -2393,15 +2599,22 @@
         <p:spPr/>
         <p:txBody>
           <a:bodyPr/>
-          <a:lstStyle/>
+          <a:lstStyle>
+            <a:lvl1pPr>
+              <a:defRPr/>
+            </a:lvl1pPr>
+          </a:lstStyle>
           <a:p>
+            <a:pPr>
+              <a:defRPr/>
+            </a:pPr>
             <a:endParaRPr lang="es-PE"/>
           </a:p>
         </p:txBody>
       </p:sp>
       <p:sp>
         <p:nvSpPr>
-          <p:cNvPr id="6" name="Slide Number Placeholder 5"/>
+          <p:cNvPr id="13" name="Slide Number Placeholder 5"/>
           <p:cNvSpPr>
             <a:spLocks noGrp="1"/>
           </p:cNvSpPr>
@@ -2412,11 +2625,20 @@
         <p:spPr/>
         <p:txBody>
           <a:bodyPr/>
-          <a:lstStyle/>
+          <a:lstStyle>
+            <a:lvl1pPr>
+              <a:defRPr/>
+            </a:lvl1pPr>
+          </a:lstStyle>
           <a:p>
-            <a:fld id="{0A355AF4-5C5D-4911-90B4-C651615D7B40}" type="slidenum">
-              <a:rPr lang="es-PE" smtClean="0"/>
-              <a:pPr/>
+            <a:pPr>
+              <a:defRPr/>
+            </a:pPr>
+            <a:fld id="{1AFD0E51-F5B9-4CD1-AFC9-537EAEB8C6A0}" type="slidenum">
+              <a:rPr lang="es-PE"/>
+              <a:pPr>
+                <a:defRPr/>
+              </a:pPr>
               <a:t>‹Nº›</a:t>
             </a:fld>
             <a:endParaRPr lang="es-PE"/>
@@ -2552,11 +2774,20 @@
         <p:spPr/>
         <p:txBody>
           <a:bodyPr/>
-          <a:lstStyle/>
+          <a:lstStyle>
+            <a:lvl1pPr>
+              <a:defRPr/>
+            </a:lvl1pPr>
+          </a:lstStyle>
           <a:p>
-            <a:fld id="{15AD49C3-FFB3-43A7-92FA-622BE02CB1C4}" type="datetimeFigureOut">
-              <a:rPr lang="es-PE" smtClean="0"/>
-              <a:pPr/>
+            <a:pPr>
+              <a:defRPr/>
+            </a:pPr>
+            <a:fld id="{068592DF-5B39-4FD0-8AEC-D3268E7D8187}" type="datetimeFigureOut">
+              <a:rPr lang="es-PE"/>
+              <a:pPr>
+                <a:defRPr/>
+              </a:pPr>
               <a:t>07/05/2012</a:t>
             </a:fld>
             <a:endParaRPr lang="es-PE"/>
@@ -2576,8 +2807,15 @@
         <p:spPr/>
         <p:txBody>
           <a:bodyPr/>
-          <a:lstStyle/>
+          <a:lstStyle>
+            <a:lvl1pPr>
+              <a:defRPr/>
+            </a:lvl1pPr>
+          </a:lstStyle>
           <a:p>
+            <a:pPr>
+              <a:defRPr/>
+            </a:pPr>
             <a:endParaRPr lang="es-PE"/>
           </a:p>
         </p:txBody>
@@ -2595,11 +2833,20 @@
         <p:spPr/>
         <p:txBody>
           <a:bodyPr/>
-          <a:lstStyle/>
+          <a:lstStyle>
+            <a:lvl1pPr>
+              <a:defRPr/>
+            </a:lvl1pPr>
+          </a:lstStyle>
           <a:p>
-            <a:fld id="{0A355AF4-5C5D-4911-90B4-C651615D7B40}" type="slidenum">
-              <a:rPr lang="es-PE" smtClean="0"/>
-              <a:pPr/>
+            <a:pPr>
+              <a:defRPr/>
+            </a:pPr>
+            <a:fld id="{393BC84B-C439-4EE3-B2FD-642813245A29}" type="slidenum">
+              <a:rPr lang="es-PE"/>
+              <a:pPr>
+                <a:defRPr/>
+              </a:pPr>
               <a:t>‹Nº›</a:t>
             </a:fld>
             <a:endParaRPr lang="es-PE"/>
@@ -2633,14 +2880,14 @@
       </p:grpSpPr>
       <p:sp>
         <p:nvSpPr>
-          <p:cNvPr id="21" name="Rounded Rectangle 20"/>
+          <p:cNvPr id="4" name="Rounded Rectangle 20"/>
           <p:cNvSpPr/>
           <p:nvPr/>
         </p:nvSpPr>
         <p:spPr bwMode="hidden">
           <a:xfrm>
             <a:off x="228600" y="228600"/>
-            <a:ext cx="8695944" cy="1426464"/>
+            <a:ext cx="8696325" cy="1427163"/>
           </a:xfrm>
           <a:prstGeom prst="roundRect">
             <a:avLst>
@@ -2684,100 +2931,41 @@
           </a:fontRef>
         </p:style>
         <p:txBody>
-          <a:bodyPr rtlCol="0" anchor="ctr"/>
+          <a:bodyPr anchor="ctr"/>
           <a:lstStyle/>
           <a:p>
-            <a:pPr algn="ctr"/>
+            <a:pPr algn="ctr" fontAlgn="auto">
+              <a:spcBef>
+                <a:spcPts val="0"/>
+              </a:spcBef>
+              <a:spcAft>
+                <a:spcPts val="0"/>
+              </a:spcAft>
+              <a:defRPr/>
+            </a:pPr>
             <a:endParaRPr lang="en-US"/>
-          </a:p>
-        </p:txBody>
-      </p:sp>
-      <p:sp>
-        <p:nvSpPr>
-          <p:cNvPr id="4" name="Date Placeholder 3"/>
-          <p:cNvSpPr>
-            <a:spLocks noGrp="1"/>
-          </p:cNvSpPr>
-          <p:nvPr>
-            <p:ph type="dt" sz="half" idx="10"/>
-          </p:nvPr>
-        </p:nvSpPr>
-        <p:spPr/>
-        <p:txBody>
-          <a:bodyPr/>
-          <a:lstStyle/>
-          <a:p>
-            <a:fld id="{15AD49C3-FFB3-43A7-92FA-622BE02CB1C4}" type="datetimeFigureOut">
-              <a:rPr lang="es-PE" smtClean="0"/>
-              <a:pPr/>
-              <a:t>07/05/2012</a:t>
-            </a:fld>
-            <a:endParaRPr lang="es-PE"/>
-          </a:p>
-        </p:txBody>
-      </p:sp>
-      <p:sp>
-        <p:nvSpPr>
-          <p:cNvPr id="5" name="Footer Placeholder 4"/>
-          <p:cNvSpPr>
-            <a:spLocks noGrp="1"/>
-          </p:cNvSpPr>
-          <p:nvPr>
-            <p:ph type="ftr" sz="quarter" idx="11"/>
-          </p:nvPr>
-        </p:nvSpPr>
-        <p:spPr/>
-        <p:txBody>
-          <a:bodyPr/>
-          <a:lstStyle/>
-          <a:p>
-            <a:endParaRPr lang="es-PE"/>
-          </a:p>
-        </p:txBody>
-      </p:sp>
-      <p:sp>
-        <p:nvSpPr>
-          <p:cNvPr id="6" name="Slide Number Placeholder 5"/>
-          <p:cNvSpPr>
-            <a:spLocks noGrp="1"/>
-          </p:cNvSpPr>
-          <p:nvPr>
-            <p:ph type="sldNum" sz="quarter" idx="12"/>
-          </p:nvPr>
-        </p:nvSpPr>
-        <p:spPr/>
-        <p:txBody>
-          <a:bodyPr/>
-          <a:lstStyle/>
-          <a:p>
-            <a:fld id="{0A355AF4-5C5D-4911-90B4-C651615D7B40}" type="slidenum">
-              <a:rPr lang="es-PE" smtClean="0"/>
-              <a:pPr/>
-              <a:t>‹Nº›</a:t>
-            </a:fld>
-            <a:endParaRPr lang="es-PE"/>
           </a:p>
         </p:txBody>
       </p:sp>
       <p:grpSp>
         <p:nvGrpSpPr>
-          <p:cNvPr id="15" name="Group 14"/>
+          <p:cNvPr id="5" name="Group 14"/>
           <p:cNvGrpSpPr>
             <a:grpSpLocks noChangeAspect="1"/>
           </p:cNvGrpSpPr>
           <p:nvPr/>
         </p:nvGrpSpPr>
-        <p:grpSpPr bwMode="hidden">
+        <p:grpSpPr bwMode="auto">
           <a:xfrm>
-            <a:off x="211665" y="714191"/>
-            <a:ext cx="8723376" cy="1331580"/>
+            <a:off x="211138" y="714375"/>
+            <a:ext cx="8723312" cy="1331913"/>
             <a:chOff x="-3905250" y="4294188"/>
             <a:chExt cx="13011150" cy="1892300"/>
           </a:xfrm>
         </p:grpSpPr>
         <p:sp>
           <p:nvSpPr>
-            <p:cNvPr id="16" name="Freeform 14"/>
+            <p:cNvPr id="6" name="Freeform 14"/>
             <p:cNvSpPr>
               <a:spLocks/>
             </p:cNvSpPr>
@@ -2785,8 +2973,8 @@
           </p:nvSpPr>
           <p:spPr bwMode="hidden">
             <a:xfrm>
-              <a:off x="4810125" y="4500563"/>
-              <a:ext cx="4295775" cy="1016000"/>
+              <a:off x="4810681" y="4501687"/>
+              <a:ext cx="4295219" cy="1014940"/>
             </a:xfrm>
             <a:custGeom>
               <a:avLst/>
@@ -3156,20 +3344,27 @@
             </a:ln>
           </p:spPr>
           <p:txBody>
-            <a:bodyPr vert="horz" wrap="square" lIns="91440" tIns="45720" rIns="91440" bIns="45720" numCol="1" anchor="t" anchorCtr="0" compatLnSpc="1">
-              <a:prstTxWarp prst="textNoShape">
-                <a:avLst/>
-              </a:prstTxWarp>
-            </a:bodyPr>
+            <a:bodyPr/>
             <a:lstStyle/>
             <a:p>
-              <a:endParaRPr lang="en-US"/>
+              <a:pPr fontAlgn="auto">
+                <a:spcBef>
+                  <a:spcPts val="0"/>
+                </a:spcBef>
+                <a:spcAft>
+                  <a:spcPts val="0"/>
+                </a:spcAft>
+                <a:defRPr/>
+              </a:pPr>
+              <a:endParaRPr lang="en-US">
+                <a:latin typeface="+mn-lt"/>
+              </a:endParaRPr>
             </a:p>
           </p:txBody>
         </p:sp>
         <p:sp>
           <p:nvSpPr>
-            <p:cNvPr id="17" name="Freeform 18"/>
+            <p:cNvPr id="7" name="Freeform 18"/>
             <p:cNvSpPr>
               <a:spLocks/>
             </p:cNvSpPr>
@@ -3177,8 +3372,8 @@
           </p:nvSpPr>
           <p:spPr bwMode="hidden">
             <a:xfrm>
-              <a:off x="-309563" y="4318000"/>
-              <a:ext cx="8280401" cy="1209675"/>
+              <a:off x="-308538" y="4318998"/>
+              <a:ext cx="8280254" cy="1208906"/>
             </a:xfrm>
             <a:custGeom>
               <a:avLst/>
@@ -3533,20 +3728,27 @@
             </a:ln>
           </p:spPr>
           <p:txBody>
-            <a:bodyPr vert="horz" wrap="square" lIns="91440" tIns="45720" rIns="91440" bIns="45720" numCol="1" anchor="t" anchorCtr="0" compatLnSpc="1">
-              <a:prstTxWarp prst="textNoShape">
-                <a:avLst/>
-              </a:prstTxWarp>
-            </a:bodyPr>
+            <a:bodyPr/>
             <a:lstStyle/>
             <a:p>
-              <a:endParaRPr lang="en-US"/>
+              <a:pPr fontAlgn="auto">
+                <a:spcBef>
+                  <a:spcPts val="0"/>
+                </a:spcBef>
+                <a:spcAft>
+                  <a:spcPts val="0"/>
+                </a:spcAft>
+                <a:defRPr/>
+              </a:pPr>
+              <a:endParaRPr lang="en-US">
+                <a:latin typeface="+mn-lt"/>
+              </a:endParaRPr>
             </a:p>
           </p:txBody>
         </p:sp>
         <p:sp>
           <p:nvSpPr>
-            <p:cNvPr id="18" name="Freeform 22"/>
+            <p:cNvPr id="8" name="Freeform 22"/>
             <p:cNvSpPr>
               <a:spLocks/>
             </p:cNvSpPr>
@@ -3554,8 +3756,8 @@
           </p:nvSpPr>
           <p:spPr bwMode="hidden">
             <a:xfrm>
-              <a:off x="3175" y="4335463"/>
-              <a:ext cx="8166100" cy="1101725"/>
+              <a:off x="4014" y="4334786"/>
+              <a:ext cx="8164231" cy="1102902"/>
             </a:xfrm>
             <a:custGeom>
               <a:avLst/>
@@ -3767,20 +3969,27 @@
             </a:ln>
           </p:spPr>
           <p:txBody>
-            <a:bodyPr vert="horz" wrap="square" lIns="91440" tIns="45720" rIns="91440" bIns="45720" numCol="1" anchor="t" anchorCtr="0" compatLnSpc="1">
-              <a:prstTxWarp prst="textNoShape">
-                <a:avLst/>
-              </a:prstTxWarp>
-            </a:bodyPr>
+            <a:bodyPr/>
             <a:lstStyle/>
             <a:p>
-              <a:endParaRPr lang="en-US"/>
+              <a:pPr fontAlgn="auto">
+                <a:spcBef>
+                  <a:spcPts val="0"/>
+                </a:spcBef>
+                <a:spcAft>
+                  <a:spcPts val="0"/>
+                </a:spcAft>
+                <a:defRPr/>
+              </a:pPr>
+              <a:endParaRPr lang="en-US">
+                <a:latin typeface="+mn-lt"/>
+              </a:endParaRPr>
             </a:p>
           </p:txBody>
         </p:sp>
         <p:sp>
           <p:nvSpPr>
-            <p:cNvPr id="19" name="Freeform 26"/>
+            <p:cNvPr id="9" name="Freeform 26"/>
             <p:cNvSpPr>
               <a:spLocks/>
             </p:cNvSpPr>
@@ -3788,8 +3997,8 @@
           </p:nvSpPr>
           <p:spPr bwMode="hidden">
             <a:xfrm>
-              <a:off x="4156075" y="4316413"/>
-              <a:ext cx="4940300" cy="927100"/>
+              <a:off x="4157164" y="4316742"/>
+              <a:ext cx="4939265" cy="926979"/>
             </a:xfrm>
             <a:custGeom>
               <a:avLst/>
@@ -3935,20 +4144,27 @@
             </a:ln>
           </p:spPr>
           <p:txBody>
-            <a:bodyPr vert="horz" wrap="square" lIns="91440" tIns="45720" rIns="91440" bIns="45720" numCol="1" anchor="t" anchorCtr="0" compatLnSpc="1">
-              <a:prstTxWarp prst="textNoShape">
-                <a:avLst/>
-              </a:prstTxWarp>
-            </a:bodyPr>
+            <a:bodyPr/>
             <a:lstStyle/>
             <a:p>
-              <a:endParaRPr lang="en-US"/>
+              <a:pPr fontAlgn="auto">
+                <a:spcBef>
+                  <a:spcPts val="0"/>
+                </a:spcBef>
+                <a:spcAft>
+                  <a:spcPts val="0"/>
+                </a:spcAft>
+                <a:defRPr/>
+              </a:pPr>
+              <a:endParaRPr lang="en-US">
+                <a:latin typeface="+mn-lt"/>
+              </a:endParaRPr>
             </a:p>
           </p:txBody>
         </p:sp>
         <p:sp useBgFill="1">
           <p:nvSpPr>
-            <p:cNvPr id="20" name="Freeform 19"/>
+            <p:cNvPr id="10" name="Freeform 19"/>
             <p:cNvSpPr>
               <a:spLocks/>
             </p:cNvSpPr>
@@ -4307,14 +4523,21 @@
             </a:ln>
           </p:spPr>
           <p:txBody>
-            <a:bodyPr vert="horz" wrap="square" lIns="91440" tIns="45720" rIns="91440" bIns="45720" numCol="1" anchor="t" anchorCtr="0" compatLnSpc="1">
-              <a:prstTxWarp prst="textNoShape">
-                <a:avLst/>
-              </a:prstTxWarp>
-            </a:bodyPr>
+            <a:bodyPr/>
             <a:lstStyle/>
             <a:p>
-              <a:endParaRPr lang="en-US"/>
+              <a:pPr fontAlgn="auto">
+                <a:spcBef>
+                  <a:spcPts val="0"/>
+                </a:spcBef>
+                <a:spcAft>
+                  <a:spcPts val="0"/>
+                </a:spcAft>
+                <a:defRPr/>
+              </a:pPr>
+              <a:endParaRPr lang="en-US">
+                <a:latin typeface="+mn-lt"/>
+              </a:endParaRPr>
             </a:p>
           </p:txBody>
         </p:sp>
@@ -4336,7 +4559,7 @@
           </a:xfrm>
         </p:spPr>
         <p:txBody>
-          <a:bodyPr vert="eaVert" anchor="ctr"/>
+          <a:bodyPr vert="eaVert"/>
           <a:lstStyle>
             <a:lvl1pPr algn="l">
               <a:defRPr>
@@ -4443,6 +4666,98 @@
           </a:p>
         </p:txBody>
       </p:sp>
+      <p:sp>
+        <p:nvSpPr>
+          <p:cNvPr id="11" name="Date Placeholder 3"/>
+          <p:cNvSpPr>
+            <a:spLocks noGrp="1"/>
+          </p:cNvSpPr>
+          <p:nvPr>
+            <p:ph type="dt" sz="half" idx="10"/>
+          </p:nvPr>
+        </p:nvSpPr>
+        <p:spPr/>
+        <p:txBody>
+          <a:bodyPr/>
+          <a:lstStyle>
+            <a:lvl1pPr>
+              <a:defRPr/>
+            </a:lvl1pPr>
+          </a:lstStyle>
+          <a:p>
+            <a:pPr>
+              <a:defRPr/>
+            </a:pPr>
+            <a:fld id="{B8D07D74-CA6B-499B-BD6E-97013119D1A1}" type="datetimeFigureOut">
+              <a:rPr lang="es-PE"/>
+              <a:pPr>
+                <a:defRPr/>
+              </a:pPr>
+              <a:t>07/05/2012</a:t>
+            </a:fld>
+            <a:endParaRPr lang="es-PE"/>
+          </a:p>
+        </p:txBody>
+      </p:sp>
+      <p:sp>
+        <p:nvSpPr>
+          <p:cNvPr id="12" name="Footer Placeholder 4"/>
+          <p:cNvSpPr>
+            <a:spLocks noGrp="1"/>
+          </p:cNvSpPr>
+          <p:nvPr>
+            <p:ph type="ftr" sz="quarter" idx="11"/>
+          </p:nvPr>
+        </p:nvSpPr>
+        <p:spPr/>
+        <p:txBody>
+          <a:bodyPr/>
+          <a:lstStyle>
+            <a:lvl1pPr>
+              <a:defRPr/>
+            </a:lvl1pPr>
+          </a:lstStyle>
+          <a:p>
+            <a:pPr>
+              <a:defRPr/>
+            </a:pPr>
+            <a:endParaRPr lang="es-PE"/>
+          </a:p>
+        </p:txBody>
+      </p:sp>
+      <p:sp>
+        <p:nvSpPr>
+          <p:cNvPr id="13" name="Slide Number Placeholder 5"/>
+          <p:cNvSpPr>
+            <a:spLocks noGrp="1"/>
+          </p:cNvSpPr>
+          <p:nvPr>
+            <p:ph type="sldNum" sz="quarter" idx="12"/>
+          </p:nvPr>
+        </p:nvSpPr>
+        <p:spPr/>
+        <p:txBody>
+          <a:bodyPr/>
+          <a:lstStyle>
+            <a:lvl1pPr>
+              <a:defRPr/>
+            </a:lvl1pPr>
+          </a:lstStyle>
+          <a:p>
+            <a:pPr>
+              <a:defRPr/>
+            </a:pPr>
+            <a:fld id="{D3AAE5F6-1FFF-4397-82A9-FCCBE769880F}" type="slidenum">
+              <a:rPr lang="es-PE"/>
+              <a:pPr>
+                <a:defRPr/>
+              </a:pPr>
+              <a:t>‹Nº›</a:t>
+            </a:fld>
+            <a:endParaRPr lang="es-PE"/>
+          </a:p>
+        </p:txBody>
+      </p:sp>
     </p:spTree>
   </p:cSld>
   <p:clrMapOvr>
@@ -4522,6 +4837,29 @@
       </p:sp>
       <p:sp>
         <p:nvSpPr>
+          <p:cNvPr id="7" name="Title 6"/>
+          <p:cNvSpPr>
+            <a:spLocks noGrp="1"/>
+          </p:cNvSpPr>
+          <p:nvPr>
+            <p:ph type="title"/>
+          </p:nvPr>
+        </p:nvSpPr>
+        <p:spPr/>
+        <p:txBody>
+          <a:bodyPr/>
+          <a:lstStyle/>
+          <a:p>
+            <a:r>
+              <a:rPr lang="es-ES" smtClean="0"/>
+              <a:t>Haga clic para modificar el estilo de título del patrón</a:t>
+            </a:r>
+            <a:endParaRPr lang="en-US"/>
+          </a:p>
+        </p:txBody>
+      </p:sp>
+      <p:sp>
+        <p:nvSpPr>
           <p:cNvPr id="4" name="Date Placeholder 3"/>
           <p:cNvSpPr>
             <a:spLocks noGrp="1"/>
@@ -4533,11 +4871,20 @@
         <p:spPr/>
         <p:txBody>
           <a:bodyPr/>
-          <a:lstStyle/>
+          <a:lstStyle>
+            <a:lvl1pPr>
+              <a:defRPr/>
+            </a:lvl1pPr>
+          </a:lstStyle>
           <a:p>
-            <a:fld id="{15AD49C3-FFB3-43A7-92FA-622BE02CB1C4}" type="datetimeFigureOut">
-              <a:rPr lang="es-PE" smtClean="0"/>
-              <a:pPr/>
+            <a:pPr>
+              <a:defRPr/>
+            </a:pPr>
+            <a:fld id="{AB1BD0DB-DCEE-4D57-8262-D324ABF93FAA}" type="datetimeFigureOut">
+              <a:rPr lang="es-PE"/>
+              <a:pPr>
+                <a:defRPr/>
+              </a:pPr>
               <a:t>07/05/2012</a:t>
             </a:fld>
             <a:endParaRPr lang="es-PE"/>
@@ -4557,8 +4904,15 @@
         <p:spPr/>
         <p:txBody>
           <a:bodyPr/>
-          <a:lstStyle/>
+          <a:lstStyle>
+            <a:lvl1pPr>
+              <a:defRPr/>
+            </a:lvl1pPr>
+          </a:lstStyle>
           <a:p>
+            <a:pPr>
+              <a:defRPr/>
+            </a:pPr>
             <a:endParaRPr lang="es-PE"/>
           </a:p>
         </p:txBody>
@@ -4576,37 +4930,23 @@
         <p:spPr/>
         <p:txBody>
           <a:bodyPr/>
-          <a:lstStyle/>
+          <a:lstStyle>
+            <a:lvl1pPr>
+              <a:defRPr/>
+            </a:lvl1pPr>
+          </a:lstStyle>
           <a:p>
-            <a:fld id="{0A355AF4-5C5D-4911-90B4-C651615D7B40}" type="slidenum">
-              <a:rPr lang="es-PE" smtClean="0"/>
-              <a:pPr/>
+            <a:pPr>
+              <a:defRPr/>
+            </a:pPr>
+            <a:fld id="{CA6A07E7-2516-4B8F-A50C-12FDAC8F6D5F}" type="slidenum">
+              <a:rPr lang="es-PE"/>
+              <a:pPr>
+                <a:defRPr/>
+              </a:pPr>
               <a:t>‹Nº›</a:t>
             </a:fld>
             <a:endParaRPr lang="es-PE"/>
-          </a:p>
-        </p:txBody>
-      </p:sp>
-      <p:sp>
-        <p:nvSpPr>
-          <p:cNvPr id="7" name="Title 6"/>
-          <p:cNvSpPr>
-            <a:spLocks noGrp="1"/>
-          </p:cNvSpPr>
-          <p:nvPr>
-            <p:ph type="title"/>
-          </p:nvPr>
-        </p:nvSpPr>
-        <p:spPr/>
-        <p:txBody>
-          <a:bodyPr/>
-          <a:lstStyle/>
-          <a:p>
-            <a:r>
-              <a:rPr lang="es-ES" smtClean="0"/>
-              <a:t>Haga clic para modificar el estilo de título del patrón</a:t>
-            </a:r>
-            <a:endParaRPr lang="en-US"/>
           </a:p>
         </p:txBody>
       </p:sp>
@@ -4637,14 +4977,14 @@
       </p:grpSpPr>
       <p:sp>
         <p:nvSpPr>
-          <p:cNvPr id="14" name="Rounded Rectangle 13"/>
+          <p:cNvPr id="4" name="Rounded Rectangle 13"/>
           <p:cNvSpPr/>
           <p:nvPr/>
         </p:nvSpPr>
         <p:spPr>
           <a:xfrm>
             <a:off x="228600" y="228600"/>
-            <a:ext cx="8695944" cy="4736592"/>
+            <a:ext cx="8696325" cy="4737100"/>
           </a:xfrm>
           <a:prstGeom prst="roundRect">
             <a:avLst>
@@ -4688,17 +5028,25 @@
           </a:fontRef>
         </p:style>
         <p:txBody>
-          <a:bodyPr rtlCol="0" anchor="ctr"/>
+          <a:bodyPr anchor="ctr"/>
           <a:lstStyle/>
           <a:p>
-            <a:pPr algn="ctr"/>
+            <a:pPr algn="ctr" fontAlgn="auto">
+              <a:spcBef>
+                <a:spcPts val="0"/>
+              </a:spcBef>
+              <a:spcAft>
+                <a:spcPts val="0"/>
+              </a:spcAft>
+              <a:defRPr/>
+            </a:pPr>
             <a:endParaRPr lang="en-US"/>
           </a:p>
         </p:txBody>
       </p:sp>
       <p:sp>
         <p:nvSpPr>
-          <p:cNvPr id="9" name="Freeform 14"/>
+          <p:cNvPr id="5" name="Freeform 14"/>
           <p:cNvSpPr>
             <a:spLocks/>
           </p:cNvSpPr>
@@ -4706,8 +5054,8 @@
         </p:nvSpPr>
         <p:spPr bwMode="hidden">
           <a:xfrm>
-            <a:off x="6047438" y="4203592"/>
-            <a:ext cx="2876429" cy="714026"/>
+            <a:off x="6046788" y="4203700"/>
+            <a:ext cx="2876550" cy="714375"/>
           </a:xfrm>
           <a:custGeom>
             <a:avLst/>
@@ -5077,20 +5425,27 @@
           </a:ln>
         </p:spPr>
         <p:txBody>
-          <a:bodyPr vert="horz" wrap="square" lIns="91440" tIns="45720" rIns="91440" bIns="45720" numCol="1" anchor="t" anchorCtr="0" compatLnSpc="1">
-            <a:prstTxWarp prst="textNoShape">
-              <a:avLst/>
-            </a:prstTxWarp>
-          </a:bodyPr>
+          <a:bodyPr/>
           <a:lstStyle/>
           <a:p>
-            <a:endParaRPr lang="en-US"/>
+            <a:pPr fontAlgn="auto">
+              <a:spcBef>
+                <a:spcPts val="0"/>
+              </a:spcBef>
+              <a:spcAft>
+                <a:spcPts val="0"/>
+              </a:spcAft>
+              <a:defRPr/>
+            </a:pPr>
+            <a:endParaRPr lang="en-US">
+              <a:latin typeface="+mn-lt"/>
+            </a:endParaRPr>
           </a:p>
         </p:txBody>
       </p:sp>
       <p:sp>
         <p:nvSpPr>
-          <p:cNvPr id="10" name="Freeform 18"/>
+          <p:cNvPr id="6" name="Freeform 18"/>
           <p:cNvSpPr>
             <a:spLocks/>
           </p:cNvSpPr>
@@ -5098,8 +5453,8 @@
         </p:nvSpPr>
         <p:spPr bwMode="hidden">
           <a:xfrm>
-            <a:off x="2619320" y="4075290"/>
-            <a:ext cx="5544515" cy="850138"/>
+            <a:off x="2619375" y="4075113"/>
+            <a:ext cx="5545138" cy="850900"/>
           </a:xfrm>
           <a:custGeom>
             <a:avLst/>
@@ -5454,20 +5809,27 @@
           </a:ln>
         </p:spPr>
         <p:txBody>
-          <a:bodyPr vert="horz" wrap="square" lIns="91440" tIns="45720" rIns="91440" bIns="45720" numCol="1" anchor="t" anchorCtr="0" compatLnSpc="1">
-            <a:prstTxWarp prst="textNoShape">
-              <a:avLst/>
-            </a:prstTxWarp>
-          </a:bodyPr>
+          <a:bodyPr/>
           <a:lstStyle/>
           <a:p>
-            <a:endParaRPr lang="en-US"/>
+            <a:pPr fontAlgn="auto">
+              <a:spcBef>
+                <a:spcPts val="0"/>
+              </a:spcBef>
+              <a:spcAft>
+                <a:spcPts val="0"/>
+              </a:spcAft>
+              <a:defRPr/>
+            </a:pPr>
+            <a:endParaRPr lang="en-US">
+              <a:latin typeface="+mn-lt"/>
+            </a:endParaRPr>
           </a:p>
         </p:txBody>
       </p:sp>
       <p:sp>
         <p:nvSpPr>
-          <p:cNvPr id="11" name="Freeform 22"/>
+          <p:cNvPr id="7" name="Freeform 22"/>
           <p:cNvSpPr>
             <a:spLocks/>
           </p:cNvSpPr>
@@ -5475,8 +5837,8 @@
         </p:nvSpPr>
         <p:spPr bwMode="hidden">
           <a:xfrm>
-            <a:off x="2828728" y="4087562"/>
-            <a:ext cx="5467980" cy="774272"/>
+            <a:off x="2828925" y="4087813"/>
+            <a:ext cx="5467350" cy="774700"/>
           </a:xfrm>
           <a:custGeom>
             <a:avLst/>
@@ -5688,20 +6050,27 @@
           </a:ln>
         </p:spPr>
         <p:txBody>
-          <a:bodyPr vert="horz" wrap="square" lIns="91440" tIns="45720" rIns="91440" bIns="45720" numCol="1" anchor="t" anchorCtr="0" compatLnSpc="1">
-            <a:prstTxWarp prst="textNoShape">
-              <a:avLst/>
-            </a:prstTxWarp>
-          </a:bodyPr>
+          <a:bodyPr/>
           <a:lstStyle/>
           <a:p>
-            <a:endParaRPr lang="en-US"/>
+            <a:pPr fontAlgn="auto">
+              <a:spcBef>
+                <a:spcPts val="0"/>
+              </a:spcBef>
+              <a:spcAft>
+                <a:spcPts val="0"/>
+              </a:spcAft>
+              <a:defRPr/>
+            </a:pPr>
+            <a:endParaRPr lang="en-US">
+              <a:latin typeface="+mn-lt"/>
+            </a:endParaRPr>
           </a:p>
         </p:txBody>
       </p:sp>
       <p:sp>
         <p:nvSpPr>
-          <p:cNvPr id="12" name="Freeform 26"/>
+          <p:cNvPr id="8" name="Freeform 26"/>
           <p:cNvSpPr>
             <a:spLocks/>
           </p:cNvSpPr>
@@ -5709,8 +6078,8 @@
         </p:nvSpPr>
         <p:spPr bwMode="hidden">
           <a:xfrm>
-            <a:off x="5609489" y="4074174"/>
-            <a:ext cx="3308000" cy="651549"/>
+            <a:off x="5610225" y="4073525"/>
+            <a:ext cx="3306763" cy="652463"/>
           </a:xfrm>
           <a:custGeom>
             <a:avLst/>
@@ -5856,20 +6225,27 @@
           </a:ln>
         </p:spPr>
         <p:txBody>
-          <a:bodyPr vert="horz" wrap="square" lIns="91440" tIns="45720" rIns="91440" bIns="45720" numCol="1" anchor="t" anchorCtr="0" compatLnSpc="1">
-            <a:prstTxWarp prst="textNoShape">
-              <a:avLst/>
-            </a:prstTxWarp>
-          </a:bodyPr>
+          <a:bodyPr/>
           <a:lstStyle/>
           <a:p>
-            <a:endParaRPr lang="en-US"/>
+            <a:pPr fontAlgn="auto">
+              <a:spcBef>
+                <a:spcPts val="0"/>
+              </a:spcBef>
+              <a:spcAft>
+                <a:spcPts val="0"/>
+              </a:spcAft>
+              <a:defRPr/>
+            </a:pPr>
+            <a:endParaRPr lang="en-US">
+              <a:latin typeface="+mn-lt"/>
+            </a:endParaRPr>
           </a:p>
         </p:txBody>
       </p:sp>
       <p:sp useBgFill="1">
         <p:nvSpPr>
-          <p:cNvPr id="13" name="Freeform 10"/>
+          <p:cNvPr id="9" name="Freeform 10"/>
           <p:cNvSpPr>
             <a:spLocks/>
           </p:cNvSpPr>
@@ -5877,8 +6253,8 @@
         </p:nvSpPr>
         <p:spPr bwMode="hidden">
           <a:xfrm>
-            <a:off x="211665" y="4058555"/>
-            <a:ext cx="8723376" cy="1329874"/>
+            <a:off x="211138" y="4059238"/>
+            <a:ext cx="8723312" cy="1328737"/>
           </a:xfrm>
           <a:custGeom>
             <a:avLst/>
@@ -6228,14 +6604,21 @@
           </a:ln>
         </p:spPr>
         <p:txBody>
-          <a:bodyPr vert="horz" wrap="square" lIns="91440" tIns="45720" rIns="91440" bIns="45720" numCol="1" anchor="t" anchorCtr="0" compatLnSpc="1">
-            <a:prstTxWarp prst="textNoShape">
-              <a:avLst/>
-            </a:prstTxWarp>
-          </a:bodyPr>
+          <a:bodyPr/>
           <a:lstStyle/>
           <a:p>
-            <a:endParaRPr lang="en-US"/>
+            <a:pPr fontAlgn="auto">
+              <a:spcBef>
+                <a:spcPts val="0"/>
+              </a:spcBef>
+              <a:spcAft>
+                <a:spcPts val="0"/>
+              </a:spcAft>
+              <a:defRPr/>
+            </a:pPr>
+            <a:endParaRPr lang="en-US">
+              <a:latin typeface="+mn-lt"/>
+            </a:endParaRPr>
           </a:p>
         </p:txBody>
       </p:sp>
@@ -6394,7 +6777,7 @@
       </p:sp>
       <p:sp>
         <p:nvSpPr>
-          <p:cNvPr id="4" name="Date Placeholder 3"/>
+          <p:cNvPr id="10" name="Date Placeholder 3"/>
           <p:cNvSpPr>
             <a:spLocks noGrp="1"/>
           </p:cNvSpPr>
@@ -6405,11 +6788,20 @@
         <p:spPr/>
         <p:txBody>
           <a:bodyPr/>
-          <a:lstStyle/>
+          <a:lstStyle>
+            <a:lvl1pPr>
+              <a:defRPr/>
+            </a:lvl1pPr>
+          </a:lstStyle>
           <a:p>
-            <a:fld id="{15AD49C3-FFB3-43A7-92FA-622BE02CB1C4}" type="datetimeFigureOut">
-              <a:rPr lang="es-PE" smtClean="0"/>
-              <a:pPr/>
+            <a:pPr>
+              <a:defRPr/>
+            </a:pPr>
+            <a:fld id="{E12B2C14-BD6F-4905-8C51-D3B417F77755}" type="datetimeFigureOut">
+              <a:rPr lang="es-PE"/>
+              <a:pPr>
+                <a:defRPr/>
+              </a:pPr>
               <a:t>07/05/2012</a:t>
             </a:fld>
             <a:endParaRPr lang="es-PE"/>
@@ -6418,7 +6810,7 @@
       </p:sp>
       <p:sp>
         <p:nvSpPr>
-          <p:cNvPr id="5" name="Footer Placeholder 4"/>
+          <p:cNvPr id="11" name="Footer Placeholder 4"/>
           <p:cNvSpPr>
             <a:spLocks noGrp="1"/>
           </p:cNvSpPr>
@@ -6429,15 +6821,22 @@
         <p:spPr/>
         <p:txBody>
           <a:bodyPr/>
-          <a:lstStyle/>
+          <a:lstStyle>
+            <a:lvl1pPr>
+              <a:defRPr/>
+            </a:lvl1pPr>
+          </a:lstStyle>
           <a:p>
+            <a:pPr>
+              <a:defRPr/>
+            </a:pPr>
             <a:endParaRPr lang="es-PE"/>
           </a:p>
         </p:txBody>
       </p:sp>
       <p:sp>
         <p:nvSpPr>
-          <p:cNvPr id="6" name="Slide Number Placeholder 5"/>
+          <p:cNvPr id="12" name="Slide Number Placeholder 5"/>
           <p:cNvSpPr>
             <a:spLocks noGrp="1"/>
           </p:cNvSpPr>
@@ -6448,11 +6847,20 @@
         <p:spPr/>
         <p:txBody>
           <a:bodyPr/>
-          <a:lstStyle/>
+          <a:lstStyle>
+            <a:lvl1pPr>
+              <a:defRPr/>
+            </a:lvl1pPr>
+          </a:lstStyle>
           <a:p>
-            <a:fld id="{0A355AF4-5C5D-4911-90B4-C651615D7B40}" type="slidenum">
-              <a:rPr lang="es-PE" smtClean="0"/>
-              <a:pPr/>
+            <a:pPr>
+              <a:defRPr/>
+            </a:pPr>
+            <a:fld id="{A134B223-3ECE-49FC-B55B-12A83D7042C9}" type="slidenum">
+              <a:rPr lang="es-PE"/>
+              <a:pPr>
+                <a:defRPr/>
+              </a:pPr>
               <a:t>‹Nº›</a:t>
             </a:fld>
             <a:endParaRPr lang="es-PE"/>
@@ -6504,73 +6912,6 @@
               <a:t>Haga clic para modificar el estilo de título del patrón</a:t>
             </a:r>
             <a:endParaRPr lang="en-US"/>
-          </a:p>
-        </p:txBody>
-      </p:sp>
-      <p:sp>
-        <p:nvSpPr>
-          <p:cNvPr id="5" name="Date Placeholder 4"/>
-          <p:cNvSpPr>
-            <a:spLocks noGrp="1"/>
-          </p:cNvSpPr>
-          <p:nvPr>
-            <p:ph type="dt" sz="half" idx="10"/>
-          </p:nvPr>
-        </p:nvSpPr>
-        <p:spPr/>
-        <p:txBody>
-          <a:bodyPr/>
-          <a:lstStyle/>
-          <a:p>
-            <a:fld id="{15AD49C3-FFB3-43A7-92FA-622BE02CB1C4}" type="datetimeFigureOut">
-              <a:rPr lang="es-PE" smtClean="0"/>
-              <a:pPr/>
-              <a:t>07/05/2012</a:t>
-            </a:fld>
-            <a:endParaRPr lang="es-PE"/>
-          </a:p>
-        </p:txBody>
-      </p:sp>
-      <p:sp>
-        <p:nvSpPr>
-          <p:cNvPr id="6" name="Footer Placeholder 5"/>
-          <p:cNvSpPr>
-            <a:spLocks noGrp="1"/>
-          </p:cNvSpPr>
-          <p:nvPr>
-            <p:ph type="ftr" sz="quarter" idx="11"/>
-          </p:nvPr>
-        </p:nvSpPr>
-        <p:spPr/>
-        <p:txBody>
-          <a:bodyPr/>
-          <a:lstStyle/>
-          <a:p>
-            <a:endParaRPr lang="es-PE"/>
-          </a:p>
-        </p:txBody>
-      </p:sp>
-      <p:sp>
-        <p:nvSpPr>
-          <p:cNvPr id="7" name="Slide Number Placeholder 6"/>
-          <p:cNvSpPr>
-            <a:spLocks noGrp="1"/>
-          </p:cNvSpPr>
-          <p:nvPr>
-            <p:ph type="sldNum" sz="quarter" idx="12"/>
-          </p:nvPr>
-        </p:nvSpPr>
-        <p:spPr/>
-        <p:txBody>
-          <a:bodyPr/>
-          <a:lstStyle/>
-          <a:p>
-            <a:fld id="{0A355AF4-5C5D-4911-90B4-C651615D7B40}" type="slidenum">
-              <a:rPr lang="es-PE" smtClean="0"/>
-              <a:pPr/>
-              <a:t>‹Nº›</a:t>
-            </a:fld>
-            <a:endParaRPr lang="es-PE"/>
           </a:p>
         </p:txBody>
       </p:sp>
@@ -6685,6 +7026,98 @@
               <a:t>Quinto nivel</a:t>
             </a:r>
             <a:endParaRPr lang="en-US"/>
+          </a:p>
+        </p:txBody>
+      </p:sp>
+      <p:sp>
+        <p:nvSpPr>
+          <p:cNvPr id="5" name="Date Placeholder 3"/>
+          <p:cNvSpPr>
+            <a:spLocks noGrp="1"/>
+          </p:cNvSpPr>
+          <p:nvPr>
+            <p:ph type="dt" sz="half" idx="15"/>
+          </p:nvPr>
+        </p:nvSpPr>
+        <p:spPr/>
+        <p:txBody>
+          <a:bodyPr/>
+          <a:lstStyle>
+            <a:lvl1pPr>
+              <a:defRPr/>
+            </a:lvl1pPr>
+          </a:lstStyle>
+          <a:p>
+            <a:pPr>
+              <a:defRPr/>
+            </a:pPr>
+            <a:fld id="{3D0DB937-B344-459D-AAAA-F7CBF75F0E86}" type="datetimeFigureOut">
+              <a:rPr lang="es-PE"/>
+              <a:pPr>
+                <a:defRPr/>
+              </a:pPr>
+              <a:t>07/05/2012</a:t>
+            </a:fld>
+            <a:endParaRPr lang="es-PE"/>
+          </a:p>
+        </p:txBody>
+      </p:sp>
+      <p:sp>
+        <p:nvSpPr>
+          <p:cNvPr id="6" name="Footer Placeholder 4"/>
+          <p:cNvSpPr>
+            <a:spLocks noGrp="1"/>
+          </p:cNvSpPr>
+          <p:nvPr>
+            <p:ph type="ftr" sz="quarter" idx="16"/>
+          </p:nvPr>
+        </p:nvSpPr>
+        <p:spPr/>
+        <p:txBody>
+          <a:bodyPr/>
+          <a:lstStyle>
+            <a:lvl1pPr>
+              <a:defRPr/>
+            </a:lvl1pPr>
+          </a:lstStyle>
+          <a:p>
+            <a:pPr>
+              <a:defRPr/>
+            </a:pPr>
+            <a:endParaRPr lang="es-PE"/>
+          </a:p>
+        </p:txBody>
+      </p:sp>
+      <p:sp>
+        <p:nvSpPr>
+          <p:cNvPr id="7" name="Slide Number Placeholder 5"/>
+          <p:cNvSpPr>
+            <a:spLocks noGrp="1"/>
+          </p:cNvSpPr>
+          <p:nvPr>
+            <p:ph type="sldNum" sz="quarter" idx="17"/>
+          </p:nvPr>
+        </p:nvSpPr>
+        <p:spPr/>
+        <p:txBody>
+          <a:bodyPr/>
+          <a:lstStyle>
+            <a:lvl1pPr>
+              <a:defRPr/>
+            </a:lvl1pPr>
+          </a:lstStyle>
+          <a:p>
+            <a:pPr>
+              <a:defRPr/>
+            </a:pPr>
+            <a:fld id="{EDC4E4E4-9CF6-4F1D-B52F-9CDAACA6D71E}" type="slidenum">
+              <a:rPr lang="es-PE"/>
+              <a:pPr>
+                <a:defRPr/>
+              </a:pPr>
+              <a:t>‹Nº›</a:t>
+            </a:fld>
+            <a:endParaRPr lang="es-PE"/>
           </a:p>
         </p:txBody>
       </p:sp>
@@ -7052,7 +7485,7 @@
       </p:sp>
       <p:sp>
         <p:nvSpPr>
-          <p:cNvPr id="7" name="Date Placeholder 6"/>
+          <p:cNvPr id="7" name="Date Placeholder 3"/>
           <p:cNvSpPr>
             <a:spLocks noGrp="1"/>
           </p:cNvSpPr>
@@ -7063,11 +7496,20 @@
         <p:spPr/>
         <p:txBody>
           <a:bodyPr/>
-          <a:lstStyle/>
+          <a:lstStyle>
+            <a:lvl1pPr>
+              <a:defRPr/>
+            </a:lvl1pPr>
+          </a:lstStyle>
           <a:p>
-            <a:fld id="{15AD49C3-FFB3-43A7-92FA-622BE02CB1C4}" type="datetimeFigureOut">
-              <a:rPr lang="es-PE" smtClean="0"/>
-              <a:pPr/>
+            <a:pPr>
+              <a:defRPr/>
+            </a:pPr>
+            <a:fld id="{0F479C08-189B-4877-989E-7F2701C0767F}" type="datetimeFigureOut">
+              <a:rPr lang="es-PE"/>
+              <a:pPr>
+                <a:defRPr/>
+              </a:pPr>
               <a:t>07/05/2012</a:t>
             </a:fld>
             <a:endParaRPr lang="es-PE"/>
@@ -7076,7 +7518,7 @@
       </p:sp>
       <p:sp>
         <p:nvSpPr>
-          <p:cNvPr id="8" name="Footer Placeholder 7"/>
+          <p:cNvPr id="8" name="Footer Placeholder 4"/>
           <p:cNvSpPr>
             <a:spLocks noGrp="1"/>
           </p:cNvSpPr>
@@ -7087,15 +7529,22 @@
         <p:spPr/>
         <p:txBody>
           <a:bodyPr/>
-          <a:lstStyle/>
+          <a:lstStyle>
+            <a:lvl1pPr>
+              <a:defRPr/>
+            </a:lvl1pPr>
+          </a:lstStyle>
           <a:p>
+            <a:pPr>
+              <a:defRPr/>
+            </a:pPr>
             <a:endParaRPr lang="es-PE"/>
           </a:p>
         </p:txBody>
       </p:sp>
       <p:sp>
         <p:nvSpPr>
-          <p:cNvPr id="9" name="Slide Number Placeholder 8"/>
+          <p:cNvPr id="9" name="Slide Number Placeholder 5"/>
           <p:cNvSpPr>
             <a:spLocks noGrp="1"/>
           </p:cNvSpPr>
@@ -7106,11 +7555,20 @@
         <p:spPr/>
         <p:txBody>
           <a:bodyPr/>
-          <a:lstStyle/>
+          <a:lstStyle>
+            <a:lvl1pPr>
+              <a:defRPr/>
+            </a:lvl1pPr>
+          </a:lstStyle>
           <a:p>
-            <a:fld id="{0A355AF4-5C5D-4911-90B4-C651615D7B40}" type="slidenum">
-              <a:rPr lang="es-PE" smtClean="0"/>
-              <a:pPr/>
+            <a:pPr>
+              <a:defRPr/>
+            </a:pPr>
+            <a:fld id="{EF0AC19D-9A6A-4353-B68E-547372638D27}" type="slidenum">
+              <a:rPr lang="es-PE"/>
+              <a:pPr>
+                <a:defRPr/>
+              </a:pPr>
               <a:t>‹Nº›</a:t>
             </a:fld>
             <a:endParaRPr lang="es-PE"/>
@@ -7167,7 +7625,7 @@
       </p:sp>
       <p:sp>
         <p:nvSpPr>
-          <p:cNvPr id="3" name="Date Placeholder 2"/>
+          <p:cNvPr id="3" name="Date Placeholder 3"/>
           <p:cNvSpPr>
             <a:spLocks noGrp="1"/>
           </p:cNvSpPr>
@@ -7178,11 +7636,20 @@
         <p:spPr/>
         <p:txBody>
           <a:bodyPr/>
-          <a:lstStyle/>
+          <a:lstStyle>
+            <a:lvl1pPr>
+              <a:defRPr/>
+            </a:lvl1pPr>
+          </a:lstStyle>
           <a:p>
-            <a:fld id="{15AD49C3-FFB3-43A7-92FA-622BE02CB1C4}" type="datetimeFigureOut">
-              <a:rPr lang="es-PE" smtClean="0"/>
-              <a:pPr/>
+            <a:pPr>
+              <a:defRPr/>
+            </a:pPr>
+            <a:fld id="{05666963-8D77-4979-9AD8-57D66A3E69BF}" type="datetimeFigureOut">
+              <a:rPr lang="es-PE"/>
+              <a:pPr>
+                <a:defRPr/>
+              </a:pPr>
               <a:t>07/05/2012</a:t>
             </a:fld>
             <a:endParaRPr lang="es-PE"/>
@@ -7191,7 +7658,7 @@
       </p:sp>
       <p:sp>
         <p:nvSpPr>
-          <p:cNvPr id="4" name="Footer Placeholder 3"/>
+          <p:cNvPr id="4" name="Footer Placeholder 4"/>
           <p:cNvSpPr>
             <a:spLocks noGrp="1"/>
           </p:cNvSpPr>
@@ -7202,15 +7669,22 @@
         <p:spPr/>
         <p:txBody>
           <a:bodyPr/>
-          <a:lstStyle/>
+          <a:lstStyle>
+            <a:lvl1pPr>
+              <a:defRPr/>
+            </a:lvl1pPr>
+          </a:lstStyle>
           <a:p>
+            <a:pPr>
+              <a:defRPr/>
+            </a:pPr>
             <a:endParaRPr lang="es-PE"/>
           </a:p>
         </p:txBody>
       </p:sp>
       <p:sp>
         <p:nvSpPr>
-          <p:cNvPr id="5" name="Slide Number Placeholder 4"/>
+          <p:cNvPr id="5" name="Slide Number Placeholder 5"/>
           <p:cNvSpPr>
             <a:spLocks noGrp="1"/>
           </p:cNvSpPr>
@@ -7221,11 +7695,20 @@
         <p:spPr/>
         <p:txBody>
           <a:bodyPr/>
-          <a:lstStyle/>
+          <a:lstStyle>
+            <a:lvl1pPr>
+              <a:defRPr/>
+            </a:lvl1pPr>
+          </a:lstStyle>
           <a:p>
-            <a:fld id="{0A355AF4-5C5D-4911-90B4-C651615D7B40}" type="slidenum">
-              <a:rPr lang="es-PE" smtClean="0"/>
-              <a:pPr/>
+            <a:pPr>
+              <a:defRPr/>
+            </a:pPr>
+            <a:fld id="{9C07902F-2171-42AB-89CC-64384C8A8E6B}" type="slidenum">
+              <a:rPr lang="es-PE"/>
+              <a:pPr>
+                <a:defRPr/>
+              </a:pPr>
               <a:t>‹Nº›</a:t>
             </a:fld>
             <a:endParaRPr lang="es-PE"/>
@@ -7259,14 +7742,14 @@
       </p:grpSpPr>
       <p:sp>
         <p:nvSpPr>
-          <p:cNvPr id="12" name="Rounded Rectangle 11"/>
+          <p:cNvPr id="2" name="Rounded Rectangle 11"/>
           <p:cNvSpPr/>
           <p:nvPr/>
         </p:nvSpPr>
         <p:spPr>
           <a:xfrm>
             <a:off x="228600" y="228600"/>
-            <a:ext cx="8695944" cy="1426464"/>
+            <a:ext cx="8696325" cy="1427163"/>
           </a:xfrm>
           <a:prstGeom prst="roundRect">
             <a:avLst>
@@ -7310,33 +7793,41 @@
           </a:fontRef>
         </p:style>
         <p:txBody>
-          <a:bodyPr rtlCol="0" anchor="ctr"/>
+          <a:bodyPr anchor="ctr"/>
           <a:lstStyle/>
           <a:p>
-            <a:pPr algn="ctr"/>
+            <a:pPr algn="ctr" fontAlgn="auto">
+              <a:spcBef>
+                <a:spcPts val="0"/>
+              </a:spcBef>
+              <a:spcAft>
+                <a:spcPts val="0"/>
+              </a:spcAft>
+              <a:defRPr/>
+            </a:pPr>
             <a:endParaRPr lang="en-US"/>
           </a:p>
         </p:txBody>
       </p:sp>
       <p:grpSp>
         <p:nvGrpSpPr>
-          <p:cNvPr id="6" name="Group 5"/>
+          <p:cNvPr id="3" name="Group 5"/>
           <p:cNvGrpSpPr>
             <a:grpSpLocks noChangeAspect="1"/>
           </p:cNvGrpSpPr>
           <p:nvPr/>
         </p:nvGrpSpPr>
-        <p:grpSpPr bwMode="hidden">
+        <p:grpSpPr bwMode="auto">
           <a:xfrm>
-            <a:off x="211665" y="714191"/>
-            <a:ext cx="8723376" cy="1329874"/>
+            <a:off x="211138" y="714375"/>
+            <a:ext cx="8723312" cy="1330325"/>
             <a:chOff x="-3905251" y="4294188"/>
             <a:chExt cx="13027839" cy="1892300"/>
           </a:xfrm>
         </p:grpSpPr>
         <p:sp>
           <p:nvSpPr>
-            <p:cNvPr id="7" name="Freeform 14"/>
+            <p:cNvPr id="4" name="Freeform 14"/>
             <p:cNvSpPr>
               <a:spLocks/>
             </p:cNvSpPr>
@@ -7344,8 +7835,8 @@
           </p:nvSpPr>
           <p:spPr bwMode="hidden">
             <a:xfrm>
-              <a:off x="4810125" y="4500563"/>
-              <a:ext cx="4295775" cy="1016000"/>
+              <a:off x="4810006" y="4499677"/>
+              <a:ext cx="4295986" cy="1016152"/>
             </a:xfrm>
             <a:custGeom>
               <a:avLst/>
@@ -7715,20 +8206,27 @@
             </a:ln>
           </p:spPr>
           <p:txBody>
-            <a:bodyPr vert="horz" wrap="square" lIns="91440" tIns="45720" rIns="91440" bIns="45720" numCol="1" anchor="t" anchorCtr="0" compatLnSpc="1">
-              <a:prstTxWarp prst="textNoShape">
-                <a:avLst/>
-              </a:prstTxWarp>
-            </a:bodyPr>
+            <a:bodyPr/>
             <a:lstStyle/>
             <a:p>
-              <a:endParaRPr lang="en-US"/>
+              <a:pPr fontAlgn="auto">
+                <a:spcBef>
+                  <a:spcPts val="0"/>
+                </a:spcBef>
+                <a:spcAft>
+                  <a:spcPts val="0"/>
+                </a:spcAft>
+                <a:defRPr/>
+              </a:pPr>
+              <a:endParaRPr lang="en-US">
+                <a:latin typeface="+mn-lt"/>
+              </a:endParaRPr>
             </a:p>
           </p:txBody>
         </p:sp>
         <p:sp>
           <p:nvSpPr>
-            <p:cNvPr id="8" name="Freeform 18"/>
+            <p:cNvPr id="5" name="Freeform 18"/>
             <p:cNvSpPr>
               <a:spLocks/>
             </p:cNvSpPr>
@@ -7736,8 +8234,8 @@
           </p:nvSpPr>
           <p:spPr bwMode="hidden">
             <a:xfrm>
-              <a:off x="-309563" y="4318000"/>
-              <a:ext cx="8280401" cy="1209675"/>
+              <a:off x="-308667" y="4319028"/>
+              <a:ext cx="8279020" cy="1208091"/>
             </a:xfrm>
             <a:custGeom>
               <a:avLst/>
@@ -8092,20 +8590,27 @@
             </a:ln>
           </p:spPr>
           <p:txBody>
-            <a:bodyPr vert="horz" wrap="square" lIns="91440" tIns="45720" rIns="91440" bIns="45720" numCol="1" anchor="t" anchorCtr="0" compatLnSpc="1">
-              <a:prstTxWarp prst="textNoShape">
-                <a:avLst/>
-              </a:prstTxWarp>
-            </a:bodyPr>
+            <a:bodyPr/>
             <a:lstStyle/>
             <a:p>
-              <a:endParaRPr lang="en-US"/>
+              <a:pPr fontAlgn="auto">
+                <a:spcBef>
+                  <a:spcPts val="0"/>
+                </a:spcBef>
+                <a:spcAft>
+                  <a:spcPts val="0"/>
+                </a:spcAft>
+                <a:defRPr/>
+              </a:pPr>
+              <a:endParaRPr lang="en-US">
+                <a:latin typeface="+mn-lt"/>
+              </a:endParaRPr>
             </a:p>
           </p:txBody>
         </p:sp>
         <p:sp>
           <p:nvSpPr>
-            <p:cNvPr id="9" name="Freeform 22"/>
+            <p:cNvPr id="6" name="Freeform 22"/>
             <p:cNvSpPr>
               <a:spLocks/>
             </p:cNvSpPr>
@@ -8113,8 +8618,8 @@
           </p:nvSpPr>
           <p:spPr bwMode="hidden">
             <a:xfrm>
-              <a:off x="3175" y="4335463"/>
-              <a:ext cx="8166100" cy="1101725"/>
+              <a:off x="4286" y="4334834"/>
+              <a:ext cx="8165219" cy="1101960"/>
             </a:xfrm>
             <a:custGeom>
               <a:avLst/>
@@ -8326,20 +8831,27 @@
             </a:ln>
           </p:spPr>
           <p:txBody>
-            <a:bodyPr vert="horz" wrap="square" lIns="91440" tIns="45720" rIns="91440" bIns="45720" numCol="1" anchor="t" anchorCtr="0" compatLnSpc="1">
-              <a:prstTxWarp prst="textNoShape">
-                <a:avLst/>
-              </a:prstTxWarp>
-            </a:bodyPr>
+            <a:bodyPr/>
             <a:lstStyle/>
             <a:p>
-              <a:endParaRPr lang="en-US"/>
+              <a:pPr fontAlgn="auto">
+                <a:spcBef>
+                  <a:spcPts val="0"/>
+                </a:spcBef>
+                <a:spcAft>
+                  <a:spcPts val="0"/>
+                </a:spcAft>
+                <a:defRPr/>
+              </a:pPr>
+              <a:endParaRPr lang="en-US">
+                <a:latin typeface="+mn-lt"/>
+              </a:endParaRPr>
             </a:p>
           </p:txBody>
         </p:sp>
         <p:sp>
           <p:nvSpPr>
-            <p:cNvPr id="10" name="Freeform 26"/>
+            <p:cNvPr id="7" name="Freeform 26"/>
             <p:cNvSpPr>
               <a:spLocks/>
             </p:cNvSpPr>
@@ -8347,8 +8859,8 @@
           </p:nvSpPr>
           <p:spPr bwMode="hidden">
             <a:xfrm>
-              <a:off x="4156075" y="4316413"/>
-              <a:ext cx="4940300" cy="927100"/>
+              <a:off x="4155651" y="4316769"/>
+              <a:ext cx="4940859" cy="925827"/>
             </a:xfrm>
             <a:custGeom>
               <a:avLst/>
@@ -8494,20 +9006,27 @@
             </a:ln>
           </p:spPr>
           <p:txBody>
-            <a:bodyPr vert="horz" wrap="square" lIns="91440" tIns="45720" rIns="91440" bIns="45720" numCol="1" anchor="t" anchorCtr="0" compatLnSpc="1">
-              <a:prstTxWarp prst="textNoShape">
-                <a:avLst/>
-              </a:prstTxWarp>
-            </a:bodyPr>
+            <a:bodyPr/>
             <a:lstStyle/>
             <a:p>
-              <a:endParaRPr lang="en-US"/>
+              <a:pPr fontAlgn="auto">
+                <a:spcBef>
+                  <a:spcPts val="0"/>
+                </a:spcBef>
+                <a:spcAft>
+                  <a:spcPts val="0"/>
+                </a:spcAft>
+                <a:defRPr/>
+              </a:pPr>
+              <a:endParaRPr lang="en-US">
+                <a:latin typeface="+mn-lt"/>
+              </a:endParaRPr>
             </a:p>
           </p:txBody>
         </p:sp>
         <p:sp useBgFill="1">
           <p:nvSpPr>
-            <p:cNvPr id="11" name="Freeform 10"/>
+            <p:cNvPr id="8" name="Freeform 10"/>
             <p:cNvSpPr>
               <a:spLocks/>
             </p:cNvSpPr>
@@ -8866,21 +9385,28 @@
             </a:ln>
           </p:spPr>
           <p:txBody>
-            <a:bodyPr vert="horz" wrap="square" lIns="91440" tIns="45720" rIns="91440" bIns="45720" numCol="1" anchor="t" anchorCtr="0" compatLnSpc="1">
-              <a:prstTxWarp prst="textNoShape">
-                <a:avLst/>
-              </a:prstTxWarp>
-            </a:bodyPr>
+            <a:bodyPr/>
             <a:lstStyle/>
             <a:p>
-              <a:endParaRPr lang="en-US"/>
+              <a:pPr fontAlgn="auto">
+                <a:spcBef>
+                  <a:spcPts val="0"/>
+                </a:spcBef>
+                <a:spcAft>
+                  <a:spcPts val="0"/>
+                </a:spcAft>
+                <a:defRPr/>
+              </a:pPr>
+              <a:endParaRPr lang="en-US">
+                <a:latin typeface="+mn-lt"/>
+              </a:endParaRPr>
             </a:p>
           </p:txBody>
         </p:sp>
       </p:grpSp>
       <p:sp>
         <p:nvSpPr>
-          <p:cNvPr id="2" name="Date Placeholder 1"/>
+          <p:cNvPr id="9" name="Date Placeholder 1"/>
           <p:cNvSpPr>
             <a:spLocks noGrp="1"/>
           </p:cNvSpPr>
@@ -8891,11 +9417,20 @@
         <p:spPr/>
         <p:txBody>
           <a:bodyPr/>
-          <a:lstStyle/>
+          <a:lstStyle>
+            <a:lvl1pPr>
+              <a:defRPr/>
+            </a:lvl1pPr>
+          </a:lstStyle>
           <a:p>
-            <a:fld id="{15AD49C3-FFB3-43A7-92FA-622BE02CB1C4}" type="datetimeFigureOut">
-              <a:rPr lang="es-PE" smtClean="0"/>
-              <a:pPr/>
+            <a:pPr>
+              <a:defRPr/>
+            </a:pPr>
+            <a:fld id="{31B98D29-125B-4067-BB73-9187C7F626D0}" type="datetimeFigureOut">
+              <a:rPr lang="es-PE"/>
+              <a:pPr>
+                <a:defRPr/>
+              </a:pPr>
               <a:t>07/05/2012</a:t>
             </a:fld>
             <a:endParaRPr lang="es-PE"/>
@@ -8904,7 +9439,7 @@
       </p:sp>
       <p:sp>
         <p:nvSpPr>
-          <p:cNvPr id="3" name="Footer Placeholder 2"/>
+          <p:cNvPr id="10" name="Footer Placeholder 2"/>
           <p:cNvSpPr>
             <a:spLocks noGrp="1"/>
           </p:cNvSpPr>
@@ -8915,15 +9450,22 @@
         <p:spPr/>
         <p:txBody>
           <a:bodyPr/>
-          <a:lstStyle/>
+          <a:lstStyle>
+            <a:lvl1pPr>
+              <a:defRPr/>
+            </a:lvl1pPr>
+          </a:lstStyle>
           <a:p>
+            <a:pPr>
+              <a:defRPr/>
+            </a:pPr>
             <a:endParaRPr lang="es-PE"/>
           </a:p>
         </p:txBody>
       </p:sp>
       <p:sp>
         <p:nvSpPr>
-          <p:cNvPr id="4" name="Slide Number Placeholder 3"/>
+          <p:cNvPr id="11" name="Slide Number Placeholder 3"/>
           <p:cNvSpPr>
             <a:spLocks noGrp="1"/>
           </p:cNvSpPr>
@@ -8934,11 +9476,20 @@
         <p:spPr/>
         <p:txBody>
           <a:bodyPr/>
-          <a:lstStyle/>
+          <a:lstStyle>
+            <a:lvl1pPr>
+              <a:defRPr/>
+            </a:lvl1pPr>
+          </a:lstStyle>
           <a:p>
-            <a:fld id="{0A355AF4-5C5D-4911-90B4-C651615D7B40}" type="slidenum">
-              <a:rPr lang="es-PE" smtClean="0"/>
-              <a:pPr/>
+            <a:pPr>
+              <a:defRPr/>
+            </a:pPr>
+            <a:fld id="{C947E7A5-327B-4C27-A99C-5072C0292D31}" type="slidenum">
+              <a:rPr lang="es-PE"/>
+              <a:pPr>
+                <a:defRPr/>
+              </a:pPr>
               <a:t>‹Nº›</a:t>
             </a:fld>
             <a:endParaRPr lang="es-PE"/>
@@ -8972,14 +9523,14 @@
       </p:grpSpPr>
       <p:sp>
         <p:nvSpPr>
-          <p:cNvPr id="15" name="Rounded Rectangle 14"/>
+          <p:cNvPr id="5" name="Rounded Rectangle 14"/>
           <p:cNvSpPr/>
           <p:nvPr/>
         </p:nvSpPr>
         <p:spPr>
           <a:xfrm>
             <a:off x="228600" y="228600"/>
-            <a:ext cx="8695944" cy="1426464"/>
+            <a:ext cx="8696325" cy="1427163"/>
           </a:xfrm>
           <a:prstGeom prst="roundRect">
             <a:avLst>
@@ -9023,81 +9574,1617 @@
           </a:fontRef>
         </p:style>
         <p:txBody>
-          <a:bodyPr rtlCol="0" anchor="ctr"/>
+          <a:bodyPr anchor="ctr"/>
           <a:lstStyle/>
           <a:p>
-            <a:pPr algn="ctr"/>
+            <a:pPr algn="ctr" fontAlgn="auto">
+              <a:spcBef>
+                <a:spcPts val="0"/>
+              </a:spcBef>
+              <a:spcAft>
+                <a:spcPts val="0"/>
+              </a:spcAft>
+              <a:defRPr/>
+            </a:pPr>
             <a:endParaRPr lang="en-US"/>
           </a:p>
         </p:txBody>
       </p:sp>
-      <p:sp>
-        <p:nvSpPr>
-          <p:cNvPr id="5" name="Date Placeholder 4"/>
-          <p:cNvSpPr>
-            <a:spLocks noGrp="1"/>
-          </p:cNvSpPr>
-          <p:nvPr>
-            <p:ph type="dt" sz="half" idx="10"/>
-          </p:nvPr>
-        </p:nvSpPr>
-        <p:spPr/>
-        <p:txBody>
-          <a:bodyPr/>
-          <a:lstStyle/>
-          <a:p>
-            <a:fld id="{15AD49C3-FFB3-43A7-92FA-622BE02CB1C4}" type="datetimeFigureOut">
-              <a:rPr lang="es-PE" smtClean="0"/>
-              <a:pPr/>
-              <a:t>07/05/2012</a:t>
-            </a:fld>
-            <a:endParaRPr lang="es-PE"/>
-          </a:p>
-        </p:txBody>
-      </p:sp>
-      <p:sp>
-        <p:nvSpPr>
-          <p:cNvPr id="6" name="Footer Placeholder 5"/>
-          <p:cNvSpPr>
-            <a:spLocks noGrp="1"/>
-          </p:cNvSpPr>
-          <p:nvPr>
-            <p:ph type="ftr" sz="quarter" idx="11"/>
-          </p:nvPr>
-        </p:nvSpPr>
-        <p:spPr/>
-        <p:txBody>
-          <a:bodyPr/>
-          <a:lstStyle/>
-          <a:p>
-            <a:endParaRPr lang="es-PE"/>
-          </a:p>
-        </p:txBody>
-      </p:sp>
-      <p:sp>
-        <p:nvSpPr>
-          <p:cNvPr id="7" name="Slide Number Placeholder 6"/>
-          <p:cNvSpPr>
-            <a:spLocks noGrp="1"/>
-          </p:cNvSpPr>
-          <p:nvPr>
-            <p:ph type="sldNum" sz="quarter" idx="12"/>
-          </p:nvPr>
-        </p:nvSpPr>
-        <p:spPr/>
-        <p:txBody>
-          <a:bodyPr/>
-          <a:lstStyle/>
-          <a:p>
-            <a:fld id="{0A355AF4-5C5D-4911-90B4-C651615D7B40}" type="slidenum">
-              <a:rPr lang="es-PE" smtClean="0"/>
-              <a:pPr/>
-              <a:t>‹Nº›</a:t>
-            </a:fld>
-            <a:endParaRPr lang="es-PE"/>
-          </a:p>
-        </p:txBody>
-      </p:sp>
+      <p:grpSp>
+        <p:nvGrpSpPr>
+          <p:cNvPr id="6" name="Group 23"/>
+          <p:cNvGrpSpPr>
+            <a:grpSpLocks noChangeAspect="1"/>
+          </p:cNvGrpSpPr>
+          <p:nvPr/>
+        </p:nvGrpSpPr>
+        <p:grpSpPr bwMode="auto">
+          <a:xfrm>
+            <a:off x="211138" y="714375"/>
+            <a:ext cx="8723312" cy="1331913"/>
+            <a:chOff x="-3905250" y="4294188"/>
+            <a:chExt cx="13011150" cy="1892300"/>
+          </a:xfrm>
+        </p:grpSpPr>
+        <p:sp>
+          <p:nvSpPr>
+            <p:cNvPr id="7" name="Freeform 14"/>
+            <p:cNvSpPr>
+              <a:spLocks/>
+            </p:cNvSpPr>
+            <p:nvPr/>
+          </p:nvSpPr>
+          <p:spPr bwMode="hidden">
+            <a:xfrm>
+              <a:off x="4810681" y="4501687"/>
+              <a:ext cx="4295219" cy="1014940"/>
+            </a:xfrm>
+            <a:custGeom>
+              <a:avLst/>
+              <a:gdLst/>
+              <a:ahLst/>
+              <a:cxnLst>
+                <a:cxn ang="0">
+                  <a:pos x="2700" y="0"/>
+                </a:cxn>
+                <a:cxn ang="0">
+                  <a:pos x="2700" y="0"/>
+                </a:cxn>
+                <a:cxn ang="0">
+                  <a:pos x="2586" y="18"/>
+                </a:cxn>
+                <a:cxn ang="0">
+                  <a:pos x="2470" y="38"/>
+                </a:cxn>
+                <a:cxn ang="0">
+                  <a:pos x="2352" y="60"/>
+                </a:cxn>
+                <a:cxn ang="0">
+                  <a:pos x="2230" y="82"/>
+                </a:cxn>
+                <a:cxn ang="0">
+                  <a:pos x="2106" y="108"/>
+                </a:cxn>
+                <a:cxn ang="0">
+                  <a:pos x="1978" y="134"/>
+                </a:cxn>
+                <a:cxn ang="0">
+                  <a:pos x="1848" y="164"/>
+                </a:cxn>
+                <a:cxn ang="0">
+                  <a:pos x="1714" y="194"/>
+                </a:cxn>
+                <a:cxn ang="0">
+                  <a:pos x="1714" y="194"/>
+                </a:cxn>
+                <a:cxn ang="0">
+                  <a:pos x="1472" y="252"/>
+                </a:cxn>
+                <a:cxn ang="0">
+                  <a:pos x="1236" y="304"/>
+                </a:cxn>
+                <a:cxn ang="0">
+                  <a:pos x="1010" y="352"/>
+                </a:cxn>
+                <a:cxn ang="0">
+                  <a:pos x="792" y="398"/>
+                </a:cxn>
+                <a:cxn ang="0">
+                  <a:pos x="584" y="438"/>
+                </a:cxn>
+                <a:cxn ang="0">
+                  <a:pos x="382" y="474"/>
+                </a:cxn>
+                <a:cxn ang="0">
+                  <a:pos x="188" y="508"/>
+                </a:cxn>
+                <a:cxn ang="0">
+                  <a:pos x="0" y="538"/>
+                </a:cxn>
+                <a:cxn ang="0">
+                  <a:pos x="0" y="538"/>
+                </a:cxn>
+                <a:cxn ang="0">
+                  <a:pos x="130" y="556"/>
+                </a:cxn>
+                <a:cxn ang="0">
+                  <a:pos x="254" y="572"/>
+                </a:cxn>
+                <a:cxn ang="0">
+                  <a:pos x="374" y="586"/>
+                </a:cxn>
+                <a:cxn ang="0">
+                  <a:pos x="492" y="598"/>
+                </a:cxn>
+                <a:cxn ang="0">
+                  <a:pos x="606" y="610"/>
+                </a:cxn>
+                <a:cxn ang="0">
+                  <a:pos x="716" y="618"/>
+                </a:cxn>
+                <a:cxn ang="0">
+                  <a:pos x="822" y="626"/>
+                </a:cxn>
+                <a:cxn ang="0">
+                  <a:pos x="926" y="632"/>
+                </a:cxn>
+                <a:cxn ang="0">
+                  <a:pos x="1028" y="636"/>
+                </a:cxn>
+                <a:cxn ang="0">
+                  <a:pos x="1126" y="638"/>
+                </a:cxn>
+                <a:cxn ang="0">
+                  <a:pos x="1220" y="640"/>
+                </a:cxn>
+                <a:cxn ang="0">
+                  <a:pos x="1312" y="640"/>
+                </a:cxn>
+                <a:cxn ang="0">
+                  <a:pos x="1402" y="638"/>
+                </a:cxn>
+                <a:cxn ang="0">
+                  <a:pos x="1490" y="636"/>
+                </a:cxn>
+                <a:cxn ang="0">
+                  <a:pos x="1574" y="632"/>
+                </a:cxn>
+                <a:cxn ang="0">
+                  <a:pos x="1656" y="626"/>
+                </a:cxn>
+                <a:cxn ang="0">
+                  <a:pos x="1734" y="620"/>
+                </a:cxn>
+                <a:cxn ang="0">
+                  <a:pos x="1812" y="612"/>
+                </a:cxn>
+                <a:cxn ang="0">
+                  <a:pos x="1886" y="602"/>
+                </a:cxn>
+                <a:cxn ang="0">
+                  <a:pos x="1960" y="592"/>
+                </a:cxn>
+                <a:cxn ang="0">
+                  <a:pos x="2030" y="580"/>
+                </a:cxn>
+                <a:cxn ang="0">
+                  <a:pos x="2100" y="568"/>
+                </a:cxn>
+                <a:cxn ang="0">
+                  <a:pos x="2166" y="554"/>
+                </a:cxn>
+                <a:cxn ang="0">
+                  <a:pos x="2232" y="540"/>
+                </a:cxn>
+                <a:cxn ang="0">
+                  <a:pos x="2296" y="524"/>
+                </a:cxn>
+                <a:cxn ang="0">
+                  <a:pos x="2358" y="508"/>
+                </a:cxn>
+                <a:cxn ang="0">
+                  <a:pos x="2418" y="490"/>
+                </a:cxn>
+                <a:cxn ang="0">
+                  <a:pos x="2478" y="472"/>
+                </a:cxn>
+                <a:cxn ang="0">
+                  <a:pos x="2592" y="432"/>
+                </a:cxn>
+                <a:cxn ang="0">
+                  <a:pos x="2702" y="390"/>
+                </a:cxn>
+                <a:cxn ang="0">
+                  <a:pos x="2702" y="390"/>
+                </a:cxn>
+                <a:cxn ang="0">
+                  <a:pos x="2706" y="388"/>
+                </a:cxn>
+                <a:cxn ang="0">
+                  <a:pos x="2706" y="388"/>
+                </a:cxn>
+                <a:cxn ang="0">
+                  <a:pos x="2706" y="0"/>
+                </a:cxn>
+                <a:cxn ang="0">
+                  <a:pos x="2706" y="0"/>
+                </a:cxn>
+                <a:cxn ang="0">
+                  <a:pos x="2700" y="0"/>
+                </a:cxn>
+                <a:cxn ang="0">
+                  <a:pos x="2700" y="0"/>
+                </a:cxn>
+              </a:cxnLst>
+              <a:rect l="0" t="0" r="r" b="b"/>
+              <a:pathLst>
+                <a:path w="2706" h="640">
+                  <a:moveTo>
+                    <a:pt x="2700" y="0"/>
+                  </a:moveTo>
+                  <a:lnTo>
+                    <a:pt x="2700" y="0"/>
+                  </a:lnTo>
+                  <a:lnTo>
+                    <a:pt x="2586" y="18"/>
+                  </a:lnTo>
+                  <a:lnTo>
+                    <a:pt x="2470" y="38"/>
+                  </a:lnTo>
+                  <a:lnTo>
+                    <a:pt x="2352" y="60"/>
+                  </a:lnTo>
+                  <a:lnTo>
+                    <a:pt x="2230" y="82"/>
+                  </a:lnTo>
+                  <a:lnTo>
+                    <a:pt x="2106" y="108"/>
+                  </a:lnTo>
+                  <a:lnTo>
+                    <a:pt x="1978" y="134"/>
+                  </a:lnTo>
+                  <a:lnTo>
+                    <a:pt x="1848" y="164"/>
+                  </a:lnTo>
+                  <a:lnTo>
+                    <a:pt x="1714" y="194"/>
+                  </a:lnTo>
+                  <a:lnTo>
+                    <a:pt x="1714" y="194"/>
+                  </a:lnTo>
+                  <a:lnTo>
+                    <a:pt x="1472" y="252"/>
+                  </a:lnTo>
+                  <a:lnTo>
+                    <a:pt x="1236" y="304"/>
+                  </a:lnTo>
+                  <a:lnTo>
+                    <a:pt x="1010" y="352"/>
+                  </a:lnTo>
+                  <a:lnTo>
+                    <a:pt x="792" y="398"/>
+                  </a:lnTo>
+                  <a:lnTo>
+                    <a:pt x="584" y="438"/>
+                  </a:lnTo>
+                  <a:lnTo>
+                    <a:pt x="382" y="474"/>
+                  </a:lnTo>
+                  <a:lnTo>
+                    <a:pt x="188" y="508"/>
+                  </a:lnTo>
+                  <a:lnTo>
+                    <a:pt x="0" y="538"/>
+                  </a:lnTo>
+                  <a:lnTo>
+                    <a:pt x="0" y="538"/>
+                  </a:lnTo>
+                  <a:lnTo>
+                    <a:pt x="130" y="556"/>
+                  </a:lnTo>
+                  <a:lnTo>
+                    <a:pt x="254" y="572"/>
+                  </a:lnTo>
+                  <a:lnTo>
+                    <a:pt x="374" y="586"/>
+                  </a:lnTo>
+                  <a:lnTo>
+                    <a:pt x="492" y="598"/>
+                  </a:lnTo>
+                  <a:lnTo>
+                    <a:pt x="606" y="610"/>
+                  </a:lnTo>
+                  <a:lnTo>
+                    <a:pt x="716" y="618"/>
+                  </a:lnTo>
+                  <a:lnTo>
+                    <a:pt x="822" y="626"/>
+                  </a:lnTo>
+                  <a:lnTo>
+                    <a:pt x="926" y="632"/>
+                  </a:lnTo>
+                  <a:lnTo>
+                    <a:pt x="1028" y="636"/>
+                  </a:lnTo>
+                  <a:lnTo>
+                    <a:pt x="1126" y="638"/>
+                  </a:lnTo>
+                  <a:lnTo>
+                    <a:pt x="1220" y="640"/>
+                  </a:lnTo>
+                  <a:lnTo>
+                    <a:pt x="1312" y="640"/>
+                  </a:lnTo>
+                  <a:lnTo>
+                    <a:pt x="1402" y="638"/>
+                  </a:lnTo>
+                  <a:lnTo>
+                    <a:pt x="1490" y="636"/>
+                  </a:lnTo>
+                  <a:lnTo>
+                    <a:pt x="1574" y="632"/>
+                  </a:lnTo>
+                  <a:lnTo>
+                    <a:pt x="1656" y="626"/>
+                  </a:lnTo>
+                  <a:lnTo>
+                    <a:pt x="1734" y="620"/>
+                  </a:lnTo>
+                  <a:lnTo>
+                    <a:pt x="1812" y="612"/>
+                  </a:lnTo>
+                  <a:lnTo>
+                    <a:pt x="1886" y="602"/>
+                  </a:lnTo>
+                  <a:lnTo>
+                    <a:pt x="1960" y="592"/>
+                  </a:lnTo>
+                  <a:lnTo>
+                    <a:pt x="2030" y="580"/>
+                  </a:lnTo>
+                  <a:lnTo>
+                    <a:pt x="2100" y="568"/>
+                  </a:lnTo>
+                  <a:lnTo>
+                    <a:pt x="2166" y="554"/>
+                  </a:lnTo>
+                  <a:lnTo>
+                    <a:pt x="2232" y="540"/>
+                  </a:lnTo>
+                  <a:lnTo>
+                    <a:pt x="2296" y="524"/>
+                  </a:lnTo>
+                  <a:lnTo>
+                    <a:pt x="2358" y="508"/>
+                  </a:lnTo>
+                  <a:lnTo>
+                    <a:pt x="2418" y="490"/>
+                  </a:lnTo>
+                  <a:lnTo>
+                    <a:pt x="2478" y="472"/>
+                  </a:lnTo>
+                  <a:lnTo>
+                    <a:pt x="2592" y="432"/>
+                  </a:lnTo>
+                  <a:lnTo>
+                    <a:pt x="2702" y="390"/>
+                  </a:lnTo>
+                  <a:lnTo>
+                    <a:pt x="2702" y="390"/>
+                  </a:lnTo>
+                  <a:lnTo>
+                    <a:pt x="2706" y="388"/>
+                  </a:lnTo>
+                  <a:lnTo>
+                    <a:pt x="2706" y="388"/>
+                  </a:lnTo>
+                  <a:lnTo>
+                    <a:pt x="2706" y="0"/>
+                  </a:lnTo>
+                  <a:lnTo>
+                    <a:pt x="2706" y="0"/>
+                  </a:lnTo>
+                  <a:lnTo>
+                    <a:pt x="2700" y="0"/>
+                  </a:lnTo>
+                  <a:lnTo>
+                    <a:pt x="2700" y="0"/>
+                  </a:lnTo>
+                  <a:close/>
+                </a:path>
+              </a:pathLst>
+            </a:custGeom>
+            <a:solidFill>
+              <a:schemeClr val="bg2">
+                <a:alpha val="29000"/>
+              </a:schemeClr>
+            </a:solidFill>
+            <a:ln w="9525">
+              <a:noFill/>
+              <a:round/>
+              <a:headEnd/>
+              <a:tailEnd/>
+            </a:ln>
+          </p:spPr>
+          <p:txBody>
+            <a:bodyPr/>
+            <a:lstStyle/>
+            <a:p>
+              <a:pPr fontAlgn="auto">
+                <a:spcBef>
+                  <a:spcPts val="0"/>
+                </a:spcBef>
+                <a:spcAft>
+                  <a:spcPts val="0"/>
+                </a:spcAft>
+                <a:defRPr/>
+              </a:pPr>
+              <a:endParaRPr lang="en-US">
+                <a:latin typeface="+mn-lt"/>
+              </a:endParaRPr>
+            </a:p>
+          </p:txBody>
+        </p:sp>
+        <p:sp>
+          <p:nvSpPr>
+            <p:cNvPr id="8" name="Freeform 18"/>
+            <p:cNvSpPr>
+              <a:spLocks/>
+            </p:cNvSpPr>
+            <p:nvPr/>
+          </p:nvSpPr>
+          <p:spPr bwMode="hidden">
+            <a:xfrm>
+              <a:off x="-308538" y="4318998"/>
+              <a:ext cx="8280254" cy="1208906"/>
+            </a:xfrm>
+            <a:custGeom>
+              <a:avLst/>
+              <a:gdLst/>
+              <a:ahLst/>
+              <a:cxnLst>
+                <a:cxn ang="0">
+                  <a:pos x="5216" y="714"/>
+                </a:cxn>
+                <a:cxn ang="0">
+                  <a:pos x="4984" y="686"/>
+                </a:cxn>
+                <a:cxn ang="0">
+                  <a:pos x="4478" y="610"/>
+                </a:cxn>
+                <a:cxn ang="0">
+                  <a:pos x="3914" y="508"/>
+                </a:cxn>
+                <a:cxn ang="0">
+                  <a:pos x="3286" y="374"/>
+                </a:cxn>
+                <a:cxn ang="0">
+                  <a:pos x="2946" y="296"/>
+                </a:cxn>
+                <a:cxn ang="0">
+                  <a:pos x="2682" y="236"/>
+                </a:cxn>
+                <a:cxn ang="0">
+                  <a:pos x="2430" y="184"/>
+                </a:cxn>
+                <a:cxn ang="0">
+                  <a:pos x="2190" y="140"/>
+                </a:cxn>
+                <a:cxn ang="0">
+                  <a:pos x="1960" y="102"/>
+                </a:cxn>
+                <a:cxn ang="0">
+                  <a:pos x="1740" y="72"/>
+                </a:cxn>
+                <a:cxn ang="0">
+                  <a:pos x="1334" y="28"/>
+                </a:cxn>
+                <a:cxn ang="0">
+                  <a:pos x="970" y="4"/>
+                </a:cxn>
+                <a:cxn ang="0">
+                  <a:pos x="644" y="0"/>
+                </a:cxn>
+                <a:cxn ang="0">
+                  <a:pos x="358" y="10"/>
+                </a:cxn>
+                <a:cxn ang="0">
+                  <a:pos x="110" y="32"/>
+                </a:cxn>
+                <a:cxn ang="0">
+                  <a:pos x="0" y="48"/>
+                </a:cxn>
+                <a:cxn ang="0">
+                  <a:pos x="314" y="86"/>
+                </a:cxn>
+                <a:cxn ang="0">
+                  <a:pos x="652" y="140"/>
+                </a:cxn>
+                <a:cxn ang="0">
+                  <a:pos x="1014" y="210"/>
+                </a:cxn>
+                <a:cxn ang="0">
+                  <a:pos x="1402" y="296"/>
+                </a:cxn>
+                <a:cxn ang="0">
+                  <a:pos x="1756" y="378"/>
+                </a:cxn>
+                <a:cxn ang="0">
+                  <a:pos x="2408" y="516"/>
+                </a:cxn>
+                <a:cxn ang="0">
+                  <a:pos x="2708" y="572"/>
+                </a:cxn>
+                <a:cxn ang="0">
+                  <a:pos x="2992" y="620"/>
+                </a:cxn>
+                <a:cxn ang="0">
+                  <a:pos x="3260" y="662"/>
+                </a:cxn>
+                <a:cxn ang="0">
+                  <a:pos x="3512" y="694"/>
+                </a:cxn>
+                <a:cxn ang="0">
+                  <a:pos x="3750" y="722"/>
+                </a:cxn>
+                <a:cxn ang="0">
+                  <a:pos x="3974" y="740"/>
+                </a:cxn>
+                <a:cxn ang="0">
+                  <a:pos x="4184" y="754"/>
+                </a:cxn>
+                <a:cxn ang="0">
+                  <a:pos x="4384" y="762"/>
+                </a:cxn>
+                <a:cxn ang="0">
+                  <a:pos x="4570" y="762"/>
+                </a:cxn>
+                <a:cxn ang="0">
+                  <a:pos x="4746" y="758"/>
+                </a:cxn>
+                <a:cxn ang="0">
+                  <a:pos x="4912" y="748"/>
+                </a:cxn>
+                <a:cxn ang="0">
+                  <a:pos x="5068" y="732"/>
+                </a:cxn>
+                <a:cxn ang="0">
+                  <a:pos x="5216" y="714"/>
+                </a:cxn>
+              </a:cxnLst>
+              <a:rect l="0" t="0" r="r" b="b"/>
+              <a:pathLst>
+                <a:path w="5216" h="762">
+                  <a:moveTo>
+                    <a:pt x="5216" y="714"/>
+                  </a:moveTo>
+                  <a:lnTo>
+                    <a:pt x="5216" y="714"/>
+                  </a:lnTo>
+                  <a:lnTo>
+                    <a:pt x="5102" y="700"/>
+                  </a:lnTo>
+                  <a:lnTo>
+                    <a:pt x="4984" y="686"/>
+                  </a:lnTo>
+                  <a:lnTo>
+                    <a:pt x="4738" y="652"/>
+                  </a:lnTo>
+                  <a:lnTo>
+                    <a:pt x="4478" y="610"/>
+                  </a:lnTo>
+                  <a:lnTo>
+                    <a:pt x="4204" y="564"/>
+                  </a:lnTo>
+                  <a:lnTo>
+                    <a:pt x="3914" y="508"/>
+                  </a:lnTo>
+                  <a:lnTo>
+                    <a:pt x="3608" y="446"/>
+                  </a:lnTo>
+                  <a:lnTo>
+                    <a:pt x="3286" y="374"/>
+                  </a:lnTo>
+                  <a:lnTo>
+                    <a:pt x="2946" y="296"/>
+                  </a:lnTo>
+                  <a:lnTo>
+                    <a:pt x="2946" y="296"/>
+                  </a:lnTo>
+                  <a:lnTo>
+                    <a:pt x="2812" y="266"/>
+                  </a:lnTo>
+                  <a:lnTo>
+                    <a:pt x="2682" y="236"/>
+                  </a:lnTo>
+                  <a:lnTo>
+                    <a:pt x="2556" y="210"/>
+                  </a:lnTo>
+                  <a:lnTo>
+                    <a:pt x="2430" y="184"/>
+                  </a:lnTo>
+                  <a:lnTo>
+                    <a:pt x="2308" y="162"/>
+                  </a:lnTo>
+                  <a:lnTo>
+                    <a:pt x="2190" y="140"/>
+                  </a:lnTo>
+                  <a:lnTo>
+                    <a:pt x="2074" y="120"/>
+                  </a:lnTo>
+                  <a:lnTo>
+                    <a:pt x="1960" y="102"/>
+                  </a:lnTo>
+                  <a:lnTo>
+                    <a:pt x="1850" y="86"/>
+                  </a:lnTo>
+                  <a:lnTo>
+                    <a:pt x="1740" y="72"/>
+                  </a:lnTo>
+                  <a:lnTo>
+                    <a:pt x="1532" y="46"/>
+                  </a:lnTo>
+                  <a:lnTo>
+                    <a:pt x="1334" y="28"/>
+                  </a:lnTo>
+                  <a:lnTo>
+                    <a:pt x="1148" y="14"/>
+                  </a:lnTo>
+                  <a:lnTo>
+                    <a:pt x="970" y="4"/>
+                  </a:lnTo>
+                  <a:lnTo>
+                    <a:pt x="802" y="0"/>
+                  </a:lnTo>
+                  <a:lnTo>
+                    <a:pt x="644" y="0"/>
+                  </a:lnTo>
+                  <a:lnTo>
+                    <a:pt x="496" y="4"/>
+                  </a:lnTo>
+                  <a:lnTo>
+                    <a:pt x="358" y="10"/>
+                  </a:lnTo>
+                  <a:lnTo>
+                    <a:pt x="230" y="20"/>
+                  </a:lnTo>
+                  <a:lnTo>
+                    <a:pt x="110" y="32"/>
+                  </a:lnTo>
+                  <a:lnTo>
+                    <a:pt x="0" y="48"/>
+                  </a:lnTo>
+                  <a:lnTo>
+                    <a:pt x="0" y="48"/>
+                  </a:lnTo>
+                  <a:lnTo>
+                    <a:pt x="154" y="66"/>
+                  </a:lnTo>
+                  <a:lnTo>
+                    <a:pt x="314" y="86"/>
+                  </a:lnTo>
+                  <a:lnTo>
+                    <a:pt x="480" y="112"/>
+                  </a:lnTo>
+                  <a:lnTo>
+                    <a:pt x="652" y="140"/>
+                  </a:lnTo>
+                  <a:lnTo>
+                    <a:pt x="830" y="174"/>
+                  </a:lnTo>
+                  <a:lnTo>
+                    <a:pt x="1014" y="210"/>
+                  </a:lnTo>
+                  <a:lnTo>
+                    <a:pt x="1206" y="250"/>
+                  </a:lnTo>
+                  <a:lnTo>
+                    <a:pt x="1402" y="296"/>
+                  </a:lnTo>
+                  <a:lnTo>
+                    <a:pt x="1402" y="296"/>
+                  </a:lnTo>
+                  <a:lnTo>
+                    <a:pt x="1756" y="378"/>
+                  </a:lnTo>
+                  <a:lnTo>
+                    <a:pt x="2092" y="450"/>
+                  </a:lnTo>
+                  <a:lnTo>
+                    <a:pt x="2408" y="516"/>
+                  </a:lnTo>
+                  <a:lnTo>
+                    <a:pt x="2562" y="544"/>
+                  </a:lnTo>
+                  <a:lnTo>
+                    <a:pt x="2708" y="572"/>
+                  </a:lnTo>
+                  <a:lnTo>
+                    <a:pt x="2852" y="598"/>
+                  </a:lnTo>
+                  <a:lnTo>
+                    <a:pt x="2992" y="620"/>
+                  </a:lnTo>
+                  <a:lnTo>
+                    <a:pt x="3128" y="642"/>
+                  </a:lnTo>
+                  <a:lnTo>
+                    <a:pt x="3260" y="662"/>
+                  </a:lnTo>
+                  <a:lnTo>
+                    <a:pt x="3388" y="678"/>
+                  </a:lnTo>
+                  <a:lnTo>
+                    <a:pt x="3512" y="694"/>
+                  </a:lnTo>
+                  <a:lnTo>
+                    <a:pt x="3632" y="708"/>
+                  </a:lnTo>
+                  <a:lnTo>
+                    <a:pt x="3750" y="722"/>
+                  </a:lnTo>
+                  <a:lnTo>
+                    <a:pt x="3864" y="732"/>
+                  </a:lnTo>
+                  <a:lnTo>
+                    <a:pt x="3974" y="740"/>
+                  </a:lnTo>
+                  <a:lnTo>
+                    <a:pt x="4080" y="748"/>
+                  </a:lnTo>
+                  <a:lnTo>
+                    <a:pt x="4184" y="754"/>
+                  </a:lnTo>
+                  <a:lnTo>
+                    <a:pt x="4286" y="758"/>
+                  </a:lnTo>
+                  <a:lnTo>
+                    <a:pt x="4384" y="762"/>
+                  </a:lnTo>
+                  <a:lnTo>
+                    <a:pt x="4478" y="762"/>
+                  </a:lnTo>
+                  <a:lnTo>
+                    <a:pt x="4570" y="762"/>
+                  </a:lnTo>
+                  <a:lnTo>
+                    <a:pt x="4660" y="760"/>
+                  </a:lnTo>
+                  <a:lnTo>
+                    <a:pt x="4746" y="758"/>
+                  </a:lnTo>
+                  <a:lnTo>
+                    <a:pt x="4830" y="754"/>
+                  </a:lnTo>
+                  <a:lnTo>
+                    <a:pt x="4912" y="748"/>
+                  </a:lnTo>
+                  <a:lnTo>
+                    <a:pt x="4992" y="740"/>
+                  </a:lnTo>
+                  <a:lnTo>
+                    <a:pt x="5068" y="732"/>
+                  </a:lnTo>
+                  <a:lnTo>
+                    <a:pt x="5144" y="724"/>
+                  </a:lnTo>
+                  <a:lnTo>
+                    <a:pt x="5216" y="714"/>
+                  </a:lnTo>
+                  <a:lnTo>
+                    <a:pt x="5216" y="714"/>
+                  </a:lnTo>
+                  <a:close/>
+                </a:path>
+              </a:pathLst>
+            </a:custGeom>
+            <a:solidFill>
+              <a:schemeClr val="bg2">
+                <a:alpha val="40000"/>
+              </a:schemeClr>
+            </a:solidFill>
+            <a:ln w="9525">
+              <a:noFill/>
+              <a:round/>
+              <a:headEnd/>
+              <a:tailEnd/>
+            </a:ln>
+          </p:spPr>
+          <p:txBody>
+            <a:bodyPr/>
+            <a:lstStyle/>
+            <a:p>
+              <a:pPr fontAlgn="auto">
+                <a:spcBef>
+                  <a:spcPts val="0"/>
+                </a:spcBef>
+                <a:spcAft>
+                  <a:spcPts val="0"/>
+                </a:spcAft>
+                <a:defRPr/>
+              </a:pPr>
+              <a:endParaRPr lang="en-US">
+                <a:latin typeface="+mn-lt"/>
+              </a:endParaRPr>
+            </a:p>
+          </p:txBody>
+        </p:sp>
+        <p:sp>
+          <p:nvSpPr>
+            <p:cNvPr id="9" name="Freeform 22"/>
+            <p:cNvSpPr>
+              <a:spLocks/>
+            </p:cNvSpPr>
+            <p:nvPr/>
+          </p:nvSpPr>
+          <p:spPr bwMode="hidden">
+            <a:xfrm>
+              <a:off x="4014" y="4334786"/>
+              <a:ext cx="8164231" cy="1102902"/>
+            </a:xfrm>
+            <a:custGeom>
+              <a:avLst/>
+              <a:gdLst/>
+              <a:ahLst/>
+              <a:cxnLst>
+                <a:cxn ang="0">
+                  <a:pos x="0" y="70"/>
+                </a:cxn>
+                <a:cxn ang="0">
+                  <a:pos x="0" y="70"/>
+                </a:cxn>
+                <a:cxn ang="0">
+                  <a:pos x="18" y="66"/>
+                </a:cxn>
+                <a:cxn ang="0">
+                  <a:pos x="72" y="56"/>
+                </a:cxn>
+                <a:cxn ang="0">
+                  <a:pos x="164" y="42"/>
+                </a:cxn>
+                <a:cxn ang="0">
+                  <a:pos x="224" y="34"/>
+                </a:cxn>
+                <a:cxn ang="0">
+                  <a:pos x="294" y="26"/>
+                </a:cxn>
+                <a:cxn ang="0">
+                  <a:pos x="372" y="20"/>
+                </a:cxn>
+                <a:cxn ang="0">
+                  <a:pos x="462" y="14"/>
+                </a:cxn>
+                <a:cxn ang="0">
+                  <a:pos x="560" y="8"/>
+                </a:cxn>
+                <a:cxn ang="0">
+                  <a:pos x="670" y="4"/>
+                </a:cxn>
+                <a:cxn ang="0">
+                  <a:pos x="790" y="2"/>
+                </a:cxn>
+                <a:cxn ang="0">
+                  <a:pos x="920" y="0"/>
+                </a:cxn>
+                <a:cxn ang="0">
+                  <a:pos x="1060" y="2"/>
+                </a:cxn>
+                <a:cxn ang="0">
+                  <a:pos x="1210" y="6"/>
+                </a:cxn>
+                <a:cxn ang="0">
+                  <a:pos x="1372" y="14"/>
+                </a:cxn>
+                <a:cxn ang="0">
+                  <a:pos x="1544" y="24"/>
+                </a:cxn>
+                <a:cxn ang="0">
+                  <a:pos x="1726" y="40"/>
+                </a:cxn>
+                <a:cxn ang="0">
+                  <a:pos x="1920" y="58"/>
+                </a:cxn>
+                <a:cxn ang="0">
+                  <a:pos x="2126" y="80"/>
+                </a:cxn>
+                <a:cxn ang="0">
+                  <a:pos x="2342" y="106"/>
+                </a:cxn>
+                <a:cxn ang="0">
+                  <a:pos x="2570" y="138"/>
+                </a:cxn>
+                <a:cxn ang="0">
+                  <a:pos x="2808" y="174"/>
+                </a:cxn>
+                <a:cxn ang="0">
+                  <a:pos x="3058" y="216"/>
+                </a:cxn>
+                <a:cxn ang="0">
+                  <a:pos x="3320" y="266"/>
+                </a:cxn>
+                <a:cxn ang="0">
+                  <a:pos x="3594" y="320"/>
+                </a:cxn>
+                <a:cxn ang="0">
+                  <a:pos x="3880" y="380"/>
+                </a:cxn>
+                <a:cxn ang="0">
+                  <a:pos x="4178" y="448"/>
+                </a:cxn>
+                <a:cxn ang="0">
+                  <a:pos x="4488" y="522"/>
+                </a:cxn>
+                <a:cxn ang="0">
+                  <a:pos x="4810" y="604"/>
+                </a:cxn>
+                <a:cxn ang="0">
+                  <a:pos x="5144" y="694"/>
+                </a:cxn>
+              </a:cxnLst>
+              <a:rect l="0" t="0" r="r" b="b"/>
+              <a:pathLst>
+                <a:path w="5144" h="694">
+                  <a:moveTo>
+                    <a:pt x="0" y="70"/>
+                  </a:moveTo>
+                  <a:lnTo>
+                    <a:pt x="0" y="70"/>
+                  </a:lnTo>
+                  <a:lnTo>
+                    <a:pt x="18" y="66"/>
+                  </a:lnTo>
+                  <a:lnTo>
+                    <a:pt x="72" y="56"/>
+                  </a:lnTo>
+                  <a:lnTo>
+                    <a:pt x="164" y="42"/>
+                  </a:lnTo>
+                  <a:lnTo>
+                    <a:pt x="224" y="34"/>
+                  </a:lnTo>
+                  <a:lnTo>
+                    <a:pt x="294" y="26"/>
+                  </a:lnTo>
+                  <a:lnTo>
+                    <a:pt x="372" y="20"/>
+                  </a:lnTo>
+                  <a:lnTo>
+                    <a:pt x="462" y="14"/>
+                  </a:lnTo>
+                  <a:lnTo>
+                    <a:pt x="560" y="8"/>
+                  </a:lnTo>
+                  <a:lnTo>
+                    <a:pt x="670" y="4"/>
+                  </a:lnTo>
+                  <a:lnTo>
+                    <a:pt x="790" y="2"/>
+                  </a:lnTo>
+                  <a:lnTo>
+                    <a:pt x="920" y="0"/>
+                  </a:lnTo>
+                  <a:lnTo>
+                    <a:pt x="1060" y="2"/>
+                  </a:lnTo>
+                  <a:lnTo>
+                    <a:pt x="1210" y="6"/>
+                  </a:lnTo>
+                  <a:lnTo>
+                    <a:pt x="1372" y="14"/>
+                  </a:lnTo>
+                  <a:lnTo>
+                    <a:pt x="1544" y="24"/>
+                  </a:lnTo>
+                  <a:lnTo>
+                    <a:pt x="1726" y="40"/>
+                  </a:lnTo>
+                  <a:lnTo>
+                    <a:pt x="1920" y="58"/>
+                  </a:lnTo>
+                  <a:lnTo>
+                    <a:pt x="2126" y="80"/>
+                  </a:lnTo>
+                  <a:lnTo>
+                    <a:pt x="2342" y="106"/>
+                  </a:lnTo>
+                  <a:lnTo>
+                    <a:pt x="2570" y="138"/>
+                  </a:lnTo>
+                  <a:lnTo>
+                    <a:pt x="2808" y="174"/>
+                  </a:lnTo>
+                  <a:lnTo>
+                    <a:pt x="3058" y="216"/>
+                  </a:lnTo>
+                  <a:lnTo>
+                    <a:pt x="3320" y="266"/>
+                  </a:lnTo>
+                  <a:lnTo>
+                    <a:pt x="3594" y="320"/>
+                  </a:lnTo>
+                  <a:lnTo>
+                    <a:pt x="3880" y="380"/>
+                  </a:lnTo>
+                  <a:lnTo>
+                    <a:pt x="4178" y="448"/>
+                  </a:lnTo>
+                  <a:lnTo>
+                    <a:pt x="4488" y="522"/>
+                  </a:lnTo>
+                  <a:lnTo>
+                    <a:pt x="4810" y="604"/>
+                  </a:lnTo>
+                  <a:lnTo>
+                    <a:pt x="5144" y="694"/>
+                  </a:lnTo>
+                </a:path>
+              </a:pathLst>
+            </a:custGeom>
+            <a:noFill/>
+            <a:ln w="12">
+              <a:solidFill>
+                <a:srgbClr val="FFFFFF"/>
+              </a:solidFill>
+              <a:prstDash val="solid"/>
+              <a:round/>
+              <a:headEnd/>
+              <a:tailEnd/>
+            </a:ln>
+          </p:spPr>
+          <p:txBody>
+            <a:bodyPr/>
+            <a:lstStyle/>
+            <a:p>
+              <a:pPr fontAlgn="auto">
+                <a:spcBef>
+                  <a:spcPts val="0"/>
+                </a:spcBef>
+                <a:spcAft>
+                  <a:spcPts val="0"/>
+                </a:spcAft>
+                <a:defRPr/>
+              </a:pPr>
+              <a:endParaRPr lang="en-US">
+                <a:latin typeface="+mn-lt"/>
+              </a:endParaRPr>
+            </a:p>
+          </p:txBody>
+        </p:sp>
+        <p:sp>
+          <p:nvSpPr>
+            <p:cNvPr id="10" name="Freeform 26"/>
+            <p:cNvSpPr>
+              <a:spLocks/>
+            </p:cNvSpPr>
+            <p:nvPr/>
+          </p:nvSpPr>
+          <p:spPr bwMode="hidden">
+            <a:xfrm>
+              <a:off x="4157164" y="4316742"/>
+              <a:ext cx="4939265" cy="926979"/>
+            </a:xfrm>
+            <a:custGeom>
+              <a:avLst/>
+              <a:gdLst/>
+              <a:ahLst/>
+              <a:cxnLst>
+                <a:cxn ang="0">
+                  <a:pos x="0" y="584"/>
+                </a:cxn>
+                <a:cxn ang="0">
+                  <a:pos x="0" y="584"/>
+                </a:cxn>
+                <a:cxn ang="0">
+                  <a:pos x="90" y="560"/>
+                </a:cxn>
+                <a:cxn ang="0">
+                  <a:pos x="336" y="498"/>
+                </a:cxn>
+                <a:cxn ang="0">
+                  <a:pos x="506" y="456"/>
+                </a:cxn>
+                <a:cxn ang="0">
+                  <a:pos x="702" y="410"/>
+                </a:cxn>
+                <a:cxn ang="0">
+                  <a:pos x="920" y="360"/>
+                </a:cxn>
+                <a:cxn ang="0">
+                  <a:pos x="1154" y="306"/>
+                </a:cxn>
+                <a:cxn ang="0">
+                  <a:pos x="1402" y="254"/>
+                </a:cxn>
+                <a:cxn ang="0">
+                  <a:pos x="1656" y="202"/>
+                </a:cxn>
+                <a:cxn ang="0">
+                  <a:pos x="1916" y="154"/>
+                </a:cxn>
+                <a:cxn ang="0">
+                  <a:pos x="2174" y="108"/>
+                </a:cxn>
+                <a:cxn ang="0">
+                  <a:pos x="2302" y="88"/>
+                </a:cxn>
+                <a:cxn ang="0">
+                  <a:pos x="2426" y="68"/>
+                </a:cxn>
+                <a:cxn ang="0">
+                  <a:pos x="2550" y="52"/>
+                </a:cxn>
+                <a:cxn ang="0">
+                  <a:pos x="2670" y="36"/>
+                </a:cxn>
+                <a:cxn ang="0">
+                  <a:pos x="2788" y="24"/>
+                </a:cxn>
+                <a:cxn ang="0">
+                  <a:pos x="2900" y="14"/>
+                </a:cxn>
+                <a:cxn ang="0">
+                  <a:pos x="3008" y="6"/>
+                </a:cxn>
+                <a:cxn ang="0">
+                  <a:pos x="3112" y="0"/>
+                </a:cxn>
+              </a:cxnLst>
+              <a:rect l="0" t="0" r="r" b="b"/>
+              <a:pathLst>
+                <a:path w="3112" h="584">
+                  <a:moveTo>
+                    <a:pt x="0" y="584"/>
+                  </a:moveTo>
+                  <a:lnTo>
+                    <a:pt x="0" y="584"/>
+                  </a:lnTo>
+                  <a:lnTo>
+                    <a:pt x="90" y="560"/>
+                  </a:lnTo>
+                  <a:lnTo>
+                    <a:pt x="336" y="498"/>
+                  </a:lnTo>
+                  <a:lnTo>
+                    <a:pt x="506" y="456"/>
+                  </a:lnTo>
+                  <a:lnTo>
+                    <a:pt x="702" y="410"/>
+                  </a:lnTo>
+                  <a:lnTo>
+                    <a:pt x="920" y="360"/>
+                  </a:lnTo>
+                  <a:lnTo>
+                    <a:pt x="1154" y="306"/>
+                  </a:lnTo>
+                  <a:lnTo>
+                    <a:pt x="1402" y="254"/>
+                  </a:lnTo>
+                  <a:lnTo>
+                    <a:pt x="1656" y="202"/>
+                  </a:lnTo>
+                  <a:lnTo>
+                    <a:pt x="1916" y="154"/>
+                  </a:lnTo>
+                  <a:lnTo>
+                    <a:pt x="2174" y="108"/>
+                  </a:lnTo>
+                  <a:lnTo>
+                    <a:pt x="2302" y="88"/>
+                  </a:lnTo>
+                  <a:lnTo>
+                    <a:pt x="2426" y="68"/>
+                  </a:lnTo>
+                  <a:lnTo>
+                    <a:pt x="2550" y="52"/>
+                  </a:lnTo>
+                  <a:lnTo>
+                    <a:pt x="2670" y="36"/>
+                  </a:lnTo>
+                  <a:lnTo>
+                    <a:pt x="2788" y="24"/>
+                  </a:lnTo>
+                  <a:lnTo>
+                    <a:pt x="2900" y="14"/>
+                  </a:lnTo>
+                  <a:lnTo>
+                    <a:pt x="3008" y="6"/>
+                  </a:lnTo>
+                  <a:lnTo>
+                    <a:pt x="3112" y="0"/>
+                  </a:lnTo>
+                </a:path>
+              </a:pathLst>
+            </a:custGeom>
+            <a:noFill/>
+            <a:ln w="12">
+              <a:solidFill>
+                <a:srgbClr val="FFFFFF"/>
+              </a:solidFill>
+              <a:prstDash val="solid"/>
+              <a:round/>
+              <a:headEnd/>
+              <a:tailEnd/>
+            </a:ln>
+          </p:spPr>
+          <p:txBody>
+            <a:bodyPr/>
+            <a:lstStyle/>
+            <a:p>
+              <a:pPr fontAlgn="auto">
+                <a:spcBef>
+                  <a:spcPts val="0"/>
+                </a:spcBef>
+                <a:spcAft>
+                  <a:spcPts val="0"/>
+                </a:spcAft>
+                <a:defRPr/>
+              </a:pPr>
+              <a:endParaRPr lang="en-US">
+                <a:latin typeface="+mn-lt"/>
+              </a:endParaRPr>
+            </a:p>
+          </p:txBody>
+        </p:sp>
+        <p:sp useBgFill="1">
+          <p:nvSpPr>
+            <p:cNvPr id="11" name="Freeform 28"/>
+            <p:cNvSpPr>
+              <a:spLocks/>
+            </p:cNvSpPr>
+            <p:nvPr/>
+          </p:nvSpPr>
+          <p:spPr bwMode="hidden">
+            <a:xfrm>
+              <a:off x="-3905250" y="4294188"/>
+              <a:ext cx="13011150" cy="1892300"/>
+            </a:xfrm>
+            <a:custGeom>
+              <a:avLst/>
+              <a:gdLst/>
+              <a:ahLst/>
+              <a:cxnLst>
+                <a:cxn ang="0">
+                  <a:pos x="8192" y="512"/>
+                </a:cxn>
+                <a:cxn ang="0">
+                  <a:pos x="8040" y="570"/>
+                </a:cxn>
+                <a:cxn ang="0">
+                  <a:pos x="7878" y="620"/>
+                </a:cxn>
+                <a:cxn ang="0">
+                  <a:pos x="7706" y="666"/>
+                </a:cxn>
+                <a:cxn ang="0">
+                  <a:pos x="7522" y="702"/>
+                </a:cxn>
+                <a:cxn ang="0">
+                  <a:pos x="7322" y="730"/>
+                </a:cxn>
+                <a:cxn ang="0">
+                  <a:pos x="7106" y="750"/>
+                </a:cxn>
+                <a:cxn ang="0">
+                  <a:pos x="6872" y="762"/>
+                </a:cxn>
+                <a:cxn ang="0">
+                  <a:pos x="6618" y="760"/>
+                </a:cxn>
+                <a:cxn ang="0">
+                  <a:pos x="6342" y="750"/>
+                </a:cxn>
+                <a:cxn ang="0">
+                  <a:pos x="6042" y="726"/>
+                </a:cxn>
+                <a:cxn ang="0">
+                  <a:pos x="5716" y="690"/>
+                </a:cxn>
+                <a:cxn ang="0">
+                  <a:pos x="5364" y="642"/>
+                </a:cxn>
+                <a:cxn ang="0">
+                  <a:pos x="4982" y="578"/>
+                </a:cxn>
+                <a:cxn ang="0">
+                  <a:pos x="4568" y="500"/>
+                </a:cxn>
+                <a:cxn ang="0">
+                  <a:pos x="4122" y="406"/>
+                </a:cxn>
+                <a:cxn ang="0">
+                  <a:pos x="3640" y="296"/>
+                </a:cxn>
+                <a:cxn ang="0">
+                  <a:pos x="3396" y="240"/>
+                </a:cxn>
+                <a:cxn ang="0">
+                  <a:pos x="2934" y="148"/>
+                </a:cxn>
+                <a:cxn ang="0">
+                  <a:pos x="2512" y="82"/>
+                </a:cxn>
+                <a:cxn ang="0">
+                  <a:pos x="2126" y="36"/>
+                </a:cxn>
+                <a:cxn ang="0">
+                  <a:pos x="1776" y="10"/>
+                </a:cxn>
+                <a:cxn ang="0">
+                  <a:pos x="1462" y="0"/>
+                </a:cxn>
+                <a:cxn ang="0">
+                  <a:pos x="1182" y="4"/>
+                </a:cxn>
+                <a:cxn ang="0">
+                  <a:pos x="934" y="20"/>
+                </a:cxn>
+                <a:cxn ang="0">
+                  <a:pos x="716" y="44"/>
+                </a:cxn>
+                <a:cxn ang="0">
+                  <a:pos x="530" y="74"/>
+                </a:cxn>
+                <a:cxn ang="0">
+                  <a:pos x="374" y="108"/>
+                </a:cxn>
+                <a:cxn ang="0">
+                  <a:pos x="248" y="144"/>
+                </a:cxn>
+                <a:cxn ang="0">
+                  <a:pos x="148" y="176"/>
+                </a:cxn>
+                <a:cxn ang="0">
+                  <a:pos x="48" y="216"/>
+                </a:cxn>
+                <a:cxn ang="0">
+                  <a:pos x="0" y="240"/>
+                </a:cxn>
+                <a:cxn ang="0">
+                  <a:pos x="8192" y="1192"/>
+                </a:cxn>
+                <a:cxn ang="0">
+                  <a:pos x="8196" y="1186"/>
+                </a:cxn>
+                <a:cxn ang="0">
+                  <a:pos x="8196" y="510"/>
+                </a:cxn>
+                <a:cxn ang="0">
+                  <a:pos x="8192" y="512"/>
+                </a:cxn>
+              </a:cxnLst>
+              <a:rect l="0" t="0" r="r" b="b"/>
+              <a:pathLst>
+                <a:path w="8196" h="1192">
+                  <a:moveTo>
+                    <a:pt x="8192" y="512"/>
+                  </a:moveTo>
+                  <a:lnTo>
+                    <a:pt x="8192" y="512"/>
+                  </a:lnTo>
+                  <a:lnTo>
+                    <a:pt x="8116" y="542"/>
+                  </a:lnTo>
+                  <a:lnTo>
+                    <a:pt x="8040" y="570"/>
+                  </a:lnTo>
+                  <a:lnTo>
+                    <a:pt x="7960" y="596"/>
+                  </a:lnTo>
+                  <a:lnTo>
+                    <a:pt x="7878" y="620"/>
+                  </a:lnTo>
+                  <a:lnTo>
+                    <a:pt x="7794" y="644"/>
+                  </a:lnTo>
+                  <a:lnTo>
+                    <a:pt x="7706" y="666"/>
+                  </a:lnTo>
+                  <a:lnTo>
+                    <a:pt x="7616" y="684"/>
+                  </a:lnTo>
+                  <a:lnTo>
+                    <a:pt x="7522" y="702"/>
+                  </a:lnTo>
+                  <a:lnTo>
+                    <a:pt x="7424" y="718"/>
+                  </a:lnTo>
+                  <a:lnTo>
+                    <a:pt x="7322" y="730"/>
+                  </a:lnTo>
+                  <a:lnTo>
+                    <a:pt x="7216" y="742"/>
+                  </a:lnTo>
+                  <a:lnTo>
+                    <a:pt x="7106" y="750"/>
+                  </a:lnTo>
+                  <a:lnTo>
+                    <a:pt x="6992" y="758"/>
+                  </a:lnTo>
+                  <a:lnTo>
+                    <a:pt x="6872" y="762"/>
+                  </a:lnTo>
+                  <a:lnTo>
+                    <a:pt x="6748" y="762"/>
+                  </a:lnTo>
+                  <a:lnTo>
+                    <a:pt x="6618" y="760"/>
+                  </a:lnTo>
+                  <a:lnTo>
+                    <a:pt x="6482" y="756"/>
+                  </a:lnTo>
+                  <a:lnTo>
+                    <a:pt x="6342" y="750"/>
+                  </a:lnTo>
+                  <a:lnTo>
+                    <a:pt x="6196" y="740"/>
+                  </a:lnTo>
+                  <a:lnTo>
+                    <a:pt x="6042" y="726"/>
+                  </a:lnTo>
+                  <a:lnTo>
+                    <a:pt x="5882" y="710"/>
+                  </a:lnTo>
+                  <a:lnTo>
+                    <a:pt x="5716" y="690"/>
+                  </a:lnTo>
+                  <a:lnTo>
+                    <a:pt x="5544" y="668"/>
+                  </a:lnTo>
+                  <a:lnTo>
+                    <a:pt x="5364" y="642"/>
+                  </a:lnTo>
+                  <a:lnTo>
+                    <a:pt x="5176" y="612"/>
+                  </a:lnTo>
+                  <a:lnTo>
+                    <a:pt x="4982" y="578"/>
+                  </a:lnTo>
+                  <a:lnTo>
+                    <a:pt x="4778" y="540"/>
+                  </a:lnTo>
+                  <a:lnTo>
+                    <a:pt x="4568" y="500"/>
+                  </a:lnTo>
+                  <a:lnTo>
+                    <a:pt x="4348" y="454"/>
+                  </a:lnTo>
+                  <a:lnTo>
+                    <a:pt x="4122" y="406"/>
+                  </a:lnTo>
+                  <a:lnTo>
+                    <a:pt x="3886" y="354"/>
+                  </a:lnTo>
+                  <a:lnTo>
+                    <a:pt x="3640" y="296"/>
+                  </a:lnTo>
+                  <a:lnTo>
+                    <a:pt x="3640" y="296"/>
+                  </a:lnTo>
+                  <a:lnTo>
+                    <a:pt x="3396" y="240"/>
+                  </a:lnTo>
+                  <a:lnTo>
+                    <a:pt x="3160" y="192"/>
+                  </a:lnTo>
+                  <a:lnTo>
+                    <a:pt x="2934" y="148"/>
+                  </a:lnTo>
+                  <a:lnTo>
+                    <a:pt x="2718" y="112"/>
+                  </a:lnTo>
+                  <a:lnTo>
+                    <a:pt x="2512" y="82"/>
+                  </a:lnTo>
+                  <a:lnTo>
+                    <a:pt x="2314" y="56"/>
+                  </a:lnTo>
+                  <a:lnTo>
+                    <a:pt x="2126" y="36"/>
+                  </a:lnTo>
+                  <a:lnTo>
+                    <a:pt x="1948" y="20"/>
+                  </a:lnTo>
+                  <a:lnTo>
+                    <a:pt x="1776" y="10"/>
+                  </a:lnTo>
+                  <a:lnTo>
+                    <a:pt x="1616" y="2"/>
+                  </a:lnTo>
+                  <a:lnTo>
+                    <a:pt x="1462" y="0"/>
+                  </a:lnTo>
+                  <a:lnTo>
+                    <a:pt x="1318" y="0"/>
+                  </a:lnTo>
+                  <a:lnTo>
+                    <a:pt x="1182" y="4"/>
+                  </a:lnTo>
+                  <a:lnTo>
+                    <a:pt x="1054" y="10"/>
+                  </a:lnTo>
+                  <a:lnTo>
+                    <a:pt x="934" y="20"/>
+                  </a:lnTo>
+                  <a:lnTo>
+                    <a:pt x="822" y="30"/>
+                  </a:lnTo>
+                  <a:lnTo>
+                    <a:pt x="716" y="44"/>
+                  </a:lnTo>
+                  <a:lnTo>
+                    <a:pt x="620" y="58"/>
+                  </a:lnTo>
+                  <a:lnTo>
+                    <a:pt x="530" y="74"/>
+                  </a:lnTo>
+                  <a:lnTo>
+                    <a:pt x="450" y="92"/>
+                  </a:lnTo>
+                  <a:lnTo>
+                    <a:pt x="374" y="108"/>
+                  </a:lnTo>
+                  <a:lnTo>
+                    <a:pt x="308" y="126"/>
+                  </a:lnTo>
+                  <a:lnTo>
+                    <a:pt x="248" y="144"/>
+                  </a:lnTo>
+                  <a:lnTo>
+                    <a:pt x="194" y="160"/>
+                  </a:lnTo>
+                  <a:lnTo>
+                    <a:pt x="148" y="176"/>
+                  </a:lnTo>
+                  <a:lnTo>
+                    <a:pt x="108" y="192"/>
+                  </a:lnTo>
+                  <a:lnTo>
+                    <a:pt x="48" y="216"/>
+                  </a:lnTo>
+                  <a:lnTo>
+                    <a:pt x="12" y="234"/>
+                  </a:lnTo>
+                  <a:lnTo>
+                    <a:pt x="0" y="240"/>
+                  </a:lnTo>
+                  <a:lnTo>
+                    <a:pt x="0" y="1192"/>
+                  </a:lnTo>
+                  <a:lnTo>
+                    <a:pt x="8192" y="1192"/>
+                  </a:lnTo>
+                  <a:lnTo>
+                    <a:pt x="8192" y="1192"/>
+                  </a:lnTo>
+                  <a:lnTo>
+                    <a:pt x="8196" y="1186"/>
+                  </a:lnTo>
+                  <a:lnTo>
+                    <a:pt x="8196" y="1186"/>
+                  </a:lnTo>
+                  <a:lnTo>
+                    <a:pt x="8196" y="510"/>
+                  </a:lnTo>
+                  <a:lnTo>
+                    <a:pt x="8196" y="510"/>
+                  </a:lnTo>
+                  <a:lnTo>
+                    <a:pt x="8192" y="512"/>
+                  </a:lnTo>
+                  <a:lnTo>
+                    <a:pt x="8192" y="512"/>
+                  </a:lnTo>
+                  <a:close/>
+                </a:path>
+              </a:pathLst>
+            </a:custGeom>
+            <a:ln w="9525">
+              <a:noFill/>
+              <a:round/>
+              <a:headEnd/>
+              <a:tailEnd/>
+            </a:ln>
+          </p:spPr>
+          <p:txBody>
+            <a:bodyPr/>
+            <a:lstStyle/>
+            <a:p>
+              <a:pPr fontAlgn="auto">
+                <a:spcBef>
+                  <a:spcPts val="0"/>
+                </a:spcBef>
+                <a:spcAft>
+                  <a:spcPts val="0"/>
+                </a:spcAft>
+                <a:defRPr/>
+              </a:pPr>
+              <a:endParaRPr lang="en-US">
+                <a:latin typeface="+mn-lt"/>
+              </a:endParaRPr>
+            </a:p>
+          </p:txBody>
+        </p:sp>
+      </p:grpSp>
       <p:sp>
         <p:nvSpPr>
           <p:cNvPr id="4" name="Text Placeholder 3"/>
@@ -9115,7 +11202,7 @@
           </a:xfrm>
         </p:spPr>
         <p:txBody>
-          <a:bodyPr anchor="t">
+          <a:bodyPr>
             <a:normAutofit/>
           </a:bodyPr>
           <a:lstStyle>
@@ -9175,1566 +11262,6 @@
           </a:p>
         </p:txBody>
       </p:sp>
-      <p:grpSp>
-        <p:nvGrpSpPr>
-          <p:cNvPr id="2" name="Group 23"/>
-          <p:cNvGrpSpPr>
-            <a:grpSpLocks noChangeAspect="1"/>
-          </p:cNvGrpSpPr>
-          <p:nvPr/>
-        </p:nvGrpSpPr>
-        <p:grpSpPr bwMode="hidden">
-          <a:xfrm>
-            <a:off x="211665" y="714191"/>
-            <a:ext cx="8723376" cy="1331580"/>
-            <a:chOff x="-3905250" y="4294188"/>
-            <a:chExt cx="13011150" cy="1892300"/>
-          </a:xfrm>
-        </p:grpSpPr>
-        <p:sp>
-          <p:nvSpPr>
-            <p:cNvPr id="25" name="Freeform 14"/>
-            <p:cNvSpPr>
-              <a:spLocks/>
-            </p:cNvSpPr>
-            <p:nvPr/>
-          </p:nvSpPr>
-          <p:spPr bwMode="hidden">
-            <a:xfrm>
-              <a:off x="4810125" y="4500563"/>
-              <a:ext cx="4295775" cy="1016000"/>
-            </a:xfrm>
-            <a:custGeom>
-              <a:avLst/>
-              <a:gdLst/>
-              <a:ahLst/>
-              <a:cxnLst>
-                <a:cxn ang="0">
-                  <a:pos x="2700" y="0"/>
-                </a:cxn>
-                <a:cxn ang="0">
-                  <a:pos x="2700" y="0"/>
-                </a:cxn>
-                <a:cxn ang="0">
-                  <a:pos x="2586" y="18"/>
-                </a:cxn>
-                <a:cxn ang="0">
-                  <a:pos x="2470" y="38"/>
-                </a:cxn>
-                <a:cxn ang="0">
-                  <a:pos x="2352" y="60"/>
-                </a:cxn>
-                <a:cxn ang="0">
-                  <a:pos x="2230" y="82"/>
-                </a:cxn>
-                <a:cxn ang="0">
-                  <a:pos x="2106" y="108"/>
-                </a:cxn>
-                <a:cxn ang="0">
-                  <a:pos x="1978" y="134"/>
-                </a:cxn>
-                <a:cxn ang="0">
-                  <a:pos x="1848" y="164"/>
-                </a:cxn>
-                <a:cxn ang="0">
-                  <a:pos x="1714" y="194"/>
-                </a:cxn>
-                <a:cxn ang="0">
-                  <a:pos x="1714" y="194"/>
-                </a:cxn>
-                <a:cxn ang="0">
-                  <a:pos x="1472" y="252"/>
-                </a:cxn>
-                <a:cxn ang="0">
-                  <a:pos x="1236" y="304"/>
-                </a:cxn>
-                <a:cxn ang="0">
-                  <a:pos x="1010" y="352"/>
-                </a:cxn>
-                <a:cxn ang="0">
-                  <a:pos x="792" y="398"/>
-                </a:cxn>
-                <a:cxn ang="0">
-                  <a:pos x="584" y="438"/>
-                </a:cxn>
-                <a:cxn ang="0">
-                  <a:pos x="382" y="474"/>
-                </a:cxn>
-                <a:cxn ang="0">
-                  <a:pos x="188" y="508"/>
-                </a:cxn>
-                <a:cxn ang="0">
-                  <a:pos x="0" y="538"/>
-                </a:cxn>
-                <a:cxn ang="0">
-                  <a:pos x="0" y="538"/>
-                </a:cxn>
-                <a:cxn ang="0">
-                  <a:pos x="130" y="556"/>
-                </a:cxn>
-                <a:cxn ang="0">
-                  <a:pos x="254" y="572"/>
-                </a:cxn>
-                <a:cxn ang="0">
-                  <a:pos x="374" y="586"/>
-                </a:cxn>
-                <a:cxn ang="0">
-                  <a:pos x="492" y="598"/>
-                </a:cxn>
-                <a:cxn ang="0">
-                  <a:pos x="606" y="610"/>
-                </a:cxn>
-                <a:cxn ang="0">
-                  <a:pos x="716" y="618"/>
-                </a:cxn>
-                <a:cxn ang="0">
-                  <a:pos x="822" y="626"/>
-                </a:cxn>
-                <a:cxn ang="0">
-                  <a:pos x="926" y="632"/>
-                </a:cxn>
-                <a:cxn ang="0">
-                  <a:pos x="1028" y="636"/>
-                </a:cxn>
-                <a:cxn ang="0">
-                  <a:pos x="1126" y="638"/>
-                </a:cxn>
-                <a:cxn ang="0">
-                  <a:pos x="1220" y="640"/>
-                </a:cxn>
-                <a:cxn ang="0">
-                  <a:pos x="1312" y="640"/>
-                </a:cxn>
-                <a:cxn ang="0">
-                  <a:pos x="1402" y="638"/>
-                </a:cxn>
-                <a:cxn ang="0">
-                  <a:pos x="1490" y="636"/>
-                </a:cxn>
-                <a:cxn ang="0">
-                  <a:pos x="1574" y="632"/>
-                </a:cxn>
-                <a:cxn ang="0">
-                  <a:pos x="1656" y="626"/>
-                </a:cxn>
-                <a:cxn ang="0">
-                  <a:pos x="1734" y="620"/>
-                </a:cxn>
-                <a:cxn ang="0">
-                  <a:pos x="1812" y="612"/>
-                </a:cxn>
-                <a:cxn ang="0">
-                  <a:pos x="1886" y="602"/>
-                </a:cxn>
-                <a:cxn ang="0">
-                  <a:pos x="1960" y="592"/>
-                </a:cxn>
-                <a:cxn ang="0">
-                  <a:pos x="2030" y="580"/>
-                </a:cxn>
-                <a:cxn ang="0">
-                  <a:pos x="2100" y="568"/>
-                </a:cxn>
-                <a:cxn ang="0">
-                  <a:pos x="2166" y="554"/>
-                </a:cxn>
-                <a:cxn ang="0">
-                  <a:pos x="2232" y="540"/>
-                </a:cxn>
-                <a:cxn ang="0">
-                  <a:pos x="2296" y="524"/>
-                </a:cxn>
-                <a:cxn ang="0">
-                  <a:pos x="2358" y="508"/>
-                </a:cxn>
-                <a:cxn ang="0">
-                  <a:pos x="2418" y="490"/>
-                </a:cxn>
-                <a:cxn ang="0">
-                  <a:pos x="2478" y="472"/>
-                </a:cxn>
-                <a:cxn ang="0">
-                  <a:pos x="2592" y="432"/>
-                </a:cxn>
-                <a:cxn ang="0">
-                  <a:pos x="2702" y="390"/>
-                </a:cxn>
-                <a:cxn ang="0">
-                  <a:pos x="2702" y="390"/>
-                </a:cxn>
-                <a:cxn ang="0">
-                  <a:pos x="2706" y="388"/>
-                </a:cxn>
-                <a:cxn ang="0">
-                  <a:pos x="2706" y="388"/>
-                </a:cxn>
-                <a:cxn ang="0">
-                  <a:pos x="2706" y="0"/>
-                </a:cxn>
-                <a:cxn ang="0">
-                  <a:pos x="2706" y="0"/>
-                </a:cxn>
-                <a:cxn ang="0">
-                  <a:pos x="2700" y="0"/>
-                </a:cxn>
-                <a:cxn ang="0">
-                  <a:pos x="2700" y="0"/>
-                </a:cxn>
-              </a:cxnLst>
-              <a:rect l="0" t="0" r="r" b="b"/>
-              <a:pathLst>
-                <a:path w="2706" h="640">
-                  <a:moveTo>
-                    <a:pt x="2700" y="0"/>
-                  </a:moveTo>
-                  <a:lnTo>
-                    <a:pt x="2700" y="0"/>
-                  </a:lnTo>
-                  <a:lnTo>
-                    <a:pt x="2586" y="18"/>
-                  </a:lnTo>
-                  <a:lnTo>
-                    <a:pt x="2470" y="38"/>
-                  </a:lnTo>
-                  <a:lnTo>
-                    <a:pt x="2352" y="60"/>
-                  </a:lnTo>
-                  <a:lnTo>
-                    <a:pt x="2230" y="82"/>
-                  </a:lnTo>
-                  <a:lnTo>
-                    <a:pt x="2106" y="108"/>
-                  </a:lnTo>
-                  <a:lnTo>
-                    <a:pt x="1978" y="134"/>
-                  </a:lnTo>
-                  <a:lnTo>
-                    <a:pt x="1848" y="164"/>
-                  </a:lnTo>
-                  <a:lnTo>
-                    <a:pt x="1714" y="194"/>
-                  </a:lnTo>
-                  <a:lnTo>
-                    <a:pt x="1714" y="194"/>
-                  </a:lnTo>
-                  <a:lnTo>
-                    <a:pt x="1472" y="252"/>
-                  </a:lnTo>
-                  <a:lnTo>
-                    <a:pt x="1236" y="304"/>
-                  </a:lnTo>
-                  <a:lnTo>
-                    <a:pt x="1010" y="352"/>
-                  </a:lnTo>
-                  <a:lnTo>
-                    <a:pt x="792" y="398"/>
-                  </a:lnTo>
-                  <a:lnTo>
-                    <a:pt x="584" y="438"/>
-                  </a:lnTo>
-                  <a:lnTo>
-                    <a:pt x="382" y="474"/>
-                  </a:lnTo>
-                  <a:lnTo>
-                    <a:pt x="188" y="508"/>
-                  </a:lnTo>
-                  <a:lnTo>
-                    <a:pt x="0" y="538"/>
-                  </a:lnTo>
-                  <a:lnTo>
-                    <a:pt x="0" y="538"/>
-                  </a:lnTo>
-                  <a:lnTo>
-                    <a:pt x="130" y="556"/>
-                  </a:lnTo>
-                  <a:lnTo>
-                    <a:pt x="254" y="572"/>
-                  </a:lnTo>
-                  <a:lnTo>
-                    <a:pt x="374" y="586"/>
-                  </a:lnTo>
-                  <a:lnTo>
-                    <a:pt x="492" y="598"/>
-                  </a:lnTo>
-                  <a:lnTo>
-                    <a:pt x="606" y="610"/>
-                  </a:lnTo>
-                  <a:lnTo>
-                    <a:pt x="716" y="618"/>
-                  </a:lnTo>
-                  <a:lnTo>
-                    <a:pt x="822" y="626"/>
-                  </a:lnTo>
-                  <a:lnTo>
-                    <a:pt x="926" y="632"/>
-                  </a:lnTo>
-                  <a:lnTo>
-                    <a:pt x="1028" y="636"/>
-                  </a:lnTo>
-                  <a:lnTo>
-                    <a:pt x="1126" y="638"/>
-                  </a:lnTo>
-                  <a:lnTo>
-                    <a:pt x="1220" y="640"/>
-                  </a:lnTo>
-                  <a:lnTo>
-                    <a:pt x="1312" y="640"/>
-                  </a:lnTo>
-                  <a:lnTo>
-                    <a:pt x="1402" y="638"/>
-                  </a:lnTo>
-                  <a:lnTo>
-                    <a:pt x="1490" y="636"/>
-                  </a:lnTo>
-                  <a:lnTo>
-                    <a:pt x="1574" y="632"/>
-                  </a:lnTo>
-                  <a:lnTo>
-                    <a:pt x="1656" y="626"/>
-                  </a:lnTo>
-                  <a:lnTo>
-                    <a:pt x="1734" y="620"/>
-                  </a:lnTo>
-                  <a:lnTo>
-                    <a:pt x="1812" y="612"/>
-                  </a:lnTo>
-                  <a:lnTo>
-                    <a:pt x="1886" y="602"/>
-                  </a:lnTo>
-                  <a:lnTo>
-                    <a:pt x="1960" y="592"/>
-                  </a:lnTo>
-                  <a:lnTo>
-                    <a:pt x="2030" y="580"/>
-                  </a:lnTo>
-                  <a:lnTo>
-                    <a:pt x="2100" y="568"/>
-                  </a:lnTo>
-                  <a:lnTo>
-                    <a:pt x="2166" y="554"/>
-                  </a:lnTo>
-                  <a:lnTo>
-                    <a:pt x="2232" y="540"/>
-                  </a:lnTo>
-                  <a:lnTo>
-                    <a:pt x="2296" y="524"/>
-                  </a:lnTo>
-                  <a:lnTo>
-                    <a:pt x="2358" y="508"/>
-                  </a:lnTo>
-                  <a:lnTo>
-                    <a:pt x="2418" y="490"/>
-                  </a:lnTo>
-                  <a:lnTo>
-                    <a:pt x="2478" y="472"/>
-                  </a:lnTo>
-                  <a:lnTo>
-                    <a:pt x="2592" y="432"/>
-                  </a:lnTo>
-                  <a:lnTo>
-                    <a:pt x="2702" y="390"/>
-                  </a:lnTo>
-                  <a:lnTo>
-                    <a:pt x="2702" y="390"/>
-                  </a:lnTo>
-                  <a:lnTo>
-                    <a:pt x="2706" y="388"/>
-                  </a:lnTo>
-                  <a:lnTo>
-                    <a:pt x="2706" y="388"/>
-                  </a:lnTo>
-                  <a:lnTo>
-                    <a:pt x="2706" y="0"/>
-                  </a:lnTo>
-                  <a:lnTo>
-                    <a:pt x="2706" y="0"/>
-                  </a:lnTo>
-                  <a:lnTo>
-                    <a:pt x="2700" y="0"/>
-                  </a:lnTo>
-                  <a:lnTo>
-                    <a:pt x="2700" y="0"/>
-                  </a:lnTo>
-                  <a:close/>
-                </a:path>
-              </a:pathLst>
-            </a:custGeom>
-            <a:solidFill>
-              <a:schemeClr val="bg2">
-                <a:alpha val="29000"/>
-              </a:schemeClr>
-            </a:solidFill>
-            <a:ln w="9525">
-              <a:noFill/>
-              <a:round/>
-              <a:headEnd/>
-              <a:tailEnd/>
-            </a:ln>
-          </p:spPr>
-          <p:txBody>
-            <a:bodyPr vert="horz" wrap="square" lIns="91440" tIns="45720" rIns="91440" bIns="45720" numCol="1" anchor="t" anchorCtr="0" compatLnSpc="1">
-              <a:prstTxWarp prst="textNoShape">
-                <a:avLst/>
-              </a:prstTxWarp>
-            </a:bodyPr>
-            <a:lstStyle/>
-            <a:p>
-              <a:endParaRPr lang="en-US"/>
-            </a:p>
-          </p:txBody>
-        </p:sp>
-        <p:sp>
-          <p:nvSpPr>
-            <p:cNvPr id="26" name="Freeform 18"/>
-            <p:cNvSpPr>
-              <a:spLocks/>
-            </p:cNvSpPr>
-            <p:nvPr/>
-          </p:nvSpPr>
-          <p:spPr bwMode="hidden">
-            <a:xfrm>
-              <a:off x="-309563" y="4318000"/>
-              <a:ext cx="8280401" cy="1209675"/>
-            </a:xfrm>
-            <a:custGeom>
-              <a:avLst/>
-              <a:gdLst/>
-              <a:ahLst/>
-              <a:cxnLst>
-                <a:cxn ang="0">
-                  <a:pos x="5216" y="714"/>
-                </a:cxn>
-                <a:cxn ang="0">
-                  <a:pos x="4984" y="686"/>
-                </a:cxn>
-                <a:cxn ang="0">
-                  <a:pos x="4478" y="610"/>
-                </a:cxn>
-                <a:cxn ang="0">
-                  <a:pos x="3914" y="508"/>
-                </a:cxn>
-                <a:cxn ang="0">
-                  <a:pos x="3286" y="374"/>
-                </a:cxn>
-                <a:cxn ang="0">
-                  <a:pos x="2946" y="296"/>
-                </a:cxn>
-                <a:cxn ang="0">
-                  <a:pos x="2682" y="236"/>
-                </a:cxn>
-                <a:cxn ang="0">
-                  <a:pos x="2430" y="184"/>
-                </a:cxn>
-                <a:cxn ang="0">
-                  <a:pos x="2190" y="140"/>
-                </a:cxn>
-                <a:cxn ang="0">
-                  <a:pos x="1960" y="102"/>
-                </a:cxn>
-                <a:cxn ang="0">
-                  <a:pos x="1740" y="72"/>
-                </a:cxn>
-                <a:cxn ang="0">
-                  <a:pos x="1334" y="28"/>
-                </a:cxn>
-                <a:cxn ang="0">
-                  <a:pos x="970" y="4"/>
-                </a:cxn>
-                <a:cxn ang="0">
-                  <a:pos x="644" y="0"/>
-                </a:cxn>
-                <a:cxn ang="0">
-                  <a:pos x="358" y="10"/>
-                </a:cxn>
-                <a:cxn ang="0">
-                  <a:pos x="110" y="32"/>
-                </a:cxn>
-                <a:cxn ang="0">
-                  <a:pos x="0" y="48"/>
-                </a:cxn>
-                <a:cxn ang="0">
-                  <a:pos x="314" y="86"/>
-                </a:cxn>
-                <a:cxn ang="0">
-                  <a:pos x="652" y="140"/>
-                </a:cxn>
-                <a:cxn ang="0">
-                  <a:pos x="1014" y="210"/>
-                </a:cxn>
-                <a:cxn ang="0">
-                  <a:pos x="1402" y="296"/>
-                </a:cxn>
-                <a:cxn ang="0">
-                  <a:pos x="1756" y="378"/>
-                </a:cxn>
-                <a:cxn ang="0">
-                  <a:pos x="2408" y="516"/>
-                </a:cxn>
-                <a:cxn ang="0">
-                  <a:pos x="2708" y="572"/>
-                </a:cxn>
-                <a:cxn ang="0">
-                  <a:pos x="2992" y="620"/>
-                </a:cxn>
-                <a:cxn ang="0">
-                  <a:pos x="3260" y="662"/>
-                </a:cxn>
-                <a:cxn ang="0">
-                  <a:pos x="3512" y="694"/>
-                </a:cxn>
-                <a:cxn ang="0">
-                  <a:pos x="3750" y="722"/>
-                </a:cxn>
-                <a:cxn ang="0">
-                  <a:pos x="3974" y="740"/>
-                </a:cxn>
-                <a:cxn ang="0">
-                  <a:pos x="4184" y="754"/>
-                </a:cxn>
-                <a:cxn ang="0">
-                  <a:pos x="4384" y="762"/>
-                </a:cxn>
-                <a:cxn ang="0">
-                  <a:pos x="4570" y="762"/>
-                </a:cxn>
-                <a:cxn ang="0">
-                  <a:pos x="4746" y="758"/>
-                </a:cxn>
-                <a:cxn ang="0">
-                  <a:pos x="4912" y="748"/>
-                </a:cxn>
-                <a:cxn ang="0">
-                  <a:pos x="5068" y="732"/>
-                </a:cxn>
-                <a:cxn ang="0">
-                  <a:pos x="5216" y="714"/>
-                </a:cxn>
-              </a:cxnLst>
-              <a:rect l="0" t="0" r="r" b="b"/>
-              <a:pathLst>
-                <a:path w="5216" h="762">
-                  <a:moveTo>
-                    <a:pt x="5216" y="714"/>
-                  </a:moveTo>
-                  <a:lnTo>
-                    <a:pt x="5216" y="714"/>
-                  </a:lnTo>
-                  <a:lnTo>
-                    <a:pt x="5102" y="700"/>
-                  </a:lnTo>
-                  <a:lnTo>
-                    <a:pt x="4984" y="686"/>
-                  </a:lnTo>
-                  <a:lnTo>
-                    <a:pt x="4738" y="652"/>
-                  </a:lnTo>
-                  <a:lnTo>
-                    <a:pt x="4478" y="610"/>
-                  </a:lnTo>
-                  <a:lnTo>
-                    <a:pt x="4204" y="564"/>
-                  </a:lnTo>
-                  <a:lnTo>
-                    <a:pt x="3914" y="508"/>
-                  </a:lnTo>
-                  <a:lnTo>
-                    <a:pt x="3608" y="446"/>
-                  </a:lnTo>
-                  <a:lnTo>
-                    <a:pt x="3286" y="374"/>
-                  </a:lnTo>
-                  <a:lnTo>
-                    <a:pt x="2946" y="296"/>
-                  </a:lnTo>
-                  <a:lnTo>
-                    <a:pt x="2946" y="296"/>
-                  </a:lnTo>
-                  <a:lnTo>
-                    <a:pt x="2812" y="266"/>
-                  </a:lnTo>
-                  <a:lnTo>
-                    <a:pt x="2682" y="236"/>
-                  </a:lnTo>
-                  <a:lnTo>
-                    <a:pt x="2556" y="210"/>
-                  </a:lnTo>
-                  <a:lnTo>
-                    <a:pt x="2430" y="184"/>
-                  </a:lnTo>
-                  <a:lnTo>
-                    <a:pt x="2308" y="162"/>
-                  </a:lnTo>
-                  <a:lnTo>
-                    <a:pt x="2190" y="140"/>
-                  </a:lnTo>
-                  <a:lnTo>
-                    <a:pt x="2074" y="120"/>
-                  </a:lnTo>
-                  <a:lnTo>
-                    <a:pt x="1960" y="102"/>
-                  </a:lnTo>
-                  <a:lnTo>
-                    <a:pt x="1850" y="86"/>
-                  </a:lnTo>
-                  <a:lnTo>
-                    <a:pt x="1740" y="72"/>
-                  </a:lnTo>
-                  <a:lnTo>
-                    <a:pt x="1532" y="46"/>
-                  </a:lnTo>
-                  <a:lnTo>
-                    <a:pt x="1334" y="28"/>
-                  </a:lnTo>
-                  <a:lnTo>
-                    <a:pt x="1148" y="14"/>
-                  </a:lnTo>
-                  <a:lnTo>
-                    <a:pt x="970" y="4"/>
-                  </a:lnTo>
-                  <a:lnTo>
-                    <a:pt x="802" y="0"/>
-                  </a:lnTo>
-                  <a:lnTo>
-                    <a:pt x="644" y="0"/>
-                  </a:lnTo>
-                  <a:lnTo>
-                    <a:pt x="496" y="4"/>
-                  </a:lnTo>
-                  <a:lnTo>
-                    <a:pt x="358" y="10"/>
-                  </a:lnTo>
-                  <a:lnTo>
-                    <a:pt x="230" y="20"/>
-                  </a:lnTo>
-                  <a:lnTo>
-                    <a:pt x="110" y="32"/>
-                  </a:lnTo>
-                  <a:lnTo>
-                    <a:pt x="0" y="48"/>
-                  </a:lnTo>
-                  <a:lnTo>
-                    <a:pt x="0" y="48"/>
-                  </a:lnTo>
-                  <a:lnTo>
-                    <a:pt x="154" y="66"/>
-                  </a:lnTo>
-                  <a:lnTo>
-                    <a:pt x="314" y="86"/>
-                  </a:lnTo>
-                  <a:lnTo>
-                    <a:pt x="480" y="112"/>
-                  </a:lnTo>
-                  <a:lnTo>
-                    <a:pt x="652" y="140"/>
-                  </a:lnTo>
-                  <a:lnTo>
-                    <a:pt x="830" y="174"/>
-                  </a:lnTo>
-                  <a:lnTo>
-                    <a:pt x="1014" y="210"/>
-                  </a:lnTo>
-                  <a:lnTo>
-                    <a:pt x="1206" y="250"/>
-                  </a:lnTo>
-                  <a:lnTo>
-                    <a:pt x="1402" y="296"/>
-                  </a:lnTo>
-                  <a:lnTo>
-                    <a:pt x="1402" y="296"/>
-                  </a:lnTo>
-                  <a:lnTo>
-                    <a:pt x="1756" y="378"/>
-                  </a:lnTo>
-                  <a:lnTo>
-                    <a:pt x="2092" y="450"/>
-                  </a:lnTo>
-                  <a:lnTo>
-                    <a:pt x="2408" y="516"/>
-                  </a:lnTo>
-                  <a:lnTo>
-                    <a:pt x="2562" y="544"/>
-                  </a:lnTo>
-                  <a:lnTo>
-                    <a:pt x="2708" y="572"/>
-                  </a:lnTo>
-                  <a:lnTo>
-                    <a:pt x="2852" y="598"/>
-                  </a:lnTo>
-                  <a:lnTo>
-                    <a:pt x="2992" y="620"/>
-                  </a:lnTo>
-                  <a:lnTo>
-                    <a:pt x="3128" y="642"/>
-                  </a:lnTo>
-                  <a:lnTo>
-                    <a:pt x="3260" y="662"/>
-                  </a:lnTo>
-                  <a:lnTo>
-                    <a:pt x="3388" y="678"/>
-                  </a:lnTo>
-                  <a:lnTo>
-                    <a:pt x="3512" y="694"/>
-                  </a:lnTo>
-                  <a:lnTo>
-                    <a:pt x="3632" y="708"/>
-                  </a:lnTo>
-                  <a:lnTo>
-                    <a:pt x="3750" y="722"/>
-                  </a:lnTo>
-                  <a:lnTo>
-                    <a:pt x="3864" y="732"/>
-                  </a:lnTo>
-                  <a:lnTo>
-                    <a:pt x="3974" y="740"/>
-                  </a:lnTo>
-                  <a:lnTo>
-                    <a:pt x="4080" y="748"/>
-                  </a:lnTo>
-                  <a:lnTo>
-                    <a:pt x="4184" y="754"/>
-                  </a:lnTo>
-                  <a:lnTo>
-                    <a:pt x="4286" y="758"/>
-                  </a:lnTo>
-                  <a:lnTo>
-                    <a:pt x="4384" y="762"/>
-                  </a:lnTo>
-                  <a:lnTo>
-                    <a:pt x="4478" y="762"/>
-                  </a:lnTo>
-                  <a:lnTo>
-                    <a:pt x="4570" y="762"/>
-                  </a:lnTo>
-                  <a:lnTo>
-                    <a:pt x="4660" y="760"/>
-                  </a:lnTo>
-                  <a:lnTo>
-                    <a:pt x="4746" y="758"/>
-                  </a:lnTo>
-                  <a:lnTo>
-                    <a:pt x="4830" y="754"/>
-                  </a:lnTo>
-                  <a:lnTo>
-                    <a:pt x="4912" y="748"/>
-                  </a:lnTo>
-                  <a:lnTo>
-                    <a:pt x="4992" y="740"/>
-                  </a:lnTo>
-                  <a:lnTo>
-                    <a:pt x="5068" y="732"/>
-                  </a:lnTo>
-                  <a:lnTo>
-                    <a:pt x="5144" y="724"/>
-                  </a:lnTo>
-                  <a:lnTo>
-                    <a:pt x="5216" y="714"/>
-                  </a:lnTo>
-                  <a:lnTo>
-                    <a:pt x="5216" y="714"/>
-                  </a:lnTo>
-                  <a:close/>
-                </a:path>
-              </a:pathLst>
-            </a:custGeom>
-            <a:solidFill>
-              <a:schemeClr val="bg2">
-                <a:alpha val="40000"/>
-              </a:schemeClr>
-            </a:solidFill>
-            <a:ln w="9525">
-              <a:noFill/>
-              <a:round/>
-              <a:headEnd/>
-              <a:tailEnd/>
-            </a:ln>
-          </p:spPr>
-          <p:txBody>
-            <a:bodyPr vert="horz" wrap="square" lIns="91440" tIns="45720" rIns="91440" bIns="45720" numCol="1" anchor="t" anchorCtr="0" compatLnSpc="1">
-              <a:prstTxWarp prst="textNoShape">
-                <a:avLst/>
-              </a:prstTxWarp>
-            </a:bodyPr>
-            <a:lstStyle/>
-            <a:p>
-              <a:endParaRPr lang="en-US"/>
-            </a:p>
-          </p:txBody>
-        </p:sp>
-        <p:sp>
-          <p:nvSpPr>
-            <p:cNvPr id="27" name="Freeform 22"/>
-            <p:cNvSpPr>
-              <a:spLocks/>
-            </p:cNvSpPr>
-            <p:nvPr/>
-          </p:nvSpPr>
-          <p:spPr bwMode="hidden">
-            <a:xfrm>
-              <a:off x="3175" y="4335463"/>
-              <a:ext cx="8166100" cy="1101725"/>
-            </a:xfrm>
-            <a:custGeom>
-              <a:avLst/>
-              <a:gdLst/>
-              <a:ahLst/>
-              <a:cxnLst>
-                <a:cxn ang="0">
-                  <a:pos x="0" y="70"/>
-                </a:cxn>
-                <a:cxn ang="0">
-                  <a:pos x="0" y="70"/>
-                </a:cxn>
-                <a:cxn ang="0">
-                  <a:pos x="18" y="66"/>
-                </a:cxn>
-                <a:cxn ang="0">
-                  <a:pos x="72" y="56"/>
-                </a:cxn>
-                <a:cxn ang="0">
-                  <a:pos x="164" y="42"/>
-                </a:cxn>
-                <a:cxn ang="0">
-                  <a:pos x="224" y="34"/>
-                </a:cxn>
-                <a:cxn ang="0">
-                  <a:pos x="294" y="26"/>
-                </a:cxn>
-                <a:cxn ang="0">
-                  <a:pos x="372" y="20"/>
-                </a:cxn>
-                <a:cxn ang="0">
-                  <a:pos x="462" y="14"/>
-                </a:cxn>
-                <a:cxn ang="0">
-                  <a:pos x="560" y="8"/>
-                </a:cxn>
-                <a:cxn ang="0">
-                  <a:pos x="670" y="4"/>
-                </a:cxn>
-                <a:cxn ang="0">
-                  <a:pos x="790" y="2"/>
-                </a:cxn>
-                <a:cxn ang="0">
-                  <a:pos x="920" y="0"/>
-                </a:cxn>
-                <a:cxn ang="0">
-                  <a:pos x="1060" y="2"/>
-                </a:cxn>
-                <a:cxn ang="0">
-                  <a:pos x="1210" y="6"/>
-                </a:cxn>
-                <a:cxn ang="0">
-                  <a:pos x="1372" y="14"/>
-                </a:cxn>
-                <a:cxn ang="0">
-                  <a:pos x="1544" y="24"/>
-                </a:cxn>
-                <a:cxn ang="0">
-                  <a:pos x="1726" y="40"/>
-                </a:cxn>
-                <a:cxn ang="0">
-                  <a:pos x="1920" y="58"/>
-                </a:cxn>
-                <a:cxn ang="0">
-                  <a:pos x="2126" y="80"/>
-                </a:cxn>
-                <a:cxn ang="0">
-                  <a:pos x="2342" y="106"/>
-                </a:cxn>
-                <a:cxn ang="0">
-                  <a:pos x="2570" y="138"/>
-                </a:cxn>
-                <a:cxn ang="0">
-                  <a:pos x="2808" y="174"/>
-                </a:cxn>
-                <a:cxn ang="0">
-                  <a:pos x="3058" y="216"/>
-                </a:cxn>
-                <a:cxn ang="0">
-                  <a:pos x="3320" y="266"/>
-                </a:cxn>
-                <a:cxn ang="0">
-                  <a:pos x="3594" y="320"/>
-                </a:cxn>
-                <a:cxn ang="0">
-                  <a:pos x="3880" y="380"/>
-                </a:cxn>
-                <a:cxn ang="0">
-                  <a:pos x="4178" y="448"/>
-                </a:cxn>
-                <a:cxn ang="0">
-                  <a:pos x="4488" y="522"/>
-                </a:cxn>
-                <a:cxn ang="0">
-                  <a:pos x="4810" y="604"/>
-                </a:cxn>
-                <a:cxn ang="0">
-                  <a:pos x="5144" y="694"/>
-                </a:cxn>
-              </a:cxnLst>
-              <a:rect l="0" t="0" r="r" b="b"/>
-              <a:pathLst>
-                <a:path w="5144" h="694">
-                  <a:moveTo>
-                    <a:pt x="0" y="70"/>
-                  </a:moveTo>
-                  <a:lnTo>
-                    <a:pt x="0" y="70"/>
-                  </a:lnTo>
-                  <a:lnTo>
-                    <a:pt x="18" y="66"/>
-                  </a:lnTo>
-                  <a:lnTo>
-                    <a:pt x="72" y="56"/>
-                  </a:lnTo>
-                  <a:lnTo>
-                    <a:pt x="164" y="42"/>
-                  </a:lnTo>
-                  <a:lnTo>
-                    <a:pt x="224" y="34"/>
-                  </a:lnTo>
-                  <a:lnTo>
-                    <a:pt x="294" y="26"/>
-                  </a:lnTo>
-                  <a:lnTo>
-                    <a:pt x="372" y="20"/>
-                  </a:lnTo>
-                  <a:lnTo>
-                    <a:pt x="462" y="14"/>
-                  </a:lnTo>
-                  <a:lnTo>
-                    <a:pt x="560" y="8"/>
-                  </a:lnTo>
-                  <a:lnTo>
-                    <a:pt x="670" y="4"/>
-                  </a:lnTo>
-                  <a:lnTo>
-                    <a:pt x="790" y="2"/>
-                  </a:lnTo>
-                  <a:lnTo>
-                    <a:pt x="920" y="0"/>
-                  </a:lnTo>
-                  <a:lnTo>
-                    <a:pt x="1060" y="2"/>
-                  </a:lnTo>
-                  <a:lnTo>
-                    <a:pt x="1210" y="6"/>
-                  </a:lnTo>
-                  <a:lnTo>
-                    <a:pt x="1372" y="14"/>
-                  </a:lnTo>
-                  <a:lnTo>
-                    <a:pt x="1544" y="24"/>
-                  </a:lnTo>
-                  <a:lnTo>
-                    <a:pt x="1726" y="40"/>
-                  </a:lnTo>
-                  <a:lnTo>
-                    <a:pt x="1920" y="58"/>
-                  </a:lnTo>
-                  <a:lnTo>
-                    <a:pt x="2126" y="80"/>
-                  </a:lnTo>
-                  <a:lnTo>
-                    <a:pt x="2342" y="106"/>
-                  </a:lnTo>
-                  <a:lnTo>
-                    <a:pt x="2570" y="138"/>
-                  </a:lnTo>
-                  <a:lnTo>
-                    <a:pt x="2808" y="174"/>
-                  </a:lnTo>
-                  <a:lnTo>
-                    <a:pt x="3058" y="216"/>
-                  </a:lnTo>
-                  <a:lnTo>
-                    <a:pt x="3320" y="266"/>
-                  </a:lnTo>
-                  <a:lnTo>
-                    <a:pt x="3594" y="320"/>
-                  </a:lnTo>
-                  <a:lnTo>
-                    <a:pt x="3880" y="380"/>
-                  </a:lnTo>
-                  <a:lnTo>
-                    <a:pt x="4178" y="448"/>
-                  </a:lnTo>
-                  <a:lnTo>
-                    <a:pt x="4488" y="522"/>
-                  </a:lnTo>
-                  <a:lnTo>
-                    <a:pt x="4810" y="604"/>
-                  </a:lnTo>
-                  <a:lnTo>
-                    <a:pt x="5144" y="694"/>
-                  </a:lnTo>
-                </a:path>
-              </a:pathLst>
-            </a:custGeom>
-            <a:noFill/>
-            <a:ln w="12">
-              <a:solidFill>
-                <a:srgbClr val="FFFFFF"/>
-              </a:solidFill>
-              <a:prstDash val="solid"/>
-              <a:round/>
-              <a:headEnd/>
-              <a:tailEnd/>
-            </a:ln>
-          </p:spPr>
-          <p:txBody>
-            <a:bodyPr vert="horz" wrap="square" lIns="91440" tIns="45720" rIns="91440" bIns="45720" numCol="1" anchor="t" anchorCtr="0" compatLnSpc="1">
-              <a:prstTxWarp prst="textNoShape">
-                <a:avLst/>
-              </a:prstTxWarp>
-            </a:bodyPr>
-            <a:lstStyle/>
-            <a:p>
-              <a:endParaRPr lang="en-US"/>
-            </a:p>
-          </p:txBody>
-        </p:sp>
-        <p:sp>
-          <p:nvSpPr>
-            <p:cNvPr id="28" name="Freeform 26"/>
-            <p:cNvSpPr>
-              <a:spLocks/>
-            </p:cNvSpPr>
-            <p:nvPr/>
-          </p:nvSpPr>
-          <p:spPr bwMode="hidden">
-            <a:xfrm>
-              <a:off x="4156075" y="4316413"/>
-              <a:ext cx="4940300" cy="927100"/>
-            </a:xfrm>
-            <a:custGeom>
-              <a:avLst/>
-              <a:gdLst/>
-              <a:ahLst/>
-              <a:cxnLst>
-                <a:cxn ang="0">
-                  <a:pos x="0" y="584"/>
-                </a:cxn>
-                <a:cxn ang="0">
-                  <a:pos x="0" y="584"/>
-                </a:cxn>
-                <a:cxn ang="0">
-                  <a:pos x="90" y="560"/>
-                </a:cxn>
-                <a:cxn ang="0">
-                  <a:pos x="336" y="498"/>
-                </a:cxn>
-                <a:cxn ang="0">
-                  <a:pos x="506" y="456"/>
-                </a:cxn>
-                <a:cxn ang="0">
-                  <a:pos x="702" y="410"/>
-                </a:cxn>
-                <a:cxn ang="0">
-                  <a:pos x="920" y="360"/>
-                </a:cxn>
-                <a:cxn ang="0">
-                  <a:pos x="1154" y="306"/>
-                </a:cxn>
-                <a:cxn ang="0">
-                  <a:pos x="1402" y="254"/>
-                </a:cxn>
-                <a:cxn ang="0">
-                  <a:pos x="1656" y="202"/>
-                </a:cxn>
-                <a:cxn ang="0">
-                  <a:pos x="1916" y="154"/>
-                </a:cxn>
-                <a:cxn ang="0">
-                  <a:pos x="2174" y="108"/>
-                </a:cxn>
-                <a:cxn ang="0">
-                  <a:pos x="2302" y="88"/>
-                </a:cxn>
-                <a:cxn ang="0">
-                  <a:pos x="2426" y="68"/>
-                </a:cxn>
-                <a:cxn ang="0">
-                  <a:pos x="2550" y="52"/>
-                </a:cxn>
-                <a:cxn ang="0">
-                  <a:pos x="2670" y="36"/>
-                </a:cxn>
-                <a:cxn ang="0">
-                  <a:pos x="2788" y="24"/>
-                </a:cxn>
-                <a:cxn ang="0">
-                  <a:pos x="2900" y="14"/>
-                </a:cxn>
-                <a:cxn ang="0">
-                  <a:pos x="3008" y="6"/>
-                </a:cxn>
-                <a:cxn ang="0">
-                  <a:pos x="3112" y="0"/>
-                </a:cxn>
-              </a:cxnLst>
-              <a:rect l="0" t="0" r="r" b="b"/>
-              <a:pathLst>
-                <a:path w="3112" h="584">
-                  <a:moveTo>
-                    <a:pt x="0" y="584"/>
-                  </a:moveTo>
-                  <a:lnTo>
-                    <a:pt x="0" y="584"/>
-                  </a:lnTo>
-                  <a:lnTo>
-                    <a:pt x="90" y="560"/>
-                  </a:lnTo>
-                  <a:lnTo>
-                    <a:pt x="336" y="498"/>
-                  </a:lnTo>
-                  <a:lnTo>
-                    <a:pt x="506" y="456"/>
-                  </a:lnTo>
-                  <a:lnTo>
-                    <a:pt x="702" y="410"/>
-                  </a:lnTo>
-                  <a:lnTo>
-                    <a:pt x="920" y="360"/>
-                  </a:lnTo>
-                  <a:lnTo>
-                    <a:pt x="1154" y="306"/>
-                  </a:lnTo>
-                  <a:lnTo>
-                    <a:pt x="1402" y="254"/>
-                  </a:lnTo>
-                  <a:lnTo>
-                    <a:pt x="1656" y="202"/>
-                  </a:lnTo>
-                  <a:lnTo>
-                    <a:pt x="1916" y="154"/>
-                  </a:lnTo>
-                  <a:lnTo>
-                    <a:pt x="2174" y="108"/>
-                  </a:lnTo>
-                  <a:lnTo>
-                    <a:pt x="2302" y="88"/>
-                  </a:lnTo>
-                  <a:lnTo>
-                    <a:pt x="2426" y="68"/>
-                  </a:lnTo>
-                  <a:lnTo>
-                    <a:pt x="2550" y="52"/>
-                  </a:lnTo>
-                  <a:lnTo>
-                    <a:pt x="2670" y="36"/>
-                  </a:lnTo>
-                  <a:lnTo>
-                    <a:pt x="2788" y="24"/>
-                  </a:lnTo>
-                  <a:lnTo>
-                    <a:pt x="2900" y="14"/>
-                  </a:lnTo>
-                  <a:lnTo>
-                    <a:pt x="3008" y="6"/>
-                  </a:lnTo>
-                  <a:lnTo>
-                    <a:pt x="3112" y="0"/>
-                  </a:lnTo>
-                </a:path>
-              </a:pathLst>
-            </a:custGeom>
-            <a:noFill/>
-            <a:ln w="12">
-              <a:solidFill>
-                <a:srgbClr val="FFFFFF"/>
-              </a:solidFill>
-              <a:prstDash val="solid"/>
-              <a:round/>
-              <a:headEnd/>
-              <a:tailEnd/>
-            </a:ln>
-          </p:spPr>
-          <p:txBody>
-            <a:bodyPr vert="horz" wrap="square" lIns="91440" tIns="45720" rIns="91440" bIns="45720" numCol="1" anchor="t" anchorCtr="0" compatLnSpc="1">
-              <a:prstTxWarp prst="textNoShape">
-                <a:avLst/>
-              </a:prstTxWarp>
-            </a:bodyPr>
-            <a:lstStyle/>
-            <a:p>
-              <a:endParaRPr lang="en-US"/>
-            </a:p>
-          </p:txBody>
-        </p:sp>
-        <p:sp useBgFill="1">
-          <p:nvSpPr>
-            <p:cNvPr id="29" name="Freeform 28"/>
-            <p:cNvSpPr>
-              <a:spLocks/>
-            </p:cNvSpPr>
-            <p:nvPr/>
-          </p:nvSpPr>
-          <p:spPr bwMode="hidden">
-            <a:xfrm>
-              <a:off x="-3905250" y="4294188"/>
-              <a:ext cx="13011150" cy="1892300"/>
-            </a:xfrm>
-            <a:custGeom>
-              <a:avLst/>
-              <a:gdLst/>
-              <a:ahLst/>
-              <a:cxnLst>
-                <a:cxn ang="0">
-                  <a:pos x="8192" y="512"/>
-                </a:cxn>
-                <a:cxn ang="0">
-                  <a:pos x="8040" y="570"/>
-                </a:cxn>
-                <a:cxn ang="0">
-                  <a:pos x="7878" y="620"/>
-                </a:cxn>
-                <a:cxn ang="0">
-                  <a:pos x="7706" y="666"/>
-                </a:cxn>
-                <a:cxn ang="0">
-                  <a:pos x="7522" y="702"/>
-                </a:cxn>
-                <a:cxn ang="0">
-                  <a:pos x="7322" y="730"/>
-                </a:cxn>
-                <a:cxn ang="0">
-                  <a:pos x="7106" y="750"/>
-                </a:cxn>
-                <a:cxn ang="0">
-                  <a:pos x="6872" y="762"/>
-                </a:cxn>
-                <a:cxn ang="0">
-                  <a:pos x="6618" y="760"/>
-                </a:cxn>
-                <a:cxn ang="0">
-                  <a:pos x="6342" y="750"/>
-                </a:cxn>
-                <a:cxn ang="0">
-                  <a:pos x="6042" y="726"/>
-                </a:cxn>
-                <a:cxn ang="0">
-                  <a:pos x="5716" y="690"/>
-                </a:cxn>
-                <a:cxn ang="0">
-                  <a:pos x="5364" y="642"/>
-                </a:cxn>
-                <a:cxn ang="0">
-                  <a:pos x="4982" y="578"/>
-                </a:cxn>
-                <a:cxn ang="0">
-                  <a:pos x="4568" y="500"/>
-                </a:cxn>
-                <a:cxn ang="0">
-                  <a:pos x="4122" y="406"/>
-                </a:cxn>
-                <a:cxn ang="0">
-                  <a:pos x="3640" y="296"/>
-                </a:cxn>
-                <a:cxn ang="0">
-                  <a:pos x="3396" y="240"/>
-                </a:cxn>
-                <a:cxn ang="0">
-                  <a:pos x="2934" y="148"/>
-                </a:cxn>
-                <a:cxn ang="0">
-                  <a:pos x="2512" y="82"/>
-                </a:cxn>
-                <a:cxn ang="0">
-                  <a:pos x="2126" y="36"/>
-                </a:cxn>
-                <a:cxn ang="0">
-                  <a:pos x="1776" y="10"/>
-                </a:cxn>
-                <a:cxn ang="0">
-                  <a:pos x="1462" y="0"/>
-                </a:cxn>
-                <a:cxn ang="0">
-                  <a:pos x="1182" y="4"/>
-                </a:cxn>
-                <a:cxn ang="0">
-                  <a:pos x="934" y="20"/>
-                </a:cxn>
-                <a:cxn ang="0">
-                  <a:pos x="716" y="44"/>
-                </a:cxn>
-                <a:cxn ang="0">
-                  <a:pos x="530" y="74"/>
-                </a:cxn>
-                <a:cxn ang="0">
-                  <a:pos x="374" y="108"/>
-                </a:cxn>
-                <a:cxn ang="0">
-                  <a:pos x="248" y="144"/>
-                </a:cxn>
-                <a:cxn ang="0">
-                  <a:pos x="148" y="176"/>
-                </a:cxn>
-                <a:cxn ang="0">
-                  <a:pos x="48" y="216"/>
-                </a:cxn>
-                <a:cxn ang="0">
-                  <a:pos x="0" y="240"/>
-                </a:cxn>
-                <a:cxn ang="0">
-                  <a:pos x="8192" y="1192"/>
-                </a:cxn>
-                <a:cxn ang="0">
-                  <a:pos x="8196" y="1186"/>
-                </a:cxn>
-                <a:cxn ang="0">
-                  <a:pos x="8196" y="510"/>
-                </a:cxn>
-                <a:cxn ang="0">
-                  <a:pos x="8192" y="512"/>
-                </a:cxn>
-              </a:cxnLst>
-              <a:rect l="0" t="0" r="r" b="b"/>
-              <a:pathLst>
-                <a:path w="8196" h="1192">
-                  <a:moveTo>
-                    <a:pt x="8192" y="512"/>
-                  </a:moveTo>
-                  <a:lnTo>
-                    <a:pt x="8192" y="512"/>
-                  </a:lnTo>
-                  <a:lnTo>
-                    <a:pt x="8116" y="542"/>
-                  </a:lnTo>
-                  <a:lnTo>
-                    <a:pt x="8040" y="570"/>
-                  </a:lnTo>
-                  <a:lnTo>
-                    <a:pt x="7960" y="596"/>
-                  </a:lnTo>
-                  <a:lnTo>
-                    <a:pt x="7878" y="620"/>
-                  </a:lnTo>
-                  <a:lnTo>
-                    <a:pt x="7794" y="644"/>
-                  </a:lnTo>
-                  <a:lnTo>
-                    <a:pt x="7706" y="666"/>
-                  </a:lnTo>
-                  <a:lnTo>
-                    <a:pt x="7616" y="684"/>
-                  </a:lnTo>
-                  <a:lnTo>
-                    <a:pt x="7522" y="702"/>
-                  </a:lnTo>
-                  <a:lnTo>
-                    <a:pt x="7424" y="718"/>
-                  </a:lnTo>
-                  <a:lnTo>
-                    <a:pt x="7322" y="730"/>
-                  </a:lnTo>
-                  <a:lnTo>
-                    <a:pt x="7216" y="742"/>
-                  </a:lnTo>
-                  <a:lnTo>
-                    <a:pt x="7106" y="750"/>
-                  </a:lnTo>
-                  <a:lnTo>
-                    <a:pt x="6992" y="758"/>
-                  </a:lnTo>
-                  <a:lnTo>
-                    <a:pt x="6872" y="762"/>
-                  </a:lnTo>
-                  <a:lnTo>
-                    <a:pt x="6748" y="762"/>
-                  </a:lnTo>
-                  <a:lnTo>
-                    <a:pt x="6618" y="760"/>
-                  </a:lnTo>
-                  <a:lnTo>
-                    <a:pt x="6482" y="756"/>
-                  </a:lnTo>
-                  <a:lnTo>
-                    <a:pt x="6342" y="750"/>
-                  </a:lnTo>
-                  <a:lnTo>
-                    <a:pt x="6196" y="740"/>
-                  </a:lnTo>
-                  <a:lnTo>
-                    <a:pt x="6042" y="726"/>
-                  </a:lnTo>
-                  <a:lnTo>
-                    <a:pt x="5882" y="710"/>
-                  </a:lnTo>
-                  <a:lnTo>
-                    <a:pt x="5716" y="690"/>
-                  </a:lnTo>
-                  <a:lnTo>
-                    <a:pt x="5544" y="668"/>
-                  </a:lnTo>
-                  <a:lnTo>
-                    <a:pt x="5364" y="642"/>
-                  </a:lnTo>
-                  <a:lnTo>
-                    <a:pt x="5176" y="612"/>
-                  </a:lnTo>
-                  <a:lnTo>
-                    <a:pt x="4982" y="578"/>
-                  </a:lnTo>
-                  <a:lnTo>
-                    <a:pt x="4778" y="540"/>
-                  </a:lnTo>
-                  <a:lnTo>
-                    <a:pt x="4568" y="500"/>
-                  </a:lnTo>
-                  <a:lnTo>
-                    <a:pt x="4348" y="454"/>
-                  </a:lnTo>
-                  <a:lnTo>
-                    <a:pt x="4122" y="406"/>
-                  </a:lnTo>
-                  <a:lnTo>
-                    <a:pt x="3886" y="354"/>
-                  </a:lnTo>
-                  <a:lnTo>
-                    <a:pt x="3640" y="296"/>
-                  </a:lnTo>
-                  <a:lnTo>
-                    <a:pt x="3640" y="296"/>
-                  </a:lnTo>
-                  <a:lnTo>
-                    <a:pt x="3396" y="240"/>
-                  </a:lnTo>
-                  <a:lnTo>
-                    <a:pt x="3160" y="192"/>
-                  </a:lnTo>
-                  <a:lnTo>
-                    <a:pt x="2934" y="148"/>
-                  </a:lnTo>
-                  <a:lnTo>
-                    <a:pt x="2718" y="112"/>
-                  </a:lnTo>
-                  <a:lnTo>
-                    <a:pt x="2512" y="82"/>
-                  </a:lnTo>
-                  <a:lnTo>
-                    <a:pt x="2314" y="56"/>
-                  </a:lnTo>
-                  <a:lnTo>
-                    <a:pt x="2126" y="36"/>
-                  </a:lnTo>
-                  <a:lnTo>
-                    <a:pt x="1948" y="20"/>
-                  </a:lnTo>
-                  <a:lnTo>
-                    <a:pt x="1776" y="10"/>
-                  </a:lnTo>
-                  <a:lnTo>
-                    <a:pt x="1616" y="2"/>
-                  </a:lnTo>
-                  <a:lnTo>
-                    <a:pt x="1462" y="0"/>
-                  </a:lnTo>
-                  <a:lnTo>
-                    <a:pt x="1318" y="0"/>
-                  </a:lnTo>
-                  <a:lnTo>
-                    <a:pt x="1182" y="4"/>
-                  </a:lnTo>
-                  <a:lnTo>
-                    <a:pt x="1054" y="10"/>
-                  </a:lnTo>
-                  <a:lnTo>
-                    <a:pt x="934" y="20"/>
-                  </a:lnTo>
-                  <a:lnTo>
-                    <a:pt x="822" y="30"/>
-                  </a:lnTo>
-                  <a:lnTo>
-                    <a:pt x="716" y="44"/>
-                  </a:lnTo>
-                  <a:lnTo>
-                    <a:pt x="620" y="58"/>
-                  </a:lnTo>
-                  <a:lnTo>
-                    <a:pt x="530" y="74"/>
-                  </a:lnTo>
-                  <a:lnTo>
-                    <a:pt x="450" y="92"/>
-                  </a:lnTo>
-                  <a:lnTo>
-                    <a:pt x="374" y="108"/>
-                  </a:lnTo>
-                  <a:lnTo>
-                    <a:pt x="308" y="126"/>
-                  </a:lnTo>
-                  <a:lnTo>
-                    <a:pt x="248" y="144"/>
-                  </a:lnTo>
-                  <a:lnTo>
-                    <a:pt x="194" y="160"/>
-                  </a:lnTo>
-                  <a:lnTo>
-                    <a:pt x="148" y="176"/>
-                  </a:lnTo>
-                  <a:lnTo>
-                    <a:pt x="108" y="192"/>
-                  </a:lnTo>
-                  <a:lnTo>
-                    <a:pt x="48" y="216"/>
-                  </a:lnTo>
-                  <a:lnTo>
-                    <a:pt x="12" y="234"/>
-                  </a:lnTo>
-                  <a:lnTo>
-                    <a:pt x="0" y="240"/>
-                  </a:lnTo>
-                  <a:lnTo>
-                    <a:pt x="0" y="1192"/>
-                  </a:lnTo>
-                  <a:lnTo>
-                    <a:pt x="8192" y="1192"/>
-                  </a:lnTo>
-                  <a:lnTo>
-                    <a:pt x="8192" y="1192"/>
-                  </a:lnTo>
-                  <a:lnTo>
-                    <a:pt x="8196" y="1186"/>
-                  </a:lnTo>
-                  <a:lnTo>
-                    <a:pt x="8196" y="1186"/>
-                  </a:lnTo>
-                  <a:lnTo>
-                    <a:pt x="8196" y="510"/>
-                  </a:lnTo>
-                  <a:lnTo>
-                    <a:pt x="8196" y="510"/>
-                  </a:lnTo>
-                  <a:lnTo>
-                    <a:pt x="8192" y="512"/>
-                  </a:lnTo>
-                  <a:lnTo>
-                    <a:pt x="8192" y="512"/>
-                  </a:lnTo>
-                  <a:close/>
-                </a:path>
-              </a:pathLst>
-            </a:custGeom>
-            <a:ln w="9525">
-              <a:noFill/>
-              <a:round/>
-              <a:headEnd/>
-              <a:tailEnd/>
-            </a:ln>
-          </p:spPr>
-          <p:txBody>
-            <a:bodyPr vert="horz" wrap="square" lIns="91440" tIns="45720" rIns="91440" bIns="45720" numCol="1" anchor="t" anchorCtr="0" compatLnSpc="1">
-              <a:prstTxWarp prst="textNoShape">
-                <a:avLst/>
-              </a:prstTxWarp>
-            </a:bodyPr>
-            <a:lstStyle/>
-            <a:p>
-              <a:endParaRPr lang="en-US"/>
-            </a:p>
-          </p:txBody>
-        </p:sp>
-      </p:grpSp>
       <p:sp>
         <p:nvSpPr>
           <p:cNvPr id="22" name="Title 21"/>
@@ -10893,6 +11420,98 @@
           </a:p>
         </p:txBody>
       </p:sp>
+      <p:sp>
+        <p:nvSpPr>
+          <p:cNvPr id="12" name="Date Placeholder 4"/>
+          <p:cNvSpPr>
+            <a:spLocks noGrp="1"/>
+          </p:cNvSpPr>
+          <p:nvPr>
+            <p:ph type="dt" sz="half" idx="10"/>
+          </p:nvPr>
+        </p:nvSpPr>
+        <p:spPr/>
+        <p:txBody>
+          <a:bodyPr/>
+          <a:lstStyle>
+            <a:lvl1pPr>
+              <a:defRPr/>
+            </a:lvl1pPr>
+          </a:lstStyle>
+          <a:p>
+            <a:pPr>
+              <a:defRPr/>
+            </a:pPr>
+            <a:fld id="{4DF7F52F-9FB9-4025-ABF0-6D44C8DE239D}" type="datetimeFigureOut">
+              <a:rPr lang="es-PE"/>
+              <a:pPr>
+                <a:defRPr/>
+              </a:pPr>
+              <a:t>07/05/2012</a:t>
+            </a:fld>
+            <a:endParaRPr lang="es-PE"/>
+          </a:p>
+        </p:txBody>
+      </p:sp>
+      <p:sp>
+        <p:nvSpPr>
+          <p:cNvPr id="13" name="Footer Placeholder 5"/>
+          <p:cNvSpPr>
+            <a:spLocks noGrp="1"/>
+          </p:cNvSpPr>
+          <p:nvPr>
+            <p:ph type="ftr" sz="quarter" idx="11"/>
+          </p:nvPr>
+        </p:nvSpPr>
+        <p:spPr/>
+        <p:txBody>
+          <a:bodyPr/>
+          <a:lstStyle>
+            <a:lvl1pPr>
+              <a:defRPr/>
+            </a:lvl1pPr>
+          </a:lstStyle>
+          <a:p>
+            <a:pPr>
+              <a:defRPr/>
+            </a:pPr>
+            <a:endParaRPr lang="es-PE"/>
+          </a:p>
+        </p:txBody>
+      </p:sp>
+      <p:sp>
+        <p:nvSpPr>
+          <p:cNvPr id="14" name="Slide Number Placeholder 6"/>
+          <p:cNvSpPr>
+            <a:spLocks noGrp="1"/>
+          </p:cNvSpPr>
+          <p:nvPr>
+            <p:ph type="sldNum" sz="quarter" idx="12"/>
+          </p:nvPr>
+        </p:nvSpPr>
+        <p:spPr/>
+        <p:txBody>
+          <a:bodyPr/>
+          <a:lstStyle>
+            <a:lvl1pPr>
+              <a:defRPr/>
+            </a:lvl1pPr>
+          </a:lstStyle>
+          <a:p>
+            <a:pPr>
+              <a:defRPr/>
+            </a:pPr>
+            <a:fld id="{2A778C50-A47C-4F0D-BC46-21C5D4765050}" type="slidenum">
+              <a:rPr lang="es-PE"/>
+              <a:pPr>
+                <a:defRPr/>
+              </a:pPr>
+              <a:t>‹Nº›</a:t>
+            </a:fld>
+            <a:endParaRPr lang="es-PE"/>
+          </a:p>
+        </p:txBody>
+      </p:sp>
     </p:spTree>
   </p:cSld>
   <p:clrMapOvr>
@@ -10920,14 +11539,14 @@
       </p:grpSpPr>
       <p:sp>
         <p:nvSpPr>
-          <p:cNvPr id="15" name="Rounded Rectangle 14"/>
+          <p:cNvPr id="5" name="Rounded Rectangle 14"/>
           <p:cNvSpPr/>
           <p:nvPr/>
         </p:nvSpPr>
         <p:spPr>
           <a:xfrm>
             <a:off x="228600" y="228600"/>
-            <a:ext cx="8695944" cy="6035040"/>
+            <a:ext cx="8696325" cy="6035675"/>
           </a:xfrm>
           <a:prstGeom prst="roundRect">
             <a:avLst>
@@ -10971,33 +11590,41 @@
           </a:fontRef>
         </p:style>
         <p:txBody>
-          <a:bodyPr rtlCol="0" anchor="ctr"/>
+          <a:bodyPr anchor="ctr"/>
           <a:lstStyle/>
           <a:p>
-            <a:pPr algn="ctr"/>
+            <a:pPr algn="ctr" fontAlgn="auto">
+              <a:spcBef>
+                <a:spcPts val="0"/>
+              </a:spcBef>
+              <a:spcAft>
+                <a:spcPts val="0"/>
+              </a:spcAft>
+              <a:defRPr/>
+            </a:pPr>
             <a:endParaRPr lang="en-US"/>
           </a:p>
         </p:txBody>
       </p:sp>
       <p:grpSp>
         <p:nvGrpSpPr>
-          <p:cNvPr id="9" name="Group 8"/>
+          <p:cNvPr id="6" name="Group 8"/>
           <p:cNvGrpSpPr>
             <a:grpSpLocks noChangeAspect="1"/>
           </p:cNvGrpSpPr>
           <p:nvPr/>
         </p:nvGrpSpPr>
-        <p:grpSpPr bwMode="hidden">
+        <p:grpSpPr bwMode="auto">
           <a:xfrm>
-            <a:off x="211665" y="5353963"/>
-            <a:ext cx="8723376" cy="1331580"/>
+            <a:off x="211138" y="5354638"/>
+            <a:ext cx="8723312" cy="1330325"/>
             <a:chOff x="-3905250" y="4294188"/>
             <a:chExt cx="13011150" cy="1892300"/>
           </a:xfrm>
         </p:grpSpPr>
         <p:sp>
           <p:nvSpPr>
-            <p:cNvPr id="10" name="Freeform 14"/>
+            <p:cNvPr id="7" name="Freeform 14"/>
             <p:cNvSpPr>
               <a:spLocks/>
             </p:cNvSpPr>
@@ -11005,8 +11632,8 @@
           </p:nvSpPr>
           <p:spPr bwMode="hidden">
             <a:xfrm>
-              <a:off x="4810125" y="4500563"/>
-              <a:ext cx="4295775" cy="1016000"/>
+              <a:off x="4810681" y="4499676"/>
+              <a:ext cx="4295219" cy="1016152"/>
             </a:xfrm>
             <a:custGeom>
               <a:avLst/>
@@ -11376,20 +12003,27 @@
             </a:ln>
           </p:spPr>
           <p:txBody>
-            <a:bodyPr vert="horz" wrap="square" lIns="91440" tIns="45720" rIns="91440" bIns="45720" numCol="1" anchor="t" anchorCtr="0" compatLnSpc="1">
-              <a:prstTxWarp prst="textNoShape">
-                <a:avLst/>
-              </a:prstTxWarp>
-            </a:bodyPr>
+            <a:bodyPr/>
             <a:lstStyle/>
             <a:p>
-              <a:endParaRPr lang="en-US"/>
+              <a:pPr fontAlgn="auto">
+                <a:spcBef>
+                  <a:spcPts val="0"/>
+                </a:spcBef>
+                <a:spcAft>
+                  <a:spcPts val="0"/>
+                </a:spcAft>
+                <a:defRPr/>
+              </a:pPr>
+              <a:endParaRPr lang="en-US">
+                <a:latin typeface="+mn-lt"/>
+              </a:endParaRPr>
             </a:p>
           </p:txBody>
         </p:sp>
         <p:sp>
           <p:nvSpPr>
-            <p:cNvPr id="11" name="Freeform 18"/>
+            <p:cNvPr id="8" name="Freeform 18"/>
             <p:cNvSpPr>
               <a:spLocks/>
             </p:cNvSpPr>
@@ -11397,8 +12031,8 @@
           </p:nvSpPr>
           <p:spPr bwMode="hidden">
             <a:xfrm>
-              <a:off x="-309563" y="4318000"/>
-              <a:ext cx="8280401" cy="1209675"/>
+              <a:off x="-308538" y="4319027"/>
+              <a:ext cx="8280254" cy="1208092"/>
             </a:xfrm>
             <a:custGeom>
               <a:avLst/>
@@ -11753,20 +12387,27 @@
             </a:ln>
           </p:spPr>
           <p:txBody>
-            <a:bodyPr vert="horz" wrap="square" lIns="91440" tIns="45720" rIns="91440" bIns="45720" numCol="1" anchor="t" anchorCtr="0" compatLnSpc="1">
-              <a:prstTxWarp prst="textNoShape">
-                <a:avLst/>
-              </a:prstTxWarp>
-            </a:bodyPr>
+            <a:bodyPr/>
             <a:lstStyle/>
             <a:p>
-              <a:endParaRPr lang="en-US"/>
+              <a:pPr fontAlgn="auto">
+                <a:spcBef>
+                  <a:spcPts val="0"/>
+                </a:spcBef>
+                <a:spcAft>
+                  <a:spcPts val="0"/>
+                </a:spcAft>
+                <a:defRPr/>
+              </a:pPr>
+              <a:endParaRPr lang="en-US">
+                <a:latin typeface="+mn-lt"/>
+              </a:endParaRPr>
             </a:p>
           </p:txBody>
         </p:sp>
         <p:sp>
           <p:nvSpPr>
-            <p:cNvPr id="12" name="Freeform 22"/>
+            <p:cNvPr id="9" name="Freeform 22"/>
             <p:cNvSpPr>
               <a:spLocks/>
             </p:cNvSpPr>
@@ -11774,8 +12415,8 @@
           </p:nvSpPr>
           <p:spPr bwMode="hidden">
             <a:xfrm>
-              <a:off x="3175" y="4335463"/>
-              <a:ext cx="8166100" cy="1101725"/>
+              <a:off x="4014" y="4334834"/>
+              <a:ext cx="8164231" cy="1101960"/>
             </a:xfrm>
             <a:custGeom>
               <a:avLst/>
@@ -11987,20 +12628,27 @@
             </a:ln>
           </p:spPr>
           <p:txBody>
-            <a:bodyPr vert="horz" wrap="square" lIns="91440" tIns="45720" rIns="91440" bIns="45720" numCol="1" anchor="t" anchorCtr="0" compatLnSpc="1">
-              <a:prstTxWarp prst="textNoShape">
-                <a:avLst/>
-              </a:prstTxWarp>
-            </a:bodyPr>
+            <a:bodyPr/>
             <a:lstStyle/>
             <a:p>
-              <a:endParaRPr lang="en-US"/>
+              <a:pPr fontAlgn="auto">
+                <a:spcBef>
+                  <a:spcPts val="0"/>
+                </a:spcBef>
+                <a:spcAft>
+                  <a:spcPts val="0"/>
+                </a:spcAft>
+                <a:defRPr/>
+              </a:pPr>
+              <a:endParaRPr lang="en-US">
+                <a:latin typeface="+mn-lt"/>
+              </a:endParaRPr>
             </a:p>
           </p:txBody>
         </p:sp>
         <p:sp>
           <p:nvSpPr>
-            <p:cNvPr id="13" name="Freeform 26"/>
+            <p:cNvPr id="10" name="Freeform 26"/>
             <p:cNvSpPr>
               <a:spLocks/>
             </p:cNvSpPr>
@@ -12008,8 +12656,8 @@
           </p:nvSpPr>
           <p:spPr bwMode="hidden">
             <a:xfrm>
-              <a:off x="4156075" y="4316413"/>
-              <a:ext cx="4940300" cy="927100"/>
+              <a:off x="4157164" y="4316769"/>
+              <a:ext cx="4939265" cy="925827"/>
             </a:xfrm>
             <a:custGeom>
               <a:avLst/>
@@ -12155,20 +12803,27 @@
             </a:ln>
           </p:spPr>
           <p:txBody>
-            <a:bodyPr vert="horz" wrap="square" lIns="91440" tIns="45720" rIns="91440" bIns="45720" numCol="1" anchor="t" anchorCtr="0" compatLnSpc="1">
-              <a:prstTxWarp prst="textNoShape">
-                <a:avLst/>
-              </a:prstTxWarp>
-            </a:bodyPr>
+            <a:bodyPr/>
             <a:lstStyle/>
             <a:p>
-              <a:endParaRPr lang="en-US"/>
+              <a:pPr fontAlgn="auto">
+                <a:spcBef>
+                  <a:spcPts val="0"/>
+                </a:spcBef>
+                <a:spcAft>
+                  <a:spcPts val="0"/>
+                </a:spcAft>
+                <a:defRPr/>
+              </a:pPr>
+              <a:endParaRPr lang="en-US">
+                <a:latin typeface="+mn-lt"/>
+              </a:endParaRPr>
             </a:p>
           </p:txBody>
         </p:sp>
         <p:sp useBgFill="1">
           <p:nvSpPr>
-            <p:cNvPr id="14" name="Freeform 10"/>
+            <p:cNvPr id="11" name="Freeform 10"/>
             <p:cNvSpPr>
               <a:spLocks/>
             </p:cNvSpPr>
@@ -12527,14 +13182,21 @@
             </a:ln>
           </p:spPr>
           <p:txBody>
-            <a:bodyPr vert="horz" wrap="square" lIns="91440" tIns="45720" rIns="91440" bIns="45720" numCol="1" anchor="t" anchorCtr="0" compatLnSpc="1">
-              <a:prstTxWarp prst="textNoShape">
-                <a:avLst/>
-              </a:prstTxWarp>
-            </a:bodyPr>
+            <a:bodyPr/>
             <a:lstStyle/>
             <a:p>
-              <a:endParaRPr lang="en-US"/>
+              <a:pPr fontAlgn="auto">
+                <a:spcBef>
+                  <a:spcPts val="0"/>
+                </a:spcBef>
+                <a:spcAft>
+                  <a:spcPts val="0"/>
+                </a:spcAft>
+                <a:defRPr/>
+              </a:pPr>
+              <a:endParaRPr lang="en-US">
+                <a:latin typeface="+mn-lt"/>
+              </a:endParaRPr>
             </a:p>
           </p:txBody>
         </p:sp>
@@ -12650,73 +13312,6 @@
       </p:sp>
       <p:sp>
         <p:nvSpPr>
-          <p:cNvPr id="5" name="Date Placeholder 4"/>
-          <p:cNvSpPr>
-            <a:spLocks noGrp="1"/>
-          </p:cNvSpPr>
-          <p:nvPr>
-            <p:ph type="dt" sz="half" idx="10"/>
-          </p:nvPr>
-        </p:nvSpPr>
-        <p:spPr/>
-        <p:txBody>
-          <a:bodyPr/>
-          <a:lstStyle/>
-          <a:p>
-            <a:fld id="{15AD49C3-FFB3-43A7-92FA-622BE02CB1C4}" type="datetimeFigureOut">
-              <a:rPr lang="es-PE" smtClean="0"/>
-              <a:pPr/>
-              <a:t>07/05/2012</a:t>
-            </a:fld>
-            <a:endParaRPr lang="es-PE"/>
-          </a:p>
-        </p:txBody>
-      </p:sp>
-      <p:sp>
-        <p:nvSpPr>
-          <p:cNvPr id="6" name="Footer Placeholder 5"/>
-          <p:cNvSpPr>
-            <a:spLocks noGrp="1"/>
-          </p:cNvSpPr>
-          <p:nvPr>
-            <p:ph type="ftr" sz="quarter" idx="11"/>
-          </p:nvPr>
-        </p:nvSpPr>
-        <p:spPr/>
-        <p:txBody>
-          <a:bodyPr/>
-          <a:lstStyle/>
-          <a:p>
-            <a:endParaRPr lang="es-PE"/>
-          </a:p>
-        </p:txBody>
-      </p:sp>
-      <p:sp>
-        <p:nvSpPr>
-          <p:cNvPr id="7" name="Slide Number Placeholder 6"/>
-          <p:cNvSpPr>
-            <a:spLocks noGrp="1"/>
-          </p:cNvSpPr>
-          <p:nvPr>
-            <p:ph type="sldNum" sz="quarter" idx="12"/>
-          </p:nvPr>
-        </p:nvSpPr>
-        <p:spPr/>
-        <p:txBody>
-          <a:bodyPr/>
-          <a:lstStyle/>
-          <a:p>
-            <a:fld id="{0A355AF4-5C5D-4911-90B4-C651615D7B40}" type="slidenum">
-              <a:rPr lang="es-PE" smtClean="0"/>
-              <a:pPr/>
-              <a:t>‹Nº›</a:t>
-            </a:fld>
-            <a:endParaRPr lang="es-PE"/>
-          </a:p>
-        </p:txBody>
-      </p:sp>
-      <p:sp>
-        <p:nvSpPr>
           <p:cNvPr id="3" name="Picture Placeholder 2"/>
           <p:cNvSpPr>
             <a:spLocks noGrp="1"/>
@@ -12757,7 +13352,9 @@
           </a:sp3d>
         </p:spPr>
         <p:txBody>
-          <a:bodyPr/>
+          <a:bodyPr rtlCol="0">
+            <a:normAutofit/>
+          </a:bodyPr>
           <a:lstStyle>
             <a:lvl1pPr marL="0" indent="0" algn="ctr">
               <a:buNone/>
@@ -12801,11 +13398,104 @@
             </a:lvl9pPr>
           </a:lstStyle>
           <a:p>
+            <a:pPr lvl="0"/>
             <a:r>
-              <a:rPr lang="es-ES" smtClean="0"/>
+              <a:rPr lang="es-ES" noProof="0" smtClean="0"/>
               <a:t>Haga clic en el icono para agregar una imagen</a:t>
             </a:r>
-            <a:endParaRPr lang="en-US" dirty="0"/>
+            <a:endParaRPr lang="en-US" noProof="0" dirty="0"/>
+          </a:p>
+        </p:txBody>
+      </p:sp>
+      <p:sp>
+        <p:nvSpPr>
+          <p:cNvPr id="12" name="Date Placeholder 4"/>
+          <p:cNvSpPr>
+            <a:spLocks noGrp="1"/>
+          </p:cNvSpPr>
+          <p:nvPr>
+            <p:ph type="dt" sz="half" idx="10"/>
+          </p:nvPr>
+        </p:nvSpPr>
+        <p:spPr/>
+        <p:txBody>
+          <a:bodyPr/>
+          <a:lstStyle>
+            <a:lvl1pPr>
+              <a:defRPr/>
+            </a:lvl1pPr>
+          </a:lstStyle>
+          <a:p>
+            <a:pPr>
+              <a:defRPr/>
+            </a:pPr>
+            <a:fld id="{48FA6A06-7A39-410F-ACD2-0D38C4ED3EFC}" type="datetimeFigureOut">
+              <a:rPr lang="es-PE"/>
+              <a:pPr>
+                <a:defRPr/>
+              </a:pPr>
+              <a:t>07/05/2012</a:t>
+            </a:fld>
+            <a:endParaRPr lang="es-PE"/>
+          </a:p>
+        </p:txBody>
+      </p:sp>
+      <p:sp>
+        <p:nvSpPr>
+          <p:cNvPr id="13" name="Footer Placeholder 5"/>
+          <p:cNvSpPr>
+            <a:spLocks noGrp="1"/>
+          </p:cNvSpPr>
+          <p:nvPr>
+            <p:ph type="ftr" sz="quarter" idx="11"/>
+          </p:nvPr>
+        </p:nvSpPr>
+        <p:spPr/>
+        <p:txBody>
+          <a:bodyPr/>
+          <a:lstStyle>
+            <a:lvl1pPr>
+              <a:defRPr/>
+            </a:lvl1pPr>
+          </a:lstStyle>
+          <a:p>
+            <a:pPr>
+              <a:defRPr/>
+            </a:pPr>
+            <a:endParaRPr lang="es-PE"/>
+          </a:p>
+        </p:txBody>
+      </p:sp>
+      <p:sp>
+        <p:nvSpPr>
+          <p:cNvPr id="14" name="Slide Number Placeholder 6"/>
+          <p:cNvSpPr>
+            <a:spLocks noGrp="1"/>
+          </p:cNvSpPr>
+          <p:nvPr>
+            <p:ph type="sldNum" sz="quarter" idx="12"/>
+          </p:nvPr>
+        </p:nvSpPr>
+        <p:spPr/>
+        <p:txBody>
+          <a:bodyPr/>
+          <a:lstStyle>
+            <a:lvl1pPr>
+              <a:defRPr/>
+            </a:lvl1pPr>
+          </a:lstStyle>
+          <a:p>
+            <a:pPr>
+              <a:defRPr/>
+            </a:pPr>
+            <a:fld id="{41797E0C-720C-48C5-A204-2BDD334504FD}" type="slidenum">
+              <a:rPr lang="es-PE"/>
+              <a:pPr>
+                <a:defRPr/>
+              </a:pPr>
+              <a:t>‹Nº›</a:t>
+            </a:fld>
+            <a:endParaRPr lang="es-PE"/>
           </a:p>
         </p:txBody>
       </p:sp>
@@ -12848,7 +13538,7 @@
         <p:spPr>
           <a:xfrm>
             <a:off x="228600" y="228600"/>
-            <a:ext cx="8695944" cy="2468880"/>
+            <a:ext cx="8696325" cy="2468563"/>
           </a:xfrm>
           <a:prstGeom prst="roundRect">
             <a:avLst>
@@ -12892,26 +13582,34 @@
           </a:fontRef>
         </p:style>
         <p:txBody>
-          <a:bodyPr rtlCol="0" anchor="ctr"/>
+          <a:bodyPr anchor="ctr"/>
           <a:lstStyle/>
           <a:p>
-            <a:pPr algn="ctr"/>
+            <a:pPr algn="ctr" fontAlgn="auto">
+              <a:spcBef>
+                <a:spcPts val="0"/>
+              </a:spcBef>
+              <a:spcAft>
+                <a:spcPts val="0"/>
+              </a:spcAft>
+              <a:defRPr/>
+            </a:pPr>
             <a:endParaRPr lang="en-US"/>
           </a:p>
         </p:txBody>
       </p:sp>
       <p:grpSp>
         <p:nvGrpSpPr>
-          <p:cNvPr id="8" name="Group 15"/>
+          <p:cNvPr id="1027" name="Group 15"/>
           <p:cNvGrpSpPr>
             <a:grpSpLocks noChangeAspect="1"/>
           </p:cNvGrpSpPr>
           <p:nvPr/>
         </p:nvGrpSpPr>
-        <p:grpSpPr bwMode="hidden">
+        <p:grpSpPr bwMode="auto">
           <a:xfrm>
-            <a:off x="211665" y="1679429"/>
-            <a:ext cx="8723376" cy="1329874"/>
+            <a:off x="211138" y="1679575"/>
+            <a:ext cx="8723312" cy="1330325"/>
             <a:chOff x="-3905251" y="4294188"/>
             <a:chExt cx="13027839" cy="1892300"/>
           </a:xfrm>
@@ -12926,8 +13624,8 @@
           </p:nvSpPr>
           <p:spPr bwMode="hidden">
             <a:xfrm>
-              <a:off x="4810125" y="4500563"/>
-              <a:ext cx="4295775" cy="1016000"/>
+              <a:off x="4810006" y="4499677"/>
+              <a:ext cx="4295986" cy="1016152"/>
             </a:xfrm>
             <a:custGeom>
               <a:avLst/>
@@ -13297,14 +13995,21 @@
             </a:ln>
           </p:spPr>
           <p:txBody>
-            <a:bodyPr vert="horz" wrap="square" lIns="91440" tIns="45720" rIns="91440" bIns="45720" numCol="1" anchor="t" anchorCtr="0" compatLnSpc="1">
-              <a:prstTxWarp prst="textNoShape">
-                <a:avLst/>
-              </a:prstTxWarp>
-            </a:bodyPr>
+            <a:bodyPr/>
             <a:lstStyle/>
             <a:p>
-              <a:endParaRPr lang="en-US"/>
+              <a:pPr fontAlgn="auto">
+                <a:spcBef>
+                  <a:spcPts val="0"/>
+                </a:spcBef>
+                <a:spcAft>
+                  <a:spcPts val="0"/>
+                </a:spcAft>
+                <a:defRPr/>
+              </a:pPr>
+              <a:endParaRPr lang="en-US">
+                <a:latin typeface="+mn-lt"/>
+              </a:endParaRPr>
             </a:p>
           </p:txBody>
         </p:sp>
@@ -13318,8 +14023,8 @@
           </p:nvSpPr>
           <p:spPr bwMode="hidden">
             <a:xfrm>
-              <a:off x="-309563" y="4318000"/>
-              <a:ext cx="8280401" cy="1209675"/>
+              <a:off x="-308667" y="4319028"/>
+              <a:ext cx="8279020" cy="1208091"/>
             </a:xfrm>
             <a:custGeom>
               <a:avLst/>
@@ -13674,14 +14379,21 @@
             </a:ln>
           </p:spPr>
           <p:txBody>
-            <a:bodyPr vert="horz" wrap="square" lIns="91440" tIns="45720" rIns="91440" bIns="45720" numCol="1" anchor="t" anchorCtr="0" compatLnSpc="1">
-              <a:prstTxWarp prst="textNoShape">
-                <a:avLst/>
-              </a:prstTxWarp>
-            </a:bodyPr>
+            <a:bodyPr/>
             <a:lstStyle/>
             <a:p>
-              <a:endParaRPr lang="en-US"/>
+              <a:pPr fontAlgn="auto">
+                <a:spcBef>
+                  <a:spcPts val="0"/>
+                </a:spcBef>
+                <a:spcAft>
+                  <a:spcPts val="0"/>
+                </a:spcAft>
+                <a:defRPr/>
+              </a:pPr>
+              <a:endParaRPr lang="en-US">
+                <a:latin typeface="+mn-lt"/>
+              </a:endParaRPr>
             </a:p>
           </p:txBody>
         </p:sp>
@@ -13695,8 +14407,8 @@
           </p:nvSpPr>
           <p:spPr bwMode="hidden">
             <a:xfrm>
-              <a:off x="3175" y="4335463"/>
-              <a:ext cx="8166100" cy="1101725"/>
+              <a:off x="4286" y="4334834"/>
+              <a:ext cx="8165219" cy="1101960"/>
             </a:xfrm>
             <a:custGeom>
               <a:avLst/>
@@ -13908,14 +14620,21 @@
             </a:ln>
           </p:spPr>
           <p:txBody>
-            <a:bodyPr vert="horz" wrap="square" lIns="91440" tIns="45720" rIns="91440" bIns="45720" numCol="1" anchor="t" anchorCtr="0" compatLnSpc="1">
-              <a:prstTxWarp prst="textNoShape">
-                <a:avLst/>
-              </a:prstTxWarp>
-            </a:bodyPr>
+            <a:bodyPr/>
             <a:lstStyle/>
             <a:p>
-              <a:endParaRPr lang="en-US"/>
+              <a:pPr fontAlgn="auto">
+                <a:spcBef>
+                  <a:spcPts val="0"/>
+                </a:spcBef>
+                <a:spcAft>
+                  <a:spcPts val="0"/>
+                </a:spcAft>
+                <a:defRPr/>
+              </a:pPr>
+              <a:endParaRPr lang="en-US">
+                <a:latin typeface="+mn-lt"/>
+              </a:endParaRPr>
             </a:p>
           </p:txBody>
         </p:sp>
@@ -13929,8 +14648,8 @@
           </p:nvSpPr>
           <p:spPr bwMode="hidden">
             <a:xfrm>
-              <a:off x="4156075" y="4316413"/>
-              <a:ext cx="4940300" cy="927100"/>
+              <a:off x="4155651" y="4316769"/>
+              <a:ext cx="4940859" cy="925827"/>
             </a:xfrm>
             <a:custGeom>
               <a:avLst/>
@@ -14076,14 +14795,21 @@
             </a:ln>
           </p:spPr>
           <p:txBody>
-            <a:bodyPr vert="horz" wrap="square" lIns="91440" tIns="45720" rIns="91440" bIns="45720" numCol="1" anchor="t" anchorCtr="0" compatLnSpc="1">
-              <a:prstTxWarp prst="textNoShape">
-                <a:avLst/>
-              </a:prstTxWarp>
-            </a:bodyPr>
+            <a:bodyPr/>
             <a:lstStyle/>
             <a:p>
-              <a:endParaRPr lang="en-US"/>
+              <a:pPr fontAlgn="auto">
+                <a:spcBef>
+                  <a:spcPts val="0"/>
+                </a:spcBef>
+                <a:spcAft>
+                  <a:spcPts val="0"/>
+                </a:spcAft>
+                <a:defRPr/>
+              </a:pPr>
+              <a:endParaRPr lang="en-US">
+                <a:latin typeface="+mn-lt"/>
+              </a:endParaRPr>
             </a:p>
           </p:txBody>
         </p:sp>
@@ -14448,21 +15174,28 @@
             </a:ln>
           </p:spPr>
           <p:txBody>
-            <a:bodyPr vert="horz" wrap="square" lIns="91440" tIns="45720" rIns="91440" bIns="45720" numCol="1" anchor="t" anchorCtr="0" compatLnSpc="1">
-              <a:prstTxWarp prst="textNoShape">
-                <a:avLst/>
-              </a:prstTxWarp>
-            </a:bodyPr>
+            <a:bodyPr/>
             <a:lstStyle/>
             <a:p>
-              <a:endParaRPr lang="en-US"/>
+              <a:pPr fontAlgn="auto">
+                <a:spcBef>
+                  <a:spcPts val="0"/>
+                </a:spcBef>
+                <a:spcAft>
+                  <a:spcPts val="0"/>
+                </a:spcAft>
+                <a:defRPr/>
+              </a:pPr>
+              <a:endParaRPr lang="en-US">
+                <a:latin typeface="+mn-lt"/>
+              </a:endParaRPr>
             </a:p>
           </p:txBody>
         </p:sp>
       </p:grpSp>
       <p:sp>
         <p:nvSpPr>
-          <p:cNvPr id="2" name="Title Placeholder 1"/>
+          <p:cNvPr id="1028" name="Title Placeholder 1"/>
           <p:cNvSpPr>
             <a:spLocks noGrp="1"/>
           </p:cNvSpPr>
@@ -14470,26 +15203,36 @@
             <p:ph type="title"/>
           </p:nvPr>
         </p:nvSpPr>
-        <p:spPr>
+        <p:spPr bwMode="auto">
           <a:xfrm>
-            <a:off x="457200" y="338328"/>
-            <a:ext cx="8229600" cy="1252728"/>
+            <a:off x="457200" y="338138"/>
+            <a:ext cx="8229600" cy="1252537"/>
           </a:xfrm>
           <a:prstGeom prst="rect">
             <a:avLst/>
           </a:prstGeom>
+          <a:noFill/>
+          <a:ln w="9525">
+            <a:noFill/>
+            <a:miter lim="800000"/>
+            <a:headEnd/>
+            <a:tailEnd/>
+          </a:ln>
         </p:spPr>
         <p:txBody>
-          <a:bodyPr vert="horz" lIns="91440" tIns="45720" rIns="91440" bIns="45720" rtlCol="0" anchor="ctr">
-            <a:normAutofit/>
+          <a:bodyPr vert="horz" wrap="square" lIns="91440" tIns="45720" rIns="91440" bIns="45720" numCol="1" anchor="ctr" anchorCtr="0" compatLnSpc="1">
+            <a:prstTxWarp prst="textNoShape">
+              <a:avLst/>
+            </a:prstTxWarp>
           </a:bodyPr>
           <a:lstStyle/>
           <a:p>
+            <a:pPr lvl="0"/>
             <a:r>
               <a:rPr lang="es-ES" smtClean="0"/>
               <a:t>Haga clic para modificar el estilo de título del patrón</a:t>
             </a:r>
-            <a:endParaRPr lang="en-US" dirty="0"/>
+            <a:endParaRPr lang="en-US" smtClean="0"/>
           </a:p>
         </p:txBody>
       </p:sp>
@@ -14505,8 +15248,8 @@
         </p:nvSpPr>
         <p:spPr>
           <a:xfrm>
-            <a:off x="5163672" y="6250164"/>
-            <a:ext cx="3786690" cy="365125"/>
+            <a:off x="5164138" y="6249988"/>
+            <a:ext cx="3786187" cy="365125"/>
           </a:xfrm>
           <a:prstGeom prst="rect">
             <a:avLst/>
@@ -14515,18 +15258,30 @@
         <p:txBody>
           <a:bodyPr vert="horz" lIns="91440" tIns="45720" rIns="91440" bIns="45720" rtlCol="0" anchor="ctr"/>
           <a:lstStyle>
-            <a:lvl1pPr algn="r">
-              <a:defRPr sz="1000">
+            <a:lvl1pPr algn="r" fontAlgn="auto">
+              <a:spcBef>
+                <a:spcPts val="0"/>
+              </a:spcBef>
+              <a:spcAft>
+                <a:spcPts val="0"/>
+              </a:spcAft>
+              <a:defRPr sz="1000" smtClean="0">
                 <a:solidFill>
                   <a:schemeClr val="tx2"/>
                 </a:solidFill>
+                <a:latin typeface="+mn-lt"/>
               </a:defRPr>
             </a:lvl1pPr>
           </a:lstStyle>
           <a:p>
-            <a:fld id="{15AD49C3-FFB3-43A7-92FA-622BE02CB1C4}" type="datetimeFigureOut">
-              <a:rPr lang="es-PE" smtClean="0"/>
-              <a:pPr/>
+            <a:pPr>
+              <a:defRPr/>
+            </a:pPr>
+            <a:fld id="{73BA6C52-3140-4DD2-9528-622ABF5C3717}" type="datetimeFigureOut">
+              <a:rPr lang="es-PE"/>
+              <a:pPr>
+                <a:defRPr/>
+              </a:pPr>
               <a:t>07/05/2012</a:t>
             </a:fld>
             <a:endParaRPr lang="es-PE"/>
@@ -14545,8 +15300,8 @@
         </p:nvSpPr>
         <p:spPr>
           <a:xfrm>
-            <a:off x="193638" y="6250164"/>
-            <a:ext cx="3786691" cy="365125"/>
+            <a:off x="193675" y="6249988"/>
+            <a:ext cx="3786188" cy="365125"/>
           </a:xfrm>
           <a:prstGeom prst="rect">
             <a:avLst/>
@@ -14555,15 +15310,25 @@
         <p:txBody>
           <a:bodyPr vert="horz" lIns="91440" tIns="45720" rIns="91440" bIns="45720" rtlCol="0" anchor="ctr"/>
           <a:lstStyle>
-            <a:lvl1pPr algn="l">
+            <a:lvl1pPr algn="l" fontAlgn="auto">
+              <a:spcBef>
+                <a:spcPts val="0"/>
+              </a:spcBef>
+              <a:spcAft>
+                <a:spcPts val="0"/>
+              </a:spcAft>
               <a:defRPr sz="1000">
                 <a:solidFill>
                   <a:schemeClr val="tx2"/>
                 </a:solidFill>
+                <a:latin typeface="+mn-lt"/>
               </a:defRPr>
             </a:lvl1pPr>
           </a:lstStyle>
           <a:p>
+            <a:pPr>
+              <a:defRPr/>
+            </a:pPr>
             <a:endParaRPr lang="es-PE"/>
           </a:p>
         </p:txBody>
@@ -14580,8 +15345,8 @@
         </p:nvSpPr>
         <p:spPr>
           <a:xfrm>
-            <a:off x="3991088" y="6250163"/>
-            <a:ext cx="1161826" cy="365125"/>
+            <a:off x="3990975" y="6249988"/>
+            <a:ext cx="1162050" cy="365125"/>
           </a:xfrm>
           <a:prstGeom prst="rect">
             <a:avLst/>
@@ -14590,18 +15355,30 @@
         <p:txBody>
           <a:bodyPr vert="horz" lIns="91440" tIns="45720" rIns="91440" bIns="45720" rtlCol="0" anchor="ctr"/>
           <a:lstStyle>
-            <a:lvl1pPr algn="ctr">
-              <a:defRPr sz="1000">
+            <a:lvl1pPr algn="ctr" fontAlgn="auto">
+              <a:spcBef>
+                <a:spcPts val="0"/>
+              </a:spcBef>
+              <a:spcAft>
+                <a:spcPts val="0"/>
+              </a:spcAft>
+              <a:defRPr sz="1000" smtClean="0">
                 <a:solidFill>
                   <a:schemeClr val="tx2"/>
                 </a:solidFill>
+                <a:latin typeface="+mn-lt"/>
               </a:defRPr>
             </a:lvl1pPr>
           </a:lstStyle>
           <a:p>
-            <a:fld id="{0A355AF4-5C5D-4911-90B4-C651615D7B40}" type="slidenum">
-              <a:rPr lang="es-PE" smtClean="0"/>
-              <a:pPr/>
+            <a:pPr>
+              <a:defRPr/>
+            </a:pPr>
+            <a:fld id="{F377DE19-4DB6-415C-9104-201CFED9DE49}" type="slidenum">
+              <a:rPr lang="es-PE"/>
+              <a:pPr>
+                <a:defRPr/>
+              </a:pPr>
               <a:t>‹Nº›</a:t>
             </a:fld>
             <a:endParaRPr lang="es-PE"/>
@@ -14610,7 +15387,7 @@
       </p:sp>
       <p:sp>
         <p:nvSpPr>
-          <p:cNvPr id="3" name="Text Placeholder 2"/>
+          <p:cNvPr id="1032" name="Text Placeholder 2"/>
           <p:cNvSpPr>
             <a:spLocks noGrp="1"/>
           </p:cNvSpPr>
@@ -14618,18 +15395,27 @@
             <p:ph type="body" idx="1"/>
           </p:nvPr>
         </p:nvSpPr>
-        <p:spPr>
+        <p:spPr bwMode="auto">
           <a:xfrm>
-            <a:off x="872067" y="2675467"/>
-            <a:ext cx="7408333" cy="3450696"/>
+            <a:off x="871538" y="2674938"/>
+            <a:ext cx="7408862" cy="3451225"/>
           </a:xfrm>
           <a:prstGeom prst="rect">
             <a:avLst/>
           </a:prstGeom>
+          <a:noFill/>
+          <a:ln w="9525">
+            <a:noFill/>
+            <a:miter lim="800000"/>
+            <a:headEnd/>
+            <a:tailEnd/>
+          </a:ln>
         </p:spPr>
         <p:txBody>
-          <a:bodyPr vert="horz" lIns="91440" tIns="45720" rIns="91440" bIns="45720" rtlCol="0">
-            <a:normAutofit/>
+          <a:bodyPr vert="horz" wrap="square" lIns="91440" tIns="45720" rIns="91440" bIns="45720" numCol="1" anchor="t" anchorCtr="0" compatLnSpc="1">
+            <a:prstTxWarp prst="textNoShape">
+              <a:avLst/>
+            </a:prstTxWarp>
           </a:bodyPr>
           <a:lstStyle/>
           <a:p>
@@ -14666,7 +15452,7 @@
               <a:rPr lang="es-ES" smtClean="0"/>
               <a:t>Quinto nivel</a:t>
             </a:r>
-            <a:endParaRPr lang="en-US" dirty="0"/>
+            <a:endParaRPr lang="en-US" smtClean="0"/>
           </a:p>
         </p:txBody>
       </p:sp>
@@ -14674,25 +15460,27 @@
   </p:cSld>
   <p:clrMap bg1="lt1" tx1="dk1" bg2="lt2" tx2="dk2" accent1="accent1" accent2="accent2" accent3="accent3" accent4="accent4" accent5="accent5" accent6="accent6" hlink="hlink" folHlink="folHlink"/>
   <p:sldLayoutIdLst>
-    <p:sldLayoutId id="2147483661" r:id="rId1"/>
-    <p:sldLayoutId id="2147483662" r:id="rId2"/>
-    <p:sldLayoutId id="2147483663" r:id="rId3"/>
-    <p:sldLayoutId id="2147483664" r:id="rId4"/>
-    <p:sldLayoutId id="2147483665" r:id="rId5"/>
-    <p:sldLayoutId id="2147483666" r:id="rId6"/>
-    <p:sldLayoutId id="2147483667" r:id="rId7"/>
-    <p:sldLayoutId id="2147483668" r:id="rId8"/>
-    <p:sldLayoutId id="2147483669" r:id="rId9"/>
-    <p:sldLayoutId id="2147483670" r:id="rId10"/>
-    <p:sldLayoutId id="2147483671" r:id="rId11"/>
+    <p:sldLayoutId id="2147483672" r:id="rId1"/>
+    <p:sldLayoutId id="2147483671" r:id="rId2"/>
+    <p:sldLayoutId id="2147483673" r:id="rId3"/>
+    <p:sldLayoutId id="2147483670" r:id="rId4"/>
+    <p:sldLayoutId id="2147483669" r:id="rId5"/>
+    <p:sldLayoutId id="2147483668" r:id="rId6"/>
+    <p:sldLayoutId id="2147483674" r:id="rId7"/>
+    <p:sldLayoutId id="2147483675" r:id="rId8"/>
+    <p:sldLayoutId id="2147483676" r:id="rId9"/>
+    <p:sldLayoutId id="2147483667" r:id="rId10"/>
+    <p:sldLayoutId id="2147483677" r:id="rId11"/>
   </p:sldLayoutIdLst>
   <p:txStyles>
     <p:titleStyle>
-      <a:lvl1pPr algn="ctr" defTabSz="914400" rtl="0" eaLnBrk="1" latinLnBrk="0" hangingPunct="1">
+      <a:lvl1pPr algn="ctr" rtl="0" fontAlgn="base">
         <a:spcBef>
           <a:spcPct val="0"/>
         </a:spcBef>
-        <a:buNone/>
+        <a:spcAft>
+          <a:spcPct val="0"/>
+        </a:spcAft>
         <a:defRPr sz="4400" kern="1200">
           <a:solidFill>
             <a:srgbClr val="FFFFFF"/>
@@ -14702,32 +15490,60 @@
           <a:cs typeface="+mj-cs"/>
         </a:defRPr>
       </a:lvl1pPr>
-      <a:lvl2pPr eaLnBrk="1" hangingPunct="1">
-        <a:defRPr>
+      <a:lvl2pPr algn="ctr" rtl="0" fontAlgn="base">
+        <a:spcBef>
+          <a:spcPct val="0"/>
+        </a:spcBef>
+        <a:spcAft>
+          <a:spcPct val="0"/>
+        </a:spcAft>
+        <a:defRPr sz="4400">
           <a:solidFill>
-            <a:schemeClr val="tx2"/>
+            <a:srgbClr val="FFFFFF"/>
           </a:solidFill>
+          <a:latin typeface="Candara" pitchFamily="34" charset="0"/>
         </a:defRPr>
       </a:lvl2pPr>
-      <a:lvl3pPr eaLnBrk="1" hangingPunct="1">
-        <a:defRPr>
+      <a:lvl3pPr algn="ctr" rtl="0" fontAlgn="base">
+        <a:spcBef>
+          <a:spcPct val="0"/>
+        </a:spcBef>
+        <a:spcAft>
+          <a:spcPct val="0"/>
+        </a:spcAft>
+        <a:defRPr sz="4400">
           <a:solidFill>
-            <a:schemeClr val="tx2"/>
+            <a:srgbClr val="FFFFFF"/>
           </a:solidFill>
+          <a:latin typeface="Candara" pitchFamily="34" charset="0"/>
         </a:defRPr>
       </a:lvl3pPr>
-      <a:lvl4pPr eaLnBrk="1" hangingPunct="1">
-        <a:defRPr>
+      <a:lvl4pPr algn="ctr" rtl="0" fontAlgn="base">
+        <a:spcBef>
+          <a:spcPct val="0"/>
+        </a:spcBef>
+        <a:spcAft>
+          <a:spcPct val="0"/>
+        </a:spcAft>
+        <a:defRPr sz="4400">
           <a:solidFill>
-            <a:schemeClr val="tx2"/>
+            <a:srgbClr val="FFFFFF"/>
           </a:solidFill>
+          <a:latin typeface="Candara" pitchFamily="34" charset="0"/>
         </a:defRPr>
       </a:lvl4pPr>
-      <a:lvl5pPr eaLnBrk="1" hangingPunct="1">
-        <a:defRPr>
+      <a:lvl5pPr algn="ctr" rtl="0" fontAlgn="base">
+        <a:spcBef>
+          <a:spcPct val="0"/>
+        </a:spcBef>
+        <a:spcAft>
+          <a:spcPct val="0"/>
+        </a:spcAft>
+        <a:defRPr sz="4400">
           <a:solidFill>
-            <a:schemeClr val="tx2"/>
+            <a:srgbClr val="FFFFFF"/>
           </a:solidFill>
+          <a:latin typeface="Candara" pitchFamily="34" charset="0"/>
         </a:defRPr>
       </a:lvl5pPr>
       <a:lvl6pPr eaLnBrk="1" hangingPunct="1">
@@ -14760,10 +15576,13 @@
       </a:lvl9pPr>
     </p:titleStyle>
     <p:bodyStyle>
-      <a:lvl1pPr marL="274320" indent="-274320" algn="l" defTabSz="914400" rtl="0" eaLnBrk="1" latinLnBrk="0" hangingPunct="1">
+      <a:lvl1pPr marL="273050" indent="-273050" algn="l" rtl="0" fontAlgn="base">
         <a:spcBef>
           <a:spcPct val="20000"/>
         </a:spcBef>
+        <a:spcAft>
+          <a:spcPct val="0"/>
+        </a:spcAft>
         <a:buClr>
           <a:schemeClr val="accent1"/>
         </a:buClr>
@@ -14779,10 +15598,13 @@
           <a:cs typeface="+mn-cs"/>
         </a:defRPr>
       </a:lvl1pPr>
-      <a:lvl2pPr marL="576263" indent="-274320" algn="l" defTabSz="914400" rtl="0" eaLnBrk="1" latinLnBrk="0" hangingPunct="1">
+      <a:lvl2pPr marL="576263" indent="-273050" algn="l" rtl="0" fontAlgn="base">
         <a:spcBef>
           <a:spcPct val="20000"/>
         </a:spcBef>
+        <a:spcAft>
+          <a:spcPct val="0"/>
+        </a:spcAft>
         <a:buClr>
           <a:schemeClr val="accent1"/>
         </a:buClr>
@@ -14798,10 +15620,13 @@
           <a:cs typeface="+mn-cs"/>
         </a:defRPr>
       </a:lvl2pPr>
-      <a:lvl3pPr marL="855663" indent="-228600" algn="l" defTabSz="914400" rtl="0" eaLnBrk="1" latinLnBrk="0" hangingPunct="1">
+      <a:lvl3pPr marL="855663" indent="-228600" algn="l" rtl="0" fontAlgn="base">
         <a:spcBef>
           <a:spcPct val="20000"/>
         </a:spcBef>
+        <a:spcAft>
+          <a:spcPct val="0"/>
+        </a:spcAft>
         <a:buClr>
           <a:schemeClr val="accent1"/>
         </a:buClr>
@@ -14817,17 +15642,20 @@
           <a:cs typeface="+mn-cs"/>
         </a:defRPr>
       </a:lvl3pPr>
-      <a:lvl4pPr marL="1143000" indent="-228600" algn="l" defTabSz="914400" rtl="0" eaLnBrk="1" latinLnBrk="0" hangingPunct="1">
+      <a:lvl4pPr marL="1143000" indent="-228600" algn="l" rtl="0" fontAlgn="base">
         <a:spcBef>
           <a:spcPct val="20000"/>
         </a:spcBef>
+        <a:spcAft>
+          <a:spcPct val="0"/>
+        </a:spcAft>
         <a:buClr>
           <a:schemeClr val="accent1"/>
         </a:buClr>
         <a:buSzPct val="100000"/>
         <a:buFont typeface="Symbol" pitchFamily="18" charset="2"/>
         <a:buChar char=""/>
-        <a:defRPr sz="1800" kern="1200">
+        <a:defRPr kern="1200">
           <a:solidFill>
             <a:schemeClr val="tx2"/>
           </a:solidFill>
@@ -14836,10 +15664,13 @@
           <a:cs typeface="+mn-cs"/>
         </a:defRPr>
       </a:lvl4pPr>
-      <a:lvl5pPr marL="1463040" indent="-228600" algn="l" defTabSz="914400" rtl="0" eaLnBrk="1" latinLnBrk="0" hangingPunct="1">
+      <a:lvl5pPr marL="1462088" indent="-228600" algn="l" rtl="0" fontAlgn="base">
         <a:spcBef>
           <a:spcPct val="20000"/>
         </a:spcBef>
+        <a:spcAft>
+          <a:spcPct val="0"/>
+        </a:spcAft>
         <a:buClr>
           <a:schemeClr val="accent1"/>
         </a:buClr>
@@ -15046,7 +15877,7 @@
       </p:grpSpPr>
       <p:sp>
         <p:nvSpPr>
-          <p:cNvPr id="2" name="1 Título"/>
+          <p:cNvPr id="14337" name="1 Título"/>
           <p:cNvSpPr>
             <a:spLocks noGrp="1"/>
           </p:cNvSpPr>
@@ -15056,27 +15887,25 @@
         </p:nvSpPr>
         <p:spPr>
           <a:xfrm>
-            <a:off x="683568" y="692696"/>
-            <a:ext cx="7772400" cy="1584176"/>
+            <a:off x="684213" y="692150"/>
+            <a:ext cx="7772400" cy="1584325"/>
           </a:xfrm>
         </p:spPr>
         <p:txBody>
-          <a:bodyPr>
-            <a:normAutofit/>
-          </a:bodyPr>
+          <a:bodyPr/>
           <a:lstStyle/>
           <a:p>
             <a:r>
-              <a:rPr lang="es-PE" dirty="0" smtClean="0"/>
+              <a:rPr lang="es-PE" smtClean="0"/>
               <a:t>CONTRATOS DE CLIENTES</a:t>
             </a:r>
-            <a:endParaRPr lang="es-PE" sz="3600" dirty="0"/>
+            <a:endParaRPr lang="es-PE" sz="3600" smtClean="0"/>
           </a:p>
         </p:txBody>
       </p:sp>
       <p:sp>
         <p:nvSpPr>
-          <p:cNvPr id="3" name="2 Subtítulo"/>
+          <p:cNvPr id="14338" name="2 Subtítulo"/>
           <p:cNvSpPr>
             <a:spLocks noGrp="1"/>
           </p:cNvSpPr>
@@ -15086,18 +15915,16 @@
         </p:nvSpPr>
         <p:spPr>
           <a:xfrm>
-            <a:off x="1331640" y="2636912"/>
-            <a:ext cx="6400800" cy="521071"/>
+            <a:off x="1331913" y="2636838"/>
+            <a:ext cx="6400800" cy="520700"/>
           </a:xfrm>
         </p:spPr>
         <p:txBody>
-          <a:bodyPr>
-            <a:normAutofit/>
-          </a:bodyPr>
+          <a:bodyPr/>
           <a:lstStyle/>
           <a:p>
             <a:r>
-              <a:rPr lang="es-PE" sz="2800" dirty="0"/>
+              <a:rPr lang="es-PE" sz="2800" smtClean="0"/>
               <a:t>MODELADO DEL NEGOCIO</a:t>
             </a:r>
           </a:p>
@@ -15105,103 +15932,145 @@
       </p:sp>
       <p:sp>
         <p:nvSpPr>
-          <p:cNvPr id="4" name="3 CuadroTexto"/>
-          <p:cNvSpPr txBox="1"/>
+          <p:cNvPr id="14339" name="3 CuadroTexto"/>
+          <p:cNvSpPr txBox="1">
+            <a:spLocks noChangeArrowheads="1"/>
+          </p:cNvSpPr>
           <p:nvPr/>
         </p:nvSpPr>
-        <p:spPr>
+        <p:spPr bwMode="auto">
           <a:xfrm>
-            <a:off x="2277747" y="3640956"/>
-            <a:ext cx="6264696" cy="2308324"/>
+            <a:off x="2278063" y="3641725"/>
+            <a:ext cx="6264275" cy="2308225"/>
           </a:xfrm>
           <a:prstGeom prst="rect">
             <a:avLst/>
           </a:prstGeom>
           <a:noFill/>
+          <a:ln w="9525">
+            <a:noFill/>
+            <a:miter lim="800000"/>
+            <a:headEnd/>
+            <a:tailEnd/>
+          </a:ln>
         </p:spPr>
         <p:txBody>
-          <a:bodyPr wrap="square" rtlCol="0">
+          <a:bodyPr>
             <a:spAutoFit/>
           </a:bodyPr>
           <a:lstStyle/>
           <a:p>
             <a:pPr algn="r"/>
             <a:r>
-              <a:rPr lang="es-PE" sz="2400" dirty="0" smtClean="0"/>
-              <a:t>Paola Rojas </a:t>
-            </a:r>
-            <a:r>
-              <a:rPr lang="es-PE" sz="2400" dirty="0" err="1" smtClean="0"/>
-              <a:t>Chicoma</a:t>
-            </a:r>
-            <a:endParaRPr lang="es-PE" sz="2400" dirty="0" smtClean="0"/>
-          </a:p>
-          <a:p>
-            <a:pPr algn="r"/>
-            <a:r>
-              <a:rPr lang="es-PE" sz="2400" dirty="0" err="1" smtClean="0"/>
-              <a:t>Nestor</a:t>
-            </a:r>
-            <a:r>
-              <a:rPr lang="es-PE" sz="2400" dirty="0" smtClean="0"/>
-              <a:t> Robles Cacha</a:t>
+              <a:rPr lang="es-PE" sz="2400">
+                <a:latin typeface="Candara" pitchFamily="34" charset="0"/>
+              </a:rPr>
+              <a:t>Paola Rojas Chicoma</a:t>
             </a:r>
           </a:p>
           <a:p>
             <a:pPr algn="r"/>
             <a:r>
-              <a:rPr lang="es-PE" sz="2400" dirty="0" smtClean="0"/>
-              <a:t>Gabriela Rojas </a:t>
+              <a:rPr lang="es-PE" sz="2400">
+                <a:latin typeface="Candara" pitchFamily="34" charset="0"/>
+              </a:rPr>
+              <a:t>Nestor Robles Cacha</a:t>
             </a:r>
-            <a:r>
-              <a:rPr lang="es-PE" sz="2400" dirty="0" err="1" smtClean="0"/>
-              <a:t>Munive</a:t>
-            </a:r>
-            <a:endParaRPr lang="es-PE" sz="2400" dirty="0" smtClean="0"/>
           </a:p>
           <a:p>
             <a:pPr algn="r"/>
             <a:r>
-              <a:rPr lang="es-PE" sz="2400" dirty="0" smtClean="0"/>
-              <a:t>Augusto Suarez </a:t>
+              <a:rPr lang="es-PE" sz="2400">
+                <a:latin typeface="Candara" pitchFamily="34" charset="0"/>
+              </a:rPr>
+              <a:t>Gabriela Rojas Munive</a:t>
             </a:r>
-            <a:r>
-              <a:rPr lang="es-PE" sz="2400" dirty="0" err="1" smtClean="0"/>
-              <a:t>Gutierrez</a:t>
-            </a:r>
-            <a:endParaRPr lang="es-PE" sz="2400" dirty="0" smtClean="0"/>
           </a:p>
           <a:p>
             <a:pPr algn="r"/>
             <a:r>
-              <a:rPr lang="es-PE" sz="2400" dirty="0" smtClean="0"/>
-              <a:t>Orlando </a:t>
-            </a:r>
-            <a:r>
-              <a:rPr lang="es-PE" sz="2400" dirty="0" err="1" smtClean="0"/>
-              <a:t>Sedamano</a:t>
-            </a:r>
-            <a:r>
-              <a:rPr lang="es-PE" sz="2400" dirty="0" smtClean="0"/>
-              <a:t> Cornejo</a:t>
+              <a:rPr lang="es-PE" sz="2400">
+                <a:latin typeface="Candara" pitchFamily="34" charset="0"/>
+              </a:rPr>
+              <a:t>Augusto Suarez Gutierrez</a:t>
             </a:r>
           </a:p>
           <a:p>
             <a:pPr algn="r"/>
-            <a:endParaRPr lang="es-PE" sz="2400" dirty="0">
+            <a:r>
+              <a:rPr lang="es-PE" sz="2400">
+                <a:latin typeface="Candara" pitchFamily="34" charset="0"/>
+              </a:rPr>
+              <a:t>Orlando Sedamano Cornejo</a:t>
+            </a:r>
+          </a:p>
+          <a:p>
+            <a:pPr algn="r"/>
+            <a:endParaRPr lang="es-PE" sz="2400">
               <a:solidFill>
                 <a:schemeClr val="bg1"/>
               </a:solidFill>
+              <a:latin typeface="Candara" pitchFamily="34" charset="0"/>
             </a:endParaRPr>
           </a:p>
         </p:txBody>
       </p:sp>
+      <p:sp>
+        <p:nvSpPr>
+          <p:cNvPr id="14341" name="Text Box 5"/>
+          <p:cNvSpPr txBox="1">
+            <a:spLocks noChangeArrowheads="1"/>
+          </p:cNvSpPr>
+          <p:nvPr/>
+        </p:nvSpPr>
+        <p:spPr bwMode="auto">
+          <a:xfrm>
+            <a:off x="7596188" y="404813"/>
+            <a:ext cx="1150937" cy="244475"/>
+          </a:xfrm>
+          <a:prstGeom prst="rect">
+            <a:avLst/>
+          </a:prstGeom>
+          <a:noFill/>
+          <a:ln w="9525">
+            <a:noFill/>
+            <a:miter lim="800000"/>
+            <a:headEnd/>
+            <a:tailEnd/>
+          </a:ln>
+          <a:effectLst/>
+        </p:spPr>
+        <p:txBody>
+          <a:bodyPr>
+            <a:spAutoFit/>
+          </a:bodyPr>
+          <a:lstStyle/>
+          <a:p>
+            <a:pPr>
+              <a:spcBef>
+                <a:spcPct val="50000"/>
+              </a:spcBef>
+            </a:pPr>
+            <a:r>
+              <a:rPr lang="es-PE" sz="1000">
+                <a:solidFill>
+                  <a:schemeClr val="bg1"/>
+                </a:solidFill>
+              </a:rPr>
+              <a:t>PRES-MCUN-01</a:t>
+            </a:r>
+            <a:r>
+              <a:rPr lang="es-ES" sz="1000">
+                <a:solidFill>
+                  <a:schemeClr val="bg1"/>
+                </a:solidFill>
+              </a:rPr>
+              <a:t> </a:t>
+            </a:r>
+          </a:p>
+        </p:txBody>
+      </p:sp>
     </p:spTree>
-    <p:extLst>
-      <p:ext uri="{BB962C8B-B14F-4D97-AF65-F5344CB8AC3E}">
-        <p14:creationId xmlns:p14="http://schemas.microsoft.com/office/powerpoint/2010/main" xmlns="" val="3004352296"/>
-      </p:ext>
-    </p:extLst>
   </p:cSld>
   <p:clrMapOvr>
     <a:masterClrMapping/>
@@ -15245,11 +16114,17 @@
         </p:nvSpPr>
         <p:spPr/>
         <p:txBody>
-          <a:bodyPr>
+          <a:bodyPr rtlCol="0">
             <a:normAutofit fontScale="90000"/>
           </a:bodyPr>
           <a:lstStyle/>
           <a:p>
+            <a:pPr fontAlgn="auto">
+              <a:spcAft>
+                <a:spcPts val="0"/>
+              </a:spcAft>
+              <a:defRPr/>
+            </a:pPr>
             <a:r>
               <a:rPr lang="es-PE" dirty="0"/>
               <a:t>ESPECIFICACION </a:t>
@@ -15279,8 +16154,8 @@
           <p:nvPr/>
         </p:nvGraphicFramePr>
         <p:xfrm>
-          <a:off x="323528" y="2348880"/>
-          <a:ext cx="8496944" cy="4248472"/>
+          <a:off x="323850" y="2349500"/>
+          <a:ext cx="8496300" cy="4248150"/>
         </p:xfrm>
         <a:graphic>
           <a:graphicData uri="http://schemas.openxmlformats.org/drawingml/2006/table">
@@ -15819,14 +16694,14 @@
       </p:graphicFrame>
       <p:pic>
         <p:nvPicPr>
-          <p:cNvPr id="2" name="Picture 2"/>
+          <p:cNvPr id="24586" name="Picture 2"/>
           <p:cNvPicPr>
             <a:picLocks noChangeAspect="1" noChangeArrowheads="1"/>
           </p:cNvPicPr>
           <p:nvPr/>
         </p:nvPicPr>
         <p:blipFill>
-          <a:blip r:embed="rId2" cstate="print"/>
+          <a:blip r:embed="rId2"/>
           <a:srcRect/>
           <a:stretch>
             <a:fillRect/>
@@ -15834,8 +16709,8 @@
         </p:blipFill>
         <p:spPr bwMode="auto">
           <a:xfrm>
-            <a:off x="0" y="3789040"/>
-            <a:ext cx="2725461" cy="1368152"/>
+            <a:off x="0" y="3789363"/>
+            <a:ext cx="2725738" cy="1368425"/>
           </a:xfrm>
           <a:prstGeom prst="rect">
             <a:avLst/>
@@ -15847,15 +16722,9 @@
             <a:headEnd/>
             <a:tailEnd/>
           </a:ln>
-          <a:effectLst/>
         </p:spPr>
       </p:pic>
     </p:spTree>
-    <p:extLst>
-      <p:ext uri="{BB962C8B-B14F-4D97-AF65-F5344CB8AC3E}">
-        <p14:creationId xmlns:p14="http://schemas.microsoft.com/office/powerpoint/2010/main" xmlns="" val="1314591319"/>
-      </p:ext>
-    </p:extLst>
   </p:cSld>
   <p:clrMapOvr>
     <a:masterClrMapping/>
@@ -15899,11 +16768,17 @@
         </p:nvSpPr>
         <p:spPr/>
         <p:txBody>
-          <a:bodyPr>
+          <a:bodyPr rtlCol="0">
             <a:normAutofit fontScale="90000"/>
           </a:bodyPr>
           <a:lstStyle/>
           <a:p>
+            <a:pPr fontAlgn="auto">
+              <a:spcAft>
+                <a:spcPts val="0"/>
+              </a:spcAft>
+              <a:defRPr/>
+            </a:pPr>
             <a:r>
               <a:rPr lang="es-PE" dirty="0"/>
               <a:t>ESPECIFICACION </a:t>
@@ -15933,8 +16808,8 @@
           <p:nvPr/>
         </p:nvGraphicFramePr>
         <p:xfrm>
-          <a:off x="323528" y="2348880"/>
-          <a:ext cx="8496944" cy="4032448"/>
+          <a:off x="323850" y="2349500"/>
+          <a:ext cx="8496300" cy="4032250"/>
         </p:xfrm>
         <a:graphic>
           <a:graphicData uri="http://schemas.openxmlformats.org/drawingml/2006/table">
@@ -16002,14 +16877,14 @@
       </p:graphicFrame>
       <p:pic>
         <p:nvPicPr>
-          <p:cNvPr id="3074" name="Picture 2"/>
+          <p:cNvPr id="25610" name="Picture 2"/>
           <p:cNvPicPr>
             <a:picLocks noChangeAspect="1" noChangeArrowheads="1"/>
           </p:cNvPicPr>
           <p:nvPr/>
         </p:nvPicPr>
         <p:blipFill>
-          <a:blip r:embed="rId2" cstate="print"/>
+          <a:blip r:embed="rId2"/>
           <a:srcRect/>
           <a:stretch>
             <a:fillRect/>
@@ -16017,8 +16892,8 @@
         </p:blipFill>
         <p:spPr bwMode="auto">
           <a:xfrm>
-            <a:off x="2699792" y="2996952"/>
-            <a:ext cx="6042376" cy="3240360"/>
+            <a:off x="2700338" y="2997200"/>
+            <a:ext cx="6042025" cy="3240088"/>
           </a:xfrm>
           <a:prstGeom prst="rect">
             <a:avLst/>
@@ -16034,14 +16909,14 @@
       </p:pic>
       <p:pic>
         <p:nvPicPr>
-          <p:cNvPr id="2" name="Picture 2"/>
+          <p:cNvPr id="25611" name="Picture 2"/>
           <p:cNvPicPr>
             <a:picLocks noChangeAspect="1" noChangeArrowheads="1"/>
           </p:cNvPicPr>
           <p:nvPr/>
         </p:nvPicPr>
         <p:blipFill>
-          <a:blip r:embed="rId3" cstate="print"/>
+          <a:blip r:embed="rId3"/>
           <a:srcRect/>
           <a:stretch>
             <a:fillRect/>
@@ -16049,8 +16924,8 @@
         </p:blipFill>
         <p:spPr bwMode="auto">
           <a:xfrm>
-            <a:off x="179512" y="3789040"/>
-            <a:ext cx="2730884" cy="1368152"/>
+            <a:off x="179388" y="3789363"/>
+            <a:ext cx="2730500" cy="1368425"/>
           </a:xfrm>
           <a:prstGeom prst="rect">
             <a:avLst/>
@@ -16062,15 +16937,9 @@
             <a:headEnd/>
             <a:tailEnd/>
           </a:ln>
-          <a:effectLst/>
         </p:spPr>
       </p:pic>
     </p:spTree>
-    <p:extLst>
-      <p:ext uri="{BB962C8B-B14F-4D97-AF65-F5344CB8AC3E}">
-        <p14:creationId xmlns:p14="http://schemas.microsoft.com/office/powerpoint/2010/main" xmlns="" val="1314591319"/>
-      </p:ext>
-    </p:extLst>
   </p:cSld>
   <p:clrMapOvr>
     <a:masterClrMapping/>
@@ -16114,11 +16983,17 @@
         </p:nvSpPr>
         <p:spPr/>
         <p:txBody>
-          <a:bodyPr>
+          <a:bodyPr rtlCol="0">
             <a:normAutofit fontScale="90000"/>
           </a:bodyPr>
           <a:lstStyle/>
           <a:p>
+            <a:pPr fontAlgn="auto">
+              <a:spcAft>
+                <a:spcPts val="0"/>
+              </a:spcAft>
+              <a:defRPr/>
+            </a:pPr>
             <a:r>
               <a:rPr lang="es-PE" dirty="0"/>
               <a:t>ESPECIFICACION </a:t>
@@ -16148,8 +17023,8 @@
           <p:nvPr/>
         </p:nvGraphicFramePr>
         <p:xfrm>
-          <a:off x="323528" y="2348880"/>
-          <a:ext cx="8568952" cy="4032448"/>
+          <a:off x="323850" y="2349500"/>
+          <a:ext cx="8569325" cy="4032250"/>
         </p:xfrm>
         <a:graphic>
           <a:graphicData uri="http://schemas.openxmlformats.org/drawingml/2006/table">
@@ -16217,12 +17092,14 @@
       </p:graphicFrame>
       <p:pic>
         <p:nvPicPr>
-          <p:cNvPr id="7" name="6 Imagen" descr="http://www.cdti.es/recursos/img/Servicios/Red_PIDi/Tutorial_BMP/Incentivos_N1/9323_1311312010115741.JPG"/>
-          <p:cNvPicPr/>
+          <p:cNvPr id="26634" name="6 Imagen" descr="http://www.cdti.es/recursos/img/Servicios/Red_PIDi/Tutorial_BMP/Incentivos_N1/9323_1311312010115741.JPG"/>
+          <p:cNvPicPr>
+            <a:picLocks noChangeAspect="1" noChangeArrowheads="1"/>
+          </p:cNvPicPr>
           <p:nvPr/>
         </p:nvPicPr>
         <p:blipFill>
-          <a:blip r:embed="rId2" cstate="print"/>
+          <a:blip r:embed="rId2"/>
           <a:srcRect t="8000"/>
           <a:stretch>
             <a:fillRect/>
@@ -16230,8 +17107,8 @@
         </p:blipFill>
         <p:spPr bwMode="auto">
           <a:xfrm>
-            <a:off x="3923928" y="2924944"/>
-            <a:ext cx="3456384" cy="3312368"/>
+            <a:off x="3924300" y="2924175"/>
+            <a:ext cx="3455988" cy="3313113"/>
           </a:xfrm>
           <a:prstGeom prst="rect">
             <a:avLst/>
@@ -16247,14 +17124,14 @@
       </p:pic>
       <p:pic>
         <p:nvPicPr>
-          <p:cNvPr id="2" name="Picture 2"/>
+          <p:cNvPr id="26635" name="Picture 2"/>
           <p:cNvPicPr>
             <a:picLocks noChangeAspect="1" noChangeArrowheads="1"/>
           </p:cNvPicPr>
           <p:nvPr/>
         </p:nvPicPr>
         <p:blipFill>
-          <a:blip r:embed="rId3" cstate="print"/>
+          <a:blip r:embed="rId3"/>
           <a:srcRect/>
           <a:stretch>
             <a:fillRect/>
@@ -16262,8 +17139,8 @@
         </p:blipFill>
         <p:spPr bwMode="auto">
           <a:xfrm>
-            <a:off x="232679" y="3789040"/>
-            <a:ext cx="2683137" cy="1368152"/>
+            <a:off x="233363" y="3789363"/>
+            <a:ext cx="2682875" cy="1368425"/>
           </a:xfrm>
           <a:prstGeom prst="rect">
             <a:avLst/>
@@ -16275,15 +17152,9 @@
             <a:headEnd/>
             <a:tailEnd/>
           </a:ln>
-          <a:effectLst/>
         </p:spPr>
       </p:pic>
     </p:spTree>
-    <p:extLst>
-      <p:ext uri="{BB962C8B-B14F-4D97-AF65-F5344CB8AC3E}">
-        <p14:creationId xmlns:p14="http://schemas.microsoft.com/office/powerpoint/2010/main" xmlns="" val="1314591319"/>
-      </p:ext>
-    </p:extLst>
   </p:cSld>
   <p:clrMapOvr>
     <a:masterClrMapping/>
@@ -16327,11 +17198,17 @@
         </p:nvSpPr>
         <p:spPr/>
         <p:txBody>
-          <a:bodyPr>
+          <a:bodyPr rtlCol="0">
             <a:normAutofit fontScale="90000"/>
           </a:bodyPr>
           <a:lstStyle/>
           <a:p>
+            <a:pPr fontAlgn="auto">
+              <a:spcAft>
+                <a:spcPts val="0"/>
+              </a:spcAft>
+              <a:defRPr/>
+            </a:pPr>
             <a:r>
               <a:rPr lang="es-PE" dirty="0"/>
               <a:t>ESPECIFICACION </a:t>
@@ -16361,8 +17238,8 @@
           <p:nvPr/>
         </p:nvGraphicFramePr>
         <p:xfrm>
-          <a:off x="323528" y="2348880"/>
-          <a:ext cx="8568952" cy="4176464"/>
+          <a:off x="323850" y="2349500"/>
+          <a:ext cx="8569325" cy="4175125"/>
         </p:xfrm>
         <a:graphic>
           <a:graphicData uri="http://schemas.openxmlformats.org/drawingml/2006/table">
@@ -16632,14 +17509,14 @@
       </p:graphicFrame>
       <p:pic>
         <p:nvPicPr>
-          <p:cNvPr id="2" name="Picture 2"/>
+          <p:cNvPr id="27664" name="Picture 2"/>
           <p:cNvPicPr>
             <a:picLocks noChangeAspect="1" noChangeArrowheads="1"/>
           </p:cNvPicPr>
           <p:nvPr/>
         </p:nvPicPr>
         <p:blipFill>
-          <a:blip r:embed="rId2" cstate="print"/>
+          <a:blip r:embed="rId2"/>
           <a:srcRect/>
           <a:stretch>
             <a:fillRect/>
@@ -16647,8 +17524,8 @@
         </p:blipFill>
         <p:spPr bwMode="auto">
           <a:xfrm>
-            <a:off x="0" y="2492896"/>
-            <a:ext cx="3062287" cy="1225550"/>
+            <a:off x="0" y="2492375"/>
+            <a:ext cx="3062288" cy="1225550"/>
           </a:xfrm>
           <a:prstGeom prst="rect">
             <a:avLst/>
@@ -16660,19 +17537,18 @@
             <a:headEnd/>
             <a:tailEnd/>
           </a:ln>
-          <a:effectLst/>
         </p:spPr>
       </p:pic>
       <p:pic>
         <p:nvPicPr>
-          <p:cNvPr id="4" name="Picture 3"/>
+          <p:cNvPr id="27665" name="Picture 3"/>
           <p:cNvPicPr>
             <a:picLocks noChangeAspect="1" noChangeArrowheads="1"/>
           </p:cNvPicPr>
           <p:nvPr/>
         </p:nvPicPr>
         <p:blipFill>
-          <a:blip r:embed="rId3" cstate="print"/>
+          <a:blip r:embed="rId3"/>
           <a:srcRect/>
           <a:stretch>
             <a:fillRect/>
@@ -16680,7 +17556,7 @@
         </p:blipFill>
         <p:spPr bwMode="auto">
           <a:xfrm>
-            <a:off x="323528" y="3789040"/>
+            <a:off x="323850" y="3789363"/>
             <a:ext cx="2419350" cy="1225550"/>
           </a:xfrm>
           <a:prstGeom prst="rect">
@@ -16693,19 +17569,18 @@
             <a:headEnd/>
             <a:tailEnd/>
           </a:ln>
-          <a:effectLst/>
         </p:spPr>
       </p:pic>
       <p:pic>
         <p:nvPicPr>
-          <p:cNvPr id="5" name="Picture 4"/>
+          <p:cNvPr id="27666" name="Picture 4"/>
           <p:cNvPicPr>
             <a:picLocks noChangeAspect="1" noChangeArrowheads="1"/>
           </p:cNvPicPr>
           <p:nvPr/>
         </p:nvPicPr>
         <p:blipFill>
-          <a:blip r:embed="rId4" cstate="print"/>
+          <a:blip r:embed="rId4"/>
           <a:srcRect/>
           <a:stretch>
             <a:fillRect/>
@@ -16713,8 +17588,8 @@
         </p:blipFill>
         <p:spPr bwMode="auto">
           <a:xfrm>
-            <a:off x="323528" y="5229200"/>
-            <a:ext cx="2424113" cy="1201737"/>
+            <a:off x="323850" y="5229225"/>
+            <a:ext cx="2424113" cy="1201738"/>
           </a:xfrm>
           <a:prstGeom prst="rect">
             <a:avLst/>
@@ -16726,15 +17601,9 @@
             <a:headEnd/>
             <a:tailEnd/>
           </a:ln>
-          <a:effectLst/>
         </p:spPr>
       </p:pic>
     </p:spTree>
-    <p:extLst>
-      <p:ext uri="{BB962C8B-B14F-4D97-AF65-F5344CB8AC3E}">
-        <p14:creationId xmlns:p14="http://schemas.microsoft.com/office/powerpoint/2010/main" xmlns="" val="1314591319"/>
-      </p:ext>
-    </p:extLst>
   </p:cSld>
   <p:clrMapOvr>
     <a:masterClrMapping/>
@@ -16778,11 +17647,17 @@
         </p:nvSpPr>
         <p:spPr/>
         <p:txBody>
-          <a:bodyPr>
+          <a:bodyPr rtlCol="0">
             <a:normAutofit fontScale="90000"/>
           </a:bodyPr>
           <a:lstStyle/>
           <a:p>
+            <a:pPr fontAlgn="auto">
+              <a:spcAft>
+                <a:spcPts val="0"/>
+              </a:spcAft>
+              <a:defRPr/>
+            </a:pPr>
             <a:r>
               <a:rPr lang="es-PE" dirty="0"/>
               <a:t>ESPECIFICACION </a:t>
@@ -16812,8 +17687,8 @@
           <p:nvPr/>
         </p:nvGraphicFramePr>
         <p:xfrm>
-          <a:off x="323528" y="2348880"/>
-          <a:ext cx="8568952" cy="3841140"/>
+          <a:off x="323850" y="2349500"/>
+          <a:ext cx="8569325" cy="3840163"/>
         </p:xfrm>
         <a:graphic>
           <a:graphicData uri="http://schemas.openxmlformats.org/drawingml/2006/table">
@@ -17065,14 +17940,14 @@
       </p:graphicFrame>
       <p:pic>
         <p:nvPicPr>
-          <p:cNvPr id="2" name="Picture 2"/>
+          <p:cNvPr id="28688" name="Picture 2"/>
           <p:cNvPicPr>
             <a:picLocks noChangeAspect="1" noChangeArrowheads="1"/>
           </p:cNvPicPr>
           <p:nvPr/>
         </p:nvPicPr>
         <p:blipFill>
-          <a:blip r:embed="rId2" cstate="print"/>
+          <a:blip r:embed="rId2"/>
           <a:srcRect/>
           <a:stretch>
             <a:fillRect/>
@@ -17080,7 +17955,7 @@
         </p:blipFill>
         <p:spPr bwMode="auto">
           <a:xfrm>
-            <a:off x="395536" y="3789040"/>
+            <a:off x="395288" y="3789363"/>
             <a:ext cx="2439987" cy="1201737"/>
           </a:xfrm>
           <a:prstGeom prst="rect">
@@ -17093,19 +17968,18 @@
             <a:headEnd/>
             <a:tailEnd/>
           </a:ln>
-          <a:effectLst/>
         </p:spPr>
       </p:pic>
       <p:pic>
         <p:nvPicPr>
-          <p:cNvPr id="6147" name="Picture 3"/>
+          <p:cNvPr id="28689" name="Picture 3"/>
           <p:cNvPicPr>
             <a:picLocks noChangeAspect="1" noChangeArrowheads="1"/>
           </p:cNvPicPr>
           <p:nvPr/>
         </p:nvPicPr>
         <p:blipFill>
-          <a:blip r:embed="rId3" cstate="print"/>
+          <a:blip r:embed="rId3"/>
           <a:srcRect/>
           <a:stretch>
             <a:fillRect/>
@@ -17113,8 +17987,8 @@
         </p:blipFill>
         <p:spPr bwMode="auto">
           <a:xfrm>
-            <a:off x="251520" y="5013176"/>
-            <a:ext cx="2714625" cy="1201737"/>
+            <a:off x="250825" y="5013325"/>
+            <a:ext cx="2714625" cy="1201738"/>
           </a:xfrm>
           <a:prstGeom prst="rect">
             <a:avLst/>
@@ -17126,19 +18000,18 @@
             <a:headEnd/>
             <a:tailEnd/>
           </a:ln>
-          <a:effectLst/>
         </p:spPr>
       </p:pic>
       <p:pic>
         <p:nvPicPr>
-          <p:cNvPr id="6148" name="Picture 4"/>
+          <p:cNvPr id="28690" name="Picture 4"/>
           <p:cNvPicPr>
             <a:picLocks noChangeAspect="1" noChangeArrowheads="1"/>
           </p:cNvPicPr>
           <p:nvPr/>
         </p:nvPicPr>
         <p:blipFill>
-          <a:blip r:embed="rId4" cstate="print"/>
+          <a:blip r:embed="rId4"/>
           <a:srcRect/>
           <a:stretch>
             <a:fillRect/>
@@ -17146,7 +18019,7 @@
         </p:blipFill>
         <p:spPr bwMode="auto">
           <a:xfrm>
-            <a:off x="467544" y="2420888"/>
+            <a:off x="468313" y="2420938"/>
             <a:ext cx="2435225" cy="1225550"/>
           </a:xfrm>
           <a:prstGeom prst="rect">
@@ -17159,15 +18032,9 @@
             <a:headEnd/>
             <a:tailEnd/>
           </a:ln>
-          <a:effectLst/>
         </p:spPr>
       </p:pic>
     </p:spTree>
-    <p:extLst>
-      <p:ext uri="{BB962C8B-B14F-4D97-AF65-F5344CB8AC3E}">
-        <p14:creationId xmlns:p14="http://schemas.microsoft.com/office/powerpoint/2010/main" xmlns="" val="1314591319"/>
-      </p:ext>
-    </p:extLst>
   </p:cSld>
   <p:clrMapOvr>
     <a:masterClrMapping/>
@@ -17211,11 +18078,17 @@
         </p:nvSpPr>
         <p:spPr/>
         <p:txBody>
-          <a:bodyPr>
+          <a:bodyPr rtlCol="0">
             <a:normAutofit fontScale="90000"/>
           </a:bodyPr>
           <a:lstStyle/>
           <a:p>
+            <a:pPr fontAlgn="auto">
+              <a:spcAft>
+                <a:spcPts val="0"/>
+              </a:spcAft>
+              <a:defRPr/>
+            </a:pPr>
             <a:r>
               <a:rPr lang="es-PE" dirty="0"/>
               <a:t>ESPECIFICACION </a:t>
@@ -17245,8 +18118,8 @@
           <p:nvPr/>
         </p:nvGraphicFramePr>
         <p:xfrm>
-          <a:off x="323528" y="2348880"/>
-          <a:ext cx="8568952" cy="4185632"/>
+          <a:off x="323850" y="2349500"/>
+          <a:ext cx="8569325" cy="4184650"/>
         </p:xfrm>
         <a:graphic>
           <a:graphicData uri="http://schemas.openxmlformats.org/drawingml/2006/table">
@@ -17520,14 +18393,14 @@
       </p:graphicFrame>
       <p:pic>
         <p:nvPicPr>
-          <p:cNvPr id="7170" name="Picture 2"/>
+          <p:cNvPr id="29712" name="Picture 2"/>
           <p:cNvPicPr>
             <a:picLocks noChangeAspect="1" noChangeArrowheads="1"/>
           </p:cNvPicPr>
           <p:nvPr/>
         </p:nvPicPr>
         <p:blipFill>
-          <a:blip r:embed="rId2" cstate="print"/>
+          <a:blip r:embed="rId2"/>
           <a:srcRect/>
           <a:stretch>
             <a:fillRect/>
@@ -17535,8 +18408,8 @@
         </p:blipFill>
         <p:spPr bwMode="auto">
           <a:xfrm>
-            <a:off x="395536" y="2492896"/>
-            <a:ext cx="2460625" cy="1201737"/>
+            <a:off x="395288" y="2492375"/>
+            <a:ext cx="2460625" cy="1201738"/>
           </a:xfrm>
           <a:prstGeom prst="rect">
             <a:avLst/>
@@ -17548,19 +18421,18 @@
             <a:headEnd/>
             <a:tailEnd/>
           </a:ln>
-          <a:effectLst/>
         </p:spPr>
       </p:pic>
       <p:pic>
         <p:nvPicPr>
-          <p:cNvPr id="7171" name="Picture 3"/>
+          <p:cNvPr id="29713" name="Picture 3"/>
           <p:cNvPicPr>
             <a:picLocks noChangeAspect="1" noChangeArrowheads="1"/>
           </p:cNvPicPr>
           <p:nvPr/>
         </p:nvPicPr>
         <p:blipFill>
-          <a:blip r:embed="rId3" cstate="print"/>
+          <a:blip r:embed="rId3"/>
           <a:srcRect/>
           <a:stretch>
             <a:fillRect/>
@@ -17568,7 +18440,7 @@
         </p:blipFill>
         <p:spPr bwMode="auto">
           <a:xfrm>
-            <a:off x="395536" y="3717032"/>
+            <a:off x="395288" y="3716338"/>
             <a:ext cx="2465387" cy="1225550"/>
           </a:xfrm>
           <a:prstGeom prst="rect">
@@ -17581,19 +18453,18 @@
             <a:headEnd/>
             <a:tailEnd/>
           </a:ln>
-          <a:effectLst/>
         </p:spPr>
       </p:pic>
       <p:pic>
         <p:nvPicPr>
-          <p:cNvPr id="7172" name="Picture 4"/>
+          <p:cNvPr id="29714" name="Picture 4"/>
           <p:cNvPicPr>
             <a:picLocks noChangeAspect="1" noChangeArrowheads="1"/>
           </p:cNvPicPr>
           <p:nvPr/>
         </p:nvPicPr>
         <p:blipFill>
-          <a:blip r:embed="rId4" cstate="print"/>
+          <a:blip r:embed="rId4"/>
           <a:srcRect/>
           <a:stretch>
             <a:fillRect/>
@@ -17601,7 +18472,7 @@
         </p:blipFill>
         <p:spPr bwMode="auto">
           <a:xfrm>
-            <a:off x="395536" y="5157192"/>
+            <a:off x="395288" y="5157788"/>
             <a:ext cx="2471737" cy="1225550"/>
           </a:xfrm>
           <a:prstGeom prst="rect">
@@ -17614,15 +18485,9 @@
             <a:headEnd/>
             <a:tailEnd/>
           </a:ln>
-          <a:effectLst/>
         </p:spPr>
       </p:pic>
     </p:spTree>
-    <p:extLst>
-      <p:ext uri="{BB962C8B-B14F-4D97-AF65-F5344CB8AC3E}">
-        <p14:creationId xmlns:p14="http://schemas.microsoft.com/office/powerpoint/2010/main" xmlns="" val="1314591319"/>
-      </p:ext>
-    </p:extLst>
   </p:cSld>
   <p:clrMapOvr>
     <a:masterClrMapping/>
@@ -17666,11 +18531,17 @@
         </p:nvSpPr>
         <p:spPr/>
         <p:txBody>
-          <a:bodyPr>
+          <a:bodyPr rtlCol="0">
             <a:normAutofit fontScale="90000"/>
           </a:bodyPr>
           <a:lstStyle/>
           <a:p>
+            <a:pPr fontAlgn="auto">
+              <a:spcAft>
+                <a:spcPts val="0"/>
+              </a:spcAft>
+              <a:defRPr/>
+            </a:pPr>
             <a:r>
               <a:rPr lang="es-PE" dirty="0"/>
               <a:t>ESPECIFICACION </a:t>
@@ -17700,8 +18571,8 @@
           <p:nvPr/>
         </p:nvGraphicFramePr>
         <p:xfrm>
-          <a:off x="323528" y="2348881"/>
-          <a:ext cx="8568952" cy="1737360"/>
+          <a:off x="323850" y="2349500"/>
+          <a:ext cx="8569325" cy="1736725"/>
         </p:xfrm>
         <a:graphic>
           <a:graphicData uri="http://schemas.openxmlformats.org/drawingml/2006/table">
@@ -17917,14 +18788,14 @@
       </p:graphicFrame>
       <p:pic>
         <p:nvPicPr>
-          <p:cNvPr id="8194" name="Picture 2"/>
+          <p:cNvPr id="30730" name="Picture 2"/>
           <p:cNvPicPr>
             <a:picLocks noChangeAspect="1" noChangeArrowheads="1"/>
           </p:cNvPicPr>
           <p:nvPr/>
         </p:nvPicPr>
         <p:blipFill>
-          <a:blip r:embed="rId2" cstate="print"/>
+          <a:blip r:embed="rId2"/>
           <a:srcRect/>
           <a:stretch>
             <a:fillRect/>
@@ -17932,7 +18803,7 @@
         </p:blipFill>
         <p:spPr bwMode="auto">
           <a:xfrm>
-            <a:off x="323528" y="2708920"/>
+            <a:off x="323850" y="2708275"/>
             <a:ext cx="2476500" cy="1225550"/>
           </a:xfrm>
           <a:prstGeom prst="rect">
@@ -17945,15 +18816,9 @@
             <a:headEnd/>
             <a:tailEnd/>
           </a:ln>
-          <a:effectLst/>
         </p:spPr>
       </p:pic>
     </p:spTree>
-    <p:extLst>
-      <p:ext uri="{BB962C8B-B14F-4D97-AF65-F5344CB8AC3E}">
-        <p14:creationId xmlns:p14="http://schemas.microsoft.com/office/powerpoint/2010/main" xmlns="" val="1314591319"/>
-      </p:ext>
-    </p:extLst>
   </p:cSld>
   <p:clrMapOvr>
     <a:masterClrMapping/>
@@ -17997,16 +18862,22 @@
         </p:nvSpPr>
         <p:spPr>
           <a:xfrm>
-            <a:off x="611560" y="2852936"/>
-            <a:ext cx="8229600" cy="1252728"/>
+            <a:off x="611188" y="2852738"/>
+            <a:ext cx="8229600" cy="1252537"/>
           </a:xfrm>
         </p:spPr>
         <p:txBody>
-          <a:bodyPr>
+          <a:bodyPr rtlCol="0">
             <a:normAutofit fontScale="90000"/>
           </a:bodyPr>
           <a:lstStyle/>
           <a:p>
+            <a:pPr fontAlgn="auto">
+              <a:spcAft>
+                <a:spcPts val="0"/>
+              </a:spcAft>
+              <a:defRPr/>
+            </a:pPr>
             <a:r>
               <a:rPr lang="es-PE" b="1" dirty="0" smtClean="0">
                 <a:solidFill>
@@ -18075,11 +18946,17 @@
         </p:nvSpPr>
         <p:spPr/>
         <p:txBody>
-          <a:bodyPr>
+          <a:bodyPr rtlCol="0">
             <a:normAutofit fontScale="90000"/>
           </a:bodyPr>
           <a:lstStyle/>
           <a:p>
+            <a:pPr fontAlgn="auto">
+              <a:spcAft>
+                <a:spcPts val="0"/>
+              </a:spcAft>
+              <a:defRPr/>
+            </a:pPr>
             <a:r>
               <a:rPr lang="es-PE" dirty="0" smtClean="0"/>
               <a:t>ESPECIFICACION DE ACTORES DEL NEGOCIO (Contratos de Clientes)</a:t>
@@ -18097,8 +18974,8 @@
           <p:nvPr/>
         </p:nvGraphicFramePr>
         <p:xfrm>
-          <a:off x="323528" y="2037967"/>
-          <a:ext cx="8568952" cy="4559385"/>
+          <a:off x="323850" y="2038350"/>
+          <a:ext cx="8569325" cy="4559300"/>
         </p:xfrm>
         <a:graphic>
           <a:graphicData uri="http://schemas.openxmlformats.org/drawingml/2006/table">
@@ -18320,14 +19197,14 @@
       </p:graphicFrame>
       <p:pic>
         <p:nvPicPr>
-          <p:cNvPr id="9218" name="Picture 2"/>
+          <p:cNvPr id="32784" name="Picture 2"/>
           <p:cNvPicPr>
             <a:picLocks noChangeAspect="1" noChangeArrowheads="1"/>
           </p:cNvPicPr>
           <p:nvPr/>
         </p:nvPicPr>
         <p:blipFill>
-          <a:blip r:embed="rId2" cstate="print"/>
+          <a:blip r:embed="rId2"/>
           <a:srcRect/>
           <a:stretch>
             <a:fillRect/>
@@ -18335,7 +19212,7 @@
         </p:blipFill>
         <p:spPr bwMode="auto">
           <a:xfrm>
-            <a:off x="611560" y="2132856"/>
+            <a:off x="611188" y="2133600"/>
             <a:ext cx="1914525" cy="1612900"/>
           </a:xfrm>
           <a:prstGeom prst="rect">
@@ -18348,19 +19225,18 @@
             <a:headEnd/>
             <a:tailEnd/>
           </a:ln>
-          <a:effectLst/>
         </p:spPr>
       </p:pic>
       <p:pic>
         <p:nvPicPr>
-          <p:cNvPr id="9219" name="Picture 3"/>
+          <p:cNvPr id="32785" name="Picture 3"/>
           <p:cNvPicPr>
             <a:picLocks noChangeAspect="1" noChangeArrowheads="1"/>
           </p:cNvPicPr>
           <p:nvPr/>
         </p:nvPicPr>
         <p:blipFill>
-          <a:blip r:embed="rId3" cstate="print"/>
+          <a:blip r:embed="rId3"/>
           <a:srcRect/>
           <a:stretch>
             <a:fillRect/>
@@ -18368,7 +19244,7 @@
         </p:blipFill>
         <p:spPr bwMode="auto">
           <a:xfrm>
-            <a:off x="611560" y="3717032"/>
+            <a:off x="611188" y="3716338"/>
             <a:ext cx="1914525" cy="1612900"/>
           </a:xfrm>
           <a:prstGeom prst="rect">
@@ -18381,19 +19257,18 @@
             <a:headEnd/>
             <a:tailEnd/>
           </a:ln>
-          <a:effectLst/>
         </p:spPr>
       </p:pic>
       <p:pic>
         <p:nvPicPr>
-          <p:cNvPr id="9220" name="Picture 4"/>
+          <p:cNvPr id="32786" name="Picture 4"/>
           <p:cNvPicPr>
             <a:picLocks noChangeAspect="1" noChangeArrowheads="1"/>
           </p:cNvPicPr>
           <p:nvPr/>
         </p:nvPicPr>
         <p:blipFill>
-          <a:blip r:embed="rId4" cstate="print"/>
+          <a:blip r:embed="rId4"/>
           <a:srcRect/>
           <a:stretch>
             <a:fillRect/>
@@ -18401,7 +19276,7 @@
         </p:blipFill>
         <p:spPr bwMode="auto">
           <a:xfrm>
-            <a:off x="611560" y="5245100"/>
+            <a:off x="611188" y="5245100"/>
             <a:ext cx="1908175" cy="1612900"/>
           </a:xfrm>
           <a:prstGeom prst="rect">
@@ -18414,15 +19289,9 @@
             <a:headEnd/>
             <a:tailEnd/>
           </a:ln>
-          <a:effectLst/>
         </p:spPr>
       </p:pic>
     </p:spTree>
-    <p:extLst>
-      <p:ext uri="{BB962C8B-B14F-4D97-AF65-F5344CB8AC3E}">
-        <p14:creationId xmlns:p14="http://schemas.microsoft.com/office/powerpoint/2010/main" xmlns="" val="1786203861"/>
-      </p:ext>
-    </p:extLst>
   </p:cSld>
   <p:clrMapOvr>
     <a:masterClrMapping/>
@@ -18466,16 +19335,22 @@
         </p:nvSpPr>
         <p:spPr>
           <a:xfrm>
-            <a:off x="611560" y="2852936"/>
-            <a:ext cx="8229600" cy="1252728"/>
+            <a:off x="611188" y="2852738"/>
+            <a:ext cx="8229600" cy="1252537"/>
           </a:xfrm>
         </p:spPr>
         <p:txBody>
-          <a:bodyPr>
+          <a:bodyPr rtlCol="0">
             <a:normAutofit fontScale="90000"/>
           </a:bodyPr>
           <a:lstStyle/>
           <a:p>
+            <a:pPr fontAlgn="auto">
+              <a:spcAft>
+                <a:spcPts val="0"/>
+              </a:spcAft>
+              <a:defRPr/>
+            </a:pPr>
             <a:r>
               <a:rPr lang="es-PE" b="1" dirty="0" smtClean="0">
                 <a:solidFill>
@@ -18544,16 +19419,22 @@
         </p:nvSpPr>
         <p:spPr>
           <a:xfrm>
-            <a:off x="611560" y="2636912"/>
-            <a:ext cx="8229600" cy="1252728"/>
+            <a:off x="611188" y="2636838"/>
+            <a:ext cx="8229600" cy="1252537"/>
           </a:xfrm>
         </p:spPr>
         <p:txBody>
-          <a:bodyPr>
+          <a:bodyPr rtlCol="0">
             <a:normAutofit fontScale="90000"/>
           </a:bodyPr>
           <a:lstStyle/>
           <a:p>
+            <a:pPr fontAlgn="auto">
+              <a:spcAft>
+                <a:spcPts val="0"/>
+              </a:spcAft>
+              <a:defRPr/>
+            </a:pPr>
             <a:r>
               <a:rPr lang="es-PE" b="1" dirty="0" smtClean="0">
                 <a:solidFill>
@@ -18587,14 +19468,14 @@
       </p:sp>
       <p:pic>
         <p:nvPicPr>
-          <p:cNvPr id="1026" name="Picture 2" descr="http://img.creativosonline.org/blog/wp-content/uploads/2012/02/consejos-contrato-autonomo-exito.jpg"/>
+          <p:cNvPr id="15362" name="Picture 2" descr="http://img.creativosonline.org/blog/wp-content/uploads/2012/02/consejos-contrato-autonomo-exito.jpg"/>
           <p:cNvPicPr>
             <a:picLocks noChangeAspect="1" noChangeArrowheads="1"/>
           </p:cNvPicPr>
           <p:nvPr/>
         </p:nvPicPr>
         <p:blipFill>
-          <a:blip r:embed="rId2" cstate="print"/>
+          <a:blip r:embed="rId2"/>
           <a:srcRect/>
           <a:stretch>
             <a:fillRect/>
@@ -18602,13 +19483,19 @@
         </p:blipFill>
         <p:spPr bwMode="auto">
           <a:xfrm>
-            <a:off x="2915816" y="3933056"/>
-            <a:ext cx="3744416" cy="2246650"/>
+            <a:off x="2916238" y="3933825"/>
+            <a:ext cx="3743325" cy="2246313"/>
           </a:xfrm>
           <a:prstGeom prst="rect">
             <a:avLst/>
           </a:prstGeom>
           <a:noFill/>
+          <a:ln w="9525">
+            <a:noFill/>
+            <a:miter lim="800000"/>
+            <a:headEnd/>
+            <a:tailEnd/>
+          </a:ln>
         </p:spPr>
       </p:pic>
     </p:spTree>
@@ -18648,11 +19535,17 @@
         </p:nvSpPr>
         <p:spPr/>
         <p:txBody>
-          <a:bodyPr>
+          <a:bodyPr rtlCol="0">
             <a:normAutofit fontScale="90000"/>
           </a:bodyPr>
           <a:lstStyle/>
           <a:p>
+            <a:pPr fontAlgn="auto">
+              <a:spcAft>
+                <a:spcPts val="0"/>
+              </a:spcAft>
+              <a:defRPr/>
+            </a:pPr>
             <a:r>
               <a:rPr lang="es-PE" dirty="0" smtClean="0"/>
               <a:t>DIAGRAMA DE CASOS DE USO DEL NEGOCIO (Contratos de Clientes)</a:t>
@@ -18663,14 +19556,14 @@
       </p:sp>
       <p:pic>
         <p:nvPicPr>
-          <p:cNvPr id="10242" name="Picture 2"/>
+          <p:cNvPr id="34818" name="Picture 2"/>
           <p:cNvPicPr>
             <a:picLocks noChangeAspect="1" noChangeArrowheads="1"/>
           </p:cNvPicPr>
           <p:nvPr/>
         </p:nvPicPr>
         <p:blipFill>
-          <a:blip r:embed="rId2" cstate="print"/>
+          <a:blip r:embed="rId2"/>
           <a:srcRect/>
           <a:stretch>
             <a:fillRect/>
@@ -18678,8 +19571,8 @@
         </p:blipFill>
         <p:spPr bwMode="auto">
           <a:xfrm>
-            <a:off x="827584" y="1700808"/>
-            <a:ext cx="7583487" cy="4919663"/>
+            <a:off x="827088" y="1700213"/>
+            <a:ext cx="7583487" cy="4919662"/>
           </a:xfrm>
           <a:prstGeom prst="rect">
             <a:avLst/>
@@ -18691,15 +19584,9 @@
             <a:headEnd/>
             <a:tailEnd/>
           </a:ln>
-          <a:effectLst/>
         </p:spPr>
       </p:pic>
     </p:spTree>
-    <p:extLst>
-      <p:ext uri="{BB962C8B-B14F-4D97-AF65-F5344CB8AC3E}">
-        <p14:creationId xmlns:p14="http://schemas.microsoft.com/office/powerpoint/2010/main" xmlns="" val="2066947068"/>
-      </p:ext>
-    </p:extLst>
   </p:cSld>
   <p:clrMapOvr>
     <a:masterClrMapping/>
@@ -18733,7 +19620,7 @@
       </p:grpSpPr>
       <p:sp>
         <p:nvSpPr>
-          <p:cNvPr id="2" name="1 Título"/>
+          <p:cNvPr id="35841" name="1 Título"/>
           <p:cNvSpPr>
             <a:spLocks noGrp="1"/>
           </p:cNvSpPr>
@@ -18743,31 +19630,25 @@
         </p:nvSpPr>
         <p:spPr>
           <a:xfrm>
-            <a:off x="390338" y="476672"/>
-            <a:ext cx="8280920" cy="1584176"/>
+            <a:off x="390525" y="476250"/>
+            <a:ext cx="8280400" cy="1584325"/>
           </a:xfrm>
         </p:spPr>
         <p:txBody>
-          <a:bodyPr>
-            <a:normAutofit/>
-          </a:bodyPr>
+          <a:bodyPr/>
           <a:lstStyle/>
           <a:p>
             <a:r>
               <a:rPr lang="es-PE" smtClean="0"/>
-              <a:t>CONTRATOS </a:t>
+              <a:t>CONTRATOS DE CLIENTES</a:t>
             </a:r>
-            <a:r>
-              <a:rPr lang="es-PE" dirty="0" smtClean="0"/>
-              <a:t>DE CLIENTES</a:t>
-            </a:r>
-            <a:endParaRPr lang="es-PE" sz="3600" dirty="0"/>
+            <a:endParaRPr lang="es-PE" sz="3600" smtClean="0"/>
           </a:p>
         </p:txBody>
       </p:sp>
       <p:sp>
         <p:nvSpPr>
-          <p:cNvPr id="3" name="2 Subtítulo"/>
+          <p:cNvPr id="35842" name="2 Subtítulo"/>
           <p:cNvSpPr>
             <a:spLocks noGrp="1"/>
           </p:cNvSpPr>
@@ -18777,18 +19658,16 @@
         </p:nvSpPr>
         <p:spPr>
           <a:xfrm>
-            <a:off x="1289589" y="2276872"/>
-            <a:ext cx="6400800" cy="521071"/>
+            <a:off x="1289050" y="2276475"/>
+            <a:ext cx="6400800" cy="520700"/>
           </a:xfrm>
         </p:spPr>
         <p:txBody>
-          <a:bodyPr>
-            <a:normAutofit/>
-          </a:bodyPr>
+          <a:bodyPr/>
           <a:lstStyle/>
           <a:p>
             <a:r>
-              <a:rPr lang="es-PE" sz="2800" dirty="0"/>
+              <a:rPr lang="es-PE" sz="2800" smtClean="0"/>
               <a:t>MODELADO DEL NEGOCIO</a:t>
             </a:r>
           </a:p>
@@ -18796,149 +19675,141 @@
       </p:sp>
       <p:sp>
         <p:nvSpPr>
-          <p:cNvPr id="4" name="3 CuadroTexto"/>
-          <p:cNvSpPr txBox="1"/>
+          <p:cNvPr id="35843" name="3 CuadroTexto"/>
+          <p:cNvSpPr txBox="1">
+            <a:spLocks noChangeArrowheads="1"/>
+          </p:cNvSpPr>
           <p:nvPr/>
         </p:nvSpPr>
-        <p:spPr>
+        <p:spPr bwMode="auto">
           <a:xfrm>
-            <a:off x="4489989" y="3712964"/>
-            <a:ext cx="4186467" cy="2308324"/>
+            <a:off x="4489450" y="3713163"/>
+            <a:ext cx="4186238" cy="2308225"/>
           </a:xfrm>
           <a:prstGeom prst="rect">
             <a:avLst/>
           </a:prstGeom>
           <a:noFill/>
+          <a:ln w="9525">
+            <a:noFill/>
+            <a:miter lim="800000"/>
+            <a:headEnd/>
+            <a:tailEnd/>
+          </a:ln>
         </p:spPr>
         <p:txBody>
-          <a:bodyPr wrap="square" rtlCol="0">
+          <a:bodyPr>
             <a:spAutoFit/>
           </a:bodyPr>
           <a:lstStyle/>
           <a:p>
             <a:pPr algn="r"/>
             <a:r>
-              <a:rPr lang="es-PE" sz="2400" dirty="0" smtClean="0"/>
-              <a:t>Paola Rojas </a:t>
-            </a:r>
-            <a:r>
-              <a:rPr lang="es-PE" sz="2400" dirty="0" err="1" smtClean="0"/>
-              <a:t>Chicoma</a:t>
-            </a:r>
-            <a:endParaRPr lang="es-PE" sz="2400" dirty="0" smtClean="0"/>
-          </a:p>
-          <a:p>
-            <a:pPr algn="r"/>
-            <a:r>
-              <a:rPr lang="es-PE" sz="2400" dirty="0" err="1" smtClean="0"/>
-              <a:t>Nestor</a:t>
-            </a:r>
-            <a:r>
-              <a:rPr lang="es-PE" sz="2400" dirty="0" smtClean="0"/>
-              <a:t> Robles Cacha</a:t>
+              <a:rPr lang="es-PE" sz="2400">
+                <a:latin typeface="Candara" pitchFamily="34" charset="0"/>
+              </a:rPr>
+              <a:t>Paola Rojas Chicoma</a:t>
             </a:r>
           </a:p>
           <a:p>
             <a:pPr algn="r"/>
             <a:r>
-              <a:rPr lang="es-PE" sz="2400" dirty="0" smtClean="0"/>
-              <a:t>Gabriela Rojas </a:t>
+              <a:rPr lang="es-PE" sz="2400">
+                <a:latin typeface="Candara" pitchFamily="34" charset="0"/>
+              </a:rPr>
+              <a:t>Nestor Robles Cacha</a:t>
             </a:r>
-            <a:r>
-              <a:rPr lang="es-PE" sz="2400" dirty="0" err="1" smtClean="0"/>
-              <a:t>Munive</a:t>
-            </a:r>
-            <a:endParaRPr lang="es-PE" sz="2400" dirty="0" smtClean="0"/>
           </a:p>
           <a:p>
             <a:pPr algn="r"/>
             <a:r>
-              <a:rPr lang="es-PE" sz="2400" dirty="0" smtClean="0"/>
-              <a:t>Augusto Suarez </a:t>
+              <a:rPr lang="es-PE" sz="2400">
+                <a:latin typeface="Candara" pitchFamily="34" charset="0"/>
+              </a:rPr>
+              <a:t>Gabriela Rojas Munive</a:t>
             </a:r>
-            <a:r>
-              <a:rPr lang="es-PE" sz="2400" dirty="0" err="1" smtClean="0"/>
-              <a:t>Gutierrez</a:t>
-            </a:r>
-            <a:endParaRPr lang="es-PE" sz="2400" dirty="0" smtClean="0"/>
           </a:p>
           <a:p>
             <a:pPr algn="r"/>
             <a:r>
-              <a:rPr lang="es-PE" sz="2400" dirty="0" smtClean="0"/>
-              <a:t>Orlando </a:t>
-            </a:r>
-            <a:r>
-              <a:rPr lang="es-PE" sz="2400" dirty="0" err="1" smtClean="0"/>
-              <a:t>Sedamano</a:t>
-            </a:r>
-            <a:r>
-              <a:rPr lang="es-PE" sz="2400" dirty="0" smtClean="0"/>
-              <a:t> Cornejo</a:t>
+              <a:rPr lang="es-PE" sz="2400">
+                <a:latin typeface="Candara" pitchFamily="34" charset="0"/>
+              </a:rPr>
+              <a:t>Augusto Suarez Gutierrez</a:t>
             </a:r>
           </a:p>
           <a:p>
             <a:pPr algn="r"/>
-            <a:endParaRPr lang="es-PE" sz="2400" dirty="0">
+            <a:r>
+              <a:rPr lang="es-PE" sz="2400">
+                <a:latin typeface="Candara" pitchFamily="34" charset="0"/>
+              </a:rPr>
+              <a:t>Orlando Sedamano Cornejo</a:t>
+            </a:r>
+          </a:p>
+          <a:p>
+            <a:pPr algn="r"/>
+            <a:endParaRPr lang="es-PE" sz="2400">
               <a:solidFill>
                 <a:schemeClr val="bg1"/>
               </a:solidFill>
+              <a:latin typeface="Candara" pitchFamily="34" charset="0"/>
             </a:endParaRPr>
           </a:p>
         </p:txBody>
       </p:sp>
       <p:sp>
         <p:nvSpPr>
-          <p:cNvPr id="5" name="4 CuadroTexto"/>
-          <p:cNvSpPr txBox="1"/>
+          <p:cNvPr id="35844" name="4 CuadroTexto"/>
+          <p:cNvSpPr txBox="1">
+            <a:spLocks noChangeArrowheads="1"/>
+          </p:cNvSpPr>
           <p:nvPr/>
         </p:nvSpPr>
-        <p:spPr>
+        <p:spPr bwMode="auto">
           <a:xfrm>
-            <a:off x="1033605" y="3710198"/>
-            <a:ext cx="3456384" cy="923330"/>
+            <a:off x="1033463" y="3709988"/>
+            <a:ext cx="3455987" cy="923925"/>
           </a:xfrm>
           <a:prstGeom prst="rect">
             <a:avLst/>
           </a:prstGeom>
           <a:noFill/>
+          <a:ln w="9525">
+            <a:noFill/>
+            <a:miter lim="800000"/>
+            <a:headEnd/>
+            <a:tailEnd/>
+          </a:ln>
         </p:spPr>
         <p:txBody>
-          <a:bodyPr wrap="square" rtlCol="0">
+          <a:bodyPr>
             <a:spAutoFit/>
           </a:bodyPr>
           <a:lstStyle/>
           <a:p>
             <a:r>
-              <a:rPr lang="es-PE" sz="5400" dirty="0" smtClean="0">
+              <a:rPr lang="es-PE" sz="5400">
                 <a:solidFill>
                   <a:schemeClr val="bg1"/>
                 </a:solidFill>
+                <a:latin typeface="Candara" pitchFamily="34" charset="0"/>
               </a:rPr>
               <a:t>GRACIAS </a:t>
             </a:r>
             <a:r>
-              <a:rPr lang="es-PE" sz="4800" dirty="0" smtClean="0">
+              <a:rPr lang="es-PE" sz="4800">
                 <a:solidFill>
                   <a:schemeClr val="bg1"/>
                 </a:solidFill>
+                <a:latin typeface="Candara" pitchFamily="34" charset="0"/>
               </a:rPr>
               <a:t>!!!</a:t>
             </a:r>
-            <a:endParaRPr lang="es-PE" sz="4800" dirty="0">
-              <a:solidFill>
-                <a:schemeClr val="bg1"/>
-              </a:solidFill>
-            </a:endParaRPr>
           </a:p>
         </p:txBody>
       </p:sp>
     </p:spTree>
-    <p:extLst>
-      <p:ext uri="{BB962C8B-B14F-4D97-AF65-F5344CB8AC3E}">
-        <p14:creationId xmlns:p14="http://schemas.microsoft.com/office/powerpoint/2010/main" xmlns="" val="700369716"/>
-      </p:ext>
-    </p:extLst>
   </p:cSld>
   <p:clrMapOvr>
     <a:masterClrMapping/>
@@ -18972,7 +19843,7 @@
       </p:grpSpPr>
       <p:sp>
         <p:nvSpPr>
-          <p:cNvPr id="3" name="2 Título"/>
+          <p:cNvPr id="16385" name="2 Título"/>
           <p:cNvSpPr>
             <a:spLocks noGrp="1"/>
           </p:cNvSpPr>
@@ -18982,29 +19853,26 @@
         </p:nvSpPr>
         <p:spPr/>
         <p:txBody>
-          <a:bodyPr>
-            <a:normAutofit/>
-          </a:bodyPr>
+          <a:bodyPr/>
           <a:lstStyle/>
           <a:p>
             <a:r>
-              <a:rPr lang="es-PE" dirty="0" smtClean="0"/>
+              <a:rPr lang="es-PE" smtClean="0"/>
               <a:t>Proceso: Análisis de Mercado</a:t>
             </a:r>
-            <a:endParaRPr lang="es-PE" dirty="0"/>
           </a:p>
         </p:txBody>
       </p:sp>
       <p:pic>
         <p:nvPicPr>
-          <p:cNvPr id="2050" name="Picture 2"/>
+          <p:cNvPr id="16386" name="Picture 2"/>
           <p:cNvPicPr>
             <a:picLocks noChangeAspect="1" noChangeArrowheads="1"/>
           </p:cNvPicPr>
           <p:nvPr/>
         </p:nvPicPr>
         <p:blipFill>
-          <a:blip r:embed="rId2" cstate="print"/>
+          <a:blip r:embed="rId2"/>
           <a:srcRect/>
           <a:stretch>
             <a:fillRect/>
@@ -19012,8 +19880,8 @@
         </p:blipFill>
         <p:spPr bwMode="auto">
           <a:xfrm>
-            <a:off x="144016" y="2996953"/>
-            <a:ext cx="8892480" cy="1860686"/>
+            <a:off x="144463" y="2997200"/>
+            <a:ext cx="8891587" cy="1860550"/>
           </a:xfrm>
           <a:prstGeom prst="rect">
             <a:avLst/>
@@ -19071,11 +19939,17 @@
         </p:nvSpPr>
         <p:spPr/>
         <p:txBody>
-          <a:bodyPr>
+          <a:bodyPr rtlCol="0">
             <a:normAutofit fontScale="90000"/>
           </a:bodyPr>
           <a:lstStyle/>
           <a:p>
+            <a:pPr fontAlgn="auto">
+              <a:spcAft>
+                <a:spcPts val="0"/>
+              </a:spcAft>
+              <a:defRPr/>
+            </a:pPr>
             <a:r>
               <a:rPr lang="es-PE" dirty="0" smtClean="0"/>
               <a:t>Proceso: Gestión de Cartera de Clientes</a:t>
@@ -19086,14 +19960,14 @@
       </p:sp>
       <p:pic>
         <p:nvPicPr>
-          <p:cNvPr id="3075" name="Picture 3"/>
+          <p:cNvPr id="17410" name="Picture 3"/>
           <p:cNvPicPr>
             <a:picLocks noChangeAspect="1" noChangeArrowheads="1"/>
           </p:cNvPicPr>
           <p:nvPr/>
         </p:nvPicPr>
         <p:blipFill>
-          <a:blip r:embed="rId2" cstate="print"/>
+          <a:blip r:embed="rId2"/>
           <a:srcRect/>
           <a:stretch>
             <a:fillRect/>
@@ -19101,8 +19975,8 @@
         </p:blipFill>
         <p:spPr bwMode="auto">
           <a:xfrm>
-            <a:off x="251520" y="2492896"/>
-            <a:ext cx="8728128" cy="3528392"/>
+            <a:off x="250825" y="2492375"/>
+            <a:ext cx="8728075" cy="3529013"/>
           </a:xfrm>
           <a:prstGeom prst="rect">
             <a:avLst/>
@@ -19150,7 +20024,7 @@
       </p:grpSpPr>
       <p:sp>
         <p:nvSpPr>
-          <p:cNvPr id="3" name="2 Título"/>
+          <p:cNvPr id="18433" name="2 Título"/>
           <p:cNvSpPr>
             <a:spLocks noGrp="1"/>
           </p:cNvSpPr>
@@ -19160,29 +20034,26 @@
         </p:nvSpPr>
         <p:spPr/>
         <p:txBody>
-          <a:bodyPr>
-            <a:normAutofit/>
-          </a:bodyPr>
+          <a:bodyPr/>
           <a:lstStyle/>
           <a:p>
             <a:r>
-              <a:rPr lang="es-PE" dirty="0" smtClean="0"/>
+              <a:rPr lang="es-PE" smtClean="0"/>
               <a:t>Proceso: Gestión de Contratos</a:t>
             </a:r>
-            <a:endParaRPr lang="es-PE" dirty="0"/>
           </a:p>
         </p:txBody>
       </p:sp>
       <p:pic>
         <p:nvPicPr>
-          <p:cNvPr id="4098" name="Picture 2"/>
+          <p:cNvPr id="18434" name="Picture 2"/>
           <p:cNvPicPr>
             <a:picLocks noChangeAspect="1" noChangeArrowheads="1"/>
           </p:cNvPicPr>
           <p:nvPr/>
         </p:nvPicPr>
         <p:blipFill>
-          <a:blip r:embed="rId2" cstate="print"/>
+          <a:blip r:embed="rId2"/>
           <a:srcRect/>
           <a:stretch>
             <a:fillRect/>
@@ -19190,8 +20061,8 @@
         </p:blipFill>
         <p:spPr bwMode="auto">
           <a:xfrm>
-            <a:off x="144016" y="2716709"/>
-            <a:ext cx="8820472" cy="3160563"/>
+            <a:off x="144463" y="2716213"/>
+            <a:ext cx="8820150" cy="3160712"/>
           </a:xfrm>
           <a:prstGeom prst="rect">
             <a:avLst/>
@@ -19249,16 +20120,22 @@
         </p:nvSpPr>
         <p:spPr>
           <a:xfrm>
-            <a:off x="251520" y="2996952"/>
-            <a:ext cx="8712968" cy="1252728"/>
+            <a:off x="250825" y="2997200"/>
+            <a:ext cx="8713788" cy="1252538"/>
           </a:xfrm>
         </p:spPr>
         <p:txBody>
-          <a:bodyPr>
+          <a:bodyPr rtlCol="0">
             <a:normAutofit fontScale="90000"/>
           </a:bodyPr>
           <a:lstStyle/>
           <a:p>
+            <a:pPr fontAlgn="auto">
+              <a:spcAft>
+                <a:spcPts val="0"/>
+              </a:spcAft>
+              <a:defRPr/>
+            </a:pPr>
             <a:r>
               <a:rPr lang="es-PE" b="1" dirty="0" smtClean="0">
                 <a:solidFill>
@@ -19327,11 +20204,17 @@
         </p:nvSpPr>
         <p:spPr/>
         <p:txBody>
-          <a:bodyPr>
+          <a:bodyPr rtlCol="0">
             <a:normAutofit fontScale="90000"/>
           </a:bodyPr>
           <a:lstStyle/>
           <a:p>
+            <a:pPr fontAlgn="auto">
+              <a:spcAft>
+                <a:spcPts val="0"/>
+              </a:spcAft>
+              <a:defRPr/>
+            </a:pPr>
             <a:r>
               <a:rPr lang="es-PE" dirty="0" smtClean="0"/>
               <a:t>Modelo de Casos de uso del negocio</a:t>
@@ -19356,8 +20239,8 @@
           <p:nvPr/>
         </p:nvGraphicFramePr>
         <p:xfrm>
-          <a:off x="323528" y="2708920"/>
-          <a:ext cx="8496945" cy="3600400"/>
+          <a:off x="323850" y="2708275"/>
+          <a:ext cx="8496300" cy="3600450"/>
         </p:xfrm>
         <a:graphic>
           <a:graphicData uri="http://schemas.openxmlformats.org/drawingml/2006/table">
@@ -19408,14 +20291,14 @@
       </p:graphicFrame>
       <p:pic>
         <p:nvPicPr>
-          <p:cNvPr id="1027" name="Picture 3"/>
+          <p:cNvPr id="20492" name="Picture 3"/>
           <p:cNvPicPr>
             <a:picLocks noChangeAspect="1" noChangeArrowheads="1"/>
           </p:cNvPicPr>
           <p:nvPr/>
         </p:nvPicPr>
         <p:blipFill>
-          <a:blip r:embed="rId2" cstate="print"/>
+          <a:blip r:embed="rId2"/>
           <a:srcRect/>
           <a:stretch>
             <a:fillRect/>
@@ -19423,8 +20306,8 @@
         </p:blipFill>
         <p:spPr bwMode="auto">
           <a:xfrm>
-            <a:off x="704546" y="3645024"/>
-            <a:ext cx="1995246" cy="1656184"/>
+            <a:off x="704850" y="3644900"/>
+            <a:ext cx="1995488" cy="1655763"/>
           </a:xfrm>
           <a:prstGeom prst="rect">
             <a:avLst/>
@@ -19440,14 +20323,14 @@
       </p:pic>
       <p:pic>
         <p:nvPicPr>
-          <p:cNvPr id="1028" name="Picture 4"/>
+          <p:cNvPr id="20493" name="Picture 4"/>
           <p:cNvPicPr>
             <a:picLocks noChangeAspect="1" noChangeArrowheads="1"/>
           </p:cNvPicPr>
           <p:nvPr/>
         </p:nvPicPr>
         <p:blipFill>
-          <a:blip r:embed="rId3" cstate="print"/>
+          <a:blip r:embed="rId3"/>
           <a:srcRect/>
           <a:stretch>
             <a:fillRect/>
@@ -19455,8 +20338,8 @@
         </p:blipFill>
         <p:spPr bwMode="auto">
           <a:xfrm>
-            <a:off x="3347864" y="3707033"/>
-            <a:ext cx="2242939" cy="1666183"/>
+            <a:off x="3348038" y="3706813"/>
+            <a:ext cx="2243137" cy="1666875"/>
           </a:xfrm>
           <a:prstGeom prst="rect">
             <a:avLst/>
@@ -19472,14 +20355,14 @@
       </p:pic>
       <p:pic>
         <p:nvPicPr>
-          <p:cNvPr id="1029" name="Picture 5"/>
+          <p:cNvPr id="20494" name="Picture 5"/>
           <p:cNvPicPr>
             <a:picLocks noChangeAspect="1" noChangeArrowheads="1"/>
           </p:cNvPicPr>
           <p:nvPr/>
         </p:nvPicPr>
         <p:blipFill>
-          <a:blip r:embed="rId4" cstate="print"/>
+          <a:blip r:embed="rId4"/>
           <a:srcRect/>
           <a:stretch>
             <a:fillRect/>
@@ -19487,8 +20370,8 @@
         </p:blipFill>
         <p:spPr bwMode="auto">
           <a:xfrm>
-            <a:off x="6372200" y="3645024"/>
-            <a:ext cx="2137837" cy="1728192"/>
+            <a:off x="6372225" y="3644900"/>
+            <a:ext cx="2138363" cy="1728788"/>
           </a:xfrm>
           <a:prstGeom prst="rect">
             <a:avLst/>
@@ -19546,16 +20429,22 @@
         </p:nvSpPr>
         <p:spPr>
           <a:xfrm>
-            <a:off x="611560" y="2852936"/>
-            <a:ext cx="8229600" cy="1252728"/>
+            <a:off x="611188" y="2852738"/>
+            <a:ext cx="8229600" cy="1252537"/>
           </a:xfrm>
         </p:spPr>
         <p:txBody>
-          <a:bodyPr>
+          <a:bodyPr rtlCol="0">
             <a:normAutofit fontScale="90000"/>
           </a:bodyPr>
           <a:lstStyle/>
           <a:p>
+            <a:pPr fontAlgn="auto">
+              <a:spcAft>
+                <a:spcPts val="0"/>
+              </a:spcAft>
+              <a:defRPr/>
+            </a:pPr>
             <a:r>
               <a:rPr lang="es-PE" b="1" dirty="0" smtClean="0">
                 <a:solidFill>
@@ -19624,11 +20513,17 @@
         </p:nvSpPr>
         <p:spPr/>
         <p:txBody>
-          <a:bodyPr>
+          <a:bodyPr rtlCol="0">
             <a:normAutofit fontScale="90000"/>
           </a:bodyPr>
           <a:lstStyle/>
           <a:p>
+            <a:pPr fontAlgn="auto">
+              <a:spcAft>
+                <a:spcPts val="0"/>
+              </a:spcAft>
+              <a:defRPr/>
+            </a:pPr>
             <a:r>
               <a:rPr lang="es-PE" dirty="0"/>
               <a:t>ESPECIFICACION DE REGLAS DE </a:t>
@@ -19650,8 +20545,8 @@
           <p:nvPr/>
         </p:nvGraphicFramePr>
         <p:xfrm>
-          <a:off x="323528" y="2348880"/>
-          <a:ext cx="8496944" cy="4248472"/>
+          <a:off x="323850" y="2349500"/>
+          <a:ext cx="8496300" cy="4248150"/>
         </p:xfrm>
         <a:graphic>
           <a:graphicData uri="http://schemas.openxmlformats.org/drawingml/2006/table">
@@ -20051,14 +20946,14 @@
       </p:graphicFrame>
       <p:pic>
         <p:nvPicPr>
-          <p:cNvPr id="1027" name="Picture 3"/>
+          <p:cNvPr id="22544" name="Picture 3"/>
           <p:cNvPicPr>
             <a:picLocks noChangeAspect="1" noChangeArrowheads="1"/>
           </p:cNvPicPr>
           <p:nvPr/>
         </p:nvPicPr>
         <p:blipFill>
-          <a:blip r:embed="rId3" cstate="print"/>
+          <a:blip r:embed="rId3"/>
           <a:srcRect/>
           <a:stretch>
             <a:fillRect/>
@@ -20066,7 +20961,7 @@
         </p:blipFill>
         <p:spPr bwMode="auto">
           <a:xfrm>
-            <a:off x="395536" y="2420888"/>
+            <a:off x="395288" y="2420938"/>
             <a:ext cx="2368550" cy="1201737"/>
           </a:xfrm>
           <a:prstGeom prst="rect">
@@ -20079,19 +20974,18 @@
             <a:headEnd/>
             <a:tailEnd/>
           </a:ln>
-          <a:effectLst/>
         </p:spPr>
       </p:pic>
       <p:pic>
         <p:nvPicPr>
-          <p:cNvPr id="2" name="Picture 4"/>
+          <p:cNvPr id="22545" name="Picture 4"/>
           <p:cNvPicPr>
             <a:picLocks noChangeAspect="1" noChangeArrowheads="1"/>
           </p:cNvPicPr>
           <p:nvPr/>
         </p:nvPicPr>
         <p:blipFill>
-          <a:blip r:embed="rId4" cstate="print"/>
+          <a:blip r:embed="rId4"/>
           <a:srcRect/>
           <a:stretch>
             <a:fillRect/>
@@ -20099,8 +20993,8 @@
         </p:blipFill>
         <p:spPr bwMode="auto">
           <a:xfrm>
-            <a:off x="395536" y="3789040"/>
-            <a:ext cx="2373313" cy="1201737"/>
+            <a:off x="395288" y="3789363"/>
+            <a:ext cx="2373312" cy="1201737"/>
           </a:xfrm>
           <a:prstGeom prst="rect">
             <a:avLst/>
@@ -20112,19 +21006,18 @@
             <a:headEnd/>
             <a:tailEnd/>
           </a:ln>
-          <a:effectLst/>
         </p:spPr>
       </p:pic>
       <p:pic>
         <p:nvPicPr>
-          <p:cNvPr id="1029" name="Picture 5"/>
+          <p:cNvPr id="22546" name="Picture 5"/>
           <p:cNvPicPr>
             <a:picLocks noChangeAspect="1" noChangeArrowheads="1"/>
           </p:cNvPicPr>
           <p:nvPr/>
         </p:nvPicPr>
         <p:blipFill>
-          <a:blip r:embed="rId5" cstate="print"/>
+          <a:blip r:embed="rId5"/>
           <a:srcRect/>
           <a:stretch>
             <a:fillRect/>
@@ -20132,7 +21025,7 @@
         </p:blipFill>
         <p:spPr bwMode="auto">
           <a:xfrm>
-            <a:off x="395536" y="5301208"/>
+            <a:off x="395288" y="5300663"/>
             <a:ext cx="2524125" cy="1201737"/>
           </a:xfrm>
           <a:prstGeom prst="rect">
@@ -20145,15 +21038,9 @@
             <a:headEnd/>
             <a:tailEnd/>
           </a:ln>
-          <a:effectLst/>
         </p:spPr>
       </p:pic>
     </p:spTree>
-    <p:extLst>
-      <p:ext uri="{BB962C8B-B14F-4D97-AF65-F5344CB8AC3E}">
-        <p14:creationId xmlns:p14="http://schemas.microsoft.com/office/powerpoint/2010/main" xmlns="" val="1314591319"/>
-      </p:ext>
-    </p:extLst>
   </p:cSld>
   <p:clrMapOvr>
     <a:masterClrMapping/>

--- a/trunk/ tsp01-contratos-clientes/ITERACCION01/SI01/PRESENTACIONES/PPT SI01 MCUN.pptx
+++ b/trunk/ tsp01-contratos-clientes/ITERACCION01/SI01/PRESENTACIONES/PPT SI01 MCUN.pptx
@@ -5,30 +5,32 @@
     <p:sldMasterId id="2147483660" r:id="rId1"/>
   </p:sldMasterIdLst>
   <p:notesMasterIdLst>
-    <p:notesMasterId r:id="rId23"/>
+    <p:notesMasterId r:id="rId25"/>
   </p:notesMasterIdLst>
   <p:sldIdLst>
     <p:sldId id="256" r:id="rId2"/>
-    <p:sldId id="273" r:id="rId3"/>
-    <p:sldId id="270" r:id="rId4"/>
-    <p:sldId id="271" r:id="rId5"/>
-    <p:sldId id="272" r:id="rId6"/>
-    <p:sldId id="274" r:id="rId7"/>
-    <p:sldId id="269" r:id="rId8"/>
-    <p:sldId id="275" r:id="rId9"/>
-    <p:sldId id="258" r:id="rId10"/>
-    <p:sldId id="261" r:id="rId11"/>
-    <p:sldId id="262" r:id="rId12"/>
-    <p:sldId id="265" r:id="rId13"/>
-    <p:sldId id="263" r:id="rId14"/>
-    <p:sldId id="264" r:id="rId15"/>
-    <p:sldId id="266" r:id="rId16"/>
-    <p:sldId id="267" r:id="rId17"/>
-    <p:sldId id="276" r:id="rId18"/>
-    <p:sldId id="268" r:id="rId19"/>
-    <p:sldId id="277" r:id="rId20"/>
-    <p:sldId id="259" r:id="rId21"/>
-    <p:sldId id="260" r:id="rId22"/>
+    <p:sldId id="279" r:id="rId3"/>
+    <p:sldId id="278" r:id="rId4"/>
+    <p:sldId id="273" r:id="rId5"/>
+    <p:sldId id="270" r:id="rId6"/>
+    <p:sldId id="271" r:id="rId7"/>
+    <p:sldId id="272" r:id="rId8"/>
+    <p:sldId id="274" r:id="rId9"/>
+    <p:sldId id="269" r:id="rId10"/>
+    <p:sldId id="275" r:id="rId11"/>
+    <p:sldId id="258" r:id="rId12"/>
+    <p:sldId id="261" r:id="rId13"/>
+    <p:sldId id="262" r:id="rId14"/>
+    <p:sldId id="265" r:id="rId15"/>
+    <p:sldId id="263" r:id="rId16"/>
+    <p:sldId id="264" r:id="rId17"/>
+    <p:sldId id="266" r:id="rId18"/>
+    <p:sldId id="267" r:id="rId19"/>
+    <p:sldId id="276" r:id="rId20"/>
+    <p:sldId id="268" r:id="rId21"/>
+    <p:sldId id="277" r:id="rId22"/>
+    <p:sldId id="259" r:id="rId23"/>
+    <p:sldId id="260" r:id="rId24"/>
   </p:sldIdLst>
   <p:sldSz cx="9144000" cy="6858000" type="screen4x3"/>
   <p:notesSz cx="6858000" cy="9144000"/>
@@ -253,7 +255,7 @@
               <a:spcAft>
                 <a:spcPts val="0"/>
               </a:spcAft>
-              <a:defRPr sz="1200" smtClean="0">
+              <a:defRPr sz="1200">
                 <a:latin typeface="+mn-lt"/>
               </a:defRPr>
             </a:lvl1pPr>
@@ -262,7 +264,7 @@
             <a:pPr>
               <a:defRPr/>
             </a:pPr>
-            <a:fld id="{ECFA2C9D-C801-4558-AAC5-C9DFE96ECEE3}" type="datetimeFigureOut">
+            <a:fld id="{6C46FE7A-82A5-478F-8B38-8D529DEC4257}" type="datetimeFigureOut">
               <a:rPr lang="es-PE"/>
               <a:pPr>
                 <a:defRPr/>
@@ -440,7 +442,7 @@
               <a:spcAft>
                 <a:spcPts val="0"/>
               </a:spcAft>
-              <a:defRPr sz="1200" smtClean="0">
+              <a:defRPr sz="1200">
                 <a:latin typeface="+mn-lt"/>
               </a:defRPr>
             </a:lvl1pPr>
@@ -449,7 +451,7 @@
             <a:pPr>
               <a:defRPr/>
             </a:pPr>
-            <a:fld id="{9D4B7F4F-06FC-4BB4-B5BE-5EB7185B5FA7}" type="slidenum">
+            <a:fld id="{E6690C72-E8EF-44C7-A63C-2EB09CF4F47A}" type="slidenum">
               <a:rPr lang="es-PE"/>
               <a:pPr>
                 <a:defRPr/>
@@ -464,7 +466,7 @@
   </p:cSld>
   <p:clrMap bg1="lt1" tx1="dk1" bg2="lt2" tx2="dk2" accent1="accent1" accent2="accent2" accent3="accent3" accent4="accent4" accent5="accent5" accent6="accent6" hlink="hlink" folHlink="folHlink"/>
   <p:notesStyle>
-    <a:lvl1pPr algn="l" rtl="0" fontAlgn="base">
+    <a:lvl1pPr algn="l" rtl="0" eaLnBrk="0" fontAlgn="base" hangingPunct="0">
       <a:spcBef>
         <a:spcPct val="30000"/>
       </a:spcBef>
@@ -480,7 +482,7 @@
         <a:cs typeface="+mn-cs"/>
       </a:defRPr>
     </a:lvl1pPr>
-    <a:lvl2pPr marL="457200" algn="l" rtl="0" fontAlgn="base">
+    <a:lvl2pPr marL="457200" algn="l" rtl="0" eaLnBrk="0" fontAlgn="base" hangingPunct="0">
       <a:spcBef>
         <a:spcPct val="30000"/>
       </a:spcBef>
@@ -496,7 +498,7 @@
         <a:cs typeface="+mn-cs"/>
       </a:defRPr>
     </a:lvl2pPr>
-    <a:lvl3pPr marL="914400" algn="l" rtl="0" fontAlgn="base">
+    <a:lvl3pPr marL="914400" algn="l" rtl="0" eaLnBrk="0" fontAlgn="base" hangingPunct="0">
       <a:spcBef>
         <a:spcPct val="30000"/>
       </a:spcBef>
@@ -512,7 +514,7 @@
         <a:cs typeface="+mn-cs"/>
       </a:defRPr>
     </a:lvl3pPr>
-    <a:lvl4pPr marL="1371600" algn="l" rtl="0" fontAlgn="base">
+    <a:lvl4pPr marL="1371600" algn="l" rtl="0" eaLnBrk="0" fontAlgn="base" hangingPunct="0">
       <a:spcBef>
         <a:spcPct val="30000"/>
       </a:spcBef>
@@ -528,7 +530,7 @@
         <a:cs typeface="+mn-cs"/>
       </a:defRPr>
     </a:lvl4pPr>
-    <a:lvl5pPr marL="1828800" algn="l" rtl="0" fontAlgn="base">
+    <a:lvl5pPr marL="1828800" algn="l" rtl="0" eaLnBrk="0" fontAlgn="base" hangingPunct="0">
       <a:spcBef>
         <a:spcPct val="30000"/>
       </a:spcBef>
@@ -648,7 +650,7 @@
           </a:bodyPr>
           <a:lstStyle/>
           <a:p>
-            <a:pPr>
+            <a:pPr eaLnBrk="1" hangingPunct="1">
               <a:spcBef>
                 <a:spcPct val="0"/>
               </a:spcBef>
@@ -668,7 +670,6 @@
           </p:nvPr>
         </p:nvSpPr>
         <p:spPr bwMode="auto">
-          <a:noFill/>
           <a:ln>
             <a:miter lim="800000"/>
             <a:headEnd/>
@@ -690,8 +691,9 @@
               <a:spcAft>
                 <a:spcPct val="0"/>
               </a:spcAft>
+              <a:defRPr/>
             </a:pPr>
-            <a:fld id="{0EDADFC8-F5CB-41BC-8435-1A93D6C422C6}" type="slidenum">
+            <a:fld id="{5CDB3B30-5C15-4310-A2CD-3B0692D159EA}" type="slidenum">
               <a:rPr lang="es-PE"/>
               <a:pPr fontAlgn="base">
                 <a:spcBef>
@@ -700,8 +702,9 @@
                 <a:spcAft>
                   <a:spcPct val="0"/>
                 </a:spcAft>
+                <a:defRPr/>
               </a:pPr>
-              <a:t>9</a:t>
+              <a:t>11</a:t>
             </a:fld>
             <a:endParaRPr lang="es-PE"/>
           </a:p>
@@ -2575,7 +2578,7 @@
             <a:pPr>
               <a:defRPr/>
             </a:pPr>
-            <a:fld id="{287A11EE-7D43-463C-9E2D-0EB30F791A95}" type="datetimeFigureOut">
+            <a:fld id="{FE0AFEA0-ACAE-43DD-AB02-60ACB919B906}" type="datetimeFigureOut">
               <a:rPr lang="es-PE"/>
               <a:pPr>
                 <a:defRPr/>
@@ -2634,7 +2637,7 @@
             <a:pPr>
               <a:defRPr/>
             </a:pPr>
-            <a:fld id="{1AFD0E51-F5B9-4CD1-AFC9-537EAEB8C6A0}" type="slidenum">
+            <a:fld id="{B3007BE6-04BA-4ADA-87E5-ECBD2F2F88A0}" type="slidenum">
               <a:rPr lang="es-PE"/>
               <a:pPr>
                 <a:defRPr/>
@@ -2783,7 +2786,7 @@
             <a:pPr>
               <a:defRPr/>
             </a:pPr>
-            <a:fld id="{068592DF-5B39-4FD0-8AEC-D3268E7D8187}" type="datetimeFigureOut">
+            <a:fld id="{9CD18417-E95D-46DE-9661-583CA83A1743}" type="datetimeFigureOut">
               <a:rPr lang="es-PE"/>
               <a:pPr>
                 <a:defRPr/>
@@ -2842,7 +2845,7 @@
             <a:pPr>
               <a:defRPr/>
             </a:pPr>
-            <a:fld id="{393BC84B-C439-4EE3-B2FD-642813245A29}" type="slidenum">
+            <a:fld id="{2FFE1BC9-B62F-4A75-BE90-6FA9A6BE8D12}" type="slidenum">
               <a:rPr lang="es-PE"/>
               <a:pPr>
                 <a:defRPr/>
@@ -4688,7 +4691,7 @@
             <a:pPr>
               <a:defRPr/>
             </a:pPr>
-            <a:fld id="{B8D07D74-CA6B-499B-BD6E-97013119D1A1}" type="datetimeFigureOut">
+            <a:fld id="{77CA2E0F-BDD8-4F04-8395-1F70FB7623D4}" type="datetimeFigureOut">
               <a:rPr lang="es-PE"/>
               <a:pPr>
                 <a:defRPr/>
@@ -4747,7 +4750,139 @@
             <a:pPr>
               <a:defRPr/>
             </a:pPr>
-            <a:fld id="{D3AAE5F6-1FFF-4397-82A9-FCCBE769880F}" type="slidenum">
+            <a:fld id="{A27650FD-CD31-48EA-8C1F-13677FAF8D4C}" type="slidenum">
+              <a:rPr lang="es-PE"/>
+              <a:pPr>
+                <a:defRPr/>
+              </a:pPr>
+              <a:t>‹Nº›</a:t>
+            </a:fld>
+            <a:endParaRPr lang="es-PE"/>
+          </a:p>
+        </p:txBody>
+      </p:sp>
+    </p:spTree>
+  </p:cSld>
+  <p:clrMapOvr>
+    <a:masterClrMapping/>
+  </p:clrMapOvr>
+</p:sldLayout>
+</file>
+
+<file path=ppt/slideLayouts/slideLayout12.xml><?xml version="1.0" encoding="utf-8"?>
+<p:sldLayout xmlns:a="http://schemas.openxmlformats.org/drawingml/2006/main" xmlns:r="http://schemas.openxmlformats.org/officeDocument/2006/relationships" xmlns:p="http://schemas.openxmlformats.org/presentationml/2006/main" type="blank" preserve="1">
+  <p:cSld name="1_En blanco">
+    <p:spTree>
+      <p:nvGrpSpPr>
+        <p:cNvPr id="1" name=""/>
+        <p:cNvGrpSpPr/>
+        <p:nvPr/>
+      </p:nvGrpSpPr>
+      <p:grpSpPr>
+        <a:xfrm>
+          <a:off x="0" y="0"/>
+          <a:ext cx="0" cy="0"/>
+          <a:chOff x="0" y="0"/>
+          <a:chExt cx="0" cy="0"/>
+        </a:xfrm>
+      </p:grpSpPr>
+      <p:sp>
+        <p:nvSpPr>
+          <p:cNvPr id="2" name="Marcador de fecha 1"/>
+          <p:cNvSpPr>
+            <a:spLocks noGrp="1"/>
+          </p:cNvSpPr>
+          <p:nvPr>
+            <p:ph type="dt" sz="half" idx="10"/>
+          </p:nvPr>
+        </p:nvSpPr>
+        <p:spPr>
+          <a:xfrm>
+            <a:off x="5164138" y="6249988"/>
+            <a:ext cx="3786187" cy="365125"/>
+          </a:xfrm>
+        </p:spPr>
+        <p:txBody>
+          <a:bodyPr/>
+          <a:lstStyle>
+            <a:lvl1pPr>
+              <a:defRPr/>
+            </a:lvl1pPr>
+          </a:lstStyle>
+          <a:p>
+            <a:pPr>
+              <a:defRPr/>
+            </a:pPr>
+            <a:fld id="{0DA433D4-D4D6-4883-A8EB-8CFAD9F59F45}" type="datetimeFigureOut">
+              <a:rPr lang="es-PE"/>
+              <a:pPr>
+                <a:defRPr/>
+              </a:pPr>
+              <a:t>07/05/2012</a:t>
+            </a:fld>
+            <a:endParaRPr lang="es-PE"/>
+          </a:p>
+        </p:txBody>
+      </p:sp>
+      <p:sp>
+        <p:nvSpPr>
+          <p:cNvPr id="3" name="Marcador de pie de página 2"/>
+          <p:cNvSpPr>
+            <a:spLocks noGrp="1"/>
+          </p:cNvSpPr>
+          <p:nvPr>
+            <p:ph type="ftr" sz="quarter" idx="11"/>
+          </p:nvPr>
+        </p:nvSpPr>
+        <p:spPr>
+          <a:xfrm>
+            <a:off x="193675" y="6249988"/>
+            <a:ext cx="3786188" cy="365125"/>
+          </a:xfrm>
+        </p:spPr>
+        <p:txBody>
+          <a:bodyPr/>
+          <a:lstStyle>
+            <a:lvl1pPr>
+              <a:defRPr/>
+            </a:lvl1pPr>
+          </a:lstStyle>
+          <a:p>
+            <a:pPr>
+              <a:defRPr/>
+            </a:pPr>
+            <a:endParaRPr lang="es-PE"/>
+          </a:p>
+        </p:txBody>
+      </p:sp>
+      <p:sp>
+        <p:nvSpPr>
+          <p:cNvPr id="4" name="Marcador de número de diapositiva 3"/>
+          <p:cNvSpPr>
+            <a:spLocks noGrp="1"/>
+          </p:cNvSpPr>
+          <p:nvPr>
+            <p:ph type="sldNum" sz="quarter" idx="12"/>
+          </p:nvPr>
+        </p:nvSpPr>
+        <p:spPr>
+          <a:xfrm>
+            <a:off x="3990975" y="6249988"/>
+            <a:ext cx="1162050" cy="365125"/>
+          </a:xfrm>
+        </p:spPr>
+        <p:txBody>
+          <a:bodyPr/>
+          <a:lstStyle>
+            <a:lvl1pPr>
+              <a:defRPr/>
+            </a:lvl1pPr>
+          </a:lstStyle>
+          <a:p>
+            <a:pPr>
+              <a:defRPr/>
+            </a:pPr>
+            <a:fld id="{1F3B033A-31A4-425E-908B-3F82E9BB518A}" type="slidenum">
               <a:rPr lang="es-PE"/>
               <a:pPr>
                 <a:defRPr/>
@@ -4880,7 +5015,7 @@
             <a:pPr>
               <a:defRPr/>
             </a:pPr>
-            <a:fld id="{AB1BD0DB-DCEE-4D57-8262-D324ABF93FAA}" type="datetimeFigureOut">
+            <a:fld id="{A592D287-7BF1-4F37-AD10-7F3CB0BD7F35}" type="datetimeFigureOut">
               <a:rPr lang="es-PE"/>
               <a:pPr>
                 <a:defRPr/>
@@ -4939,7 +5074,7 @@
             <a:pPr>
               <a:defRPr/>
             </a:pPr>
-            <a:fld id="{CA6A07E7-2516-4B8F-A50C-12FDAC8F6D5F}" type="slidenum">
+            <a:fld id="{4F09939B-501A-4388-B5D6-84D2BB1E7F10}" type="slidenum">
               <a:rPr lang="es-PE"/>
               <a:pPr>
                 <a:defRPr/>
@@ -6797,7 +6932,7 @@
             <a:pPr>
               <a:defRPr/>
             </a:pPr>
-            <a:fld id="{E12B2C14-BD6F-4905-8C51-D3B417F77755}" type="datetimeFigureOut">
+            <a:fld id="{9F7B79CE-DB0E-4D56-8DB8-AA464D538ABD}" type="datetimeFigureOut">
               <a:rPr lang="es-PE"/>
               <a:pPr>
                 <a:defRPr/>
@@ -6856,7 +6991,7 @@
             <a:pPr>
               <a:defRPr/>
             </a:pPr>
-            <a:fld id="{A134B223-3ECE-49FC-B55B-12A83D7042C9}" type="slidenum">
+            <a:fld id="{977AF486-00FE-445D-9129-523841CE2109}" type="slidenum">
               <a:rPr lang="es-PE"/>
               <a:pPr>
                 <a:defRPr/>
@@ -7051,7 +7186,7 @@
             <a:pPr>
               <a:defRPr/>
             </a:pPr>
-            <a:fld id="{3D0DB937-B344-459D-AAAA-F7CBF75F0E86}" type="datetimeFigureOut">
+            <a:fld id="{5A4B9C04-4BFC-4E42-B5F5-1727A9AA6A3F}" type="datetimeFigureOut">
               <a:rPr lang="es-PE"/>
               <a:pPr>
                 <a:defRPr/>
@@ -7110,7 +7245,7 @@
             <a:pPr>
               <a:defRPr/>
             </a:pPr>
-            <a:fld id="{EDC4E4E4-9CF6-4F1D-B52F-9CDAACA6D71E}" type="slidenum">
+            <a:fld id="{D7D1F318-3923-4F77-97BE-290F5AF8796A}" type="slidenum">
               <a:rPr lang="es-PE"/>
               <a:pPr>
                 <a:defRPr/>
@@ -7505,7 +7640,7 @@
             <a:pPr>
               <a:defRPr/>
             </a:pPr>
-            <a:fld id="{0F479C08-189B-4877-989E-7F2701C0767F}" type="datetimeFigureOut">
+            <a:fld id="{783170C1-5398-45C4-87E6-57C72E7E5D51}" type="datetimeFigureOut">
               <a:rPr lang="es-PE"/>
               <a:pPr>
                 <a:defRPr/>
@@ -7564,7 +7699,7 @@
             <a:pPr>
               <a:defRPr/>
             </a:pPr>
-            <a:fld id="{EF0AC19D-9A6A-4353-B68E-547372638D27}" type="slidenum">
+            <a:fld id="{9BA702AB-6392-4D3B-A6BF-C12576AC6B92}" type="slidenum">
               <a:rPr lang="es-PE"/>
               <a:pPr>
                 <a:defRPr/>
@@ -7645,7 +7780,7 @@
             <a:pPr>
               <a:defRPr/>
             </a:pPr>
-            <a:fld id="{05666963-8D77-4979-9AD8-57D66A3E69BF}" type="datetimeFigureOut">
+            <a:fld id="{05493CD4-A4BB-4287-A207-DA2906EFAD0C}" type="datetimeFigureOut">
               <a:rPr lang="es-PE"/>
               <a:pPr>
                 <a:defRPr/>
@@ -7704,7 +7839,7 @@
             <a:pPr>
               <a:defRPr/>
             </a:pPr>
-            <a:fld id="{9C07902F-2171-42AB-89CC-64384C8A8E6B}" type="slidenum">
+            <a:fld id="{D59E4CB6-222F-4D89-8F53-DC53564C516B}" type="slidenum">
               <a:rPr lang="es-PE"/>
               <a:pPr>
                 <a:defRPr/>
@@ -9426,7 +9561,7 @@
             <a:pPr>
               <a:defRPr/>
             </a:pPr>
-            <a:fld id="{31B98D29-125B-4067-BB73-9187C7F626D0}" type="datetimeFigureOut">
+            <a:fld id="{5FEDB27C-8E75-41F7-9D2F-CB7E38CCB4D8}" type="datetimeFigureOut">
               <a:rPr lang="es-PE"/>
               <a:pPr>
                 <a:defRPr/>
@@ -9485,7 +9620,7 @@
             <a:pPr>
               <a:defRPr/>
             </a:pPr>
-            <a:fld id="{C947E7A5-327B-4C27-A99C-5072C0292D31}" type="slidenum">
+            <a:fld id="{FB8B4579-D328-46DA-8D83-899F3C73BCCA}" type="slidenum">
               <a:rPr lang="es-PE"/>
               <a:pPr>
                 <a:defRPr/>
@@ -11442,7 +11577,7 @@
             <a:pPr>
               <a:defRPr/>
             </a:pPr>
-            <a:fld id="{4DF7F52F-9FB9-4025-ABF0-6D44C8DE239D}" type="datetimeFigureOut">
+            <a:fld id="{B7E0D4D9-C82B-40C0-B60A-B6D45C682101}" type="datetimeFigureOut">
               <a:rPr lang="es-PE"/>
               <a:pPr>
                 <a:defRPr/>
@@ -11501,7 +11636,7 @@
             <a:pPr>
               <a:defRPr/>
             </a:pPr>
-            <a:fld id="{2A778C50-A47C-4F0D-BC46-21C5D4765050}" type="slidenum">
+            <a:fld id="{36D0E02D-6C1B-4E04-BADD-FCFF6E0B92DC}" type="slidenum">
               <a:rPr lang="es-PE"/>
               <a:pPr>
                 <a:defRPr/>
@@ -13429,7 +13564,7 @@
             <a:pPr>
               <a:defRPr/>
             </a:pPr>
-            <a:fld id="{48FA6A06-7A39-410F-ACD2-0D38C4ED3EFC}" type="datetimeFigureOut">
+            <a:fld id="{549A34BA-A2B3-4B78-BE7D-C5257C2D0293}" type="datetimeFigureOut">
               <a:rPr lang="es-PE"/>
               <a:pPr>
                 <a:defRPr/>
@@ -13488,7 +13623,7 @@
             <a:pPr>
               <a:defRPr/>
             </a:pPr>
-            <a:fld id="{41797E0C-720C-48C5-A204-2BDD334504FD}" type="slidenum">
+            <a:fld id="{1FBA0DFE-2A38-403B-8CEB-91C745A63433}" type="slidenum">
               <a:rPr lang="es-PE"/>
               <a:pPr>
                 <a:defRPr/>
@@ -15265,7 +15400,7 @@
               <a:spcAft>
                 <a:spcPts val="0"/>
               </a:spcAft>
-              <a:defRPr sz="1000" smtClean="0">
+              <a:defRPr sz="1000">
                 <a:solidFill>
                   <a:schemeClr val="tx2"/>
                 </a:solidFill>
@@ -15277,7 +15412,7 @@
             <a:pPr>
               <a:defRPr/>
             </a:pPr>
-            <a:fld id="{73BA6C52-3140-4DD2-9528-622ABF5C3717}" type="datetimeFigureOut">
+            <a:fld id="{9A001ACD-5FC0-4482-ACD1-5D49ED8BE54C}" type="datetimeFigureOut">
               <a:rPr lang="es-PE"/>
               <a:pPr>
                 <a:defRPr/>
@@ -15362,7 +15497,7 @@
               <a:spcAft>
                 <a:spcPts val="0"/>
               </a:spcAft>
-              <a:defRPr sz="1000" smtClean="0">
+              <a:defRPr sz="1000">
                 <a:solidFill>
                   <a:schemeClr val="tx2"/>
                 </a:solidFill>
@@ -15374,7 +15509,7 @@
             <a:pPr>
               <a:defRPr/>
             </a:pPr>
-            <a:fld id="{F377DE19-4DB6-415C-9104-201CFED9DE49}" type="slidenum">
+            <a:fld id="{3612D359-9FA2-4D39-89CF-B417B675EE57}" type="slidenum">
               <a:rPr lang="es-PE"/>
               <a:pPr>
                 <a:defRPr/>
@@ -15460,21 +15595,22 @@
   </p:cSld>
   <p:clrMap bg1="lt1" tx1="dk1" bg2="lt2" tx2="dk2" accent1="accent1" accent2="accent2" accent3="accent3" accent4="accent4" accent5="accent5" accent6="accent6" hlink="hlink" folHlink="folHlink"/>
   <p:sldLayoutIdLst>
-    <p:sldLayoutId id="2147483672" r:id="rId1"/>
+    <p:sldLayoutId id="2147483673" r:id="rId1"/>
     <p:sldLayoutId id="2147483671" r:id="rId2"/>
-    <p:sldLayoutId id="2147483673" r:id="rId3"/>
+    <p:sldLayoutId id="2147483674" r:id="rId3"/>
     <p:sldLayoutId id="2147483670" r:id="rId4"/>
     <p:sldLayoutId id="2147483669" r:id="rId5"/>
     <p:sldLayoutId id="2147483668" r:id="rId6"/>
-    <p:sldLayoutId id="2147483674" r:id="rId7"/>
-    <p:sldLayoutId id="2147483675" r:id="rId8"/>
-    <p:sldLayoutId id="2147483676" r:id="rId9"/>
+    <p:sldLayoutId id="2147483675" r:id="rId7"/>
+    <p:sldLayoutId id="2147483676" r:id="rId8"/>
+    <p:sldLayoutId id="2147483677" r:id="rId9"/>
     <p:sldLayoutId id="2147483667" r:id="rId10"/>
-    <p:sldLayoutId id="2147483677" r:id="rId11"/>
+    <p:sldLayoutId id="2147483678" r:id="rId11"/>
+    <p:sldLayoutId id="2147483672" r:id="rId12"/>
   </p:sldLayoutIdLst>
   <p:txStyles>
     <p:titleStyle>
-      <a:lvl1pPr algn="ctr" rtl="0" fontAlgn="base">
+      <a:lvl1pPr algn="ctr" rtl="0" eaLnBrk="0" fontAlgn="base" hangingPunct="0">
         <a:spcBef>
           <a:spcPct val="0"/>
         </a:spcBef>
@@ -15490,7 +15626,7 @@
           <a:cs typeface="+mj-cs"/>
         </a:defRPr>
       </a:lvl1pPr>
-      <a:lvl2pPr algn="ctr" rtl="0" fontAlgn="base">
+      <a:lvl2pPr algn="ctr" rtl="0" eaLnBrk="0" fontAlgn="base" hangingPunct="0">
         <a:spcBef>
           <a:spcPct val="0"/>
         </a:spcBef>
@@ -15504,7 +15640,7 @@
           <a:latin typeface="Candara" pitchFamily="34" charset="0"/>
         </a:defRPr>
       </a:lvl2pPr>
-      <a:lvl3pPr algn="ctr" rtl="0" fontAlgn="base">
+      <a:lvl3pPr algn="ctr" rtl="0" eaLnBrk="0" fontAlgn="base" hangingPunct="0">
         <a:spcBef>
           <a:spcPct val="0"/>
         </a:spcBef>
@@ -15518,7 +15654,7 @@
           <a:latin typeface="Candara" pitchFamily="34" charset="0"/>
         </a:defRPr>
       </a:lvl3pPr>
-      <a:lvl4pPr algn="ctr" rtl="0" fontAlgn="base">
+      <a:lvl4pPr algn="ctr" rtl="0" eaLnBrk="0" fontAlgn="base" hangingPunct="0">
         <a:spcBef>
           <a:spcPct val="0"/>
         </a:spcBef>
@@ -15532,7 +15668,7 @@
           <a:latin typeface="Candara" pitchFamily="34" charset="0"/>
         </a:defRPr>
       </a:lvl4pPr>
-      <a:lvl5pPr algn="ctr" rtl="0" fontAlgn="base">
+      <a:lvl5pPr algn="ctr" rtl="0" eaLnBrk="0" fontAlgn="base" hangingPunct="0">
         <a:spcBef>
           <a:spcPct val="0"/>
         </a:spcBef>
@@ -15576,7 +15712,7 @@
       </a:lvl9pPr>
     </p:titleStyle>
     <p:bodyStyle>
-      <a:lvl1pPr marL="273050" indent="-273050" algn="l" rtl="0" fontAlgn="base">
+      <a:lvl1pPr marL="273050" indent="-273050" algn="l" rtl="0" eaLnBrk="0" fontAlgn="base" hangingPunct="0">
         <a:spcBef>
           <a:spcPct val="20000"/>
         </a:spcBef>
@@ -15598,7 +15734,7 @@
           <a:cs typeface="+mn-cs"/>
         </a:defRPr>
       </a:lvl1pPr>
-      <a:lvl2pPr marL="576263" indent="-273050" algn="l" rtl="0" fontAlgn="base">
+      <a:lvl2pPr marL="576263" indent="-273050" algn="l" rtl="0" eaLnBrk="0" fontAlgn="base" hangingPunct="0">
         <a:spcBef>
           <a:spcPct val="20000"/>
         </a:spcBef>
@@ -15620,7 +15756,7 @@
           <a:cs typeface="+mn-cs"/>
         </a:defRPr>
       </a:lvl2pPr>
-      <a:lvl3pPr marL="855663" indent="-228600" algn="l" rtl="0" fontAlgn="base">
+      <a:lvl3pPr marL="855663" indent="-228600" algn="l" rtl="0" eaLnBrk="0" fontAlgn="base" hangingPunct="0">
         <a:spcBef>
           <a:spcPct val="20000"/>
         </a:spcBef>
@@ -15642,7 +15778,7 @@
           <a:cs typeface="+mn-cs"/>
         </a:defRPr>
       </a:lvl3pPr>
-      <a:lvl4pPr marL="1143000" indent="-228600" algn="l" rtl="0" fontAlgn="base">
+      <a:lvl4pPr marL="1143000" indent="-228600" algn="l" rtl="0" eaLnBrk="0" fontAlgn="base" hangingPunct="0">
         <a:spcBef>
           <a:spcPct val="20000"/>
         </a:spcBef>
@@ -15664,7 +15800,7 @@
           <a:cs typeface="+mn-cs"/>
         </a:defRPr>
       </a:lvl4pPr>
-      <a:lvl5pPr marL="1462088" indent="-228600" algn="l" rtl="0" fontAlgn="base">
+      <a:lvl5pPr marL="1462088" indent="-228600" algn="l" rtl="0" eaLnBrk="0" fontAlgn="base" hangingPunct="0">
         <a:spcBef>
           <a:spcPct val="20000"/>
         </a:spcBef>
@@ -15895,6 +16031,7 @@
           <a:bodyPr/>
           <a:lstStyle/>
           <a:p>
+            <a:pPr eaLnBrk="1" hangingPunct="1"/>
             <a:r>
               <a:rPr lang="es-PE" smtClean="0"/>
               <a:t>CONTRATOS DE CLIENTES</a:t>
@@ -15923,6 +16060,7 @@
           <a:bodyPr/>
           <a:lstStyle/>
           <a:p>
+            <a:pPr eaLnBrk="1" hangingPunct="1"/>
             <a:r>
               <a:rPr lang="es-PE" sz="2800" smtClean="0"/>
               <a:t>MODELADO DEL NEGOCIO</a:t>
@@ -16017,7 +16155,7 @@
       </p:sp>
       <p:sp>
         <p:nvSpPr>
-          <p:cNvPr id="14341" name="Text Box 5"/>
+          <p:cNvPr id="14340" name="Text Box 5"/>
           <p:cNvSpPr txBox="1">
             <a:spLocks noChangeArrowheads="1"/>
           </p:cNvSpPr>
@@ -16038,7 +16176,6 @@
             <a:headEnd/>
             <a:tailEnd/>
           </a:ln>
-          <a:effectLst/>
         </p:spPr>
         <p:txBody>
           <a:bodyPr>
@@ -16112,6 +16249,90 @@
             <p:ph type="title"/>
           </p:nvPr>
         </p:nvSpPr>
+        <p:spPr>
+          <a:xfrm>
+            <a:off x="611188" y="2852738"/>
+            <a:ext cx="8229600" cy="1252537"/>
+          </a:xfrm>
+        </p:spPr>
+        <p:txBody>
+          <a:bodyPr rtlCol="0">
+            <a:normAutofit fontScale="90000"/>
+          </a:bodyPr>
+          <a:lstStyle/>
+          <a:p>
+            <a:pPr eaLnBrk="1" fontAlgn="auto" hangingPunct="1">
+              <a:spcAft>
+                <a:spcPts val="0"/>
+              </a:spcAft>
+              <a:defRPr/>
+            </a:pPr>
+            <a:r>
+              <a:rPr lang="es-PE" b="1" dirty="0" smtClean="0">
+                <a:solidFill>
+                  <a:srgbClr val="C00000"/>
+                </a:solidFill>
+              </a:rPr>
+              <a:t>REGLAS DEL NEGOCIO</a:t>
+            </a:r>
+            <a:br>
+              <a:rPr lang="es-PE" b="1" dirty="0" smtClean="0">
+                <a:solidFill>
+                  <a:srgbClr val="C00000"/>
+                </a:solidFill>
+              </a:rPr>
+            </a:br>
+            <a:r>
+              <a:rPr lang="es-PE" b="1" dirty="0" smtClean="0">
+                <a:solidFill>
+                  <a:srgbClr val="C00000"/>
+                </a:solidFill>
+              </a:rPr>
+              <a:t>(Contratos de Clientes)</a:t>
+            </a:r>
+            <a:endParaRPr lang="es-PE" b="1" dirty="0">
+              <a:solidFill>
+                <a:srgbClr val="C00000"/>
+              </a:solidFill>
+            </a:endParaRPr>
+          </a:p>
+        </p:txBody>
+      </p:sp>
+    </p:spTree>
+  </p:cSld>
+  <p:clrMapOvr>
+    <a:masterClrMapping/>
+  </p:clrMapOvr>
+</p:sld>
+</file>
+
+<file path=ppt/slides/slide11.xml><?xml version="1.0" encoding="utf-8"?>
+<p:sld xmlns:a="http://schemas.openxmlformats.org/drawingml/2006/main" xmlns:r="http://schemas.openxmlformats.org/officeDocument/2006/relationships" xmlns:p="http://schemas.openxmlformats.org/presentationml/2006/main">
+  <p:cSld>
+    <p:spTree>
+      <p:nvGrpSpPr>
+        <p:cNvPr id="1" name=""/>
+        <p:cNvGrpSpPr/>
+        <p:nvPr/>
+      </p:nvGrpSpPr>
+      <p:grpSpPr>
+        <a:xfrm>
+          <a:off x="0" y="0"/>
+          <a:ext cx="0" cy="0"/>
+          <a:chOff x="0" y="0"/>
+          <a:chExt cx="0" cy="0"/>
+        </a:xfrm>
+      </p:grpSpPr>
+      <p:sp>
+        <p:nvSpPr>
+          <p:cNvPr id="3" name="2 Título"/>
+          <p:cNvSpPr>
+            <a:spLocks noGrp="1"/>
+          </p:cNvSpPr>
+          <p:nvPr>
+            <p:ph type="title"/>
+          </p:nvPr>
+        </p:nvSpPr>
         <p:spPr/>
         <p:txBody>
           <a:bodyPr rtlCol="0">
@@ -16119,7 +16340,578 @@
           </a:bodyPr>
           <a:lstStyle/>
           <a:p>
-            <a:pPr fontAlgn="auto">
+            <a:pPr eaLnBrk="1" fontAlgn="auto" hangingPunct="1">
+              <a:spcAft>
+                <a:spcPts val="0"/>
+              </a:spcAft>
+              <a:defRPr/>
+            </a:pPr>
+            <a:r>
+              <a:rPr lang="es-PE" dirty="0"/>
+              <a:t>ESPECIFICACION DE REGLAS DE </a:t>
+            </a:r>
+            <a:r>
+              <a:rPr lang="es-PE" dirty="0" smtClean="0"/>
+              <a:t>NEGOCIO (Contratos de Clientes)</a:t>
+            </a:r>
+            <a:endParaRPr lang="es-PE" dirty="0"/>
+          </a:p>
+        </p:txBody>
+      </p:sp>
+      <p:graphicFrame>
+        <p:nvGraphicFramePr>
+          <p:cNvPr id="6" name="5 Tabla"/>
+          <p:cNvGraphicFramePr>
+            <a:graphicFrameLocks noGrp="1"/>
+          </p:cNvGraphicFramePr>
+          <p:nvPr/>
+        </p:nvGraphicFramePr>
+        <p:xfrm>
+          <a:off x="323850" y="2349500"/>
+          <a:ext cx="8496300" cy="4248150"/>
+        </p:xfrm>
+        <a:graphic>
+          <a:graphicData uri="http://schemas.openxmlformats.org/drawingml/2006/table">
+            <a:tbl>
+              <a:tblPr firstRow="1" bandRow="1">
+                <a:tableStyleId>{BC89EF96-8CEA-46FF-86C4-4CE0E7609802}</a:tableStyleId>
+              </a:tblPr>
+              <a:tblGrid>
+                <a:gridCol w="2448272"/>
+                <a:gridCol w="6048672"/>
+              </a:tblGrid>
+              <a:tr h="1152128">
+                <a:tc>
+                  <a:txBody>
+                    <a:bodyPr/>
+                    <a:lstStyle/>
+                    <a:p>
+                      <a:endParaRPr lang="es-ES" dirty="0"/>
+                    </a:p>
+                  </a:txBody>
+                  <a:tcPr/>
+                </a:tc>
+                <a:tc>
+                  <a:txBody>
+                    <a:bodyPr/>
+                    <a:lstStyle/>
+                    <a:p>
+                      <a:pPr marL="0" marR="0" indent="0" algn="just" defTabSz="914400" rtl="0" eaLnBrk="1" fontAlgn="auto" latinLnBrk="0" hangingPunct="1">
+                        <a:lnSpc>
+                          <a:spcPct val="100000"/>
+                        </a:lnSpc>
+                        <a:spcBef>
+                          <a:spcPts val="0"/>
+                        </a:spcBef>
+                        <a:spcAft>
+                          <a:spcPts val="0"/>
+                        </a:spcAft>
+                        <a:buClrTx/>
+                        <a:buSzTx/>
+                        <a:buFontTx/>
+                        <a:buNone/>
+                        <a:tabLst/>
+                        <a:defRPr/>
+                      </a:pPr>
+                      <a:r>
+                        <a:rPr lang="es-PE" sz="1800" b="0" kern="1200" dirty="0" smtClean="0">
+                          <a:solidFill>
+                            <a:schemeClr val="tx1"/>
+                          </a:solidFill>
+                          <a:latin typeface="+mn-lt"/>
+                          <a:ea typeface="+mn-ea"/>
+                          <a:cs typeface="+mn-cs"/>
+                        </a:rPr>
+                        <a:t>Se definen los siguientes Tipos de Clientes: </a:t>
+                      </a:r>
+                    </a:p>
+                    <a:p>
+                      <a:pPr marL="0" marR="0" indent="0" algn="just" defTabSz="914400" rtl="0" eaLnBrk="1" fontAlgn="auto" latinLnBrk="0" hangingPunct="1">
+                        <a:lnSpc>
+                          <a:spcPct val="100000"/>
+                        </a:lnSpc>
+                        <a:spcBef>
+                          <a:spcPts val="0"/>
+                        </a:spcBef>
+                        <a:spcAft>
+                          <a:spcPts val="0"/>
+                        </a:spcAft>
+                        <a:buClrTx/>
+                        <a:buSzTx/>
+                        <a:buFontTx/>
+                        <a:buNone/>
+                        <a:tabLst/>
+                        <a:defRPr/>
+                      </a:pPr>
+                      <a:r>
+                        <a:rPr lang="es-PE" sz="1800" b="0" kern="1200" dirty="0" smtClean="0">
+                          <a:solidFill>
+                            <a:schemeClr val="tx1"/>
+                          </a:solidFill>
+                          <a:latin typeface="+mn-lt"/>
+                          <a:ea typeface="+mn-ea"/>
+                          <a:cs typeface="+mn-cs"/>
+                        </a:rPr>
+                        <a:t>potenciales, prospectos, primerizos, esporádicos, habituales, leales, desgastados e inactivos/desertores.</a:t>
+                      </a:r>
+                      <a:endParaRPr lang="es-ES" sz="1800" b="0" kern="1200" dirty="0" smtClean="0">
+                        <a:solidFill>
+                          <a:schemeClr val="tx1"/>
+                        </a:solidFill>
+                        <a:latin typeface="+mn-lt"/>
+                        <a:ea typeface="+mn-ea"/>
+                        <a:cs typeface="+mn-cs"/>
+                      </a:endParaRPr>
+                    </a:p>
+                    <a:p>
+                      <a:endParaRPr lang="es-ES" dirty="0"/>
+                    </a:p>
+                  </a:txBody>
+                  <a:tcPr/>
+                </a:tc>
+              </a:tr>
+              <a:tr h="1494205">
+                <a:tc>
+                  <a:txBody>
+                    <a:bodyPr/>
+                    <a:lstStyle/>
+                    <a:p>
+                      <a:endParaRPr lang="es-ES" dirty="0"/>
+                    </a:p>
+                  </a:txBody>
+                  <a:tcPr/>
+                </a:tc>
+                <a:tc>
+                  <a:txBody>
+                    <a:bodyPr/>
+                    <a:lstStyle/>
+                    <a:p>
+                      <a:pPr marL="0" marR="0" indent="0" algn="l" defTabSz="914400" rtl="0" eaLnBrk="1" fontAlgn="auto" latinLnBrk="0" hangingPunct="1">
+                        <a:lnSpc>
+                          <a:spcPct val="100000"/>
+                        </a:lnSpc>
+                        <a:spcBef>
+                          <a:spcPts val="0"/>
+                        </a:spcBef>
+                        <a:spcAft>
+                          <a:spcPts val="0"/>
+                        </a:spcAft>
+                        <a:buClrTx/>
+                        <a:buSzTx/>
+                        <a:buFontTx/>
+                        <a:buNone/>
+                        <a:tabLst/>
+                        <a:defRPr/>
+                      </a:pPr>
+                      <a:r>
+                        <a:rPr lang="es-PE" sz="1800" i="1" kern="1200" dirty="0" smtClean="0">
+                          <a:solidFill>
+                            <a:schemeClr val="tx1"/>
+                          </a:solidFill>
+                          <a:latin typeface="+mn-lt"/>
+                          <a:ea typeface="+mn-ea"/>
+                          <a:cs typeface="+mn-cs"/>
+                        </a:rPr>
+                        <a:t>Se definen las siguientes líneas para los Tipos de Servicio:  </a:t>
+                      </a:r>
+                      <a:r>
+                        <a:rPr lang="es-PE" sz="1800" i="1" kern="1200" dirty="0" err="1" smtClean="0">
+                          <a:solidFill>
+                            <a:schemeClr val="tx1"/>
+                          </a:solidFill>
+                          <a:latin typeface="+mn-lt"/>
+                          <a:ea typeface="+mn-ea"/>
+                          <a:cs typeface="+mn-cs"/>
+                        </a:rPr>
+                        <a:t>Outsourcing</a:t>
+                      </a:r>
+                      <a:r>
+                        <a:rPr lang="es-PE" sz="1800" i="1" kern="1200" dirty="0" smtClean="0">
+                          <a:solidFill>
+                            <a:schemeClr val="tx1"/>
+                          </a:solidFill>
+                          <a:latin typeface="+mn-lt"/>
+                          <a:ea typeface="+mn-ea"/>
+                          <a:cs typeface="+mn-cs"/>
+                        </a:rPr>
+                        <a:t> de Tecnología, Software </a:t>
+                      </a:r>
+                      <a:r>
+                        <a:rPr lang="es-PE" sz="1800" i="1" kern="1200" dirty="0" err="1" smtClean="0">
+                          <a:solidFill>
+                            <a:schemeClr val="tx1"/>
+                          </a:solidFill>
+                          <a:latin typeface="+mn-lt"/>
+                          <a:ea typeface="+mn-ea"/>
+                          <a:cs typeface="+mn-cs"/>
+                        </a:rPr>
+                        <a:t>factory</a:t>
+                      </a:r>
+                      <a:r>
+                        <a:rPr lang="es-PE" sz="1800" i="1" kern="1200" dirty="0" smtClean="0">
+                          <a:solidFill>
+                            <a:schemeClr val="tx1"/>
+                          </a:solidFill>
+                          <a:latin typeface="+mn-lt"/>
+                          <a:ea typeface="+mn-ea"/>
+                          <a:cs typeface="+mn-cs"/>
+                        </a:rPr>
+                        <a:t>, </a:t>
+                      </a:r>
+                      <a:r>
+                        <a:rPr lang="es-PE" sz="1800" i="1" kern="1200" dirty="0" err="1" smtClean="0">
+                          <a:solidFill>
+                            <a:schemeClr val="tx1"/>
+                          </a:solidFill>
+                          <a:latin typeface="+mn-lt"/>
+                          <a:ea typeface="+mn-ea"/>
+                          <a:cs typeface="+mn-cs"/>
+                        </a:rPr>
+                        <a:t>Outsourcing</a:t>
+                      </a:r>
+                      <a:r>
+                        <a:rPr lang="es-PE" sz="1800" i="1" kern="1200" dirty="0" smtClean="0">
+                          <a:solidFill>
+                            <a:schemeClr val="tx1"/>
+                          </a:solidFill>
+                          <a:latin typeface="+mn-lt"/>
+                          <a:ea typeface="+mn-ea"/>
+                          <a:cs typeface="+mn-cs"/>
+                        </a:rPr>
+                        <a:t> de procesos, </a:t>
+                      </a:r>
+                      <a:r>
+                        <a:rPr lang="es-PE" sz="1800" i="1" kern="1200" dirty="0" err="1" smtClean="0">
+                          <a:solidFill>
+                            <a:schemeClr val="tx1"/>
+                          </a:solidFill>
+                          <a:latin typeface="+mn-lt"/>
+                          <a:ea typeface="+mn-ea"/>
+                          <a:cs typeface="+mn-cs"/>
+                        </a:rPr>
+                        <a:t>Outsourcing</a:t>
+                      </a:r>
+                      <a:r>
+                        <a:rPr lang="es-PE" sz="1800" i="1" kern="1200" dirty="0" smtClean="0">
+                          <a:solidFill>
+                            <a:schemeClr val="tx1"/>
+                          </a:solidFill>
+                          <a:latin typeface="+mn-lt"/>
+                          <a:ea typeface="+mn-ea"/>
+                          <a:cs typeface="+mn-cs"/>
+                        </a:rPr>
+                        <a:t> de servicios de aplicación y Servicios de tecnología</a:t>
+                      </a:r>
+                      <a:endParaRPr lang="es-ES" sz="1800" i="1" kern="1200" dirty="0" smtClean="0">
+                        <a:solidFill>
+                          <a:schemeClr val="tx1"/>
+                        </a:solidFill>
+                        <a:latin typeface="+mn-lt"/>
+                        <a:ea typeface="+mn-ea"/>
+                        <a:cs typeface="+mn-cs"/>
+                      </a:endParaRPr>
+                    </a:p>
+                  </a:txBody>
+                  <a:tcPr/>
+                </a:tc>
+              </a:tr>
+              <a:tr h="1565547">
+                <a:tc>
+                  <a:txBody>
+                    <a:bodyPr/>
+                    <a:lstStyle/>
+                    <a:p>
+                      <a:endParaRPr lang="es-ES" dirty="0"/>
+                    </a:p>
+                  </a:txBody>
+                  <a:tcPr/>
+                </a:tc>
+                <a:tc>
+                  <a:txBody>
+                    <a:bodyPr/>
+                    <a:lstStyle/>
+                    <a:p>
+                      <a:pPr marL="0" marR="0" indent="0" algn="l" defTabSz="914400" rtl="0" eaLnBrk="1" fontAlgn="auto" latinLnBrk="0" hangingPunct="1">
+                        <a:lnSpc>
+                          <a:spcPct val="100000"/>
+                        </a:lnSpc>
+                        <a:spcBef>
+                          <a:spcPts val="0"/>
+                        </a:spcBef>
+                        <a:spcAft>
+                          <a:spcPts val="0"/>
+                        </a:spcAft>
+                        <a:buClrTx/>
+                        <a:buSzTx/>
+                        <a:buFontTx/>
+                        <a:buNone/>
+                        <a:tabLst/>
+                        <a:defRPr/>
+                      </a:pPr>
+                      <a:r>
+                        <a:rPr lang="es-PE" sz="1800" i="1" kern="1200" dirty="0" smtClean="0">
+                          <a:solidFill>
+                            <a:schemeClr val="tx1"/>
+                          </a:solidFill>
+                          <a:latin typeface="+mn-lt"/>
+                          <a:ea typeface="+mn-ea"/>
+                          <a:cs typeface="+mn-cs"/>
+                        </a:rPr>
+                        <a:t>Se definen las siguientes Categorías de Tipos de Cliente: </a:t>
+                      </a:r>
+                    </a:p>
+                    <a:p>
+                      <a:pPr marL="0" marR="0" indent="0" algn="l" defTabSz="914400" rtl="0" eaLnBrk="1" fontAlgn="auto" latinLnBrk="0" hangingPunct="1">
+                        <a:lnSpc>
+                          <a:spcPct val="100000"/>
+                        </a:lnSpc>
+                        <a:spcBef>
+                          <a:spcPts val="0"/>
+                        </a:spcBef>
+                        <a:spcAft>
+                          <a:spcPts val="0"/>
+                        </a:spcAft>
+                        <a:buClrTx/>
+                        <a:buSzTx/>
+                        <a:buFontTx/>
+                        <a:buNone/>
+                        <a:tabLst/>
+                        <a:defRPr/>
+                      </a:pPr>
+                      <a:r>
+                        <a:rPr lang="es-PE" sz="1800" i="1" kern="1200" dirty="0" smtClean="0">
+                          <a:solidFill>
+                            <a:schemeClr val="tx1"/>
+                          </a:solidFill>
+                          <a:latin typeface="+mn-lt"/>
+                          <a:ea typeface="+mn-ea"/>
+                          <a:cs typeface="+mn-cs"/>
+                        </a:rPr>
+                        <a:t>1= Industria y Comercio, </a:t>
+                      </a:r>
+                    </a:p>
+                    <a:p>
+                      <a:pPr marL="0" marR="0" indent="0" algn="l" defTabSz="914400" rtl="0" eaLnBrk="1" fontAlgn="auto" latinLnBrk="0" hangingPunct="1">
+                        <a:lnSpc>
+                          <a:spcPct val="100000"/>
+                        </a:lnSpc>
+                        <a:spcBef>
+                          <a:spcPts val="0"/>
+                        </a:spcBef>
+                        <a:spcAft>
+                          <a:spcPts val="0"/>
+                        </a:spcAft>
+                        <a:buClrTx/>
+                        <a:buSzTx/>
+                        <a:buFontTx/>
+                        <a:buNone/>
+                        <a:tabLst/>
+                        <a:defRPr/>
+                      </a:pPr>
+                      <a:r>
+                        <a:rPr lang="es-PE" sz="1800" i="1" kern="1200" dirty="0" smtClean="0">
+                          <a:solidFill>
+                            <a:schemeClr val="tx1"/>
+                          </a:solidFill>
+                          <a:latin typeface="+mn-lt"/>
+                          <a:ea typeface="+mn-ea"/>
+                          <a:cs typeface="+mn-cs"/>
+                        </a:rPr>
+                        <a:t>2= Banca y Finanzas y </a:t>
+                      </a:r>
+                    </a:p>
+                    <a:p>
+                      <a:pPr marL="0" marR="0" indent="0" algn="l" defTabSz="914400" rtl="0" eaLnBrk="1" fontAlgn="auto" latinLnBrk="0" hangingPunct="1">
+                        <a:lnSpc>
+                          <a:spcPct val="100000"/>
+                        </a:lnSpc>
+                        <a:spcBef>
+                          <a:spcPts val="0"/>
+                        </a:spcBef>
+                        <a:spcAft>
+                          <a:spcPts val="0"/>
+                        </a:spcAft>
+                        <a:buClrTx/>
+                        <a:buSzTx/>
+                        <a:buFontTx/>
+                        <a:buNone/>
+                        <a:tabLst/>
+                        <a:defRPr/>
+                      </a:pPr>
+                      <a:r>
+                        <a:rPr lang="es-PE" sz="1800" i="1" kern="1200" dirty="0" smtClean="0">
+                          <a:solidFill>
+                            <a:schemeClr val="tx1"/>
+                          </a:solidFill>
+                          <a:latin typeface="+mn-lt"/>
+                          <a:ea typeface="+mn-ea"/>
+                          <a:cs typeface="+mn-cs"/>
+                        </a:rPr>
+                        <a:t>3=  Gobierno y Servicios públicos</a:t>
+                      </a:r>
+                      <a:endParaRPr lang="es-ES" sz="1800" i="1" kern="1200" dirty="0" smtClean="0">
+                        <a:solidFill>
+                          <a:schemeClr val="tx1"/>
+                        </a:solidFill>
+                        <a:latin typeface="+mn-lt"/>
+                        <a:ea typeface="+mn-ea"/>
+                        <a:cs typeface="+mn-cs"/>
+                      </a:endParaRPr>
+                    </a:p>
+                  </a:txBody>
+                  <a:tcPr/>
+                </a:tc>
+              </a:tr>
+            </a:tbl>
+          </a:graphicData>
+        </a:graphic>
+      </p:graphicFrame>
+      <p:pic>
+        <p:nvPicPr>
+          <p:cNvPr id="22544" name="Picture 3"/>
+          <p:cNvPicPr>
+            <a:picLocks noChangeAspect="1" noChangeArrowheads="1"/>
+          </p:cNvPicPr>
+          <p:nvPr/>
+        </p:nvPicPr>
+        <p:blipFill>
+          <a:blip r:embed="rId3"/>
+          <a:srcRect/>
+          <a:stretch>
+            <a:fillRect/>
+          </a:stretch>
+        </p:blipFill>
+        <p:spPr bwMode="auto">
+          <a:xfrm>
+            <a:off x="395288" y="2420938"/>
+            <a:ext cx="2368550" cy="1201737"/>
+          </a:xfrm>
+          <a:prstGeom prst="rect">
+            <a:avLst/>
+          </a:prstGeom>
+          <a:noFill/>
+          <a:ln w="9525">
+            <a:noFill/>
+            <a:miter lim="800000"/>
+            <a:headEnd/>
+            <a:tailEnd/>
+          </a:ln>
+        </p:spPr>
+      </p:pic>
+      <p:pic>
+        <p:nvPicPr>
+          <p:cNvPr id="22545" name="Picture 4"/>
+          <p:cNvPicPr>
+            <a:picLocks noChangeAspect="1" noChangeArrowheads="1"/>
+          </p:cNvPicPr>
+          <p:nvPr/>
+        </p:nvPicPr>
+        <p:blipFill>
+          <a:blip r:embed="rId4"/>
+          <a:srcRect/>
+          <a:stretch>
+            <a:fillRect/>
+          </a:stretch>
+        </p:blipFill>
+        <p:spPr bwMode="auto">
+          <a:xfrm>
+            <a:off x="395288" y="3789363"/>
+            <a:ext cx="2373312" cy="1201737"/>
+          </a:xfrm>
+          <a:prstGeom prst="rect">
+            <a:avLst/>
+          </a:prstGeom>
+          <a:noFill/>
+          <a:ln w="9525">
+            <a:noFill/>
+            <a:miter lim="800000"/>
+            <a:headEnd/>
+            <a:tailEnd/>
+          </a:ln>
+        </p:spPr>
+      </p:pic>
+      <p:pic>
+        <p:nvPicPr>
+          <p:cNvPr id="22546" name="Picture 5"/>
+          <p:cNvPicPr>
+            <a:picLocks noChangeAspect="1" noChangeArrowheads="1"/>
+          </p:cNvPicPr>
+          <p:nvPr/>
+        </p:nvPicPr>
+        <p:blipFill>
+          <a:blip r:embed="rId5"/>
+          <a:srcRect/>
+          <a:stretch>
+            <a:fillRect/>
+          </a:stretch>
+        </p:blipFill>
+        <p:spPr bwMode="auto">
+          <a:xfrm>
+            <a:off x="395288" y="5300663"/>
+            <a:ext cx="2524125" cy="1201737"/>
+          </a:xfrm>
+          <a:prstGeom prst="rect">
+            <a:avLst/>
+          </a:prstGeom>
+          <a:noFill/>
+          <a:ln w="9525">
+            <a:noFill/>
+            <a:miter lim="800000"/>
+            <a:headEnd/>
+            <a:tailEnd/>
+          </a:ln>
+        </p:spPr>
+      </p:pic>
+    </p:spTree>
+  </p:cSld>
+  <p:clrMapOvr>
+    <a:masterClrMapping/>
+  </p:clrMapOvr>
+  <p:timing>
+    <p:tnLst>
+      <p:par>
+        <p:cTn id="1" dur="indefinite" restart="never" nodeType="tmRoot"/>
+      </p:par>
+    </p:tnLst>
+  </p:timing>
+</p:sld>
+</file>
+
+<file path=ppt/slides/slide12.xml><?xml version="1.0" encoding="utf-8"?>
+<p:sld xmlns:a="http://schemas.openxmlformats.org/drawingml/2006/main" xmlns:r="http://schemas.openxmlformats.org/officeDocument/2006/relationships" xmlns:p="http://schemas.openxmlformats.org/presentationml/2006/main">
+  <p:cSld>
+    <p:spTree>
+      <p:nvGrpSpPr>
+        <p:cNvPr id="1" name=""/>
+        <p:cNvGrpSpPr/>
+        <p:nvPr/>
+      </p:nvGrpSpPr>
+      <p:grpSpPr>
+        <a:xfrm>
+          <a:off x="0" y="0"/>
+          <a:ext cx="0" cy="0"/>
+          <a:chOff x="0" y="0"/>
+          <a:chExt cx="0" cy="0"/>
+        </a:xfrm>
+      </p:grpSpPr>
+      <p:sp>
+        <p:nvSpPr>
+          <p:cNvPr id="3" name="2 Título"/>
+          <p:cNvSpPr>
+            <a:spLocks noGrp="1"/>
+          </p:cNvSpPr>
+          <p:nvPr>
+            <p:ph type="title"/>
+          </p:nvPr>
+        </p:nvSpPr>
+        <p:spPr/>
+        <p:txBody>
+          <a:bodyPr rtlCol="0">
+            <a:normAutofit fontScale="90000"/>
+          </a:bodyPr>
+          <a:lstStyle/>
+          <a:p>
+            <a:pPr eaLnBrk="1" fontAlgn="auto" hangingPunct="1">
               <a:spcAft>
                 <a:spcPts val="0"/>
               </a:spcAft>
@@ -16739,7 +17531,7 @@
 </p:sld>
 </file>
 
-<file path=ppt/slides/slide11.xml><?xml version="1.0" encoding="utf-8"?>
+<file path=ppt/slides/slide13.xml><?xml version="1.0" encoding="utf-8"?>
 <p:sld xmlns:a="http://schemas.openxmlformats.org/drawingml/2006/main" xmlns:r="http://schemas.openxmlformats.org/officeDocument/2006/relationships" xmlns:p="http://schemas.openxmlformats.org/presentationml/2006/main">
   <p:cSld>
     <p:spTree>
@@ -16773,7 +17565,7 @@
           </a:bodyPr>
           <a:lstStyle/>
           <a:p>
-            <a:pPr fontAlgn="auto">
+            <a:pPr eaLnBrk="1" fontAlgn="auto" hangingPunct="1">
               <a:spcAft>
                 <a:spcPts val="0"/>
               </a:spcAft>
@@ -16954,7 +17746,7 @@
 </p:sld>
 </file>
 
-<file path=ppt/slides/slide12.xml><?xml version="1.0" encoding="utf-8"?>
+<file path=ppt/slides/slide14.xml><?xml version="1.0" encoding="utf-8"?>
 <p:sld xmlns:a="http://schemas.openxmlformats.org/drawingml/2006/main" xmlns:r="http://schemas.openxmlformats.org/officeDocument/2006/relationships" xmlns:p="http://schemas.openxmlformats.org/presentationml/2006/main">
   <p:cSld>
     <p:spTree>
@@ -16988,7 +17780,7 @@
           </a:bodyPr>
           <a:lstStyle/>
           <a:p>
-            <a:pPr fontAlgn="auto">
+            <a:pPr eaLnBrk="1" fontAlgn="auto" hangingPunct="1">
               <a:spcAft>
                 <a:spcPts val="0"/>
               </a:spcAft>
@@ -17169,7 +17961,7 @@
 </p:sld>
 </file>
 
-<file path=ppt/slides/slide13.xml><?xml version="1.0" encoding="utf-8"?>
+<file path=ppt/slides/slide15.xml><?xml version="1.0" encoding="utf-8"?>
 <p:sld xmlns:a="http://schemas.openxmlformats.org/drawingml/2006/main" xmlns:r="http://schemas.openxmlformats.org/officeDocument/2006/relationships" xmlns:p="http://schemas.openxmlformats.org/presentationml/2006/main">
   <p:cSld>
     <p:spTree>
@@ -17203,7 +17995,7 @@
           </a:bodyPr>
           <a:lstStyle/>
           <a:p>
-            <a:pPr fontAlgn="auto">
+            <a:pPr eaLnBrk="1" fontAlgn="auto" hangingPunct="1">
               <a:spcAft>
                 <a:spcPts val="0"/>
               </a:spcAft>
@@ -17239,7 +18031,7 @@
         </p:nvGraphicFramePr>
         <p:xfrm>
           <a:off x="323850" y="2349500"/>
-          <a:ext cx="8569325" cy="4175125"/>
+          <a:ext cx="8569325" cy="4176713"/>
         </p:xfrm>
         <a:graphic>
           <a:graphicData uri="http://schemas.openxmlformats.org/drawingml/2006/table">
@@ -17618,7 +18410,7 @@
 </p:sld>
 </file>
 
-<file path=ppt/slides/slide14.xml><?xml version="1.0" encoding="utf-8"?>
+<file path=ppt/slides/slide16.xml><?xml version="1.0" encoding="utf-8"?>
 <p:sld xmlns:a="http://schemas.openxmlformats.org/drawingml/2006/main" xmlns:r="http://schemas.openxmlformats.org/officeDocument/2006/relationships" xmlns:p="http://schemas.openxmlformats.org/presentationml/2006/main">
   <p:cSld>
     <p:spTree>
@@ -17652,7 +18444,7 @@
           </a:bodyPr>
           <a:lstStyle/>
           <a:p>
-            <a:pPr fontAlgn="auto">
+            <a:pPr eaLnBrk="1" fontAlgn="auto" hangingPunct="1">
               <a:spcAft>
                 <a:spcPts val="0"/>
               </a:spcAft>
@@ -17688,7 +18480,7 @@
         </p:nvGraphicFramePr>
         <p:xfrm>
           <a:off x="323850" y="2349500"/>
-          <a:ext cx="8569325" cy="3840163"/>
+          <a:ext cx="8569325" cy="3841750"/>
         </p:xfrm>
         <a:graphic>
           <a:graphicData uri="http://schemas.openxmlformats.org/drawingml/2006/table">
@@ -18049,7 +18841,7 @@
 </p:sld>
 </file>
 
-<file path=ppt/slides/slide15.xml><?xml version="1.0" encoding="utf-8"?>
+<file path=ppt/slides/slide17.xml><?xml version="1.0" encoding="utf-8"?>
 <p:sld xmlns:a="http://schemas.openxmlformats.org/drawingml/2006/main" xmlns:r="http://schemas.openxmlformats.org/officeDocument/2006/relationships" xmlns:p="http://schemas.openxmlformats.org/presentationml/2006/main">
   <p:cSld>
     <p:spTree>
@@ -18083,7 +18875,7 @@
           </a:bodyPr>
           <a:lstStyle/>
           <a:p>
-            <a:pPr fontAlgn="auto">
+            <a:pPr eaLnBrk="1" fontAlgn="auto" hangingPunct="1">
               <a:spcAft>
                 <a:spcPts val="0"/>
               </a:spcAft>
@@ -18119,7 +18911,7 @@
         </p:nvGraphicFramePr>
         <p:xfrm>
           <a:off x="323850" y="2349500"/>
-          <a:ext cx="8569325" cy="4184650"/>
+          <a:ext cx="8569325" cy="4186238"/>
         </p:xfrm>
         <a:graphic>
           <a:graphicData uri="http://schemas.openxmlformats.org/drawingml/2006/table">
@@ -18502,7 +19294,7 @@
 </p:sld>
 </file>
 
-<file path=ppt/slides/slide16.xml><?xml version="1.0" encoding="utf-8"?>
+<file path=ppt/slides/slide18.xml><?xml version="1.0" encoding="utf-8"?>
 <p:sld xmlns:a="http://schemas.openxmlformats.org/drawingml/2006/main" xmlns:r="http://schemas.openxmlformats.org/officeDocument/2006/relationships" xmlns:p="http://schemas.openxmlformats.org/presentationml/2006/main">
   <p:cSld>
     <p:spTree>
@@ -18536,7 +19328,7 @@
           </a:bodyPr>
           <a:lstStyle/>
           <a:p>
-            <a:pPr fontAlgn="auto">
+            <a:pPr eaLnBrk="1" fontAlgn="auto" hangingPunct="1">
               <a:spcAft>
                 <a:spcPts val="0"/>
               </a:spcAft>
@@ -18833,7 +19625,7 @@
 </p:sld>
 </file>
 
-<file path=ppt/slides/slide17.xml><?xml version="1.0" encoding="utf-8"?>
+<file path=ppt/slides/slide19.xml><?xml version="1.0" encoding="utf-8"?>
 <p:sld xmlns:a="http://schemas.openxmlformats.org/drawingml/2006/main" xmlns:r="http://schemas.openxmlformats.org/officeDocument/2006/relationships" xmlns:p="http://schemas.openxmlformats.org/presentationml/2006/main">
   <p:cSld>
     <p:spTree>
@@ -18872,7 +19664,7 @@
           </a:bodyPr>
           <a:lstStyle/>
           <a:p>
-            <a:pPr fontAlgn="auto">
+            <a:pPr eaLnBrk="1" fontAlgn="auto" hangingPunct="1">
               <a:spcAft>
                 <a:spcPts val="0"/>
               </a:spcAft>
@@ -18917,7 +19709,113 @@
 </p:sld>
 </file>
 
-<file path=ppt/slides/slide18.xml><?xml version="1.0" encoding="utf-8"?>
+<file path=ppt/slides/slide2.xml><?xml version="1.0" encoding="utf-8"?>
+<p:sld xmlns:a="http://schemas.openxmlformats.org/drawingml/2006/main" xmlns:r="http://schemas.openxmlformats.org/officeDocument/2006/relationships" xmlns:p="http://schemas.openxmlformats.org/presentationml/2006/main">
+  <p:cSld>
+    <p:spTree>
+      <p:nvGrpSpPr>
+        <p:cNvPr id="1" name=""/>
+        <p:cNvGrpSpPr/>
+        <p:nvPr/>
+      </p:nvGrpSpPr>
+      <p:grpSpPr>
+        <a:xfrm>
+          <a:off x="0" y="0"/>
+          <a:ext cx="0" cy="0"/>
+          <a:chOff x="0" y="0"/>
+          <a:chExt cx="0" cy="0"/>
+        </a:xfrm>
+      </p:grpSpPr>
+      <p:sp>
+        <p:nvSpPr>
+          <p:cNvPr id="3" name="2 Título"/>
+          <p:cNvSpPr>
+            <a:spLocks noGrp="1"/>
+          </p:cNvSpPr>
+          <p:nvPr>
+            <p:ph type="title" idx="4294967295"/>
+          </p:nvPr>
+        </p:nvSpPr>
+        <p:spPr>
+          <a:xfrm>
+            <a:off x="611188" y="2636838"/>
+            <a:ext cx="8229600" cy="1252537"/>
+          </a:xfrm>
+        </p:spPr>
+        <p:txBody>
+          <a:bodyPr>
+            <a:normAutofit/>
+          </a:bodyPr>
+          <a:lstStyle/>
+          <a:p>
+            <a:pPr eaLnBrk="1" hangingPunct="1"/>
+            <a:r>
+              <a:rPr lang="es-PE" sz="4000" b="1" smtClean="0">
+                <a:solidFill>
+                  <a:srgbClr val="C00000"/>
+                </a:solidFill>
+              </a:rPr>
+              <a:t>INTRODUCCION</a:t>
+            </a:r>
+            <a:br>
+              <a:rPr lang="es-PE" sz="4000" b="1" smtClean="0">
+                <a:solidFill>
+                  <a:srgbClr val="C00000"/>
+                </a:solidFill>
+              </a:rPr>
+            </a:br>
+            <a:r>
+              <a:rPr lang="es-PE" sz="4000" b="1" smtClean="0">
+                <a:solidFill>
+                  <a:srgbClr val="C00000"/>
+                </a:solidFill>
+              </a:rPr>
+              <a:t>(Contratos de Clientes)</a:t>
+            </a:r>
+          </a:p>
+        </p:txBody>
+      </p:sp>
+      <p:pic>
+        <p:nvPicPr>
+          <p:cNvPr id="44035" name="Picture 2" descr="http://img.creativosonline.org/blog/wp-content/uploads/2012/02/consejos-contrato-autonomo-exito.jpg"/>
+          <p:cNvPicPr>
+            <a:picLocks noChangeAspect="1" noChangeArrowheads="1"/>
+          </p:cNvPicPr>
+          <p:nvPr/>
+        </p:nvPicPr>
+        <p:blipFill>
+          <a:blip r:embed="rId2"/>
+          <a:srcRect/>
+          <a:stretch>
+            <a:fillRect/>
+          </a:stretch>
+        </p:blipFill>
+        <p:spPr bwMode="auto">
+          <a:xfrm>
+            <a:off x="2916238" y="3933825"/>
+            <a:ext cx="3743325" cy="2246313"/>
+          </a:xfrm>
+          <a:prstGeom prst="rect">
+            <a:avLst/>
+          </a:prstGeom>
+          <a:noFill/>
+          <a:ln w="9525">
+            <a:noFill/>
+            <a:miter lim="800000"/>
+            <a:headEnd/>
+            <a:tailEnd/>
+          </a:ln>
+        </p:spPr>
+      </p:pic>
+    </p:spTree>
+  </p:cSld>
+  <p:clrMapOvr>
+    <a:masterClrMapping/>
+  </p:clrMapOvr>
+</p:sld>
+</file>
+
+<file path=ppt/slides/slide20.xml><?xml version="1.0" encoding="utf-8"?>
 <p:sld xmlns:a="http://schemas.openxmlformats.org/drawingml/2006/main" xmlns:r="http://schemas.openxmlformats.org/officeDocument/2006/relationships" xmlns:p="http://schemas.openxmlformats.org/presentationml/2006/main">
   <p:cSld>
     <p:spTree>
@@ -18951,7 +19849,7 @@
           </a:bodyPr>
           <a:lstStyle/>
           <a:p>
-            <a:pPr fontAlgn="auto">
+            <a:pPr eaLnBrk="1" fontAlgn="auto" hangingPunct="1">
               <a:spcAft>
                 <a:spcPts val="0"/>
               </a:spcAft>
@@ -19306,7 +20204,7 @@
 </p:sld>
 </file>
 
-<file path=ppt/slides/slide19.xml><?xml version="1.0" encoding="utf-8"?>
+<file path=ppt/slides/slide21.xml><?xml version="1.0" encoding="utf-8"?>
 <p:sld xmlns:a="http://schemas.openxmlformats.org/drawingml/2006/main" xmlns:r="http://schemas.openxmlformats.org/officeDocument/2006/relationships" xmlns:p="http://schemas.openxmlformats.org/presentationml/2006/main">
   <p:cSld>
     <p:spTree>
@@ -19345,7 +20243,7 @@
           </a:bodyPr>
           <a:lstStyle/>
           <a:p>
-            <a:pPr fontAlgn="auto">
+            <a:pPr eaLnBrk="1" fontAlgn="auto" hangingPunct="1">
               <a:spcAft>
                 <a:spcPts val="0"/>
               </a:spcAft>
@@ -19390,123 +20288,7 @@
 </p:sld>
 </file>
 
-<file path=ppt/slides/slide2.xml><?xml version="1.0" encoding="utf-8"?>
-<p:sld xmlns:a="http://schemas.openxmlformats.org/drawingml/2006/main" xmlns:r="http://schemas.openxmlformats.org/officeDocument/2006/relationships" xmlns:p="http://schemas.openxmlformats.org/presentationml/2006/main">
-  <p:cSld>
-    <p:spTree>
-      <p:nvGrpSpPr>
-        <p:cNvPr id="1" name=""/>
-        <p:cNvGrpSpPr/>
-        <p:nvPr/>
-      </p:nvGrpSpPr>
-      <p:grpSpPr>
-        <a:xfrm>
-          <a:off x="0" y="0"/>
-          <a:ext cx="0" cy="0"/>
-          <a:chOff x="0" y="0"/>
-          <a:chExt cx="0" cy="0"/>
-        </a:xfrm>
-      </p:grpSpPr>
-      <p:sp>
-        <p:nvSpPr>
-          <p:cNvPr id="3" name="2 Título"/>
-          <p:cNvSpPr>
-            <a:spLocks noGrp="1"/>
-          </p:cNvSpPr>
-          <p:nvPr>
-            <p:ph type="title"/>
-          </p:nvPr>
-        </p:nvSpPr>
-        <p:spPr>
-          <a:xfrm>
-            <a:off x="611188" y="2636838"/>
-            <a:ext cx="8229600" cy="1252537"/>
-          </a:xfrm>
-        </p:spPr>
-        <p:txBody>
-          <a:bodyPr rtlCol="0">
-            <a:normAutofit fontScale="90000"/>
-          </a:bodyPr>
-          <a:lstStyle/>
-          <a:p>
-            <a:pPr fontAlgn="auto">
-              <a:spcAft>
-                <a:spcPts val="0"/>
-              </a:spcAft>
-              <a:defRPr/>
-            </a:pPr>
-            <a:r>
-              <a:rPr lang="es-PE" b="1" dirty="0" smtClean="0">
-                <a:solidFill>
-                  <a:srgbClr val="C00000"/>
-                </a:solidFill>
-              </a:rPr>
-              <a:t>PROCESOS DE NEGOCIO</a:t>
-            </a:r>
-            <a:br>
-              <a:rPr lang="es-PE" b="1" dirty="0" smtClean="0">
-                <a:solidFill>
-                  <a:srgbClr val="C00000"/>
-                </a:solidFill>
-              </a:rPr>
-            </a:br>
-            <a:r>
-              <a:rPr lang="es-PE" b="1" dirty="0" smtClean="0">
-                <a:solidFill>
-                  <a:srgbClr val="C00000"/>
-                </a:solidFill>
-              </a:rPr>
-              <a:t>(Contratos de Clientes)</a:t>
-            </a:r>
-            <a:endParaRPr lang="es-PE" b="1" dirty="0">
-              <a:solidFill>
-                <a:srgbClr val="C00000"/>
-              </a:solidFill>
-            </a:endParaRPr>
-          </a:p>
-        </p:txBody>
-      </p:sp>
-      <p:pic>
-        <p:nvPicPr>
-          <p:cNvPr id="15362" name="Picture 2" descr="http://img.creativosonline.org/blog/wp-content/uploads/2012/02/consejos-contrato-autonomo-exito.jpg"/>
-          <p:cNvPicPr>
-            <a:picLocks noChangeAspect="1" noChangeArrowheads="1"/>
-          </p:cNvPicPr>
-          <p:nvPr/>
-        </p:nvPicPr>
-        <p:blipFill>
-          <a:blip r:embed="rId2"/>
-          <a:srcRect/>
-          <a:stretch>
-            <a:fillRect/>
-          </a:stretch>
-        </p:blipFill>
-        <p:spPr bwMode="auto">
-          <a:xfrm>
-            <a:off x="2916238" y="3933825"/>
-            <a:ext cx="3743325" cy="2246313"/>
-          </a:xfrm>
-          <a:prstGeom prst="rect">
-            <a:avLst/>
-          </a:prstGeom>
-          <a:noFill/>
-          <a:ln w="9525">
-            <a:noFill/>
-            <a:miter lim="800000"/>
-            <a:headEnd/>
-            <a:tailEnd/>
-          </a:ln>
-        </p:spPr>
-      </p:pic>
-    </p:spTree>
-  </p:cSld>
-  <p:clrMapOvr>
-    <a:masterClrMapping/>
-  </p:clrMapOvr>
-</p:sld>
-</file>
-
-<file path=ppt/slides/slide20.xml><?xml version="1.0" encoding="utf-8"?>
+<file path=ppt/slides/slide22.xml><?xml version="1.0" encoding="utf-8"?>
 <p:sld xmlns:a="http://schemas.openxmlformats.org/drawingml/2006/main" xmlns:r="http://schemas.openxmlformats.org/officeDocument/2006/relationships" xmlns:p="http://schemas.openxmlformats.org/presentationml/2006/main">
   <p:cSld>
     <p:spTree>
@@ -19540,7 +20322,7 @@
           </a:bodyPr>
           <a:lstStyle/>
           <a:p>
-            <a:pPr fontAlgn="auto">
+            <a:pPr eaLnBrk="1" fontAlgn="auto" hangingPunct="1">
               <a:spcAft>
                 <a:spcPts val="0"/>
               </a:spcAft>
@@ -19601,7 +20383,7 @@
 </p:sld>
 </file>
 
-<file path=ppt/slides/slide21.xml><?xml version="1.0" encoding="utf-8"?>
+<file path=ppt/slides/slide23.xml><?xml version="1.0" encoding="utf-8"?>
 <p:sld xmlns:a="http://schemas.openxmlformats.org/drawingml/2006/main" xmlns:r="http://schemas.openxmlformats.org/officeDocument/2006/relationships" xmlns:p="http://schemas.openxmlformats.org/presentationml/2006/main">
   <p:cSld>
     <p:spTree>
@@ -19638,6 +20420,7 @@
           <a:bodyPr/>
           <a:lstStyle/>
           <a:p>
+            <a:pPr eaLnBrk="1" hangingPunct="1"/>
             <a:r>
               <a:rPr lang="es-PE" smtClean="0"/>
               <a:t>CONTRATOS DE CLIENTES</a:t>
@@ -19666,6 +20449,7 @@
           <a:bodyPr/>
           <a:lstStyle/>
           <a:p>
+            <a:pPr eaLnBrk="1" hangingPunct="1"/>
             <a:r>
               <a:rPr lang="es-PE" sz="2800" smtClean="0"/>
               <a:t>MODELADO DEL NEGOCIO</a:t>
@@ -19843,6 +20627,248 @@
       </p:grpSpPr>
       <p:sp>
         <p:nvSpPr>
+          <p:cNvPr id="3" name="2 Título"/>
+          <p:cNvSpPr>
+            <a:spLocks noGrp="1"/>
+          </p:cNvSpPr>
+          <p:nvPr>
+            <p:ph type="title" idx="4294967295"/>
+          </p:nvPr>
+        </p:nvSpPr>
+        <p:spPr>
+          <a:xfrm>
+            <a:off x="468313" y="476250"/>
+            <a:ext cx="8229600" cy="1252538"/>
+          </a:xfrm>
+        </p:spPr>
+        <p:txBody>
+          <a:bodyPr>
+            <a:normAutofit/>
+          </a:bodyPr>
+          <a:lstStyle/>
+          <a:p>
+            <a:pPr eaLnBrk="1" hangingPunct="1"/>
+            <a:r>
+              <a:rPr lang="es-PE" sz="4000" b="1" smtClean="0">
+                <a:solidFill>
+                  <a:schemeClr val="bg1"/>
+                </a:solidFill>
+              </a:rPr>
+              <a:t>CRM - Contratos de Clientes</a:t>
+            </a:r>
+          </a:p>
+        </p:txBody>
+      </p:sp>
+      <p:pic>
+        <p:nvPicPr>
+          <p:cNvPr id="43013" name="Picture 5"/>
+          <p:cNvPicPr>
+            <a:picLocks noChangeAspect="1" noChangeArrowheads="1"/>
+          </p:cNvPicPr>
+          <p:nvPr/>
+        </p:nvPicPr>
+        <p:blipFill>
+          <a:blip r:embed="rId2"/>
+          <a:srcRect l="42667" t="32001" r="5333" b="21777"/>
+          <a:stretch>
+            <a:fillRect/>
+          </a:stretch>
+        </p:blipFill>
+        <p:spPr bwMode="auto">
+          <a:xfrm>
+            <a:off x="611188" y="2565400"/>
+            <a:ext cx="3673475" cy="2449513"/>
+          </a:xfrm>
+          <a:prstGeom prst="rect">
+            <a:avLst/>
+          </a:prstGeom>
+          <a:noFill/>
+          <a:ln w="9525">
+            <a:noFill/>
+            <a:miter lim="800000"/>
+            <a:headEnd/>
+            <a:tailEnd/>
+          </a:ln>
+          <a:effectLst/>
+        </p:spPr>
+      </p:pic>
+      <p:pic>
+        <p:nvPicPr>
+          <p:cNvPr id="43014" name="Picture 6"/>
+          <p:cNvPicPr>
+            <a:picLocks noChangeAspect="1" noChangeArrowheads="1"/>
+          </p:cNvPicPr>
+          <p:nvPr/>
+        </p:nvPicPr>
+        <p:blipFill>
+          <a:blip r:embed="rId3"/>
+          <a:srcRect l="29659" t="30988" r="8928" b="27025"/>
+          <a:stretch>
+            <a:fillRect/>
+          </a:stretch>
+        </p:blipFill>
+        <p:spPr bwMode="auto">
+          <a:xfrm>
+            <a:off x="4284663" y="4221163"/>
+            <a:ext cx="4535487" cy="2328862"/>
+          </a:xfrm>
+          <a:prstGeom prst="rect">
+            <a:avLst/>
+          </a:prstGeom>
+          <a:noFill/>
+          <a:ln w="9525">
+            <a:noFill/>
+            <a:miter lim="800000"/>
+            <a:headEnd/>
+            <a:tailEnd/>
+          </a:ln>
+        </p:spPr>
+      </p:pic>
+    </p:spTree>
+  </p:cSld>
+  <p:clrMapOvr>
+    <a:masterClrMapping/>
+  </p:clrMapOvr>
+</p:sld>
+</file>
+
+<file path=ppt/slides/slide4.xml><?xml version="1.0" encoding="utf-8"?>
+<p:sld xmlns:a="http://schemas.openxmlformats.org/drawingml/2006/main" xmlns:r="http://schemas.openxmlformats.org/officeDocument/2006/relationships" xmlns:p="http://schemas.openxmlformats.org/presentationml/2006/main">
+  <p:cSld>
+    <p:spTree>
+      <p:nvGrpSpPr>
+        <p:cNvPr id="1" name=""/>
+        <p:cNvGrpSpPr/>
+        <p:nvPr/>
+      </p:nvGrpSpPr>
+      <p:grpSpPr>
+        <a:xfrm>
+          <a:off x="0" y="0"/>
+          <a:ext cx="0" cy="0"/>
+          <a:chOff x="0" y="0"/>
+          <a:chExt cx="0" cy="0"/>
+        </a:xfrm>
+      </p:grpSpPr>
+      <p:sp>
+        <p:nvSpPr>
+          <p:cNvPr id="3" name="2 Título"/>
+          <p:cNvSpPr>
+            <a:spLocks noGrp="1"/>
+          </p:cNvSpPr>
+          <p:nvPr>
+            <p:ph type="title"/>
+          </p:nvPr>
+        </p:nvSpPr>
+        <p:spPr>
+          <a:xfrm>
+            <a:off x="611188" y="2636838"/>
+            <a:ext cx="8229600" cy="1252537"/>
+          </a:xfrm>
+        </p:spPr>
+        <p:txBody>
+          <a:bodyPr rtlCol="0">
+            <a:normAutofit fontScale="90000"/>
+          </a:bodyPr>
+          <a:lstStyle/>
+          <a:p>
+            <a:pPr eaLnBrk="1" fontAlgn="auto" hangingPunct="1">
+              <a:spcAft>
+                <a:spcPts val="0"/>
+              </a:spcAft>
+              <a:defRPr/>
+            </a:pPr>
+            <a:r>
+              <a:rPr lang="es-PE" b="1" dirty="0" smtClean="0">
+                <a:solidFill>
+                  <a:srgbClr val="C00000"/>
+                </a:solidFill>
+              </a:rPr>
+              <a:t>PROCESOS DE NEGOCIO</a:t>
+            </a:r>
+            <a:br>
+              <a:rPr lang="es-PE" b="1" dirty="0" smtClean="0">
+                <a:solidFill>
+                  <a:srgbClr val="C00000"/>
+                </a:solidFill>
+              </a:rPr>
+            </a:br>
+            <a:r>
+              <a:rPr lang="es-PE" b="1" dirty="0" smtClean="0">
+                <a:solidFill>
+                  <a:srgbClr val="C00000"/>
+                </a:solidFill>
+              </a:rPr>
+              <a:t>(Contratos de Clientes)</a:t>
+            </a:r>
+            <a:endParaRPr lang="es-PE" b="1" dirty="0">
+              <a:solidFill>
+                <a:srgbClr val="C00000"/>
+              </a:solidFill>
+            </a:endParaRPr>
+          </a:p>
+        </p:txBody>
+      </p:sp>
+      <p:pic>
+        <p:nvPicPr>
+          <p:cNvPr id="15364" name="Picture 4"/>
+          <p:cNvPicPr>
+            <a:picLocks noChangeAspect="1" noChangeArrowheads="1"/>
+          </p:cNvPicPr>
+          <p:nvPr/>
+        </p:nvPicPr>
+        <p:blipFill>
+          <a:blip r:embed="rId2"/>
+          <a:srcRect l="23326" t="22528" r="2592" b="19510"/>
+          <a:stretch>
+            <a:fillRect/>
+          </a:stretch>
+        </p:blipFill>
+        <p:spPr bwMode="auto">
+          <a:xfrm>
+            <a:off x="2771775" y="4076700"/>
+            <a:ext cx="3998913" cy="2349500"/>
+          </a:xfrm>
+          <a:prstGeom prst="rect">
+            <a:avLst/>
+          </a:prstGeom>
+          <a:noFill/>
+          <a:ln w="9525">
+            <a:solidFill>
+              <a:schemeClr val="tx1"/>
+            </a:solidFill>
+            <a:miter lim="800000"/>
+            <a:headEnd/>
+            <a:tailEnd/>
+          </a:ln>
+        </p:spPr>
+      </p:pic>
+    </p:spTree>
+  </p:cSld>
+  <p:clrMapOvr>
+    <a:masterClrMapping/>
+  </p:clrMapOvr>
+</p:sld>
+</file>
+
+<file path=ppt/slides/slide5.xml><?xml version="1.0" encoding="utf-8"?>
+<p:sld xmlns:a="http://schemas.openxmlformats.org/drawingml/2006/main" xmlns:r="http://schemas.openxmlformats.org/officeDocument/2006/relationships" xmlns:p="http://schemas.openxmlformats.org/presentationml/2006/main">
+  <p:cSld>
+    <p:spTree>
+      <p:nvGrpSpPr>
+        <p:cNvPr id="1" name=""/>
+        <p:cNvGrpSpPr/>
+        <p:nvPr/>
+      </p:nvGrpSpPr>
+      <p:grpSpPr>
+        <a:xfrm>
+          <a:off x="0" y="0"/>
+          <a:ext cx="0" cy="0"/>
+          <a:chOff x="0" y="0"/>
+          <a:chExt cx="0" cy="0"/>
+        </a:xfrm>
+      </p:grpSpPr>
+      <p:sp>
+        <p:nvSpPr>
           <p:cNvPr id="16385" name="2 Título"/>
           <p:cNvSpPr>
             <a:spLocks noGrp="1"/>
@@ -19856,6 +20882,7 @@
           <a:bodyPr/>
           <a:lstStyle/>
           <a:p>
+            <a:pPr eaLnBrk="1" hangingPunct="1"/>
             <a:r>
               <a:rPr lang="es-PE" smtClean="0"/>
               <a:t>Proceso: Análisis de Mercado</a:t>
@@ -19910,7 +20937,7 @@
 </p:sld>
 </file>
 
-<file path=ppt/slides/slide4.xml><?xml version="1.0" encoding="utf-8"?>
+<file path=ppt/slides/slide6.xml><?xml version="1.0" encoding="utf-8"?>
 <p:sld xmlns:a="http://schemas.openxmlformats.org/drawingml/2006/main" xmlns:r="http://schemas.openxmlformats.org/officeDocument/2006/relationships" xmlns:p="http://schemas.openxmlformats.org/presentationml/2006/main">
   <p:cSld>
     <p:spTree>
@@ -19944,7 +20971,7 @@
           </a:bodyPr>
           <a:lstStyle/>
           <a:p>
-            <a:pPr fontAlgn="auto">
+            <a:pPr eaLnBrk="1" fontAlgn="auto" hangingPunct="1">
               <a:spcAft>
                 <a:spcPts val="0"/>
               </a:spcAft>
@@ -20005,7 +21032,7 @@
 </p:sld>
 </file>
 
-<file path=ppt/slides/slide5.xml><?xml version="1.0" encoding="utf-8"?>
+<file path=ppt/slides/slide7.xml><?xml version="1.0" encoding="utf-8"?>
 <p:sld xmlns:a="http://schemas.openxmlformats.org/drawingml/2006/main" xmlns:r="http://schemas.openxmlformats.org/officeDocument/2006/relationships" xmlns:p="http://schemas.openxmlformats.org/presentationml/2006/main">
   <p:cSld>
     <p:spTree>
@@ -20037,6 +21064,7 @@
           <a:bodyPr/>
           <a:lstStyle/>
           <a:p>
+            <a:pPr eaLnBrk="1" hangingPunct="1"/>
             <a:r>
               <a:rPr lang="es-PE" smtClean="0"/>
               <a:t>Proceso: Gestión de Contratos</a:t>
@@ -20091,7 +21119,7 @@
 </p:sld>
 </file>
 
-<file path=ppt/slides/slide6.xml><?xml version="1.0" encoding="utf-8"?>
+<file path=ppt/slides/slide8.xml><?xml version="1.0" encoding="utf-8"?>
 <p:sld xmlns:a="http://schemas.openxmlformats.org/drawingml/2006/main" xmlns:r="http://schemas.openxmlformats.org/officeDocument/2006/relationships" xmlns:p="http://schemas.openxmlformats.org/presentationml/2006/main">
   <p:cSld>
     <p:spTree>
@@ -20130,7 +21158,7 @@
           </a:bodyPr>
           <a:lstStyle/>
           <a:p>
-            <a:pPr fontAlgn="auto">
+            <a:pPr eaLnBrk="1" fontAlgn="auto" hangingPunct="1">
               <a:spcAft>
                 <a:spcPts val="0"/>
               </a:spcAft>
@@ -20175,7 +21203,7 @@
 </p:sld>
 </file>
 
-<file path=ppt/slides/slide7.xml><?xml version="1.0" encoding="utf-8"?>
+<file path=ppt/slides/slide9.xml><?xml version="1.0" encoding="utf-8"?>
 <p:sld xmlns:a="http://schemas.openxmlformats.org/drawingml/2006/main" xmlns:r="http://schemas.openxmlformats.org/officeDocument/2006/relationships" xmlns:p="http://schemas.openxmlformats.org/presentationml/2006/main">
   <p:cSld>
     <p:spTree>
@@ -20209,7 +21237,7 @@
           </a:bodyPr>
           <a:lstStyle/>
           <a:p>
-            <a:pPr fontAlgn="auto">
+            <a:pPr eaLnBrk="1" fontAlgn="auto" hangingPunct="1">
               <a:spcAft>
                 <a:spcPts val="0"/>
               </a:spcAft>
@@ -20372,661 +21400,6 @@
           <a:xfrm>
             <a:off x="6372225" y="3644900"/>
             <a:ext cx="2138363" cy="1728788"/>
-          </a:xfrm>
-          <a:prstGeom prst="rect">
-            <a:avLst/>
-          </a:prstGeom>
-          <a:noFill/>
-          <a:ln w="9525">
-            <a:noFill/>
-            <a:miter lim="800000"/>
-            <a:headEnd/>
-            <a:tailEnd/>
-          </a:ln>
-        </p:spPr>
-      </p:pic>
-    </p:spTree>
-  </p:cSld>
-  <p:clrMapOvr>
-    <a:masterClrMapping/>
-  </p:clrMapOvr>
-  <p:timing>
-    <p:tnLst>
-      <p:par>
-        <p:cTn id="1" dur="indefinite" restart="never" nodeType="tmRoot"/>
-      </p:par>
-    </p:tnLst>
-  </p:timing>
-</p:sld>
-</file>
-
-<file path=ppt/slides/slide8.xml><?xml version="1.0" encoding="utf-8"?>
-<p:sld xmlns:a="http://schemas.openxmlformats.org/drawingml/2006/main" xmlns:r="http://schemas.openxmlformats.org/officeDocument/2006/relationships" xmlns:p="http://schemas.openxmlformats.org/presentationml/2006/main">
-  <p:cSld>
-    <p:spTree>
-      <p:nvGrpSpPr>
-        <p:cNvPr id="1" name=""/>
-        <p:cNvGrpSpPr/>
-        <p:nvPr/>
-      </p:nvGrpSpPr>
-      <p:grpSpPr>
-        <a:xfrm>
-          <a:off x="0" y="0"/>
-          <a:ext cx="0" cy="0"/>
-          <a:chOff x="0" y="0"/>
-          <a:chExt cx="0" cy="0"/>
-        </a:xfrm>
-      </p:grpSpPr>
-      <p:sp>
-        <p:nvSpPr>
-          <p:cNvPr id="3" name="2 Título"/>
-          <p:cNvSpPr>
-            <a:spLocks noGrp="1"/>
-          </p:cNvSpPr>
-          <p:nvPr>
-            <p:ph type="title"/>
-          </p:nvPr>
-        </p:nvSpPr>
-        <p:spPr>
-          <a:xfrm>
-            <a:off x="611188" y="2852738"/>
-            <a:ext cx="8229600" cy="1252537"/>
-          </a:xfrm>
-        </p:spPr>
-        <p:txBody>
-          <a:bodyPr rtlCol="0">
-            <a:normAutofit fontScale="90000"/>
-          </a:bodyPr>
-          <a:lstStyle/>
-          <a:p>
-            <a:pPr fontAlgn="auto">
-              <a:spcAft>
-                <a:spcPts val="0"/>
-              </a:spcAft>
-              <a:defRPr/>
-            </a:pPr>
-            <a:r>
-              <a:rPr lang="es-PE" b="1" dirty="0" smtClean="0">
-                <a:solidFill>
-                  <a:srgbClr val="C00000"/>
-                </a:solidFill>
-              </a:rPr>
-              <a:t>REGLAS DEL NEGOCIO</a:t>
-            </a:r>
-            <a:br>
-              <a:rPr lang="es-PE" b="1" dirty="0" smtClean="0">
-                <a:solidFill>
-                  <a:srgbClr val="C00000"/>
-                </a:solidFill>
-              </a:rPr>
-            </a:br>
-            <a:r>
-              <a:rPr lang="es-PE" b="1" dirty="0" smtClean="0">
-                <a:solidFill>
-                  <a:srgbClr val="C00000"/>
-                </a:solidFill>
-              </a:rPr>
-              <a:t>(Contratos de Clientes)</a:t>
-            </a:r>
-            <a:endParaRPr lang="es-PE" b="1" dirty="0">
-              <a:solidFill>
-                <a:srgbClr val="C00000"/>
-              </a:solidFill>
-            </a:endParaRPr>
-          </a:p>
-        </p:txBody>
-      </p:sp>
-    </p:spTree>
-  </p:cSld>
-  <p:clrMapOvr>
-    <a:masterClrMapping/>
-  </p:clrMapOvr>
-</p:sld>
-</file>
-
-<file path=ppt/slides/slide9.xml><?xml version="1.0" encoding="utf-8"?>
-<p:sld xmlns:a="http://schemas.openxmlformats.org/drawingml/2006/main" xmlns:r="http://schemas.openxmlformats.org/officeDocument/2006/relationships" xmlns:p="http://schemas.openxmlformats.org/presentationml/2006/main">
-  <p:cSld>
-    <p:spTree>
-      <p:nvGrpSpPr>
-        <p:cNvPr id="1" name=""/>
-        <p:cNvGrpSpPr/>
-        <p:nvPr/>
-      </p:nvGrpSpPr>
-      <p:grpSpPr>
-        <a:xfrm>
-          <a:off x="0" y="0"/>
-          <a:ext cx="0" cy="0"/>
-          <a:chOff x="0" y="0"/>
-          <a:chExt cx="0" cy="0"/>
-        </a:xfrm>
-      </p:grpSpPr>
-      <p:sp>
-        <p:nvSpPr>
-          <p:cNvPr id="3" name="2 Título"/>
-          <p:cNvSpPr>
-            <a:spLocks noGrp="1"/>
-          </p:cNvSpPr>
-          <p:nvPr>
-            <p:ph type="title"/>
-          </p:nvPr>
-        </p:nvSpPr>
-        <p:spPr/>
-        <p:txBody>
-          <a:bodyPr rtlCol="0">
-            <a:normAutofit fontScale="90000"/>
-          </a:bodyPr>
-          <a:lstStyle/>
-          <a:p>
-            <a:pPr fontAlgn="auto">
-              <a:spcAft>
-                <a:spcPts val="0"/>
-              </a:spcAft>
-              <a:defRPr/>
-            </a:pPr>
-            <a:r>
-              <a:rPr lang="es-PE" dirty="0"/>
-              <a:t>ESPECIFICACION DE REGLAS DE </a:t>
-            </a:r>
-            <a:r>
-              <a:rPr lang="es-PE" dirty="0" smtClean="0"/>
-              <a:t>NEGOCIO (Contratos de Clientes)</a:t>
-            </a:r>
-            <a:endParaRPr lang="es-PE" dirty="0"/>
-          </a:p>
-        </p:txBody>
-      </p:sp>
-      <p:graphicFrame>
-        <p:nvGraphicFramePr>
-          <p:cNvPr id="6" name="5 Tabla"/>
-          <p:cNvGraphicFramePr>
-            <a:graphicFrameLocks noGrp="1"/>
-          </p:cNvGraphicFramePr>
-          <p:nvPr/>
-        </p:nvGraphicFramePr>
-        <p:xfrm>
-          <a:off x="323850" y="2349500"/>
-          <a:ext cx="8496300" cy="4248150"/>
-        </p:xfrm>
-        <a:graphic>
-          <a:graphicData uri="http://schemas.openxmlformats.org/drawingml/2006/table">
-            <a:tbl>
-              <a:tblPr firstRow="1" bandRow="1">
-                <a:tableStyleId>{BC89EF96-8CEA-46FF-86C4-4CE0E7609802}</a:tableStyleId>
-              </a:tblPr>
-              <a:tblGrid>
-                <a:gridCol w="2448272"/>
-                <a:gridCol w="6048672"/>
-              </a:tblGrid>
-              <a:tr h="1152128">
-                <a:tc>
-                  <a:txBody>
-                    <a:bodyPr/>
-                    <a:lstStyle/>
-                    <a:p>
-                      <a:endParaRPr lang="es-ES" dirty="0"/>
-                    </a:p>
-                  </a:txBody>
-                  <a:tcPr/>
-                </a:tc>
-                <a:tc>
-                  <a:txBody>
-                    <a:bodyPr/>
-                    <a:lstStyle/>
-                    <a:p>
-                      <a:pPr marL="0" marR="0" indent="0" algn="just" defTabSz="914400" rtl="0" eaLnBrk="1" fontAlgn="auto" latinLnBrk="0" hangingPunct="1">
-                        <a:lnSpc>
-                          <a:spcPct val="100000"/>
-                        </a:lnSpc>
-                        <a:spcBef>
-                          <a:spcPts val="0"/>
-                        </a:spcBef>
-                        <a:spcAft>
-                          <a:spcPts val="0"/>
-                        </a:spcAft>
-                        <a:buClrTx/>
-                        <a:buSzTx/>
-                        <a:buFontTx/>
-                        <a:buNone/>
-                        <a:tabLst/>
-                        <a:defRPr/>
-                      </a:pPr>
-                      <a:r>
-                        <a:rPr lang="es-PE" sz="1800" b="0" kern="1200" dirty="0" smtClean="0">
-                          <a:solidFill>
-                            <a:schemeClr val="tx1"/>
-                          </a:solidFill>
-                          <a:latin typeface="+mn-lt"/>
-                          <a:ea typeface="+mn-ea"/>
-                          <a:cs typeface="+mn-cs"/>
-                        </a:rPr>
-                        <a:t>Se definen los siguientes Tipos de Clientes: </a:t>
-                      </a:r>
-                    </a:p>
-                    <a:p>
-                      <a:pPr marL="0" marR="0" indent="0" algn="just" defTabSz="914400" rtl="0" eaLnBrk="1" fontAlgn="auto" latinLnBrk="0" hangingPunct="1">
-                        <a:lnSpc>
-                          <a:spcPct val="100000"/>
-                        </a:lnSpc>
-                        <a:spcBef>
-                          <a:spcPts val="0"/>
-                        </a:spcBef>
-                        <a:spcAft>
-                          <a:spcPts val="0"/>
-                        </a:spcAft>
-                        <a:buClrTx/>
-                        <a:buSzTx/>
-                        <a:buFontTx/>
-                        <a:buNone/>
-                        <a:tabLst/>
-                        <a:defRPr/>
-                      </a:pPr>
-                      <a:r>
-                        <a:rPr lang="es-PE" sz="1800" b="0" kern="1200" dirty="0" smtClean="0">
-                          <a:solidFill>
-                            <a:schemeClr val="tx1"/>
-                          </a:solidFill>
-                          <a:latin typeface="+mn-lt"/>
-                          <a:ea typeface="+mn-ea"/>
-                          <a:cs typeface="+mn-cs"/>
-                        </a:rPr>
-                        <a:t>potenciales, prospectos, primerizos, esporádicos, habituales, leales, desgastados e inactivos/desertores.</a:t>
-                      </a:r>
-                      <a:endParaRPr lang="es-ES" sz="1800" b="0" kern="1200" dirty="0" smtClean="0">
-                        <a:solidFill>
-                          <a:schemeClr val="tx1"/>
-                        </a:solidFill>
-                        <a:latin typeface="+mn-lt"/>
-                        <a:ea typeface="+mn-ea"/>
-                        <a:cs typeface="+mn-cs"/>
-                      </a:endParaRPr>
-                    </a:p>
-                    <a:p>
-                      <a:endParaRPr lang="es-ES" dirty="0"/>
-                    </a:p>
-                  </a:txBody>
-                  <a:tcPr/>
-                </a:tc>
-              </a:tr>
-              <a:tr h="1494205">
-                <a:tc>
-                  <a:txBody>
-                    <a:bodyPr/>
-                    <a:lstStyle/>
-                    <a:p>
-                      <a:endParaRPr lang="es-ES" dirty="0"/>
-                    </a:p>
-                  </a:txBody>
-                  <a:tcPr/>
-                </a:tc>
-                <a:tc>
-                  <a:txBody>
-                    <a:bodyPr/>
-                    <a:lstStyle/>
-                    <a:p>
-                      <a:pPr marL="0" marR="0" indent="0" algn="l" defTabSz="914400" rtl="0" eaLnBrk="1" fontAlgn="auto" latinLnBrk="0" hangingPunct="1">
-                        <a:lnSpc>
-                          <a:spcPct val="100000"/>
-                        </a:lnSpc>
-                        <a:spcBef>
-                          <a:spcPts val="0"/>
-                        </a:spcBef>
-                        <a:spcAft>
-                          <a:spcPts val="0"/>
-                        </a:spcAft>
-                        <a:buClrTx/>
-                        <a:buSzTx/>
-                        <a:buFontTx/>
-                        <a:buNone/>
-                        <a:tabLst/>
-                        <a:defRPr/>
-                      </a:pPr>
-                      <a:r>
-                        <a:rPr lang="es-PE" sz="1800" i="1" kern="1200" dirty="0" smtClean="0">
-                          <a:solidFill>
-                            <a:schemeClr val="tx1"/>
-                          </a:solidFill>
-                          <a:latin typeface="+mn-lt"/>
-                          <a:ea typeface="+mn-ea"/>
-                          <a:cs typeface="+mn-cs"/>
-                        </a:rPr>
-                        <a:t>Se definen las siguientes líneas para los Tipos de Servicio:  </a:t>
-                      </a:r>
-                      <a:r>
-                        <a:rPr lang="es-PE" sz="1800" i="1" kern="1200" dirty="0" err="1" smtClean="0">
-                          <a:solidFill>
-                            <a:schemeClr val="tx1"/>
-                          </a:solidFill>
-                          <a:latin typeface="+mn-lt"/>
-                          <a:ea typeface="+mn-ea"/>
-                          <a:cs typeface="+mn-cs"/>
-                        </a:rPr>
-                        <a:t>Outsourcing</a:t>
-                      </a:r>
-                      <a:r>
-                        <a:rPr lang="es-PE" sz="1800" i="1" kern="1200" dirty="0" smtClean="0">
-                          <a:solidFill>
-                            <a:schemeClr val="tx1"/>
-                          </a:solidFill>
-                          <a:latin typeface="+mn-lt"/>
-                          <a:ea typeface="+mn-ea"/>
-                          <a:cs typeface="+mn-cs"/>
-                        </a:rPr>
-                        <a:t> de Tecnología, Software </a:t>
-                      </a:r>
-                      <a:r>
-                        <a:rPr lang="es-PE" sz="1800" i="1" kern="1200" dirty="0" err="1" smtClean="0">
-                          <a:solidFill>
-                            <a:schemeClr val="tx1"/>
-                          </a:solidFill>
-                          <a:latin typeface="+mn-lt"/>
-                          <a:ea typeface="+mn-ea"/>
-                          <a:cs typeface="+mn-cs"/>
-                        </a:rPr>
-                        <a:t>factory</a:t>
-                      </a:r>
-                      <a:r>
-                        <a:rPr lang="es-PE" sz="1800" i="1" kern="1200" dirty="0" smtClean="0">
-                          <a:solidFill>
-                            <a:schemeClr val="tx1"/>
-                          </a:solidFill>
-                          <a:latin typeface="+mn-lt"/>
-                          <a:ea typeface="+mn-ea"/>
-                          <a:cs typeface="+mn-cs"/>
-                        </a:rPr>
-                        <a:t>, </a:t>
-                      </a:r>
-                      <a:r>
-                        <a:rPr lang="es-PE" sz="1800" i="1" kern="1200" dirty="0" err="1" smtClean="0">
-                          <a:solidFill>
-                            <a:schemeClr val="tx1"/>
-                          </a:solidFill>
-                          <a:latin typeface="+mn-lt"/>
-                          <a:ea typeface="+mn-ea"/>
-                          <a:cs typeface="+mn-cs"/>
-                        </a:rPr>
-                        <a:t>Outsourcing</a:t>
-                      </a:r>
-                      <a:r>
-                        <a:rPr lang="es-PE" sz="1800" i="1" kern="1200" dirty="0" smtClean="0">
-                          <a:solidFill>
-                            <a:schemeClr val="tx1"/>
-                          </a:solidFill>
-                          <a:latin typeface="+mn-lt"/>
-                          <a:ea typeface="+mn-ea"/>
-                          <a:cs typeface="+mn-cs"/>
-                        </a:rPr>
-                        <a:t> de procesos, </a:t>
-                      </a:r>
-                      <a:r>
-                        <a:rPr lang="es-PE" sz="1800" i="1" kern="1200" dirty="0" err="1" smtClean="0">
-                          <a:solidFill>
-                            <a:schemeClr val="tx1"/>
-                          </a:solidFill>
-                          <a:latin typeface="+mn-lt"/>
-                          <a:ea typeface="+mn-ea"/>
-                          <a:cs typeface="+mn-cs"/>
-                        </a:rPr>
-                        <a:t>Outsourcing</a:t>
-                      </a:r>
-                      <a:r>
-                        <a:rPr lang="es-PE" sz="1800" i="1" kern="1200" dirty="0" smtClean="0">
-                          <a:solidFill>
-                            <a:schemeClr val="tx1"/>
-                          </a:solidFill>
-                          <a:latin typeface="+mn-lt"/>
-                          <a:ea typeface="+mn-ea"/>
-                          <a:cs typeface="+mn-cs"/>
-                        </a:rPr>
-                        <a:t> de servicios de aplicación y Servicios de tecnología</a:t>
-                      </a:r>
-                      <a:endParaRPr lang="es-ES" sz="1800" i="1" kern="1200" dirty="0" smtClean="0">
-                        <a:solidFill>
-                          <a:schemeClr val="tx1"/>
-                        </a:solidFill>
-                        <a:latin typeface="+mn-lt"/>
-                        <a:ea typeface="+mn-ea"/>
-                        <a:cs typeface="+mn-cs"/>
-                      </a:endParaRPr>
-                    </a:p>
-                  </a:txBody>
-                  <a:tcPr/>
-                </a:tc>
-              </a:tr>
-              <a:tr h="1565547">
-                <a:tc>
-                  <a:txBody>
-                    <a:bodyPr/>
-                    <a:lstStyle/>
-                    <a:p>
-                      <a:endParaRPr lang="es-ES" dirty="0"/>
-                    </a:p>
-                  </a:txBody>
-                  <a:tcPr/>
-                </a:tc>
-                <a:tc>
-                  <a:txBody>
-                    <a:bodyPr/>
-                    <a:lstStyle/>
-                    <a:p>
-                      <a:pPr marL="0" marR="0" indent="0" algn="l" defTabSz="914400" rtl="0" eaLnBrk="1" fontAlgn="auto" latinLnBrk="0" hangingPunct="1">
-                        <a:lnSpc>
-                          <a:spcPct val="100000"/>
-                        </a:lnSpc>
-                        <a:spcBef>
-                          <a:spcPts val="0"/>
-                        </a:spcBef>
-                        <a:spcAft>
-                          <a:spcPts val="0"/>
-                        </a:spcAft>
-                        <a:buClrTx/>
-                        <a:buSzTx/>
-                        <a:buFontTx/>
-                        <a:buNone/>
-                        <a:tabLst/>
-                        <a:defRPr/>
-                      </a:pPr>
-                      <a:r>
-                        <a:rPr lang="es-PE" sz="1800" i="1" kern="1200" dirty="0" smtClean="0">
-                          <a:solidFill>
-                            <a:schemeClr val="tx1"/>
-                          </a:solidFill>
-                          <a:latin typeface="+mn-lt"/>
-                          <a:ea typeface="+mn-ea"/>
-                          <a:cs typeface="+mn-cs"/>
-                        </a:rPr>
-                        <a:t>Se definen las siguientes Categorías de Tipos de Cliente: </a:t>
-                      </a:r>
-                    </a:p>
-                    <a:p>
-                      <a:pPr marL="0" marR="0" indent="0" algn="l" defTabSz="914400" rtl="0" eaLnBrk="1" fontAlgn="auto" latinLnBrk="0" hangingPunct="1">
-                        <a:lnSpc>
-                          <a:spcPct val="100000"/>
-                        </a:lnSpc>
-                        <a:spcBef>
-                          <a:spcPts val="0"/>
-                        </a:spcBef>
-                        <a:spcAft>
-                          <a:spcPts val="0"/>
-                        </a:spcAft>
-                        <a:buClrTx/>
-                        <a:buSzTx/>
-                        <a:buFontTx/>
-                        <a:buNone/>
-                        <a:tabLst/>
-                        <a:defRPr/>
-                      </a:pPr>
-                      <a:r>
-                        <a:rPr lang="es-PE" sz="1800" i="1" kern="1200" dirty="0" smtClean="0">
-                          <a:solidFill>
-                            <a:schemeClr val="tx1"/>
-                          </a:solidFill>
-                          <a:latin typeface="+mn-lt"/>
-                          <a:ea typeface="+mn-ea"/>
-                          <a:cs typeface="+mn-cs"/>
-                        </a:rPr>
-                        <a:t>1= Industria y Comercio, </a:t>
-                      </a:r>
-                    </a:p>
-                    <a:p>
-                      <a:pPr marL="0" marR="0" indent="0" algn="l" defTabSz="914400" rtl="0" eaLnBrk="1" fontAlgn="auto" latinLnBrk="0" hangingPunct="1">
-                        <a:lnSpc>
-                          <a:spcPct val="100000"/>
-                        </a:lnSpc>
-                        <a:spcBef>
-                          <a:spcPts val="0"/>
-                        </a:spcBef>
-                        <a:spcAft>
-                          <a:spcPts val="0"/>
-                        </a:spcAft>
-                        <a:buClrTx/>
-                        <a:buSzTx/>
-                        <a:buFontTx/>
-                        <a:buNone/>
-                        <a:tabLst/>
-                        <a:defRPr/>
-                      </a:pPr>
-                      <a:r>
-                        <a:rPr lang="es-PE" sz="1800" i="1" kern="1200" dirty="0" smtClean="0">
-                          <a:solidFill>
-                            <a:schemeClr val="tx1"/>
-                          </a:solidFill>
-                          <a:latin typeface="+mn-lt"/>
-                          <a:ea typeface="+mn-ea"/>
-                          <a:cs typeface="+mn-cs"/>
-                        </a:rPr>
-                        <a:t>2= Banca y Finanzas y </a:t>
-                      </a:r>
-                    </a:p>
-                    <a:p>
-                      <a:pPr marL="0" marR="0" indent="0" algn="l" defTabSz="914400" rtl="0" eaLnBrk="1" fontAlgn="auto" latinLnBrk="0" hangingPunct="1">
-                        <a:lnSpc>
-                          <a:spcPct val="100000"/>
-                        </a:lnSpc>
-                        <a:spcBef>
-                          <a:spcPts val="0"/>
-                        </a:spcBef>
-                        <a:spcAft>
-                          <a:spcPts val="0"/>
-                        </a:spcAft>
-                        <a:buClrTx/>
-                        <a:buSzTx/>
-                        <a:buFontTx/>
-                        <a:buNone/>
-                        <a:tabLst/>
-                        <a:defRPr/>
-                      </a:pPr>
-                      <a:r>
-                        <a:rPr lang="es-PE" sz="1800" i="1" kern="1200" dirty="0" smtClean="0">
-                          <a:solidFill>
-                            <a:schemeClr val="tx1"/>
-                          </a:solidFill>
-                          <a:latin typeface="+mn-lt"/>
-                          <a:ea typeface="+mn-ea"/>
-                          <a:cs typeface="+mn-cs"/>
-                        </a:rPr>
-                        <a:t>3=  Gobierno y Servicios públicos</a:t>
-                      </a:r>
-                      <a:endParaRPr lang="es-ES" sz="1800" i="1" kern="1200" dirty="0" smtClean="0">
-                        <a:solidFill>
-                          <a:schemeClr val="tx1"/>
-                        </a:solidFill>
-                        <a:latin typeface="+mn-lt"/>
-                        <a:ea typeface="+mn-ea"/>
-                        <a:cs typeface="+mn-cs"/>
-                      </a:endParaRPr>
-                    </a:p>
-                  </a:txBody>
-                  <a:tcPr/>
-                </a:tc>
-              </a:tr>
-            </a:tbl>
-          </a:graphicData>
-        </a:graphic>
-      </p:graphicFrame>
-      <p:pic>
-        <p:nvPicPr>
-          <p:cNvPr id="22544" name="Picture 3"/>
-          <p:cNvPicPr>
-            <a:picLocks noChangeAspect="1" noChangeArrowheads="1"/>
-          </p:cNvPicPr>
-          <p:nvPr/>
-        </p:nvPicPr>
-        <p:blipFill>
-          <a:blip r:embed="rId3"/>
-          <a:srcRect/>
-          <a:stretch>
-            <a:fillRect/>
-          </a:stretch>
-        </p:blipFill>
-        <p:spPr bwMode="auto">
-          <a:xfrm>
-            <a:off x="395288" y="2420938"/>
-            <a:ext cx="2368550" cy="1201737"/>
-          </a:xfrm>
-          <a:prstGeom prst="rect">
-            <a:avLst/>
-          </a:prstGeom>
-          <a:noFill/>
-          <a:ln w="9525">
-            <a:noFill/>
-            <a:miter lim="800000"/>
-            <a:headEnd/>
-            <a:tailEnd/>
-          </a:ln>
-        </p:spPr>
-      </p:pic>
-      <p:pic>
-        <p:nvPicPr>
-          <p:cNvPr id="22545" name="Picture 4"/>
-          <p:cNvPicPr>
-            <a:picLocks noChangeAspect="1" noChangeArrowheads="1"/>
-          </p:cNvPicPr>
-          <p:nvPr/>
-        </p:nvPicPr>
-        <p:blipFill>
-          <a:blip r:embed="rId4"/>
-          <a:srcRect/>
-          <a:stretch>
-            <a:fillRect/>
-          </a:stretch>
-        </p:blipFill>
-        <p:spPr bwMode="auto">
-          <a:xfrm>
-            <a:off x="395288" y="3789363"/>
-            <a:ext cx="2373312" cy="1201737"/>
-          </a:xfrm>
-          <a:prstGeom prst="rect">
-            <a:avLst/>
-          </a:prstGeom>
-          <a:noFill/>
-          <a:ln w="9525">
-            <a:noFill/>
-            <a:miter lim="800000"/>
-            <a:headEnd/>
-            <a:tailEnd/>
-          </a:ln>
-        </p:spPr>
-      </p:pic>
-      <p:pic>
-        <p:nvPicPr>
-          <p:cNvPr id="22546" name="Picture 5"/>
-          <p:cNvPicPr>
-            <a:picLocks noChangeAspect="1" noChangeArrowheads="1"/>
-          </p:cNvPicPr>
-          <p:nvPr/>
-        </p:nvPicPr>
-        <p:blipFill>
-          <a:blip r:embed="rId5"/>
-          <a:srcRect/>
-          <a:stretch>
-            <a:fillRect/>
-          </a:stretch>
-        </p:blipFill>
-        <p:spPr bwMode="auto">
-          <a:xfrm>
-            <a:off x="395288" y="5300663"/>
-            <a:ext cx="2524125" cy="1201737"/>
           </a:xfrm>
           <a:prstGeom prst="rect">
             <a:avLst/>

--- a/trunk/ tsp01-contratos-clientes/ITERACCION01/SI01/PRESENTACIONES/PPT SI01 MCUN.pptx
+++ b/trunk/ tsp01-contratos-clientes/ITERACCION01/SI01/PRESENTACIONES/PPT SI01 MCUN.pptx
@@ -5,7 +5,7 @@
     <p:sldMasterId id="2147483660" r:id="rId1"/>
   </p:sldMasterIdLst>
   <p:notesMasterIdLst>
-    <p:notesMasterId r:id="rId25"/>
+    <p:notesMasterId r:id="rId26"/>
   </p:notesMasterIdLst>
   <p:sldIdLst>
     <p:sldId id="256" r:id="rId2"/>
@@ -15,22 +15,23 @@
     <p:sldId id="270" r:id="rId6"/>
     <p:sldId id="271" r:id="rId7"/>
     <p:sldId id="272" r:id="rId8"/>
-    <p:sldId id="274" r:id="rId9"/>
-    <p:sldId id="269" r:id="rId10"/>
-    <p:sldId id="275" r:id="rId11"/>
-    <p:sldId id="258" r:id="rId12"/>
-    <p:sldId id="261" r:id="rId13"/>
-    <p:sldId id="262" r:id="rId14"/>
-    <p:sldId id="265" r:id="rId15"/>
-    <p:sldId id="263" r:id="rId16"/>
-    <p:sldId id="264" r:id="rId17"/>
-    <p:sldId id="266" r:id="rId18"/>
-    <p:sldId id="267" r:id="rId19"/>
-    <p:sldId id="276" r:id="rId20"/>
-    <p:sldId id="268" r:id="rId21"/>
-    <p:sldId id="277" r:id="rId22"/>
-    <p:sldId id="259" r:id="rId23"/>
-    <p:sldId id="260" r:id="rId24"/>
+    <p:sldId id="280" r:id="rId9"/>
+    <p:sldId id="274" r:id="rId10"/>
+    <p:sldId id="269" r:id="rId11"/>
+    <p:sldId id="275" r:id="rId12"/>
+    <p:sldId id="258" r:id="rId13"/>
+    <p:sldId id="261" r:id="rId14"/>
+    <p:sldId id="262" r:id="rId15"/>
+    <p:sldId id="265" r:id="rId16"/>
+    <p:sldId id="263" r:id="rId17"/>
+    <p:sldId id="264" r:id="rId18"/>
+    <p:sldId id="266" r:id="rId19"/>
+    <p:sldId id="267" r:id="rId20"/>
+    <p:sldId id="276" r:id="rId21"/>
+    <p:sldId id="268" r:id="rId22"/>
+    <p:sldId id="277" r:id="rId23"/>
+    <p:sldId id="259" r:id="rId24"/>
+    <p:sldId id="260" r:id="rId25"/>
   </p:sldIdLst>
   <p:sldSz cx="9144000" cy="6858000" type="screen4x3"/>
   <p:notesSz cx="6858000" cy="9144000"/>
@@ -264,7 +265,7 @@
             <a:pPr>
               <a:defRPr/>
             </a:pPr>
-            <a:fld id="{6C46FE7A-82A5-478F-8B38-8D529DEC4257}" type="datetimeFigureOut">
+            <a:fld id="{9571B430-C6A9-4756-960C-6AD6BD007025}" type="datetimeFigureOut">
               <a:rPr lang="es-PE"/>
               <a:pPr>
                 <a:defRPr/>
@@ -451,7 +452,7 @@
             <a:pPr>
               <a:defRPr/>
             </a:pPr>
-            <a:fld id="{E6690C72-E8EF-44C7-A63C-2EB09CF4F47A}" type="slidenum">
+            <a:fld id="{5F1B2C71-FD5A-444F-9741-F7AB5755F46D}" type="slidenum">
               <a:rPr lang="es-PE"/>
               <a:pPr>
                 <a:defRPr/>
@@ -609,7 +610,7 @@
       </p:grpSpPr>
       <p:sp>
         <p:nvSpPr>
-          <p:cNvPr id="23553" name="1 Marcador de imagen de diapositiva"/>
+          <p:cNvPr id="26625" name="1 Marcador de imagen de diapositiva"/>
           <p:cNvSpPr>
             <a:spLocks noGrp="1" noRot="1" noChangeAspect="1"/>
           </p:cNvSpPr>
@@ -631,7 +632,7 @@
       </p:sp>
       <p:sp>
         <p:nvSpPr>
-          <p:cNvPr id="23554" name="2 Marcador de notas"/>
+          <p:cNvPr id="26626" name="2 Marcador de notas"/>
           <p:cNvSpPr>
             <a:spLocks noGrp="1"/>
           </p:cNvSpPr>
@@ -693,7 +694,7 @@
               </a:spcAft>
               <a:defRPr/>
             </a:pPr>
-            <a:fld id="{5CDB3B30-5C15-4310-A2CD-3B0692D159EA}" type="slidenum">
+            <a:fld id="{D065CC8E-5CEF-4F01-89C7-0F49564960C6}" type="slidenum">
               <a:rPr lang="es-PE"/>
               <a:pPr fontAlgn="base">
                 <a:spcBef>
@@ -704,7 +705,7 @@
                 </a:spcAft>
                 <a:defRPr/>
               </a:pPr>
-              <a:t>11</a:t>
+              <a:t>12</a:t>
             </a:fld>
             <a:endParaRPr lang="es-PE"/>
           </a:p>
@@ -2578,7 +2579,7 @@
             <a:pPr>
               <a:defRPr/>
             </a:pPr>
-            <a:fld id="{FE0AFEA0-ACAE-43DD-AB02-60ACB919B906}" type="datetimeFigureOut">
+            <a:fld id="{604E7FF0-8D77-472C-A19E-53E0003787F6}" type="datetimeFigureOut">
               <a:rPr lang="es-PE"/>
               <a:pPr>
                 <a:defRPr/>
@@ -2637,7 +2638,7 @@
             <a:pPr>
               <a:defRPr/>
             </a:pPr>
-            <a:fld id="{B3007BE6-04BA-4ADA-87E5-ECBD2F2F88A0}" type="slidenum">
+            <a:fld id="{78636F7C-A71F-44E5-A652-8B595E0BE2EA}" type="slidenum">
               <a:rPr lang="es-PE"/>
               <a:pPr>
                 <a:defRPr/>
@@ -2786,7 +2787,7 @@
             <a:pPr>
               <a:defRPr/>
             </a:pPr>
-            <a:fld id="{9CD18417-E95D-46DE-9661-583CA83A1743}" type="datetimeFigureOut">
+            <a:fld id="{4DEFEA86-30FB-4CC1-82DB-1D21E5D828F2}" type="datetimeFigureOut">
               <a:rPr lang="es-PE"/>
               <a:pPr>
                 <a:defRPr/>
@@ -2845,7 +2846,7 @@
             <a:pPr>
               <a:defRPr/>
             </a:pPr>
-            <a:fld id="{2FFE1BC9-B62F-4A75-BE90-6FA9A6BE8D12}" type="slidenum">
+            <a:fld id="{0588C6C8-573C-48EE-ACCA-8C87EE7E3F6C}" type="slidenum">
               <a:rPr lang="es-PE"/>
               <a:pPr>
                 <a:defRPr/>
@@ -4691,7 +4692,7 @@
             <a:pPr>
               <a:defRPr/>
             </a:pPr>
-            <a:fld id="{77CA2E0F-BDD8-4F04-8395-1F70FB7623D4}" type="datetimeFigureOut">
+            <a:fld id="{C7334E80-62AA-4875-B231-B8BC0B99E933}" type="datetimeFigureOut">
               <a:rPr lang="es-PE"/>
               <a:pPr>
                 <a:defRPr/>
@@ -4750,7 +4751,7 @@
             <a:pPr>
               <a:defRPr/>
             </a:pPr>
-            <a:fld id="{A27650FD-CD31-48EA-8C1F-13677FAF8D4C}" type="slidenum">
+            <a:fld id="{1D619740-AB4B-48C4-8866-9B664CEB639A}" type="slidenum">
               <a:rPr lang="es-PE"/>
               <a:pPr>
                 <a:defRPr/>
@@ -4788,7 +4789,7 @@
       </p:grpSpPr>
       <p:sp>
         <p:nvSpPr>
-          <p:cNvPr id="2" name="Marcador de fecha 1"/>
+          <p:cNvPr id="2" name="Date Placeholder 3"/>
           <p:cNvSpPr>
             <a:spLocks noGrp="1"/>
           </p:cNvSpPr>
@@ -4796,12 +4797,7 @@
             <p:ph type="dt" sz="half" idx="10"/>
           </p:nvPr>
         </p:nvSpPr>
-        <p:spPr>
-          <a:xfrm>
-            <a:off x="5164138" y="6249988"/>
-            <a:ext cx="3786187" cy="365125"/>
-          </a:xfrm>
-        </p:spPr>
+        <p:spPr/>
         <p:txBody>
           <a:bodyPr/>
           <a:lstStyle>
@@ -4813,7 +4809,7 @@
             <a:pPr>
               <a:defRPr/>
             </a:pPr>
-            <a:fld id="{0DA433D4-D4D6-4883-A8EB-8CFAD9F59F45}" type="datetimeFigureOut">
+            <a:fld id="{65214564-5CDC-467F-9AC9-A795606658EE}" type="datetimeFigureOut">
               <a:rPr lang="es-PE"/>
               <a:pPr>
                 <a:defRPr/>
@@ -4826,7 +4822,7 @@
       </p:sp>
       <p:sp>
         <p:nvSpPr>
-          <p:cNvPr id="3" name="Marcador de pie de página 2"/>
+          <p:cNvPr id="3" name="Footer Placeholder 4"/>
           <p:cNvSpPr>
             <a:spLocks noGrp="1"/>
           </p:cNvSpPr>
@@ -4834,12 +4830,7 @@
             <p:ph type="ftr" sz="quarter" idx="11"/>
           </p:nvPr>
         </p:nvSpPr>
-        <p:spPr>
-          <a:xfrm>
-            <a:off x="193675" y="6249988"/>
-            <a:ext cx="3786188" cy="365125"/>
-          </a:xfrm>
-        </p:spPr>
+        <p:spPr/>
         <p:txBody>
           <a:bodyPr/>
           <a:lstStyle>
@@ -4857,7 +4848,7 @@
       </p:sp>
       <p:sp>
         <p:nvSpPr>
-          <p:cNvPr id="4" name="Marcador de número de diapositiva 3"/>
+          <p:cNvPr id="4" name="Slide Number Placeholder 5"/>
           <p:cNvSpPr>
             <a:spLocks noGrp="1"/>
           </p:cNvSpPr>
@@ -4865,12 +4856,7 @@
             <p:ph type="sldNum" sz="quarter" idx="12"/>
           </p:nvPr>
         </p:nvSpPr>
-        <p:spPr>
-          <a:xfrm>
-            <a:off x="3990975" y="6249988"/>
-            <a:ext cx="1162050" cy="365125"/>
-          </a:xfrm>
-        </p:spPr>
+        <p:spPr/>
         <p:txBody>
           <a:bodyPr/>
           <a:lstStyle>
@@ -4882,7 +4868,7 @@
             <a:pPr>
               <a:defRPr/>
             </a:pPr>
-            <a:fld id="{1F3B033A-31A4-425E-908B-3F82E9BB518A}" type="slidenum">
+            <a:fld id="{72D0BF24-024B-4667-985F-6DE1216429C0}" type="slidenum">
               <a:rPr lang="es-PE"/>
               <a:pPr>
                 <a:defRPr/>
@@ -5015,7 +5001,7 @@
             <a:pPr>
               <a:defRPr/>
             </a:pPr>
-            <a:fld id="{A592D287-7BF1-4F37-AD10-7F3CB0BD7F35}" type="datetimeFigureOut">
+            <a:fld id="{D355B64F-0C79-4FEF-8C7F-226E8CE93F17}" type="datetimeFigureOut">
               <a:rPr lang="es-PE"/>
               <a:pPr>
                 <a:defRPr/>
@@ -5074,7 +5060,7 @@
             <a:pPr>
               <a:defRPr/>
             </a:pPr>
-            <a:fld id="{4F09939B-501A-4388-B5D6-84D2BB1E7F10}" type="slidenum">
+            <a:fld id="{A289F2A9-FFBF-4114-8BB0-B9FAC8FE8D2D}" type="slidenum">
               <a:rPr lang="es-PE"/>
               <a:pPr>
                 <a:defRPr/>
@@ -6932,7 +6918,7 @@
             <a:pPr>
               <a:defRPr/>
             </a:pPr>
-            <a:fld id="{9F7B79CE-DB0E-4D56-8DB8-AA464D538ABD}" type="datetimeFigureOut">
+            <a:fld id="{C6575ED4-7416-4277-A626-1778A6974D28}" type="datetimeFigureOut">
               <a:rPr lang="es-PE"/>
               <a:pPr>
                 <a:defRPr/>
@@ -6991,7 +6977,7 @@
             <a:pPr>
               <a:defRPr/>
             </a:pPr>
-            <a:fld id="{977AF486-00FE-445D-9129-523841CE2109}" type="slidenum">
+            <a:fld id="{C650CB4B-3CBF-4F95-B470-B3134F98EE9B}" type="slidenum">
               <a:rPr lang="es-PE"/>
               <a:pPr>
                 <a:defRPr/>
@@ -7186,7 +7172,7 @@
             <a:pPr>
               <a:defRPr/>
             </a:pPr>
-            <a:fld id="{5A4B9C04-4BFC-4E42-B5F5-1727A9AA6A3F}" type="datetimeFigureOut">
+            <a:fld id="{497C6A03-2F43-482E-93E2-21EEE706649E}" type="datetimeFigureOut">
               <a:rPr lang="es-PE"/>
               <a:pPr>
                 <a:defRPr/>
@@ -7245,7 +7231,7 @@
             <a:pPr>
               <a:defRPr/>
             </a:pPr>
-            <a:fld id="{D7D1F318-3923-4F77-97BE-290F5AF8796A}" type="slidenum">
+            <a:fld id="{BCC2941B-24C6-4B71-8E86-7B0E5495527B}" type="slidenum">
               <a:rPr lang="es-PE"/>
               <a:pPr>
                 <a:defRPr/>
@@ -7640,7 +7626,7 @@
             <a:pPr>
               <a:defRPr/>
             </a:pPr>
-            <a:fld id="{783170C1-5398-45C4-87E6-57C72E7E5D51}" type="datetimeFigureOut">
+            <a:fld id="{DE7DF4CF-13AE-4786-929E-7BD6DF68A405}" type="datetimeFigureOut">
               <a:rPr lang="es-PE"/>
               <a:pPr>
                 <a:defRPr/>
@@ -7699,7 +7685,7 @@
             <a:pPr>
               <a:defRPr/>
             </a:pPr>
-            <a:fld id="{9BA702AB-6392-4D3B-A6BF-C12576AC6B92}" type="slidenum">
+            <a:fld id="{4C9AFBC3-46D5-4A3A-8412-3D975F18EAA2}" type="slidenum">
               <a:rPr lang="es-PE"/>
               <a:pPr>
                 <a:defRPr/>
@@ -7780,7 +7766,7 @@
             <a:pPr>
               <a:defRPr/>
             </a:pPr>
-            <a:fld id="{05493CD4-A4BB-4287-A207-DA2906EFAD0C}" type="datetimeFigureOut">
+            <a:fld id="{C76A6B84-69FA-4304-AD14-DBD728314C32}" type="datetimeFigureOut">
               <a:rPr lang="es-PE"/>
               <a:pPr>
                 <a:defRPr/>
@@ -7839,7 +7825,7 @@
             <a:pPr>
               <a:defRPr/>
             </a:pPr>
-            <a:fld id="{D59E4CB6-222F-4D89-8F53-DC53564C516B}" type="slidenum">
+            <a:fld id="{B8984F81-8C02-435F-B9BA-D557A5A92887}" type="slidenum">
               <a:rPr lang="es-PE"/>
               <a:pPr>
                 <a:defRPr/>
@@ -9561,7 +9547,7 @@
             <a:pPr>
               <a:defRPr/>
             </a:pPr>
-            <a:fld id="{5FEDB27C-8E75-41F7-9D2F-CB7E38CCB4D8}" type="datetimeFigureOut">
+            <a:fld id="{42D18561-A0C0-45D9-8070-9169DE0198D7}" type="datetimeFigureOut">
               <a:rPr lang="es-PE"/>
               <a:pPr>
                 <a:defRPr/>
@@ -9620,7 +9606,7 @@
             <a:pPr>
               <a:defRPr/>
             </a:pPr>
-            <a:fld id="{FB8B4579-D328-46DA-8D83-899F3C73BCCA}" type="slidenum">
+            <a:fld id="{A28D48C5-34B2-4E78-A599-945388C0F4EC}" type="slidenum">
               <a:rPr lang="es-PE"/>
               <a:pPr>
                 <a:defRPr/>
@@ -11577,7 +11563,7 @@
             <a:pPr>
               <a:defRPr/>
             </a:pPr>
-            <a:fld id="{B7E0D4D9-C82B-40C0-B60A-B6D45C682101}" type="datetimeFigureOut">
+            <a:fld id="{7778F3A8-D09F-4CCF-9D84-32F4565B2569}" type="datetimeFigureOut">
               <a:rPr lang="es-PE"/>
               <a:pPr>
                 <a:defRPr/>
@@ -11636,7 +11622,7 @@
             <a:pPr>
               <a:defRPr/>
             </a:pPr>
-            <a:fld id="{36D0E02D-6C1B-4E04-BADD-FCFF6E0B92DC}" type="slidenum">
+            <a:fld id="{0DBA05C3-D83A-4042-BA36-447EFA02E7F2}" type="slidenum">
               <a:rPr lang="es-PE"/>
               <a:pPr>
                 <a:defRPr/>
@@ -13564,7 +13550,7 @@
             <a:pPr>
               <a:defRPr/>
             </a:pPr>
-            <a:fld id="{549A34BA-A2B3-4B78-BE7D-C5257C2D0293}" type="datetimeFigureOut">
+            <a:fld id="{4AD6A8A4-FD9B-46FB-8097-4C761002056B}" type="datetimeFigureOut">
               <a:rPr lang="es-PE"/>
               <a:pPr>
                 <a:defRPr/>
@@ -13623,7 +13609,7 @@
             <a:pPr>
               <a:defRPr/>
             </a:pPr>
-            <a:fld id="{1FBA0DFE-2A38-403B-8CEB-91C745A63433}" type="slidenum">
+            <a:fld id="{57DDC9C9-2BD2-4196-8EE8-20888702ABCF}" type="slidenum">
               <a:rPr lang="es-PE"/>
               <a:pPr>
                 <a:defRPr/>
@@ -15412,7 +15398,7 @@
             <a:pPr>
               <a:defRPr/>
             </a:pPr>
-            <a:fld id="{9A001ACD-5FC0-4482-ACD1-5D49ED8BE54C}" type="datetimeFigureOut">
+            <a:fld id="{A7EEEB7B-FC29-4850-8DA0-9E781842AD8A}" type="datetimeFigureOut">
               <a:rPr lang="es-PE"/>
               <a:pPr>
                 <a:defRPr/>
@@ -15509,7 +15495,7 @@
             <a:pPr>
               <a:defRPr/>
             </a:pPr>
-            <a:fld id="{3612D359-9FA2-4D39-89CF-B417B675EE57}" type="slidenum">
+            <a:fld id="{98F81889-6298-4DA0-B8B3-C0E0B00CDB0B}" type="slidenum">
               <a:rPr lang="es-PE"/>
               <a:pPr>
                 <a:defRPr/>
@@ -15596,17 +15582,17 @@
   <p:clrMap bg1="lt1" tx1="dk1" bg2="lt2" tx2="dk2" accent1="accent1" accent2="accent2" accent3="accent3" accent4="accent4" accent5="accent5" accent6="accent6" hlink="hlink" folHlink="folHlink"/>
   <p:sldLayoutIdLst>
     <p:sldLayoutId id="2147483673" r:id="rId1"/>
-    <p:sldLayoutId id="2147483671" r:id="rId2"/>
+    <p:sldLayoutId id="2147483672" r:id="rId2"/>
     <p:sldLayoutId id="2147483674" r:id="rId3"/>
-    <p:sldLayoutId id="2147483670" r:id="rId4"/>
-    <p:sldLayoutId id="2147483669" r:id="rId5"/>
-    <p:sldLayoutId id="2147483668" r:id="rId6"/>
+    <p:sldLayoutId id="2147483671" r:id="rId4"/>
+    <p:sldLayoutId id="2147483670" r:id="rId5"/>
+    <p:sldLayoutId id="2147483669" r:id="rId6"/>
     <p:sldLayoutId id="2147483675" r:id="rId7"/>
     <p:sldLayoutId id="2147483676" r:id="rId8"/>
     <p:sldLayoutId id="2147483677" r:id="rId9"/>
-    <p:sldLayoutId id="2147483667" r:id="rId10"/>
+    <p:sldLayoutId id="2147483668" r:id="rId10"/>
     <p:sldLayoutId id="2147483678" r:id="rId11"/>
-    <p:sldLayoutId id="2147483672" r:id="rId12"/>
+    <p:sldLayoutId id="2147483667" r:id="rId12"/>
   </p:sldLayoutIdLst>
   <p:txStyles>
     <p:titleStyle>
@@ -16013,7 +15999,7 @@
       </p:grpSpPr>
       <p:sp>
         <p:nvSpPr>
-          <p:cNvPr id="14337" name="1 Título"/>
+          <p:cNvPr id="15361" name="1 Título"/>
           <p:cNvSpPr>
             <a:spLocks noGrp="1"/>
           </p:cNvSpPr>
@@ -16042,7 +16028,7 @@
       </p:sp>
       <p:sp>
         <p:nvSpPr>
-          <p:cNvPr id="14338" name="2 Subtítulo"/>
+          <p:cNvPr id="15362" name="2 Subtítulo"/>
           <p:cNvSpPr>
             <a:spLocks noGrp="1"/>
           </p:cNvSpPr>
@@ -16070,7 +16056,7 @@
       </p:sp>
       <p:sp>
         <p:nvSpPr>
-          <p:cNvPr id="14339" name="3 CuadroTexto"/>
+          <p:cNvPr id="15363" name="3 CuadroTexto"/>
           <p:cNvSpPr txBox="1">
             <a:spLocks noChangeArrowheads="1"/>
           </p:cNvSpPr>
@@ -16155,7 +16141,7 @@
       </p:sp>
       <p:sp>
         <p:nvSpPr>
-          <p:cNvPr id="14340" name="Text Box 5"/>
+          <p:cNvPr id="15364" name="Text Box 5"/>
           <p:cNvSpPr txBox="1">
             <a:spLocks noChangeArrowheads="1"/>
           </p:cNvSpPr>
@@ -16249,6 +16235,231 @@
             <p:ph type="title"/>
           </p:nvPr>
         </p:nvSpPr>
+        <p:spPr/>
+        <p:txBody>
+          <a:bodyPr rtlCol="0">
+            <a:normAutofit fontScale="90000"/>
+          </a:bodyPr>
+          <a:lstStyle/>
+          <a:p>
+            <a:pPr eaLnBrk="1" fontAlgn="auto" hangingPunct="1">
+              <a:spcAft>
+                <a:spcPts val="0"/>
+              </a:spcAft>
+              <a:defRPr/>
+            </a:pPr>
+            <a:r>
+              <a:rPr lang="es-PE" dirty="0" smtClean="0"/>
+              <a:t>Modelo de Casos de uso del negocio</a:t>
+            </a:r>
+            <a:br>
+              <a:rPr lang="es-PE" dirty="0" smtClean="0"/>
+            </a:br>
+            <a:r>
+              <a:rPr lang="es-PE" dirty="0" smtClean="0"/>
+              <a:t>(Contratos de Clientes)</a:t>
+            </a:r>
+            <a:endParaRPr lang="es-PE" dirty="0"/>
+          </a:p>
+        </p:txBody>
+      </p:sp>
+      <p:graphicFrame>
+        <p:nvGraphicFramePr>
+          <p:cNvPr id="4" name="3 Tabla"/>
+          <p:cNvGraphicFramePr>
+            <a:graphicFrameLocks noGrp="1"/>
+          </p:cNvGraphicFramePr>
+          <p:nvPr/>
+        </p:nvGraphicFramePr>
+        <p:xfrm>
+          <a:off x="323850" y="2708275"/>
+          <a:ext cx="8496300" cy="3600450"/>
+        </p:xfrm>
+        <a:graphic>
+          <a:graphicData uri="http://schemas.openxmlformats.org/drawingml/2006/table">
+            <a:tbl>
+              <a:tblPr firstRow="1" bandRow="1">
+                <a:tableStyleId>{BC89EF96-8CEA-46FF-86C4-4CE0E7609802}</a:tableStyleId>
+              </a:tblPr>
+              <a:tblGrid>
+                <a:gridCol w="2664296"/>
+                <a:gridCol w="2952328"/>
+                <a:gridCol w="2880321"/>
+              </a:tblGrid>
+              <a:tr h="3600400">
+                <a:tc>
+                  <a:txBody>
+                    <a:bodyPr/>
+                    <a:lstStyle/>
+                    <a:p>
+                      <a:endParaRPr lang="es-ES" dirty="0"/>
+                    </a:p>
+                  </a:txBody>
+                  <a:tcPr/>
+                </a:tc>
+                <a:tc>
+                  <a:txBody>
+                    <a:bodyPr/>
+                    <a:lstStyle/>
+                    <a:p>
+                      <a:endParaRPr lang="es-ES" dirty="0"/>
+                    </a:p>
+                  </a:txBody>
+                  <a:tcPr/>
+                </a:tc>
+                <a:tc>
+                  <a:txBody>
+                    <a:bodyPr/>
+                    <a:lstStyle/>
+                    <a:p>
+                      <a:endParaRPr lang="es-ES" dirty="0"/>
+                    </a:p>
+                  </a:txBody>
+                  <a:tcPr/>
+                </a:tc>
+              </a:tr>
+            </a:tbl>
+          </a:graphicData>
+        </a:graphic>
+      </p:graphicFrame>
+      <p:pic>
+        <p:nvPicPr>
+          <p:cNvPr id="23564" name="Picture 3"/>
+          <p:cNvPicPr>
+            <a:picLocks noChangeAspect="1" noChangeArrowheads="1"/>
+          </p:cNvPicPr>
+          <p:nvPr/>
+        </p:nvPicPr>
+        <p:blipFill>
+          <a:blip r:embed="rId2"/>
+          <a:srcRect/>
+          <a:stretch>
+            <a:fillRect/>
+          </a:stretch>
+        </p:blipFill>
+        <p:spPr bwMode="auto">
+          <a:xfrm>
+            <a:off x="704850" y="3644900"/>
+            <a:ext cx="1995488" cy="1655763"/>
+          </a:xfrm>
+          <a:prstGeom prst="rect">
+            <a:avLst/>
+          </a:prstGeom>
+          <a:noFill/>
+          <a:ln w="9525">
+            <a:noFill/>
+            <a:miter lim="800000"/>
+            <a:headEnd/>
+            <a:tailEnd/>
+          </a:ln>
+        </p:spPr>
+      </p:pic>
+      <p:pic>
+        <p:nvPicPr>
+          <p:cNvPr id="23565" name="Picture 4"/>
+          <p:cNvPicPr>
+            <a:picLocks noChangeAspect="1" noChangeArrowheads="1"/>
+          </p:cNvPicPr>
+          <p:nvPr/>
+        </p:nvPicPr>
+        <p:blipFill>
+          <a:blip r:embed="rId3"/>
+          <a:srcRect/>
+          <a:stretch>
+            <a:fillRect/>
+          </a:stretch>
+        </p:blipFill>
+        <p:spPr bwMode="auto">
+          <a:xfrm>
+            <a:off x="3348038" y="3706813"/>
+            <a:ext cx="2243137" cy="1666875"/>
+          </a:xfrm>
+          <a:prstGeom prst="rect">
+            <a:avLst/>
+          </a:prstGeom>
+          <a:noFill/>
+          <a:ln w="9525">
+            <a:noFill/>
+            <a:miter lim="800000"/>
+            <a:headEnd/>
+            <a:tailEnd/>
+          </a:ln>
+        </p:spPr>
+      </p:pic>
+      <p:pic>
+        <p:nvPicPr>
+          <p:cNvPr id="23566" name="Picture 5"/>
+          <p:cNvPicPr>
+            <a:picLocks noChangeAspect="1" noChangeArrowheads="1"/>
+          </p:cNvPicPr>
+          <p:nvPr/>
+        </p:nvPicPr>
+        <p:blipFill>
+          <a:blip r:embed="rId4"/>
+          <a:srcRect/>
+          <a:stretch>
+            <a:fillRect/>
+          </a:stretch>
+        </p:blipFill>
+        <p:spPr bwMode="auto">
+          <a:xfrm>
+            <a:off x="6372225" y="3644900"/>
+            <a:ext cx="2138363" cy="1728788"/>
+          </a:xfrm>
+          <a:prstGeom prst="rect">
+            <a:avLst/>
+          </a:prstGeom>
+          <a:noFill/>
+          <a:ln w="9525">
+            <a:noFill/>
+            <a:miter lim="800000"/>
+            <a:headEnd/>
+            <a:tailEnd/>
+          </a:ln>
+        </p:spPr>
+      </p:pic>
+    </p:spTree>
+  </p:cSld>
+  <p:clrMapOvr>
+    <a:masterClrMapping/>
+  </p:clrMapOvr>
+  <p:timing>
+    <p:tnLst>
+      <p:par>
+        <p:cTn id="1" dur="indefinite" restart="never" nodeType="tmRoot"/>
+      </p:par>
+    </p:tnLst>
+  </p:timing>
+</p:sld>
+</file>
+
+<file path=ppt/slides/slide11.xml><?xml version="1.0" encoding="utf-8"?>
+<p:sld xmlns:a="http://schemas.openxmlformats.org/drawingml/2006/main" xmlns:r="http://schemas.openxmlformats.org/officeDocument/2006/relationships" xmlns:p="http://schemas.openxmlformats.org/presentationml/2006/main">
+  <p:cSld>
+    <p:spTree>
+      <p:nvGrpSpPr>
+        <p:cNvPr id="1" name=""/>
+        <p:cNvGrpSpPr/>
+        <p:nvPr/>
+      </p:nvGrpSpPr>
+      <p:grpSpPr>
+        <a:xfrm>
+          <a:off x="0" y="0"/>
+          <a:ext cx="0" cy="0"/>
+          <a:chOff x="0" y="0"/>
+          <a:chExt cx="0" cy="0"/>
+        </a:xfrm>
+      </p:grpSpPr>
+      <p:sp>
+        <p:nvSpPr>
+          <p:cNvPr id="3" name="2 Título"/>
+          <p:cNvSpPr>
+            <a:spLocks noGrp="1"/>
+          </p:cNvSpPr>
+          <p:nvPr>
+            <p:ph type="title"/>
+          </p:nvPr>
+        </p:nvSpPr>
         <p:spPr>
           <a:xfrm>
             <a:off x="611188" y="2852738"/>
@@ -16306,7 +16517,7 @@
 </p:sld>
 </file>
 
-<file path=ppt/slides/slide11.xml><?xml version="1.0" encoding="utf-8"?>
+<file path=ppt/slides/slide12.xml><?xml version="1.0" encoding="utf-8"?>
 <p:sld xmlns:a="http://schemas.openxmlformats.org/drawingml/2006/main" xmlns:r="http://schemas.openxmlformats.org/officeDocument/2006/relationships" xmlns:p="http://schemas.openxmlformats.org/presentationml/2006/main">
   <p:cSld>
     <p:spTree>
@@ -16768,7 +16979,7 @@
       </p:graphicFrame>
       <p:pic>
         <p:nvPicPr>
-          <p:cNvPr id="22544" name="Picture 3"/>
+          <p:cNvPr id="25616" name="Picture 3"/>
           <p:cNvPicPr>
             <a:picLocks noChangeAspect="1" noChangeArrowheads="1"/>
           </p:cNvPicPr>
@@ -16800,7 +17011,7 @@
       </p:pic>
       <p:pic>
         <p:nvPicPr>
-          <p:cNvPr id="22545" name="Picture 4"/>
+          <p:cNvPr id="25617" name="Picture 4"/>
           <p:cNvPicPr>
             <a:picLocks noChangeAspect="1" noChangeArrowheads="1"/>
           </p:cNvPicPr>
@@ -16832,7 +17043,7 @@
       </p:pic>
       <p:pic>
         <p:nvPicPr>
-          <p:cNvPr id="22546" name="Picture 5"/>
+          <p:cNvPr id="25618" name="Picture 5"/>
           <p:cNvPicPr>
             <a:picLocks noChangeAspect="1" noChangeArrowheads="1"/>
           </p:cNvPicPr>
@@ -16877,7 +17088,7 @@
 </p:sld>
 </file>
 
-<file path=ppt/slides/slide12.xml><?xml version="1.0" encoding="utf-8"?>
+<file path=ppt/slides/slide13.xml><?xml version="1.0" encoding="utf-8"?>
 <p:sld xmlns:a="http://schemas.openxmlformats.org/drawingml/2006/main" xmlns:r="http://schemas.openxmlformats.org/officeDocument/2006/relationships" xmlns:p="http://schemas.openxmlformats.org/presentationml/2006/main">
   <p:cSld>
     <p:spTree>
@@ -17486,7 +17697,7 @@
       </p:graphicFrame>
       <p:pic>
         <p:nvPicPr>
-          <p:cNvPr id="24586" name="Picture 2"/>
+          <p:cNvPr id="27658" name="Picture 2"/>
           <p:cNvPicPr>
             <a:picLocks noChangeAspect="1" noChangeArrowheads="1"/>
           </p:cNvPicPr>
@@ -17531,7 +17742,7 @@
 </p:sld>
 </file>
 
-<file path=ppt/slides/slide13.xml><?xml version="1.0" encoding="utf-8"?>
+<file path=ppt/slides/slide14.xml><?xml version="1.0" encoding="utf-8"?>
 <p:sld xmlns:a="http://schemas.openxmlformats.org/drawingml/2006/main" xmlns:r="http://schemas.openxmlformats.org/officeDocument/2006/relationships" xmlns:p="http://schemas.openxmlformats.org/presentationml/2006/main">
   <p:cSld>
     <p:spTree>
@@ -17669,7 +17880,7 @@
       </p:graphicFrame>
       <p:pic>
         <p:nvPicPr>
-          <p:cNvPr id="25610" name="Picture 2"/>
+          <p:cNvPr id="28682" name="Picture 2"/>
           <p:cNvPicPr>
             <a:picLocks noChangeAspect="1" noChangeArrowheads="1"/>
           </p:cNvPicPr>
@@ -17701,7 +17912,7 @@
       </p:pic>
       <p:pic>
         <p:nvPicPr>
-          <p:cNvPr id="25611" name="Picture 2"/>
+          <p:cNvPr id="28683" name="Picture 2"/>
           <p:cNvPicPr>
             <a:picLocks noChangeAspect="1" noChangeArrowheads="1"/>
           </p:cNvPicPr>
@@ -17746,7 +17957,7 @@
 </p:sld>
 </file>
 
-<file path=ppt/slides/slide14.xml><?xml version="1.0" encoding="utf-8"?>
+<file path=ppt/slides/slide15.xml><?xml version="1.0" encoding="utf-8"?>
 <p:sld xmlns:a="http://schemas.openxmlformats.org/drawingml/2006/main" xmlns:r="http://schemas.openxmlformats.org/officeDocument/2006/relationships" xmlns:p="http://schemas.openxmlformats.org/presentationml/2006/main">
   <p:cSld>
     <p:spTree>
@@ -17884,7 +18095,7 @@
       </p:graphicFrame>
       <p:pic>
         <p:nvPicPr>
-          <p:cNvPr id="26634" name="6 Imagen" descr="http://www.cdti.es/recursos/img/Servicios/Red_PIDi/Tutorial_BMP/Incentivos_N1/9323_1311312010115741.JPG"/>
+          <p:cNvPr id="29706" name="6 Imagen" descr="http://www.cdti.es/recursos/img/Servicios/Red_PIDi/Tutorial_BMP/Incentivos_N1/9323_1311312010115741.JPG"/>
           <p:cNvPicPr>
             <a:picLocks noChangeAspect="1" noChangeArrowheads="1"/>
           </p:cNvPicPr>
@@ -17916,7 +18127,7 @@
       </p:pic>
       <p:pic>
         <p:nvPicPr>
-          <p:cNvPr id="26635" name="Picture 2"/>
+          <p:cNvPr id="29707" name="Picture 2"/>
           <p:cNvPicPr>
             <a:picLocks noChangeAspect="1" noChangeArrowheads="1"/>
           </p:cNvPicPr>
@@ -17961,7 +18172,7 @@
 </p:sld>
 </file>
 
-<file path=ppt/slides/slide15.xml><?xml version="1.0" encoding="utf-8"?>
+<file path=ppt/slides/slide16.xml><?xml version="1.0" encoding="utf-8"?>
 <p:sld xmlns:a="http://schemas.openxmlformats.org/drawingml/2006/main" xmlns:r="http://schemas.openxmlformats.org/officeDocument/2006/relationships" xmlns:p="http://schemas.openxmlformats.org/presentationml/2006/main">
   <p:cSld>
     <p:spTree>
@@ -18301,7 +18512,7 @@
       </p:graphicFrame>
       <p:pic>
         <p:nvPicPr>
-          <p:cNvPr id="27664" name="Picture 2"/>
+          <p:cNvPr id="30736" name="Picture 2"/>
           <p:cNvPicPr>
             <a:picLocks noChangeAspect="1" noChangeArrowheads="1"/>
           </p:cNvPicPr>
@@ -18333,7 +18544,7 @@
       </p:pic>
       <p:pic>
         <p:nvPicPr>
-          <p:cNvPr id="27665" name="Picture 3"/>
+          <p:cNvPr id="30737" name="Picture 3"/>
           <p:cNvPicPr>
             <a:picLocks noChangeAspect="1" noChangeArrowheads="1"/>
           </p:cNvPicPr>
@@ -18365,7 +18576,7 @@
       </p:pic>
       <p:pic>
         <p:nvPicPr>
-          <p:cNvPr id="27666" name="Picture 4"/>
+          <p:cNvPr id="30738" name="Picture 4"/>
           <p:cNvPicPr>
             <a:picLocks noChangeAspect="1" noChangeArrowheads="1"/>
           </p:cNvPicPr>
@@ -18410,7 +18621,7 @@
 </p:sld>
 </file>
 
-<file path=ppt/slides/slide16.xml><?xml version="1.0" encoding="utf-8"?>
+<file path=ppt/slides/slide17.xml><?xml version="1.0" encoding="utf-8"?>
 <p:sld xmlns:a="http://schemas.openxmlformats.org/drawingml/2006/main" xmlns:r="http://schemas.openxmlformats.org/officeDocument/2006/relationships" xmlns:p="http://schemas.openxmlformats.org/presentationml/2006/main">
   <p:cSld>
     <p:spTree>
@@ -18732,7 +18943,7 @@
       </p:graphicFrame>
       <p:pic>
         <p:nvPicPr>
-          <p:cNvPr id="28688" name="Picture 2"/>
+          <p:cNvPr id="31760" name="Picture 2"/>
           <p:cNvPicPr>
             <a:picLocks noChangeAspect="1" noChangeArrowheads="1"/>
           </p:cNvPicPr>
@@ -18764,7 +18975,7 @@
       </p:pic>
       <p:pic>
         <p:nvPicPr>
-          <p:cNvPr id="28689" name="Picture 3"/>
+          <p:cNvPr id="31761" name="Picture 3"/>
           <p:cNvPicPr>
             <a:picLocks noChangeAspect="1" noChangeArrowheads="1"/>
           </p:cNvPicPr>
@@ -18796,7 +19007,7 @@
       </p:pic>
       <p:pic>
         <p:nvPicPr>
-          <p:cNvPr id="28690" name="Picture 4"/>
+          <p:cNvPr id="31762" name="Picture 4"/>
           <p:cNvPicPr>
             <a:picLocks noChangeAspect="1" noChangeArrowheads="1"/>
           </p:cNvPicPr>
@@ -18841,7 +19052,7 @@
 </p:sld>
 </file>
 
-<file path=ppt/slides/slide17.xml><?xml version="1.0" encoding="utf-8"?>
+<file path=ppt/slides/slide18.xml><?xml version="1.0" encoding="utf-8"?>
 <p:sld xmlns:a="http://schemas.openxmlformats.org/drawingml/2006/main" xmlns:r="http://schemas.openxmlformats.org/officeDocument/2006/relationships" xmlns:p="http://schemas.openxmlformats.org/presentationml/2006/main">
   <p:cSld>
     <p:spTree>
@@ -19185,7 +19396,7 @@
       </p:graphicFrame>
       <p:pic>
         <p:nvPicPr>
-          <p:cNvPr id="29712" name="Picture 2"/>
+          <p:cNvPr id="32784" name="Picture 2"/>
           <p:cNvPicPr>
             <a:picLocks noChangeAspect="1" noChangeArrowheads="1"/>
           </p:cNvPicPr>
@@ -19217,7 +19428,7 @@
       </p:pic>
       <p:pic>
         <p:nvPicPr>
-          <p:cNvPr id="29713" name="Picture 3"/>
+          <p:cNvPr id="32785" name="Picture 3"/>
           <p:cNvPicPr>
             <a:picLocks noChangeAspect="1" noChangeArrowheads="1"/>
           </p:cNvPicPr>
@@ -19249,7 +19460,7 @@
       </p:pic>
       <p:pic>
         <p:nvPicPr>
-          <p:cNvPr id="29714" name="Picture 4"/>
+          <p:cNvPr id="32786" name="Picture 4"/>
           <p:cNvPicPr>
             <a:picLocks noChangeAspect="1" noChangeArrowheads="1"/>
           </p:cNvPicPr>
@@ -19294,7 +19505,7 @@
 </p:sld>
 </file>
 
-<file path=ppt/slides/slide18.xml><?xml version="1.0" encoding="utf-8"?>
+<file path=ppt/slides/slide19.xml><?xml version="1.0" encoding="utf-8"?>
 <p:sld xmlns:a="http://schemas.openxmlformats.org/drawingml/2006/main" xmlns:r="http://schemas.openxmlformats.org/officeDocument/2006/relationships" xmlns:p="http://schemas.openxmlformats.org/presentationml/2006/main">
   <p:cSld>
     <p:spTree>
@@ -19580,7 +19791,7 @@
       </p:graphicFrame>
       <p:pic>
         <p:nvPicPr>
-          <p:cNvPr id="30730" name="Picture 2"/>
+          <p:cNvPr id="33802" name="Picture 2"/>
           <p:cNvPicPr>
             <a:picLocks noChangeAspect="1" noChangeArrowheads="1"/>
           </p:cNvPicPr>
@@ -19625,7 +19836,113 @@
 </p:sld>
 </file>
 
-<file path=ppt/slides/slide19.xml><?xml version="1.0" encoding="utf-8"?>
+<file path=ppt/slides/slide2.xml><?xml version="1.0" encoding="utf-8"?>
+<p:sld xmlns:a="http://schemas.openxmlformats.org/drawingml/2006/main" xmlns:r="http://schemas.openxmlformats.org/officeDocument/2006/relationships" xmlns:p="http://schemas.openxmlformats.org/presentationml/2006/main">
+  <p:cSld>
+    <p:spTree>
+      <p:nvGrpSpPr>
+        <p:cNvPr id="1" name=""/>
+        <p:cNvGrpSpPr/>
+        <p:nvPr/>
+      </p:nvGrpSpPr>
+      <p:grpSpPr>
+        <a:xfrm>
+          <a:off x="0" y="0"/>
+          <a:ext cx="0" cy="0"/>
+          <a:chOff x="0" y="0"/>
+          <a:chExt cx="0" cy="0"/>
+        </a:xfrm>
+      </p:grpSpPr>
+      <p:sp>
+        <p:nvSpPr>
+          <p:cNvPr id="16385" name="2 Título"/>
+          <p:cNvSpPr>
+            <a:spLocks noGrp="1"/>
+          </p:cNvSpPr>
+          <p:nvPr>
+            <p:ph type="title" idx="4294967295"/>
+          </p:nvPr>
+        </p:nvSpPr>
+        <p:spPr>
+          <a:xfrm>
+            <a:off x="611188" y="2636838"/>
+            <a:ext cx="8229600" cy="1252537"/>
+          </a:xfrm>
+        </p:spPr>
+        <p:txBody>
+          <a:bodyPr/>
+          <a:lstStyle/>
+          <a:p>
+            <a:pPr eaLnBrk="1" hangingPunct="1"/>
+            <a:r>
+              <a:rPr lang="es-PE" sz="4000" b="1" smtClean="0">
+                <a:solidFill>
+                  <a:srgbClr val="C00000"/>
+                </a:solidFill>
+              </a:rPr>
+              <a:t>INTRODUCCION</a:t>
+            </a:r>
+            <a:br>
+              <a:rPr lang="es-PE" sz="4000" b="1" smtClean="0">
+                <a:solidFill>
+                  <a:srgbClr val="C00000"/>
+                </a:solidFill>
+              </a:rPr>
+            </a:br>
+            <a:r>
+              <a:rPr lang="es-PE" sz="4000" b="1" smtClean="0">
+                <a:solidFill>
+                  <a:srgbClr val="C00000"/>
+                </a:solidFill>
+              </a:rPr>
+              <a:t>(Contratos de Clientes)</a:t>
+            </a:r>
+          </a:p>
+        </p:txBody>
+      </p:sp>
+      <p:pic>
+        <p:nvPicPr>
+          <p:cNvPr id="16386" name="Picture 2" descr="http://img.creativosonline.org/blog/wp-content/uploads/2012/02/consejos-contrato-autonomo-exito.jpg"/>
+          <p:cNvPicPr>
+            <a:picLocks noChangeAspect="1" noChangeArrowheads="1"/>
+          </p:cNvPicPr>
+          <p:nvPr/>
+        </p:nvPicPr>
+        <p:blipFill>
+          <a:blip r:embed="rId2"/>
+          <a:srcRect/>
+          <a:stretch>
+            <a:fillRect/>
+          </a:stretch>
+        </p:blipFill>
+        <p:spPr bwMode="auto">
+          <a:xfrm>
+            <a:off x="2916238" y="3933825"/>
+            <a:ext cx="3743325" cy="2246313"/>
+          </a:xfrm>
+          <a:prstGeom prst="rect">
+            <a:avLst/>
+          </a:prstGeom>
+          <a:noFill/>
+          <a:ln w="9525">
+            <a:solidFill>
+              <a:schemeClr val="tx2"/>
+            </a:solidFill>
+            <a:miter lim="800000"/>
+            <a:headEnd/>
+            <a:tailEnd/>
+          </a:ln>
+        </p:spPr>
+      </p:pic>
+    </p:spTree>
+  </p:cSld>
+  <p:clrMapOvr>
+    <a:masterClrMapping/>
+  </p:clrMapOvr>
+</p:sld>
+</file>
+
+<file path=ppt/slides/slide20.xml><?xml version="1.0" encoding="utf-8"?>
 <p:sld xmlns:a="http://schemas.openxmlformats.org/drawingml/2006/main" xmlns:r="http://schemas.openxmlformats.org/officeDocument/2006/relationships" xmlns:p="http://schemas.openxmlformats.org/presentationml/2006/main">
   <p:cSld>
     <p:spTree>
@@ -19709,113 +20026,7 @@
 </p:sld>
 </file>
 
-<file path=ppt/slides/slide2.xml><?xml version="1.0" encoding="utf-8"?>
-<p:sld xmlns:a="http://schemas.openxmlformats.org/drawingml/2006/main" xmlns:r="http://schemas.openxmlformats.org/officeDocument/2006/relationships" xmlns:p="http://schemas.openxmlformats.org/presentationml/2006/main">
-  <p:cSld>
-    <p:spTree>
-      <p:nvGrpSpPr>
-        <p:cNvPr id="1" name=""/>
-        <p:cNvGrpSpPr/>
-        <p:nvPr/>
-      </p:nvGrpSpPr>
-      <p:grpSpPr>
-        <a:xfrm>
-          <a:off x="0" y="0"/>
-          <a:ext cx="0" cy="0"/>
-          <a:chOff x="0" y="0"/>
-          <a:chExt cx="0" cy="0"/>
-        </a:xfrm>
-      </p:grpSpPr>
-      <p:sp>
-        <p:nvSpPr>
-          <p:cNvPr id="3" name="2 Título"/>
-          <p:cNvSpPr>
-            <a:spLocks noGrp="1"/>
-          </p:cNvSpPr>
-          <p:nvPr>
-            <p:ph type="title" idx="4294967295"/>
-          </p:nvPr>
-        </p:nvSpPr>
-        <p:spPr>
-          <a:xfrm>
-            <a:off x="611188" y="2636838"/>
-            <a:ext cx="8229600" cy="1252537"/>
-          </a:xfrm>
-        </p:spPr>
-        <p:txBody>
-          <a:bodyPr>
-            <a:normAutofit/>
-          </a:bodyPr>
-          <a:lstStyle/>
-          <a:p>
-            <a:pPr eaLnBrk="1" hangingPunct="1"/>
-            <a:r>
-              <a:rPr lang="es-PE" sz="4000" b="1" smtClean="0">
-                <a:solidFill>
-                  <a:srgbClr val="C00000"/>
-                </a:solidFill>
-              </a:rPr>
-              <a:t>INTRODUCCION</a:t>
-            </a:r>
-            <a:br>
-              <a:rPr lang="es-PE" sz="4000" b="1" smtClean="0">
-                <a:solidFill>
-                  <a:srgbClr val="C00000"/>
-                </a:solidFill>
-              </a:rPr>
-            </a:br>
-            <a:r>
-              <a:rPr lang="es-PE" sz="4000" b="1" smtClean="0">
-                <a:solidFill>
-                  <a:srgbClr val="C00000"/>
-                </a:solidFill>
-              </a:rPr>
-              <a:t>(Contratos de Clientes)</a:t>
-            </a:r>
-          </a:p>
-        </p:txBody>
-      </p:sp>
-      <p:pic>
-        <p:nvPicPr>
-          <p:cNvPr id="44035" name="Picture 2" descr="http://img.creativosonline.org/blog/wp-content/uploads/2012/02/consejos-contrato-autonomo-exito.jpg"/>
-          <p:cNvPicPr>
-            <a:picLocks noChangeAspect="1" noChangeArrowheads="1"/>
-          </p:cNvPicPr>
-          <p:nvPr/>
-        </p:nvPicPr>
-        <p:blipFill>
-          <a:blip r:embed="rId2"/>
-          <a:srcRect/>
-          <a:stretch>
-            <a:fillRect/>
-          </a:stretch>
-        </p:blipFill>
-        <p:spPr bwMode="auto">
-          <a:xfrm>
-            <a:off x="2916238" y="3933825"/>
-            <a:ext cx="3743325" cy="2246313"/>
-          </a:xfrm>
-          <a:prstGeom prst="rect">
-            <a:avLst/>
-          </a:prstGeom>
-          <a:noFill/>
-          <a:ln w="9525">
-            <a:noFill/>
-            <a:miter lim="800000"/>
-            <a:headEnd/>
-            <a:tailEnd/>
-          </a:ln>
-        </p:spPr>
-      </p:pic>
-    </p:spTree>
-  </p:cSld>
-  <p:clrMapOvr>
-    <a:masterClrMapping/>
-  </p:clrMapOvr>
-</p:sld>
-</file>
-
-<file path=ppt/slides/slide20.xml><?xml version="1.0" encoding="utf-8"?>
+<file path=ppt/slides/slide21.xml><?xml version="1.0" encoding="utf-8"?>
 <p:sld xmlns:a="http://schemas.openxmlformats.org/drawingml/2006/main" xmlns:r="http://schemas.openxmlformats.org/officeDocument/2006/relationships" xmlns:p="http://schemas.openxmlformats.org/presentationml/2006/main">
   <p:cSld>
     <p:spTree>
@@ -20095,7 +20306,7 @@
       </p:graphicFrame>
       <p:pic>
         <p:nvPicPr>
-          <p:cNvPr id="32784" name="Picture 2"/>
+          <p:cNvPr id="35856" name="Picture 2"/>
           <p:cNvPicPr>
             <a:picLocks noChangeAspect="1" noChangeArrowheads="1"/>
           </p:cNvPicPr>
@@ -20127,7 +20338,7 @@
       </p:pic>
       <p:pic>
         <p:nvPicPr>
-          <p:cNvPr id="32785" name="Picture 3"/>
+          <p:cNvPr id="35857" name="Picture 3"/>
           <p:cNvPicPr>
             <a:picLocks noChangeAspect="1" noChangeArrowheads="1"/>
           </p:cNvPicPr>
@@ -20159,7 +20370,7 @@
       </p:pic>
       <p:pic>
         <p:nvPicPr>
-          <p:cNvPr id="32786" name="Picture 4"/>
+          <p:cNvPr id="35858" name="Picture 4"/>
           <p:cNvPicPr>
             <a:picLocks noChangeAspect="1" noChangeArrowheads="1"/>
           </p:cNvPicPr>
@@ -20204,7 +20415,7 @@
 </p:sld>
 </file>
 
-<file path=ppt/slides/slide21.xml><?xml version="1.0" encoding="utf-8"?>
+<file path=ppt/slides/slide22.xml><?xml version="1.0" encoding="utf-8"?>
 <p:sld xmlns:a="http://schemas.openxmlformats.org/drawingml/2006/main" xmlns:r="http://schemas.openxmlformats.org/officeDocument/2006/relationships" xmlns:p="http://schemas.openxmlformats.org/presentationml/2006/main">
   <p:cSld>
     <p:spTree>
@@ -20288,7 +20499,7 @@
 </p:sld>
 </file>
 
-<file path=ppt/slides/slide22.xml><?xml version="1.0" encoding="utf-8"?>
+<file path=ppt/slides/slide23.xml><?xml version="1.0" encoding="utf-8"?>
 <p:sld xmlns:a="http://schemas.openxmlformats.org/drawingml/2006/main" xmlns:r="http://schemas.openxmlformats.org/officeDocument/2006/relationships" xmlns:p="http://schemas.openxmlformats.org/presentationml/2006/main">
   <p:cSld>
     <p:spTree>
@@ -20338,7 +20549,7 @@
       </p:sp>
       <p:pic>
         <p:nvPicPr>
-          <p:cNvPr id="34818" name="Picture 2"/>
+          <p:cNvPr id="37890" name="Picture 2"/>
           <p:cNvPicPr>
             <a:picLocks noChangeAspect="1" noChangeArrowheads="1"/>
           </p:cNvPicPr>
@@ -20383,7 +20594,7 @@
 </p:sld>
 </file>
 
-<file path=ppt/slides/slide23.xml><?xml version="1.0" encoding="utf-8"?>
+<file path=ppt/slides/slide24.xml><?xml version="1.0" encoding="utf-8"?>
 <p:sld xmlns:a="http://schemas.openxmlformats.org/drawingml/2006/main" xmlns:r="http://schemas.openxmlformats.org/officeDocument/2006/relationships" xmlns:p="http://schemas.openxmlformats.org/presentationml/2006/main">
   <p:cSld>
     <p:spTree>
@@ -20402,7 +20613,7 @@
       </p:grpSpPr>
       <p:sp>
         <p:nvSpPr>
-          <p:cNvPr id="35841" name="1 Título"/>
+          <p:cNvPr id="38913" name="1 Título"/>
           <p:cNvSpPr>
             <a:spLocks noGrp="1"/>
           </p:cNvSpPr>
@@ -20431,7 +20642,7 @@
       </p:sp>
       <p:sp>
         <p:nvSpPr>
-          <p:cNvPr id="35842" name="2 Subtítulo"/>
+          <p:cNvPr id="38914" name="2 Subtítulo"/>
           <p:cNvSpPr>
             <a:spLocks noGrp="1"/>
           </p:cNvSpPr>
@@ -20459,7 +20670,7 @@
       </p:sp>
       <p:sp>
         <p:nvSpPr>
-          <p:cNvPr id="35843" name="3 CuadroTexto"/>
+          <p:cNvPr id="38915" name="3 CuadroTexto"/>
           <p:cNvSpPr txBox="1">
             <a:spLocks noChangeArrowheads="1"/>
           </p:cNvSpPr>
@@ -20544,7 +20755,7 @@
       </p:sp>
       <p:sp>
         <p:nvSpPr>
-          <p:cNvPr id="35844" name="4 CuadroTexto"/>
+          <p:cNvPr id="38916" name="4 CuadroTexto"/>
           <p:cNvSpPr txBox="1">
             <a:spLocks noChangeArrowheads="1"/>
           </p:cNvSpPr>
@@ -20627,7 +20838,7 @@
       </p:grpSpPr>
       <p:sp>
         <p:nvSpPr>
-          <p:cNvPr id="3" name="2 Título"/>
+          <p:cNvPr id="17409" name="2 Título"/>
           <p:cNvSpPr>
             <a:spLocks noGrp="1"/>
           </p:cNvSpPr>
@@ -20642,9 +20853,7 @@
           </a:xfrm>
         </p:spPr>
         <p:txBody>
-          <a:bodyPr>
-            <a:normAutofit/>
-          </a:bodyPr>
+          <a:bodyPr/>
           <a:lstStyle/>
           <a:p>
             <a:pPr eaLnBrk="1" hangingPunct="1"/>
@@ -20661,7 +20870,7 @@
       </p:sp>
       <p:pic>
         <p:nvPicPr>
-          <p:cNvPr id="43013" name="Picture 5"/>
+          <p:cNvPr id="17410" name="Picture 5"/>
           <p:cNvPicPr>
             <a:picLocks noChangeAspect="1" noChangeArrowheads="1"/>
           </p:cNvPicPr>
@@ -20689,12 +20898,11 @@
             <a:headEnd/>
             <a:tailEnd/>
           </a:ln>
-          <a:effectLst/>
         </p:spPr>
       </p:pic>
       <p:pic>
         <p:nvPicPr>
-          <p:cNvPr id="43014" name="Picture 6"/>
+          <p:cNvPr id="17411" name="Picture 6"/>
           <p:cNvPicPr>
             <a:picLocks noChangeAspect="1" noChangeArrowheads="1"/>
           </p:cNvPicPr>
@@ -20810,7 +21018,7 @@
       </p:sp>
       <p:pic>
         <p:nvPicPr>
-          <p:cNvPr id="15364" name="Picture 4"/>
+          <p:cNvPr id="18434" name="Picture 4"/>
           <p:cNvPicPr>
             <a:picLocks noChangeAspect="1" noChangeArrowheads="1"/>
           </p:cNvPicPr>
@@ -20834,7 +21042,7 @@
           <a:noFill/>
           <a:ln w="9525">
             <a:solidFill>
-              <a:schemeClr val="tx1"/>
+              <a:schemeClr val="tx2"/>
             </a:solidFill>
             <a:miter lim="800000"/>
             <a:headEnd/>
@@ -20869,7 +21077,7 @@
       </p:grpSpPr>
       <p:sp>
         <p:nvSpPr>
-          <p:cNvPr id="16385" name="2 Título"/>
+          <p:cNvPr id="19457" name="2 Título"/>
           <p:cNvSpPr>
             <a:spLocks noGrp="1"/>
           </p:cNvSpPr>
@@ -20892,7 +21100,7 @@
       </p:sp>
       <p:pic>
         <p:nvPicPr>
-          <p:cNvPr id="16386" name="Picture 2"/>
+          <p:cNvPr id="19458" name="Picture 2"/>
           <p:cNvPicPr>
             <a:picLocks noChangeAspect="1" noChangeArrowheads="1"/>
           </p:cNvPicPr>
@@ -20987,7 +21195,7 @@
       </p:sp>
       <p:pic>
         <p:nvPicPr>
-          <p:cNvPr id="17410" name="Picture 3"/>
+          <p:cNvPr id="20482" name="Picture 3"/>
           <p:cNvPicPr>
             <a:picLocks noChangeAspect="1" noChangeArrowheads="1"/>
           </p:cNvPicPr>
@@ -21051,7 +21259,7 @@
       </p:grpSpPr>
       <p:sp>
         <p:nvSpPr>
-          <p:cNvPr id="18433" name="2 Título"/>
+          <p:cNvPr id="21505" name="2 Título"/>
           <p:cNvSpPr>
             <a:spLocks noGrp="1"/>
           </p:cNvSpPr>
@@ -21074,7 +21282,7 @@
       </p:sp>
       <p:pic>
         <p:nvPicPr>
-          <p:cNvPr id="18434" name="Picture 2"/>
+          <p:cNvPr id="21506" name="Picture 2"/>
           <p:cNvPicPr>
             <a:picLocks noChangeAspect="1" noChangeArrowheads="1"/>
           </p:cNvPicPr>
@@ -21120,6 +21328,114 @@
 </file>
 
 <file path=ppt/slides/slide8.xml><?xml version="1.0" encoding="utf-8"?>
+<p:sld xmlns:a="http://schemas.openxmlformats.org/drawingml/2006/main" xmlns:r="http://schemas.openxmlformats.org/officeDocument/2006/relationships" xmlns:p="http://schemas.openxmlformats.org/presentationml/2006/main">
+  <p:cSld>
+    <p:spTree>
+      <p:nvGrpSpPr>
+        <p:cNvPr id="1" name=""/>
+        <p:cNvGrpSpPr/>
+        <p:nvPr/>
+      </p:nvGrpSpPr>
+      <p:grpSpPr>
+        <a:xfrm>
+          <a:off x="0" y="0"/>
+          <a:ext cx="0" cy="0"/>
+          <a:chOff x="0" y="0"/>
+          <a:chExt cx="0" cy="0"/>
+        </a:xfrm>
+      </p:grpSpPr>
+      <p:sp>
+        <p:nvSpPr>
+          <p:cNvPr id="3" name="2 Título"/>
+          <p:cNvSpPr>
+            <a:spLocks noGrp="1"/>
+          </p:cNvSpPr>
+          <p:nvPr>
+            <p:ph type="title" idx="4294967295"/>
+          </p:nvPr>
+        </p:nvSpPr>
+        <p:spPr>
+          <a:xfrm>
+            <a:off x="611188" y="2852738"/>
+            <a:ext cx="8229600" cy="1252537"/>
+          </a:xfrm>
+        </p:spPr>
+        <p:txBody>
+          <a:bodyPr>
+            <a:normAutofit/>
+          </a:bodyPr>
+          <a:lstStyle/>
+          <a:p>
+            <a:pPr eaLnBrk="1" hangingPunct="1"/>
+            <a:r>
+              <a:rPr lang="es-PE" sz="4000" b="1" smtClean="0">
+                <a:solidFill>
+                  <a:srgbClr val="C00000"/>
+                </a:solidFill>
+              </a:rPr>
+              <a:t>MODELADO DE CASOS DE USO DEL NEGOCIO</a:t>
+            </a:r>
+            <a:br>
+              <a:rPr lang="es-PE" sz="4000" b="1" smtClean="0">
+                <a:solidFill>
+                  <a:srgbClr val="C00000"/>
+                </a:solidFill>
+              </a:rPr>
+            </a:br>
+            <a:r>
+              <a:rPr lang="es-PE" sz="4000" b="1" smtClean="0">
+                <a:solidFill>
+                  <a:srgbClr val="C00000"/>
+                </a:solidFill>
+              </a:rPr>
+              <a:t>(Contratos de Clientes)</a:t>
+            </a:r>
+          </a:p>
+        </p:txBody>
+      </p:sp>
+      <p:pic>
+        <p:nvPicPr>
+          <p:cNvPr id="46083" name="Picture 3"/>
+          <p:cNvPicPr>
+            <a:picLocks noChangeAspect="1" noChangeArrowheads="1"/>
+          </p:cNvPicPr>
+          <p:nvPr/>
+        </p:nvPicPr>
+        <p:blipFill>
+          <a:blip r:embed="rId2"/>
+          <a:srcRect l="31824" t="28128" r="13156" b="21042"/>
+          <a:stretch>
+            <a:fillRect/>
+          </a:stretch>
+        </p:blipFill>
+        <p:spPr bwMode="auto">
+          <a:xfrm>
+            <a:off x="3400425" y="4508500"/>
+            <a:ext cx="2971800" cy="2066925"/>
+          </a:xfrm>
+          <a:prstGeom prst="rect">
+            <a:avLst/>
+          </a:prstGeom>
+          <a:noFill/>
+          <a:ln w="9525">
+            <a:solidFill>
+              <a:schemeClr val="tx2"/>
+            </a:solidFill>
+            <a:miter lim="800000"/>
+            <a:headEnd/>
+            <a:tailEnd/>
+          </a:ln>
+        </p:spPr>
+      </p:pic>
+    </p:spTree>
+  </p:cSld>
+  <p:clrMapOvr>
+    <a:masterClrMapping/>
+  </p:clrMapOvr>
+</p:sld>
+</file>
+
+<file path=ppt/slides/slide9.xml><?xml version="1.0" encoding="utf-8"?>
 <p:sld xmlns:a="http://schemas.openxmlformats.org/drawingml/2006/main" xmlns:r="http://schemas.openxmlformats.org/officeDocument/2006/relationships" xmlns:p="http://schemas.openxmlformats.org/presentationml/2006/main">
   <p:cSld>
     <p:spTree>
@@ -21200,231 +21516,6 @@
   <p:clrMapOvr>
     <a:masterClrMapping/>
   </p:clrMapOvr>
-</p:sld>
-</file>
-
-<file path=ppt/slides/slide9.xml><?xml version="1.0" encoding="utf-8"?>
-<p:sld xmlns:a="http://schemas.openxmlformats.org/drawingml/2006/main" xmlns:r="http://schemas.openxmlformats.org/officeDocument/2006/relationships" xmlns:p="http://schemas.openxmlformats.org/presentationml/2006/main">
-  <p:cSld>
-    <p:spTree>
-      <p:nvGrpSpPr>
-        <p:cNvPr id="1" name=""/>
-        <p:cNvGrpSpPr/>
-        <p:nvPr/>
-      </p:nvGrpSpPr>
-      <p:grpSpPr>
-        <a:xfrm>
-          <a:off x="0" y="0"/>
-          <a:ext cx="0" cy="0"/>
-          <a:chOff x="0" y="0"/>
-          <a:chExt cx="0" cy="0"/>
-        </a:xfrm>
-      </p:grpSpPr>
-      <p:sp>
-        <p:nvSpPr>
-          <p:cNvPr id="3" name="2 Título"/>
-          <p:cNvSpPr>
-            <a:spLocks noGrp="1"/>
-          </p:cNvSpPr>
-          <p:nvPr>
-            <p:ph type="title"/>
-          </p:nvPr>
-        </p:nvSpPr>
-        <p:spPr/>
-        <p:txBody>
-          <a:bodyPr rtlCol="0">
-            <a:normAutofit fontScale="90000"/>
-          </a:bodyPr>
-          <a:lstStyle/>
-          <a:p>
-            <a:pPr eaLnBrk="1" fontAlgn="auto" hangingPunct="1">
-              <a:spcAft>
-                <a:spcPts val="0"/>
-              </a:spcAft>
-              <a:defRPr/>
-            </a:pPr>
-            <a:r>
-              <a:rPr lang="es-PE" dirty="0" smtClean="0"/>
-              <a:t>Modelo de Casos de uso del negocio</a:t>
-            </a:r>
-            <a:br>
-              <a:rPr lang="es-PE" dirty="0" smtClean="0"/>
-            </a:br>
-            <a:r>
-              <a:rPr lang="es-PE" dirty="0" smtClean="0"/>
-              <a:t>(Contratos de Clientes)</a:t>
-            </a:r>
-            <a:endParaRPr lang="es-PE" dirty="0"/>
-          </a:p>
-        </p:txBody>
-      </p:sp>
-      <p:graphicFrame>
-        <p:nvGraphicFramePr>
-          <p:cNvPr id="4" name="3 Tabla"/>
-          <p:cNvGraphicFramePr>
-            <a:graphicFrameLocks noGrp="1"/>
-          </p:cNvGraphicFramePr>
-          <p:nvPr/>
-        </p:nvGraphicFramePr>
-        <p:xfrm>
-          <a:off x="323850" y="2708275"/>
-          <a:ext cx="8496300" cy="3600450"/>
-        </p:xfrm>
-        <a:graphic>
-          <a:graphicData uri="http://schemas.openxmlformats.org/drawingml/2006/table">
-            <a:tbl>
-              <a:tblPr firstRow="1" bandRow="1">
-                <a:tableStyleId>{BC89EF96-8CEA-46FF-86C4-4CE0E7609802}</a:tableStyleId>
-              </a:tblPr>
-              <a:tblGrid>
-                <a:gridCol w="2664296"/>
-                <a:gridCol w="2952328"/>
-                <a:gridCol w="2880321"/>
-              </a:tblGrid>
-              <a:tr h="3600400">
-                <a:tc>
-                  <a:txBody>
-                    <a:bodyPr/>
-                    <a:lstStyle/>
-                    <a:p>
-                      <a:endParaRPr lang="es-ES" dirty="0"/>
-                    </a:p>
-                  </a:txBody>
-                  <a:tcPr/>
-                </a:tc>
-                <a:tc>
-                  <a:txBody>
-                    <a:bodyPr/>
-                    <a:lstStyle/>
-                    <a:p>
-                      <a:endParaRPr lang="es-ES" dirty="0"/>
-                    </a:p>
-                  </a:txBody>
-                  <a:tcPr/>
-                </a:tc>
-                <a:tc>
-                  <a:txBody>
-                    <a:bodyPr/>
-                    <a:lstStyle/>
-                    <a:p>
-                      <a:endParaRPr lang="es-ES" dirty="0"/>
-                    </a:p>
-                  </a:txBody>
-                  <a:tcPr/>
-                </a:tc>
-              </a:tr>
-            </a:tbl>
-          </a:graphicData>
-        </a:graphic>
-      </p:graphicFrame>
-      <p:pic>
-        <p:nvPicPr>
-          <p:cNvPr id="20492" name="Picture 3"/>
-          <p:cNvPicPr>
-            <a:picLocks noChangeAspect="1" noChangeArrowheads="1"/>
-          </p:cNvPicPr>
-          <p:nvPr/>
-        </p:nvPicPr>
-        <p:blipFill>
-          <a:blip r:embed="rId2"/>
-          <a:srcRect/>
-          <a:stretch>
-            <a:fillRect/>
-          </a:stretch>
-        </p:blipFill>
-        <p:spPr bwMode="auto">
-          <a:xfrm>
-            <a:off x="704850" y="3644900"/>
-            <a:ext cx="1995488" cy="1655763"/>
-          </a:xfrm>
-          <a:prstGeom prst="rect">
-            <a:avLst/>
-          </a:prstGeom>
-          <a:noFill/>
-          <a:ln w="9525">
-            <a:noFill/>
-            <a:miter lim="800000"/>
-            <a:headEnd/>
-            <a:tailEnd/>
-          </a:ln>
-        </p:spPr>
-      </p:pic>
-      <p:pic>
-        <p:nvPicPr>
-          <p:cNvPr id="20493" name="Picture 4"/>
-          <p:cNvPicPr>
-            <a:picLocks noChangeAspect="1" noChangeArrowheads="1"/>
-          </p:cNvPicPr>
-          <p:nvPr/>
-        </p:nvPicPr>
-        <p:blipFill>
-          <a:blip r:embed="rId3"/>
-          <a:srcRect/>
-          <a:stretch>
-            <a:fillRect/>
-          </a:stretch>
-        </p:blipFill>
-        <p:spPr bwMode="auto">
-          <a:xfrm>
-            <a:off x="3348038" y="3706813"/>
-            <a:ext cx="2243137" cy="1666875"/>
-          </a:xfrm>
-          <a:prstGeom prst="rect">
-            <a:avLst/>
-          </a:prstGeom>
-          <a:noFill/>
-          <a:ln w="9525">
-            <a:noFill/>
-            <a:miter lim="800000"/>
-            <a:headEnd/>
-            <a:tailEnd/>
-          </a:ln>
-        </p:spPr>
-      </p:pic>
-      <p:pic>
-        <p:nvPicPr>
-          <p:cNvPr id="20494" name="Picture 5"/>
-          <p:cNvPicPr>
-            <a:picLocks noChangeAspect="1" noChangeArrowheads="1"/>
-          </p:cNvPicPr>
-          <p:nvPr/>
-        </p:nvPicPr>
-        <p:blipFill>
-          <a:blip r:embed="rId4"/>
-          <a:srcRect/>
-          <a:stretch>
-            <a:fillRect/>
-          </a:stretch>
-        </p:blipFill>
-        <p:spPr bwMode="auto">
-          <a:xfrm>
-            <a:off x="6372225" y="3644900"/>
-            <a:ext cx="2138363" cy="1728788"/>
-          </a:xfrm>
-          <a:prstGeom prst="rect">
-            <a:avLst/>
-          </a:prstGeom>
-          <a:noFill/>
-          <a:ln w="9525">
-            <a:noFill/>
-            <a:miter lim="800000"/>
-            <a:headEnd/>
-            <a:tailEnd/>
-          </a:ln>
-        </p:spPr>
-      </p:pic>
-    </p:spTree>
-  </p:cSld>
-  <p:clrMapOvr>
-    <a:masterClrMapping/>
-  </p:clrMapOvr>
-  <p:timing>
-    <p:tnLst>
-      <p:par>
-        <p:cTn id="1" dur="indefinite" restart="never" nodeType="tmRoot"/>
-      </p:par>
-    </p:tnLst>
-  </p:timing>
 </p:sld>
 </file>
 
